--- a/2009/CCMP_PSI_SI_Roburoc/images/Figures.pptx
+++ b/2009/CCMP_PSI_SI_Roburoc/images/Figures.pptx
@@ -6,9 +6,11 @@
   </p:sldMasterIdLst>
   <p:sldIdLst>
     <p:sldId id="256" r:id="rId2"/>
-    <p:sldId id="257" r:id="rId3"/>
-    <p:sldId id="258" r:id="rId4"/>
-    <p:sldId id="259" r:id="rId5"/>
+    <p:sldId id="260" r:id="rId3"/>
+    <p:sldId id="261" r:id="rId4"/>
+    <p:sldId id="257" r:id="rId5"/>
+    <p:sldId id="258" r:id="rId6"/>
+    <p:sldId id="259" r:id="rId7"/>
   </p:sldIdLst>
   <p:sldSz cx="12192000" cy="6858000"/>
   <p:notesSz cx="6858000" cy="9144000"/>
@@ -273,7 +275,7 @@
           <a:p>
             <a:fld id="{09EECFAC-1254-4C1B-8D44-747D8ED10A4A}" type="datetimeFigureOut">
               <a:rPr lang="fr-FR" smtClean="0"/>
-              <a:t>26/01/2022</a:t>
+              <a:t>19/03/2022</a:t>
             </a:fld>
             <a:endParaRPr lang="fr-FR"/>
           </a:p>
@@ -471,7 +473,7 @@
           <a:p>
             <a:fld id="{09EECFAC-1254-4C1B-8D44-747D8ED10A4A}" type="datetimeFigureOut">
               <a:rPr lang="fr-FR" smtClean="0"/>
-              <a:t>26/01/2022</a:t>
+              <a:t>19/03/2022</a:t>
             </a:fld>
             <a:endParaRPr lang="fr-FR"/>
           </a:p>
@@ -679,7 +681,7 @@
           <a:p>
             <a:fld id="{09EECFAC-1254-4C1B-8D44-747D8ED10A4A}" type="datetimeFigureOut">
               <a:rPr lang="fr-FR" smtClean="0"/>
-              <a:t>26/01/2022</a:t>
+              <a:t>19/03/2022</a:t>
             </a:fld>
             <a:endParaRPr lang="fr-FR"/>
           </a:p>
@@ -877,7 +879,7 @@
           <a:p>
             <a:fld id="{09EECFAC-1254-4C1B-8D44-747D8ED10A4A}" type="datetimeFigureOut">
               <a:rPr lang="fr-FR" smtClean="0"/>
-              <a:t>26/01/2022</a:t>
+              <a:t>19/03/2022</a:t>
             </a:fld>
             <a:endParaRPr lang="fr-FR"/>
           </a:p>
@@ -1152,7 +1154,7 @@
           <a:p>
             <a:fld id="{09EECFAC-1254-4C1B-8D44-747D8ED10A4A}" type="datetimeFigureOut">
               <a:rPr lang="fr-FR" smtClean="0"/>
-              <a:t>26/01/2022</a:t>
+              <a:t>19/03/2022</a:t>
             </a:fld>
             <a:endParaRPr lang="fr-FR"/>
           </a:p>
@@ -1417,7 +1419,7 @@
           <a:p>
             <a:fld id="{09EECFAC-1254-4C1B-8D44-747D8ED10A4A}" type="datetimeFigureOut">
               <a:rPr lang="fr-FR" smtClean="0"/>
-              <a:t>26/01/2022</a:t>
+              <a:t>19/03/2022</a:t>
             </a:fld>
             <a:endParaRPr lang="fr-FR"/>
           </a:p>
@@ -1829,7 +1831,7 @@
           <a:p>
             <a:fld id="{09EECFAC-1254-4C1B-8D44-747D8ED10A4A}" type="datetimeFigureOut">
               <a:rPr lang="fr-FR" smtClean="0"/>
-              <a:t>26/01/2022</a:t>
+              <a:t>19/03/2022</a:t>
             </a:fld>
             <a:endParaRPr lang="fr-FR"/>
           </a:p>
@@ -1970,7 +1972,7 @@
           <a:p>
             <a:fld id="{09EECFAC-1254-4C1B-8D44-747D8ED10A4A}" type="datetimeFigureOut">
               <a:rPr lang="fr-FR" smtClean="0"/>
-              <a:t>26/01/2022</a:t>
+              <a:t>19/03/2022</a:t>
             </a:fld>
             <a:endParaRPr lang="fr-FR"/>
           </a:p>
@@ -2083,7 +2085,7 @@
           <a:p>
             <a:fld id="{09EECFAC-1254-4C1B-8D44-747D8ED10A4A}" type="datetimeFigureOut">
               <a:rPr lang="fr-FR" smtClean="0"/>
-              <a:t>26/01/2022</a:t>
+              <a:t>19/03/2022</a:t>
             </a:fld>
             <a:endParaRPr lang="fr-FR"/>
           </a:p>
@@ -2394,7 +2396,7 @@
           <a:p>
             <a:fld id="{09EECFAC-1254-4C1B-8D44-747D8ED10A4A}" type="datetimeFigureOut">
               <a:rPr lang="fr-FR" smtClean="0"/>
-              <a:t>26/01/2022</a:t>
+              <a:t>19/03/2022</a:t>
             </a:fld>
             <a:endParaRPr lang="fr-FR"/>
           </a:p>
@@ -2682,7 +2684,7 @@
           <a:p>
             <a:fld id="{09EECFAC-1254-4C1B-8D44-747D8ED10A4A}" type="datetimeFigureOut">
               <a:rPr lang="fr-FR" smtClean="0"/>
-              <a:t>26/01/2022</a:t>
+              <a:t>19/03/2022</a:t>
             </a:fld>
             <a:endParaRPr lang="fr-FR"/>
           </a:p>
@@ -2923,7 +2925,7 @@
           <a:p>
             <a:fld id="{09EECFAC-1254-4C1B-8D44-747D8ED10A4A}" type="datetimeFigureOut">
               <a:rPr lang="fr-FR" smtClean="0"/>
-              <a:t>26/01/2022</a:t>
+              <a:t>19/03/2022</a:t>
             </a:fld>
             <a:endParaRPr lang="fr-FR"/>
           </a:p>
@@ -3340,52 +3342,260 @@
           <a:chExt cx="0" cy="0"/>
         </a:xfrm>
       </p:grpSpPr>
-      <p:sp>
-        <p:nvSpPr>
-          <p:cNvPr id="2" name="Titre 1">
+      <p:pic>
+        <p:nvPicPr>
+          <p:cNvPr id="11" name="Image 10">
             <a:extLst>
               <a:ext uri="{FF2B5EF4-FFF2-40B4-BE49-F238E27FC236}">
-                <a16:creationId xmlns:a16="http://schemas.microsoft.com/office/drawing/2014/main" id="{F8835C6C-9B8C-4DAA-A107-9C9AA4E27131}"/>
+                <a16:creationId xmlns:a16="http://schemas.microsoft.com/office/drawing/2014/main" id="{E0AC7D62-EAA3-4ED9-95BF-207A6DDA89C5}"/>
               </a:ext>
             </a:extLst>
           </p:cNvPr>
-          <p:cNvSpPr>
-            <a:spLocks noGrp="1"/>
-          </p:cNvSpPr>
-          <p:nvPr>
-            <p:ph type="ctrTitle"/>
-          </p:nvPr>
+          <p:cNvPicPr>
+            <a:picLocks noChangeAspect="1"/>
+          </p:cNvPicPr>
+          <p:nvPr/>
+        </p:nvPicPr>
+        <p:blipFill>
+          <a:blip r:embed="rId2"/>
+          <a:stretch>
+            <a:fillRect/>
+          </a:stretch>
+        </p:blipFill>
+        <p:spPr>
+          <a:xfrm>
+            <a:off x="1752600" y="690562"/>
+            <a:ext cx="8686800" cy="5476875"/>
+          </a:xfrm>
+          <a:prstGeom prst="rect">
+            <a:avLst/>
+          </a:prstGeom>
+        </p:spPr>
+      </p:pic>
+      <p:sp>
+        <p:nvSpPr>
+          <p:cNvPr id="12" name="Flèche : haut 11">
+            <a:extLst>
+              <a:ext uri="{FF2B5EF4-FFF2-40B4-BE49-F238E27FC236}">
+                <a16:creationId xmlns:a16="http://schemas.microsoft.com/office/drawing/2014/main" id="{344337AC-D76D-448A-B481-2D5FEFE0F312}"/>
+              </a:ext>
+            </a:extLst>
+          </p:cNvPr>
+          <p:cNvSpPr/>
+          <p:nvPr/>
         </p:nvSpPr>
-        <p:spPr/>
+        <p:spPr>
+          <a:xfrm>
+            <a:off x="7017249" y="595902"/>
+            <a:ext cx="390418" cy="788202"/>
+          </a:xfrm>
+          <a:prstGeom prst="upArrow">
+            <a:avLst>
+              <a:gd name="adj1" fmla="val 44737"/>
+              <a:gd name="adj2" fmla="val 52632"/>
+            </a:avLst>
+          </a:prstGeom>
+          <a:solidFill>
+            <a:srgbClr val="FFC000"/>
+          </a:solidFill>
+          <a:ln w="28575">
+            <a:solidFill>
+              <a:srgbClr val="FF0000"/>
+            </a:solidFill>
+          </a:ln>
+        </p:spPr>
+        <p:style>
+          <a:lnRef idx="2">
+            <a:schemeClr val="accent1">
+              <a:shade val="50000"/>
+            </a:schemeClr>
+          </a:lnRef>
+          <a:fillRef idx="1">
+            <a:schemeClr val="accent1"/>
+          </a:fillRef>
+          <a:effectRef idx="0">
+            <a:schemeClr val="accent1"/>
+          </a:effectRef>
+          <a:fontRef idx="minor">
+            <a:schemeClr val="lt1"/>
+          </a:fontRef>
+        </p:style>
         <p:txBody>
-          <a:bodyPr/>
+          <a:bodyPr rtlCol="0" anchor="ctr"/>
           <a:lstStyle/>
           <a:p>
+            <a:pPr algn="ctr"/>
             <a:endParaRPr lang="fr-FR"/>
           </a:p>
         </p:txBody>
       </p:sp>
       <p:sp>
         <p:nvSpPr>
-          <p:cNvPr id="3" name="Sous-titre 2">
+          <p:cNvPr id="13" name="Flèche : haut 12">
             <a:extLst>
               <a:ext uri="{FF2B5EF4-FFF2-40B4-BE49-F238E27FC236}">
-                <a16:creationId xmlns:a16="http://schemas.microsoft.com/office/drawing/2014/main" id="{0149E734-E5B3-4CEC-9DD5-C6C36C0A939E}"/>
+                <a16:creationId xmlns:a16="http://schemas.microsoft.com/office/drawing/2014/main" id="{44C9F97E-B972-473B-B229-8F695FFBA611}"/>
               </a:ext>
             </a:extLst>
           </p:cNvPr>
-          <p:cNvSpPr>
-            <a:spLocks noGrp="1"/>
-          </p:cNvSpPr>
-          <p:nvPr>
-            <p:ph type="subTitle" idx="1"/>
-          </p:nvPr>
+          <p:cNvSpPr/>
+          <p:nvPr/>
         </p:nvSpPr>
-        <p:spPr/>
+        <p:spPr>
+          <a:xfrm rot="10800000">
+            <a:off x="3985516" y="595902"/>
+            <a:ext cx="390418" cy="788202"/>
+          </a:xfrm>
+          <a:prstGeom prst="upArrow">
+            <a:avLst>
+              <a:gd name="adj1" fmla="val 44737"/>
+              <a:gd name="adj2" fmla="val 52632"/>
+            </a:avLst>
+          </a:prstGeom>
+          <a:solidFill>
+            <a:srgbClr val="FFC000"/>
+          </a:solidFill>
+          <a:ln w="28575">
+            <a:solidFill>
+              <a:srgbClr val="FF0000"/>
+            </a:solidFill>
+          </a:ln>
+        </p:spPr>
+        <p:style>
+          <a:lnRef idx="2">
+            <a:schemeClr val="accent1">
+              <a:shade val="50000"/>
+            </a:schemeClr>
+          </a:lnRef>
+          <a:fillRef idx="1">
+            <a:schemeClr val="accent1"/>
+          </a:fillRef>
+          <a:effectRef idx="0">
+            <a:schemeClr val="accent1"/>
+          </a:effectRef>
+          <a:fontRef idx="minor">
+            <a:schemeClr val="lt1"/>
+          </a:fontRef>
+        </p:style>
         <p:txBody>
-          <a:bodyPr/>
+          <a:bodyPr rtlCol="0" anchor="ctr"/>
           <a:lstStyle/>
           <a:p>
+            <a:pPr algn="ctr"/>
+            <a:endParaRPr lang="fr-FR"/>
+          </a:p>
+        </p:txBody>
+      </p:sp>
+      <p:sp>
+        <p:nvSpPr>
+          <p:cNvPr id="14" name="Flèche : haut 13">
+            <a:extLst>
+              <a:ext uri="{FF2B5EF4-FFF2-40B4-BE49-F238E27FC236}">
+                <a16:creationId xmlns:a16="http://schemas.microsoft.com/office/drawing/2014/main" id="{91F7AB5D-360E-44D2-B20A-8DC7A8DBB630}"/>
+              </a:ext>
+            </a:extLst>
+          </p:cNvPr>
+          <p:cNvSpPr/>
+          <p:nvPr/>
+        </p:nvSpPr>
+        <p:spPr>
+          <a:xfrm>
+            <a:off x="5828567" y="3667874"/>
+            <a:ext cx="267433" cy="539911"/>
+          </a:xfrm>
+          <a:prstGeom prst="upArrow">
+            <a:avLst>
+              <a:gd name="adj1" fmla="val 44737"/>
+              <a:gd name="adj2" fmla="val 52632"/>
+            </a:avLst>
+          </a:prstGeom>
+          <a:solidFill>
+            <a:srgbClr val="884A4A"/>
+          </a:solidFill>
+          <a:ln w="12700">
+            <a:solidFill>
+              <a:schemeClr val="tx1"/>
+            </a:solidFill>
+          </a:ln>
+        </p:spPr>
+        <p:style>
+          <a:lnRef idx="2">
+            <a:schemeClr val="accent1">
+              <a:shade val="50000"/>
+            </a:schemeClr>
+          </a:lnRef>
+          <a:fillRef idx="1">
+            <a:schemeClr val="accent1"/>
+          </a:fillRef>
+          <a:effectRef idx="0">
+            <a:schemeClr val="accent1"/>
+          </a:effectRef>
+          <a:fontRef idx="minor">
+            <a:schemeClr val="lt1"/>
+          </a:fontRef>
+        </p:style>
+        <p:txBody>
+          <a:bodyPr rtlCol="0" anchor="ctr"/>
+          <a:lstStyle/>
+          <a:p>
+            <a:pPr algn="ctr"/>
+            <a:endParaRPr lang="fr-FR"/>
+          </a:p>
+        </p:txBody>
+      </p:sp>
+      <p:sp>
+        <p:nvSpPr>
+          <p:cNvPr id="15" name="Flèche : haut 14">
+            <a:extLst>
+              <a:ext uri="{FF2B5EF4-FFF2-40B4-BE49-F238E27FC236}">
+                <a16:creationId xmlns:a16="http://schemas.microsoft.com/office/drawing/2014/main" id="{981A3E3D-6237-4548-B715-6176C2146C6E}"/>
+              </a:ext>
+            </a:extLst>
+          </p:cNvPr>
+          <p:cNvSpPr/>
+          <p:nvPr/>
+        </p:nvSpPr>
+        <p:spPr>
+          <a:xfrm>
+            <a:off x="5246060" y="3667874"/>
+            <a:ext cx="267433" cy="539911"/>
+          </a:xfrm>
+          <a:prstGeom prst="upArrow">
+            <a:avLst>
+              <a:gd name="adj1" fmla="val 44737"/>
+              <a:gd name="adj2" fmla="val 52632"/>
+            </a:avLst>
+          </a:prstGeom>
+          <a:solidFill>
+            <a:srgbClr val="4D84FF"/>
+          </a:solidFill>
+          <a:ln w="12700">
+            <a:solidFill>
+              <a:schemeClr val="tx1"/>
+            </a:solidFill>
+          </a:ln>
+        </p:spPr>
+        <p:style>
+          <a:lnRef idx="2">
+            <a:schemeClr val="accent1">
+              <a:shade val="50000"/>
+            </a:schemeClr>
+          </a:lnRef>
+          <a:fillRef idx="1">
+            <a:schemeClr val="accent1"/>
+          </a:fillRef>
+          <a:effectRef idx="0">
+            <a:schemeClr val="accent1"/>
+          </a:effectRef>
+          <a:fontRef idx="minor">
+            <a:schemeClr val="lt1"/>
+          </a:fontRef>
+        </p:style>
+        <p:txBody>
+          <a:bodyPr rtlCol="0" anchor="ctr"/>
+          <a:lstStyle/>
+          <a:p>
+            <a:pPr algn="ctr"/>
             <a:endParaRPr lang="fr-FR"/>
           </a:p>
         </p:txBody>
@@ -3404,6 +3614,846 @@
 </file>
 
 <file path=ppt/slides/slide2.xml><?xml version="1.0" encoding="utf-8"?>
+<p:sld xmlns:a="http://schemas.openxmlformats.org/drawingml/2006/main" xmlns:r="http://schemas.openxmlformats.org/officeDocument/2006/relationships" xmlns:p="http://schemas.openxmlformats.org/presentationml/2006/main">
+  <p:cSld>
+    <p:spTree>
+      <p:nvGrpSpPr>
+        <p:cNvPr id="1" name=""/>
+        <p:cNvGrpSpPr/>
+        <p:nvPr/>
+      </p:nvGrpSpPr>
+      <p:grpSpPr>
+        <a:xfrm>
+          <a:off x="0" y="0"/>
+          <a:ext cx="0" cy="0"/>
+          <a:chOff x="0" y="0"/>
+          <a:chExt cx="0" cy="0"/>
+        </a:xfrm>
+      </p:grpSpPr>
+      <p:pic>
+        <p:nvPicPr>
+          <p:cNvPr id="5" name="Image 4">
+            <a:extLst>
+              <a:ext uri="{FF2B5EF4-FFF2-40B4-BE49-F238E27FC236}">
+                <a16:creationId xmlns:a16="http://schemas.microsoft.com/office/drawing/2014/main" id="{175B81A4-9EEF-4262-94ED-711AB2A8FEC8}"/>
+              </a:ext>
+            </a:extLst>
+          </p:cNvPr>
+          <p:cNvPicPr>
+            <a:picLocks noChangeAspect="1"/>
+          </p:cNvPicPr>
+          <p:nvPr/>
+        </p:nvPicPr>
+        <p:blipFill>
+          <a:blip r:embed="rId2"/>
+          <a:stretch>
+            <a:fillRect/>
+          </a:stretch>
+        </p:blipFill>
+        <p:spPr>
+          <a:xfrm>
+            <a:off x="0" y="825867"/>
+            <a:ext cx="12192000" cy="5206266"/>
+          </a:xfrm>
+          <a:prstGeom prst="rect">
+            <a:avLst/>
+          </a:prstGeom>
+        </p:spPr>
+      </p:pic>
+      <p:cxnSp>
+        <p:nvCxnSpPr>
+          <p:cNvPr id="7" name="Connecteur droit 6">
+            <a:extLst>
+              <a:ext uri="{FF2B5EF4-FFF2-40B4-BE49-F238E27FC236}">
+                <a16:creationId xmlns:a16="http://schemas.microsoft.com/office/drawing/2014/main" id="{93220974-6CFE-439F-A45C-9B12FDA4315A}"/>
+              </a:ext>
+            </a:extLst>
+          </p:cNvPr>
+          <p:cNvCxnSpPr>
+            <a:cxnSpLocks/>
+          </p:cNvCxnSpPr>
+          <p:nvPr/>
+        </p:nvCxnSpPr>
+        <p:spPr>
+          <a:xfrm>
+            <a:off x="6215865" y="2229492"/>
+            <a:ext cx="1089061" cy="0"/>
+          </a:xfrm>
+          <a:prstGeom prst="line">
+            <a:avLst/>
+          </a:prstGeom>
+          <a:ln w="76200"/>
+        </p:spPr>
+        <p:style>
+          <a:lnRef idx="1">
+            <a:schemeClr val="accent1"/>
+          </a:lnRef>
+          <a:fillRef idx="0">
+            <a:schemeClr val="accent1"/>
+          </a:fillRef>
+          <a:effectRef idx="0">
+            <a:schemeClr val="accent1"/>
+          </a:effectRef>
+          <a:fontRef idx="minor">
+            <a:schemeClr val="tx1"/>
+          </a:fontRef>
+        </p:style>
+      </p:cxnSp>
+      <p:cxnSp>
+        <p:nvCxnSpPr>
+          <p:cNvPr id="9" name="Connecteur droit 8">
+            <a:extLst>
+              <a:ext uri="{FF2B5EF4-FFF2-40B4-BE49-F238E27FC236}">
+                <a16:creationId xmlns:a16="http://schemas.microsoft.com/office/drawing/2014/main" id="{0F40579F-D52E-45A6-B7B5-8CDDAD2B9AD4}"/>
+              </a:ext>
+            </a:extLst>
+          </p:cNvPr>
+          <p:cNvCxnSpPr>
+            <a:cxnSpLocks/>
+          </p:cNvCxnSpPr>
+          <p:nvPr/>
+        </p:nvCxnSpPr>
+        <p:spPr>
+          <a:xfrm>
+            <a:off x="7662809" y="2505182"/>
+            <a:ext cx="1089061" cy="0"/>
+          </a:xfrm>
+          <a:prstGeom prst="line">
+            <a:avLst/>
+          </a:prstGeom>
+          <a:ln w="76200"/>
+        </p:spPr>
+        <p:style>
+          <a:lnRef idx="1">
+            <a:schemeClr val="accent1"/>
+          </a:lnRef>
+          <a:fillRef idx="0">
+            <a:schemeClr val="accent1"/>
+          </a:fillRef>
+          <a:effectRef idx="0">
+            <a:schemeClr val="accent1"/>
+          </a:effectRef>
+          <a:fontRef idx="minor">
+            <a:schemeClr val="tx1"/>
+          </a:fontRef>
+        </p:style>
+      </p:cxnSp>
+      <p:cxnSp>
+        <p:nvCxnSpPr>
+          <p:cNvPr id="10" name="Connecteur droit 9">
+            <a:extLst>
+              <a:ext uri="{FF2B5EF4-FFF2-40B4-BE49-F238E27FC236}">
+                <a16:creationId xmlns:a16="http://schemas.microsoft.com/office/drawing/2014/main" id="{B1C8C4B0-C1F1-4302-BA3E-AE81829658AC}"/>
+              </a:ext>
+            </a:extLst>
+          </p:cNvPr>
+          <p:cNvCxnSpPr>
+            <a:cxnSpLocks/>
+          </p:cNvCxnSpPr>
+          <p:nvPr/>
+        </p:nvCxnSpPr>
+        <p:spPr>
+          <a:xfrm>
+            <a:off x="7662809" y="2229492"/>
+            <a:ext cx="1089061" cy="0"/>
+          </a:xfrm>
+          <a:prstGeom prst="line">
+            <a:avLst/>
+          </a:prstGeom>
+          <a:ln w="76200">
+            <a:solidFill>
+              <a:srgbClr val="C00000"/>
+            </a:solidFill>
+          </a:ln>
+        </p:spPr>
+        <p:style>
+          <a:lnRef idx="1">
+            <a:schemeClr val="accent1"/>
+          </a:lnRef>
+          <a:fillRef idx="0">
+            <a:schemeClr val="accent1"/>
+          </a:fillRef>
+          <a:effectRef idx="0">
+            <a:schemeClr val="accent1"/>
+          </a:effectRef>
+          <a:fontRef idx="minor">
+            <a:schemeClr val="tx1"/>
+          </a:fontRef>
+        </p:style>
+      </p:cxnSp>
+      <p:cxnSp>
+        <p:nvCxnSpPr>
+          <p:cNvPr id="11" name="Connecteur droit 10">
+            <a:extLst>
+              <a:ext uri="{FF2B5EF4-FFF2-40B4-BE49-F238E27FC236}">
+                <a16:creationId xmlns:a16="http://schemas.microsoft.com/office/drawing/2014/main" id="{D6E3382E-1971-4AFC-A4D5-419CC1C0B418}"/>
+              </a:ext>
+            </a:extLst>
+          </p:cNvPr>
+          <p:cNvCxnSpPr>
+            <a:cxnSpLocks/>
+          </p:cNvCxnSpPr>
+          <p:nvPr/>
+        </p:nvCxnSpPr>
+        <p:spPr>
+          <a:xfrm>
+            <a:off x="6215865" y="2494908"/>
+            <a:ext cx="1089061" cy="0"/>
+          </a:xfrm>
+          <a:prstGeom prst="line">
+            <a:avLst/>
+          </a:prstGeom>
+          <a:ln w="76200">
+            <a:solidFill>
+              <a:srgbClr val="C00000"/>
+            </a:solidFill>
+          </a:ln>
+        </p:spPr>
+        <p:style>
+          <a:lnRef idx="1">
+            <a:schemeClr val="accent1"/>
+          </a:lnRef>
+          <a:fillRef idx="0">
+            <a:schemeClr val="accent1"/>
+          </a:fillRef>
+          <a:effectRef idx="0">
+            <a:schemeClr val="accent1"/>
+          </a:effectRef>
+          <a:fontRef idx="minor">
+            <a:schemeClr val="tx1"/>
+          </a:fontRef>
+        </p:style>
+      </p:cxnSp>
+      <p:cxnSp>
+        <p:nvCxnSpPr>
+          <p:cNvPr id="14" name="Connecteur droit 13">
+            <a:extLst>
+              <a:ext uri="{FF2B5EF4-FFF2-40B4-BE49-F238E27FC236}">
+                <a16:creationId xmlns:a16="http://schemas.microsoft.com/office/drawing/2014/main" id="{4A7F6071-7E0D-4395-AA28-002D20F33B9A}"/>
+              </a:ext>
+            </a:extLst>
+          </p:cNvPr>
+          <p:cNvCxnSpPr>
+            <a:cxnSpLocks/>
+          </p:cNvCxnSpPr>
+          <p:nvPr/>
+        </p:nvCxnSpPr>
+        <p:spPr>
+          <a:xfrm>
+            <a:off x="7304926" y="2229492"/>
+            <a:ext cx="357883" cy="275690"/>
+          </a:xfrm>
+          <a:prstGeom prst="line">
+            <a:avLst/>
+          </a:prstGeom>
+          <a:ln w="76200"/>
+        </p:spPr>
+        <p:style>
+          <a:lnRef idx="1">
+            <a:schemeClr val="accent1"/>
+          </a:lnRef>
+          <a:fillRef idx="0">
+            <a:schemeClr val="accent1"/>
+          </a:fillRef>
+          <a:effectRef idx="0">
+            <a:schemeClr val="accent1"/>
+          </a:effectRef>
+          <a:fontRef idx="minor">
+            <a:schemeClr val="tx1"/>
+          </a:fontRef>
+        </p:style>
+      </p:cxnSp>
+      <p:cxnSp>
+        <p:nvCxnSpPr>
+          <p:cNvPr id="17" name="Connecteur droit 16">
+            <a:extLst>
+              <a:ext uri="{FF2B5EF4-FFF2-40B4-BE49-F238E27FC236}">
+                <a16:creationId xmlns:a16="http://schemas.microsoft.com/office/drawing/2014/main" id="{5557BF64-7007-49D1-A993-A2AD85989FEF}"/>
+              </a:ext>
+            </a:extLst>
+          </p:cNvPr>
+          <p:cNvCxnSpPr>
+            <a:cxnSpLocks/>
+          </p:cNvCxnSpPr>
+          <p:nvPr/>
+        </p:nvCxnSpPr>
+        <p:spPr>
+          <a:xfrm flipV="1">
+            <a:off x="7304926" y="2229492"/>
+            <a:ext cx="357883" cy="265416"/>
+          </a:xfrm>
+          <a:prstGeom prst="line">
+            <a:avLst/>
+          </a:prstGeom>
+          <a:ln w="76200">
+            <a:solidFill>
+              <a:srgbClr val="C00000"/>
+            </a:solidFill>
+          </a:ln>
+        </p:spPr>
+        <p:style>
+          <a:lnRef idx="1">
+            <a:schemeClr val="accent1"/>
+          </a:lnRef>
+          <a:fillRef idx="0">
+            <a:schemeClr val="accent1"/>
+          </a:fillRef>
+          <a:effectRef idx="0">
+            <a:schemeClr val="accent1"/>
+          </a:effectRef>
+          <a:fontRef idx="minor">
+            <a:schemeClr val="tx1"/>
+          </a:fontRef>
+        </p:style>
+      </p:cxnSp>
+    </p:spTree>
+    <p:extLst>
+      <p:ext uri="{BB962C8B-B14F-4D97-AF65-F5344CB8AC3E}">
+        <p14:creationId xmlns:p14="http://schemas.microsoft.com/office/powerpoint/2010/main" val="1825310594"/>
+      </p:ext>
+    </p:extLst>
+  </p:cSld>
+  <p:clrMapOvr>
+    <a:masterClrMapping/>
+  </p:clrMapOvr>
+</p:sld>
+</file>
+
+<file path=ppt/slides/slide3.xml><?xml version="1.0" encoding="utf-8"?>
+<p:sld xmlns:a="http://schemas.openxmlformats.org/drawingml/2006/main" xmlns:r="http://schemas.openxmlformats.org/officeDocument/2006/relationships" xmlns:p="http://schemas.openxmlformats.org/presentationml/2006/main">
+  <p:cSld>
+    <p:spTree>
+      <p:nvGrpSpPr>
+        <p:cNvPr id="1" name=""/>
+        <p:cNvGrpSpPr/>
+        <p:nvPr/>
+      </p:nvGrpSpPr>
+      <p:grpSpPr>
+        <a:xfrm>
+          <a:off x="0" y="0"/>
+          <a:ext cx="0" cy="0"/>
+          <a:chOff x="0" y="0"/>
+          <a:chExt cx="0" cy="0"/>
+        </a:xfrm>
+      </p:grpSpPr>
+      <mc:AlternateContent xmlns:mc="http://schemas.openxmlformats.org/markup-compatibility/2006">
+        <mc:Choice xmlns:a14="http://schemas.microsoft.com/office/drawing/2010/main" Requires="a14">
+          <p:sp>
+            <p:nvSpPr>
+              <p:cNvPr id="22" name="Rectangle 21">
+                <a:extLst>
+                  <a:ext uri="{FF2B5EF4-FFF2-40B4-BE49-F238E27FC236}">
+                    <a16:creationId xmlns:a16="http://schemas.microsoft.com/office/drawing/2014/main" id="{ABCF4E23-79FE-408E-8958-1F86E7132429}"/>
+                  </a:ext>
+                </a:extLst>
+              </p:cNvPr>
+              <p:cNvSpPr/>
+              <p:nvPr/>
+            </p:nvSpPr>
+            <p:spPr>
+              <a:xfrm>
+                <a:off x="4150398" y="4864608"/>
+                <a:ext cx="1945602" cy="740664"/>
+              </a:xfrm>
+              <a:prstGeom prst="rect">
+                <a:avLst/>
+              </a:prstGeom>
+              <a:solidFill>
+                <a:schemeClr val="accent6">
+                  <a:lumMod val="20000"/>
+                  <a:lumOff val="80000"/>
+                </a:schemeClr>
+              </a:solidFill>
+              <a:ln w="38100">
+                <a:noFill/>
+              </a:ln>
+            </p:spPr>
+            <p:style>
+              <a:lnRef idx="2">
+                <a:schemeClr val="accent1">
+                  <a:shade val="50000"/>
+                </a:schemeClr>
+              </a:lnRef>
+              <a:fillRef idx="1">
+                <a:schemeClr val="accent1"/>
+              </a:fillRef>
+              <a:effectRef idx="0">
+                <a:schemeClr val="accent1"/>
+              </a:effectRef>
+              <a:fontRef idx="minor">
+                <a:schemeClr val="lt1"/>
+              </a:fontRef>
+            </p:style>
+            <p:txBody>
+              <a:bodyPr rtlCol="0" anchor="t"/>
+              <a:lstStyle/>
+              <a:p>
+                <a:pPr algn="ctr"/>
+                <a14:m>
+                  <m:oMathPara xmlns:m="http://schemas.openxmlformats.org/officeDocument/2006/math">
+                    <m:oMathParaPr>
+                      <m:jc m:val="centerGroup"/>
+                    </m:oMathParaPr>
+                    <m:oMath xmlns:m="http://schemas.openxmlformats.org/officeDocument/2006/math">
+                      <m:sSub>
+                        <m:sSubPr>
+                          <m:ctrlPr>
+                            <a:rPr lang="fr-FR" sz="1400" b="0" i="1" smtClean="0">
+                              <a:solidFill>
+                                <a:schemeClr val="tx1"/>
+                              </a:solidFill>
+                              <a:latin typeface="Cambria Math" panose="02040503050406030204" pitchFamily="18" charset="0"/>
+                            </a:rPr>
+                          </m:ctrlPr>
+                        </m:sSubPr>
+                        <m:e>
+                          <m:r>
+                            <a:rPr lang="fr-FR" sz="1400" b="0" i="1" smtClean="0">
+                              <a:solidFill>
+                                <a:schemeClr val="tx1"/>
+                              </a:solidFill>
+                              <a:latin typeface="Cambria Math" panose="02040503050406030204" pitchFamily="18" charset="0"/>
+                            </a:rPr>
+                            <m:t>𝑃</m:t>
+                          </m:r>
+                        </m:e>
+                        <m:sub>
+                          <m:r>
+                            <a:rPr lang="fr-FR" sz="1400" b="0" i="1" smtClean="0">
+                              <a:solidFill>
+                                <a:schemeClr val="tx1"/>
+                              </a:solidFill>
+                              <a:latin typeface="Cambria Math" panose="02040503050406030204" pitchFamily="18" charset="0"/>
+                            </a:rPr>
+                            <m:t>2</m:t>
+                          </m:r>
+                        </m:sub>
+                      </m:sSub>
+                    </m:oMath>
+                  </m:oMathPara>
+                </a14:m>
+                <a:endParaRPr lang="fr-FR" sz="1400" dirty="0">
+                  <a:solidFill>
+                    <a:schemeClr val="tx1"/>
+                  </a:solidFill>
+                </a:endParaRPr>
+              </a:p>
+            </p:txBody>
+          </p:sp>
+        </mc:Choice>
+        <mc:Fallback>
+          <p:sp>
+            <p:nvSpPr>
+              <p:cNvPr id="22" name="Rectangle 21">
+                <a:extLst>
+                  <a:ext uri="{FF2B5EF4-FFF2-40B4-BE49-F238E27FC236}">
+                    <a16:creationId xmlns:a16="http://schemas.microsoft.com/office/drawing/2014/main" id="{ABCF4E23-79FE-408E-8958-1F86E7132429}"/>
+                  </a:ext>
+                </a:extLst>
+              </p:cNvPr>
+              <p:cNvSpPr>
+                <a:spLocks noRot="1" noChangeAspect="1" noMove="1" noResize="1" noEditPoints="1" noAdjustHandles="1" noChangeArrowheads="1" noChangeShapeType="1" noTextEdit="1"/>
+              </p:cNvSpPr>
+              <p:nvPr/>
+            </p:nvSpPr>
+            <p:spPr>
+              <a:xfrm>
+                <a:off x="4150398" y="4864608"/>
+                <a:ext cx="1945602" cy="740664"/>
+              </a:xfrm>
+              <a:prstGeom prst="rect">
+                <a:avLst/>
+              </a:prstGeom>
+              <a:blipFill>
+                <a:blip r:embed="rId2"/>
+                <a:stretch>
+                  <a:fillRect/>
+                </a:stretch>
+              </a:blipFill>
+              <a:ln w="38100">
+                <a:noFill/>
+              </a:ln>
+            </p:spPr>
+            <p:txBody>
+              <a:bodyPr/>
+              <a:lstStyle/>
+              <a:p>
+                <a:r>
+                  <a:rPr lang="fr-FR">
+                    <a:noFill/>
+                  </a:rPr>
+                  <a:t> </a:t>
+                </a:r>
+              </a:p>
+            </p:txBody>
+          </p:sp>
+        </mc:Fallback>
+      </mc:AlternateContent>
+      <mc:AlternateContent xmlns:mc="http://schemas.openxmlformats.org/markup-compatibility/2006">
+        <mc:Choice xmlns:a14="http://schemas.microsoft.com/office/drawing/2010/main" Requires="a14">
+          <p:sp>
+            <p:nvSpPr>
+              <p:cNvPr id="21" name="Rectangle 20">
+                <a:extLst>
+                  <a:ext uri="{FF2B5EF4-FFF2-40B4-BE49-F238E27FC236}">
+                    <a16:creationId xmlns:a16="http://schemas.microsoft.com/office/drawing/2014/main" id="{E243FDFD-9276-4CF0-A6C3-FB7FC0BA6F8C}"/>
+                  </a:ext>
+                </a:extLst>
+              </p:cNvPr>
+              <p:cNvSpPr/>
+              <p:nvPr/>
+            </p:nvSpPr>
+            <p:spPr>
+              <a:xfrm>
+                <a:off x="3209544" y="4864608"/>
+                <a:ext cx="839292" cy="740664"/>
+              </a:xfrm>
+              <a:prstGeom prst="rect">
+                <a:avLst/>
+              </a:prstGeom>
+              <a:solidFill>
+                <a:schemeClr val="accent4">
+                  <a:lumMod val="20000"/>
+                  <a:lumOff val="80000"/>
+                </a:schemeClr>
+              </a:solidFill>
+              <a:ln w="38100">
+                <a:noFill/>
+              </a:ln>
+            </p:spPr>
+            <p:style>
+              <a:lnRef idx="2">
+                <a:schemeClr val="accent1">
+                  <a:shade val="50000"/>
+                </a:schemeClr>
+              </a:lnRef>
+              <a:fillRef idx="1">
+                <a:schemeClr val="accent1"/>
+              </a:fillRef>
+              <a:effectRef idx="0">
+                <a:schemeClr val="accent1"/>
+              </a:effectRef>
+              <a:fontRef idx="minor">
+                <a:schemeClr val="lt1"/>
+              </a:fontRef>
+            </p:style>
+            <p:txBody>
+              <a:bodyPr rtlCol="0" anchor="ctr"/>
+              <a:lstStyle/>
+              <a:p>
+                <a:pPr algn="ctr"/>
+                <a14:m>
+                  <m:oMathPara xmlns:m="http://schemas.openxmlformats.org/officeDocument/2006/math">
+                    <m:oMathParaPr>
+                      <m:jc m:val="centerGroup"/>
+                    </m:oMathParaPr>
+                    <m:oMath xmlns:m="http://schemas.openxmlformats.org/officeDocument/2006/math">
+                      <m:sSub>
+                        <m:sSubPr>
+                          <m:ctrlPr>
+                            <a:rPr lang="fr-FR" b="0" i="1" smtClean="0">
+                              <a:solidFill>
+                                <a:schemeClr val="tx1"/>
+                              </a:solidFill>
+                              <a:latin typeface="Cambria Math" panose="02040503050406030204" pitchFamily="18" charset="0"/>
+                            </a:rPr>
+                          </m:ctrlPr>
+                        </m:sSubPr>
+                        <m:e>
+                          <m:r>
+                            <a:rPr lang="fr-FR" b="0" i="1" smtClean="0">
+                              <a:solidFill>
+                                <a:schemeClr val="tx1"/>
+                              </a:solidFill>
+                              <a:latin typeface="Cambria Math" panose="02040503050406030204" pitchFamily="18" charset="0"/>
+                            </a:rPr>
+                            <m:t>𝑃</m:t>
+                          </m:r>
+                        </m:e>
+                        <m:sub>
+                          <m:r>
+                            <a:rPr lang="fr-FR" b="0" i="1" smtClean="0">
+                              <a:solidFill>
+                                <a:schemeClr val="tx1"/>
+                              </a:solidFill>
+                              <a:latin typeface="Cambria Math" panose="02040503050406030204" pitchFamily="18" charset="0"/>
+                            </a:rPr>
+                            <m:t>1</m:t>
+                          </m:r>
+                        </m:sub>
+                      </m:sSub>
+                    </m:oMath>
+                  </m:oMathPara>
+                </a14:m>
+                <a:endParaRPr lang="fr-FR" dirty="0">
+                  <a:solidFill>
+                    <a:schemeClr val="tx1"/>
+                  </a:solidFill>
+                </a:endParaRPr>
+              </a:p>
+            </p:txBody>
+          </p:sp>
+        </mc:Choice>
+        <mc:Fallback>
+          <p:sp>
+            <p:nvSpPr>
+              <p:cNvPr id="21" name="Rectangle 20">
+                <a:extLst>
+                  <a:ext uri="{FF2B5EF4-FFF2-40B4-BE49-F238E27FC236}">
+                    <a16:creationId xmlns:a16="http://schemas.microsoft.com/office/drawing/2014/main" id="{E243FDFD-9276-4CF0-A6C3-FB7FC0BA6F8C}"/>
+                  </a:ext>
+                </a:extLst>
+              </p:cNvPr>
+              <p:cNvSpPr>
+                <a:spLocks noRot="1" noChangeAspect="1" noMove="1" noResize="1" noEditPoints="1" noAdjustHandles="1" noChangeArrowheads="1" noChangeShapeType="1" noTextEdit="1"/>
+              </p:cNvSpPr>
+              <p:nvPr/>
+            </p:nvSpPr>
+            <p:spPr>
+              <a:xfrm>
+                <a:off x="3209544" y="4864608"/>
+                <a:ext cx="839292" cy="740664"/>
+              </a:xfrm>
+              <a:prstGeom prst="rect">
+                <a:avLst/>
+              </a:prstGeom>
+              <a:blipFill>
+                <a:blip r:embed="rId3"/>
+                <a:stretch>
+                  <a:fillRect/>
+                </a:stretch>
+              </a:blipFill>
+              <a:ln w="38100">
+                <a:noFill/>
+              </a:ln>
+            </p:spPr>
+            <p:txBody>
+              <a:bodyPr/>
+              <a:lstStyle/>
+              <a:p>
+                <a:r>
+                  <a:rPr lang="fr-FR">
+                    <a:noFill/>
+                  </a:rPr>
+                  <a:t> </a:t>
+                </a:r>
+              </a:p>
+            </p:txBody>
+          </p:sp>
+        </mc:Fallback>
+      </mc:AlternateContent>
+      <p:pic>
+        <p:nvPicPr>
+          <p:cNvPr id="5" name="Image 4">
+            <a:extLst>
+              <a:ext uri="{FF2B5EF4-FFF2-40B4-BE49-F238E27FC236}">
+                <a16:creationId xmlns:a16="http://schemas.microsoft.com/office/drawing/2014/main" id="{AA82EF1B-1FBB-49D4-8EA0-0E5B978AD8A6}"/>
+              </a:ext>
+            </a:extLst>
+          </p:cNvPr>
+          <p:cNvPicPr>
+            <a:picLocks noChangeAspect="1"/>
+          </p:cNvPicPr>
+          <p:nvPr/>
+        </p:nvPicPr>
+        <p:blipFill>
+          <a:blip r:embed="rId4"/>
+          <a:stretch>
+            <a:fillRect/>
+          </a:stretch>
+        </p:blipFill>
+        <p:spPr>
+          <a:xfrm>
+            <a:off x="1852635" y="0"/>
+            <a:ext cx="8486729" cy="3922193"/>
+          </a:xfrm>
+          <a:prstGeom prst="rect">
+            <a:avLst/>
+          </a:prstGeom>
+        </p:spPr>
+      </p:pic>
+      <p:sp>
+        <p:nvSpPr>
+          <p:cNvPr id="15" name="Rectangle 14">
+            <a:extLst>
+              <a:ext uri="{FF2B5EF4-FFF2-40B4-BE49-F238E27FC236}">
+                <a16:creationId xmlns:a16="http://schemas.microsoft.com/office/drawing/2014/main" id="{D92B2F38-063A-45A2-98C1-8853493E8817}"/>
+              </a:ext>
+            </a:extLst>
+          </p:cNvPr>
+          <p:cNvSpPr/>
+          <p:nvPr/>
+        </p:nvSpPr>
+        <p:spPr>
+          <a:xfrm>
+            <a:off x="3209544" y="4864608"/>
+            <a:ext cx="2886456" cy="740664"/>
+          </a:xfrm>
+          <a:prstGeom prst="rect">
+            <a:avLst/>
+          </a:prstGeom>
+          <a:noFill/>
+          <a:ln w="38100">
+            <a:solidFill>
+              <a:srgbClr val="002060"/>
+            </a:solidFill>
+          </a:ln>
+        </p:spPr>
+        <p:style>
+          <a:lnRef idx="2">
+            <a:schemeClr val="accent1">
+              <a:shade val="50000"/>
+            </a:schemeClr>
+          </a:lnRef>
+          <a:fillRef idx="1">
+            <a:schemeClr val="accent1"/>
+          </a:fillRef>
+          <a:effectRef idx="0">
+            <a:schemeClr val="accent1"/>
+          </a:effectRef>
+          <a:fontRef idx="minor">
+            <a:schemeClr val="lt1"/>
+          </a:fontRef>
+        </p:style>
+        <p:txBody>
+          <a:bodyPr rtlCol="0" anchor="ctr"/>
+          <a:lstStyle/>
+          <a:p>
+            <a:pPr algn="ctr"/>
+            <a:endParaRPr lang="fr-FR"/>
+          </a:p>
+        </p:txBody>
+      </p:sp>
+      <p:sp>
+        <p:nvSpPr>
+          <p:cNvPr id="16" name="Rectangle : coins arrondis 15">
+            <a:extLst>
+              <a:ext uri="{FF2B5EF4-FFF2-40B4-BE49-F238E27FC236}">
+                <a16:creationId xmlns:a16="http://schemas.microsoft.com/office/drawing/2014/main" id="{3EDB644D-417B-4375-8937-BCE4D5457DA2}"/>
+              </a:ext>
+            </a:extLst>
+          </p:cNvPr>
+          <p:cNvSpPr/>
+          <p:nvPr/>
+        </p:nvSpPr>
+        <p:spPr>
+          <a:xfrm>
+            <a:off x="3985146" y="4864608"/>
+            <a:ext cx="266814" cy="740664"/>
+          </a:xfrm>
+          <a:prstGeom prst="roundRect">
+            <a:avLst>
+              <a:gd name="adj" fmla="val 43616"/>
+            </a:avLst>
+          </a:prstGeom>
+          <a:solidFill>
+            <a:schemeClr val="accent1">
+              <a:lumMod val="20000"/>
+              <a:lumOff val="80000"/>
+            </a:schemeClr>
+          </a:solidFill>
+          <a:ln w="38100">
+            <a:solidFill>
+              <a:srgbClr val="002060"/>
+            </a:solidFill>
+          </a:ln>
+        </p:spPr>
+        <p:style>
+          <a:lnRef idx="2">
+            <a:schemeClr val="accent1">
+              <a:shade val="50000"/>
+            </a:schemeClr>
+          </a:lnRef>
+          <a:fillRef idx="1">
+            <a:schemeClr val="accent1"/>
+          </a:fillRef>
+          <a:effectRef idx="0">
+            <a:schemeClr val="accent1"/>
+          </a:effectRef>
+          <a:fontRef idx="minor">
+            <a:schemeClr val="lt1"/>
+          </a:fontRef>
+        </p:style>
+        <p:txBody>
+          <a:bodyPr rtlCol="0" anchor="ctr"/>
+          <a:lstStyle/>
+          <a:p>
+            <a:pPr algn="ctr"/>
+            <a:endParaRPr lang="fr-FR" dirty="0"/>
+          </a:p>
+        </p:txBody>
+      </p:sp>
+      <p:sp>
+        <p:nvSpPr>
+          <p:cNvPr id="18" name="Rectangle 17">
+            <a:extLst>
+              <a:ext uri="{FF2B5EF4-FFF2-40B4-BE49-F238E27FC236}">
+                <a16:creationId xmlns:a16="http://schemas.microsoft.com/office/drawing/2014/main" id="{C76B4B39-117E-4A5E-92FA-98289890DB2D}"/>
+              </a:ext>
+            </a:extLst>
+          </p:cNvPr>
+          <p:cNvSpPr/>
+          <p:nvPr/>
+        </p:nvSpPr>
+        <p:spPr>
+          <a:xfrm>
+            <a:off x="4251960" y="5158740"/>
+            <a:ext cx="2886456" cy="152400"/>
+          </a:xfrm>
+          <a:prstGeom prst="rect">
+            <a:avLst/>
+          </a:prstGeom>
+          <a:solidFill>
+            <a:schemeClr val="accent1">
+              <a:lumMod val="20000"/>
+              <a:lumOff val="80000"/>
+            </a:schemeClr>
+          </a:solidFill>
+          <a:ln w="38100">
+            <a:solidFill>
+              <a:srgbClr val="002060"/>
+            </a:solidFill>
+          </a:ln>
+        </p:spPr>
+        <p:style>
+          <a:lnRef idx="2">
+            <a:schemeClr val="accent1">
+              <a:shade val="50000"/>
+            </a:schemeClr>
+          </a:lnRef>
+          <a:fillRef idx="1">
+            <a:schemeClr val="accent1"/>
+          </a:fillRef>
+          <a:effectRef idx="0">
+            <a:schemeClr val="accent1"/>
+          </a:effectRef>
+          <a:fontRef idx="minor">
+            <a:schemeClr val="lt1"/>
+          </a:fontRef>
+        </p:style>
+        <p:txBody>
+          <a:bodyPr rtlCol="0" anchor="ctr"/>
+          <a:lstStyle/>
+          <a:p>
+            <a:pPr algn="ctr"/>
+            <a:endParaRPr lang="fr-FR"/>
+          </a:p>
+        </p:txBody>
+      </p:sp>
+    </p:spTree>
+    <p:extLst>
+      <p:ext uri="{BB962C8B-B14F-4D97-AF65-F5344CB8AC3E}">
+        <p14:creationId xmlns:p14="http://schemas.microsoft.com/office/powerpoint/2010/main" val="3648905366"/>
+      </p:ext>
+    </p:extLst>
+  </p:cSld>
+  <p:clrMapOvr>
+    <a:masterClrMapping/>
+  </p:clrMapOvr>
+</p:sld>
+</file>
+
+<file path=ppt/slides/slide4.xml><?xml version="1.0" encoding="utf-8"?>
 <p:sld xmlns:a="http://schemas.openxmlformats.org/drawingml/2006/main" xmlns:r="http://schemas.openxmlformats.org/officeDocument/2006/relationships" xmlns:p="http://schemas.openxmlformats.org/presentationml/2006/main">
   <p:cSld>
     <p:spTree>
@@ -8107,7 +9157,7 @@
 </p:sld>
 </file>
 
-<file path=ppt/slides/slide3.xml><?xml version="1.0" encoding="utf-8"?>
+<file path=ppt/slides/slide5.xml><?xml version="1.0" encoding="utf-8"?>
 <p:sld xmlns:a="http://schemas.openxmlformats.org/drawingml/2006/main" xmlns:r="http://schemas.openxmlformats.org/officeDocument/2006/relationships" xmlns:p="http://schemas.openxmlformats.org/presentationml/2006/main">
   <p:cSld>
     <p:spTree>
@@ -10836,7 +11886,7 @@
 </p:sld>
 </file>
 
-<file path=ppt/slides/slide4.xml><?xml version="1.0" encoding="utf-8"?>
+<file path=ppt/slides/slide6.xml><?xml version="1.0" encoding="utf-8"?>
 <p:sld xmlns:a="http://schemas.openxmlformats.org/drawingml/2006/main" xmlns:r="http://schemas.openxmlformats.org/officeDocument/2006/relationships" xmlns:p="http://schemas.openxmlformats.org/presentationml/2006/main">
   <p:cSld>
     <p:spTree>
@@ -11054,8 +12104,8 @@
           </a:fontRef>
         </p:style>
       </p:cxnSp>
-      <mc:AlternateContent xmlns:mc="http://schemas.openxmlformats.org/markup-compatibility/2006">
-        <mc:Choice xmlns:a14="http://schemas.microsoft.com/office/drawing/2010/main" Requires="a14">
+      <mc:AlternateContent xmlns:mc="http://schemas.openxmlformats.org/markup-compatibility/2006" xmlns:a14="http://schemas.microsoft.com/office/drawing/2010/main">
+        <mc:Choice Requires="a14">
           <p:sp>
             <p:nvSpPr>
               <p:cNvPr id="17" name="ZoneTexte 16">
@@ -11086,6 +12136,7 @@
               </a:bodyPr>
               <a:lstStyle/>
               <a:p>
+                <a:pPr/>
                 <a14:m>
                   <m:oMathPara xmlns:m="http://schemas.openxmlformats.org/officeDocument/2006/math">
                     <m:oMathParaPr>
@@ -11118,7 +12169,7 @@
             </p:txBody>
           </p:sp>
         </mc:Choice>
-        <mc:Fallback>
+        <mc:Fallback xmlns="">
           <p:sp>
             <p:nvSpPr>
               <p:cNvPr id="17" name="ZoneTexte 16">

--- a/2009/CCMP_PSI_SI_Roburoc/images/Figures.pptx
+++ b/2009/CCMP_PSI_SI_Roburoc/images/Figures.pptx
@@ -5,12 +5,14 @@
     <p:sldMasterId id="2147483648" r:id="rId1"/>
   </p:sldMasterIdLst>
   <p:sldIdLst>
-    <p:sldId id="256" r:id="rId2"/>
-    <p:sldId id="260" r:id="rId3"/>
-    <p:sldId id="261" r:id="rId4"/>
-    <p:sldId id="257" r:id="rId5"/>
-    <p:sldId id="258" r:id="rId6"/>
-    <p:sldId id="259" r:id="rId7"/>
+    <p:sldId id="262" r:id="rId2"/>
+    <p:sldId id="263" r:id="rId3"/>
+    <p:sldId id="256" r:id="rId4"/>
+    <p:sldId id="260" r:id="rId5"/>
+    <p:sldId id="261" r:id="rId6"/>
+    <p:sldId id="257" r:id="rId7"/>
+    <p:sldId id="258" r:id="rId8"/>
+    <p:sldId id="259" r:id="rId9"/>
   </p:sldIdLst>
   <p:sldSz cx="12192000" cy="6858000"/>
   <p:notesSz cx="6858000" cy="9144000"/>
@@ -112,7 +114,7 @@
   <p:extLst>
     <p:ext uri="{EFAFB233-063F-42B5-8137-9DF3F51BA10A}">
       <p15:sldGuideLst xmlns:p15="http://schemas.microsoft.com/office/powerpoint/2012/main">
-        <p15:guide id="1" orient="horz" pos="2160" userDrawn="1">
+        <p15:guide id="1" orient="horz" pos="2183" userDrawn="1">
           <p15:clr>
             <a:srgbClr val="A4A3A4"/>
           </p15:clr>
@@ -275,7 +277,7 @@
           <a:p>
             <a:fld id="{09EECFAC-1254-4C1B-8D44-747D8ED10A4A}" type="datetimeFigureOut">
               <a:rPr lang="fr-FR" smtClean="0"/>
-              <a:t>19/03/2022</a:t>
+              <a:t>21/03/2022</a:t>
             </a:fld>
             <a:endParaRPr lang="fr-FR"/>
           </a:p>
@@ -473,7 +475,7 @@
           <a:p>
             <a:fld id="{09EECFAC-1254-4C1B-8D44-747D8ED10A4A}" type="datetimeFigureOut">
               <a:rPr lang="fr-FR" smtClean="0"/>
-              <a:t>19/03/2022</a:t>
+              <a:t>21/03/2022</a:t>
             </a:fld>
             <a:endParaRPr lang="fr-FR"/>
           </a:p>
@@ -681,7 +683,7 @@
           <a:p>
             <a:fld id="{09EECFAC-1254-4C1B-8D44-747D8ED10A4A}" type="datetimeFigureOut">
               <a:rPr lang="fr-FR" smtClean="0"/>
-              <a:t>19/03/2022</a:t>
+              <a:t>21/03/2022</a:t>
             </a:fld>
             <a:endParaRPr lang="fr-FR"/>
           </a:p>
@@ -879,7 +881,7 @@
           <a:p>
             <a:fld id="{09EECFAC-1254-4C1B-8D44-747D8ED10A4A}" type="datetimeFigureOut">
               <a:rPr lang="fr-FR" smtClean="0"/>
-              <a:t>19/03/2022</a:t>
+              <a:t>21/03/2022</a:t>
             </a:fld>
             <a:endParaRPr lang="fr-FR"/>
           </a:p>
@@ -1154,7 +1156,7 @@
           <a:p>
             <a:fld id="{09EECFAC-1254-4C1B-8D44-747D8ED10A4A}" type="datetimeFigureOut">
               <a:rPr lang="fr-FR" smtClean="0"/>
-              <a:t>19/03/2022</a:t>
+              <a:t>21/03/2022</a:t>
             </a:fld>
             <a:endParaRPr lang="fr-FR"/>
           </a:p>
@@ -1419,7 +1421,7 @@
           <a:p>
             <a:fld id="{09EECFAC-1254-4C1B-8D44-747D8ED10A4A}" type="datetimeFigureOut">
               <a:rPr lang="fr-FR" smtClean="0"/>
-              <a:t>19/03/2022</a:t>
+              <a:t>21/03/2022</a:t>
             </a:fld>
             <a:endParaRPr lang="fr-FR"/>
           </a:p>
@@ -1831,7 +1833,7 @@
           <a:p>
             <a:fld id="{09EECFAC-1254-4C1B-8D44-747D8ED10A4A}" type="datetimeFigureOut">
               <a:rPr lang="fr-FR" smtClean="0"/>
-              <a:t>19/03/2022</a:t>
+              <a:t>21/03/2022</a:t>
             </a:fld>
             <a:endParaRPr lang="fr-FR"/>
           </a:p>
@@ -1972,7 +1974,7 @@
           <a:p>
             <a:fld id="{09EECFAC-1254-4C1B-8D44-747D8ED10A4A}" type="datetimeFigureOut">
               <a:rPr lang="fr-FR" smtClean="0"/>
-              <a:t>19/03/2022</a:t>
+              <a:t>21/03/2022</a:t>
             </a:fld>
             <a:endParaRPr lang="fr-FR"/>
           </a:p>
@@ -2085,7 +2087,7 @@
           <a:p>
             <a:fld id="{09EECFAC-1254-4C1B-8D44-747D8ED10A4A}" type="datetimeFigureOut">
               <a:rPr lang="fr-FR" smtClean="0"/>
-              <a:t>19/03/2022</a:t>
+              <a:t>21/03/2022</a:t>
             </a:fld>
             <a:endParaRPr lang="fr-FR"/>
           </a:p>
@@ -2396,7 +2398,7 @@
           <a:p>
             <a:fld id="{09EECFAC-1254-4C1B-8D44-747D8ED10A4A}" type="datetimeFigureOut">
               <a:rPr lang="fr-FR" smtClean="0"/>
-              <a:t>19/03/2022</a:t>
+              <a:t>21/03/2022</a:t>
             </a:fld>
             <a:endParaRPr lang="fr-FR"/>
           </a:p>
@@ -2684,7 +2686,7 @@
           <a:p>
             <a:fld id="{09EECFAC-1254-4C1B-8D44-747D8ED10A4A}" type="datetimeFigureOut">
               <a:rPr lang="fr-FR" smtClean="0"/>
-              <a:t>19/03/2022</a:t>
+              <a:t>21/03/2022</a:t>
             </a:fld>
             <a:endParaRPr lang="fr-FR"/>
           </a:p>
@@ -2925,7 +2927,7 @@
           <a:p>
             <a:fld id="{09EECFAC-1254-4C1B-8D44-747D8ED10A4A}" type="datetimeFigureOut">
               <a:rPr lang="fr-FR" smtClean="0"/>
-              <a:t>19/03/2022</a:t>
+              <a:t>21/03/2022</a:t>
             </a:fld>
             <a:endParaRPr lang="fr-FR"/>
           </a:p>
@@ -3342,6 +3344,6528 @@
           <a:chExt cx="0" cy="0"/>
         </a:xfrm>
       </p:grpSpPr>
+      <p:sp>
+        <p:nvSpPr>
+          <p:cNvPr id="4" name="Ellipse 3">
+            <a:extLst>
+              <a:ext uri="{FF2B5EF4-FFF2-40B4-BE49-F238E27FC236}">
+                <a16:creationId xmlns:a16="http://schemas.microsoft.com/office/drawing/2014/main" id="{970E741C-D2BD-49B1-B0BA-A88B54547657}"/>
+              </a:ext>
+            </a:extLst>
+          </p:cNvPr>
+          <p:cNvSpPr/>
+          <p:nvPr/>
+        </p:nvSpPr>
+        <p:spPr>
+          <a:xfrm>
+            <a:off x="3193573" y="3147005"/>
+            <a:ext cx="1241946" cy="600502"/>
+          </a:xfrm>
+          <a:prstGeom prst="ellipse">
+            <a:avLst/>
+          </a:prstGeom>
+          <a:noFill/>
+          <a:ln w="28575">
+            <a:solidFill>
+              <a:srgbClr val="0070C0"/>
+            </a:solidFill>
+          </a:ln>
+        </p:spPr>
+        <p:style>
+          <a:lnRef idx="2">
+            <a:schemeClr val="accent1">
+              <a:shade val="50000"/>
+            </a:schemeClr>
+          </a:lnRef>
+          <a:fillRef idx="1">
+            <a:schemeClr val="accent1"/>
+          </a:fillRef>
+          <a:effectRef idx="0">
+            <a:schemeClr val="accent1"/>
+          </a:effectRef>
+          <a:fontRef idx="minor">
+            <a:schemeClr val="lt1"/>
+          </a:fontRef>
+        </p:style>
+        <p:txBody>
+          <a:bodyPr rtlCol="0" anchor="ctr"/>
+          <a:lstStyle/>
+          <a:p>
+            <a:pPr algn="ctr"/>
+            <a:r>
+              <a:rPr lang="fr-FR" b="1" dirty="0">
+                <a:solidFill>
+                  <a:schemeClr val="tx1"/>
+                </a:solidFill>
+              </a:rPr>
+              <a:t>Pode 2</a:t>
+            </a:r>
+          </a:p>
+        </p:txBody>
+      </p:sp>
+      <p:sp>
+        <p:nvSpPr>
+          <p:cNvPr id="5" name="Ellipse 4">
+            <a:extLst>
+              <a:ext uri="{FF2B5EF4-FFF2-40B4-BE49-F238E27FC236}">
+                <a16:creationId xmlns:a16="http://schemas.microsoft.com/office/drawing/2014/main" id="{79782BC4-81C1-4BC9-9AAB-44AC0DAEA600}"/>
+              </a:ext>
+            </a:extLst>
+          </p:cNvPr>
+          <p:cNvSpPr/>
+          <p:nvPr/>
+        </p:nvSpPr>
+        <p:spPr>
+          <a:xfrm>
+            <a:off x="5475027" y="3147005"/>
+            <a:ext cx="1241946" cy="600502"/>
+          </a:xfrm>
+          <a:prstGeom prst="ellipse">
+            <a:avLst/>
+          </a:prstGeom>
+          <a:noFill/>
+          <a:ln w="28575">
+            <a:solidFill>
+              <a:schemeClr val="accent2"/>
+            </a:solidFill>
+          </a:ln>
+        </p:spPr>
+        <p:style>
+          <a:lnRef idx="2">
+            <a:schemeClr val="accent1">
+              <a:shade val="50000"/>
+            </a:schemeClr>
+          </a:lnRef>
+          <a:fillRef idx="1">
+            <a:schemeClr val="accent1"/>
+          </a:fillRef>
+          <a:effectRef idx="0">
+            <a:schemeClr val="accent1"/>
+          </a:effectRef>
+          <a:fontRef idx="minor">
+            <a:schemeClr val="lt1"/>
+          </a:fontRef>
+        </p:style>
+        <p:txBody>
+          <a:bodyPr rtlCol="0" anchor="ctr"/>
+          <a:lstStyle/>
+          <a:p>
+            <a:pPr algn="ctr"/>
+            <a:r>
+              <a:rPr lang="fr-FR" b="1" dirty="0">
+                <a:solidFill>
+                  <a:schemeClr val="tx1"/>
+                </a:solidFill>
+              </a:rPr>
+              <a:t>Pode 1</a:t>
+            </a:r>
+          </a:p>
+        </p:txBody>
+      </p:sp>
+      <p:sp>
+        <p:nvSpPr>
+          <p:cNvPr id="6" name="Ellipse 5">
+            <a:extLst>
+              <a:ext uri="{FF2B5EF4-FFF2-40B4-BE49-F238E27FC236}">
+                <a16:creationId xmlns:a16="http://schemas.microsoft.com/office/drawing/2014/main" id="{01C516E6-3143-44D7-B17D-38BF5171D3E3}"/>
+              </a:ext>
+            </a:extLst>
+          </p:cNvPr>
+          <p:cNvSpPr/>
+          <p:nvPr/>
+        </p:nvSpPr>
+        <p:spPr>
+          <a:xfrm>
+            <a:off x="7756481" y="3147005"/>
+            <a:ext cx="1241946" cy="600502"/>
+          </a:xfrm>
+          <a:prstGeom prst="ellipse">
+            <a:avLst/>
+          </a:prstGeom>
+          <a:noFill/>
+          <a:ln w="28575">
+            <a:solidFill>
+              <a:srgbClr val="7030A0"/>
+            </a:solidFill>
+          </a:ln>
+        </p:spPr>
+        <p:style>
+          <a:lnRef idx="2">
+            <a:schemeClr val="accent1">
+              <a:shade val="50000"/>
+            </a:schemeClr>
+          </a:lnRef>
+          <a:fillRef idx="1">
+            <a:schemeClr val="accent1"/>
+          </a:fillRef>
+          <a:effectRef idx="0">
+            <a:schemeClr val="accent1"/>
+          </a:effectRef>
+          <a:fontRef idx="minor">
+            <a:schemeClr val="lt1"/>
+          </a:fontRef>
+        </p:style>
+        <p:txBody>
+          <a:bodyPr rtlCol="0" anchor="ctr"/>
+          <a:lstStyle/>
+          <a:p>
+            <a:pPr algn="ctr"/>
+            <a:r>
+              <a:rPr lang="fr-FR" b="1" dirty="0">
+                <a:solidFill>
+                  <a:schemeClr val="tx1"/>
+                </a:solidFill>
+              </a:rPr>
+              <a:t>Pode 3</a:t>
+            </a:r>
+          </a:p>
+        </p:txBody>
+      </p:sp>
+      <p:sp>
+        <p:nvSpPr>
+          <p:cNvPr id="9" name="Ellipse 8">
+            <a:extLst>
+              <a:ext uri="{FF2B5EF4-FFF2-40B4-BE49-F238E27FC236}">
+                <a16:creationId xmlns:a16="http://schemas.microsoft.com/office/drawing/2014/main" id="{EB161F17-0151-422E-8B31-B1D6740EF69A}"/>
+              </a:ext>
+            </a:extLst>
+          </p:cNvPr>
+          <p:cNvSpPr/>
+          <p:nvPr/>
+        </p:nvSpPr>
+        <p:spPr>
+          <a:xfrm>
+            <a:off x="5826000" y="2158945"/>
+            <a:ext cx="540000" cy="540000"/>
+          </a:xfrm>
+          <a:prstGeom prst="ellipse">
+            <a:avLst/>
+          </a:prstGeom>
+          <a:noFill/>
+          <a:ln w="28575">
+            <a:solidFill>
+              <a:schemeClr val="tx1"/>
+            </a:solidFill>
+          </a:ln>
+        </p:spPr>
+        <p:style>
+          <a:lnRef idx="2">
+            <a:schemeClr val="accent1">
+              <a:shade val="50000"/>
+            </a:schemeClr>
+          </a:lnRef>
+          <a:fillRef idx="1">
+            <a:schemeClr val="accent1"/>
+          </a:fillRef>
+          <a:effectRef idx="0">
+            <a:schemeClr val="accent1"/>
+          </a:effectRef>
+          <a:fontRef idx="minor">
+            <a:schemeClr val="lt1"/>
+          </a:fontRef>
+        </p:style>
+        <p:txBody>
+          <a:bodyPr rtlCol="0" anchor="ctr"/>
+          <a:lstStyle/>
+          <a:p>
+            <a:pPr algn="ctr"/>
+            <a:r>
+              <a:rPr lang="fr-FR" b="1" dirty="0">
+                <a:solidFill>
+                  <a:schemeClr val="tx1"/>
+                </a:solidFill>
+              </a:rPr>
+              <a:t>1</a:t>
+            </a:r>
+            <a:r>
+              <a:rPr lang="fr-FR" b="1" baseline="-25000" dirty="0">
+                <a:solidFill>
+                  <a:schemeClr val="tx1"/>
+                </a:solidFill>
+              </a:rPr>
+              <a:t>g</a:t>
+            </a:r>
+          </a:p>
+        </p:txBody>
+      </p:sp>
+      <p:sp>
+        <p:nvSpPr>
+          <p:cNvPr id="10" name="Ellipse 9">
+            <a:extLst>
+              <a:ext uri="{FF2B5EF4-FFF2-40B4-BE49-F238E27FC236}">
+                <a16:creationId xmlns:a16="http://schemas.microsoft.com/office/drawing/2014/main" id="{E2886889-BB00-4633-A3C2-60D104E29E59}"/>
+              </a:ext>
+            </a:extLst>
+          </p:cNvPr>
+          <p:cNvSpPr/>
+          <p:nvPr/>
+        </p:nvSpPr>
+        <p:spPr>
+          <a:xfrm>
+            <a:off x="5826000" y="4140902"/>
+            <a:ext cx="540000" cy="540000"/>
+          </a:xfrm>
+          <a:prstGeom prst="ellipse">
+            <a:avLst/>
+          </a:prstGeom>
+          <a:noFill/>
+          <a:ln w="28575">
+            <a:solidFill>
+              <a:schemeClr val="tx1"/>
+            </a:solidFill>
+          </a:ln>
+        </p:spPr>
+        <p:style>
+          <a:lnRef idx="2">
+            <a:schemeClr val="accent1">
+              <a:shade val="50000"/>
+            </a:schemeClr>
+          </a:lnRef>
+          <a:fillRef idx="1">
+            <a:schemeClr val="accent1"/>
+          </a:fillRef>
+          <a:effectRef idx="0">
+            <a:schemeClr val="accent1"/>
+          </a:effectRef>
+          <a:fontRef idx="minor">
+            <a:schemeClr val="lt1"/>
+          </a:fontRef>
+        </p:style>
+        <p:txBody>
+          <a:bodyPr rtlCol="0" anchor="ctr"/>
+          <a:lstStyle/>
+          <a:p>
+            <a:pPr algn="ctr"/>
+            <a:r>
+              <a:rPr lang="fr-FR" b="1" dirty="0">
+                <a:solidFill>
+                  <a:schemeClr val="tx1"/>
+                </a:solidFill>
+              </a:rPr>
+              <a:t>1</a:t>
+            </a:r>
+            <a:r>
+              <a:rPr lang="fr-FR" b="1" baseline="-25000" dirty="0">
+                <a:solidFill>
+                  <a:schemeClr val="tx1"/>
+                </a:solidFill>
+              </a:rPr>
+              <a:t>d</a:t>
+            </a:r>
+          </a:p>
+        </p:txBody>
+      </p:sp>
+      <p:cxnSp>
+        <p:nvCxnSpPr>
+          <p:cNvPr id="16" name="Connecteur droit 15">
+            <a:extLst>
+              <a:ext uri="{FF2B5EF4-FFF2-40B4-BE49-F238E27FC236}">
+                <a16:creationId xmlns:a16="http://schemas.microsoft.com/office/drawing/2014/main" id="{7C5999CE-45AF-4712-A18E-242BEBAE6552}"/>
+              </a:ext>
+            </a:extLst>
+          </p:cNvPr>
+          <p:cNvCxnSpPr>
+            <a:stCxn id="7" idx="4"/>
+            <a:endCxn id="4" idx="0"/>
+          </p:cNvCxnSpPr>
+          <p:nvPr/>
+        </p:nvCxnSpPr>
+        <p:spPr>
+          <a:xfrm>
+            <a:off x="3814546" y="2698945"/>
+            <a:ext cx="0" cy="448060"/>
+          </a:xfrm>
+          <a:prstGeom prst="line">
+            <a:avLst/>
+          </a:prstGeom>
+          <a:noFill/>
+          <a:ln w="28575">
+            <a:solidFill>
+              <a:schemeClr val="tx1"/>
+            </a:solidFill>
+          </a:ln>
+        </p:spPr>
+        <p:style>
+          <a:lnRef idx="2">
+            <a:schemeClr val="accent1">
+              <a:shade val="50000"/>
+            </a:schemeClr>
+          </a:lnRef>
+          <a:fillRef idx="1">
+            <a:schemeClr val="accent1"/>
+          </a:fillRef>
+          <a:effectRef idx="0">
+            <a:schemeClr val="accent1"/>
+          </a:effectRef>
+          <a:fontRef idx="minor">
+            <a:schemeClr val="lt1"/>
+          </a:fontRef>
+        </p:style>
+      </p:cxnSp>
+      <p:cxnSp>
+        <p:nvCxnSpPr>
+          <p:cNvPr id="17" name="Connecteur droit 16">
+            <a:extLst>
+              <a:ext uri="{FF2B5EF4-FFF2-40B4-BE49-F238E27FC236}">
+                <a16:creationId xmlns:a16="http://schemas.microsoft.com/office/drawing/2014/main" id="{7094B753-AC8C-42FB-852E-FC37B585FDEB}"/>
+              </a:ext>
+            </a:extLst>
+          </p:cNvPr>
+          <p:cNvCxnSpPr>
+            <a:cxnSpLocks/>
+            <a:stCxn id="4" idx="4"/>
+            <a:endCxn id="8" idx="0"/>
+          </p:cNvCxnSpPr>
+          <p:nvPr/>
+        </p:nvCxnSpPr>
+        <p:spPr>
+          <a:xfrm>
+            <a:off x="3814546" y="3747507"/>
+            <a:ext cx="0" cy="393395"/>
+          </a:xfrm>
+          <a:prstGeom prst="line">
+            <a:avLst/>
+          </a:prstGeom>
+          <a:noFill/>
+          <a:ln w="28575">
+            <a:solidFill>
+              <a:schemeClr val="tx1"/>
+            </a:solidFill>
+          </a:ln>
+        </p:spPr>
+        <p:style>
+          <a:lnRef idx="2">
+            <a:schemeClr val="accent1">
+              <a:shade val="50000"/>
+            </a:schemeClr>
+          </a:lnRef>
+          <a:fillRef idx="1">
+            <a:schemeClr val="accent1"/>
+          </a:fillRef>
+          <a:effectRef idx="0">
+            <a:schemeClr val="accent1"/>
+          </a:effectRef>
+          <a:fontRef idx="minor">
+            <a:schemeClr val="lt1"/>
+          </a:fontRef>
+        </p:style>
+      </p:cxnSp>
+      <p:cxnSp>
+        <p:nvCxnSpPr>
+          <p:cNvPr id="21" name="Connecteur droit 20">
+            <a:extLst>
+              <a:ext uri="{FF2B5EF4-FFF2-40B4-BE49-F238E27FC236}">
+                <a16:creationId xmlns:a16="http://schemas.microsoft.com/office/drawing/2014/main" id="{2581CA43-674F-4558-AF46-AB0249FE4689}"/>
+              </a:ext>
+            </a:extLst>
+          </p:cNvPr>
+          <p:cNvCxnSpPr>
+            <a:cxnSpLocks/>
+            <a:stCxn id="5" idx="4"/>
+            <a:endCxn id="10" idx="0"/>
+          </p:cNvCxnSpPr>
+          <p:nvPr/>
+        </p:nvCxnSpPr>
+        <p:spPr>
+          <a:xfrm>
+            <a:off x="6096000" y="3747507"/>
+            <a:ext cx="0" cy="393395"/>
+          </a:xfrm>
+          <a:prstGeom prst="line">
+            <a:avLst/>
+          </a:prstGeom>
+          <a:noFill/>
+          <a:ln w="28575">
+            <a:solidFill>
+              <a:schemeClr val="tx1"/>
+            </a:solidFill>
+          </a:ln>
+        </p:spPr>
+        <p:style>
+          <a:lnRef idx="2">
+            <a:schemeClr val="accent1">
+              <a:shade val="50000"/>
+            </a:schemeClr>
+          </a:lnRef>
+          <a:fillRef idx="1">
+            <a:schemeClr val="accent1"/>
+          </a:fillRef>
+          <a:effectRef idx="0">
+            <a:schemeClr val="accent1"/>
+          </a:effectRef>
+          <a:fontRef idx="minor">
+            <a:schemeClr val="lt1"/>
+          </a:fontRef>
+        </p:style>
+      </p:cxnSp>
+      <p:cxnSp>
+        <p:nvCxnSpPr>
+          <p:cNvPr id="24" name="Connecteur droit 23">
+            <a:extLst>
+              <a:ext uri="{FF2B5EF4-FFF2-40B4-BE49-F238E27FC236}">
+                <a16:creationId xmlns:a16="http://schemas.microsoft.com/office/drawing/2014/main" id="{73A2E2AE-71C4-4B71-9D7C-0F168A272EB9}"/>
+              </a:ext>
+            </a:extLst>
+          </p:cNvPr>
+          <p:cNvCxnSpPr>
+            <a:cxnSpLocks/>
+            <a:stCxn id="6" idx="4"/>
+            <a:endCxn id="14" idx="0"/>
+          </p:cNvCxnSpPr>
+          <p:nvPr/>
+        </p:nvCxnSpPr>
+        <p:spPr>
+          <a:xfrm>
+            <a:off x="8377454" y="3747507"/>
+            <a:ext cx="0" cy="393395"/>
+          </a:xfrm>
+          <a:prstGeom prst="line">
+            <a:avLst/>
+          </a:prstGeom>
+          <a:noFill/>
+          <a:ln w="28575">
+            <a:solidFill>
+              <a:schemeClr val="tx1"/>
+            </a:solidFill>
+          </a:ln>
+        </p:spPr>
+        <p:style>
+          <a:lnRef idx="2">
+            <a:schemeClr val="accent1">
+              <a:shade val="50000"/>
+            </a:schemeClr>
+          </a:lnRef>
+          <a:fillRef idx="1">
+            <a:schemeClr val="accent1"/>
+          </a:fillRef>
+          <a:effectRef idx="0">
+            <a:schemeClr val="accent1"/>
+          </a:effectRef>
+          <a:fontRef idx="minor">
+            <a:schemeClr val="lt1"/>
+          </a:fontRef>
+        </p:style>
+      </p:cxnSp>
+      <p:cxnSp>
+        <p:nvCxnSpPr>
+          <p:cNvPr id="27" name="Connecteur droit 26">
+            <a:extLst>
+              <a:ext uri="{FF2B5EF4-FFF2-40B4-BE49-F238E27FC236}">
+                <a16:creationId xmlns:a16="http://schemas.microsoft.com/office/drawing/2014/main" id="{825FBBD5-53E0-4D89-8DA4-A04B3B5639F8}"/>
+              </a:ext>
+            </a:extLst>
+          </p:cNvPr>
+          <p:cNvCxnSpPr>
+            <a:cxnSpLocks/>
+            <a:stCxn id="9" idx="4"/>
+            <a:endCxn id="5" idx="0"/>
+          </p:cNvCxnSpPr>
+          <p:nvPr/>
+        </p:nvCxnSpPr>
+        <p:spPr>
+          <a:xfrm>
+            <a:off x="6096000" y="2698945"/>
+            <a:ext cx="0" cy="448060"/>
+          </a:xfrm>
+          <a:prstGeom prst="line">
+            <a:avLst/>
+          </a:prstGeom>
+          <a:noFill/>
+          <a:ln w="28575">
+            <a:solidFill>
+              <a:schemeClr val="tx1"/>
+            </a:solidFill>
+          </a:ln>
+        </p:spPr>
+        <p:style>
+          <a:lnRef idx="2">
+            <a:schemeClr val="accent1">
+              <a:shade val="50000"/>
+            </a:schemeClr>
+          </a:lnRef>
+          <a:fillRef idx="1">
+            <a:schemeClr val="accent1"/>
+          </a:fillRef>
+          <a:effectRef idx="0">
+            <a:schemeClr val="accent1"/>
+          </a:effectRef>
+          <a:fontRef idx="minor">
+            <a:schemeClr val="lt1"/>
+          </a:fontRef>
+        </p:style>
+      </p:cxnSp>
+      <p:cxnSp>
+        <p:nvCxnSpPr>
+          <p:cNvPr id="30" name="Connecteur droit 29">
+            <a:extLst>
+              <a:ext uri="{FF2B5EF4-FFF2-40B4-BE49-F238E27FC236}">
+                <a16:creationId xmlns:a16="http://schemas.microsoft.com/office/drawing/2014/main" id="{BDA19E69-C5E1-4E66-B42C-ED8E6C824E70}"/>
+              </a:ext>
+            </a:extLst>
+          </p:cNvPr>
+          <p:cNvCxnSpPr>
+            <a:cxnSpLocks/>
+            <a:stCxn id="13" idx="4"/>
+            <a:endCxn id="6" idx="0"/>
+          </p:cNvCxnSpPr>
+          <p:nvPr/>
+        </p:nvCxnSpPr>
+        <p:spPr>
+          <a:xfrm>
+            <a:off x="8377454" y="2698945"/>
+            <a:ext cx="0" cy="448060"/>
+          </a:xfrm>
+          <a:prstGeom prst="line">
+            <a:avLst/>
+          </a:prstGeom>
+          <a:noFill/>
+          <a:ln w="28575">
+            <a:solidFill>
+              <a:schemeClr val="tx1"/>
+            </a:solidFill>
+          </a:ln>
+        </p:spPr>
+        <p:style>
+          <a:lnRef idx="2">
+            <a:schemeClr val="accent1">
+              <a:shade val="50000"/>
+            </a:schemeClr>
+          </a:lnRef>
+          <a:fillRef idx="1">
+            <a:schemeClr val="accent1"/>
+          </a:fillRef>
+          <a:effectRef idx="0">
+            <a:schemeClr val="accent1"/>
+          </a:effectRef>
+          <a:fontRef idx="minor">
+            <a:schemeClr val="lt1"/>
+          </a:fontRef>
+        </p:style>
+      </p:cxnSp>
+      <p:cxnSp>
+        <p:nvCxnSpPr>
+          <p:cNvPr id="33" name="Connecteur droit 32">
+            <a:extLst>
+              <a:ext uri="{FF2B5EF4-FFF2-40B4-BE49-F238E27FC236}">
+                <a16:creationId xmlns:a16="http://schemas.microsoft.com/office/drawing/2014/main" id="{85DBE66E-E3C5-4C78-B0A4-B74F9C44633D}"/>
+              </a:ext>
+            </a:extLst>
+          </p:cNvPr>
+          <p:cNvCxnSpPr>
+            <a:cxnSpLocks/>
+            <a:stCxn id="4" idx="6"/>
+            <a:endCxn id="5" idx="2"/>
+          </p:cNvCxnSpPr>
+          <p:nvPr/>
+        </p:nvCxnSpPr>
+        <p:spPr>
+          <a:xfrm>
+            <a:off x="4435519" y="3447256"/>
+            <a:ext cx="1039508" cy="0"/>
+          </a:xfrm>
+          <a:prstGeom prst="line">
+            <a:avLst/>
+          </a:prstGeom>
+          <a:noFill/>
+          <a:ln w="28575">
+            <a:solidFill>
+              <a:schemeClr val="tx1"/>
+            </a:solidFill>
+          </a:ln>
+        </p:spPr>
+        <p:style>
+          <a:lnRef idx="2">
+            <a:schemeClr val="accent1">
+              <a:shade val="50000"/>
+            </a:schemeClr>
+          </a:lnRef>
+          <a:fillRef idx="1">
+            <a:schemeClr val="accent1"/>
+          </a:fillRef>
+          <a:effectRef idx="0">
+            <a:schemeClr val="accent1"/>
+          </a:effectRef>
+          <a:fontRef idx="minor">
+            <a:schemeClr val="lt1"/>
+          </a:fontRef>
+        </p:style>
+      </p:cxnSp>
+      <p:cxnSp>
+        <p:nvCxnSpPr>
+          <p:cNvPr id="36" name="Connecteur droit 35">
+            <a:extLst>
+              <a:ext uri="{FF2B5EF4-FFF2-40B4-BE49-F238E27FC236}">
+                <a16:creationId xmlns:a16="http://schemas.microsoft.com/office/drawing/2014/main" id="{ABB2A0E0-50E9-480A-B1AA-4CABBBDE313B}"/>
+              </a:ext>
+            </a:extLst>
+          </p:cNvPr>
+          <p:cNvCxnSpPr>
+            <a:cxnSpLocks/>
+            <a:stCxn id="5" idx="6"/>
+            <a:endCxn id="6" idx="2"/>
+          </p:cNvCxnSpPr>
+          <p:nvPr/>
+        </p:nvCxnSpPr>
+        <p:spPr>
+          <a:xfrm>
+            <a:off x="6716973" y="3447256"/>
+            <a:ext cx="1039508" cy="0"/>
+          </a:xfrm>
+          <a:prstGeom prst="line">
+            <a:avLst/>
+          </a:prstGeom>
+          <a:noFill/>
+          <a:ln w="28575">
+            <a:solidFill>
+              <a:schemeClr val="tx1"/>
+            </a:solidFill>
+          </a:ln>
+        </p:spPr>
+        <p:style>
+          <a:lnRef idx="2">
+            <a:schemeClr val="accent1">
+              <a:shade val="50000"/>
+            </a:schemeClr>
+          </a:lnRef>
+          <a:fillRef idx="1">
+            <a:schemeClr val="accent1"/>
+          </a:fillRef>
+          <a:effectRef idx="0">
+            <a:schemeClr val="accent1"/>
+          </a:effectRef>
+          <a:fontRef idx="minor">
+            <a:schemeClr val="lt1"/>
+          </a:fontRef>
+        </p:style>
+      </p:cxnSp>
+      <p:cxnSp>
+        <p:nvCxnSpPr>
+          <p:cNvPr id="42" name="Connecteur droit 41">
+            <a:extLst>
+              <a:ext uri="{FF2B5EF4-FFF2-40B4-BE49-F238E27FC236}">
+                <a16:creationId xmlns:a16="http://schemas.microsoft.com/office/drawing/2014/main" id="{C1EF57F6-054A-412B-9E9F-3A1A965F2698}"/>
+              </a:ext>
+            </a:extLst>
+          </p:cNvPr>
+          <p:cNvCxnSpPr>
+            <a:cxnSpLocks/>
+          </p:cNvCxnSpPr>
+          <p:nvPr/>
+        </p:nvCxnSpPr>
+        <p:spPr>
+          <a:xfrm flipV="1">
+            <a:off x="3814546" y="1288443"/>
+            <a:ext cx="2281454" cy="1140502"/>
+          </a:xfrm>
+          <a:prstGeom prst="line">
+            <a:avLst/>
+          </a:prstGeom>
+          <a:noFill/>
+          <a:ln w="28575">
+            <a:solidFill>
+              <a:schemeClr val="tx1"/>
+            </a:solidFill>
+          </a:ln>
+        </p:spPr>
+        <p:style>
+          <a:lnRef idx="2">
+            <a:schemeClr val="accent1">
+              <a:shade val="50000"/>
+            </a:schemeClr>
+          </a:lnRef>
+          <a:fillRef idx="1">
+            <a:schemeClr val="accent1"/>
+          </a:fillRef>
+          <a:effectRef idx="0">
+            <a:schemeClr val="accent1"/>
+          </a:effectRef>
+          <a:fontRef idx="minor">
+            <a:schemeClr val="lt1"/>
+          </a:fontRef>
+        </p:style>
+      </p:cxnSp>
+      <p:cxnSp>
+        <p:nvCxnSpPr>
+          <p:cNvPr id="45" name="Connecteur droit 44">
+            <a:extLst>
+              <a:ext uri="{FF2B5EF4-FFF2-40B4-BE49-F238E27FC236}">
+                <a16:creationId xmlns:a16="http://schemas.microsoft.com/office/drawing/2014/main" id="{8BE335AE-A2FE-41D4-A1D4-FD6878766628}"/>
+              </a:ext>
+            </a:extLst>
+          </p:cNvPr>
+          <p:cNvCxnSpPr>
+            <a:cxnSpLocks/>
+          </p:cNvCxnSpPr>
+          <p:nvPr/>
+        </p:nvCxnSpPr>
+        <p:spPr>
+          <a:xfrm>
+            <a:off x="6096000" y="1297743"/>
+            <a:ext cx="2281454" cy="1128886"/>
+          </a:xfrm>
+          <a:prstGeom prst="line">
+            <a:avLst/>
+          </a:prstGeom>
+          <a:noFill/>
+          <a:ln w="28575">
+            <a:solidFill>
+              <a:schemeClr val="tx1"/>
+            </a:solidFill>
+          </a:ln>
+        </p:spPr>
+        <p:style>
+          <a:lnRef idx="2">
+            <a:schemeClr val="accent1">
+              <a:shade val="50000"/>
+            </a:schemeClr>
+          </a:lnRef>
+          <a:fillRef idx="1">
+            <a:schemeClr val="accent1"/>
+          </a:fillRef>
+          <a:effectRef idx="0">
+            <a:schemeClr val="accent1"/>
+          </a:effectRef>
+          <a:fontRef idx="minor">
+            <a:schemeClr val="lt1"/>
+          </a:fontRef>
+        </p:style>
+      </p:cxnSp>
+      <p:cxnSp>
+        <p:nvCxnSpPr>
+          <p:cNvPr id="49" name="Connecteur droit 48">
+            <a:extLst>
+              <a:ext uri="{FF2B5EF4-FFF2-40B4-BE49-F238E27FC236}">
+                <a16:creationId xmlns:a16="http://schemas.microsoft.com/office/drawing/2014/main" id="{E82A9483-62BB-4955-A906-8C0F7821247A}"/>
+              </a:ext>
+            </a:extLst>
+          </p:cNvPr>
+          <p:cNvCxnSpPr>
+            <a:cxnSpLocks/>
+            <a:stCxn id="41" idx="4"/>
+            <a:endCxn id="9" idx="0"/>
+          </p:cNvCxnSpPr>
+          <p:nvPr/>
+        </p:nvCxnSpPr>
+        <p:spPr>
+          <a:xfrm>
+            <a:off x="6096000" y="1558443"/>
+            <a:ext cx="0" cy="600502"/>
+          </a:xfrm>
+          <a:prstGeom prst="line">
+            <a:avLst/>
+          </a:prstGeom>
+          <a:noFill/>
+          <a:ln w="28575">
+            <a:solidFill>
+              <a:schemeClr val="tx1"/>
+            </a:solidFill>
+          </a:ln>
+        </p:spPr>
+        <p:style>
+          <a:lnRef idx="2">
+            <a:schemeClr val="accent1">
+              <a:shade val="50000"/>
+            </a:schemeClr>
+          </a:lnRef>
+          <a:fillRef idx="1">
+            <a:schemeClr val="accent1"/>
+          </a:fillRef>
+          <a:effectRef idx="0">
+            <a:schemeClr val="accent1"/>
+          </a:effectRef>
+          <a:fontRef idx="minor">
+            <a:schemeClr val="lt1"/>
+          </a:fontRef>
+        </p:style>
+      </p:cxnSp>
+      <p:sp>
+        <p:nvSpPr>
+          <p:cNvPr id="41" name="Ellipse 40">
+            <a:extLst>
+              <a:ext uri="{FF2B5EF4-FFF2-40B4-BE49-F238E27FC236}">
+                <a16:creationId xmlns:a16="http://schemas.microsoft.com/office/drawing/2014/main" id="{17E034F2-A174-4006-A50C-8D54A928AB95}"/>
+              </a:ext>
+            </a:extLst>
+          </p:cNvPr>
+          <p:cNvSpPr/>
+          <p:nvPr/>
+        </p:nvSpPr>
+        <p:spPr>
+          <a:xfrm>
+            <a:off x="5826000" y="1018443"/>
+            <a:ext cx="540000" cy="540000"/>
+          </a:xfrm>
+          <a:prstGeom prst="ellipse">
+            <a:avLst/>
+          </a:prstGeom>
+          <a:solidFill>
+            <a:schemeClr val="bg1">
+              <a:lumMod val="85000"/>
+            </a:schemeClr>
+          </a:solidFill>
+          <a:ln w="28575">
+            <a:solidFill>
+              <a:schemeClr val="tx1"/>
+            </a:solidFill>
+          </a:ln>
+        </p:spPr>
+        <p:style>
+          <a:lnRef idx="2">
+            <a:schemeClr val="accent1">
+              <a:shade val="50000"/>
+            </a:schemeClr>
+          </a:lnRef>
+          <a:fillRef idx="1">
+            <a:schemeClr val="accent1"/>
+          </a:fillRef>
+          <a:effectRef idx="0">
+            <a:schemeClr val="accent1"/>
+          </a:effectRef>
+          <a:fontRef idx="minor">
+            <a:schemeClr val="lt1"/>
+          </a:fontRef>
+        </p:style>
+        <p:txBody>
+          <a:bodyPr rtlCol="0" anchor="ctr"/>
+          <a:lstStyle/>
+          <a:p>
+            <a:pPr algn="ctr"/>
+            <a:r>
+              <a:rPr lang="fr-FR" b="1" dirty="0">
+                <a:solidFill>
+                  <a:schemeClr val="tx1"/>
+                </a:solidFill>
+              </a:rPr>
+              <a:t>0</a:t>
+            </a:r>
+          </a:p>
+        </p:txBody>
+      </p:sp>
+      <p:cxnSp>
+        <p:nvCxnSpPr>
+          <p:cNvPr id="57" name="Connecteur droit 56">
+            <a:extLst>
+              <a:ext uri="{FF2B5EF4-FFF2-40B4-BE49-F238E27FC236}">
+                <a16:creationId xmlns:a16="http://schemas.microsoft.com/office/drawing/2014/main" id="{A1871DF8-518C-483F-AAEC-E2C03A187C11}"/>
+              </a:ext>
+            </a:extLst>
+          </p:cNvPr>
+          <p:cNvCxnSpPr>
+            <a:cxnSpLocks/>
+          </p:cNvCxnSpPr>
+          <p:nvPr/>
+        </p:nvCxnSpPr>
+        <p:spPr>
+          <a:xfrm rot="10800000" flipV="1">
+            <a:off x="6096000" y="4429055"/>
+            <a:ext cx="2281454" cy="1140502"/>
+          </a:xfrm>
+          <a:prstGeom prst="line">
+            <a:avLst/>
+          </a:prstGeom>
+          <a:noFill/>
+          <a:ln w="28575">
+            <a:solidFill>
+              <a:schemeClr val="tx1"/>
+            </a:solidFill>
+          </a:ln>
+        </p:spPr>
+        <p:style>
+          <a:lnRef idx="2">
+            <a:schemeClr val="accent1">
+              <a:shade val="50000"/>
+            </a:schemeClr>
+          </a:lnRef>
+          <a:fillRef idx="1">
+            <a:schemeClr val="accent1"/>
+          </a:fillRef>
+          <a:effectRef idx="0">
+            <a:schemeClr val="accent1"/>
+          </a:effectRef>
+          <a:fontRef idx="minor">
+            <a:schemeClr val="lt1"/>
+          </a:fontRef>
+        </p:style>
+      </p:cxnSp>
+      <p:cxnSp>
+        <p:nvCxnSpPr>
+          <p:cNvPr id="58" name="Connecteur droit 57">
+            <a:extLst>
+              <a:ext uri="{FF2B5EF4-FFF2-40B4-BE49-F238E27FC236}">
+                <a16:creationId xmlns:a16="http://schemas.microsoft.com/office/drawing/2014/main" id="{0DDB202D-BF22-4FCE-91A5-69AD630FDF9B}"/>
+              </a:ext>
+            </a:extLst>
+          </p:cNvPr>
+          <p:cNvCxnSpPr>
+            <a:cxnSpLocks/>
+          </p:cNvCxnSpPr>
+          <p:nvPr/>
+        </p:nvCxnSpPr>
+        <p:spPr>
+          <a:xfrm rot="10800000">
+            <a:off x="3814546" y="4431371"/>
+            <a:ext cx="2281454" cy="1128886"/>
+          </a:xfrm>
+          <a:prstGeom prst="line">
+            <a:avLst/>
+          </a:prstGeom>
+          <a:noFill/>
+          <a:ln w="28575">
+            <a:solidFill>
+              <a:schemeClr val="tx1"/>
+            </a:solidFill>
+          </a:ln>
+        </p:spPr>
+        <p:style>
+          <a:lnRef idx="2">
+            <a:schemeClr val="accent1">
+              <a:shade val="50000"/>
+            </a:schemeClr>
+          </a:lnRef>
+          <a:fillRef idx="1">
+            <a:schemeClr val="accent1"/>
+          </a:fillRef>
+          <a:effectRef idx="0">
+            <a:schemeClr val="accent1"/>
+          </a:effectRef>
+          <a:fontRef idx="minor">
+            <a:schemeClr val="lt1"/>
+          </a:fontRef>
+        </p:style>
+      </p:cxnSp>
+      <p:cxnSp>
+        <p:nvCxnSpPr>
+          <p:cNvPr id="59" name="Connecteur droit 58">
+            <a:extLst>
+              <a:ext uri="{FF2B5EF4-FFF2-40B4-BE49-F238E27FC236}">
+                <a16:creationId xmlns:a16="http://schemas.microsoft.com/office/drawing/2014/main" id="{BC694442-C074-472C-9ABB-932F64EEB89A}"/>
+              </a:ext>
+            </a:extLst>
+          </p:cNvPr>
+          <p:cNvCxnSpPr>
+            <a:cxnSpLocks/>
+            <a:stCxn id="56" idx="4"/>
+            <a:endCxn id="10" idx="4"/>
+          </p:cNvCxnSpPr>
+          <p:nvPr/>
+        </p:nvCxnSpPr>
+        <p:spPr>
+          <a:xfrm flipV="1">
+            <a:off x="6096000" y="4680902"/>
+            <a:ext cx="0" cy="618655"/>
+          </a:xfrm>
+          <a:prstGeom prst="line">
+            <a:avLst/>
+          </a:prstGeom>
+          <a:noFill/>
+          <a:ln w="28575">
+            <a:solidFill>
+              <a:schemeClr val="tx1"/>
+            </a:solidFill>
+          </a:ln>
+        </p:spPr>
+        <p:style>
+          <a:lnRef idx="2">
+            <a:schemeClr val="accent1">
+              <a:shade val="50000"/>
+            </a:schemeClr>
+          </a:lnRef>
+          <a:fillRef idx="1">
+            <a:schemeClr val="accent1"/>
+          </a:fillRef>
+          <a:effectRef idx="0">
+            <a:schemeClr val="accent1"/>
+          </a:effectRef>
+          <a:fontRef idx="minor">
+            <a:schemeClr val="lt1"/>
+          </a:fontRef>
+        </p:style>
+      </p:cxnSp>
+      <p:sp>
+        <p:nvSpPr>
+          <p:cNvPr id="56" name="Ellipse 55">
+            <a:extLst>
+              <a:ext uri="{FF2B5EF4-FFF2-40B4-BE49-F238E27FC236}">
+                <a16:creationId xmlns:a16="http://schemas.microsoft.com/office/drawing/2014/main" id="{D7A185FC-F799-45BD-9DC7-F604F441001B}"/>
+              </a:ext>
+            </a:extLst>
+          </p:cNvPr>
+          <p:cNvSpPr/>
+          <p:nvPr/>
+        </p:nvSpPr>
+        <p:spPr>
+          <a:xfrm rot="10800000">
+            <a:off x="5826000" y="5299557"/>
+            <a:ext cx="540000" cy="540000"/>
+          </a:xfrm>
+          <a:prstGeom prst="ellipse">
+            <a:avLst/>
+          </a:prstGeom>
+          <a:solidFill>
+            <a:schemeClr val="bg1">
+              <a:lumMod val="85000"/>
+            </a:schemeClr>
+          </a:solidFill>
+          <a:ln w="28575">
+            <a:solidFill>
+              <a:schemeClr val="tx1"/>
+            </a:solidFill>
+          </a:ln>
+        </p:spPr>
+        <p:style>
+          <a:lnRef idx="2">
+            <a:schemeClr val="accent1">
+              <a:shade val="50000"/>
+            </a:schemeClr>
+          </a:lnRef>
+          <a:fillRef idx="1">
+            <a:schemeClr val="accent1"/>
+          </a:fillRef>
+          <a:effectRef idx="0">
+            <a:schemeClr val="accent1"/>
+          </a:effectRef>
+          <a:fontRef idx="minor">
+            <a:schemeClr val="lt1"/>
+          </a:fontRef>
+        </p:style>
+        <p:txBody>
+          <a:bodyPr rtlCol="0" anchor="ctr"/>
+          <a:lstStyle/>
+          <a:p>
+            <a:pPr algn="ctr"/>
+            <a:r>
+              <a:rPr lang="fr-FR" b="1" dirty="0">
+                <a:solidFill>
+                  <a:schemeClr val="tx1"/>
+                </a:solidFill>
+              </a:rPr>
+              <a:t>0</a:t>
+            </a:r>
+          </a:p>
+        </p:txBody>
+      </p:sp>
+      <p:sp>
+        <p:nvSpPr>
+          <p:cNvPr id="7" name="Ellipse 6">
+            <a:extLst>
+              <a:ext uri="{FF2B5EF4-FFF2-40B4-BE49-F238E27FC236}">
+                <a16:creationId xmlns:a16="http://schemas.microsoft.com/office/drawing/2014/main" id="{B7387967-30F3-482C-88D4-6D895C3E527E}"/>
+              </a:ext>
+            </a:extLst>
+          </p:cNvPr>
+          <p:cNvSpPr/>
+          <p:nvPr/>
+        </p:nvSpPr>
+        <p:spPr>
+          <a:xfrm>
+            <a:off x="3544546" y="2158945"/>
+            <a:ext cx="540000" cy="540000"/>
+          </a:xfrm>
+          <a:prstGeom prst="ellipse">
+            <a:avLst/>
+          </a:prstGeom>
+          <a:solidFill>
+            <a:schemeClr val="bg1"/>
+          </a:solidFill>
+          <a:ln w="28575">
+            <a:solidFill>
+              <a:schemeClr val="tx1"/>
+            </a:solidFill>
+          </a:ln>
+        </p:spPr>
+        <p:style>
+          <a:lnRef idx="2">
+            <a:schemeClr val="accent1">
+              <a:shade val="50000"/>
+            </a:schemeClr>
+          </a:lnRef>
+          <a:fillRef idx="1">
+            <a:schemeClr val="accent1"/>
+          </a:fillRef>
+          <a:effectRef idx="0">
+            <a:schemeClr val="accent1"/>
+          </a:effectRef>
+          <a:fontRef idx="minor">
+            <a:schemeClr val="lt1"/>
+          </a:fontRef>
+        </p:style>
+        <p:txBody>
+          <a:bodyPr rtlCol="0" anchor="ctr"/>
+          <a:lstStyle/>
+          <a:p>
+            <a:pPr algn="ctr"/>
+            <a:r>
+              <a:rPr lang="fr-FR" b="1" dirty="0">
+                <a:solidFill>
+                  <a:schemeClr val="tx1"/>
+                </a:solidFill>
+              </a:rPr>
+              <a:t>2</a:t>
+            </a:r>
+            <a:r>
+              <a:rPr lang="fr-FR" b="1" baseline="-25000" dirty="0">
+                <a:solidFill>
+                  <a:schemeClr val="tx1"/>
+                </a:solidFill>
+              </a:rPr>
+              <a:t>g</a:t>
+            </a:r>
+          </a:p>
+        </p:txBody>
+      </p:sp>
+      <p:sp>
+        <p:nvSpPr>
+          <p:cNvPr id="8" name="Ellipse 7">
+            <a:extLst>
+              <a:ext uri="{FF2B5EF4-FFF2-40B4-BE49-F238E27FC236}">
+                <a16:creationId xmlns:a16="http://schemas.microsoft.com/office/drawing/2014/main" id="{07B1D00B-1EAA-49CD-A8C0-CF03179E69E3}"/>
+              </a:ext>
+            </a:extLst>
+          </p:cNvPr>
+          <p:cNvSpPr/>
+          <p:nvPr/>
+        </p:nvSpPr>
+        <p:spPr>
+          <a:xfrm>
+            <a:off x="3544546" y="4140902"/>
+            <a:ext cx="540000" cy="540000"/>
+          </a:xfrm>
+          <a:prstGeom prst="ellipse">
+            <a:avLst/>
+          </a:prstGeom>
+          <a:solidFill>
+            <a:schemeClr val="bg1"/>
+          </a:solidFill>
+          <a:ln w="28575">
+            <a:solidFill>
+              <a:schemeClr val="tx1"/>
+            </a:solidFill>
+          </a:ln>
+        </p:spPr>
+        <p:style>
+          <a:lnRef idx="2">
+            <a:schemeClr val="accent1">
+              <a:shade val="50000"/>
+            </a:schemeClr>
+          </a:lnRef>
+          <a:fillRef idx="1">
+            <a:schemeClr val="accent1"/>
+          </a:fillRef>
+          <a:effectRef idx="0">
+            <a:schemeClr val="accent1"/>
+          </a:effectRef>
+          <a:fontRef idx="minor">
+            <a:schemeClr val="lt1"/>
+          </a:fontRef>
+        </p:style>
+        <p:txBody>
+          <a:bodyPr rtlCol="0" anchor="ctr"/>
+          <a:lstStyle/>
+          <a:p>
+            <a:pPr algn="ctr"/>
+            <a:r>
+              <a:rPr lang="fr-FR" b="1" dirty="0">
+                <a:solidFill>
+                  <a:schemeClr val="tx1"/>
+                </a:solidFill>
+              </a:rPr>
+              <a:t>2</a:t>
+            </a:r>
+            <a:r>
+              <a:rPr lang="fr-FR" b="1" baseline="-25000" dirty="0">
+                <a:solidFill>
+                  <a:schemeClr val="tx1"/>
+                </a:solidFill>
+              </a:rPr>
+              <a:t>d</a:t>
+            </a:r>
+          </a:p>
+        </p:txBody>
+      </p:sp>
+      <p:sp>
+        <p:nvSpPr>
+          <p:cNvPr id="13" name="Ellipse 12">
+            <a:extLst>
+              <a:ext uri="{FF2B5EF4-FFF2-40B4-BE49-F238E27FC236}">
+                <a16:creationId xmlns:a16="http://schemas.microsoft.com/office/drawing/2014/main" id="{96D65CD2-3ABB-42D8-A34A-B2A57930E580}"/>
+              </a:ext>
+            </a:extLst>
+          </p:cNvPr>
+          <p:cNvSpPr/>
+          <p:nvPr/>
+        </p:nvSpPr>
+        <p:spPr>
+          <a:xfrm>
+            <a:off x="8107454" y="2158945"/>
+            <a:ext cx="540000" cy="540000"/>
+          </a:xfrm>
+          <a:prstGeom prst="ellipse">
+            <a:avLst/>
+          </a:prstGeom>
+          <a:solidFill>
+            <a:schemeClr val="bg1"/>
+          </a:solidFill>
+          <a:ln w="28575">
+            <a:solidFill>
+              <a:schemeClr val="tx1"/>
+            </a:solidFill>
+          </a:ln>
+        </p:spPr>
+        <p:style>
+          <a:lnRef idx="2">
+            <a:schemeClr val="accent1">
+              <a:shade val="50000"/>
+            </a:schemeClr>
+          </a:lnRef>
+          <a:fillRef idx="1">
+            <a:schemeClr val="accent1"/>
+          </a:fillRef>
+          <a:effectRef idx="0">
+            <a:schemeClr val="accent1"/>
+          </a:effectRef>
+          <a:fontRef idx="minor">
+            <a:schemeClr val="lt1"/>
+          </a:fontRef>
+        </p:style>
+        <p:txBody>
+          <a:bodyPr rtlCol="0" anchor="ctr"/>
+          <a:lstStyle/>
+          <a:p>
+            <a:pPr algn="ctr"/>
+            <a:r>
+              <a:rPr lang="fr-FR" b="1" dirty="0">
+                <a:solidFill>
+                  <a:schemeClr val="tx1"/>
+                </a:solidFill>
+              </a:rPr>
+              <a:t>3</a:t>
+            </a:r>
+            <a:r>
+              <a:rPr lang="fr-FR" b="1" baseline="-25000" dirty="0">
+                <a:solidFill>
+                  <a:schemeClr val="tx1"/>
+                </a:solidFill>
+              </a:rPr>
+              <a:t>g</a:t>
+            </a:r>
+          </a:p>
+        </p:txBody>
+      </p:sp>
+      <p:sp>
+        <p:nvSpPr>
+          <p:cNvPr id="14" name="Ellipse 13">
+            <a:extLst>
+              <a:ext uri="{FF2B5EF4-FFF2-40B4-BE49-F238E27FC236}">
+                <a16:creationId xmlns:a16="http://schemas.microsoft.com/office/drawing/2014/main" id="{9F04D9EE-0E86-402F-978F-675684314AEA}"/>
+              </a:ext>
+            </a:extLst>
+          </p:cNvPr>
+          <p:cNvSpPr/>
+          <p:nvPr/>
+        </p:nvSpPr>
+        <p:spPr>
+          <a:xfrm>
+            <a:off x="8107454" y="4140902"/>
+            <a:ext cx="540000" cy="540000"/>
+          </a:xfrm>
+          <a:prstGeom prst="ellipse">
+            <a:avLst/>
+          </a:prstGeom>
+          <a:solidFill>
+            <a:schemeClr val="bg1"/>
+          </a:solidFill>
+          <a:ln w="28575">
+            <a:solidFill>
+              <a:schemeClr val="tx1"/>
+            </a:solidFill>
+          </a:ln>
+        </p:spPr>
+        <p:style>
+          <a:lnRef idx="2">
+            <a:schemeClr val="accent1">
+              <a:shade val="50000"/>
+            </a:schemeClr>
+          </a:lnRef>
+          <a:fillRef idx="1">
+            <a:schemeClr val="accent1"/>
+          </a:fillRef>
+          <a:effectRef idx="0">
+            <a:schemeClr val="accent1"/>
+          </a:effectRef>
+          <a:fontRef idx="minor">
+            <a:schemeClr val="lt1"/>
+          </a:fontRef>
+        </p:style>
+        <p:txBody>
+          <a:bodyPr rtlCol="0" anchor="ctr"/>
+          <a:lstStyle/>
+          <a:p>
+            <a:pPr algn="ctr"/>
+            <a:r>
+              <a:rPr lang="fr-FR" b="1" dirty="0">
+                <a:solidFill>
+                  <a:schemeClr val="tx1"/>
+                </a:solidFill>
+              </a:rPr>
+              <a:t>3</a:t>
+            </a:r>
+            <a:r>
+              <a:rPr lang="fr-FR" b="1" baseline="-25000" dirty="0">
+                <a:solidFill>
+                  <a:schemeClr val="tx1"/>
+                </a:solidFill>
+              </a:rPr>
+              <a:t>d</a:t>
+            </a:r>
+          </a:p>
+        </p:txBody>
+      </p:sp>
+      <p:sp>
+        <p:nvSpPr>
+          <p:cNvPr id="61" name="Signe de multiplication 60">
+            <a:extLst>
+              <a:ext uri="{FF2B5EF4-FFF2-40B4-BE49-F238E27FC236}">
+                <a16:creationId xmlns:a16="http://schemas.microsoft.com/office/drawing/2014/main" id="{56A73B88-1800-4444-BC62-7512AEA7B98F}"/>
+              </a:ext>
+            </a:extLst>
+          </p:cNvPr>
+          <p:cNvSpPr/>
+          <p:nvPr/>
+        </p:nvSpPr>
+        <p:spPr>
+          <a:xfrm>
+            <a:off x="3704817" y="2809439"/>
+            <a:ext cx="219456" cy="219456"/>
+          </a:xfrm>
+          <a:prstGeom prst="mathMultiply">
+            <a:avLst/>
+          </a:prstGeom>
+        </p:spPr>
+        <p:style>
+          <a:lnRef idx="2">
+            <a:schemeClr val="dk1">
+              <a:shade val="50000"/>
+            </a:schemeClr>
+          </a:lnRef>
+          <a:fillRef idx="1">
+            <a:schemeClr val="dk1"/>
+          </a:fillRef>
+          <a:effectRef idx="0">
+            <a:schemeClr val="dk1"/>
+          </a:effectRef>
+          <a:fontRef idx="minor">
+            <a:schemeClr val="lt1"/>
+          </a:fontRef>
+        </p:style>
+        <p:txBody>
+          <a:bodyPr rtlCol="0" anchor="ctr"/>
+          <a:lstStyle/>
+          <a:p>
+            <a:pPr algn="ctr"/>
+            <a:endParaRPr lang="fr-FR"/>
+          </a:p>
+        </p:txBody>
+      </p:sp>
+      <p:sp>
+        <p:nvSpPr>
+          <p:cNvPr id="62" name="Signe de multiplication 61">
+            <a:extLst>
+              <a:ext uri="{FF2B5EF4-FFF2-40B4-BE49-F238E27FC236}">
+                <a16:creationId xmlns:a16="http://schemas.microsoft.com/office/drawing/2014/main" id="{AE361FFD-D453-4A23-8FEA-35D016460C65}"/>
+              </a:ext>
+            </a:extLst>
+          </p:cNvPr>
+          <p:cNvSpPr/>
+          <p:nvPr/>
+        </p:nvSpPr>
+        <p:spPr>
+          <a:xfrm>
+            <a:off x="3704817" y="3834476"/>
+            <a:ext cx="219456" cy="219456"/>
+          </a:xfrm>
+          <a:prstGeom prst="mathMultiply">
+            <a:avLst/>
+          </a:prstGeom>
+        </p:spPr>
+        <p:style>
+          <a:lnRef idx="2">
+            <a:schemeClr val="dk1">
+              <a:shade val="50000"/>
+            </a:schemeClr>
+          </a:lnRef>
+          <a:fillRef idx="1">
+            <a:schemeClr val="dk1"/>
+          </a:fillRef>
+          <a:effectRef idx="0">
+            <a:schemeClr val="dk1"/>
+          </a:effectRef>
+          <a:fontRef idx="minor">
+            <a:schemeClr val="lt1"/>
+          </a:fontRef>
+        </p:style>
+        <p:txBody>
+          <a:bodyPr rtlCol="0" anchor="ctr"/>
+          <a:lstStyle/>
+          <a:p>
+            <a:pPr algn="ctr"/>
+            <a:endParaRPr lang="fr-FR"/>
+          </a:p>
+        </p:txBody>
+      </p:sp>
+      <p:sp>
+        <p:nvSpPr>
+          <p:cNvPr id="64" name="Signe de multiplication 63">
+            <a:extLst>
+              <a:ext uri="{FF2B5EF4-FFF2-40B4-BE49-F238E27FC236}">
+                <a16:creationId xmlns:a16="http://schemas.microsoft.com/office/drawing/2014/main" id="{48C4BD9E-1465-437D-9AB1-25EA3C8B3309}"/>
+              </a:ext>
+            </a:extLst>
+          </p:cNvPr>
+          <p:cNvSpPr/>
+          <p:nvPr/>
+        </p:nvSpPr>
+        <p:spPr>
+          <a:xfrm>
+            <a:off x="8267726" y="2784487"/>
+            <a:ext cx="219456" cy="219456"/>
+          </a:xfrm>
+          <a:prstGeom prst="mathMultiply">
+            <a:avLst/>
+          </a:prstGeom>
+        </p:spPr>
+        <p:style>
+          <a:lnRef idx="2">
+            <a:schemeClr val="dk1">
+              <a:shade val="50000"/>
+            </a:schemeClr>
+          </a:lnRef>
+          <a:fillRef idx="1">
+            <a:schemeClr val="dk1"/>
+          </a:fillRef>
+          <a:effectRef idx="0">
+            <a:schemeClr val="dk1"/>
+          </a:effectRef>
+          <a:fontRef idx="minor">
+            <a:schemeClr val="lt1"/>
+          </a:fontRef>
+        </p:style>
+        <p:txBody>
+          <a:bodyPr rtlCol="0" anchor="ctr"/>
+          <a:lstStyle/>
+          <a:p>
+            <a:pPr algn="ctr"/>
+            <a:endParaRPr lang="fr-FR"/>
+          </a:p>
+        </p:txBody>
+      </p:sp>
+      <p:sp>
+        <p:nvSpPr>
+          <p:cNvPr id="65" name="Signe de multiplication 64">
+            <a:extLst>
+              <a:ext uri="{FF2B5EF4-FFF2-40B4-BE49-F238E27FC236}">
+                <a16:creationId xmlns:a16="http://schemas.microsoft.com/office/drawing/2014/main" id="{B2AD9AFA-109C-4A81-88E0-F01AE1BBCA63}"/>
+              </a:ext>
+            </a:extLst>
+          </p:cNvPr>
+          <p:cNvSpPr/>
+          <p:nvPr/>
+        </p:nvSpPr>
+        <p:spPr>
+          <a:xfrm>
+            <a:off x="8267726" y="3809524"/>
+            <a:ext cx="219456" cy="219456"/>
+          </a:xfrm>
+          <a:prstGeom prst="mathMultiply">
+            <a:avLst/>
+          </a:prstGeom>
+        </p:spPr>
+        <p:style>
+          <a:lnRef idx="2">
+            <a:schemeClr val="dk1">
+              <a:shade val="50000"/>
+            </a:schemeClr>
+          </a:lnRef>
+          <a:fillRef idx="1">
+            <a:schemeClr val="dk1"/>
+          </a:fillRef>
+          <a:effectRef idx="0">
+            <a:schemeClr val="dk1"/>
+          </a:effectRef>
+          <a:fontRef idx="minor">
+            <a:schemeClr val="lt1"/>
+          </a:fontRef>
+        </p:style>
+        <p:txBody>
+          <a:bodyPr rtlCol="0" anchor="ctr"/>
+          <a:lstStyle/>
+          <a:p>
+            <a:pPr algn="ctr"/>
+            <a:endParaRPr lang="fr-FR"/>
+          </a:p>
+        </p:txBody>
+      </p:sp>
+      <p:grpSp>
+        <p:nvGrpSpPr>
+          <p:cNvPr id="73" name="Groupe 72">
+            <a:extLst>
+              <a:ext uri="{FF2B5EF4-FFF2-40B4-BE49-F238E27FC236}">
+                <a16:creationId xmlns:a16="http://schemas.microsoft.com/office/drawing/2014/main" id="{E15C5DFB-2718-4541-A495-8DB3A5CD952F}"/>
+              </a:ext>
+            </a:extLst>
+          </p:cNvPr>
+          <p:cNvGrpSpPr/>
+          <p:nvPr/>
+        </p:nvGrpSpPr>
+        <p:grpSpPr>
+          <a:xfrm>
+            <a:off x="5916000" y="693209"/>
+            <a:ext cx="360000" cy="325234"/>
+            <a:chOff x="5916000" y="693209"/>
+            <a:chExt cx="360000" cy="325234"/>
+          </a:xfrm>
+        </p:grpSpPr>
+        <p:sp>
+          <p:nvSpPr>
+            <p:cNvPr id="72" name="Rectangle 71">
+              <a:extLst>
+                <a:ext uri="{FF2B5EF4-FFF2-40B4-BE49-F238E27FC236}">
+                  <a16:creationId xmlns:a16="http://schemas.microsoft.com/office/drawing/2014/main" id="{D34B4C92-32F0-469D-9C8E-43B8D189F1C3}"/>
+                </a:ext>
+              </a:extLst>
+            </p:cNvPr>
+            <p:cNvSpPr/>
+            <p:nvPr/>
+          </p:nvSpPr>
+          <p:spPr>
+            <a:xfrm>
+              <a:off x="5916000" y="693209"/>
+              <a:ext cx="360000" cy="180000"/>
+            </a:xfrm>
+            <a:prstGeom prst="rect">
+              <a:avLst/>
+            </a:prstGeom>
+            <a:solidFill>
+              <a:schemeClr val="bg1">
+                <a:lumMod val="85000"/>
+              </a:schemeClr>
+            </a:solidFill>
+            <a:ln>
+              <a:noFill/>
+            </a:ln>
+          </p:spPr>
+          <p:style>
+            <a:lnRef idx="2">
+              <a:schemeClr val="accent1">
+                <a:shade val="50000"/>
+              </a:schemeClr>
+            </a:lnRef>
+            <a:fillRef idx="1">
+              <a:schemeClr val="accent1"/>
+            </a:fillRef>
+            <a:effectRef idx="0">
+              <a:schemeClr val="accent1"/>
+            </a:effectRef>
+            <a:fontRef idx="minor">
+              <a:schemeClr val="lt1"/>
+            </a:fontRef>
+          </p:style>
+          <p:txBody>
+            <a:bodyPr rtlCol="0" anchor="ctr"/>
+            <a:lstStyle/>
+            <a:p>
+              <a:pPr algn="ctr"/>
+              <a:endParaRPr lang="fr-FR"/>
+            </a:p>
+          </p:txBody>
+        </p:sp>
+        <p:grpSp>
+          <p:nvGrpSpPr>
+            <p:cNvPr id="71" name="Groupe 70">
+              <a:extLst>
+                <a:ext uri="{FF2B5EF4-FFF2-40B4-BE49-F238E27FC236}">
+                  <a16:creationId xmlns:a16="http://schemas.microsoft.com/office/drawing/2014/main" id="{5890246B-E46F-401A-B104-31E0F0B24B23}"/>
+                </a:ext>
+              </a:extLst>
+            </p:cNvPr>
+            <p:cNvGrpSpPr/>
+            <p:nvPr/>
+          </p:nvGrpSpPr>
+          <p:grpSpPr>
+            <a:xfrm>
+              <a:off x="5916000" y="874443"/>
+              <a:ext cx="360000" cy="144000"/>
+              <a:chOff x="5916000" y="874443"/>
+              <a:chExt cx="360000" cy="144000"/>
+            </a:xfrm>
+          </p:grpSpPr>
+          <p:cxnSp>
+            <p:nvCxnSpPr>
+              <p:cNvPr id="66" name="Connecteur droit 65">
+                <a:extLst>
+                  <a:ext uri="{FF2B5EF4-FFF2-40B4-BE49-F238E27FC236}">
+                    <a16:creationId xmlns:a16="http://schemas.microsoft.com/office/drawing/2014/main" id="{C98B502B-0F3D-44E0-BF97-33F0189CDC95}"/>
+                  </a:ext>
+                </a:extLst>
+              </p:cNvPr>
+              <p:cNvCxnSpPr>
+                <a:cxnSpLocks/>
+              </p:cNvCxnSpPr>
+              <p:nvPr/>
+            </p:nvCxnSpPr>
+            <p:spPr>
+              <a:xfrm flipV="1">
+                <a:off x="6096000" y="874443"/>
+                <a:ext cx="0" cy="144000"/>
+              </a:xfrm>
+              <a:prstGeom prst="line">
+                <a:avLst/>
+              </a:prstGeom>
+              <a:noFill/>
+              <a:ln w="28575">
+                <a:solidFill>
+                  <a:schemeClr val="tx1"/>
+                </a:solidFill>
+              </a:ln>
+            </p:spPr>
+            <p:style>
+              <a:lnRef idx="2">
+                <a:schemeClr val="accent1">
+                  <a:shade val="50000"/>
+                </a:schemeClr>
+              </a:lnRef>
+              <a:fillRef idx="1">
+                <a:schemeClr val="accent1"/>
+              </a:fillRef>
+              <a:effectRef idx="0">
+                <a:schemeClr val="accent1"/>
+              </a:effectRef>
+              <a:fontRef idx="minor">
+                <a:schemeClr val="lt1"/>
+              </a:fontRef>
+            </p:style>
+          </p:cxnSp>
+          <p:cxnSp>
+            <p:nvCxnSpPr>
+              <p:cNvPr id="69" name="Connecteur droit 68">
+                <a:extLst>
+                  <a:ext uri="{FF2B5EF4-FFF2-40B4-BE49-F238E27FC236}">
+                    <a16:creationId xmlns:a16="http://schemas.microsoft.com/office/drawing/2014/main" id="{6BD5C1C0-775C-475C-AD25-450069E511B2}"/>
+                  </a:ext>
+                </a:extLst>
+              </p:cNvPr>
+              <p:cNvCxnSpPr>
+                <a:cxnSpLocks/>
+              </p:cNvCxnSpPr>
+              <p:nvPr/>
+            </p:nvCxnSpPr>
+            <p:spPr>
+              <a:xfrm>
+                <a:off x="5916000" y="874443"/>
+                <a:ext cx="360000" cy="0"/>
+              </a:xfrm>
+              <a:prstGeom prst="line">
+                <a:avLst/>
+              </a:prstGeom>
+              <a:noFill/>
+              <a:ln w="28575">
+                <a:solidFill>
+                  <a:schemeClr val="tx1"/>
+                </a:solidFill>
+              </a:ln>
+            </p:spPr>
+            <p:style>
+              <a:lnRef idx="2">
+                <a:schemeClr val="accent1">
+                  <a:shade val="50000"/>
+                </a:schemeClr>
+              </a:lnRef>
+              <a:fillRef idx="1">
+                <a:schemeClr val="accent1"/>
+              </a:fillRef>
+              <a:effectRef idx="0">
+                <a:schemeClr val="accent1"/>
+              </a:effectRef>
+              <a:fontRef idx="minor">
+                <a:schemeClr val="lt1"/>
+              </a:fontRef>
+            </p:style>
+          </p:cxnSp>
+        </p:grpSp>
+      </p:grpSp>
+      <p:grpSp>
+        <p:nvGrpSpPr>
+          <p:cNvPr id="74" name="Groupe 73">
+            <a:extLst>
+              <a:ext uri="{FF2B5EF4-FFF2-40B4-BE49-F238E27FC236}">
+                <a16:creationId xmlns:a16="http://schemas.microsoft.com/office/drawing/2014/main" id="{ACC36619-2C3C-4F81-ABD8-8B454D106246}"/>
+              </a:ext>
+            </a:extLst>
+          </p:cNvPr>
+          <p:cNvGrpSpPr/>
+          <p:nvPr/>
+        </p:nvGrpSpPr>
+        <p:grpSpPr>
+          <a:xfrm rot="10800000">
+            <a:off x="5915999" y="5839557"/>
+            <a:ext cx="360000" cy="325234"/>
+            <a:chOff x="5916000" y="693209"/>
+            <a:chExt cx="360000" cy="325234"/>
+          </a:xfrm>
+        </p:grpSpPr>
+        <p:sp>
+          <p:nvSpPr>
+            <p:cNvPr id="75" name="Rectangle 74">
+              <a:extLst>
+                <a:ext uri="{FF2B5EF4-FFF2-40B4-BE49-F238E27FC236}">
+                  <a16:creationId xmlns:a16="http://schemas.microsoft.com/office/drawing/2014/main" id="{C9EB74BA-BB61-487A-A57E-568F9428F6AD}"/>
+                </a:ext>
+              </a:extLst>
+            </p:cNvPr>
+            <p:cNvSpPr/>
+            <p:nvPr/>
+          </p:nvSpPr>
+          <p:spPr>
+            <a:xfrm>
+              <a:off x="5916000" y="693209"/>
+              <a:ext cx="360000" cy="180000"/>
+            </a:xfrm>
+            <a:prstGeom prst="rect">
+              <a:avLst/>
+            </a:prstGeom>
+            <a:solidFill>
+              <a:schemeClr val="bg1">
+                <a:lumMod val="85000"/>
+              </a:schemeClr>
+            </a:solidFill>
+            <a:ln>
+              <a:noFill/>
+            </a:ln>
+          </p:spPr>
+          <p:style>
+            <a:lnRef idx="2">
+              <a:schemeClr val="accent1">
+                <a:shade val="50000"/>
+              </a:schemeClr>
+            </a:lnRef>
+            <a:fillRef idx="1">
+              <a:schemeClr val="accent1"/>
+            </a:fillRef>
+            <a:effectRef idx="0">
+              <a:schemeClr val="accent1"/>
+            </a:effectRef>
+            <a:fontRef idx="minor">
+              <a:schemeClr val="lt1"/>
+            </a:fontRef>
+          </p:style>
+          <p:txBody>
+            <a:bodyPr rtlCol="0" anchor="ctr"/>
+            <a:lstStyle/>
+            <a:p>
+              <a:pPr algn="ctr"/>
+              <a:endParaRPr lang="fr-FR"/>
+            </a:p>
+          </p:txBody>
+        </p:sp>
+        <p:grpSp>
+          <p:nvGrpSpPr>
+            <p:cNvPr id="76" name="Groupe 75">
+              <a:extLst>
+                <a:ext uri="{FF2B5EF4-FFF2-40B4-BE49-F238E27FC236}">
+                  <a16:creationId xmlns:a16="http://schemas.microsoft.com/office/drawing/2014/main" id="{B616D6DA-2C3F-4C73-AA5D-C0496ACF8796}"/>
+                </a:ext>
+              </a:extLst>
+            </p:cNvPr>
+            <p:cNvGrpSpPr/>
+            <p:nvPr/>
+          </p:nvGrpSpPr>
+          <p:grpSpPr>
+            <a:xfrm>
+              <a:off x="5916000" y="874443"/>
+              <a:ext cx="360000" cy="144000"/>
+              <a:chOff x="5916000" y="874443"/>
+              <a:chExt cx="360000" cy="144000"/>
+            </a:xfrm>
+          </p:grpSpPr>
+          <p:cxnSp>
+            <p:nvCxnSpPr>
+              <p:cNvPr id="77" name="Connecteur droit 76">
+                <a:extLst>
+                  <a:ext uri="{FF2B5EF4-FFF2-40B4-BE49-F238E27FC236}">
+                    <a16:creationId xmlns:a16="http://schemas.microsoft.com/office/drawing/2014/main" id="{2970042E-1FD8-4BFD-A77F-F1083E34507F}"/>
+                  </a:ext>
+                </a:extLst>
+              </p:cNvPr>
+              <p:cNvCxnSpPr>
+                <a:cxnSpLocks/>
+              </p:cNvCxnSpPr>
+              <p:nvPr/>
+            </p:nvCxnSpPr>
+            <p:spPr>
+              <a:xfrm flipV="1">
+                <a:off x="6096000" y="874443"/>
+                <a:ext cx="0" cy="144000"/>
+              </a:xfrm>
+              <a:prstGeom prst="line">
+                <a:avLst/>
+              </a:prstGeom>
+              <a:noFill/>
+              <a:ln w="28575">
+                <a:solidFill>
+                  <a:schemeClr val="tx1"/>
+                </a:solidFill>
+              </a:ln>
+            </p:spPr>
+            <p:style>
+              <a:lnRef idx="2">
+                <a:schemeClr val="accent1">
+                  <a:shade val="50000"/>
+                </a:schemeClr>
+              </a:lnRef>
+              <a:fillRef idx="1">
+                <a:schemeClr val="accent1"/>
+              </a:fillRef>
+              <a:effectRef idx="0">
+                <a:schemeClr val="accent1"/>
+              </a:effectRef>
+              <a:fontRef idx="minor">
+                <a:schemeClr val="lt1"/>
+              </a:fontRef>
+            </p:style>
+          </p:cxnSp>
+          <p:cxnSp>
+            <p:nvCxnSpPr>
+              <p:cNvPr id="78" name="Connecteur droit 77">
+                <a:extLst>
+                  <a:ext uri="{FF2B5EF4-FFF2-40B4-BE49-F238E27FC236}">
+                    <a16:creationId xmlns:a16="http://schemas.microsoft.com/office/drawing/2014/main" id="{D5E8870E-1E43-424B-90A2-59BF9AB35E3C}"/>
+                  </a:ext>
+                </a:extLst>
+              </p:cNvPr>
+              <p:cNvCxnSpPr>
+                <a:cxnSpLocks/>
+              </p:cNvCxnSpPr>
+              <p:nvPr/>
+            </p:nvCxnSpPr>
+            <p:spPr>
+              <a:xfrm>
+                <a:off x="5916000" y="874443"/>
+                <a:ext cx="360000" cy="0"/>
+              </a:xfrm>
+              <a:prstGeom prst="line">
+                <a:avLst/>
+              </a:prstGeom>
+              <a:noFill/>
+              <a:ln w="28575">
+                <a:solidFill>
+                  <a:schemeClr val="tx1"/>
+                </a:solidFill>
+              </a:ln>
+            </p:spPr>
+            <p:style>
+              <a:lnRef idx="2">
+                <a:schemeClr val="accent1">
+                  <a:shade val="50000"/>
+                </a:schemeClr>
+              </a:lnRef>
+              <a:fillRef idx="1">
+                <a:schemeClr val="accent1"/>
+              </a:fillRef>
+              <a:effectRef idx="0">
+                <a:schemeClr val="accent1"/>
+              </a:effectRef>
+              <a:fontRef idx="minor">
+                <a:schemeClr val="lt1"/>
+              </a:fontRef>
+            </p:style>
+          </p:cxnSp>
+        </p:grpSp>
+      </p:grpSp>
+      <p:sp>
+        <p:nvSpPr>
+          <p:cNvPr id="79" name="Ellipse 78">
+            <a:extLst>
+              <a:ext uri="{FF2B5EF4-FFF2-40B4-BE49-F238E27FC236}">
+                <a16:creationId xmlns:a16="http://schemas.microsoft.com/office/drawing/2014/main" id="{084B1B8B-194B-4D5C-A2C2-4EA06FCFFFC7}"/>
+              </a:ext>
+            </a:extLst>
+          </p:cNvPr>
+          <p:cNvSpPr/>
+          <p:nvPr/>
+        </p:nvSpPr>
+        <p:spPr>
+          <a:xfrm>
+            <a:off x="6966727" y="3174741"/>
+            <a:ext cx="540000" cy="540000"/>
+          </a:xfrm>
+          <a:prstGeom prst="ellipse">
+            <a:avLst/>
+          </a:prstGeom>
+          <a:solidFill>
+            <a:schemeClr val="bg1"/>
+          </a:solidFill>
+          <a:ln w="28575">
+            <a:solidFill>
+              <a:srgbClr val="7030A0"/>
+            </a:solidFill>
+          </a:ln>
+        </p:spPr>
+        <p:style>
+          <a:lnRef idx="2">
+            <a:schemeClr val="accent1">
+              <a:shade val="50000"/>
+            </a:schemeClr>
+          </a:lnRef>
+          <a:fillRef idx="1">
+            <a:schemeClr val="accent1"/>
+          </a:fillRef>
+          <a:effectRef idx="0">
+            <a:schemeClr val="accent1"/>
+          </a:effectRef>
+          <a:fontRef idx="minor">
+            <a:schemeClr val="lt1"/>
+          </a:fontRef>
+        </p:style>
+        <p:txBody>
+          <a:bodyPr rtlCol="0" anchor="ctr"/>
+          <a:lstStyle/>
+          <a:p>
+            <a:pPr algn="ctr"/>
+            <a:r>
+              <a:rPr lang="fr-FR" b="1" dirty="0">
+                <a:solidFill>
+                  <a:schemeClr val="tx1"/>
+                </a:solidFill>
+              </a:rPr>
+              <a:t>4</a:t>
+            </a:r>
+          </a:p>
+        </p:txBody>
+      </p:sp>
+      <p:sp>
+        <p:nvSpPr>
+          <p:cNvPr id="80" name="Ellipse 79">
+            <a:extLst>
+              <a:ext uri="{FF2B5EF4-FFF2-40B4-BE49-F238E27FC236}">
+                <a16:creationId xmlns:a16="http://schemas.microsoft.com/office/drawing/2014/main" id="{5F13654B-F966-466A-A1ED-E02B7D85DB1E}"/>
+              </a:ext>
+            </a:extLst>
+          </p:cNvPr>
+          <p:cNvSpPr/>
+          <p:nvPr/>
+        </p:nvSpPr>
+        <p:spPr>
+          <a:xfrm>
+            <a:off x="4685272" y="3174741"/>
+            <a:ext cx="540000" cy="540000"/>
+          </a:xfrm>
+          <a:prstGeom prst="ellipse">
+            <a:avLst/>
+          </a:prstGeom>
+          <a:solidFill>
+            <a:schemeClr val="bg1"/>
+          </a:solidFill>
+          <a:ln w="28575">
+            <a:solidFill>
+              <a:srgbClr val="0070C0"/>
+            </a:solidFill>
+          </a:ln>
+        </p:spPr>
+        <p:style>
+          <a:lnRef idx="2">
+            <a:schemeClr val="accent1">
+              <a:shade val="50000"/>
+            </a:schemeClr>
+          </a:lnRef>
+          <a:fillRef idx="1">
+            <a:schemeClr val="accent1"/>
+          </a:fillRef>
+          <a:effectRef idx="0">
+            <a:schemeClr val="accent1"/>
+          </a:effectRef>
+          <a:fontRef idx="minor">
+            <a:schemeClr val="lt1"/>
+          </a:fontRef>
+        </p:style>
+        <p:txBody>
+          <a:bodyPr rtlCol="0" anchor="ctr"/>
+          <a:lstStyle/>
+          <a:p>
+            <a:pPr algn="ctr"/>
+            <a:r>
+              <a:rPr lang="fr-FR" b="1" dirty="0">
+                <a:solidFill>
+                  <a:schemeClr val="tx1"/>
+                </a:solidFill>
+              </a:rPr>
+              <a:t>4’</a:t>
+            </a:r>
+          </a:p>
+        </p:txBody>
+      </p:sp>
+      <mc:AlternateContent xmlns:mc="http://schemas.openxmlformats.org/markup-compatibility/2006">
+        <mc:Choice xmlns:a14="http://schemas.microsoft.com/office/drawing/2010/main" Requires="a14">
+          <p:sp>
+            <p:nvSpPr>
+              <p:cNvPr id="81" name="ZoneTexte 80">
+                <a:extLst>
+                  <a:ext uri="{FF2B5EF4-FFF2-40B4-BE49-F238E27FC236}">
+                    <a16:creationId xmlns:a16="http://schemas.microsoft.com/office/drawing/2014/main" id="{893797E9-5A4F-424F-AB89-FAB124E12684}"/>
+                  </a:ext>
+                </a:extLst>
+              </p:cNvPr>
+              <p:cNvSpPr txBox="1"/>
+              <p:nvPr/>
+            </p:nvSpPr>
+            <p:spPr>
+              <a:xfrm rot="16200000">
+                <a:off x="4810246" y="2740724"/>
+                <a:ext cx="1100256" cy="307777"/>
+              </a:xfrm>
+              <a:prstGeom prst="rect">
+                <a:avLst/>
+              </a:prstGeom>
+              <a:noFill/>
+            </p:spPr>
+            <p:txBody>
+              <a:bodyPr wrap="square" rtlCol="0">
+                <a:spAutoFit/>
+              </a:bodyPr>
+              <a:lstStyle/>
+              <a:p>
+                <a:r>
+                  <a:rPr lang="fr-FR" sz="1400" dirty="0"/>
+                  <a:t>Pivot </a:t>
+                </a:r>
+                <a14:m>
+                  <m:oMath xmlns:m="http://schemas.openxmlformats.org/officeDocument/2006/math">
+                    <m:d>
+                      <m:dPr>
+                        <m:ctrlPr>
+                          <a:rPr lang="fr-FR" sz="1400" i="1" smtClean="0">
+                            <a:latin typeface="Cambria Math" panose="02040503050406030204" pitchFamily="18" charset="0"/>
+                          </a:rPr>
+                        </m:ctrlPr>
+                      </m:dPr>
+                      <m:e>
+                        <m:r>
+                          <a:rPr lang="fr-FR" sz="1400" b="0" i="1" smtClean="0">
+                            <a:latin typeface="Cambria Math" panose="02040503050406030204" pitchFamily="18" charset="0"/>
+                          </a:rPr>
+                          <m:t>𝑋</m:t>
+                        </m:r>
+                        <m:r>
+                          <a:rPr lang="fr-FR" sz="1400" b="0" i="1" smtClean="0">
+                            <a:latin typeface="Cambria Math" panose="02040503050406030204" pitchFamily="18" charset="0"/>
+                          </a:rPr>
+                          <m:t>,</m:t>
+                        </m:r>
+                        <m:acc>
+                          <m:accPr>
+                            <m:chr m:val="⃗"/>
+                            <m:ctrlPr>
+                              <a:rPr lang="fr-FR" sz="1400" b="0" i="1" smtClean="0">
+                                <a:latin typeface="Cambria Math" panose="02040503050406030204" pitchFamily="18" charset="0"/>
+                              </a:rPr>
+                            </m:ctrlPr>
+                          </m:accPr>
+                          <m:e>
+                            <m:sSub>
+                              <m:sSubPr>
+                                <m:ctrlPr>
+                                  <a:rPr lang="fr-FR" sz="1400" i="1">
+                                    <a:latin typeface="Cambria Math" panose="02040503050406030204" pitchFamily="18" charset="0"/>
+                                  </a:rPr>
+                                </m:ctrlPr>
+                              </m:sSubPr>
+                              <m:e>
+                                <m:r>
+                                  <a:rPr lang="fr-FR" sz="1400" i="1">
+                                    <a:latin typeface="Cambria Math" panose="02040503050406030204" pitchFamily="18" charset="0"/>
+                                  </a:rPr>
+                                  <m:t>𝑥</m:t>
+                                </m:r>
+                              </m:e>
+                              <m:sub>
+                                <m:r>
+                                  <a:rPr lang="fr-FR" sz="1400" i="1">
+                                    <a:latin typeface="Cambria Math" panose="02040503050406030204" pitchFamily="18" charset="0"/>
+                                  </a:rPr>
+                                  <m:t>𝐿</m:t>
+                                </m:r>
+                              </m:sub>
+                            </m:sSub>
+                          </m:e>
+                        </m:acc>
+                      </m:e>
+                    </m:d>
+                  </m:oMath>
+                </a14:m>
+                <a:r>
+                  <a:rPr lang="fr-FR" sz="1400" dirty="0"/>
+                  <a:t> </a:t>
+                </a:r>
+              </a:p>
+            </p:txBody>
+          </p:sp>
+        </mc:Choice>
+        <mc:Fallback>
+          <p:sp>
+            <p:nvSpPr>
+              <p:cNvPr id="81" name="ZoneTexte 80">
+                <a:extLst>
+                  <a:ext uri="{FF2B5EF4-FFF2-40B4-BE49-F238E27FC236}">
+                    <a16:creationId xmlns:a16="http://schemas.microsoft.com/office/drawing/2014/main" id="{893797E9-5A4F-424F-AB89-FAB124E12684}"/>
+                  </a:ext>
+                </a:extLst>
+              </p:cNvPr>
+              <p:cNvSpPr txBox="1">
+                <a:spLocks noRot="1" noChangeAspect="1" noMove="1" noResize="1" noEditPoints="1" noAdjustHandles="1" noChangeArrowheads="1" noChangeShapeType="1" noTextEdit="1"/>
+              </p:cNvSpPr>
+              <p:nvPr/>
+            </p:nvSpPr>
+            <p:spPr>
+              <a:xfrm rot="16200000">
+                <a:off x="4810246" y="2740724"/>
+                <a:ext cx="1100256" cy="307777"/>
+              </a:xfrm>
+              <a:prstGeom prst="rect">
+                <a:avLst/>
+              </a:prstGeom>
+              <a:blipFill>
+                <a:blip r:embed="rId2"/>
+                <a:stretch>
+                  <a:fillRect l="-3922" r="-19608" b="-1667"/>
+                </a:stretch>
+              </a:blipFill>
+            </p:spPr>
+            <p:txBody>
+              <a:bodyPr/>
+              <a:lstStyle/>
+              <a:p>
+                <a:r>
+                  <a:rPr lang="fr-FR">
+                    <a:noFill/>
+                  </a:rPr>
+                  <a:t> </a:t>
+                </a:r>
+              </a:p>
+            </p:txBody>
+          </p:sp>
+        </mc:Fallback>
+      </mc:AlternateContent>
+      <mc:AlternateContent xmlns:mc="http://schemas.openxmlformats.org/markup-compatibility/2006">
+        <mc:Choice xmlns:a14="http://schemas.microsoft.com/office/drawing/2010/main" Requires="a14">
+          <p:sp>
+            <p:nvSpPr>
+              <p:cNvPr id="82" name="ZoneTexte 81">
+                <a:extLst>
+                  <a:ext uri="{FF2B5EF4-FFF2-40B4-BE49-F238E27FC236}">
+                    <a16:creationId xmlns:a16="http://schemas.microsoft.com/office/drawing/2014/main" id="{3F7B2865-D9E5-4F1E-9EC0-5ECA3A2DE312}"/>
+                  </a:ext>
+                </a:extLst>
+              </p:cNvPr>
+              <p:cNvSpPr txBox="1"/>
+              <p:nvPr/>
+            </p:nvSpPr>
+            <p:spPr>
+              <a:xfrm rot="16200000">
+                <a:off x="6286423" y="2755237"/>
+                <a:ext cx="1100256" cy="307777"/>
+              </a:xfrm>
+              <a:prstGeom prst="rect">
+                <a:avLst/>
+              </a:prstGeom>
+              <a:noFill/>
+            </p:spPr>
+            <p:txBody>
+              <a:bodyPr wrap="square" rtlCol="0">
+                <a:spAutoFit/>
+              </a:bodyPr>
+              <a:lstStyle/>
+              <a:p>
+                <a:r>
+                  <a:rPr lang="fr-FR" sz="1400" dirty="0"/>
+                  <a:t>Pivot </a:t>
+                </a:r>
+                <a14:m>
+                  <m:oMath xmlns:m="http://schemas.openxmlformats.org/officeDocument/2006/math">
+                    <m:d>
+                      <m:dPr>
+                        <m:ctrlPr>
+                          <a:rPr lang="fr-FR" sz="1400" i="1" smtClean="0">
+                            <a:latin typeface="Cambria Math" panose="02040503050406030204" pitchFamily="18" charset="0"/>
+                          </a:rPr>
+                        </m:ctrlPr>
+                      </m:dPr>
+                      <m:e>
+                        <m:r>
+                          <a:rPr lang="fr-FR" sz="1400" b="0" i="1" smtClean="0">
+                            <a:latin typeface="Cambria Math" panose="02040503050406030204" pitchFamily="18" charset="0"/>
+                          </a:rPr>
+                          <m:t>𝑋</m:t>
+                        </m:r>
+                        <m:r>
+                          <a:rPr lang="fr-FR" sz="1400" b="0" i="1" smtClean="0">
+                            <a:latin typeface="Cambria Math" panose="02040503050406030204" pitchFamily="18" charset="0"/>
+                          </a:rPr>
+                          <m:t>,</m:t>
+                        </m:r>
+                        <m:acc>
+                          <m:accPr>
+                            <m:chr m:val="⃗"/>
+                            <m:ctrlPr>
+                              <a:rPr lang="fr-FR" sz="1400" b="0" i="1" smtClean="0">
+                                <a:latin typeface="Cambria Math" panose="02040503050406030204" pitchFamily="18" charset="0"/>
+                              </a:rPr>
+                            </m:ctrlPr>
+                          </m:accPr>
+                          <m:e>
+                            <m:sSub>
+                              <m:sSubPr>
+                                <m:ctrlPr>
+                                  <a:rPr lang="fr-FR" sz="1400" i="1">
+                                    <a:latin typeface="Cambria Math" panose="02040503050406030204" pitchFamily="18" charset="0"/>
+                                  </a:rPr>
+                                </m:ctrlPr>
+                              </m:sSubPr>
+                              <m:e>
+                                <m:r>
+                                  <a:rPr lang="fr-FR" sz="1400" i="1">
+                                    <a:latin typeface="Cambria Math" panose="02040503050406030204" pitchFamily="18" charset="0"/>
+                                  </a:rPr>
+                                  <m:t>𝑥</m:t>
+                                </m:r>
+                              </m:e>
+                              <m:sub>
+                                <m:r>
+                                  <a:rPr lang="fr-FR" sz="1400" i="1">
+                                    <a:latin typeface="Cambria Math" panose="02040503050406030204" pitchFamily="18" charset="0"/>
+                                  </a:rPr>
+                                  <m:t>𝐿</m:t>
+                                </m:r>
+                              </m:sub>
+                            </m:sSub>
+                          </m:e>
+                        </m:acc>
+                      </m:e>
+                    </m:d>
+                  </m:oMath>
+                </a14:m>
+                <a:r>
+                  <a:rPr lang="fr-FR" sz="1400" dirty="0"/>
+                  <a:t> </a:t>
+                </a:r>
+              </a:p>
+            </p:txBody>
+          </p:sp>
+        </mc:Choice>
+        <mc:Fallback>
+          <p:sp>
+            <p:nvSpPr>
+              <p:cNvPr id="82" name="ZoneTexte 81">
+                <a:extLst>
+                  <a:ext uri="{FF2B5EF4-FFF2-40B4-BE49-F238E27FC236}">
+                    <a16:creationId xmlns:a16="http://schemas.microsoft.com/office/drawing/2014/main" id="{3F7B2865-D9E5-4F1E-9EC0-5ECA3A2DE312}"/>
+                  </a:ext>
+                </a:extLst>
+              </p:cNvPr>
+              <p:cNvSpPr txBox="1">
+                <a:spLocks noRot="1" noChangeAspect="1" noMove="1" noResize="1" noEditPoints="1" noAdjustHandles="1" noChangeArrowheads="1" noChangeShapeType="1" noTextEdit="1"/>
+              </p:cNvSpPr>
+              <p:nvPr/>
+            </p:nvSpPr>
+            <p:spPr>
+              <a:xfrm rot="16200000">
+                <a:off x="6286423" y="2755237"/>
+                <a:ext cx="1100256" cy="307777"/>
+              </a:xfrm>
+              <a:prstGeom prst="rect">
+                <a:avLst/>
+              </a:prstGeom>
+              <a:blipFill>
+                <a:blip r:embed="rId3"/>
+                <a:stretch>
+                  <a:fillRect l="-3922" r="-19608" b="-1667"/>
+                </a:stretch>
+              </a:blipFill>
+            </p:spPr>
+            <p:txBody>
+              <a:bodyPr/>
+              <a:lstStyle/>
+              <a:p>
+                <a:r>
+                  <a:rPr lang="fr-FR">
+                    <a:noFill/>
+                  </a:rPr>
+                  <a:t> </a:t>
+                </a:r>
+              </a:p>
+            </p:txBody>
+          </p:sp>
+        </mc:Fallback>
+      </mc:AlternateContent>
+      <mc:AlternateContent xmlns:mc="http://schemas.openxmlformats.org/markup-compatibility/2006">
+        <mc:Choice xmlns:a14="http://schemas.microsoft.com/office/drawing/2010/main" Requires="a14">
+          <p:sp>
+            <p:nvSpPr>
+              <p:cNvPr id="84" name="ZoneTexte 83">
+                <a:extLst>
+                  <a:ext uri="{FF2B5EF4-FFF2-40B4-BE49-F238E27FC236}">
+                    <a16:creationId xmlns:a16="http://schemas.microsoft.com/office/drawing/2014/main" id="{CF908C2F-91CA-4F96-B709-DBCDD64A6740}"/>
+                  </a:ext>
+                </a:extLst>
+              </p:cNvPr>
+              <p:cNvSpPr txBox="1"/>
+              <p:nvPr/>
+            </p:nvSpPr>
+            <p:spPr>
+              <a:xfrm rot="16200000">
+                <a:off x="3904607" y="2629000"/>
+                <a:ext cx="1306568" cy="307777"/>
+              </a:xfrm>
+              <a:prstGeom prst="rect">
+                <a:avLst/>
+              </a:prstGeom>
+              <a:noFill/>
+            </p:spPr>
+            <p:txBody>
+              <a:bodyPr wrap="square" rtlCol="0">
+                <a:spAutoFit/>
+              </a:bodyPr>
+              <a:lstStyle/>
+              <a:p>
+                <a:r>
+                  <a:rPr lang="fr-FR" sz="1400" dirty="0"/>
+                  <a:t>Pivot </a:t>
+                </a:r>
+                <a14:m>
+                  <m:oMath xmlns:m="http://schemas.openxmlformats.org/officeDocument/2006/math">
+                    <m:d>
+                      <m:dPr>
+                        <m:ctrlPr>
+                          <a:rPr lang="fr-FR" sz="1400" i="1" smtClean="0">
+                            <a:latin typeface="Cambria Math" panose="02040503050406030204" pitchFamily="18" charset="0"/>
+                          </a:rPr>
+                        </m:ctrlPr>
+                      </m:dPr>
+                      <m:e>
+                        <m:r>
+                          <a:rPr lang="fr-FR" sz="1400" b="0" i="1" smtClean="0">
+                            <a:latin typeface="Cambria Math" panose="02040503050406030204" pitchFamily="18" charset="0"/>
+                          </a:rPr>
+                          <m:t>𝑊</m:t>
+                        </m:r>
+                        <m:r>
+                          <a:rPr lang="fr-FR" sz="1400" b="0" i="1" smtClean="0">
+                            <a:latin typeface="Cambria Math" panose="02040503050406030204" pitchFamily="18" charset="0"/>
+                          </a:rPr>
+                          <m:t>′,</m:t>
+                        </m:r>
+                        <m:acc>
+                          <m:accPr>
+                            <m:chr m:val="⃗"/>
+                            <m:ctrlPr>
+                              <a:rPr lang="fr-FR" sz="1400" b="0" i="1" smtClean="0">
+                                <a:latin typeface="Cambria Math" panose="02040503050406030204" pitchFamily="18" charset="0"/>
+                              </a:rPr>
+                            </m:ctrlPr>
+                          </m:accPr>
+                          <m:e>
+                            <m:sSub>
+                              <m:sSubPr>
+                                <m:ctrlPr>
+                                  <a:rPr lang="fr-FR" sz="1400" i="1">
+                                    <a:latin typeface="Cambria Math" panose="02040503050406030204" pitchFamily="18" charset="0"/>
+                                  </a:rPr>
+                                </m:ctrlPr>
+                              </m:sSubPr>
+                              <m:e>
+                                <m:r>
+                                  <a:rPr lang="fr-FR" sz="1400" b="0" i="1" smtClean="0">
+                                    <a:latin typeface="Cambria Math" panose="02040503050406030204" pitchFamily="18" charset="0"/>
+                                  </a:rPr>
+                                  <m:t>𝑦</m:t>
+                                </m:r>
+                              </m:e>
+                              <m:sub>
+                                <m:r>
+                                  <a:rPr lang="fr-FR" sz="1400" b="0" i="1" smtClean="0">
+                                    <a:latin typeface="Cambria Math" panose="02040503050406030204" pitchFamily="18" charset="0"/>
+                                  </a:rPr>
+                                  <m:t>2</m:t>
+                                </m:r>
+                              </m:sub>
+                            </m:sSub>
+                          </m:e>
+                        </m:acc>
+                      </m:e>
+                    </m:d>
+                  </m:oMath>
+                </a14:m>
+                <a:r>
+                  <a:rPr lang="fr-FR" sz="1400" dirty="0"/>
+                  <a:t> </a:t>
+                </a:r>
+              </a:p>
+            </p:txBody>
+          </p:sp>
+        </mc:Choice>
+        <mc:Fallback>
+          <p:sp>
+            <p:nvSpPr>
+              <p:cNvPr id="84" name="ZoneTexte 83">
+                <a:extLst>
+                  <a:ext uri="{FF2B5EF4-FFF2-40B4-BE49-F238E27FC236}">
+                    <a16:creationId xmlns:a16="http://schemas.microsoft.com/office/drawing/2014/main" id="{CF908C2F-91CA-4F96-B709-DBCDD64A6740}"/>
+                  </a:ext>
+                </a:extLst>
+              </p:cNvPr>
+              <p:cNvSpPr txBox="1">
+                <a:spLocks noRot="1" noChangeAspect="1" noMove="1" noResize="1" noEditPoints="1" noAdjustHandles="1" noChangeArrowheads="1" noChangeShapeType="1" noTextEdit="1"/>
+              </p:cNvSpPr>
+              <p:nvPr/>
+            </p:nvSpPr>
+            <p:spPr>
+              <a:xfrm rot="16200000">
+                <a:off x="3904607" y="2629000"/>
+                <a:ext cx="1306568" cy="307777"/>
+              </a:xfrm>
+              <a:prstGeom prst="rect">
+                <a:avLst/>
+              </a:prstGeom>
+              <a:blipFill>
+                <a:blip r:embed="rId4"/>
+                <a:stretch>
+                  <a:fillRect l="-1961" r="-19608" b="-1395"/>
+                </a:stretch>
+              </a:blipFill>
+            </p:spPr>
+            <p:txBody>
+              <a:bodyPr/>
+              <a:lstStyle/>
+              <a:p>
+                <a:r>
+                  <a:rPr lang="fr-FR">
+                    <a:noFill/>
+                  </a:rPr>
+                  <a:t> </a:t>
+                </a:r>
+              </a:p>
+            </p:txBody>
+          </p:sp>
+        </mc:Fallback>
+      </mc:AlternateContent>
+      <mc:AlternateContent xmlns:mc="http://schemas.openxmlformats.org/markup-compatibility/2006">
+        <mc:Choice xmlns:a14="http://schemas.microsoft.com/office/drawing/2010/main" Requires="a14">
+          <p:sp>
+            <p:nvSpPr>
+              <p:cNvPr id="85" name="ZoneTexte 84">
+                <a:extLst>
+                  <a:ext uri="{FF2B5EF4-FFF2-40B4-BE49-F238E27FC236}">
+                    <a16:creationId xmlns:a16="http://schemas.microsoft.com/office/drawing/2014/main" id="{5B70E326-0FD9-4DA6-9E91-FDF26FB1E2FB}"/>
+                  </a:ext>
+                </a:extLst>
+              </p:cNvPr>
+              <p:cNvSpPr txBox="1"/>
+              <p:nvPr/>
+            </p:nvSpPr>
+            <p:spPr>
+              <a:xfrm rot="16200000">
+                <a:off x="7004172" y="2658340"/>
+                <a:ext cx="1306568" cy="307777"/>
+              </a:xfrm>
+              <a:prstGeom prst="rect">
+                <a:avLst/>
+              </a:prstGeom>
+              <a:noFill/>
+            </p:spPr>
+            <p:txBody>
+              <a:bodyPr wrap="square" rtlCol="0">
+                <a:spAutoFit/>
+              </a:bodyPr>
+              <a:lstStyle/>
+              <a:p>
+                <a:r>
+                  <a:rPr lang="fr-FR" sz="1400" dirty="0"/>
+                  <a:t>Pivot </a:t>
+                </a:r>
+                <a14:m>
+                  <m:oMath xmlns:m="http://schemas.openxmlformats.org/officeDocument/2006/math">
+                    <m:d>
+                      <m:dPr>
+                        <m:ctrlPr>
+                          <a:rPr lang="fr-FR" sz="1400" i="1" smtClean="0">
+                            <a:latin typeface="Cambria Math" panose="02040503050406030204" pitchFamily="18" charset="0"/>
+                          </a:rPr>
+                        </m:ctrlPr>
+                      </m:dPr>
+                      <m:e>
+                        <m:r>
+                          <a:rPr lang="fr-FR" sz="1400" b="0" i="1" smtClean="0">
+                            <a:latin typeface="Cambria Math" panose="02040503050406030204" pitchFamily="18" charset="0"/>
+                          </a:rPr>
+                          <m:t>𝑊</m:t>
+                        </m:r>
+                        <m:r>
+                          <a:rPr lang="fr-FR" sz="1400" b="0" i="1" smtClean="0">
+                            <a:latin typeface="Cambria Math" panose="02040503050406030204" pitchFamily="18" charset="0"/>
+                          </a:rPr>
+                          <m:t>,</m:t>
+                        </m:r>
+                        <m:acc>
+                          <m:accPr>
+                            <m:chr m:val="⃗"/>
+                            <m:ctrlPr>
+                              <a:rPr lang="fr-FR" sz="1400" b="0" i="1" smtClean="0">
+                                <a:latin typeface="Cambria Math" panose="02040503050406030204" pitchFamily="18" charset="0"/>
+                              </a:rPr>
+                            </m:ctrlPr>
+                          </m:accPr>
+                          <m:e>
+                            <m:sSub>
+                              <m:sSubPr>
+                                <m:ctrlPr>
+                                  <a:rPr lang="fr-FR" sz="1400" i="1">
+                                    <a:latin typeface="Cambria Math" panose="02040503050406030204" pitchFamily="18" charset="0"/>
+                                  </a:rPr>
+                                </m:ctrlPr>
+                              </m:sSubPr>
+                              <m:e>
+                                <m:r>
+                                  <a:rPr lang="fr-FR" sz="1400" b="0" i="1" smtClean="0">
+                                    <a:latin typeface="Cambria Math" panose="02040503050406030204" pitchFamily="18" charset="0"/>
+                                  </a:rPr>
+                                  <m:t>𝑦</m:t>
+                                </m:r>
+                              </m:e>
+                              <m:sub>
+                                <m:r>
+                                  <a:rPr lang="fr-FR" sz="1400" b="0" i="1" smtClean="0">
+                                    <a:latin typeface="Cambria Math" panose="02040503050406030204" pitchFamily="18" charset="0"/>
+                                  </a:rPr>
+                                  <m:t>3</m:t>
+                                </m:r>
+                              </m:sub>
+                            </m:sSub>
+                          </m:e>
+                        </m:acc>
+                      </m:e>
+                    </m:d>
+                  </m:oMath>
+                </a14:m>
+                <a:r>
+                  <a:rPr lang="fr-FR" sz="1400" dirty="0"/>
+                  <a:t> </a:t>
+                </a:r>
+              </a:p>
+            </p:txBody>
+          </p:sp>
+        </mc:Choice>
+        <mc:Fallback>
+          <p:sp>
+            <p:nvSpPr>
+              <p:cNvPr id="85" name="ZoneTexte 84">
+                <a:extLst>
+                  <a:ext uri="{FF2B5EF4-FFF2-40B4-BE49-F238E27FC236}">
+                    <a16:creationId xmlns:a16="http://schemas.microsoft.com/office/drawing/2014/main" id="{5B70E326-0FD9-4DA6-9E91-FDF26FB1E2FB}"/>
+                  </a:ext>
+                </a:extLst>
+              </p:cNvPr>
+              <p:cNvSpPr txBox="1">
+                <a:spLocks noRot="1" noChangeAspect="1" noMove="1" noResize="1" noEditPoints="1" noAdjustHandles="1" noChangeArrowheads="1" noChangeShapeType="1" noTextEdit="1"/>
+              </p:cNvSpPr>
+              <p:nvPr/>
+            </p:nvSpPr>
+            <p:spPr>
+              <a:xfrm rot="16200000">
+                <a:off x="7004172" y="2658340"/>
+                <a:ext cx="1306568" cy="307777"/>
+              </a:xfrm>
+              <a:prstGeom prst="rect">
+                <a:avLst/>
+              </a:prstGeom>
+              <a:blipFill>
+                <a:blip r:embed="rId5"/>
+                <a:stretch>
+                  <a:fillRect l="-4000" r="-20000" b="-1402"/>
+                </a:stretch>
+              </a:blipFill>
+            </p:spPr>
+            <p:txBody>
+              <a:bodyPr/>
+              <a:lstStyle/>
+              <a:p>
+                <a:r>
+                  <a:rPr lang="fr-FR">
+                    <a:noFill/>
+                  </a:rPr>
+                  <a:t> </a:t>
+                </a:r>
+              </a:p>
+            </p:txBody>
+          </p:sp>
+        </mc:Fallback>
+      </mc:AlternateContent>
+      <p:sp>
+        <p:nvSpPr>
+          <p:cNvPr id="86" name="ZoneTexte 85">
+            <a:extLst>
+              <a:ext uri="{FF2B5EF4-FFF2-40B4-BE49-F238E27FC236}">
+                <a16:creationId xmlns:a16="http://schemas.microsoft.com/office/drawing/2014/main" id="{5056E181-2794-408A-809A-16EE080047BC}"/>
+              </a:ext>
+            </a:extLst>
+          </p:cNvPr>
+          <p:cNvSpPr txBox="1"/>
+          <p:nvPr/>
+        </p:nvSpPr>
+        <p:spPr>
+          <a:xfrm rot="16200000">
+            <a:off x="4187234" y="3682784"/>
+            <a:ext cx="744293" cy="307777"/>
+          </a:xfrm>
+          <a:prstGeom prst="rect">
+            <a:avLst/>
+          </a:prstGeom>
+          <a:noFill/>
+        </p:spPr>
+        <p:txBody>
+          <a:bodyPr wrap="square" rtlCol="0">
+            <a:spAutoFit/>
+          </a:bodyPr>
+          <a:lstStyle/>
+          <a:p>
+            <a:pPr algn="r"/>
+            <a:r>
+              <a:rPr lang="fr-FR" sz="1400" i="1" dirty="0">
+                <a:solidFill>
+                  <a:schemeClr val="tx1">
+                    <a:lumMod val="65000"/>
+                    <a:lumOff val="35000"/>
+                  </a:schemeClr>
+                </a:solidFill>
+              </a:rPr>
+              <a:t>Roulis</a:t>
+            </a:r>
+          </a:p>
+        </p:txBody>
+      </p:sp>
+      <p:sp>
+        <p:nvSpPr>
+          <p:cNvPr id="87" name="ZoneTexte 86">
+            <a:extLst>
+              <a:ext uri="{FF2B5EF4-FFF2-40B4-BE49-F238E27FC236}">
+                <a16:creationId xmlns:a16="http://schemas.microsoft.com/office/drawing/2014/main" id="{94C412A1-CBA3-48A9-B609-BE12F076EEEB}"/>
+              </a:ext>
+            </a:extLst>
+          </p:cNvPr>
+          <p:cNvSpPr txBox="1"/>
+          <p:nvPr/>
+        </p:nvSpPr>
+        <p:spPr>
+          <a:xfrm rot="16200000">
+            <a:off x="7259421" y="3672877"/>
+            <a:ext cx="744293" cy="307777"/>
+          </a:xfrm>
+          <a:prstGeom prst="rect">
+            <a:avLst/>
+          </a:prstGeom>
+          <a:noFill/>
+        </p:spPr>
+        <p:txBody>
+          <a:bodyPr wrap="square" rtlCol="0">
+            <a:spAutoFit/>
+          </a:bodyPr>
+          <a:lstStyle/>
+          <a:p>
+            <a:pPr algn="r"/>
+            <a:r>
+              <a:rPr lang="fr-FR" sz="1400" i="1" dirty="0">
+                <a:solidFill>
+                  <a:schemeClr val="tx1">
+                    <a:lumMod val="65000"/>
+                    <a:lumOff val="35000"/>
+                  </a:schemeClr>
+                </a:solidFill>
+              </a:rPr>
+              <a:t>Roulis</a:t>
+            </a:r>
+          </a:p>
+        </p:txBody>
+      </p:sp>
+      <p:sp>
+        <p:nvSpPr>
+          <p:cNvPr id="88" name="ZoneTexte 87">
+            <a:extLst>
+              <a:ext uri="{FF2B5EF4-FFF2-40B4-BE49-F238E27FC236}">
+                <a16:creationId xmlns:a16="http://schemas.microsoft.com/office/drawing/2014/main" id="{84C39C9F-14E4-4F38-AB75-C1C4E4B30965}"/>
+              </a:ext>
+            </a:extLst>
+          </p:cNvPr>
+          <p:cNvSpPr txBox="1"/>
+          <p:nvPr/>
+        </p:nvSpPr>
+        <p:spPr>
+          <a:xfrm rot="16200000">
+            <a:off x="4864224" y="3783022"/>
+            <a:ext cx="977186" cy="307777"/>
+          </a:xfrm>
+          <a:prstGeom prst="rect">
+            <a:avLst/>
+          </a:prstGeom>
+          <a:noFill/>
+        </p:spPr>
+        <p:txBody>
+          <a:bodyPr wrap="square" rtlCol="0">
+            <a:spAutoFit/>
+          </a:bodyPr>
+          <a:lstStyle/>
+          <a:p>
+            <a:pPr algn="r"/>
+            <a:r>
+              <a:rPr lang="fr-FR" sz="1400" i="1" dirty="0">
+                <a:solidFill>
+                  <a:schemeClr val="tx1">
+                    <a:lumMod val="65000"/>
+                    <a:lumOff val="35000"/>
+                  </a:schemeClr>
+                </a:solidFill>
+              </a:rPr>
+              <a:t>Tangage</a:t>
+            </a:r>
+          </a:p>
+        </p:txBody>
+      </p:sp>
+      <p:sp>
+        <p:nvSpPr>
+          <p:cNvPr id="89" name="ZoneTexte 88">
+            <a:extLst>
+              <a:ext uri="{FF2B5EF4-FFF2-40B4-BE49-F238E27FC236}">
+                <a16:creationId xmlns:a16="http://schemas.microsoft.com/office/drawing/2014/main" id="{06FB9CB1-CFB8-4C96-B73C-D9AA7BC2D2FC}"/>
+              </a:ext>
+            </a:extLst>
+          </p:cNvPr>
+          <p:cNvSpPr txBox="1"/>
+          <p:nvPr/>
+        </p:nvSpPr>
+        <p:spPr>
+          <a:xfrm rot="16200000">
+            <a:off x="6353257" y="3776610"/>
+            <a:ext cx="977186" cy="307777"/>
+          </a:xfrm>
+          <a:prstGeom prst="rect">
+            <a:avLst/>
+          </a:prstGeom>
+          <a:noFill/>
+        </p:spPr>
+        <p:txBody>
+          <a:bodyPr wrap="square" rtlCol="0">
+            <a:spAutoFit/>
+          </a:bodyPr>
+          <a:lstStyle/>
+          <a:p>
+            <a:pPr algn="r"/>
+            <a:r>
+              <a:rPr lang="fr-FR" sz="1400" i="1" dirty="0">
+                <a:solidFill>
+                  <a:schemeClr val="tx1">
+                    <a:lumMod val="65000"/>
+                    <a:lumOff val="35000"/>
+                  </a:schemeClr>
+                </a:solidFill>
+              </a:rPr>
+              <a:t>Tangage</a:t>
+            </a:r>
+          </a:p>
+        </p:txBody>
+      </p:sp>
+      <p:sp>
+        <p:nvSpPr>
+          <p:cNvPr id="90" name="Signe de multiplication 89">
+            <a:extLst>
+              <a:ext uri="{FF2B5EF4-FFF2-40B4-BE49-F238E27FC236}">
+                <a16:creationId xmlns:a16="http://schemas.microsoft.com/office/drawing/2014/main" id="{14A400B5-BCA7-4F7F-8773-FDA8A9DA4DF6}"/>
+              </a:ext>
+            </a:extLst>
+          </p:cNvPr>
+          <p:cNvSpPr/>
+          <p:nvPr/>
+        </p:nvSpPr>
+        <p:spPr>
+          <a:xfrm>
+            <a:off x="7521840" y="3339431"/>
+            <a:ext cx="219456" cy="219456"/>
+          </a:xfrm>
+          <a:prstGeom prst="mathMultiply">
+            <a:avLst/>
+          </a:prstGeom>
+        </p:spPr>
+        <p:style>
+          <a:lnRef idx="2">
+            <a:schemeClr val="dk1">
+              <a:shade val="50000"/>
+            </a:schemeClr>
+          </a:lnRef>
+          <a:fillRef idx="1">
+            <a:schemeClr val="dk1"/>
+          </a:fillRef>
+          <a:effectRef idx="0">
+            <a:schemeClr val="dk1"/>
+          </a:effectRef>
+          <a:fontRef idx="minor">
+            <a:schemeClr val="lt1"/>
+          </a:fontRef>
+        </p:style>
+        <p:txBody>
+          <a:bodyPr rtlCol="0" anchor="ctr"/>
+          <a:lstStyle/>
+          <a:p>
+            <a:pPr algn="ctr"/>
+            <a:endParaRPr lang="fr-FR"/>
+          </a:p>
+        </p:txBody>
+      </p:sp>
+      <p:sp>
+        <p:nvSpPr>
+          <p:cNvPr id="91" name="Signe de multiplication 90">
+            <a:extLst>
+              <a:ext uri="{FF2B5EF4-FFF2-40B4-BE49-F238E27FC236}">
+                <a16:creationId xmlns:a16="http://schemas.microsoft.com/office/drawing/2014/main" id="{FAF6EDE7-D3CE-4045-B92B-7299AED75CB6}"/>
+              </a:ext>
+            </a:extLst>
+          </p:cNvPr>
+          <p:cNvSpPr/>
+          <p:nvPr/>
+        </p:nvSpPr>
+        <p:spPr>
+          <a:xfrm>
+            <a:off x="4450011" y="3338209"/>
+            <a:ext cx="219456" cy="219456"/>
+          </a:xfrm>
+          <a:prstGeom prst="mathMultiply">
+            <a:avLst/>
+          </a:prstGeom>
+        </p:spPr>
+        <p:style>
+          <a:lnRef idx="2">
+            <a:schemeClr val="dk1">
+              <a:shade val="50000"/>
+            </a:schemeClr>
+          </a:lnRef>
+          <a:fillRef idx="1">
+            <a:schemeClr val="dk1"/>
+          </a:fillRef>
+          <a:effectRef idx="0">
+            <a:schemeClr val="dk1"/>
+          </a:effectRef>
+          <a:fontRef idx="minor">
+            <a:schemeClr val="lt1"/>
+          </a:fontRef>
+        </p:style>
+        <p:txBody>
+          <a:bodyPr rtlCol="0" anchor="ctr"/>
+          <a:lstStyle/>
+          <a:p>
+            <a:pPr algn="ctr"/>
+            <a:endParaRPr lang="fr-FR"/>
+          </a:p>
+        </p:txBody>
+      </p:sp>
+      <p:grpSp>
+        <p:nvGrpSpPr>
+          <p:cNvPr id="98" name="Groupe 97">
+            <a:extLst>
+              <a:ext uri="{FF2B5EF4-FFF2-40B4-BE49-F238E27FC236}">
+                <a16:creationId xmlns:a16="http://schemas.microsoft.com/office/drawing/2014/main" id="{9FE25365-7522-48DF-9440-30A7FBB5274F}"/>
+              </a:ext>
+            </a:extLst>
+          </p:cNvPr>
+          <p:cNvGrpSpPr/>
+          <p:nvPr/>
+        </p:nvGrpSpPr>
+        <p:grpSpPr>
+          <a:xfrm>
+            <a:off x="3146235" y="2492482"/>
+            <a:ext cx="891850" cy="773075"/>
+            <a:chOff x="3146235" y="2488471"/>
+            <a:chExt cx="891850" cy="773075"/>
+          </a:xfrm>
+        </p:grpSpPr>
+        <p:sp>
+          <p:nvSpPr>
+            <p:cNvPr id="96" name="Arc 95">
+              <a:extLst>
+                <a:ext uri="{FF2B5EF4-FFF2-40B4-BE49-F238E27FC236}">
+                  <a16:creationId xmlns:a16="http://schemas.microsoft.com/office/drawing/2014/main" id="{1AC0E55D-A31A-4B05-A946-CB6EA559EF5C}"/>
+                </a:ext>
+              </a:extLst>
+            </p:cNvPr>
+            <p:cNvSpPr/>
+            <p:nvPr/>
+          </p:nvSpPr>
+          <p:spPr>
+            <a:xfrm>
+              <a:off x="3490003" y="2488471"/>
+              <a:ext cx="548082" cy="773075"/>
+            </a:xfrm>
+            <a:prstGeom prst="arc">
+              <a:avLst>
+                <a:gd name="adj1" fmla="val 7366981"/>
+                <a:gd name="adj2" fmla="val 14492985"/>
+              </a:avLst>
+            </a:prstGeom>
+            <a:ln w="28575">
+              <a:solidFill>
+                <a:srgbClr val="C00000"/>
+              </a:solidFill>
+              <a:headEnd type="stealth" w="sm" len="lg"/>
+              <a:tailEnd type="stealth" w="sm" len="lg"/>
+            </a:ln>
+          </p:spPr>
+          <p:style>
+            <a:lnRef idx="1">
+              <a:schemeClr val="accent1"/>
+            </a:lnRef>
+            <a:fillRef idx="0">
+              <a:schemeClr val="accent1"/>
+            </a:fillRef>
+            <a:effectRef idx="0">
+              <a:schemeClr val="accent1"/>
+            </a:effectRef>
+            <a:fontRef idx="minor">
+              <a:schemeClr val="tx1"/>
+            </a:fontRef>
+          </p:style>
+          <p:txBody>
+            <a:bodyPr rtlCol="0" anchor="ctr"/>
+            <a:lstStyle/>
+            <a:p>
+              <a:pPr algn="ctr"/>
+              <a:endParaRPr lang="fr-FR"/>
+            </a:p>
+          </p:txBody>
+        </p:sp>
+        <mc:AlternateContent xmlns:mc="http://schemas.openxmlformats.org/markup-compatibility/2006">
+          <mc:Choice xmlns:a14="http://schemas.microsoft.com/office/drawing/2010/main" Requires="a14">
+            <p:sp>
+              <p:nvSpPr>
+                <p:cNvPr id="97" name="ZoneTexte 96">
+                  <a:extLst>
+                    <a:ext uri="{FF2B5EF4-FFF2-40B4-BE49-F238E27FC236}">
+                      <a16:creationId xmlns:a16="http://schemas.microsoft.com/office/drawing/2014/main" id="{0C9D827F-6546-4059-9B6E-79A5D86A6F2A}"/>
+                    </a:ext>
+                  </a:extLst>
+                </p:cNvPr>
+                <p:cNvSpPr txBox="1"/>
+                <p:nvPr/>
+              </p:nvSpPr>
+              <p:spPr>
+                <a:xfrm>
+                  <a:off x="3146235" y="2696689"/>
+                  <a:ext cx="340241" cy="300595"/>
+                </a:xfrm>
+                <a:prstGeom prst="rect">
+                  <a:avLst/>
+                </a:prstGeom>
+                <a:noFill/>
+              </p:spPr>
+              <p:txBody>
+                <a:bodyPr wrap="square" rtlCol="0">
+                  <a:spAutoFit/>
+                </a:bodyPr>
+                <a:lstStyle/>
+                <a:p>
+                  <a14:m>
+                    <m:oMathPara xmlns:m="http://schemas.openxmlformats.org/officeDocument/2006/math">
+                      <m:oMathParaPr>
+                        <m:jc m:val="centerGroup"/>
+                      </m:oMathParaPr>
+                      <m:oMath xmlns:m="http://schemas.openxmlformats.org/officeDocument/2006/math">
+                        <m:acc>
+                          <m:accPr>
+                            <m:chr m:val="⃗"/>
+                            <m:ctrlPr>
+                              <a:rPr lang="fr-FR" sz="1200" b="0" i="1" smtClean="0">
+                                <a:latin typeface="Cambria Math" panose="02040503050406030204" pitchFamily="18" charset="0"/>
+                              </a:rPr>
+                            </m:ctrlPr>
+                          </m:accPr>
+                          <m:e>
+                            <m:sSub>
+                              <m:sSubPr>
+                                <m:ctrlPr>
+                                  <a:rPr lang="fr-FR" sz="1200" i="1">
+                                    <a:latin typeface="Cambria Math" panose="02040503050406030204" pitchFamily="18" charset="0"/>
+                                  </a:rPr>
+                                </m:ctrlPr>
+                              </m:sSubPr>
+                              <m:e>
+                                <m:r>
+                                  <a:rPr lang="fr-FR" sz="1200" i="1">
+                                    <a:latin typeface="Cambria Math" panose="02040503050406030204" pitchFamily="18" charset="0"/>
+                                  </a:rPr>
+                                  <m:t>𝐶</m:t>
+                                </m:r>
+                              </m:e>
+                              <m:sub>
+                                <m:r>
+                                  <a:rPr lang="fr-FR" sz="1200" i="1">
+                                    <a:latin typeface="Cambria Math" panose="02040503050406030204" pitchFamily="18" charset="0"/>
+                                  </a:rPr>
+                                  <m:t>𝑚</m:t>
+                                </m:r>
+                              </m:sub>
+                            </m:sSub>
+                          </m:e>
+                        </m:acc>
+                      </m:oMath>
+                    </m:oMathPara>
+                  </a14:m>
+                  <a:endParaRPr lang="fr-FR" sz="1200" dirty="0"/>
+                </a:p>
+              </p:txBody>
+            </p:sp>
+          </mc:Choice>
+          <mc:Fallback>
+            <p:sp>
+              <p:nvSpPr>
+                <p:cNvPr id="97" name="ZoneTexte 96">
+                  <a:extLst>
+                    <a:ext uri="{FF2B5EF4-FFF2-40B4-BE49-F238E27FC236}">
+                      <a16:creationId xmlns:a16="http://schemas.microsoft.com/office/drawing/2014/main" id="{0C9D827F-6546-4059-9B6E-79A5D86A6F2A}"/>
+                    </a:ext>
+                  </a:extLst>
+                </p:cNvPr>
+                <p:cNvSpPr txBox="1">
+                  <a:spLocks noRot="1" noChangeAspect="1" noMove="1" noResize="1" noEditPoints="1" noAdjustHandles="1" noChangeArrowheads="1" noChangeShapeType="1" noTextEdit="1"/>
+                </p:cNvSpPr>
+                <p:nvPr/>
+              </p:nvSpPr>
+              <p:spPr>
+                <a:xfrm>
+                  <a:off x="3146235" y="2696689"/>
+                  <a:ext cx="340241" cy="300595"/>
+                </a:xfrm>
+                <a:prstGeom prst="rect">
+                  <a:avLst/>
+                </a:prstGeom>
+                <a:blipFill>
+                  <a:blip r:embed="rId6"/>
+                  <a:stretch>
+                    <a:fillRect/>
+                  </a:stretch>
+                </a:blipFill>
+              </p:spPr>
+              <p:txBody>
+                <a:bodyPr/>
+                <a:lstStyle/>
+                <a:p>
+                  <a:r>
+                    <a:rPr lang="fr-FR">
+                      <a:noFill/>
+                    </a:rPr>
+                    <a:t> </a:t>
+                  </a:r>
+                </a:p>
+              </p:txBody>
+            </p:sp>
+          </mc:Fallback>
+        </mc:AlternateContent>
+      </p:grpSp>
+      <p:grpSp>
+        <p:nvGrpSpPr>
+          <p:cNvPr id="99" name="Groupe 98">
+            <a:extLst>
+              <a:ext uri="{FF2B5EF4-FFF2-40B4-BE49-F238E27FC236}">
+                <a16:creationId xmlns:a16="http://schemas.microsoft.com/office/drawing/2014/main" id="{22332B9A-F340-4733-B141-55FCF94630E8}"/>
+              </a:ext>
+            </a:extLst>
+          </p:cNvPr>
+          <p:cNvGrpSpPr/>
+          <p:nvPr/>
+        </p:nvGrpSpPr>
+        <p:grpSpPr>
+          <a:xfrm>
+            <a:off x="5421169" y="2492482"/>
+            <a:ext cx="891850" cy="773075"/>
+            <a:chOff x="3146235" y="2488471"/>
+            <a:chExt cx="891850" cy="773075"/>
+          </a:xfrm>
+        </p:grpSpPr>
+        <p:sp>
+          <p:nvSpPr>
+            <p:cNvPr id="100" name="Arc 99">
+              <a:extLst>
+                <a:ext uri="{FF2B5EF4-FFF2-40B4-BE49-F238E27FC236}">
+                  <a16:creationId xmlns:a16="http://schemas.microsoft.com/office/drawing/2014/main" id="{0E145CE6-455B-425E-890A-108616ECCDD8}"/>
+                </a:ext>
+              </a:extLst>
+            </p:cNvPr>
+            <p:cNvSpPr/>
+            <p:nvPr/>
+          </p:nvSpPr>
+          <p:spPr>
+            <a:xfrm>
+              <a:off x="3490003" y="2488471"/>
+              <a:ext cx="548082" cy="773075"/>
+            </a:xfrm>
+            <a:prstGeom prst="arc">
+              <a:avLst>
+                <a:gd name="adj1" fmla="val 7366981"/>
+                <a:gd name="adj2" fmla="val 14492985"/>
+              </a:avLst>
+            </a:prstGeom>
+            <a:ln w="28575">
+              <a:solidFill>
+                <a:srgbClr val="C00000"/>
+              </a:solidFill>
+              <a:headEnd type="stealth" w="sm" len="lg"/>
+              <a:tailEnd type="stealth" w="sm" len="lg"/>
+            </a:ln>
+          </p:spPr>
+          <p:style>
+            <a:lnRef idx="1">
+              <a:schemeClr val="accent1"/>
+            </a:lnRef>
+            <a:fillRef idx="0">
+              <a:schemeClr val="accent1"/>
+            </a:fillRef>
+            <a:effectRef idx="0">
+              <a:schemeClr val="accent1"/>
+            </a:effectRef>
+            <a:fontRef idx="minor">
+              <a:schemeClr val="tx1"/>
+            </a:fontRef>
+          </p:style>
+          <p:txBody>
+            <a:bodyPr rtlCol="0" anchor="ctr"/>
+            <a:lstStyle/>
+            <a:p>
+              <a:pPr algn="ctr"/>
+              <a:endParaRPr lang="fr-FR"/>
+            </a:p>
+          </p:txBody>
+        </p:sp>
+        <mc:AlternateContent xmlns:mc="http://schemas.openxmlformats.org/markup-compatibility/2006">
+          <mc:Choice xmlns:a14="http://schemas.microsoft.com/office/drawing/2010/main" Requires="a14">
+            <p:sp>
+              <p:nvSpPr>
+                <p:cNvPr id="101" name="ZoneTexte 100">
+                  <a:extLst>
+                    <a:ext uri="{FF2B5EF4-FFF2-40B4-BE49-F238E27FC236}">
+                      <a16:creationId xmlns:a16="http://schemas.microsoft.com/office/drawing/2014/main" id="{26AB824A-5388-4850-9B55-D281095EA72F}"/>
+                    </a:ext>
+                  </a:extLst>
+                </p:cNvPr>
+                <p:cNvSpPr txBox="1"/>
+                <p:nvPr/>
+              </p:nvSpPr>
+              <p:spPr>
+                <a:xfrm>
+                  <a:off x="3146235" y="2696689"/>
+                  <a:ext cx="340241" cy="300595"/>
+                </a:xfrm>
+                <a:prstGeom prst="rect">
+                  <a:avLst/>
+                </a:prstGeom>
+                <a:noFill/>
+              </p:spPr>
+              <p:txBody>
+                <a:bodyPr wrap="square" rtlCol="0">
+                  <a:spAutoFit/>
+                </a:bodyPr>
+                <a:lstStyle/>
+                <a:p>
+                  <a14:m>
+                    <m:oMathPara xmlns:m="http://schemas.openxmlformats.org/officeDocument/2006/math">
+                      <m:oMathParaPr>
+                        <m:jc m:val="centerGroup"/>
+                      </m:oMathParaPr>
+                      <m:oMath xmlns:m="http://schemas.openxmlformats.org/officeDocument/2006/math">
+                        <m:acc>
+                          <m:accPr>
+                            <m:chr m:val="⃗"/>
+                            <m:ctrlPr>
+                              <a:rPr lang="fr-FR" sz="1200" b="0" i="1" smtClean="0">
+                                <a:latin typeface="Cambria Math" panose="02040503050406030204" pitchFamily="18" charset="0"/>
+                              </a:rPr>
+                            </m:ctrlPr>
+                          </m:accPr>
+                          <m:e>
+                            <m:sSub>
+                              <m:sSubPr>
+                                <m:ctrlPr>
+                                  <a:rPr lang="fr-FR" sz="1200" i="1">
+                                    <a:latin typeface="Cambria Math" panose="02040503050406030204" pitchFamily="18" charset="0"/>
+                                  </a:rPr>
+                                </m:ctrlPr>
+                              </m:sSubPr>
+                              <m:e>
+                                <m:r>
+                                  <a:rPr lang="fr-FR" sz="1200" i="1">
+                                    <a:latin typeface="Cambria Math" panose="02040503050406030204" pitchFamily="18" charset="0"/>
+                                  </a:rPr>
+                                  <m:t>𝐶</m:t>
+                                </m:r>
+                              </m:e>
+                              <m:sub>
+                                <m:r>
+                                  <a:rPr lang="fr-FR" sz="1200" i="1">
+                                    <a:latin typeface="Cambria Math" panose="02040503050406030204" pitchFamily="18" charset="0"/>
+                                  </a:rPr>
+                                  <m:t>𝑚</m:t>
+                                </m:r>
+                              </m:sub>
+                            </m:sSub>
+                          </m:e>
+                        </m:acc>
+                      </m:oMath>
+                    </m:oMathPara>
+                  </a14:m>
+                  <a:endParaRPr lang="fr-FR" sz="1200" dirty="0"/>
+                </a:p>
+              </p:txBody>
+            </p:sp>
+          </mc:Choice>
+          <mc:Fallback>
+            <p:sp>
+              <p:nvSpPr>
+                <p:cNvPr id="101" name="ZoneTexte 100">
+                  <a:extLst>
+                    <a:ext uri="{FF2B5EF4-FFF2-40B4-BE49-F238E27FC236}">
+                      <a16:creationId xmlns:a16="http://schemas.microsoft.com/office/drawing/2014/main" id="{26AB824A-5388-4850-9B55-D281095EA72F}"/>
+                    </a:ext>
+                  </a:extLst>
+                </p:cNvPr>
+                <p:cNvSpPr txBox="1">
+                  <a:spLocks noRot="1" noChangeAspect="1" noMove="1" noResize="1" noEditPoints="1" noAdjustHandles="1" noChangeArrowheads="1" noChangeShapeType="1" noTextEdit="1"/>
+                </p:cNvSpPr>
+                <p:nvPr/>
+              </p:nvSpPr>
+              <p:spPr>
+                <a:xfrm>
+                  <a:off x="3146235" y="2696689"/>
+                  <a:ext cx="340241" cy="300595"/>
+                </a:xfrm>
+                <a:prstGeom prst="rect">
+                  <a:avLst/>
+                </a:prstGeom>
+                <a:blipFill>
+                  <a:blip r:embed="rId7"/>
+                  <a:stretch>
+                    <a:fillRect/>
+                  </a:stretch>
+                </a:blipFill>
+              </p:spPr>
+              <p:txBody>
+                <a:bodyPr/>
+                <a:lstStyle/>
+                <a:p>
+                  <a:r>
+                    <a:rPr lang="fr-FR">
+                      <a:noFill/>
+                    </a:rPr>
+                    <a:t> </a:t>
+                  </a:r>
+                </a:p>
+              </p:txBody>
+            </p:sp>
+          </mc:Fallback>
+        </mc:AlternateContent>
+      </p:grpSp>
+      <p:grpSp>
+        <p:nvGrpSpPr>
+          <p:cNvPr id="102" name="Groupe 101">
+            <a:extLst>
+              <a:ext uri="{FF2B5EF4-FFF2-40B4-BE49-F238E27FC236}">
+                <a16:creationId xmlns:a16="http://schemas.microsoft.com/office/drawing/2014/main" id="{2957871C-00FE-487A-9B01-2B12E3A68DF1}"/>
+              </a:ext>
+            </a:extLst>
+          </p:cNvPr>
+          <p:cNvGrpSpPr/>
+          <p:nvPr/>
+        </p:nvGrpSpPr>
+        <p:grpSpPr>
+          <a:xfrm>
+            <a:off x="7720471" y="2492482"/>
+            <a:ext cx="891850" cy="773075"/>
+            <a:chOff x="3146235" y="2488471"/>
+            <a:chExt cx="891850" cy="773075"/>
+          </a:xfrm>
+        </p:grpSpPr>
+        <p:sp>
+          <p:nvSpPr>
+            <p:cNvPr id="103" name="Arc 102">
+              <a:extLst>
+                <a:ext uri="{FF2B5EF4-FFF2-40B4-BE49-F238E27FC236}">
+                  <a16:creationId xmlns:a16="http://schemas.microsoft.com/office/drawing/2014/main" id="{C440815F-50A5-475D-91CF-5AC745EAB77C}"/>
+                </a:ext>
+              </a:extLst>
+            </p:cNvPr>
+            <p:cNvSpPr/>
+            <p:nvPr/>
+          </p:nvSpPr>
+          <p:spPr>
+            <a:xfrm>
+              <a:off x="3490003" y="2488471"/>
+              <a:ext cx="548082" cy="773075"/>
+            </a:xfrm>
+            <a:prstGeom prst="arc">
+              <a:avLst>
+                <a:gd name="adj1" fmla="val 7366981"/>
+                <a:gd name="adj2" fmla="val 14492985"/>
+              </a:avLst>
+            </a:prstGeom>
+            <a:ln w="28575">
+              <a:solidFill>
+                <a:srgbClr val="C00000"/>
+              </a:solidFill>
+              <a:headEnd type="stealth" w="sm" len="lg"/>
+              <a:tailEnd type="stealth" w="sm" len="lg"/>
+            </a:ln>
+          </p:spPr>
+          <p:style>
+            <a:lnRef idx="1">
+              <a:schemeClr val="accent1"/>
+            </a:lnRef>
+            <a:fillRef idx="0">
+              <a:schemeClr val="accent1"/>
+            </a:fillRef>
+            <a:effectRef idx="0">
+              <a:schemeClr val="accent1"/>
+            </a:effectRef>
+            <a:fontRef idx="minor">
+              <a:schemeClr val="tx1"/>
+            </a:fontRef>
+          </p:style>
+          <p:txBody>
+            <a:bodyPr rtlCol="0" anchor="ctr"/>
+            <a:lstStyle/>
+            <a:p>
+              <a:pPr algn="ctr"/>
+              <a:endParaRPr lang="fr-FR"/>
+            </a:p>
+          </p:txBody>
+        </p:sp>
+        <mc:AlternateContent xmlns:mc="http://schemas.openxmlformats.org/markup-compatibility/2006">
+          <mc:Choice xmlns:a14="http://schemas.microsoft.com/office/drawing/2010/main" Requires="a14">
+            <p:sp>
+              <p:nvSpPr>
+                <p:cNvPr id="104" name="ZoneTexte 103">
+                  <a:extLst>
+                    <a:ext uri="{FF2B5EF4-FFF2-40B4-BE49-F238E27FC236}">
+                      <a16:creationId xmlns:a16="http://schemas.microsoft.com/office/drawing/2014/main" id="{A247E883-2126-455B-B36D-CF25227BFF59}"/>
+                    </a:ext>
+                  </a:extLst>
+                </p:cNvPr>
+                <p:cNvSpPr txBox="1"/>
+                <p:nvPr/>
+              </p:nvSpPr>
+              <p:spPr>
+                <a:xfrm>
+                  <a:off x="3146235" y="2696689"/>
+                  <a:ext cx="340241" cy="300595"/>
+                </a:xfrm>
+                <a:prstGeom prst="rect">
+                  <a:avLst/>
+                </a:prstGeom>
+                <a:noFill/>
+              </p:spPr>
+              <p:txBody>
+                <a:bodyPr wrap="square" rtlCol="0">
+                  <a:spAutoFit/>
+                </a:bodyPr>
+                <a:lstStyle/>
+                <a:p>
+                  <a14:m>
+                    <m:oMathPara xmlns:m="http://schemas.openxmlformats.org/officeDocument/2006/math">
+                      <m:oMathParaPr>
+                        <m:jc m:val="centerGroup"/>
+                      </m:oMathParaPr>
+                      <m:oMath xmlns:m="http://schemas.openxmlformats.org/officeDocument/2006/math">
+                        <m:acc>
+                          <m:accPr>
+                            <m:chr m:val="⃗"/>
+                            <m:ctrlPr>
+                              <a:rPr lang="fr-FR" sz="1200" b="0" i="1" smtClean="0">
+                                <a:latin typeface="Cambria Math" panose="02040503050406030204" pitchFamily="18" charset="0"/>
+                              </a:rPr>
+                            </m:ctrlPr>
+                          </m:accPr>
+                          <m:e>
+                            <m:sSub>
+                              <m:sSubPr>
+                                <m:ctrlPr>
+                                  <a:rPr lang="fr-FR" sz="1200" i="1">
+                                    <a:latin typeface="Cambria Math" panose="02040503050406030204" pitchFamily="18" charset="0"/>
+                                  </a:rPr>
+                                </m:ctrlPr>
+                              </m:sSubPr>
+                              <m:e>
+                                <m:r>
+                                  <a:rPr lang="fr-FR" sz="1200" i="1">
+                                    <a:latin typeface="Cambria Math" panose="02040503050406030204" pitchFamily="18" charset="0"/>
+                                  </a:rPr>
+                                  <m:t>𝐶</m:t>
+                                </m:r>
+                              </m:e>
+                              <m:sub>
+                                <m:r>
+                                  <a:rPr lang="fr-FR" sz="1200" i="1">
+                                    <a:latin typeface="Cambria Math" panose="02040503050406030204" pitchFamily="18" charset="0"/>
+                                  </a:rPr>
+                                  <m:t>𝑚</m:t>
+                                </m:r>
+                              </m:sub>
+                            </m:sSub>
+                          </m:e>
+                        </m:acc>
+                      </m:oMath>
+                    </m:oMathPara>
+                  </a14:m>
+                  <a:endParaRPr lang="fr-FR" sz="1200" dirty="0"/>
+                </a:p>
+              </p:txBody>
+            </p:sp>
+          </mc:Choice>
+          <mc:Fallback>
+            <p:sp>
+              <p:nvSpPr>
+                <p:cNvPr id="104" name="ZoneTexte 103">
+                  <a:extLst>
+                    <a:ext uri="{FF2B5EF4-FFF2-40B4-BE49-F238E27FC236}">
+                      <a16:creationId xmlns:a16="http://schemas.microsoft.com/office/drawing/2014/main" id="{A247E883-2126-455B-B36D-CF25227BFF59}"/>
+                    </a:ext>
+                  </a:extLst>
+                </p:cNvPr>
+                <p:cNvSpPr txBox="1">
+                  <a:spLocks noRot="1" noChangeAspect="1" noMove="1" noResize="1" noEditPoints="1" noAdjustHandles="1" noChangeArrowheads="1" noChangeShapeType="1" noTextEdit="1"/>
+                </p:cNvSpPr>
+                <p:nvPr/>
+              </p:nvSpPr>
+              <p:spPr>
+                <a:xfrm>
+                  <a:off x="3146235" y="2696689"/>
+                  <a:ext cx="340241" cy="300595"/>
+                </a:xfrm>
+                <a:prstGeom prst="rect">
+                  <a:avLst/>
+                </a:prstGeom>
+                <a:blipFill>
+                  <a:blip r:embed="rId8"/>
+                  <a:stretch>
+                    <a:fillRect/>
+                  </a:stretch>
+                </a:blipFill>
+              </p:spPr>
+              <p:txBody>
+                <a:bodyPr/>
+                <a:lstStyle/>
+                <a:p>
+                  <a:r>
+                    <a:rPr lang="fr-FR">
+                      <a:noFill/>
+                    </a:rPr>
+                    <a:t> </a:t>
+                  </a:r>
+                </a:p>
+              </p:txBody>
+            </p:sp>
+          </mc:Fallback>
+        </mc:AlternateContent>
+      </p:grpSp>
+      <p:grpSp>
+        <p:nvGrpSpPr>
+          <p:cNvPr id="105" name="Groupe 104">
+            <a:extLst>
+              <a:ext uri="{FF2B5EF4-FFF2-40B4-BE49-F238E27FC236}">
+                <a16:creationId xmlns:a16="http://schemas.microsoft.com/office/drawing/2014/main" id="{6ED0E0A7-91F3-4D70-B212-4EDCFBC72488}"/>
+              </a:ext>
+            </a:extLst>
+          </p:cNvPr>
+          <p:cNvGrpSpPr/>
+          <p:nvPr/>
+        </p:nvGrpSpPr>
+        <p:grpSpPr>
+          <a:xfrm>
+            <a:off x="3153008" y="3644391"/>
+            <a:ext cx="891850" cy="773075"/>
+            <a:chOff x="3146235" y="2488471"/>
+            <a:chExt cx="891850" cy="773075"/>
+          </a:xfrm>
+        </p:grpSpPr>
+        <p:sp>
+          <p:nvSpPr>
+            <p:cNvPr id="106" name="Arc 105">
+              <a:extLst>
+                <a:ext uri="{FF2B5EF4-FFF2-40B4-BE49-F238E27FC236}">
+                  <a16:creationId xmlns:a16="http://schemas.microsoft.com/office/drawing/2014/main" id="{0BF7A875-1CE4-4BBE-B094-50784114BDD8}"/>
+                </a:ext>
+              </a:extLst>
+            </p:cNvPr>
+            <p:cNvSpPr/>
+            <p:nvPr/>
+          </p:nvSpPr>
+          <p:spPr>
+            <a:xfrm>
+              <a:off x="3490003" y="2488471"/>
+              <a:ext cx="548082" cy="773075"/>
+            </a:xfrm>
+            <a:prstGeom prst="arc">
+              <a:avLst>
+                <a:gd name="adj1" fmla="val 7366981"/>
+                <a:gd name="adj2" fmla="val 14492985"/>
+              </a:avLst>
+            </a:prstGeom>
+            <a:ln w="28575">
+              <a:solidFill>
+                <a:srgbClr val="C00000"/>
+              </a:solidFill>
+              <a:headEnd type="stealth" w="sm" len="lg"/>
+              <a:tailEnd type="stealth" w="sm" len="lg"/>
+            </a:ln>
+          </p:spPr>
+          <p:style>
+            <a:lnRef idx="1">
+              <a:schemeClr val="accent1"/>
+            </a:lnRef>
+            <a:fillRef idx="0">
+              <a:schemeClr val="accent1"/>
+            </a:fillRef>
+            <a:effectRef idx="0">
+              <a:schemeClr val="accent1"/>
+            </a:effectRef>
+            <a:fontRef idx="minor">
+              <a:schemeClr val="tx1"/>
+            </a:fontRef>
+          </p:style>
+          <p:txBody>
+            <a:bodyPr rtlCol="0" anchor="ctr"/>
+            <a:lstStyle/>
+            <a:p>
+              <a:pPr algn="ctr"/>
+              <a:endParaRPr lang="fr-FR"/>
+            </a:p>
+          </p:txBody>
+        </p:sp>
+        <mc:AlternateContent xmlns:mc="http://schemas.openxmlformats.org/markup-compatibility/2006">
+          <mc:Choice xmlns:a14="http://schemas.microsoft.com/office/drawing/2010/main" Requires="a14">
+            <p:sp>
+              <p:nvSpPr>
+                <p:cNvPr id="107" name="ZoneTexte 106">
+                  <a:extLst>
+                    <a:ext uri="{FF2B5EF4-FFF2-40B4-BE49-F238E27FC236}">
+                      <a16:creationId xmlns:a16="http://schemas.microsoft.com/office/drawing/2014/main" id="{166218C0-F881-4FE6-BA4D-6D8471F26824}"/>
+                    </a:ext>
+                  </a:extLst>
+                </p:cNvPr>
+                <p:cNvSpPr txBox="1"/>
+                <p:nvPr/>
+              </p:nvSpPr>
+              <p:spPr>
+                <a:xfrm>
+                  <a:off x="3146235" y="2696689"/>
+                  <a:ext cx="340241" cy="300595"/>
+                </a:xfrm>
+                <a:prstGeom prst="rect">
+                  <a:avLst/>
+                </a:prstGeom>
+                <a:noFill/>
+              </p:spPr>
+              <p:txBody>
+                <a:bodyPr wrap="square" rtlCol="0">
+                  <a:spAutoFit/>
+                </a:bodyPr>
+                <a:lstStyle/>
+                <a:p>
+                  <a14:m>
+                    <m:oMathPara xmlns:m="http://schemas.openxmlformats.org/officeDocument/2006/math">
+                      <m:oMathParaPr>
+                        <m:jc m:val="centerGroup"/>
+                      </m:oMathParaPr>
+                      <m:oMath xmlns:m="http://schemas.openxmlformats.org/officeDocument/2006/math">
+                        <m:acc>
+                          <m:accPr>
+                            <m:chr m:val="⃗"/>
+                            <m:ctrlPr>
+                              <a:rPr lang="fr-FR" sz="1200" b="0" i="1" smtClean="0">
+                                <a:latin typeface="Cambria Math" panose="02040503050406030204" pitchFamily="18" charset="0"/>
+                              </a:rPr>
+                            </m:ctrlPr>
+                          </m:accPr>
+                          <m:e>
+                            <m:sSub>
+                              <m:sSubPr>
+                                <m:ctrlPr>
+                                  <a:rPr lang="fr-FR" sz="1200" i="1">
+                                    <a:latin typeface="Cambria Math" panose="02040503050406030204" pitchFamily="18" charset="0"/>
+                                  </a:rPr>
+                                </m:ctrlPr>
+                              </m:sSubPr>
+                              <m:e>
+                                <m:r>
+                                  <a:rPr lang="fr-FR" sz="1200" i="1">
+                                    <a:latin typeface="Cambria Math" panose="02040503050406030204" pitchFamily="18" charset="0"/>
+                                  </a:rPr>
+                                  <m:t>𝐶</m:t>
+                                </m:r>
+                              </m:e>
+                              <m:sub>
+                                <m:r>
+                                  <a:rPr lang="fr-FR" sz="1200" i="1">
+                                    <a:latin typeface="Cambria Math" panose="02040503050406030204" pitchFamily="18" charset="0"/>
+                                  </a:rPr>
+                                  <m:t>𝑚</m:t>
+                                </m:r>
+                              </m:sub>
+                            </m:sSub>
+                          </m:e>
+                        </m:acc>
+                      </m:oMath>
+                    </m:oMathPara>
+                  </a14:m>
+                  <a:endParaRPr lang="fr-FR" sz="1200" dirty="0"/>
+                </a:p>
+              </p:txBody>
+            </p:sp>
+          </mc:Choice>
+          <mc:Fallback>
+            <p:sp>
+              <p:nvSpPr>
+                <p:cNvPr id="107" name="ZoneTexte 106">
+                  <a:extLst>
+                    <a:ext uri="{FF2B5EF4-FFF2-40B4-BE49-F238E27FC236}">
+                      <a16:creationId xmlns:a16="http://schemas.microsoft.com/office/drawing/2014/main" id="{166218C0-F881-4FE6-BA4D-6D8471F26824}"/>
+                    </a:ext>
+                  </a:extLst>
+                </p:cNvPr>
+                <p:cNvSpPr txBox="1">
+                  <a:spLocks noRot="1" noChangeAspect="1" noMove="1" noResize="1" noEditPoints="1" noAdjustHandles="1" noChangeArrowheads="1" noChangeShapeType="1" noTextEdit="1"/>
+                </p:cNvSpPr>
+                <p:nvPr/>
+              </p:nvSpPr>
+              <p:spPr>
+                <a:xfrm>
+                  <a:off x="3146235" y="2696689"/>
+                  <a:ext cx="340241" cy="300595"/>
+                </a:xfrm>
+                <a:prstGeom prst="rect">
+                  <a:avLst/>
+                </a:prstGeom>
+                <a:blipFill>
+                  <a:blip r:embed="rId9"/>
+                  <a:stretch>
+                    <a:fillRect/>
+                  </a:stretch>
+                </a:blipFill>
+              </p:spPr>
+              <p:txBody>
+                <a:bodyPr/>
+                <a:lstStyle/>
+                <a:p>
+                  <a:r>
+                    <a:rPr lang="fr-FR">
+                      <a:noFill/>
+                    </a:rPr>
+                    <a:t> </a:t>
+                  </a:r>
+                </a:p>
+              </p:txBody>
+            </p:sp>
+          </mc:Fallback>
+        </mc:AlternateContent>
+      </p:grpSp>
+      <p:grpSp>
+        <p:nvGrpSpPr>
+          <p:cNvPr id="108" name="Groupe 107">
+            <a:extLst>
+              <a:ext uri="{FF2B5EF4-FFF2-40B4-BE49-F238E27FC236}">
+                <a16:creationId xmlns:a16="http://schemas.microsoft.com/office/drawing/2014/main" id="{657917A1-0115-4FA3-AD68-B9A23B18958D}"/>
+              </a:ext>
+            </a:extLst>
+          </p:cNvPr>
+          <p:cNvGrpSpPr/>
+          <p:nvPr/>
+        </p:nvGrpSpPr>
+        <p:grpSpPr>
+          <a:xfrm>
+            <a:off x="5427942" y="3644391"/>
+            <a:ext cx="891850" cy="773075"/>
+            <a:chOff x="3146235" y="2488471"/>
+            <a:chExt cx="891850" cy="773075"/>
+          </a:xfrm>
+        </p:grpSpPr>
+        <p:sp>
+          <p:nvSpPr>
+            <p:cNvPr id="109" name="Arc 108">
+              <a:extLst>
+                <a:ext uri="{FF2B5EF4-FFF2-40B4-BE49-F238E27FC236}">
+                  <a16:creationId xmlns:a16="http://schemas.microsoft.com/office/drawing/2014/main" id="{8FC3F438-159E-49E4-B552-AFDEFF572A28}"/>
+                </a:ext>
+              </a:extLst>
+            </p:cNvPr>
+            <p:cNvSpPr/>
+            <p:nvPr/>
+          </p:nvSpPr>
+          <p:spPr>
+            <a:xfrm>
+              <a:off x="3490003" y="2488471"/>
+              <a:ext cx="548082" cy="773075"/>
+            </a:xfrm>
+            <a:prstGeom prst="arc">
+              <a:avLst>
+                <a:gd name="adj1" fmla="val 7366981"/>
+                <a:gd name="adj2" fmla="val 14492985"/>
+              </a:avLst>
+            </a:prstGeom>
+            <a:ln w="28575">
+              <a:solidFill>
+                <a:srgbClr val="C00000"/>
+              </a:solidFill>
+              <a:headEnd type="stealth" w="sm" len="lg"/>
+              <a:tailEnd type="stealth" w="sm" len="lg"/>
+            </a:ln>
+          </p:spPr>
+          <p:style>
+            <a:lnRef idx="1">
+              <a:schemeClr val="accent1"/>
+            </a:lnRef>
+            <a:fillRef idx="0">
+              <a:schemeClr val="accent1"/>
+            </a:fillRef>
+            <a:effectRef idx="0">
+              <a:schemeClr val="accent1"/>
+            </a:effectRef>
+            <a:fontRef idx="minor">
+              <a:schemeClr val="tx1"/>
+            </a:fontRef>
+          </p:style>
+          <p:txBody>
+            <a:bodyPr rtlCol="0" anchor="ctr"/>
+            <a:lstStyle/>
+            <a:p>
+              <a:pPr algn="ctr"/>
+              <a:endParaRPr lang="fr-FR"/>
+            </a:p>
+          </p:txBody>
+        </p:sp>
+        <mc:AlternateContent xmlns:mc="http://schemas.openxmlformats.org/markup-compatibility/2006">
+          <mc:Choice xmlns:a14="http://schemas.microsoft.com/office/drawing/2010/main" Requires="a14">
+            <p:sp>
+              <p:nvSpPr>
+                <p:cNvPr id="110" name="ZoneTexte 109">
+                  <a:extLst>
+                    <a:ext uri="{FF2B5EF4-FFF2-40B4-BE49-F238E27FC236}">
+                      <a16:creationId xmlns:a16="http://schemas.microsoft.com/office/drawing/2014/main" id="{A96236D2-CB4D-43DA-85A8-6FA0B6DD43CB}"/>
+                    </a:ext>
+                  </a:extLst>
+                </p:cNvPr>
+                <p:cNvSpPr txBox="1"/>
+                <p:nvPr/>
+              </p:nvSpPr>
+              <p:spPr>
+                <a:xfrm>
+                  <a:off x="3146235" y="2696689"/>
+                  <a:ext cx="340241" cy="300595"/>
+                </a:xfrm>
+                <a:prstGeom prst="rect">
+                  <a:avLst/>
+                </a:prstGeom>
+                <a:noFill/>
+              </p:spPr>
+              <p:txBody>
+                <a:bodyPr wrap="square" rtlCol="0">
+                  <a:spAutoFit/>
+                </a:bodyPr>
+                <a:lstStyle/>
+                <a:p>
+                  <a14:m>
+                    <m:oMathPara xmlns:m="http://schemas.openxmlformats.org/officeDocument/2006/math">
+                      <m:oMathParaPr>
+                        <m:jc m:val="centerGroup"/>
+                      </m:oMathParaPr>
+                      <m:oMath xmlns:m="http://schemas.openxmlformats.org/officeDocument/2006/math">
+                        <m:acc>
+                          <m:accPr>
+                            <m:chr m:val="⃗"/>
+                            <m:ctrlPr>
+                              <a:rPr lang="fr-FR" sz="1200" b="0" i="1" smtClean="0">
+                                <a:latin typeface="Cambria Math" panose="02040503050406030204" pitchFamily="18" charset="0"/>
+                              </a:rPr>
+                            </m:ctrlPr>
+                          </m:accPr>
+                          <m:e>
+                            <m:sSub>
+                              <m:sSubPr>
+                                <m:ctrlPr>
+                                  <a:rPr lang="fr-FR" sz="1200" i="1">
+                                    <a:latin typeface="Cambria Math" panose="02040503050406030204" pitchFamily="18" charset="0"/>
+                                  </a:rPr>
+                                </m:ctrlPr>
+                              </m:sSubPr>
+                              <m:e>
+                                <m:r>
+                                  <a:rPr lang="fr-FR" sz="1200" i="1">
+                                    <a:latin typeface="Cambria Math" panose="02040503050406030204" pitchFamily="18" charset="0"/>
+                                  </a:rPr>
+                                  <m:t>𝐶</m:t>
+                                </m:r>
+                              </m:e>
+                              <m:sub>
+                                <m:r>
+                                  <a:rPr lang="fr-FR" sz="1200" i="1">
+                                    <a:latin typeface="Cambria Math" panose="02040503050406030204" pitchFamily="18" charset="0"/>
+                                  </a:rPr>
+                                  <m:t>𝑚</m:t>
+                                </m:r>
+                              </m:sub>
+                            </m:sSub>
+                          </m:e>
+                        </m:acc>
+                      </m:oMath>
+                    </m:oMathPara>
+                  </a14:m>
+                  <a:endParaRPr lang="fr-FR" sz="1200" dirty="0"/>
+                </a:p>
+              </p:txBody>
+            </p:sp>
+          </mc:Choice>
+          <mc:Fallback>
+            <p:sp>
+              <p:nvSpPr>
+                <p:cNvPr id="110" name="ZoneTexte 109">
+                  <a:extLst>
+                    <a:ext uri="{FF2B5EF4-FFF2-40B4-BE49-F238E27FC236}">
+                      <a16:creationId xmlns:a16="http://schemas.microsoft.com/office/drawing/2014/main" id="{A96236D2-CB4D-43DA-85A8-6FA0B6DD43CB}"/>
+                    </a:ext>
+                  </a:extLst>
+                </p:cNvPr>
+                <p:cNvSpPr txBox="1">
+                  <a:spLocks noRot="1" noChangeAspect="1" noMove="1" noResize="1" noEditPoints="1" noAdjustHandles="1" noChangeArrowheads="1" noChangeShapeType="1" noTextEdit="1"/>
+                </p:cNvSpPr>
+                <p:nvPr/>
+              </p:nvSpPr>
+              <p:spPr>
+                <a:xfrm>
+                  <a:off x="3146235" y="2696689"/>
+                  <a:ext cx="340241" cy="300595"/>
+                </a:xfrm>
+                <a:prstGeom prst="rect">
+                  <a:avLst/>
+                </a:prstGeom>
+                <a:blipFill>
+                  <a:blip r:embed="rId10"/>
+                  <a:stretch>
+                    <a:fillRect/>
+                  </a:stretch>
+                </a:blipFill>
+              </p:spPr>
+              <p:txBody>
+                <a:bodyPr/>
+                <a:lstStyle/>
+                <a:p>
+                  <a:r>
+                    <a:rPr lang="fr-FR">
+                      <a:noFill/>
+                    </a:rPr>
+                    <a:t> </a:t>
+                  </a:r>
+                </a:p>
+              </p:txBody>
+            </p:sp>
+          </mc:Fallback>
+        </mc:AlternateContent>
+      </p:grpSp>
+      <p:grpSp>
+        <p:nvGrpSpPr>
+          <p:cNvPr id="111" name="Groupe 110">
+            <a:extLst>
+              <a:ext uri="{FF2B5EF4-FFF2-40B4-BE49-F238E27FC236}">
+                <a16:creationId xmlns:a16="http://schemas.microsoft.com/office/drawing/2014/main" id="{D180B23F-5749-4C5E-A3AD-44B5E2C67D8C}"/>
+              </a:ext>
+            </a:extLst>
+          </p:cNvPr>
+          <p:cNvGrpSpPr/>
+          <p:nvPr/>
+        </p:nvGrpSpPr>
+        <p:grpSpPr>
+          <a:xfrm>
+            <a:off x="7727244" y="3644391"/>
+            <a:ext cx="891850" cy="773075"/>
+            <a:chOff x="3146235" y="2488471"/>
+            <a:chExt cx="891850" cy="773075"/>
+          </a:xfrm>
+        </p:grpSpPr>
+        <p:sp>
+          <p:nvSpPr>
+            <p:cNvPr id="112" name="Arc 111">
+              <a:extLst>
+                <a:ext uri="{FF2B5EF4-FFF2-40B4-BE49-F238E27FC236}">
+                  <a16:creationId xmlns:a16="http://schemas.microsoft.com/office/drawing/2014/main" id="{8A87F7E1-6EDC-45BE-91C7-A2E8CD81ED3C}"/>
+                </a:ext>
+              </a:extLst>
+            </p:cNvPr>
+            <p:cNvSpPr/>
+            <p:nvPr/>
+          </p:nvSpPr>
+          <p:spPr>
+            <a:xfrm>
+              <a:off x="3490003" y="2488471"/>
+              <a:ext cx="548082" cy="773075"/>
+            </a:xfrm>
+            <a:prstGeom prst="arc">
+              <a:avLst>
+                <a:gd name="adj1" fmla="val 7366981"/>
+                <a:gd name="adj2" fmla="val 14492985"/>
+              </a:avLst>
+            </a:prstGeom>
+            <a:ln w="28575">
+              <a:solidFill>
+                <a:srgbClr val="C00000"/>
+              </a:solidFill>
+              <a:headEnd type="stealth" w="sm" len="lg"/>
+              <a:tailEnd type="stealth" w="sm" len="lg"/>
+            </a:ln>
+          </p:spPr>
+          <p:style>
+            <a:lnRef idx="1">
+              <a:schemeClr val="accent1"/>
+            </a:lnRef>
+            <a:fillRef idx="0">
+              <a:schemeClr val="accent1"/>
+            </a:fillRef>
+            <a:effectRef idx="0">
+              <a:schemeClr val="accent1"/>
+            </a:effectRef>
+            <a:fontRef idx="minor">
+              <a:schemeClr val="tx1"/>
+            </a:fontRef>
+          </p:style>
+          <p:txBody>
+            <a:bodyPr rtlCol="0" anchor="ctr"/>
+            <a:lstStyle/>
+            <a:p>
+              <a:pPr algn="ctr"/>
+              <a:endParaRPr lang="fr-FR"/>
+            </a:p>
+          </p:txBody>
+        </p:sp>
+        <mc:AlternateContent xmlns:mc="http://schemas.openxmlformats.org/markup-compatibility/2006">
+          <mc:Choice xmlns:a14="http://schemas.microsoft.com/office/drawing/2010/main" Requires="a14">
+            <p:sp>
+              <p:nvSpPr>
+                <p:cNvPr id="113" name="ZoneTexte 112">
+                  <a:extLst>
+                    <a:ext uri="{FF2B5EF4-FFF2-40B4-BE49-F238E27FC236}">
+                      <a16:creationId xmlns:a16="http://schemas.microsoft.com/office/drawing/2014/main" id="{98DC488D-3480-4FA0-A440-6580229112AA}"/>
+                    </a:ext>
+                  </a:extLst>
+                </p:cNvPr>
+                <p:cNvSpPr txBox="1"/>
+                <p:nvPr/>
+              </p:nvSpPr>
+              <p:spPr>
+                <a:xfrm>
+                  <a:off x="3146235" y="2696689"/>
+                  <a:ext cx="340241" cy="300595"/>
+                </a:xfrm>
+                <a:prstGeom prst="rect">
+                  <a:avLst/>
+                </a:prstGeom>
+                <a:noFill/>
+              </p:spPr>
+              <p:txBody>
+                <a:bodyPr wrap="square" rtlCol="0">
+                  <a:spAutoFit/>
+                </a:bodyPr>
+                <a:lstStyle/>
+                <a:p>
+                  <a14:m>
+                    <m:oMathPara xmlns:m="http://schemas.openxmlformats.org/officeDocument/2006/math">
+                      <m:oMathParaPr>
+                        <m:jc m:val="centerGroup"/>
+                      </m:oMathParaPr>
+                      <m:oMath xmlns:m="http://schemas.openxmlformats.org/officeDocument/2006/math">
+                        <m:acc>
+                          <m:accPr>
+                            <m:chr m:val="⃗"/>
+                            <m:ctrlPr>
+                              <a:rPr lang="fr-FR" sz="1200" b="0" i="1" smtClean="0">
+                                <a:latin typeface="Cambria Math" panose="02040503050406030204" pitchFamily="18" charset="0"/>
+                              </a:rPr>
+                            </m:ctrlPr>
+                          </m:accPr>
+                          <m:e>
+                            <m:sSub>
+                              <m:sSubPr>
+                                <m:ctrlPr>
+                                  <a:rPr lang="fr-FR" sz="1200" i="1">
+                                    <a:latin typeface="Cambria Math" panose="02040503050406030204" pitchFamily="18" charset="0"/>
+                                  </a:rPr>
+                                </m:ctrlPr>
+                              </m:sSubPr>
+                              <m:e>
+                                <m:r>
+                                  <a:rPr lang="fr-FR" sz="1200" i="1">
+                                    <a:latin typeface="Cambria Math" panose="02040503050406030204" pitchFamily="18" charset="0"/>
+                                  </a:rPr>
+                                  <m:t>𝐶</m:t>
+                                </m:r>
+                              </m:e>
+                              <m:sub>
+                                <m:r>
+                                  <a:rPr lang="fr-FR" sz="1200" i="1">
+                                    <a:latin typeface="Cambria Math" panose="02040503050406030204" pitchFamily="18" charset="0"/>
+                                  </a:rPr>
+                                  <m:t>𝑚</m:t>
+                                </m:r>
+                              </m:sub>
+                            </m:sSub>
+                          </m:e>
+                        </m:acc>
+                      </m:oMath>
+                    </m:oMathPara>
+                  </a14:m>
+                  <a:endParaRPr lang="fr-FR" sz="1200" dirty="0"/>
+                </a:p>
+              </p:txBody>
+            </p:sp>
+          </mc:Choice>
+          <mc:Fallback>
+            <p:sp>
+              <p:nvSpPr>
+                <p:cNvPr id="113" name="ZoneTexte 112">
+                  <a:extLst>
+                    <a:ext uri="{FF2B5EF4-FFF2-40B4-BE49-F238E27FC236}">
+                      <a16:creationId xmlns:a16="http://schemas.microsoft.com/office/drawing/2014/main" id="{98DC488D-3480-4FA0-A440-6580229112AA}"/>
+                    </a:ext>
+                  </a:extLst>
+                </p:cNvPr>
+                <p:cNvSpPr txBox="1">
+                  <a:spLocks noRot="1" noChangeAspect="1" noMove="1" noResize="1" noEditPoints="1" noAdjustHandles="1" noChangeArrowheads="1" noChangeShapeType="1" noTextEdit="1"/>
+                </p:cNvSpPr>
+                <p:nvPr/>
+              </p:nvSpPr>
+              <p:spPr>
+                <a:xfrm>
+                  <a:off x="3146235" y="2696689"/>
+                  <a:ext cx="340241" cy="300595"/>
+                </a:xfrm>
+                <a:prstGeom prst="rect">
+                  <a:avLst/>
+                </a:prstGeom>
+                <a:blipFill>
+                  <a:blip r:embed="rId11"/>
+                  <a:stretch>
+                    <a:fillRect/>
+                  </a:stretch>
+                </a:blipFill>
+              </p:spPr>
+              <p:txBody>
+                <a:bodyPr/>
+                <a:lstStyle/>
+                <a:p>
+                  <a:r>
+                    <a:rPr lang="fr-FR">
+                      <a:noFill/>
+                    </a:rPr>
+                    <a:t> </a:t>
+                  </a:r>
+                </a:p>
+              </p:txBody>
+            </p:sp>
+          </mc:Fallback>
+        </mc:AlternateContent>
+      </p:grpSp>
+    </p:spTree>
+    <p:extLst>
+      <p:ext uri="{BB962C8B-B14F-4D97-AF65-F5344CB8AC3E}">
+        <p14:creationId xmlns:p14="http://schemas.microsoft.com/office/powerpoint/2010/main" val="1297056816"/>
+      </p:ext>
+    </p:extLst>
+  </p:cSld>
+  <p:clrMapOvr>
+    <a:masterClrMapping/>
+  </p:clrMapOvr>
+</p:sld>
+</file>
+
+<file path=ppt/slides/slide2.xml><?xml version="1.0" encoding="utf-8"?>
+<p:sld xmlns:a="http://schemas.openxmlformats.org/drawingml/2006/main" xmlns:r="http://schemas.openxmlformats.org/officeDocument/2006/relationships" xmlns:p="http://schemas.openxmlformats.org/presentationml/2006/main">
+  <p:cSld>
+    <p:spTree>
+      <p:nvGrpSpPr>
+        <p:cNvPr id="1" name=""/>
+        <p:cNvGrpSpPr/>
+        <p:nvPr/>
+      </p:nvGrpSpPr>
+      <p:grpSpPr>
+        <a:xfrm>
+          <a:off x="0" y="0"/>
+          <a:ext cx="0" cy="0"/>
+          <a:chOff x="0" y="0"/>
+          <a:chExt cx="0" cy="0"/>
+        </a:xfrm>
+      </p:grpSpPr>
+      <p:sp>
+        <p:nvSpPr>
+          <p:cNvPr id="4" name="Ellipse 3">
+            <a:extLst>
+              <a:ext uri="{FF2B5EF4-FFF2-40B4-BE49-F238E27FC236}">
+                <a16:creationId xmlns:a16="http://schemas.microsoft.com/office/drawing/2014/main" id="{970E741C-D2BD-49B1-B0BA-A88B54547657}"/>
+              </a:ext>
+            </a:extLst>
+          </p:cNvPr>
+          <p:cNvSpPr/>
+          <p:nvPr/>
+        </p:nvSpPr>
+        <p:spPr>
+          <a:xfrm>
+            <a:off x="3193573" y="3147005"/>
+            <a:ext cx="1241946" cy="600502"/>
+          </a:xfrm>
+          <a:prstGeom prst="ellipse">
+            <a:avLst/>
+          </a:prstGeom>
+          <a:noFill/>
+          <a:ln w="28575">
+            <a:solidFill>
+              <a:srgbClr val="0070C0"/>
+            </a:solidFill>
+          </a:ln>
+        </p:spPr>
+        <p:style>
+          <a:lnRef idx="2">
+            <a:schemeClr val="accent1">
+              <a:shade val="50000"/>
+            </a:schemeClr>
+          </a:lnRef>
+          <a:fillRef idx="1">
+            <a:schemeClr val="accent1"/>
+          </a:fillRef>
+          <a:effectRef idx="0">
+            <a:schemeClr val="accent1"/>
+          </a:effectRef>
+          <a:fontRef idx="minor">
+            <a:schemeClr val="lt1"/>
+          </a:fontRef>
+        </p:style>
+        <p:txBody>
+          <a:bodyPr rtlCol="0" anchor="ctr"/>
+          <a:lstStyle/>
+          <a:p>
+            <a:pPr algn="ctr"/>
+            <a:r>
+              <a:rPr lang="fr-FR" b="1" dirty="0">
+                <a:solidFill>
+                  <a:schemeClr val="tx1"/>
+                </a:solidFill>
+              </a:rPr>
+              <a:t>Pode 2</a:t>
+            </a:r>
+          </a:p>
+        </p:txBody>
+      </p:sp>
+      <p:sp>
+        <p:nvSpPr>
+          <p:cNvPr id="5" name="Ellipse 4">
+            <a:extLst>
+              <a:ext uri="{FF2B5EF4-FFF2-40B4-BE49-F238E27FC236}">
+                <a16:creationId xmlns:a16="http://schemas.microsoft.com/office/drawing/2014/main" id="{79782BC4-81C1-4BC9-9AAB-44AC0DAEA600}"/>
+              </a:ext>
+            </a:extLst>
+          </p:cNvPr>
+          <p:cNvSpPr/>
+          <p:nvPr/>
+        </p:nvSpPr>
+        <p:spPr>
+          <a:xfrm>
+            <a:off x="5475027" y="3147005"/>
+            <a:ext cx="1241946" cy="600502"/>
+          </a:xfrm>
+          <a:prstGeom prst="ellipse">
+            <a:avLst/>
+          </a:prstGeom>
+          <a:noFill/>
+          <a:ln w="28575">
+            <a:solidFill>
+              <a:schemeClr val="accent2"/>
+            </a:solidFill>
+          </a:ln>
+        </p:spPr>
+        <p:style>
+          <a:lnRef idx="2">
+            <a:schemeClr val="accent1">
+              <a:shade val="50000"/>
+            </a:schemeClr>
+          </a:lnRef>
+          <a:fillRef idx="1">
+            <a:schemeClr val="accent1"/>
+          </a:fillRef>
+          <a:effectRef idx="0">
+            <a:schemeClr val="accent1"/>
+          </a:effectRef>
+          <a:fontRef idx="minor">
+            <a:schemeClr val="lt1"/>
+          </a:fontRef>
+        </p:style>
+        <p:txBody>
+          <a:bodyPr rtlCol="0" anchor="ctr"/>
+          <a:lstStyle/>
+          <a:p>
+            <a:pPr algn="ctr"/>
+            <a:r>
+              <a:rPr lang="fr-FR" b="1" dirty="0">
+                <a:solidFill>
+                  <a:schemeClr val="tx1"/>
+                </a:solidFill>
+              </a:rPr>
+              <a:t>Pode 1</a:t>
+            </a:r>
+          </a:p>
+        </p:txBody>
+      </p:sp>
+      <p:sp>
+        <p:nvSpPr>
+          <p:cNvPr id="6" name="Ellipse 5">
+            <a:extLst>
+              <a:ext uri="{FF2B5EF4-FFF2-40B4-BE49-F238E27FC236}">
+                <a16:creationId xmlns:a16="http://schemas.microsoft.com/office/drawing/2014/main" id="{01C516E6-3143-44D7-B17D-38BF5171D3E3}"/>
+              </a:ext>
+            </a:extLst>
+          </p:cNvPr>
+          <p:cNvSpPr/>
+          <p:nvPr/>
+        </p:nvSpPr>
+        <p:spPr>
+          <a:xfrm>
+            <a:off x="7756481" y="3147005"/>
+            <a:ext cx="1241946" cy="600502"/>
+          </a:xfrm>
+          <a:prstGeom prst="ellipse">
+            <a:avLst/>
+          </a:prstGeom>
+          <a:noFill/>
+          <a:ln w="28575">
+            <a:solidFill>
+              <a:srgbClr val="7030A0"/>
+            </a:solidFill>
+          </a:ln>
+        </p:spPr>
+        <p:style>
+          <a:lnRef idx="2">
+            <a:schemeClr val="accent1">
+              <a:shade val="50000"/>
+            </a:schemeClr>
+          </a:lnRef>
+          <a:fillRef idx="1">
+            <a:schemeClr val="accent1"/>
+          </a:fillRef>
+          <a:effectRef idx="0">
+            <a:schemeClr val="accent1"/>
+          </a:effectRef>
+          <a:fontRef idx="minor">
+            <a:schemeClr val="lt1"/>
+          </a:fontRef>
+        </p:style>
+        <p:txBody>
+          <a:bodyPr rtlCol="0" anchor="ctr"/>
+          <a:lstStyle/>
+          <a:p>
+            <a:pPr algn="ctr"/>
+            <a:r>
+              <a:rPr lang="fr-FR" b="1" dirty="0">
+                <a:solidFill>
+                  <a:schemeClr val="tx1"/>
+                </a:solidFill>
+              </a:rPr>
+              <a:t>Pode 3</a:t>
+            </a:r>
+          </a:p>
+        </p:txBody>
+      </p:sp>
+      <p:sp>
+        <p:nvSpPr>
+          <p:cNvPr id="9" name="Ellipse 8">
+            <a:extLst>
+              <a:ext uri="{FF2B5EF4-FFF2-40B4-BE49-F238E27FC236}">
+                <a16:creationId xmlns:a16="http://schemas.microsoft.com/office/drawing/2014/main" id="{EB161F17-0151-422E-8B31-B1D6740EF69A}"/>
+              </a:ext>
+            </a:extLst>
+          </p:cNvPr>
+          <p:cNvSpPr/>
+          <p:nvPr/>
+        </p:nvSpPr>
+        <p:spPr>
+          <a:xfrm>
+            <a:off x="5826000" y="2158945"/>
+            <a:ext cx="540000" cy="540000"/>
+          </a:xfrm>
+          <a:prstGeom prst="ellipse">
+            <a:avLst/>
+          </a:prstGeom>
+          <a:noFill/>
+          <a:ln w="28575">
+            <a:solidFill>
+              <a:schemeClr val="tx1"/>
+            </a:solidFill>
+          </a:ln>
+        </p:spPr>
+        <p:style>
+          <a:lnRef idx="2">
+            <a:schemeClr val="accent1">
+              <a:shade val="50000"/>
+            </a:schemeClr>
+          </a:lnRef>
+          <a:fillRef idx="1">
+            <a:schemeClr val="accent1"/>
+          </a:fillRef>
+          <a:effectRef idx="0">
+            <a:schemeClr val="accent1"/>
+          </a:effectRef>
+          <a:fontRef idx="minor">
+            <a:schemeClr val="lt1"/>
+          </a:fontRef>
+        </p:style>
+        <p:txBody>
+          <a:bodyPr rtlCol="0" anchor="ctr"/>
+          <a:lstStyle/>
+          <a:p>
+            <a:pPr algn="ctr"/>
+            <a:r>
+              <a:rPr lang="fr-FR" b="1" dirty="0">
+                <a:solidFill>
+                  <a:schemeClr val="tx1"/>
+                </a:solidFill>
+              </a:rPr>
+              <a:t>1</a:t>
+            </a:r>
+            <a:r>
+              <a:rPr lang="fr-FR" b="1" baseline="-25000" dirty="0">
+                <a:solidFill>
+                  <a:schemeClr val="tx1"/>
+                </a:solidFill>
+              </a:rPr>
+              <a:t>g</a:t>
+            </a:r>
+          </a:p>
+        </p:txBody>
+      </p:sp>
+      <p:sp>
+        <p:nvSpPr>
+          <p:cNvPr id="10" name="Ellipse 9">
+            <a:extLst>
+              <a:ext uri="{FF2B5EF4-FFF2-40B4-BE49-F238E27FC236}">
+                <a16:creationId xmlns:a16="http://schemas.microsoft.com/office/drawing/2014/main" id="{E2886889-BB00-4633-A3C2-60D104E29E59}"/>
+              </a:ext>
+            </a:extLst>
+          </p:cNvPr>
+          <p:cNvSpPr/>
+          <p:nvPr/>
+        </p:nvSpPr>
+        <p:spPr>
+          <a:xfrm>
+            <a:off x="5826000" y="4140902"/>
+            <a:ext cx="540000" cy="540000"/>
+          </a:xfrm>
+          <a:prstGeom prst="ellipse">
+            <a:avLst/>
+          </a:prstGeom>
+          <a:noFill/>
+          <a:ln w="28575">
+            <a:solidFill>
+              <a:schemeClr val="tx1"/>
+            </a:solidFill>
+          </a:ln>
+        </p:spPr>
+        <p:style>
+          <a:lnRef idx="2">
+            <a:schemeClr val="accent1">
+              <a:shade val="50000"/>
+            </a:schemeClr>
+          </a:lnRef>
+          <a:fillRef idx="1">
+            <a:schemeClr val="accent1"/>
+          </a:fillRef>
+          <a:effectRef idx="0">
+            <a:schemeClr val="accent1"/>
+          </a:effectRef>
+          <a:fontRef idx="minor">
+            <a:schemeClr val="lt1"/>
+          </a:fontRef>
+        </p:style>
+        <p:txBody>
+          <a:bodyPr rtlCol="0" anchor="ctr"/>
+          <a:lstStyle/>
+          <a:p>
+            <a:pPr algn="ctr"/>
+            <a:r>
+              <a:rPr lang="fr-FR" b="1" dirty="0">
+                <a:solidFill>
+                  <a:schemeClr val="tx1"/>
+                </a:solidFill>
+              </a:rPr>
+              <a:t>1</a:t>
+            </a:r>
+            <a:r>
+              <a:rPr lang="fr-FR" b="1" baseline="-25000" dirty="0">
+                <a:solidFill>
+                  <a:schemeClr val="tx1"/>
+                </a:solidFill>
+              </a:rPr>
+              <a:t>d</a:t>
+            </a:r>
+          </a:p>
+        </p:txBody>
+      </p:sp>
+      <p:cxnSp>
+        <p:nvCxnSpPr>
+          <p:cNvPr id="16" name="Connecteur droit 15">
+            <a:extLst>
+              <a:ext uri="{FF2B5EF4-FFF2-40B4-BE49-F238E27FC236}">
+                <a16:creationId xmlns:a16="http://schemas.microsoft.com/office/drawing/2014/main" id="{7C5999CE-45AF-4712-A18E-242BEBAE6552}"/>
+              </a:ext>
+            </a:extLst>
+          </p:cNvPr>
+          <p:cNvCxnSpPr>
+            <a:stCxn id="7" idx="4"/>
+            <a:endCxn id="4" idx="0"/>
+          </p:cNvCxnSpPr>
+          <p:nvPr/>
+        </p:nvCxnSpPr>
+        <p:spPr>
+          <a:xfrm>
+            <a:off x="3814546" y="2698945"/>
+            <a:ext cx="0" cy="448060"/>
+          </a:xfrm>
+          <a:prstGeom prst="line">
+            <a:avLst/>
+          </a:prstGeom>
+          <a:noFill/>
+          <a:ln w="28575">
+            <a:solidFill>
+              <a:schemeClr val="tx1"/>
+            </a:solidFill>
+          </a:ln>
+        </p:spPr>
+        <p:style>
+          <a:lnRef idx="2">
+            <a:schemeClr val="accent1">
+              <a:shade val="50000"/>
+            </a:schemeClr>
+          </a:lnRef>
+          <a:fillRef idx="1">
+            <a:schemeClr val="accent1"/>
+          </a:fillRef>
+          <a:effectRef idx="0">
+            <a:schemeClr val="accent1"/>
+          </a:effectRef>
+          <a:fontRef idx="minor">
+            <a:schemeClr val="lt1"/>
+          </a:fontRef>
+        </p:style>
+      </p:cxnSp>
+      <p:cxnSp>
+        <p:nvCxnSpPr>
+          <p:cNvPr id="17" name="Connecteur droit 16">
+            <a:extLst>
+              <a:ext uri="{FF2B5EF4-FFF2-40B4-BE49-F238E27FC236}">
+                <a16:creationId xmlns:a16="http://schemas.microsoft.com/office/drawing/2014/main" id="{7094B753-AC8C-42FB-852E-FC37B585FDEB}"/>
+              </a:ext>
+            </a:extLst>
+          </p:cNvPr>
+          <p:cNvCxnSpPr>
+            <a:cxnSpLocks/>
+            <a:stCxn id="4" idx="4"/>
+            <a:endCxn id="8" idx="0"/>
+          </p:cNvCxnSpPr>
+          <p:nvPr/>
+        </p:nvCxnSpPr>
+        <p:spPr>
+          <a:xfrm>
+            <a:off x="3814546" y="3747507"/>
+            <a:ext cx="0" cy="393395"/>
+          </a:xfrm>
+          <a:prstGeom prst="line">
+            <a:avLst/>
+          </a:prstGeom>
+          <a:noFill/>
+          <a:ln w="28575">
+            <a:solidFill>
+              <a:schemeClr val="tx1"/>
+            </a:solidFill>
+          </a:ln>
+        </p:spPr>
+        <p:style>
+          <a:lnRef idx="2">
+            <a:schemeClr val="accent1">
+              <a:shade val="50000"/>
+            </a:schemeClr>
+          </a:lnRef>
+          <a:fillRef idx="1">
+            <a:schemeClr val="accent1"/>
+          </a:fillRef>
+          <a:effectRef idx="0">
+            <a:schemeClr val="accent1"/>
+          </a:effectRef>
+          <a:fontRef idx="minor">
+            <a:schemeClr val="lt1"/>
+          </a:fontRef>
+        </p:style>
+      </p:cxnSp>
+      <p:cxnSp>
+        <p:nvCxnSpPr>
+          <p:cNvPr id="21" name="Connecteur droit 20">
+            <a:extLst>
+              <a:ext uri="{FF2B5EF4-FFF2-40B4-BE49-F238E27FC236}">
+                <a16:creationId xmlns:a16="http://schemas.microsoft.com/office/drawing/2014/main" id="{2581CA43-674F-4558-AF46-AB0249FE4689}"/>
+              </a:ext>
+            </a:extLst>
+          </p:cNvPr>
+          <p:cNvCxnSpPr>
+            <a:cxnSpLocks/>
+            <a:stCxn id="5" idx="4"/>
+            <a:endCxn id="10" idx="0"/>
+          </p:cNvCxnSpPr>
+          <p:nvPr/>
+        </p:nvCxnSpPr>
+        <p:spPr>
+          <a:xfrm>
+            <a:off x="6096000" y="3747507"/>
+            <a:ext cx="0" cy="393395"/>
+          </a:xfrm>
+          <a:prstGeom prst="line">
+            <a:avLst/>
+          </a:prstGeom>
+          <a:noFill/>
+          <a:ln w="28575">
+            <a:solidFill>
+              <a:schemeClr val="tx1"/>
+            </a:solidFill>
+          </a:ln>
+        </p:spPr>
+        <p:style>
+          <a:lnRef idx="2">
+            <a:schemeClr val="accent1">
+              <a:shade val="50000"/>
+            </a:schemeClr>
+          </a:lnRef>
+          <a:fillRef idx="1">
+            <a:schemeClr val="accent1"/>
+          </a:fillRef>
+          <a:effectRef idx="0">
+            <a:schemeClr val="accent1"/>
+          </a:effectRef>
+          <a:fontRef idx="minor">
+            <a:schemeClr val="lt1"/>
+          </a:fontRef>
+        </p:style>
+      </p:cxnSp>
+      <p:cxnSp>
+        <p:nvCxnSpPr>
+          <p:cNvPr id="24" name="Connecteur droit 23">
+            <a:extLst>
+              <a:ext uri="{FF2B5EF4-FFF2-40B4-BE49-F238E27FC236}">
+                <a16:creationId xmlns:a16="http://schemas.microsoft.com/office/drawing/2014/main" id="{73A2E2AE-71C4-4B71-9D7C-0F168A272EB9}"/>
+              </a:ext>
+            </a:extLst>
+          </p:cNvPr>
+          <p:cNvCxnSpPr>
+            <a:cxnSpLocks/>
+            <a:stCxn id="6" idx="4"/>
+            <a:endCxn id="14" idx="0"/>
+          </p:cNvCxnSpPr>
+          <p:nvPr/>
+        </p:nvCxnSpPr>
+        <p:spPr>
+          <a:xfrm>
+            <a:off x="8377454" y="3747507"/>
+            <a:ext cx="0" cy="393395"/>
+          </a:xfrm>
+          <a:prstGeom prst="line">
+            <a:avLst/>
+          </a:prstGeom>
+          <a:noFill/>
+          <a:ln w="28575">
+            <a:solidFill>
+              <a:schemeClr val="tx1"/>
+            </a:solidFill>
+          </a:ln>
+        </p:spPr>
+        <p:style>
+          <a:lnRef idx="2">
+            <a:schemeClr val="accent1">
+              <a:shade val="50000"/>
+            </a:schemeClr>
+          </a:lnRef>
+          <a:fillRef idx="1">
+            <a:schemeClr val="accent1"/>
+          </a:fillRef>
+          <a:effectRef idx="0">
+            <a:schemeClr val="accent1"/>
+          </a:effectRef>
+          <a:fontRef idx="minor">
+            <a:schemeClr val="lt1"/>
+          </a:fontRef>
+        </p:style>
+      </p:cxnSp>
+      <p:cxnSp>
+        <p:nvCxnSpPr>
+          <p:cNvPr id="27" name="Connecteur droit 26">
+            <a:extLst>
+              <a:ext uri="{FF2B5EF4-FFF2-40B4-BE49-F238E27FC236}">
+                <a16:creationId xmlns:a16="http://schemas.microsoft.com/office/drawing/2014/main" id="{825FBBD5-53E0-4D89-8DA4-A04B3B5639F8}"/>
+              </a:ext>
+            </a:extLst>
+          </p:cNvPr>
+          <p:cNvCxnSpPr>
+            <a:cxnSpLocks/>
+            <a:stCxn id="9" idx="4"/>
+            <a:endCxn id="5" idx="0"/>
+          </p:cNvCxnSpPr>
+          <p:nvPr/>
+        </p:nvCxnSpPr>
+        <p:spPr>
+          <a:xfrm>
+            <a:off x="6096000" y="2698945"/>
+            <a:ext cx="0" cy="448060"/>
+          </a:xfrm>
+          <a:prstGeom prst="line">
+            <a:avLst/>
+          </a:prstGeom>
+          <a:noFill/>
+          <a:ln w="28575">
+            <a:solidFill>
+              <a:schemeClr val="tx1"/>
+            </a:solidFill>
+          </a:ln>
+        </p:spPr>
+        <p:style>
+          <a:lnRef idx="2">
+            <a:schemeClr val="accent1">
+              <a:shade val="50000"/>
+            </a:schemeClr>
+          </a:lnRef>
+          <a:fillRef idx="1">
+            <a:schemeClr val="accent1"/>
+          </a:fillRef>
+          <a:effectRef idx="0">
+            <a:schemeClr val="accent1"/>
+          </a:effectRef>
+          <a:fontRef idx="minor">
+            <a:schemeClr val="lt1"/>
+          </a:fontRef>
+        </p:style>
+      </p:cxnSp>
+      <p:cxnSp>
+        <p:nvCxnSpPr>
+          <p:cNvPr id="30" name="Connecteur droit 29">
+            <a:extLst>
+              <a:ext uri="{FF2B5EF4-FFF2-40B4-BE49-F238E27FC236}">
+                <a16:creationId xmlns:a16="http://schemas.microsoft.com/office/drawing/2014/main" id="{BDA19E69-C5E1-4E66-B42C-ED8E6C824E70}"/>
+              </a:ext>
+            </a:extLst>
+          </p:cNvPr>
+          <p:cNvCxnSpPr>
+            <a:cxnSpLocks/>
+            <a:stCxn id="13" idx="4"/>
+            <a:endCxn id="6" idx="0"/>
+          </p:cNvCxnSpPr>
+          <p:nvPr/>
+        </p:nvCxnSpPr>
+        <p:spPr>
+          <a:xfrm>
+            <a:off x="8377454" y="2698945"/>
+            <a:ext cx="0" cy="448060"/>
+          </a:xfrm>
+          <a:prstGeom prst="line">
+            <a:avLst/>
+          </a:prstGeom>
+          <a:noFill/>
+          <a:ln w="28575">
+            <a:solidFill>
+              <a:schemeClr val="tx1"/>
+            </a:solidFill>
+          </a:ln>
+        </p:spPr>
+        <p:style>
+          <a:lnRef idx="2">
+            <a:schemeClr val="accent1">
+              <a:shade val="50000"/>
+            </a:schemeClr>
+          </a:lnRef>
+          <a:fillRef idx="1">
+            <a:schemeClr val="accent1"/>
+          </a:fillRef>
+          <a:effectRef idx="0">
+            <a:schemeClr val="accent1"/>
+          </a:effectRef>
+          <a:fontRef idx="minor">
+            <a:schemeClr val="lt1"/>
+          </a:fontRef>
+        </p:style>
+      </p:cxnSp>
+      <p:cxnSp>
+        <p:nvCxnSpPr>
+          <p:cNvPr id="33" name="Connecteur droit 32">
+            <a:extLst>
+              <a:ext uri="{FF2B5EF4-FFF2-40B4-BE49-F238E27FC236}">
+                <a16:creationId xmlns:a16="http://schemas.microsoft.com/office/drawing/2014/main" id="{85DBE66E-E3C5-4C78-B0A4-B74F9C44633D}"/>
+              </a:ext>
+            </a:extLst>
+          </p:cNvPr>
+          <p:cNvCxnSpPr>
+            <a:cxnSpLocks/>
+            <a:stCxn id="4" idx="6"/>
+            <a:endCxn id="5" idx="2"/>
+          </p:cNvCxnSpPr>
+          <p:nvPr/>
+        </p:nvCxnSpPr>
+        <p:spPr>
+          <a:xfrm>
+            <a:off x="4435519" y="3447256"/>
+            <a:ext cx="1039508" cy="0"/>
+          </a:xfrm>
+          <a:prstGeom prst="line">
+            <a:avLst/>
+          </a:prstGeom>
+          <a:noFill/>
+          <a:ln w="28575">
+            <a:solidFill>
+              <a:schemeClr val="tx1"/>
+            </a:solidFill>
+          </a:ln>
+        </p:spPr>
+        <p:style>
+          <a:lnRef idx="2">
+            <a:schemeClr val="accent1">
+              <a:shade val="50000"/>
+            </a:schemeClr>
+          </a:lnRef>
+          <a:fillRef idx="1">
+            <a:schemeClr val="accent1"/>
+          </a:fillRef>
+          <a:effectRef idx="0">
+            <a:schemeClr val="accent1"/>
+          </a:effectRef>
+          <a:fontRef idx="minor">
+            <a:schemeClr val="lt1"/>
+          </a:fontRef>
+        </p:style>
+      </p:cxnSp>
+      <p:cxnSp>
+        <p:nvCxnSpPr>
+          <p:cNvPr id="36" name="Connecteur droit 35">
+            <a:extLst>
+              <a:ext uri="{FF2B5EF4-FFF2-40B4-BE49-F238E27FC236}">
+                <a16:creationId xmlns:a16="http://schemas.microsoft.com/office/drawing/2014/main" id="{ABB2A0E0-50E9-480A-B1AA-4CABBBDE313B}"/>
+              </a:ext>
+            </a:extLst>
+          </p:cNvPr>
+          <p:cNvCxnSpPr>
+            <a:cxnSpLocks/>
+            <a:stCxn id="5" idx="6"/>
+            <a:endCxn id="6" idx="2"/>
+          </p:cNvCxnSpPr>
+          <p:nvPr/>
+        </p:nvCxnSpPr>
+        <p:spPr>
+          <a:xfrm>
+            <a:off x="6716973" y="3447256"/>
+            <a:ext cx="1039508" cy="0"/>
+          </a:xfrm>
+          <a:prstGeom prst="line">
+            <a:avLst/>
+          </a:prstGeom>
+          <a:noFill/>
+          <a:ln w="28575">
+            <a:solidFill>
+              <a:schemeClr val="tx1"/>
+            </a:solidFill>
+          </a:ln>
+        </p:spPr>
+        <p:style>
+          <a:lnRef idx="2">
+            <a:schemeClr val="accent1">
+              <a:shade val="50000"/>
+            </a:schemeClr>
+          </a:lnRef>
+          <a:fillRef idx="1">
+            <a:schemeClr val="accent1"/>
+          </a:fillRef>
+          <a:effectRef idx="0">
+            <a:schemeClr val="accent1"/>
+          </a:effectRef>
+          <a:fontRef idx="minor">
+            <a:schemeClr val="lt1"/>
+          </a:fontRef>
+        </p:style>
+      </p:cxnSp>
+      <p:cxnSp>
+        <p:nvCxnSpPr>
+          <p:cNvPr id="42" name="Connecteur droit 41">
+            <a:extLst>
+              <a:ext uri="{FF2B5EF4-FFF2-40B4-BE49-F238E27FC236}">
+                <a16:creationId xmlns:a16="http://schemas.microsoft.com/office/drawing/2014/main" id="{C1EF57F6-054A-412B-9E9F-3A1A965F2698}"/>
+              </a:ext>
+            </a:extLst>
+          </p:cNvPr>
+          <p:cNvCxnSpPr>
+            <a:cxnSpLocks/>
+          </p:cNvCxnSpPr>
+          <p:nvPr/>
+        </p:nvCxnSpPr>
+        <p:spPr>
+          <a:xfrm flipV="1">
+            <a:off x="3814546" y="1288443"/>
+            <a:ext cx="2281454" cy="1140502"/>
+          </a:xfrm>
+          <a:prstGeom prst="line">
+            <a:avLst/>
+          </a:prstGeom>
+          <a:noFill/>
+          <a:ln w="28575">
+            <a:solidFill>
+              <a:schemeClr val="tx1"/>
+            </a:solidFill>
+          </a:ln>
+        </p:spPr>
+        <p:style>
+          <a:lnRef idx="2">
+            <a:schemeClr val="accent1">
+              <a:shade val="50000"/>
+            </a:schemeClr>
+          </a:lnRef>
+          <a:fillRef idx="1">
+            <a:schemeClr val="accent1"/>
+          </a:fillRef>
+          <a:effectRef idx="0">
+            <a:schemeClr val="accent1"/>
+          </a:effectRef>
+          <a:fontRef idx="minor">
+            <a:schemeClr val="lt1"/>
+          </a:fontRef>
+        </p:style>
+      </p:cxnSp>
+      <p:cxnSp>
+        <p:nvCxnSpPr>
+          <p:cNvPr id="45" name="Connecteur droit 44">
+            <a:extLst>
+              <a:ext uri="{FF2B5EF4-FFF2-40B4-BE49-F238E27FC236}">
+                <a16:creationId xmlns:a16="http://schemas.microsoft.com/office/drawing/2014/main" id="{8BE335AE-A2FE-41D4-A1D4-FD6878766628}"/>
+              </a:ext>
+            </a:extLst>
+          </p:cNvPr>
+          <p:cNvCxnSpPr>
+            <a:cxnSpLocks/>
+          </p:cNvCxnSpPr>
+          <p:nvPr/>
+        </p:nvCxnSpPr>
+        <p:spPr>
+          <a:xfrm>
+            <a:off x="6096000" y="1297743"/>
+            <a:ext cx="2281454" cy="1128886"/>
+          </a:xfrm>
+          <a:prstGeom prst="line">
+            <a:avLst/>
+          </a:prstGeom>
+          <a:noFill/>
+          <a:ln w="28575">
+            <a:solidFill>
+              <a:schemeClr val="tx1"/>
+            </a:solidFill>
+          </a:ln>
+        </p:spPr>
+        <p:style>
+          <a:lnRef idx="2">
+            <a:schemeClr val="accent1">
+              <a:shade val="50000"/>
+            </a:schemeClr>
+          </a:lnRef>
+          <a:fillRef idx="1">
+            <a:schemeClr val="accent1"/>
+          </a:fillRef>
+          <a:effectRef idx="0">
+            <a:schemeClr val="accent1"/>
+          </a:effectRef>
+          <a:fontRef idx="minor">
+            <a:schemeClr val="lt1"/>
+          </a:fontRef>
+        </p:style>
+      </p:cxnSp>
+      <p:cxnSp>
+        <p:nvCxnSpPr>
+          <p:cNvPr id="49" name="Connecteur droit 48">
+            <a:extLst>
+              <a:ext uri="{FF2B5EF4-FFF2-40B4-BE49-F238E27FC236}">
+                <a16:creationId xmlns:a16="http://schemas.microsoft.com/office/drawing/2014/main" id="{E82A9483-62BB-4955-A906-8C0F7821247A}"/>
+              </a:ext>
+            </a:extLst>
+          </p:cNvPr>
+          <p:cNvCxnSpPr>
+            <a:cxnSpLocks/>
+            <a:stCxn id="41" idx="4"/>
+            <a:endCxn id="9" idx="0"/>
+          </p:cNvCxnSpPr>
+          <p:nvPr/>
+        </p:nvCxnSpPr>
+        <p:spPr>
+          <a:xfrm>
+            <a:off x="6096000" y="1558443"/>
+            <a:ext cx="0" cy="600502"/>
+          </a:xfrm>
+          <a:prstGeom prst="line">
+            <a:avLst/>
+          </a:prstGeom>
+          <a:noFill/>
+          <a:ln w="28575">
+            <a:solidFill>
+              <a:schemeClr val="tx1"/>
+            </a:solidFill>
+          </a:ln>
+        </p:spPr>
+        <p:style>
+          <a:lnRef idx="2">
+            <a:schemeClr val="accent1">
+              <a:shade val="50000"/>
+            </a:schemeClr>
+          </a:lnRef>
+          <a:fillRef idx="1">
+            <a:schemeClr val="accent1"/>
+          </a:fillRef>
+          <a:effectRef idx="0">
+            <a:schemeClr val="accent1"/>
+          </a:effectRef>
+          <a:fontRef idx="minor">
+            <a:schemeClr val="lt1"/>
+          </a:fontRef>
+        </p:style>
+      </p:cxnSp>
+      <p:sp>
+        <p:nvSpPr>
+          <p:cNvPr id="41" name="Ellipse 40">
+            <a:extLst>
+              <a:ext uri="{FF2B5EF4-FFF2-40B4-BE49-F238E27FC236}">
+                <a16:creationId xmlns:a16="http://schemas.microsoft.com/office/drawing/2014/main" id="{17E034F2-A174-4006-A50C-8D54A928AB95}"/>
+              </a:ext>
+            </a:extLst>
+          </p:cNvPr>
+          <p:cNvSpPr/>
+          <p:nvPr/>
+        </p:nvSpPr>
+        <p:spPr>
+          <a:xfrm>
+            <a:off x="5826000" y="1018443"/>
+            <a:ext cx="540000" cy="540000"/>
+          </a:xfrm>
+          <a:prstGeom prst="ellipse">
+            <a:avLst/>
+          </a:prstGeom>
+          <a:solidFill>
+            <a:schemeClr val="bg1">
+              <a:lumMod val="85000"/>
+            </a:schemeClr>
+          </a:solidFill>
+          <a:ln w="28575">
+            <a:solidFill>
+              <a:schemeClr val="tx1"/>
+            </a:solidFill>
+          </a:ln>
+        </p:spPr>
+        <p:style>
+          <a:lnRef idx="2">
+            <a:schemeClr val="accent1">
+              <a:shade val="50000"/>
+            </a:schemeClr>
+          </a:lnRef>
+          <a:fillRef idx="1">
+            <a:schemeClr val="accent1"/>
+          </a:fillRef>
+          <a:effectRef idx="0">
+            <a:schemeClr val="accent1"/>
+          </a:effectRef>
+          <a:fontRef idx="minor">
+            <a:schemeClr val="lt1"/>
+          </a:fontRef>
+        </p:style>
+        <p:txBody>
+          <a:bodyPr rtlCol="0" anchor="ctr"/>
+          <a:lstStyle/>
+          <a:p>
+            <a:pPr algn="ctr"/>
+            <a:r>
+              <a:rPr lang="fr-FR" b="1" dirty="0">
+                <a:solidFill>
+                  <a:schemeClr val="tx1"/>
+                </a:solidFill>
+              </a:rPr>
+              <a:t>0</a:t>
+            </a:r>
+          </a:p>
+        </p:txBody>
+      </p:sp>
+      <p:cxnSp>
+        <p:nvCxnSpPr>
+          <p:cNvPr id="57" name="Connecteur droit 56">
+            <a:extLst>
+              <a:ext uri="{FF2B5EF4-FFF2-40B4-BE49-F238E27FC236}">
+                <a16:creationId xmlns:a16="http://schemas.microsoft.com/office/drawing/2014/main" id="{A1871DF8-518C-483F-AAEC-E2C03A187C11}"/>
+              </a:ext>
+            </a:extLst>
+          </p:cNvPr>
+          <p:cNvCxnSpPr>
+            <a:cxnSpLocks/>
+          </p:cNvCxnSpPr>
+          <p:nvPr/>
+        </p:nvCxnSpPr>
+        <p:spPr>
+          <a:xfrm rot="10800000" flipV="1">
+            <a:off x="6096000" y="4429055"/>
+            <a:ext cx="2281454" cy="1140502"/>
+          </a:xfrm>
+          <a:prstGeom prst="line">
+            <a:avLst/>
+          </a:prstGeom>
+          <a:noFill/>
+          <a:ln w="28575">
+            <a:solidFill>
+              <a:schemeClr val="tx1"/>
+            </a:solidFill>
+          </a:ln>
+        </p:spPr>
+        <p:style>
+          <a:lnRef idx="2">
+            <a:schemeClr val="accent1">
+              <a:shade val="50000"/>
+            </a:schemeClr>
+          </a:lnRef>
+          <a:fillRef idx="1">
+            <a:schemeClr val="accent1"/>
+          </a:fillRef>
+          <a:effectRef idx="0">
+            <a:schemeClr val="accent1"/>
+          </a:effectRef>
+          <a:fontRef idx="minor">
+            <a:schemeClr val="lt1"/>
+          </a:fontRef>
+        </p:style>
+      </p:cxnSp>
+      <p:cxnSp>
+        <p:nvCxnSpPr>
+          <p:cNvPr id="58" name="Connecteur droit 57">
+            <a:extLst>
+              <a:ext uri="{FF2B5EF4-FFF2-40B4-BE49-F238E27FC236}">
+                <a16:creationId xmlns:a16="http://schemas.microsoft.com/office/drawing/2014/main" id="{0DDB202D-BF22-4FCE-91A5-69AD630FDF9B}"/>
+              </a:ext>
+            </a:extLst>
+          </p:cNvPr>
+          <p:cNvCxnSpPr>
+            <a:cxnSpLocks/>
+          </p:cNvCxnSpPr>
+          <p:nvPr/>
+        </p:nvCxnSpPr>
+        <p:spPr>
+          <a:xfrm rot="10800000">
+            <a:off x="3814546" y="4431371"/>
+            <a:ext cx="2281454" cy="1128886"/>
+          </a:xfrm>
+          <a:prstGeom prst="line">
+            <a:avLst/>
+          </a:prstGeom>
+          <a:noFill/>
+          <a:ln w="28575">
+            <a:solidFill>
+              <a:schemeClr val="tx1"/>
+            </a:solidFill>
+          </a:ln>
+        </p:spPr>
+        <p:style>
+          <a:lnRef idx="2">
+            <a:schemeClr val="accent1">
+              <a:shade val="50000"/>
+            </a:schemeClr>
+          </a:lnRef>
+          <a:fillRef idx="1">
+            <a:schemeClr val="accent1"/>
+          </a:fillRef>
+          <a:effectRef idx="0">
+            <a:schemeClr val="accent1"/>
+          </a:effectRef>
+          <a:fontRef idx="minor">
+            <a:schemeClr val="lt1"/>
+          </a:fontRef>
+        </p:style>
+      </p:cxnSp>
+      <p:cxnSp>
+        <p:nvCxnSpPr>
+          <p:cNvPr id="59" name="Connecteur droit 58">
+            <a:extLst>
+              <a:ext uri="{FF2B5EF4-FFF2-40B4-BE49-F238E27FC236}">
+                <a16:creationId xmlns:a16="http://schemas.microsoft.com/office/drawing/2014/main" id="{BC694442-C074-472C-9ABB-932F64EEB89A}"/>
+              </a:ext>
+            </a:extLst>
+          </p:cNvPr>
+          <p:cNvCxnSpPr>
+            <a:cxnSpLocks/>
+            <a:stCxn id="56" idx="4"/>
+            <a:endCxn id="10" idx="4"/>
+          </p:cNvCxnSpPr>
+          <p:nvPr/>
+        </p:nvCxnSpPr>
+        <p:spPr>
+          <a:xfrm flipV="1">
+            <a:off x="6096000" y="4680902"/>
+            <a:ext cx="0" cy="618655"/>
+          </a:xfrm>
+          <a:prstGeom prst="line">
+            <a:avLst/>
+          </a:prstGeom>
+          <a:noFill/>
+          <a:ln w="28575">
+            <a:solidFill>
+              <a:schemeClr val="tx1"/>
+            </a:solidFill>
+          </a:ln>
+        </p:spPr>
+        <p:style>
+          <a:lnRef idx="2">
+            <a:schemeClr val="accent1">
+              <a:shade val="50000"/>
+            </a:schemeClr>
+          </a:lnRef>
+          <a:fillRef idx="1">
+            <a:schemeClr val="accent1"/>
+          </a:fillRef>
+          <a:effectRef idx="0">
+            <a:schemeClr val="accent1"/>
+          </a:effectRef>
+          <a:fontRef idx="minor">
+            <a:schemeClr val="lt1"/>
+          </a:fontRef>
+        </p:style>
+      </p:cxnSp>
+      <p:sp>
+        <p:nvSpPr>
+          <p:cNvPr id="56" name="Ellipse 55">
+            <a:extLst>
+              <a:ext uri="{FF2B5EF4-FFF2-40B4-BE49-F238E27FC236}">
+                <a16:creationId xmlns:a16="http://schemas.microsoft.com/office/drawing/2014/main" id="{D7A185FC-F799-45BD-9DC7-F604F441001B}"/>
+              </a:ext>
+            </a:extLst>
+          </p:cNvPr>
+          <p:cNvSpPr/>
+          <p:nvPr/>
+        </p:nvSpPr>
+        <p:spPr>
+          <a:xfrm rot="10800000">
+            <a:off x="5826000" y="5299557"/>
+            <a:ext cx="540000" cy="540000"/>
+          </a:xfrm>
+          <a:prstGeom prst="ellipse">
+            <a:avLst/>
+          </a:prstGeom>
+          <a:solidFill>
+            <a:schemeClr val="bg1">
+              <a:lumMod val="85000"/>
+            </a:schemeClr>
+          </a:solidFill>
+          <a:ln w="28575">
+            <a:solidFill>
+              <a:schemeClr val="tx1"/>
+            </a:solidFill>
+          </a:ln>
+        </p:spPr>
+        <p:style>
+          <a:lnRef idx="2">
+            <a:schemeClr val="accent1">
+              <a:shade val="50000"/>
+            </a:schemeClr>
+          </a:lnRef>
+          <a:fillRef idx="1">
+            <a:schemeClr val="accent1"/>
+          </a:fillRef>
+          <a:effectRef idx="0">
+            <a:schemeClr val="accent1"/>
+          </a:effectRef>
+          <a:fontRef idx="minor">
+            <a:schemeClr val="lt1"/>
+          </a:fontRef>
+        </p:style>
+        <p:txBody>
+          <a:bodyPr rtlCol="0" anchor="ctr"/>
+          <a:lstStyle/>
+          <a:p>
+            <a:pPr algn="ctr"/>
+            <a:r>
+              <a:rPr lang="fr-FR" b="1" dirty="0">
+                <a:solidFill>
+                  <a:schemeClr val="tx1"/>
+                </a:solidFill>
+              </a:rPr>
+              <a:t>0</a:t>
+            </a:r>
+          </a:p>
+        </p:txBody>
+      </p:sp>
+      <p:sp>
+        <p:nvSpPr>
+          <p:cNvPr id="7" name="Ellipse 6">
+            <a:extLst>
+              <a:ext uri="{FF2B5EF4-FFF2-40B4-BE49-F238E27FC236}">
+                <a16:creationId xmlns:a16="http://schemas.microsoft.com/office/drawing/2014/main" id="{B7387967-30F3-482C-88D4-6D895C3E527E}"/>
+              </a:ext>
+            </a:extLst>
+          </p:cNvPr>
+          <p:cNvSpPr/>
+          <p:nvPr/>
+        </p:nvSpPr>
+        <p:spPr>
+          <a:xfrm>
+            <a:off x="3544546" y="2158945"/>
+            <a:ext cx="540000" cy="540000"/>
+          </a:xfrm>
+          <a:prstGeom prst="ellipse">
+            <a:avLst/>
+          </a:prstGeom>
+          <a:solidFill>
+            <a:schemeClr val="bg1"/>
+          </a:solidFill>
+          <a:ln w="28575">
+            <a:solidFill>
+              <a:schemeClr val="tx1"/>
+            </a:solidFill>
+          </a:ln>
+        </p:spPr>
+        <p:style>
+          <a:lnRef idx="2">
+            <a:schemeClr val="accent1">
+              <a:shade val="50000"/>
+            </a:schemeClr>
+          </a:lnRef>
+          <a:fillRef idx="1">
+            <a:schemeClr val="accent1"/>
+          </a:fillRef>
+          <a:effectRef idx="0">
+            <a:schemeClr val="accent1"/>
+          </a:effectRef>
+          <a:fontRef idx="minor">
+            <a:schemeClr val="lt1"/>
+          </a:fontRef>
+        </p:style>
+        <p:txBody>
+          <a:bodyPr rtlCol="0" anchor="ctr"/>
+          <a:lstStyle/>
+          <a:p>
+            <a:pPr algn="ctr"/>
+            <a:r>
+              <a:rPr lang="fr-FR" b="1" dirty="0">
+                <a:solidFill>
+                  <a:schemeClr val="tx1"/>
+                </a:solidFill>
+              </a:rPr>
+              <a:t>2</a:t>
+            </a:r>
+            <a:r>
+              <a:rPr lang="fr-FR" b="1" baseline="-25000" dirty="0">
+                <a:solidFill>
+                  <a:schemeClr val="tx1"/>
+                </a:solidFill>
+              </a:rPr>
+              <a:t>g</a:t>
+            </a:r>
+          </a:p>
+        </p:txBody>
+      </p:sp>
+      <p:sp>
+        <p:nvSpPr>
+          <p:cNvPr id="8" name="Ellipse 7">
+            <a:extLst>
+              <a:ext uri="{FF2B5EF4-FFF2-40B4-BE49-F238E27FC236}">
+                <a16:creationId xmlns:a16="http://schemas.microsoft.com/office/drawing/2014/main" id="{07B1D00B-1EAA-49CD-A8C0-CF03179E69E3}"/>
+              </a:ext>
+            </a:extLst>
+          </p:cNvPr>
+          <p:cNvSpPr/>
+          <p:nvPr/>
+        </p:nvSpPr>
+        <p:spPr>
+          <a:xfrm>
+            <a:off x="3544546" y="4140902"/>
+            <a:ext cx="540000" cy="540000"/>
+          </a:xfrm>
+          <a:prstGeom prst="ellipse">
+            <a:avLst/>
+          </a:prstGeom>
+          <a:solidFill>
+            <a:schemeClr val="bg1"/>
+          </a:solidFill>
+          <a:ln w="28575">
+            <a:solidFill>
+              <a:schemeClr val="tx1"/>
+            </a:solidFill>
+          </a:ln>
+        </p:spPr>
+        <p:style>
+          <a:lnRef idx="2">
+            <a:schemeClr val="accent1">
+              <a:shade val="50000"/>
+            </a:schemeClr>
+          </a:lnRef>
+          <a:fillRef idx="1">
+            <a:schemeClr val="accent1"/>
+          </a:fillRef>
+          <a:effectRef idx="0">
+            <a:schemeClr val="accent1"/>
+          </a:effectRef>
+          <a:fontRef idx="minor">
+            <a:schemeClr val="lt1"/>
+          </a:fontRef>
+        </p:style>
+        <p:txBody>
+          <a:bodyPr rtlCol="0" anchor="ctr"/>
+          <a:lstStyle/>
+          <a:p>
+            <a:pPr algn="ctr"/>
+            <a:r>
+              <a:rPr lang="fr-FR" b="1" dirty="0">
+                <a:solidFill>
+                  <a:schemeClr val="tx1"/>
+                </a:solidFill>
+              </a:rPr>
+              <a:t>2</a:t>
+            </a:r>
+            <a:r>
+              <a:rPr lang="fr-FR" b="1" baseline="-25000" dirty="0">
+                <a:solidFill>
+                  <a:schemeClr val="tx1"/>
+                </a:solidFill>
+              </a:rPr>
+              <a:t>d</a:t>
+            </a:r>
+          </a:p>
+        </p:txBody>
+      </p:sp>
+      <p:sp>
+        <p:nvSpPr>
+          <p:cNvPr id="13" name="Ellipse 12">
+            <a:extLst>
+              <a:ext uri="{FF2B5EF4-FFF2-40B4-BE49-F238E27FC236}">
+                <a16:creationId xmlns:a16="http://schemas.microsoft.com/office/drawing/2014/main" id="{96D65CD2-3ABB-42D8-A34A-B2A57930E580}"/>
+              </a:ext>
+            </a:extLst>
+          </p:cNvPr>
+          <p:cNvSpPr/>
+          <p:nvPr/>
+        </p:nvSpPr>
+        <p:spPr>
+          <a:xfrm>
+            <a:off x="8107454" y="2158945"/>
+            <a:ext cx="540000" cy="540000"/>
+          </a:xfrm>
+          <a:prstGeom prst="ellipse">
+            <a:avLst/>
+          </a:prstGeom>
+          <a:solidFill>
+            <a:schemeClr val="bg1"/>
+          </a:solidFill>
+          <a:ln w="28575">
+            <a:solidFill>
+              <a:schemeClr val="tx1"/>
+            </a:solidFill>
+          </a:ln>
+        </p:spPr>
+        <p:style>
+          <a:lnRef idx="2">
+            <a:schemeClr val="accent1">
+              <a:shade val="50000"/>
+            </a:schemeClr>
+          </a:lnRef>
+          <a:fillRef idx="1">
+            <a:schemeClr val="accent1"/>
+          </a:fillRef>
+          <a:effectRef idx="0">
+            <a:schemeClr val="accent1"/>
+          </a:effectRef>
+          <a:fontRef idx="minor">
+            <a:schemeClr val="lt1"/>
+          </a:fontRef>
+        </p:style>
+        <p:txBody>
+          <a:bodyPr rtlCol="0" anchor="ctr"/>
+          <a:lstStyle/>
+          <a:p>
+            <a:pPr algn="ctr"/>
+            <a:r>
+              <a:rPr lang="fr-FR" b="1" dirty="0">
+                <a:solidFill>
+                  <a:schemeClr val="tx1"/>
+                </a:solidFill>
+              </a:rPr>
+              <a:t>3</a:t>
+            </a:r>
+            <a:r>
+              <a:rPr lang="fr-FR" b="1" baseline="-25000" dirty="0">
+                <a:solidFill>
+                  <a:schemeClr val="tx1"/>
+                </a:solidFill>
+              </a:rPr>
+              <a:t>g</a:t>
+            </a:r>
+          </a:p>
+        </p:txBody>
+      </p:sp>
+      <p:sp>
+        <p:nvSpPr>
+          <p:cNvPr id="14" name="Ellipse 13">
+            <a:extLst>
+              <a:ext uri="{FF2B5EF4-FFF2-40B4-BE49-F238E27FC236}">
+                <a16:creationId xmlns:a16="http://schemas.microsoft.com/office/drawing/2014/main" id="{9F04D9EE-0E86-402F-978F-675684314AEA}"/>
+              </a:ext>
+            </a:extLst>
+          </p:cNvPr>
+          <p:cNvSpPr/>
+          <p:nvPr/>
+        </p:nvSpPr>
+        <p:spPr>
+          <a:xfrm>
+            <a:off x="8107454" y="4140902"/>
+            <a:ext cx="540000" cy="540000"/>
+          </a:xfrm>
+          <a:prstGeom prst="ellipse">
+            <a:avLst/>
+          </a:prstGeom>
+          <a:solidFill>
+            <a:schemeClr val="bg1"/>
+          </a:solidFill>
+          <a:ln w="28575">
+            <a:solidFill>
+              <a:schemeClr val="tx1"/>
+            </a:solidFill>
+          </a:ln>
+        </p:spPr>
+        <p:style>
+          <a:lnRef idx="2">
+            <a:schemeClr val="accent1">
+              <a:shade val="50000"/>
+            </a:schemeClr>
+          </a:lnRef>
+          <a:fillRef idx="1">
+            <a:schemeClr val="accent1"/>
+          </a:fillRef>
+          <a:effectRef idx="0">
+            <a:schemeClr val="accent1"/>
+          </a:effectRef>
+          <a:fontRef idx="minor">
+            <a:schemeClr val="lt1"/>
+          </a:fontRef>
+        </p:style>
+        <p:txBody>
+          <a:bodyPr rtlCol="0" anchor="ctr"/>
+          <a:lstStyle/>
+          <a:p>
+            <a:pPr algn="ctr"/>
+            <a:r>
+              <a:rPr lang="fr-FR" b="1" dirty="0">
+                <a:solidFill>
+                  <a:schemeClr val="tx1"/>
+                </a:solidFill>
+              </a:rPr>
+              <a:t>3</a:t>
+            </a:r>
+            <a:r>
+              <a:rPr lang="fr-FR" b="1" baseline="-25000" dirty="0">
+                <a:solidFill>
+                  <a:schemeClr val="tx1"/>
+                </a:solidFill>
+              </a:rPr>
+              <a:t>d</a:t>
+            </a:r>
+          </a:p>
+        </p:txBody>
+      </p:sp>
+      <p:sp>
+        <p:nvSpPr>
+          <p:cNvPr id="61" name="Signe de multiplication 60">
+            <a:extLst>
+              <a:ext uri="{FF2B5EF4-FFF2-40B4-BE49-F238E27FC236}">
+                <a16:creationId xmlns:a16="http://schemas.microsoft.com/office/drawing/2014/main" id="{56A73B88-1800-4444-BC62-7512AEA7B98F}"/>
+              </a:ext>
+            </a:extLst>
+          </p:cNvPr>
+          <p:cNvSpPr/>
+          <p:nvPr/>
+        </p:nvSpPr>
+        <p:spPr>
+          <a:xfrm>
+            <a:off x="3704817" y="2809439"/>
+            <a:ext cx="219456" cy="219456"/>
+          </a:xfrm>
+          <a:prstGeom prst="mathMultiply">
+            <a:avLst/>
+          </a:prstGeom>
+        </p:spPr>
+        <p:style>
+          <a:lnRef idx="2">
+            <a:schemeClr val="dk1">
+              <a:shade val="50000"/>
+            </a:schemeClr>
+          </a:lnRef>
+          <a:fillRef idx="1">
+            <a:schemeClr val="dk1"/>
+          </a:fillRef>
+          <a:effectRef idx="0">
+            <a:schemeClr val="dk1"/>
+          </a:effectRef>
+          <a:fontRef idx="minor">
+            <a:schemeClr val="lt1"/>
+          </a:fontRef>
+        </p:style>
+        <p:txBody>
+          <a:bodyPr rtlCol="0" anchor="ctr"/>
+          <a:lstStyle/>
+          <a:p>
+            <a:pPr algn="ctr"/>
+            <a:endParaRPr lang="fr-FR"/>
+          </a:p>
+        </p:txBody>
+      </p:sp>
+      <p:sp>
+        <p:nvSpPr>
+          <p:cNvPr id="62" name="Signe de multiplication 61">
+            <a:extLst>
+              <a:ext uri="{FF2B5EF4-FFF2-40B4-BE49-F238E27FC236}">
+                <a16:creationId xmlns:a16="http://schemas.microsoft.com/office/drawing/2014/main" id="{AE361FFD-D453-4A23-8FEA-35D016460C65}"/>
+              </a:ext>
+            </a:extLst>
+          </p:cNvPr>
+          <p:cNvSpPr/>
+          <p:nvPr/>
+        </p:nvSpPr>
+        <p:spPr>
+          <a:xfrm>
+            <a:off x="3704817" y="3834476"/>
+            <a:ext cx="219456" cy="219456"/>
+          </a:xfrm>
+          <a:prstGeom prst="mathMultiply">
+            <a:avLst/>
+          </a:prstGeom>
+        </p:spPr>
+        <p:style>
+          <a:lnRef idx="2">
+            <a:schemeClr val="dk1">
+              <a:shade val="50000"/>
+            </a:schemeClr>
+          </a:lnRef>
+          <a:fillRef idx="1">
+            <a:schemeClr val="dk1"/>
+          </a:fillRef>
+          <a:effectRef idx="0">
+            <a:schemeClr val="dk1"/>
+          </a:effectRef>
+          <a:fontRef idx="minor">
+            <a:schemeClr val="lt1"/>
+          </a:fontRef>
+        </p:style>
+        <p:txBody>
+          <a:bodyPr rtlCol="0" anchor="ctr"/>
+          <a:lstStyle/>
+          <a:p>
+            <a:pPr algn="ctr"/>
+            <a:endParaRPr lang="fr-FR"/>
+          </a:p>
+        </p:txBody>
+      </p:sp>
+      <p:sp>
+        <p:nvSpPr>
+          <p:cNvPr id="64" name="Signe de multiplication 63">
+            <a:extLst>
+              <a:ext uri="{FF2B5EF4-FFF2-40B4-BE49-F238E27FC236}">
+                <a16:creationId xmlns:a16="http://schemas.microsoft.com/office/drawing/2014/main" id="{48C4BD9E-1465-437D-9AB1-25EA3C8B3309}"/>
+              </a:ext>
+            </a:extLst>
+          </p:cNvPr>
+          <p:cNvSpPr/>
+          <p:nvPr/>
+        </p:nvSpPr>
+        <p:spPr>
+          <a:xfrm>
+            <a:off x="8267726" y="2784487"/>
+            <a:ext cx="219456" cy="219456"/>
+          </a:xfrm>
+          <a:prstGeom prst="mathMultiply">
+            <a:avLst/>
+          </a:prstGeom>
+        </p:spPr>
+        <p:style>
+          <a:lnRef idx="2">
+            <a:schemeClr val="dk1">
+              <a:shade val="50000"/>
+            </a:schemeClr>
+          </a:lnRef>
+          <a:fillRef idx="1">
+            <a:schemeClr val="dk1"/>
+          </a:fillRef>
+          <a:effectRef idx="0">
+            <a:schemeClr val="dk1"/>
+          </a:effectRef>
+          <a:fontRef idx="minor">
+            <a:schemeClr val="lt1"/>
+          </a:fontRef>
+        </p:style>
+        <p:txBody>
+          <a:bodyPr rtlCol="0" anchor="ctr"/>
+          <a:lstStyle/>
+          <a:p>
+            <a:pPr algn="ctr"/>
+            <a:endParaRPr lang="fr-FR"/>
+          </a:p>
+        </p:txBody>
+      </p:sp>
+      <p:sp>
+        <p:nvSpPr>
+          <p:cNvPr id="65" name="Signe de multiplication 64">
+            <a:extLst>
+              <a:ext uri="{FF2B5EF4-FFF2-40B4-BE49-F238E27FC236}">
+                <a16:creationId xmlns:a16="http://schemas.microsoft.com/office/drawing/2014/main" id="{B2AD9AFA-109C-4A81-88E0-F01AE1BBCA63}"/>
+              </a:ext>
+            </a:extLst>
+          </p:cNvPr>
+          <p:cNvSpPr/>
+          <p:nvPr/>
+        </p:nvSpPr>
+        <p:spPr>
+          <a:xfrm>
+            <a:off x="8267726" y="3809524"/>
+            <a:ext cx="219456" cy="219456"/>
+          </a:xfrm>
+          <a:prstGeom prst="mathMultiply">
+            <a:avLst/>
+          </a:prstGeom>
+        </p:spPr>
+        <p:style>
+          <a:lnRef idx="2">
+            <a:schemeClr val="dk1">
+              <a:shade val="50000"/>
+            </a:schemeClr>
+          </a:lnRef>
+          <a:fillRef idx="1">
+            <a:schemeClr val="dk1"/>
+          </a:fillRef>
+          <a:effectRef idx="0">
+            <a:schemeClr val="dk1"/>
+          </a:effectRef>
+          <a:fontRef idx="minor">
+            <a:schemeClr val="lt1"/>
+          </a:fontRef>
+        </p:style>
+        <p:txBody>
+          <a:bodyPr rtlCol="0" anchor="ctr"/>
+          <a:lstStyle/>
+          <a:p>
+            <a:pPr algn="ctr"/>
+            <a:endParaRPr lang="fr-FR"/>
+          </a:p>
+        </p:txBody>
+      </p:sp>
+      <p:grpSp>
+        <p:nvGrpSpPr>
+          <p:cNvPr id="73" name="Groupe 72">
+            <a:extLst>
+              <a:ext uri="{FF2B5EF4-FFF2-40B4-BE49-F238E27FC236}">
+                <a16:creationId xmlns:a16="http://schemas.microsoft.com/office/drawing/2014/main" id="{E15C5DFB-2718-4541-A495-8DB3A5CD952F}"/>
+              </a:ext>
+            </a:extLst>
+          </p:cNvPr>
+          <p:cNvGrpSpPr/>
+          <p:nvPr/>
+        </p:nvGrpSpPr>
+        <p:grpSpPr>
+          <a:xfrm>
+            <a:off x="5916000" y="693209"/>
+            <a:ext cx="360000" cy="325234"/>
+            <a:chOff x="5916000" y="693209"/>
+            <a:chExt cx="360000" cy="325234"/>
+          </a:xfrm>
+        </p:grpSpPr>
+        <p:sp>
+          <p:nvSpPr>
+            <p:cNvPr id="72" name="Rectangle 71">
+              <a:extLst>
+                <a:ext uri="{FF2B5EF4-FFF2-40B4-BE49-F238E27FC236}">
+                  <a16:creationId xmlns:a16="http://schemas.microsoft.com/office/drawing/2014/main" id="{D34B4C92-32F0-469D-9C8E-43B8D189F1C3}"/>
+                </a:ext>
+              </a:extLst>
+            </p:cNvPr>
+            <p:cNvSpPr/>
+            <p:nvPr/>
+          </p:nvSpPr>
+          <p:spPr>
+            <a:xfrm>
+              <a:off x="5916000" y="693209"/>
+              <a:ext cx="360000" cy="180000"/>
+            </a:xfrm>
+            <a:prstGeom prst="rect">
+              <a:avLst/>
+            </a:prstGeom>
+            <a:solidFill>
+              <a:schemeClr val="bg1">
+                <a:lumMod val="85000"/>
+              </a:schemeClr>
+            </a:solidFill>
+            <a:ln>
+              <a:noFill/>
+            </a:ln>
+          </p:spPr>
+          <p:style>
+            <a:lnRef idx="2">
+              <a:schemeClr val="accent1">
+                <a:shade val="50000"/>
+              </a:schemeClr>
+            </a:lnRef>
+            <a:fillRef idx="1">
+              <a:schemeClr val="accent1"/>
+            </a:fillRef>
+            <a:effectRef idx="0">
+              <a:schemeClr val="accent1"/>
+            </a:effectRef>
+            <a:fontRef idx="minor">
+              <a:schemeClr val="lt1"/>
+            </a:fontRef>
+          </p:style>
+          <p:txBody>
+            <a:bodyPr rtlCol="0" anchor="ctr"/>
+            <a:lstStyle/>
+            <a:p>
+              <a:pPr algn="ctr"/>
+              <a:endParaRPr lang="fr-FR"/>
+            </a:p>
+          </p:txBody>
+        </p:sp>
+        <p:grpSp>
+          <p:nvGrpSpPr>
+            <p:cNvPr id="71" name="Groupe 70">
+              <a:extLst>
+                <a:ext uri="{FF2B5EF4-FFF2-40B4-BE49-F238E27FC236}">
+                  <a16:creationId xmlns:a16="http://schemas.microsoft.com/office/drawing/2014/main" id="{5890246B-E46F-401A-B104-31E0F0B24B23}"/>
+                </a:ext>
+              </a:extLst>
+            </p:cNvPr>
+            <p:cNvGrpSpPr/>
+            <p:nvPr/>
+          </p:nvGrpSpPr>
+          <p:grpSpPr>
+            <a:xfrm>
+              <a:off x="5916000" y="874443"/>
+              <a:ext cx="360000" cy="144000"/>
+              <a:chOff x="5916000" y="874443"/>
+              <a:chExt cx="360000" cy="144000"/>
+            </a:xfrm>
+          </p:grpSpPr>
+          <p:cxnSp>
+            <p:nvCxnSpPr>
+              <p:cNvPr id="66" name="Connecteur droit 65">
+                <a:extLst>
+                  <a:ext uri="{FF2B5EF4-FFF2-40B4-BE49-F238E27FC236}">
+                    <a16:creationId xmlns:a16="http://schemas.microsoft.com/office/drawing/2014/main" id="{C98B502B-0F3D-44E0-BF97-33F0189CDC95}"/>
+                  </a:ext>
+                </a:extLst>
+              </p:cNvPr>
+              <p:cNvCxnSpPr>
+                <a:cxnSpLocks/>
+              </p:cNvCxnSpPr>
+              <p:nvPr/>
+            </p:nvCxnSpPr>
+            <p:spPr>
+              <a:xfrm flipV="1">
+                <a:off x="6096000" y="874443"/>
+                <a:ext cx="0" cy="144000"/>
+              </a:xfrm>
+              <a:prstGeom prst="line">
+                <a:avLst/>
+              </a:prstGeom>
+              <a:noFill/>
+              <a:ln w="28575">
+                <a:solidFill>
+                  <a:schemeClr val="tx1"/>
+                </a:solidFill>
+              </a:ln>
+            </p:spPr>
+            <p:style>
+              <a:lnRef idx="2">
+                <a:schemeClr val="accent1">
+                  <a:shade val="50000"/>
+                </a:schemeClr>
+              </a:lnRef>
+              <a:fillRef idx="1">
+                <a:schemeClr val="accent1"/>
+              </a:fillRef>
+              <a:effectRef idx="0">
+                <a:schemeClr val="accent1"/>
+              </a:effectRef>
+              <a:fontRef idx="minor">
+                <a:schemeClr val="lt1"/>
+              </a:fontRef>
+            </p:style>
+          </p:cxnSp>
+          <p:cxnSp>
+            <p:nvCxnSpPr>
+              <p:cNvPr id="69" name="Connecteur droit 68">
+                <a:extLst>
+                  <a:ext uri="{FF2B5EF4-FFF2-40B4-BE49-F238E27FC236}">
+                    <a16:creationId xmlns:a16="http://schemas.microsoft.com/office/drawing/2014/main" id="{6BD5C1C0-775C-475C-AD25-450069E511B2}"/>
+                  </a:ext>
+                </a:extLst>
+              </p:cNvPr>
+              <p:cNvCxnSpPr>
+                <a:cxnSpLocks/>
+              </p:cNvCxnSpPr>
+              <p:nvPr/>
+            </p:nvCxnSpPr>
+            <p:spPr>
+              <a:xfrm>
+                <a:off x="5916000" y="874443"/>
+                <a:ext cx="360000" cy="0"/>
+              </a:xfrm>
+              <a:prstGeom prst="line">
+                <a:avLst/>
+              </a:prstGeom>
+              <a:noFill/>
+              <a:ln w="28575">
+                <a:solidFill>
+                  <a:schemeClr val="tx1"/>
+                </a:solidFill>
+              </a:ln>
+            </p:spPr>
+            <p:style>
+              <a:lnRef idx="2">
+                <a:schemeClr val="accent1">
+                  <a:shade val="50000"/>
+                </a:schemeClr>
+              </a:lnRef>
+              <a:fillRef idx="1">
+                <a:schemeClr val="accent1"/>
+              </a:fillRef>
+              <a:effectRef idx="0">
+                <a:schemeClr val="accent1"/>
+              </a:effectRef>
+              <a:fontRef idx="minor">
+                <a:schemeClr val="lt1"/>
+              </a:fontRef>
+            </p:style>
+          </p:cxnSp>
+        </p:grpSp>
+      </p:grpSp>
+      <p:grpSp>
+        <p:nvGrpSpPr>
+          <p:cNvPr id="74" name="Groupe 73">
+            <a:extLst>
+              <a:ext uri="{FF2B5EF4-FFF2-40B4-BE49-F238E27FC236}">
+                <a16:creationId xmlns:a16="http://schemas.microsoft.com/office/drawing/2014/main" id="{ACC36619-2C3C-4F81-ABD8-8B454D106246}"/>
+              </a:ext>
+            </a:extLst>
+          </p:cNvPr>
+          <p:cNvGrpSpPr/>
+          <p:nvPr/>
+        </p:nvGrpSpPr>
+        <p:grpSpPr>
+          <a:xfrm rot="10800000">
+            <a:off x="5915999" y="5839557"/>
+            <a:ext cx="360000" cy="325234"/>
+            <a:chOff x="5916000" y="693209"/>
+            <a:chExt cx="360000" cy="325234"/>
+          </a:xfrm>
+        </p:grpSpPr>
+        <p:sp>
+          <p:nvSpPr>
+            <p:cNvPr id="75" name="Rectangle 74">
+              <a:extLst>
+                <a:ext uri="{FF2B5EF4-FFF2-40B4-BE49-F238E27FC236}">
+                  <a16:creationId xmlns:a16="http://schemas.microsoft.com/office/drawing/2014/main" id="{C9EB74BA-BB61-487A-A57E-568F9428F6AD}"/>
+                </a:ext>
+              </a:extLst>
+            </p:cNvPr>
+            <p:cNvSpPr/>
+            <p:nvPr/>
+          </p:nvSpPr>
+          <p:spPr>
+            <a:xfrm>
+              <a:off x="5916000" y="693209"/>
+              <a:ext cx="360000" cy="180000"/>
+            </a:xfrm>
+            <a:prstGeom prst="rect">
+              <a:avLst/>
+            </a:prstGeom>
+            <a:solidFill>
+              <a:schemeClr val="bg1">
+                <a:lumMod val="85000"/>
+              </a:schemeClr>
+            </a:solidFill>
+            <a:ln>
+              <a:noFill/>
+            </a:ln>
+          </p:spPr>
+          <p:style>
+            <a:lnRef idx="2">
+              <a:schemeClr val="accent1">
+                <a:shade val="50000"/>
+              </a:schemeClr>
+            </a:lnRef>
+            <a:fillRef idx="1">
+              <a:schemeClr val="accent1"/>
+            </a:fillRef>
+            <a:effectRef idx="0">
+              <a:schemeClr val="accent1"/>
+            </a:effectRef>
+            <a:fontRef idx="minor">
+              <a:schemeClr val="lt1"/>
+            </a:fontRef>
+          </p:style>
+          <p:txBody>
+            <a:bodyPr rtlCol="0" anchor="ctr"/>
+            <a:lstStyle/>
+            <a:p>
+              <a:pPr algn="ctr"/>
+              <a:endParaRPr lang="fr-FR"/>
+            </a:p>
+          </p:txBody>
+        </p:sp>
+        <p:grpSp>
+          <p:nvGrpSpPr>
+            <p:cNvPr id="76" name="Groupe 75">
+              <a:extLst>
+                <a:ext uri="{FF2B5EF4-FFF2-40B4-BE49-F238E27FC236}">
+                  <a16:creationId xmlns:a16="http://schemas.microsoft.com/office/drawing/2014/main" id="{B616D6DA-2C3F-4C73-AA5D-C0496ACF8796}"/>
+                </a:ext>
+              </a:extLst>
+            </p:cNvPr>
+            <p:cNvGrpSpPr/>
+            <p:nvPr/>
+          </p:nvGrpSpPr>
+          <p:grpSpPr>
+            <a:xfrm>
+              <a:off x="5916000" y="874443"/>
+              <a:ext cx="360000" cy="144000"/>
+              <a:chOff x="5916000" y="874443"/>
+              <a:chExt cx="360000" cy="144000"/>
+            </a:xfrm>
+          </p:grpSpPr>
+          <p:cxnSp>
+            <p:nvCxnSpPr>
+              <p:cNvPr id="77" name="Connecteur droit 76">
+                <a:extLst>
+                  <a:ext uri="{FF2B5EF4-FFF2-40B4-BE49-F238E27FC236}">
+                    <a16:creationId xmlns:a16="http://schemas.microsoft.com/office/drawing/2014/main" id="{2970042E-1FD8-4BFD-A77F-F1083E34507F}"/>
+                  </a:ext>
+                </a:extLst>
+              </p:cNvPr>
+              <p:cNvCxnSpPr>
+                <a:cxnSpLocks/>
+              </p:cNvCxnSpPr>
+              <p:nvPr/>
+            </p:nvCxnSpPr>
+            <p:spPr>
+              <a:xfrm flipV="1">
+                <a:off x="6096000" y="874443"/>
+                <a:ext cx="0" cy="144000"/>
+              </a:xfrm>
+              <a:prstGeom prst="line">
+                <a:avLst/>
+              </a:prstGeom>
+              <a:noFill/>
+              <a:ln w="28575">
+                <a:solidFill>
+                  <a:schemeClr val="tx1"/>
+                </a:solidFill>
+              </a:ln>
+            </p:spPr>
+            <p:style>
+              <a:lnRef idx="2">
+                <a:schemeClr val="accent1">
+                  <a:shade val="50000"/>
+                </a:schemeClr>
+              </a:lnRef>
+              <a:fillRef idx="1">
+                <a:schemeClr val="accent1"/>
+              </a:fillRef>
+              <a:effectRef idx="0">
+                <a:schemeClr val="accent1"/>
+              </a:effectRef>
+              <a:fontRef idx="minor">
+                <a:schemeClr val="lt1"/>
+              </a:fontRef>
+            </p:style>
+          </p:cxnSp>
+          <p:cxnSp>
+            <p:nvCxnSpPr>
+              <p:cNvPr id="78" name="Connecteur droit 77">
+                <a:extLst>
+                  <a:ext uri="{FF2B5EF4-FFF2-40B4-BE49-F238E27FC236}">
+                    <a16:creationId xmlns:a16="http://schemas.microsoft.com/office/drawing/2014/main" id="{D5E8870E-1E43-424B-90A2-59BF9AB35E3C}"/>
+                  </a:ext>
+                </a:extLst>
+              </p:cNvPr>
+              <p:cNvCxnSpPr>
+                <a:cxnSpLocks/>
+              </p:cNvCxnSpPr>
+              <p:nvPr/>
+            </p:nvCxnSpPr>
+            <p:spPr>
+              <a:xfrm>
+                <a:off x="5916000" y="874443"/>
+                <a:ext cx="360000" cy="0"/>
+              </a:xfrm>
+              <a:prstGeom prst="line">
+                <a:avLst/>
+              </a:prstGeom>
+              <a:noFill/>
+              <a:ln w="28575">
+                <a:solidFill>
+                  <a:schemeClr val="tx1"/>
+                </a:solidFill>
+              </a:ln>
+            </p:spPr>
+            <p:style>
+              <a:lnRef idx="2">
+                <a:schemeClr val="accent1">
+                  <a:shade val="50000"/>
+                </a:schemeClr>
+              </a:lnRef>
+              <a:fillRef idx="1">
+                <a:schemeClr val="accent1"/>
+              </a:fillRef>
+              <a:effectRef idx="0">
+                <a:schemeClr val="accent1"/>
+              </a:effectRef>
+              <a:fontRef idx="minor">
+                <a:schemeClr val="lt1"/>
+              </a:fontRef>
+            </p:style>
+          </p:cxnSp>
+        </p:grpSp>
+      </p:grpSp>
+      <mc:AlternateContent xmlns:mc="http://schemas.openxmlformats.org/markup-compatibility/2006">
+        <mc:Choice xmlns:a14="http://schemas.microsoft.com/office/drawing/2010/main" Requires="a14">
+          <p:sp>
+            <p:nvSpPr>
+              <p:cNvPr id="2" name="ZoneTexte 1">
+                <a:extLst>
+                  <a:ext uri="{FF2B5EF4-FFF2-40B4-BE49-F238E27FC236}">
+                    <a16:creationId xmlns:a16="http://schemas.microsoft.com/office/drawing/2014/main" id="{CE0B964F-3A6C-462D-89AD-C77D4D0A678B}"/>
+                  </a:ext>
+                </a:extLst>
+              </p:cNvPr>
+              <p:cNvSpPr txBox="1"/>
+              <p:nvPr/>
+            </p:nvSpPr>
+            <p:spPr>
+              <a:xfrm rot="16200000">
+                <a:off x="4787105" y="2815955"/>
+                <a:ext cx="1100256" cy="307777"/>
+              </a:xfrm>
+              <a:prstGeom prst="rect">
+                <a:avLst/>
+              </a:prstGeom>
+              <a:noFill/>
+            </p:spPr>
+            <p:txBody>
+              <a:bodyPr wrap="square" rtlCol="0">
+                <a:spAutoFit/>
+              </a:bodyPr>
+              <a:lstStyle/>
+              <a:p>
+                <a:r>
+                  <a:rPr lang="fr-FR" sz="1400" dirty="0"/>
+                  <a:t>Pivot </a:t>
+                </a:r>
+                <a14:m>
+                  <m:oMath xmlns:m="http://schemas.openxmlformats.org/officeDocument/2006/math">
+                    <m:d>
+                      <m:dPr>
+                        <m:ctrlPr>
+                          <a:rPr lang="fr-FR" sz="1400" i="1" smtClean="0">
+                            <a:latin typeface="Cambria Math" panose="02040503050406030204" pitchFamily="18" charset="0"/>
+                          </a:rPr>
+                        </m:ctrlPr>
+                      </m:dPr>
+                      <m:e>
+                        <m:r>
+                          <a:rPr lang="fr-FR" sz="1400" b="0" i="1" smtClean="0">
+                            <a:latin typeface="Cambria Math" panose="02040503050406030204" pitchFamily="18" charset="0"/>
+                          </a:rPr>
+                          <m:t>𝑋</m:t>
+                        </m:r>
+                        <m:r>
+                          <a:rPr lang="fr-FR" sz="1400" b="0" i="1" smtClean="0">
+                            <a:latin typeface="Cambria Math" panose="02040503050406030204" pitchFamily="18" charset="0"/>
+                          </a:rPr>
+                          <m:t>,</m:t>
+                        </m:r>
+                        <m:acc>
+                          <m:accPr>
+                            <m:chr m:val="⃗"/>
+                            <m:ctrlPr>
+                              <a:rPr lang="fr-FR" sz="1400" b="0" i="1" smtClean="0">
+                                <a:latin typeface="Cambria Math" panose="02040503050406030204" pitchFamily="18" charset="0"/>
+                              </a:rPr>
+                            </m:ctrlPr>
+                          </m:accPr>
+                          <m:e>
+                            <m:sSub>
+                              <m:sSubPr>
+                                <m:ctrlPr>
+                                  <a:rPr lang="fr-FR" sz="1400" i="1">
+                                    <a:latin typeface="Cambria Math" panose="02040503050406030204" pitchFamily="18" charset="0"/>
+                                  </a:rPr>
+                                </m:ctrlPr>
+                              </m:sSubPr>
+                              <m:e>
+                                <m:r>
+                                  <a:rPr lang="fr-FR" sz="1400" i="1">
+                                    <a:latin typeface="Cambria Math" panose="02040503050406030204" pitchFamily="18" charset="0"/>
+                                  </a:rPr>
+                                  <m:t>𝑥</m:t>
+                                </m:r>
+                              </m:e>
+                              <m:sub>
+                                <m:r>
+                                  <a:rPr lang="fr-FR" sz="1400" i="1">
+                                    <a:latin typeface="Cambria Math" panose="02040503050406030204" pitchFamily="18" charset="0"/>
+                                  </a:rPr>
+                                  <m:t>𝐿</m:t>
+                                </m:r>
+                              </m:sub>
+                            </m:sSub>
+                          </m:e>
+                        </m:acc>
+                      </m:e>
+                    </m:d>
+                  </m:oMath>
+                </a14:m>
+                <a:r>
+                  <a:rPr lang="fr-FR" sz="1400" dirty="0"/>
+                  <a:t> </a:t>
+                </a:r>
+              </a:p>
+            </p:txBody>
+          </p:sp>
+        </mc:Choice>
+        <mc:Fallback>
+          <p:sp>
+            <p:nvSpPr>
+              <p:cNvPr id="2" name="ZoneTexte 1">
+                <a:extLst>
+                  <a:ext uri="{FF2B5EF4-FFF2-40B4-BE49-F238E27FC236}">
+                    <a16:creationId xmlns:a16="http://schemas.microsoft.com/office/drawing/2014/main" id="{CE0B964F-3A6C-462D-89AD-C77D4D0A678B}"/>
+                  </a:ext>
+                </a:extLst>
+              </p:cNvPr>
+              <p:cNvSpPr txBox="1">
+                <a:spLocks noRot="1" noChangeAspect="1" noMove="1" noResize="1" noEditPoints="1" noAdjustHandles="1" noChangeArrowheads="1" noChangeShapeType="1" noTextEdit="1"/>
+              </p:cNvSpPr>
+              <p:nvPr/>
+            </p:nvSpPr>
+            <p:spPr>
+              <a:xfrm rot="16200000">
+                <a:off x="4787105" y="2815955"/>
+                <a:ext cx="1100256" cy="307777"/>
+              </a:xfrm>
+              <a:prstGeom prst="rect">
+                <a:avLst/>
+              </a:prstGeom>
+              <a:blipFill>
+                <a:blip r:embed="rId2"/>
+                <a:stretch>
+                  <a:fillRect l="-1961" r="-19608" b="-1667"/>
+                </a:stretch>
+              </a:blipFill>
+            </p:spPr>
+            <p:txBody>
+              <a:bodyPr/>
+              <a:lstStyle/>
+              <a:p>
+                <a:r>
+                  <a:rPr lang="fr-FR">
+                    <a:noFill/>
+                  </a:rPr>
+                  <a:t> </a:t>
+                </a:r>
+              </a:p>
+            </p:txBody>
+          </p:sp>
+        </mc:Fallback>
+      </mc:AlternateContent>
+      <mc:AlternateContent xmlns:mc="http://schemas.openxmlformats.org/markup-compatibility/2006">
+        <mc:Choice xmlns:a14="http://schemas.microsoft.com/office/drawing/2010/main" Requires="a14">
+          <p:sp>
+            <p:nvSpPr>
+              <p:cNvPr id="43" name="ZoneTexte 42">
+                <a:extLst>
+                  <a:ext uri="{FF2B5EF4-FFF2-40B4-BE49-F238E27FC236}">
+                    <a16:creationId xmlns:a16="http://schemas.microsoft.com/office/drawing/2014/main" id="{525ED526-F0D5-4682-A422-CF45843B1501}"/>
+                  </a:ext>
+                </a:extLst>
+              </p:cNvPr>
+              <p:cNvSpPr txBox="1"/>
+              <p:nvPr/>
+            </p:nvSpPr>
+            <p:spPr>
+              <a:xfrm rot="16200000">
+                <a:off x="6304640" y="2806205"/>
+                <a:ext cx="1100256" cy="307777"/>
+              </a:xfrm>
+              <a:prstGeom prst="rect">
+                <a:avLst/>
+              </a:prstGeom>
+              <a:noFill/>
+            </p:spPr>
+            <p:txBody>
+              <a:bodyPr wrap="square" rtlCol="0">
+                <a:spAutoFit/>
+              </a:bodyPr>
+              <a:lstStyle/>
+              <a:p>
+                <a:r>
+                  <a:rPr lang="fr-FR" sz="1400" dirty="0"/>
+                  <a:t>Pivot </a:t>
+                </a:r>
+                <a14:m>
+                  <m:oMath xmlns:m="http://schemas.openxmlformats.org/officeDocument/2006/math">
+                    <m:d>
+                      <m:dPr>
+                        <m:ctrlPr>
+                          <a:rPr lang="fr-FR" sz="1400" i="1" smtClean="0">
+                            <a:latin typeface="Cambria Math" panose="02040503050406030204" pitchFamily="18" charset="0"/>
+                          </a:rPr>
+                        </m:ctrlPr>
+                      </m:dPr>
+                      <m:e>
+                        <m:r>
+                          <a:rPr lang="fr-FR" sz="1400" b="0" i="1" smtClean="0">
+                            <a:latin typeface="Cambria Math" panose="02040503050406030204" pitchFamily="18" charset="0"/>
+                          </a:rPr>
+                          <m:t>𝑋</m:t>
+                        </m:r>
+                        <m:r>
+                          <a:rPr lang="fr-FR" sz="1400" b="0" i="1" smtClean="0">
+                            <a:latin typeface="Cambria Math" panose="02040503050406030204" pitchFamily="18" charset="0"/>
+                          </a:rPr>
+                          <m:t>,</m:t>
+                        </m:r>
+                        <m:acc>
+                          <m:accPr>
+                            <m:chr m:val="⃗"/>
+                            <m:ctrlPr>
+                              <a:rPr lang="fr-FR" sz="1400" b="0" i="1" smtClean="0">
+                                <a:latin typeface="Cambria Math" panose="02040503050406030204" pitchFamily="18" charset="0"/>
+                              </a:rPr>
+                            </m:ctrlPr>
+                          </m:accPr>
+                          <m:e>
+                            <m:sSub>
+                              <m:sSubPr>
+                                <m:ctrlPr>
+                                  <a:rPr lang="fr-FR" sz="1400" i="1">
+                                    <a:latin typeface="Cambria Math" panose="02040503050406030204" pitchFamily="18" charset="0"/>
+                                  </a:rPr>
+                                </m:ctrlPr>
+                              </m:sSubPr>
+                              <m:e>
+                                <m:r>
+                                  <a:rPr lang="fr-FR" sz="1400" i="1">
+                                    <a:latin typeface="Cambria Math" panose="02040503050406030204" pitchFamily="18" charset="0"/>
+                                  </a:rPr>
+                                  <m:t>𝑥</m:t>
+                                </m:r>
+                              </m:e>
+                              <m:sub>
+                                <m:r>
+                                  <a:rPr lang="fr-FR" sz="1400" i="1">
+                                    <a:latin typeface="Cambria Math" panose="02040503050406030204" pitchFamily="18" charset="0"/>
+                                  </a:rPr>
+                                  <m:t>𝐿</m:t>
+                                </m:r>
+                              </m:sub>
+                            </m:sSub>
+                          </m:e>
+                        </m:acc>
+                      </m:e>
+                    </m:d>
+                  </m:oMath>
+                </a14:m>
+                <a:r>
+                  <a:rPr lang="fr-FR" sz="1400" dirty="0"/>
+                  <a:t> </a:t>
+                </a:r>
+              </a:p>
+            </p:txBody>
+          </p:sp>
+        </mc:Choice>
+        <mc:Fallback>
+          <p:sp>
+            <p:nvSpPr>
+              <p:cNvPr id="43" name="ZoneTexte 42">
+                <a:extLst>
+                  <a:ext uri="{FF2B5EF4-FFF2-40B4-BE49-F238E27FC236}">
+                    <a16:creationId xmlns:a16="http://schemas.microsoft.com/office/drawing/2014/main" id="{525ED526-F0D5-4682-A422-CF45843B1501}"/>
+                  </a:ext>
+                </a:extLst>
+              </p:cNvPr>
+              <p:cNvSpPr txBox="1">
+                <a:spLocks noRot="1" noChangeAspect="1" noMove="1" noResize="1" noEditPoints="1" noAdjustHandles="1" noChangeArrowheads="1" noChangeShapeType="1" noTextEdit="1"/>
+              </p:cNvSpPr>
+              <p:nvPr/>
+            </p:nvSpPr>
+            <p:spPr>
+              <a:xfrm rot="16200000">
+                <a:off x="6304640" y="2806205"/>
+                <a:ext cx="1100256" cy="307777"/>
+              </a:xfrm>
+              <a:prstGeom prst="rect">
+                <a:avLst/>
+              </a:prstGeom>
+              <a:blipFill>
+                <a:blip r:embed="rId3"/>
+                <a:stretch>
+                  <a:fillRect l="-3922" r="-19608" b="-1657"/>
+                </a:stretch>
+              </a:blipFill>
+            </p:spPr>
+            <p:txBody>
+              <a:bodyPr/>
+              <a:lstStyle/>
+              <a:p>
+                <a:r>
+                  <a:rPr lang="fr-FR">
+                    <a:noFill/>
+                  </a:rPr>
+                  <a:t> </a:t>
+                </a:r>
+              </a:p>
+            </p:txBody>
+          </p:sp>
+        </mc:Fallback>
+      </mc:AlternateContent>
+      <p:cxnSp>
+        <p:nvCxnSpPr>
+          <p:cNvPr id="44" name="Connecteur droit 43">
+            <a:extLst>
+              <a:ext uri="{FF2B5EF4-FFF2-40B4-BE49-F238E27FC236}">
+                <a16:creationId xmlns:a16="http://schemas.microsoft.com/office/drawing/2014/main" id="{0AABC648-A4B3-41D3-AAA6-7A8BCEE1EF21}"/>
+              </a:ext>
+            </a:extLst>
+          </p:cNvPr>
+          <p:cNvCxnSpPr>
+            <a:cxnSpLocks/>
+          </p:cNvCxnSpPr>
+          <p:nvPr/>
+        </p:nvCxnSpPr>
+        <p:spPr>
+          <a:xfrm>
+            <a:off x="4435518" y="3506270"/>
+            <a:ext cx="1039508" cy="0"/>
+          </a:xfrm>
+          <a:prstGeom prst="line">
+            <a:avLst/>
+          </a:prstGeom>
+          <a:noFill/>
+          <a:ln w="28575">
+            <a:solidFill>
+              <a:schemeClr val="tx1"/>
+            </a:solidFill>
+          </a:ln>
+        </p:spPr>
+        <p:style>
+          <a:lnRef idx="2">
+            <a:schemeClr val="accent1">
+              <a:shade val="50000"/>
+            </a:schemeClr>
+          </a:lnRef>
+          <a:fillRef idx="1">
+            <a:schemeClr val="accent1"/>
+          </a:fillRef>
+          <a:effectRef idx="0">
+            <a:schemeClr val="accent1"/>
+          </a:effectRef>
+          <a:fontRef idx="minor">
+            <a:schemeClr val="lt1"/>
+          </a:fontRef>
+        </p:style>
+      </p:cxnSp>
+      <p:cxnSp>
+        <p:nvCxnSpPr>
+          <p:cNvPr id="46" name="Connecteur droit 45">
+            <a:extLst>
+              <a:ext uri="{FF2B5EF4-FFF2-40B4-BE49-F238E27FC236}">
+                <a16:creationId xmlns:a16="http://schemas.microsoft.com/office/drawing/2014/main" id="{4F4F0500-2750-4FE0-9B08-E6AC085BC6D2}"/>
+              </a:ext>
+            </a:extLst>
+          </p:cNvPr>
+          <p:cNvCxnSpPr>
+            <a:cxnSpLocks/>
+          </p:cNvCxnSpPr>
+          <p:nvPr/>
+        </p:nvCxnSpPr>
+        <p:spPr>
+          <a:xfrm>
+            <a:off x="6716972" y="3506270"/>
+            <a:ext cx="1039508" cy="0"/>
+          </a:xfrm>
+          <a:prstGeom prst="line">
+            <a:avLst/>
+          </a:prstGeom>
+          <a:noFill/>
+          <a:ln w="28575">
+            <a:solidFill>
+              <a:schemeClr val="tx1"/>
+            </a:solidFill>
+          </a:ln>
+        </p:spPr>
+        <p:style>
+          <a:lnRef idx="2">
+            <a:schemeClr val="accent1">
+              <a:shade val="50000"/>
+            </a:schemeClr>
+          </a:lnRef>
+          <a:fillRef idx="1">
+            <a:schemeClr val="accent1"/>
+          </a:fillRef>
+          <a:effectRef idx="0">
+            <a:schemeClr val="accent1"/>
+          </a:effectRef>
+          <a:fontRef idx="minor">
+            <a:schemeClr val="lt1"/>
+          </a:fontRef>
+        </p:style>
+      </p:cxnSp>
+    </p:spTree>
+    <p:extLst>
+      <p:ext uri="{BB962C8B-B14F-4D97-AF65-F5344CB8AC3E}">
+        <p14:creationId xmlns:p14="http://schemas.microsoft.com/office/powerpoint/2010/main" val="1718449996"/>
+      </p:ext>
+    </p:extLst>
+  </p:cSld>
+  <p:clrMapOvr>
+    <a:masterClrMapping/>
+  </p:clrMapOvr>
+</p:sld>
+</file>
+
+<file path=ppt/slides/slide3.xml><?xml version="1.0" encoding="utf-8"?>
+<p:sld xmlns:a="http://schemas.openxmlformats.org/drawingml/2006/main" xmlns:r="http://schemas.openxmlformats.org/officeDocument/2006/relationships" xmlns:p="http://schemas.openxmlformats.org/presentationml/2006/main">
+  <p:cSld>
+    <p:spTree>
+      <p:nvGrpSpPr>
+        <p:cNvPr id="1" name=""/>
+        <p:cNvGrpSpPr/>
+        <p:nvPr/>
+      </p:nvGrpSpPr>
+      <p:grpSpPr>
+        <a:xfrm>
+          <a:off x="0" y="0"/>
+          <a:ext cx="0" cy="0"/>
+          <a:chOff x="0" y="0"/>
+          <a:chExt cx="0" cy="0"/>
+        </a:xfrm>
+      </p:grpSpPr>
       <p:pic>
         <p:nvPicPr>
           <p:cNvPr id="11" name="Image 10">
@@ -3613,7 +10137,7 @@
 </p:sld>
 </file>
 
-<file path=ppt/slides/slide2.xml><?xml version="1.0" encoding="utf-8"?>
+<file path=ppt/slides/slide4.xml><?xml version="1.0" encoding="utf-8"?>
 <p:sld xmlns:a="http://schemas.openxmlformats.org/drawingml/2006/main" xmlns:r="http://schemas.openxmlformats.org/officeDocument/2006/relationships" xmlns:p="http://schemas.openxmlformats.org/presentationml/2006/main">
   <p:cSld>
     <p:spTree>
@@ -3919,7 +10443,7 @@
 </p:sld>
 </file>
 
-<file path=ppt/slides/slide3.xml><?xml version="1.0" encoding="utf-8"?>
+<file path=ppt/slides/slide5.xml><?xml version="1.0" encoding="utf-8"?>
 <p:sld xmlns:a="http://schemas.openxmlformats.org/drawingml/2006/main" xmlns:r="http://schemas.openxmlformats.org/officeDocument/2006/relationships" xmlns:p="http://schemas.openxmlformats.org/presentationml/2006/main">
   <p:cSld>
     <p:spTree>
@@ -3936,8 +10460,8 @@
           <a:chExt cx="0" cy="0"/>
         </a:xfrm>
       </p:grpSpPr>
-      <mc:AlternateContent xmlns:mc="http://schemas.openxmlformats.org/markup-compatibility/2006">
-        <mc:Choice xmlns:a14="http://schemas.microsoft.com/office/drawing/2010/main" Requires="a14">
+      <mc:AlternateContent xmlns:mc="http://schemas.openxmlformats.org/markup-compatibility/2006" xmlns:a14="http://schemas.microsoft.com/office/drawing/2010/main">
+        <mc:Choice Requires="a14">
           <p:sp>
             <p:nvSpPr>
               <p:cNvPr id="22" name="Rectangle 21">
@@ -4041,7 +10565,7 @@
             </p:txBody>
           </p:sp>
         </mc:Choice>
-        <mc:Fallback>
+        <mc:Fallback xmlns="">
           <p:sp>
             <p:nvSpPr>
               <p:cNvPr id="22" name="Rectangle 21">
@@ -4089,8 +10613,8 @@
           </p:sp>
         </mc:Fallback>
       </mc:AlternateContent>
-      <mc:AlternateContent xmlns:mc="http://schemas.openxmlformats.org/markup-compatibility/2006">
-        <mc:Choice xmlns:a14="http://schemas.microsoft.com/office/drawing/2010/main" Requires="a14">
+      <mc:AlternateContent xmlns:mc="http://schemas.openxmlformats.org/markup-compatibility/2006" xmlns:a14="http://schemas.microsoft.com/office/drawing/2010/main">
+        <mc:Choice Requires="a14">
           <p:sp>
             <p:nvSpPr>
               <p:cNvPr id="21" name="Rectangle 20">
@@ -4194,7 +10718,7 @@
             </p:txBody>
           </p:sp>
         </mc:Choice>
-        <mc:Fallback>
+        <mc:Fallback xmlns="">
           <p:sp>
             <p:nvSpPr>
               <p:cNvPr id="21" name="Rectangle 20">
@@ -4453,7 +10977,7 @@
 </p:sld>
 </file>
 
-<file path=ppt/slides/slide4.xml><?xml version="1.0" encoding="utf-8"?>
+<file path=ppt/slides/slide6.xml><?xml version="1.0" encoding="utf-8"?>
 <p:sld xmlns:a="http://schemas.openxmlformats.org/drawingml/2006/main" xmlns:r="http://schemas.openxmlformats.org/officeDocument/2006/relationships" xmlns:p="http://schemas.openxmlformats.org/presentationml/2006/main">
   <p:cSld>
     <p:spTree>
@@ -9157,7 +15681,7 @@
 </p:sld>
 </file>
 
-<file path=ppt/slides/slide5.xml><?xml version="1.0" encoding="utf-8"?>
+<file path=ppt/slides/slide7.xml><?xml version="1.0" encoding="utf-8"?>
 <p:sld xmlns:a="http://schemas.openxmlformats.org/drawingml/2006/main" xmlns:r="http://schemas.openxmlformats.org/officeDocument/2006/relationships" xmlns:p="http://schemas.openxmlformats.org/presentationml/2006/main">
   <p:cSld>
     <p:spTree>
@@ -11886,7 +18410,7 @@
 </p:sld>
 </file>
 
-<file path=ppt/slides/slide6.xml><?xml version="1.0" encoding="utf-8"?>
+<file path=ppt/slides/slide8.xml><?xml version="1.0" encoding="utf-8"?>
 <p:sld xmlns:a="http://schemas.openxmlformats.org/drawingml/2006/main" xmlns:r="http://schemas.openxmlformats.org/officeDocument/2006/relationships" xmlns:p="http://schemas.openxmlformats.org/presentationml/2006/main">
   <p:cSld>
     <p:spTree>

--- a/2009/CCMP_PSI_SI_Roburoc/images/Figures.pptx
+++ b/2009/CCMP_PSI_SI_Roburoc/images/Figures.pptx
@@ -6,13 +6,15 @@
   </p:sldMasterIdLst>
   <p:sldIdLst>
     <p:sldId id="262" r:id="rId2"/>
-    <p:sldId id="263" r:id="rId3"/>
-    <p:sldId id="256" r:id="rId4"/>
-    <p:sldId id="260" r:id="rId5"/>
-    <p:sldId id="261" r:id="rId6"/>
-    <p:sldId id="257" r:id="rId7"/>
-    <p:sldId id="258" r:id="rId8"/>
-    <p:sldId id="259" r:id="rId9"/>
+    <p:sldId id="265" r:id="rId3"/>
+    <p:sldId id="264" r:id="rId4"/>
+    <p:sldId id="263" r:id="rId5"/>
+    <p:sldId id="256" r:id="rId6"/>
+    <p:sldId id="260" r:id="rId7"/>
+    <p:sldId id="261" r:id="rId8"/>
+    <p:sldId id="257" r:id="rId9"/>
+    <p:sldId id="258" r:id="rId10"/>
+    <p:sldId id="259" r:id="rId11"/>
   </p:sldIdLst>
   <p:sldSz cx="12192000" cy="6858000"/>
   <p:notesSz cx="6858000" cy="9144000"/>
@@ -277,7 +279,7 @@
           <a:p>
             <a:fld id="{09EECFAC-1254-4C1B-8D44-747D8ED10A4A}" type="datetimeFigureOut">
               <a:rPr lang="fr-FR" smtClean="0"/>
-              <a:t>21/03/2022</a:t>
+              <a:t>24/03/2022</a:t>
             </a:fld>
             <a:endParaRPr lang="fr-FR"/>
           </a:p>
@@ -475,7 +477,7 @@
           <a:p>
             <a:fld id="{09EECFAC-1254-4C1B-8D44-747D8ED10A4A}" type="datetimeFigureOut">
               <a:rPr lang="fr-FR" smtClean="0"/>
-              <a:t>21/03/2022</a:t>
+              <a:t>24/03/2022</a:t>
             </a:fld>
             <a:endParaRPr lang="fr-FR"/>
           </a:p>
@@ -683,7 +685,7 @@
           <a:p>
             <a:fld id="{09EECFAC-1254-4C1B-8D44-747D8ED10A4A}" type="datetimeFigureOut">
               <a:rPr lang="fr-FR" smtClean="0"/>
-              <a:t>21/03/2022</a:t>
+              <a:t>24/03/2022</a:t>
             </a:fld>
             <a:endParaRPr lang="fr-FR"/>
           </a:p>
@@ -881,7 +883,7 @@
           <a:p>
             <a:fld id="{09EECFAC-1254-4C1B-8D44-747D8ED10A4A}" type="datetimeFigureOut">
               <a:rPr lang="fr-FR" smtClean="0"/>
-              <a:t>21/03/2022</a:t>
+              <a:t>24/03/2022</a:t>
             </a:fld>
             <a:endParaRPr lang="fr-FR"/>
           </a:p>
@@ -1156,7 +1158,7 @@
           <a:p>
             <a:fld id="{09EECFAC-1254-4C1B-8D44-747D8ED10A4A}" type="datetimeFigureOut">
               <a:rPr lang="fr-FR" smtClean="0"/>
-              <a:t>21/03/2022</a:t>
+              <a:t>24/03/2022</a:t>
             </a:fld>
             <a:endParaRPr lang="fr-FR"/>
           </a:p>
@@ -1421,7 +1423,7 @@
           <a:p>
             <a:fld id="{09EECFAC-1254-4C1B-8D44-747D8ED10A4A}" type="datetimeFigureOut">
               <a:rPr lang="fr-FR" smtClean="0"/>
-              <a:t>21/03/2022</a:t>
+              <a:t>24/03/2022</a:t>
             </a:fld>
             <a:endParaRPr lang="fr-FR"/>
           </a:p>
@@ -1833,7 +1835,7 @@
           <a:p>
             <a:fld id="{09EECFAC-1254-4C1B-8D44-747D8ED10A4A}" type="datetimeFigureOut">
               <a:rPr lang="fr-FR" smtClean="0"/>
-              <a:t>21/03/2022</a:t>
+              <a:t>24/03/2022</a:t>
             </a:fld>
             <a:endParaRPr lang="fr-FR"/>
           </a:p>
@@ -1974,7 +1976,7 @@
           <a:p>
             <a:fld id="{09EECFAC-1254-4C1B-8D44-747D8ED10A4A}" type="datetimeFigureOut">
               <a:rPr lang="fr-FR" smtClean="0"/>
-              <a:t>21/03/2022</a:t>
+              <a:t>24/03/2022</a:t>
             </a:fld>
             <a:endParaRPr lang="fr-FR"/>
           </a:p>
@@ -2087,7 +2089,7 @@
           <a:p>
             <a:fld id="{09EECFAC-1254-4C1B-8D44-747D8ED10A4A}" type="datetimeFigureOut">
               <a:rPr lang="fr-FR" smtClean="0"/>
-              <a:t>21/03/2022</a:t>
+              <a:t>24/03/2022</a:t>
             </a:fld>
             <a:endParaRPr lang="fr-FR"/>
           </a:p>
@@ -2398,7 +2400,7 @@
           <a:p>
             <a:fld id="{09EECFAC-1254-4C1B-8D44-747D8ED10A4A}" type="datetimeFigureOut">
               <a:rPr lang="fr-FR" smtClean="0"/>
-              <a:t>21/03/2022</a:t>
+              <a:t>24/03/2022</a:t>
             </a:fld>
             <a:endParaRPr lang="fr-FR"/>
           </a:p>
@@ -2686,7 +2688,7 @@
           <a:p>
             <a:fld id="{09EECFAC-1254-4C1B-8D44-747D8ED10A4A}" type="datetimeFigureOut">
               <a:rPr lang="fr-FR" smtClean="0"/>
-              <a:t>21/03/2022</a:t>
+              <a:t>24/03/2022</a:t>
             </a:fld>
             <a:endParaRPr lang="fr-FR"/>
           </a:p>
@@ -2927,7 +2929,7 @@
           <a:p>
             <a:fld id="{09EECFAC-1254-4C1B-8D44-747D8ED10A4A}" type="datetimeFigureOut">
               <a:rPr lang="fr-FR" smtClean="0"/>
-              <a:t>21/03/2022</a:t>
+              <a:t>24/03/2022</a:t>
             </a:fld>
             <a:endParaRPr lang="fr-FR"/>
           </a:p>
@@ -3328,6 +3330,6822 @@
 </file>
 
 <file path=ppt/slides/slide1.xml><?xml version="1.0" encoding="utf-8"?>
+<p:sld xmlns:a="http://schemas.openxmlformats.org/drawingml/2006/main" xmlns:r="http://schemas.openxmlformats.org/officeDocument/2006/relationships" xmlns:p="http://schemas.openxmlformats.org/presentationml/2006/main">
+  <p:cSld>
+    <p:spTree>
+      <p:nvGrpSpPr>
+        <p:cNvPr id="1" name=""/>
+        <p:cNvGrpSpPr/>
+        <p:nvPr/>
+      </p:nvGrpSpPr>
+      <p:grpSpPr>
+        <a:xfrm>
+          <a:off x="0" y="0"/>
+          <a:ext cx="0" cy="0"/>
+          <a:chOff x="0" y="0"/>
+          <a:chExt cx="0" cy="0"/>
+        </a:xfrm>
+      </p:grpSpPr>
+      <p:sp>
+        <p:nvSpPr>
+          <p:cNvPr id="4" name="Ellipse 3">
+            <a:extLst>
+              <a:ext uri="{FF2B5EF4-FFF2-40B4-BE49-F238E27FC236}">
+                <a16:creationId xmlns:a16="http://schemas.microsoft.com/office/drawing/2014/main" id="{970E741C-D2BD-49B1-B0BA-A88B54547657}"/>
+              </a:ext>
+            </a:extLst>
+          </p:cNvPr>
+          <p:cNvSpPr/>
+          <p:nvPr/>
+        </p:nvSpPr>
+        <p:spPr>
+          <a:xfrm>
+            <a:off x="3193573" y="3147005"/>
+            <a:ext cx="1241946" cy="600502"/>
+          </a:xfrm>
+          <a:prstGeom prst="ellipse">
+            <a:avLst/>
+          </a:prstGeom>
+          <a:noFill/>
+          <a:ln w="28575">
+            <a:solidFill>
+              <a:srgbClr val="0070C0"/>
+            </a:solidFill>
+          </a:ln>
+        </p:spPr>
+        <p:style>
+          <a:lnRef idx="2">
+            <a:schemeClr val="accent1">
+              <a:shade val="50000"/>
+            </a:schemeClr>
+          </a:lnRef>
+          <a:fillRef idx="1">
+            <a:schemeClr val="accent1"/>
+          </a:fillRef>
+          <a:effectRef idx="0">
+            <a:schemeClr val="accent1"/>
+          </a:effectRef>
+          <a:fontRef idx="minor">
+            <a:schemeClr val="lt1"/>
+          </a:fontRef>
+        </p:style>
+        <p:txBody>
+          <a:bodyPr rtlCol="0" anchor="ctr"/>
+          <a:lstStyle/>
+          <a:p>
+            <a:pPr algn="ctr"/>
+            <a:r>
+              <a:rPr lang="fr-FR" b="1" dirty="0">
+                <a:solidFill>
+                  <a:schemeClr val="tx1"/>
+                </a:solidFill>
+              </a:rPr>
+              <a:t>Pode 2</a:t>
+            </a:r>
+          </a:p>
+        </p:txBody>
+      </p:sp>
+      <p:sp>
+        <p:nvSpPr>
+          <p:cNvPr id="5" name="Ellipse 4">
+            <a:extLst>
+              <a:ext uri="{FF2B5EF4-FFF2-40B4-BE49-F238E27FC236}">
+                <a16:creationId xmlns:a16="http://schemas.microsoft.com/office/drawing/2014/main" id="{79782BC4-81C1-4BC9-9AAB-44AC0DAEA600}"/>
+              </a:ext>
+            </a:extLst>
+          </p:cNvPr>
+          <p:cNvSpPr/>
+          <p:nvPr/>
+        </p:nvSpPr>
+        <p:spPr>
+          <a:xfrm>
+            <a:off x="5475027" y="3147005"/>
+            <a:ext cx="1241946" cy="600502"/>
+          </a:xfrm>
+          <a:prstGeom prst="ellipse">
+            <a:avLst/>
+          </a:prstGeom>
+          <a:noFill/>
+          <a:ln w="28575">
+            <a:solidFill>
+              <a:schemeClr val="accent2"/>
+            </a:solidFill>
+          </a:ln>
+        </p:spPr>
+        <p:style>
+          <a:lnRef idx="2">
+            <a:schemeClr val="accent1">
+              <a:shade val="50000"/>
+            </a:schemeClr>
+          </a:lnRef>
+          <a:fillRef idx="1">
+            <a:schemeClr val="accent1"/>
+          </a:fillRef>
+          <a:effectRef idx="0">
+            <a:schemeClr val="accent1"/>
+          </a:effectRef>
+          <a:fontRef idx="minor">
+            <a:schemeClr val="lt1"/>
+          </a:fontRef>
+        </p:style>
+        <p:txBody>
+          <a:bodyPr rtlCol="0" anchor="ctr"/>
+          <a:lstStyle/>
+          <a:p>
+            <a:pPr algn="ctr"/>
+            <a:r>
+              <a:rPr lang="fr-FR" b="1" dirty="0">
+                <a:solidFill>
+                  <a:schemeClr val="tx1"/>
+                </a:solidFill>
+              </a:rPr>
+              <a:t>Pode 1</a:t>
+            </a:r>
+          </a:p>
+        </p:txBody>
+      </p:sp>
+      <p:sp>
+        <p:nvSpPr>
+          <p:cNvPr id="6" name="Ellipse 5">
+            <a:extLst>
+              <a:ext uri="{FF2B5EF4-FFF2-40B4-BE49-F238E27FC236}">
+                <a16:creationId xmlns:a16="http://schemas.microsoft.com/office/drawing/2014/main" id="{01C516E6-3143-44D7-B17D-38BF5171D3E3}"/>
+              </a:ext>
+            </a:extLst>
+          </p:cNvPr>
+          <p:cNvSpPr/>
+          <p:nvPr/>
+        </p:nvSpPr>
+        <p:spPr>
+          <a:xfrm>
+            <a:off x="7756481" y="3147005"/>
+            <a:ext cx="1241946" cy="600502"/>
+          </a:xfrm>
+          <a:prstGeom prst="ellipse">
+            <a:avLst/>
+          </a:prstGeom>
+          <a:noFill/>
+          <a:ln w="28575">
+            <a:solidFill>
+              <a:srgbClr val="7030A0"/>
+            </a:solidFill>
+          </a:ln>
+        </p:spPr>
+        <p:style>
+          <a:lnRef idx="2">
+            <a:schemeClr val="accent1">
+              <a:shade val="50000"/>
+            </a:schemeClr>
+          </a:lnRef>
+          <a:fillRef idx="1">
+            <a:schemeClr val="accent1"/>
+          </a:fillRef>
+          <a:effectRef idx="0">
+            <a:schemeClr val="accent1"/>
+          </a:effectRef>
+          <a:fontRef idx="minor">
+            <a:schemeClr val="lt1"/>
+          </a:fontRef>
+        </p:style>
+        <p:txBody>
+          <a:bodyPr rtlCol="0" anchor="ctr"/>
+          <a:lstStyle/>
+          <a:p>
+            <a:pPr algn="ctr"/>
+            <a:r>
+              <a:rPr lang="fr-FR" b="1" dirty="0">
+                <a:solidFill>
+                  <a:schemeClr val="tx1"/>
+                </a:solidFill>
+              </a:rPr>
+              <a:t>Pode 3</a:t>
+            </a:r>
+          </a:p>
+        </p:txBody>
+      </p:sp>
+      <p:sp>
+        <p:nvSpPr>
+          <p:cNvPr id="9" name="Ellipse 8">
+            <a:extLst>
+              <a:ext uri="{FF2B5EF4-FFF2-40B4-BE49-F238E27FC236}">
+                <a16:creationId xmlns:a16="http://schemas.microsoft.com/office/drawing/2014/main" id="{EB161F17-0151-422E-8B31-B1D6740EF69A}"/>
+              </a:ext>
+            </a:extLst>
+          </p:cNvPr>
+          <p:cNvSpPr/>
+          <p:nvPr/>
+        </p:nvSpPr>
+        <p:spPr>
+          <a:xfrm>
+            <a:off x="5826000" y="2158945"/>
+            <a:ext cx="540000" cy="540000"/>
+          </a:xfrm>
+          <a:prstGeom prst="ellipse">
+            <a:avLst/>
+          </a:prstGeom>
+          <a:noFill/>
+          <a:ln w="28575">
+            <a:solidFill>
+              <a:schemeClr val="tx1"/>
+            </a:solidFill>
+          </a:ln>
+        </p:spPr>
+        <p:style>
+          <a:lnRef idx="2">
+            <a:schemeClr val="accent1">
+              <a:shade val="50000"/>
+            </a:schemeClr>
+          </a:lnRef>
+          <a:fillRef idx="1">
+            <a:schemeClr val="accent1"/>
+          </a:fillRef>
+          <a:effectRef idx="0">
+            <a:schemeClr val="accent1"/>
+          </a:effectRef>
+          <a:fontRef idx="minor">
+            <a:schemeClr val="lt1"/>
+          </a:fontRef>
+        </p:style>
+        <p:txBody>
+          <a:bodyPr rtlCol="0" anchor="ctr"/>
+          <a:lstStyle/>
+          <a:p>
+            <a:pPr algn="ctr"/>
+            <a:r>
+              <a:rPr lang="fr-FR" b="1" dirty="0">
+                <a:solidFill>
+                  <a:schemeClr val="tx1"/>
+                </a:solidFill>
+              </a:rPr>
+              <a:t>1</a:t>
+            </a:r>
+            <a:r>
+              <a:rPr lang="fr-FR" b="1" baseline="-25000" dirty="0">
+                <a:solidFill>
+                  <a:schemeClr val="tx1"/>
+                </a:solidFill>
+              </a:rPr>
+              <a:t>g</a:t>
+            </a:r>
+          </a:p>
+        </p:txBody>
+      </p:sp>
+      <p:cxnSp>
+        <p:nvCxnSpPr>
+          <p:cNvPr id="16" name="Connecteur droit 15">
+            <a:extLst>
+              <a:ext uri="{FF2B5EF4-FFF2-40B4-BE49-F238E27FC236}">
+                <a16:creationId xmlns:a16="http://schemas.microsoft.com/office/drawing/2014/main" id="{7C5999CE-45AF-4712-A18E-242BEBAE6552}"/>
+              </a:ext>
+            </a:extLst>
+          </p:cNvPr>
+          <p:cNvCxnSpPr>
+            <a:stCxn id="7" idx="4"/>
+            <a:endCxn id="4" idx="0"/>
+          </p:cNvCxnSpPr>
+          <p:nvPr/>
+        </p:nvCxnSpPr>
+        <p:spPr>
+          <a:xfrm>
+            <a:off x="3814546" y="2698945"/>
+            <a:ext cx="0" cy="448060"/>
+          </a:xfrm>
+          <a:prstGeom prst="line">
+            <a:avLst/>
+          </a:prstGeom>
+          <a:noFill/>
+          <a:ln w="28575">
+            <a:solidFill>
+              <a:schemeClr val="tx1"/>
+            </a:solidFill>
+          </a:ln>
+        </p:spPr>
+        <p:style>
+          <a:lnRef idx="2">
+            <a:schemeClr val="accent1">
+              <a:shade val="50000"/>
+            </a:schemeClr>
+          </a:lnRef>
+          <a:fillRef idx="1">
+            <a:schemeClr val="accent1"/>
+          </a:fillRef>
+          <a:effectRef idx="0">
+            <a:schemeClr val="accent1"/>
+          </a:effectRef>
+          <a:fontRef idx="minor">
+            <a:schemeClr val="lt1"/>
+          </a:fontRef>
+        </p:style>
+      </p:cxnSp>
+      <p:cxnSp>
+        <p:nvCxnSpPr>
+          <p:cNvPr id="17" name="Connecteur droit 16">
+            <a:extLst>
+              <a:ext uri="{FF2B5EF4-FFF2-40B4-BE49-F238E27FC236}">
+                <a16:creationId xmlns:a16="http://schemas.microsoft.com/office/drawing/2014/main" id="{7094B753-AC8C-42FB-852E-FC37B585FDEB}"/>
+              </a:ext>
+            </a:extLst>
+          </p:cNvPr>
+          <p:cNvCxnSpPr>
+            <a:cxnSpLocks/>
+            <a:stCxn id="4" idx="4"/>
+          </p:cNvCxnSpPr>
+          <p:nvPr/>
+        </p:nvCxnSpPr>
+        <p:spPr>
+          <a:xfrm>
+            <a:off x="3814546" y="3747507"/>
+            <a:ext cx="0" cy="393395"/>
+          </a:xfrm>
+          <a:prstGeom prst="line">
+            <a:avLst/>
+          </a:prstGeom>
+          <a:noFill/>
+          <a:ln w="28575">
+            <a:solidFill>
+              <a:schemeClr val="tx1"/>
+            </a:solidFill>
+          </a:ln>
+        </p:spPr>
+        <p:style>
+          <a:lnRef idx="2">
+            <a:schemeClr val="accent1">
+              <a:shade val="50000"/>
+            </a:schemeClr>
+          </a:lnRef>
+          <a:fillRef idx="1">
+            <a:schemeClr val="accent1"/>
+          </a:fillRef>
+          <a:effectRef idx="0">
+            <a:schemeClr val="accent1"/>
+          </a:effectRef>
+          <a:fontRef idx="minor">
+            <a:schemeClr val="lt1"/>
+          </a:fontRef>
+        </p:style>
+      </p:cxnSp>
+      <p:cxnSp>
+        <p:nvCxnSpPr>
+          <p:cNvPr id="24" name="Connecteur droit 23">
+            <a:extLst>
+              <a:ext uri="{FF2B5EF4-FFF2-40B4-BE49-F238E27FC236}">
+                <a16:creationId xmlns:a16="http://schemas.microsoft.com/office/drawing/2014/main" id="{73A2E2AE-71C4-4B71-9D7C-0F168A272EB9}"/>
+              </a:ext>
+            </a:extLst>
+          </p:cNvPr>
+          <p:cNvCxnSpPr>
+            <a:cxnSpLocks/>
+            <a:stCxn id="6" idx="4"/>
+          </p:cNvCxnSpPr>
+          <p:nvPr/>
+        </p:nvCxnSpPr>
+        <p:spPr>
+          <a:xfrm>
+            <a:off x="8377454" y="3747507"/>
+            <a:ext cx="0" cy="393395"/>
+          </a:xfrm>
+          <a:prstGeom prst="line">
+            <a:avLst/>
+          </a:prstGeom>
+          <a:noFill/>
+          <a:ln w="28575">
+            <a:solidFill>
+              <a:schemeClr val="tx1"/>
+            </a:solidFill>
+          </a:ln>
+        </p:spPr>
+        <p:style>
+          <a:lnRef idx="2">
+            <a:schemeClr val="accent1">
+              <a:shade val="50000"/>
+            </a:schemeClr>
+          </a:lnRef>
+          <a:fillRef idx="1">
+            <a:schemeClr val="accent1"/>
+          </a:fillRef>
+          <a:effectRef idx="0">
+            <a:schemeClr val="accent1"/>
+          </a:effectRef>
+          <a:fontRef idx="minor">
+            <a:schemeClr val="lt1"/>
+          </a:fontRef>
+        </p:style>
+      </p:cxnSp>
+      <p:cxnSp>
+        <p:nvCxnSpPr>
+          <p:cNvPr id="27" name="Connecteur droit 26">
+            <a:extLst>
+              <a:ext uri="{FF2B5EF4-FFF2-40B4-BE49-F238E27FC236}">
+                <a16:creationId xmlns:a16="http://schemas.microsoft.com/office/drawing/2014/main" id="{825FBBD5-53E0-4D89-8DA4-A04B3B5639F8}"/>
+              </a:ext>
+            </a:extLst>
+          </p:cNvPr>
+          <p:cNvCxnSpPr>
+            <a:cxnSpLocks/>
+            <a:stCxn id="9" idx="4"/>
+            <a:endCxn id="5" idx="0"/>
+          </p:cNvCxnSpPr>
+          <p:nvPr/>
+        </p:nvCxnSpPr>
+        <p:spPr>
+          <a:xfrm>
+            <a:off x="6096000" y="2698945"/>
+            <a:ext cx="0" cy="448060"/>
+          </a:xfrm>
+          <a:prstGeom prst="line">
+            <a:avLst/>
+          </a:prstGeom>
+          <a:noFill/>
+          <a:ln w="28575">
+            <a:solidFill>
+              <a:schemeClr val="tx1"/>
+            </a:solidFill>
+          </a:ln>
+        </p:spPr>
+        <p:style>
+          <a:lnRef idx="2">
+            <a:schemeClr val="accent1">
+              <a:shade val="50000"/>
+            </a:schemeClr>
+          </a:lnRef>
+          <a:fillRef idx="1">
+            <a:schemeClr val="accent1"/>
+          </a:fillRef>
+          <a:effectRef idx="0">
+            <a:schemeClr val="accent1"/>
+          </a:effectRef>
+          <a:fontRef idx="minor">
+            <a:schemeClr val="lt1"/>
+          </a:fontRef>
+        </p:style>
+      </p:cxnSp>
+      <p:cxnSp>
+        <p:nvCxnSpPr>
+          <p:cNvPr id="30" name="Connecteur droit 29">
+            <a:extLst>
+              <a:ext uri="{FF2B5EF4-FFF2-40B4-BE49-F238E27FC236}">
+                <a16:creationId xmlns:a16="http://schemas.microsoft.com/office/drawing/2014/main" id="{BDA19E69-C5E1-4E66-B42C-ED8E6C824E70}"/>
+              </a:ext>
+            </a:extLst>
+          </p:cNvPr>
+          <p:cNvCxnSpPr>
+            <a:cxnSpLocks/>
+            <a:stCxn id="13" idx="4"/>
+            <a:endCxn id="6" idx="0"/>
+          </p:cNvCxnSpPr>
+          <p:nvPr/>
+        </p:nvCxnSpPr>
+        <p:spPr>
+          <a:xfrm>
+            <a:off x="8377454" y="2698945"/>
+            <a:ext cx="0" cy="448060"/>
+          </a:xfrm>
+          <a:prstGeom prst="line">
+            <a:avLst/>
+          </a:prstGeom>
+          <a:noFill/>
+          <a:ln w="28575">
+            <a:solidFill>
+              <a:schemeClr val="tx1"/>
+            </a:solidFill>
+          </a:ln>
+        </p:spPr>
+        <p:style>
+          <a:lnRef idx="2">
+            <a:schemeClr val="accent1">
+              <a:shade val="50000"/>
+            </a:schemeClr>
+          </a:lnRef>
+          <a:fillRef idx="1">
+            <a:schemeClr val="accent1"/>
+          </a:fillRef>
+          <a:effectRef idx="0">
+            <a:schemeClr val="accent1"/>
+          </a:effectRef>
+          <a:fontRef idx="minor">
+            <a:schemeClr val="lt1"/>
+          </a:fontRef>
+        </p:style>
+      </p:cxnSp>
+      <p:cxnSp>
+        <p:nvCxnSpPr>
+          <p:cNvPr id="33" name="Connecteur droit 32">
+            <a:extLst>
+              <a:ext uri="{FF2B5EF4-FFF2-40B4-BE49-F238E27FC236}">
+                <a16:creationId xmlns:a16="http://schemas.microsoft.com/office/drawing/2014/main" id="{85DBE66E-E3C5-4C78-B0A4-B74F9C44633D}"/>
+              </a:ext>
+            </a:extLst>
+          </p:cNvPr>
+          <p:cNvCxnSpPr>
+            <a:cxnSpLocks/>
+            <a:stCxn id="4" idx="6"/>
+            <a:endCxn id="5" idx="2"/>
+          </p:cNvCxnSpPr>
+          <p:nvPr/>
+        </p:nvCxnSpPr>
+        <p:spPr>
+          <a:xfrm>
+            <a:off x="4435519" y="3447256"/>
+            <a:ext cx="1039508" cy="0"/>
+          </a:xfrm>
+          <a:prstGeom prst="line">
+            <a:avLst/>
+          </a:prstGeom>
+          <a:noFill/>
+          <a:ln w="28575">
+            <a:solidFill>
+              <a:schemeClr val="tx1"/>
+            </a:solidFill>
+          </a:ln>
+        </p:spPr>
+        <p:style>
+          <a:lnRef idx="2">
+            <a:schemeClr val="accent1">
+              <a:shade val="50000"/>
+            </a:schemeClr>
+          </a:lnRef>
+          <a:fillRef idx="1">
+            <a:schemeClr val="accent1"/>
+          </a:fillRef>
+          <a:effectRef idx="0">
+            <a:schemeClr val="accent1"/>
+          </a:effectRef>
+          <a:fontRef idx="minor">
+            <a:schemeClr val="lt1"/>
+          </a:fontRef>
+        </p:style>
+      </p:cxnSp>
+      <p:cxnSp>
+        <p:nvCxnSpPr>
+          <p:cNvPr id="36" name="Connecteur droit 35">
+            <a:extLst>
+              <a:ext uri="{FF2B5EF4-FFF2-40B4-BE49-F238E27FC236}">
+                <a16:creationId xmlns:a16="http://schemas.microsoft.com/office/drawing/2014/main" id="{ABB2A0E0-50E9-480A-B1AA-4CABBBDE313B}"/>
+              </a:ext>
+            </a:extLst>
+          </p:cNvPr>
+          <p:cNvCxnSpPr>
+            <a:cxnSpLocks/>
+            <a:stCxn id="5" idx="6"/>
+            <a:endCxn id="6" idx="2"/>
+          </p:cNvCxnSpPr>
+          <p:nvPr/>
+        </p:nvCxnSpPr>
+        <p:spPr>
+          <a:xfrm>
+            <a:off x="6716973" y="3447256"/>
+            <a:ext cx="1039508" cy="0"/>
+          </a:xfrm>
+          <a:prstGeom prst="line">
+            <a:avLst/>
+          </a:prstGeom>
+          <a:noFill/>
+          <a:ln w="28575">
+            <a:solidFill>
+              <a:schemeClr val="tx1"/>
+            </a:solidFill>
+          </a:ln>
+        </p:spPr>
+        <p:style>
+          <a:lnRef idx="2">
+            <a:schemeClr val="accent1">
+              <a:shade val="50000"/>
+            </a:schemeClr>
+          </a:lnRef>
+          <a:fillRef idx="1">
+            <a:schemeClr val="accent1"/>
+          </a:fillRef>
+          <a:effectRef idx="0">
+            <a:schemeClr val="accent1"/>
+          </a:effectRef>
+          <a:fontRef idx="minor">
+            <a:schemeClr val="lt1"/>
+          </a:fontRef>
+        </p:style>
+      </p:cxnSp>
+      <p:cxnSp>
+        <p:nvCxnSpPr>
+          <p:cNvPr id="42" name="Connecteur droit 41">
+            <a:extLst>
+              <a:ext uri="{FF2B5EF4-FFF2-40B4-BE49-F238E27FC236}">
+                <a16:creationId xmlns:a16="http://schemas.microsoft.com/office/drawing/2014/main" id="{C1EF57F6-054A-412B-9E9F-3A1A965F2698}"/>
+              </a:ext>
+            </a:extLst>
+          </p:cNvPr>
+          <p:cNvCxnSpPr>
+            <a:cxnSpLocks/>
+          </p:cNvCxnSpPr>
+          <p:nvPr/>
+        </p:nvCxnSpPr>
+        <p:spPr>
+          <a:xfrm flipV="1">
+            <a:off x="3814546" y="1288443"/>
+            <a:ext cx="2281454" cy="1140502"/>
+          </a:xfrm>
+          <a:prstGeom prst="line">
+            <a:avLst/>
+          </a:prstGeom>
+          <a:noFill/>
+          <a:ln w="28575">
+            <a:solidFill>
+              <a:schemeClr val="tx1"/>
+            </a:solidFill>
+          </a:ln>
+        </p:spPr>
+        <p:style>
+          <a:lnRef idx="2">
+            <a:schemeClr val="accent1">
+              <a:shade val="50000"/>
+            </a:schemeClr>
+          </a:lnRef>
+          <a:fillRef idx="1">
+            <a:schemeClr val="accent1"/>
+          </a:fillRef>
+          <a:effectRef idx="0">
+            <a:schemeClr val="accent1"/>
+          </a:effectRef>
+          <a:fontRef idx="minor">
+            <a:schemeClr val="lt1"/>
+          </a:fontRef>
+        </p:style>
+      </p:cxnSp>
+      <p:cxnSp>
+        <p:nvCxnSpPr>
+          <p:cNvPr id="49" name="Connecteur droit 48">
+            <a:extLst>
+              <a:ext uri="{FF2B5EF4-FFF2-40B4-BE49-F238E27FC236}">
+                <a16:creationId xmlns:a16="http://schemas.microsoft.com/office/drawing/2014/main" id="{E82A9483-62BB-4955-A906-8C0F7821247A}"/>
+              </a:ext>
+            </a:extLst>
+          </p:cNvPr>
+          <p:cNvCxnSpPr>
+            <a:cxnSpLocks/>
+            <a:stCxn id="41" idx="4"/>
+            <a:endCxn id="9" idx="0"/>
+          </p:cNvCxnSpPr>
+          <p:nvPr/>
+        </p:nvCxnSpPr>
+        <p:spPr>
+          <a:xfrm>
+            <a:off x="6096000" y="1558443"/>
+            <a:ext cx="0" cy="600502"/>
+          </a:xfrm>
+          <a:prstGeom prst="line">
+            <a:avLst/>
+          </a:prstGeom>
+          <a:noFill/>
+          <a:ln w="28575">
+            <a:solidFill>
+              <a:schemeClr val="tx1"/>
+            </a:solidFill>
+          </a:ln>
+        </p:spPr>
+        <p:style>
+          <a:lnRef idx="2">
+            <a:schemeClr val="accent1">
+              <a:shade val="50000"/>
+            </a:schemeClr>
+          </a:lnRef>
+          <a:fillRef idx="1">
+            <a:schemeClr val="accent1"/>
+          </a:fillRef>
+          <a:effectRef idx="0">
+            <a:schemeClr val="accent1"/>
+          </a:effectRef>
+          <a:fontRef idx="minor">
+            <a:schemeClr val="lt1"/>
+          </a:fontRef>
+        </p:style>
+      </p:cxnSp>
+      <p:sp>
+        <p:nvSpPr>
+          <p:cNvPr id="41" name="Ellipse 40">
+            <a:extLst>
+              <a:ext uri="{FF2B5EF4-FFF2-40B4-BE49-F238E27FC236}">
+                <a16:creationId xmlns:a16="http://schemas.microsoft.com/office/drawing/2014/main" id="{17E034F2-A174-4006-A50C-8D54A928AB95}"/>
+              </a:ext>
+            </a:extLst>
+          </p:cNvPr>
+          <p:cNvSpPr/>
+          <p:nvPr/>
+        </p:nvSpPr>
+        <p:spPr>
+          <a:xfrm>
+            <a:off x="5826000" y="1018443"/>
+            <a:ext cx="540000" cy="540000"/>
+          </a:xfrm>
+          <a:prstGeom prst="ellipse">
+            <a:avLst/>
+          </a:prstGeom>
+          <a:solidFill>
+            <a:schemeClr val="bg1">
+              <a:lumMod val="85000"/>
+            </a:schemeClr>
+          </a:solidFill>
+          <a:ln w="28575">
+            <a:solidFill>
+              <a:schemeClr val="tx1"/>
+            </a:solidFill>
+          </a:ln>
+        </p:spPr>
+        <p:style>
+          <a:lnRef idx="2">
+            <a:schemeClr val="accent1">
+              <a:shade val="50000"/>
+            </a:schemeClr>
+          </a:lnRef>
+          <a:fillRef idx="1">
+            <a:schemeClr val="accent1"/>
+          </a:fillRef>
+          <a:effectRef idx="0">
+            <a:schemeClr val="accent1"/>
+          </a:effectRef>
+          <a:fontRef idx="minor">
+            <a:schemeClr val="lt1"/>
+          </a:fontRef>
+        </p:style>
+        <p:txBody>
+          <a:bodyPr rtlCol="0" anchor="ctr"/>
+          <a:lstStyle/>
+          <a:p>
+            <a:pPr algn="ctr"/>
+            <a:r>
+              <a:rPr lang="fr-FR" b="1" dirty="0">
+                <a:solidFill>
+                  <a:schemeClr val="tx1"/>
+                </a:solidFill>
+              </a:rPr>
+              <a:t>0</a:t>
+            </a:r>
+          </a:p>
+        </p:txBody>
+      </p:sp>
+      <p:sp>
+        <p:nvSpPr>
+          <p:cNvPr id="7" name="Ellipse 6">
+            <a:extLst>
+              <a:ext uri="{FF2B5EF4-FFF2-40B4-BE49-F238E27FC236}">
+                <a16:creationId xmlns:a16="http://schemas.microsoft.com/office/drawing/2014/main" id="{B7387967-30F3-482C-88D4-6D895C3E527E}"/>
+              </a:ext>
+            </a:extLst>
+          </p:cNvPr>
+          <p:cNvSpPr/>
+          <p:nvPr/>
+        </p:nvSpPr>
+        <p:spPr>
+          <a:xfrm>
+            <a:off x="3544546" y="2158945"/>
+            <a:ext cx="540000" cy="540000"/>
+          </a:xfrm>
+          <a:prstGeom prst="ellipse">
+            <a:avLst/>
+          </a:prstGeom>
+          <a:solidFill>
+            <a:schemeClr val="bg1"/>
+          </a:solidFill>
+          <a:ln w="28575">
+            <a:solidFill>
+              <a:schemeClr val="tx1"/>
+            </a:solidFill>
+          </a:ln>
+        </p:spPr>
+        <p:style>
+          <a:lnRef idx="2">
+            <a:schemeClr val="accent1">
+              <a:shade val="50000"/>
+            </a:schemeClr>
+          </a:lnRef>
+          <a:fillRef idx="1">
+            <a:schemeClr val="accent1"/>
+          </a:fillRef>
+          <a:effectRef idx="0">
+            <a:schemeClr val="accent1"/>
+          </a:effectRef>
+          <a:fontRef idx="minor">
+            <a:schemeClr val="lt1"/>
+          </a:fontRef>
+        </p:style>
+        <p:txBody>
+          <a:bodyPr rtlCol="0" anchor="ctr"/>
+          <a:lstStyle/>
+          <a:p>
+            <a:pPr algn="ctr"/>
+            <a:r>
+              <a:rPr lang="fr-FR" b="1" dirty="0">
+                <a:solidFill>
+                  <a:schemeClr val="tx1"/>
+                </a:solidFill>
+              </a:rPr>
+              <a:t>2</a:t>
+            </a:r>
+            <a:r>
+              <a:rPr lang="fr-FR" b="1" baseline="-25000" dirty="0">
+                <a:solidFill>
+                  <a:schemeClr val="tx1"/>
+                </a:solidFill>
+              </a:rPr>
+              <a:t>g</a:t>
+            </a:r>
+          </a:p>
+        </p:txBody>
+      </p:sp>
+      <p:sp>
+        <p:nvSpPr>
+          <p:cNvPr id="13" name="Ellipse 12">
+            <a:extLst>
+              <a:ext uri="{FF2B5EF4-FFF2-40B4-BE49-F238E27FC236}">
+                <a16:creationId xmlns:a16="http://schemas.microsoft.com/office/drawing/2014/main" id="{96D65CD2-3ABB-42D8-A34A-B2A57930E580}"/>
+              </a:ext>
+            </a:extLst>
+          </p:cNvPr>
+          <p:cNvSpPr/>
+          <p:nvPr/>
+        </p:nvSpPr>
+        <p:spPr>
+          <a:xfrm>
+            <a:off x="8107454" y="2158945"/>
+            <a:ext cx="540000" cy="540000"/>
+          </a:xfrm>
+          <a:prstGeom prst="ellipse">
+            <a:avLst/>
+          </a:prstGeom>
+          <a:solidFill>
+            <a:schemeClr val="bg1"/>
+          </a:solidFill>
+          <a:ln w="28575">
+            <a:solidFill>
+              <a:schemeClr val="tx1"/>
+            </a:solidFill>
+          </a:ln>
+        </p:spPr>
+        <p:style>
+          <a:lnRef idx="2">
+            <a:schemeClr val="accent1">
+              <a:shade val="50000"/>
+            </a:schemeClr>
+          </a:lnRef>
+          <a:fillRef idx="1">
+            <a:schemeClr val="accent1"/>
+          </a:fillRef>
+          <a:effectRef idx="0">
+            <a:schemeClr val="accent1"/>
+          </a:effectRef>
+          <a:fontRef idx="minor">
+            <a:schemeClr val="lt1"/>
+          </a:fontRef>
+        </p:style>
+        <p:txBody>
+          <a:bodyPr rtlCol="0" anchor="ctr"/>
+          <a:lstStyle/>
+          <a:p>
+            <a:pPr algn="ctr"/>
+            <a:r>
+              <a:rPr lang="fr-FR" b="1" dirty="0">
+                <a:solidFill>
+                  <a:schemeClr val="tx1"/>
+                </a:solidFill>
+              </a:rPr>
+              <a:t>3</a:t>
+            </a:r>
+            <a:r>
+              <a:rPr lang="fr-FR" b="1" baseline="-25000" dirty="0">
+                <a:solidFill>
+                  <a:schemeClr val="tx1"/>
+                </a:solidFill>
+              </a:rPr>
+              <a:t>g</a:t>
+            </a:r>
+          </a:p>
+        </p:txBody>
+      </p:sp>
+      <p:sp>
+        <p:nvSpPr>
+          <p:cNvPr id="61" name="Signe de multiplication 60">
+            <a:extLst>
+              <a:ext uri="{FF2B5EF4-FFF2-40B4-BE49-F238E27FC236}">
+                <a16:creationId xmlns:a16="http://schemas.microsoft.com/office/drawing/2014/main" id="{56A73B88-1800-4444-BC62-7512AEA7B98F}"/>
+              </a:ext>
+            </a:extLst>
+          </p:cNvPr>
+          <p:cNvSpPr/>
+          <p:nvPr/>
+        </p:nvSpPr>
+        <p:spPr>
+          <a:xfrm>
+            <a:off x="3704817" y="2809439"/>
+            <a:ext cx="219456" cy="219456"/>
+          </a:xfrm>
+          <a:prstGeom prst="mathMultiply">
+            <a:avLst/>
+          </a:prstGeom>
+        </p:spPr>
+        <p:style>
+          <a:lnRef idx="2">
+            <a:schemeClr val="dk1">
+              <a:shade val="50000"/>
+            </a:schemeClr>
+          </a:lnRef>
+          <a:fillRef idx="1">
+            <a:schemeClr val="dk1"/>
+          </a:fillRef>
+          <a:effectRef idx="0">
+            <a:schemeClr val="dk1"/>
+          </a:effectRef>
+          <a:fontRef idx="minor">
+            <a:schemeClr val="lt1"/>
+          </a:fontRef>
+        </p:style>
+        <p:txBody>
+          <a:bodyPr rtlCol="0" anchor="ctr"/>
+          <a:lstStyle/>
+          <a:p>
+            <a:pPr algn="ctr"/>
+            <a:endParaRPr lang="fr-FR"/>
+          </a:p>
+        </p:txBody>
+      </p:sp>
+      <p:sp>
+        <p:nvSpPr>
+          <p:cNvPr id="62" name="Signe de multiplication 61">
+            <a:extLst>
+              <a:ext uri="{FF2B5EF4-FFF2-40B4-BE49-F238E27FC236}">
+                <a16:creationId xmlns:a16="http://schemas.microsoft.com/office/drawing/2014/main" id="{AE361FFD-D453-4A23-8FEA-35D016460C65}"/>
+              </a:ext>
+            </a:extLst>
+          </p:cNvPr>
+          <p:cNvSpPr/>
+          <p:nvPr/>
+        </p:nvSpPr>
+        <p:spPr>
+          <a:xfrm>
+            <a:off x="3704817" y="3834476"/>
+            <a:ext cx="219456" cy="219456"/>
+          </a:xfrm>
+          <a:prstGeom prst="mathMultiply">
+            <a:avLst/>
+          </a:prstGeom>
+        </p:spPr>
+        <p:style>
+          <a:lnRef idx="2">
+            <a:schemeClr val="dk1">
+              <a:shade val="50000"/>
+            </a:schemeClr>
+          </a:lnRef>
+          <a:fillRef idx="1">
+            <a:schemeClr val="dk1"/>
+          </a:fillRef>
+          <a:effectRef idx="0">
+            <a:schemeClr val="dk1"/>
+          </a:effectRef>
+          <a:fontRef idx="minor">
+            <a:schemeClr val="lt1"/>
+          </a:fontRef>
+        </p:style>
+        <p:txBody>
+          <a:bodyPr rtlCol="0" anchor="ctr"/>
+          <a:lstStyle/>
+          <a:p>
+            <a:pPr algn="ctr"/>
+            <a:endParaRPr lang="fr-FR"/>
+          </a:p>
+        </p:txBody>
+      </p:sp>
+      <p:sp>
+        <p:nvSpPr>
+          <p:cNvPr id="64" name="Signe de multiplication 63">
+            <a:extLst>
+              <a:ext uri="{FF2B5EF4-FFF2-40B4-BE49-F238E27FC236}">
+                <a16:creationId xmlns:a16="http://schemas.microsoft.com/office/drawing/2014/main" id="{48C4BD9E-1465-437D-9AB1-25EA3C8B3309}"/>
+              </a:ext>
+            </a:extLst>
+          </p:cNvPr>
+          <p:cNvSpPr/>
+          <p:nvPr/>
+        </p:nvSpPr>
+        <p:spPr>
+          <a:xfrm>
+            <a:off x="8267726" y="2784487"/>
+            <a:ext cx="219456" cy="219456"/>
+          </a:xfrm>
+          <a:prstGeom prst="mathMultiply">
+            <a:avLst/>
+          </a:prstGeom>
+        </p:spPr>
+        <p:style>
+          <a:lnRef idx="2">
+            <a:schemeClr val="dk1">
+              <a:shade val="50000"/>
+            </a:schemeClr>
+          </a:lnRef>
+          <a:fillRef idx="1">
+            <a:schemeClr val="dk1"/>
+          </a:fillRef>
+          <a:effectRef idx="0">
+            <a:schemeClr val="dk1"/>
+          </a:effectRef>
+          <a:fontRef idx="minor">
+            <a:schemeClr val="lt1"/>
+          </a:fontRef>
+        </p:style>
+        <p:txBody>
+          <a:bodyPr rtlCol="0" anchor="ctr"/>
+          <a:lstStyle/>
+          <a:p>
+            <a:pPr algn="ctr"/>
+            <a:endParaRPr lang="fr-FR"/>
+          </a:p>
+        </p:txBody>
+      </p:sp>
+      <p:sp>
+        <p:nvSpPr>
+          <p:cNvPr id="65" name="Signe de multiplication 64">
+            <a:extLst>
+              <a:ext uri="{FF2B5EF4-FFF2-40B4-BE49-F238E27FC236}">
+                <a16:creationId xmlns:a16="http://schemas.microsoft.com/office/drawing/2014/main" id="{B2AD9AFA-109C-4A81-88E0-F01AE1BBCA63}"/>
+              </a:ext>
+            </a:extLst>
+          </p:cNvPr>
+          <p:cNvSpPr/>
+          <p:nvPr/>
+        </p:nvSpPr>
+        <p:spPr>
+          <a:xfrm>
+            <a:off x="8267726" y="3809524"/>
+            <a:ext cx="219456" cy="219456"/>
+          </a:xfrm>
+          <a:prstGeom prst="mathMultiply">
+            <a:avLst/>
+          </a:prstGeom>
+        </p:spPr>
+        <p:style>
+          <a:lnRef idx="2">
+            <a:schemeClr val="dk1">
+              <a:shade val="50000"/>
+            </a:schemeClr>
+          </a:lnRef>
+          <a:fillRef idx="1">
+            <a:schemeClr val="dk1"/>
+          </a:fillRef>
+          <a:effectRef idx="0">
+            <a:schemeClr val="dk1"/>
+          </a:effectRef>
+          <a:fontRef idx="minor">
+            <a:schemeClr val="lt1"/>
+          </a:fontRef>
+        </p:style>
+        <p:txBody>
+          <a:bodyPr rtlCol="0" anchor="ctr"/>
+          <a:lstStyle/>
+          <a:p>
+            <a:pPr algn="ctr"/>
+            <a:endParaRPr lang="fr-FR"/>
+          </a:p>
+        </p:txBody>
+      </p:sp>
+      <p:grpSp>
+        <p:nvGrpSpPr>
+          <p:cNvPr id="73" name="Groupe 72">
+            <a:extLst>
+              <a:ext uri="{FF2B5EF4-FFF2-40B4-BE49-F238E27FC236}">
+                <a16:creationId xmlns:a16="http://schemas.microsoft.com/office/drawing/2014/main" id="{E15C5DFB-2718-4541-A495-8DB3A5CD952F}"/>
+              </a:ext>
+            </a:extLst>
+          </p:cNvPr>
+          <p:cNvGrpSpPr/>
+          <p:nvPr/>
+        </p:nvGrpSpPr>
+        <p:grpSpPr>
+          <a:xfrm>
+            <a:off x="5916000" y="693209"/>
+            <a:ext cx="360000" cy="325234"/>
+            <a:chOff x="5916000" y="693209"/>
+            <a:chExt cx="360000" cy="325234"/>
+          </a:xfrm>
+        </p:grpSpPr>
+        <p:sp>
+          <p:nvSpPr>
+            <p:cNvPr id="72" name="Rectangle 71">
+              <a:extLst>
+                <a:ext uri="{FF2B5EF4-FFF2-40B4-BE49-F238E27FC236}">
+                  <a16:creationId xmlns:a16="http://schemas.microsoft.com/office/drawing/2014/main" id="{D34B4C92-32F0-469D-9C8E-43B8D189F1C3}"/>
+                </a:ext>
+              </a:extLst>
+            </p:cNvPr>
+            <p:cNvSpPr/>
+            <p:nvPr/>
+          </p:nvSpPr>
+          <p:spPr>
+            <a:xfrm>
+              <a:off x="5916000" y="693209"/>
+              <a:ext cx="360000" cy="180000"/>
+            </a:xfrm>
+            <a:prstGeom prst="rect">
+              <a:avLst/>
+            </a:prstGeom>
+            <a:solidFill>
+              <a:schemeClr val="bg1">
+                <a:lumMod val="85000"/>
+              </a:schemeClr>
+            </a:solidFill>
+            <a:ln>
+              <a:noFill/>
+            </a:ln>
+          </p:spPr>
+          <p:style>
+            <a:lnRef idx="2">
+              <a:schemeClr val="accent1">
+                <a:shade val="50000"/>
+              </a:schemeClr>
+            </a:lnRef>
+            <a:fillRef idx="1">
+              <a:schemeClr val="accent1"/>
+            </a:fillRef>
+            <a:effectRef idx="0">
+              <a:schemeClr val="accent1"/>
+            </a:effectRef>
+            <a:fontRef idx="minor">
+              <a:schemeClr val="lt1"/>
+            </a:fontRef>
+          </p:style>
+          <p:txBody>
+            <a:bodyPr rtlCol="0" anchor="ctr"/>
+            <a:lstStyle/>
+            <a:p>
+              <a:pPr algn="ctr"/>
+              <a:endParaRPr lang="fr-FR"/>
+            </a:p>
+          </p:txBody>
+        </p:sp>
+        <p:grpSp>
+          <p:nvGrpSpPr>
+            <p:cNvPr id="71" name="Groupe 70">
+              <a:extLst>
+                <a:ext uri="{FF2B5EF4-FFF2-40B4-BE49-F238E27FC236}">
+                  <a16:creationId xmlns:a16="http://schemas.microsoft.com/office/drawing/2014/main" id="{5890246B-E46F-401A-B104-31E0F0B24B23}"/>
+                </a:ext>
+              </a:extLst>
+            </p:cNvPr>
+            <p:cNvGrpSpPr/>
+            <p:nvPr/>
+          </p:nvGrpSpPr>
+          <p:grpSpPr>
+            <a:xfrm>
+              <a:off x="5916000" y="874443"/>
+              <a:ext cx="360000" cy="144000"/>
+              <a:chOff x="5916000" y="874443"/>
+              <a:chExt cx="360000" cy="144000"/>
+            </a:xfrm>
+          </p:grpSpPr>
+          <p:cxnSp>
+            <p:nvCxnSpPr>
+              <p:cNvPr id="66" name="Connecteur droit 65">
+                <a:extLst>
+                  <a:ext uri="{FF2B5EF4-FFF2-40B4-BE49-F238E27FC236}">
+                    <a16:creationId xmlns:a16="http://schemas.microsoft.com/office/drawing/2014/main" id="{C98B502B-0F3D-44E0-BF97-33F0189CDC95}"/>
+                  </a:ext>
+                </a:extLst>
+              </p:cNvPr>
+              <p:cNvCxnSpPr>
+                <a:cxnSpLocks/>
+              </p:cNvCxnSpPr>
+              <p:nvPr/>
+            </p:nvCxnSpPr>
+            <p:spPr>
+              <a:xfrm flipV="1">
+                <a:off x="6096000" y="874443"/>
+                <a:ext cx="0" cy="144000"/>
+              </a:xfrm>
+              <a:prstGeom prst="line">
+                <a:avLst/>
+              </a:prstGeom>
+              <a:noFill/>
+              <a:ln w="28575">
+                <a:solidFill>
+                  <a:schemeClr val="tx1"/>
+                </a:solidFill>
+              </a:ln>
+            </p:spPr>
+            <p:style>
+              <a:lnRef idx="2">
+                <a:schemeClr val="accent1">
+                  <a:shade val="50000"/>
+                </a:schemeClr>
+              </a:lnRef>
+              <a:fillRef idx="1">
+                <a:schemeClr val="accent1"/>
+              </a:fillRef>
+              <a:effectRef idx="0">
+                <a:schemeClr val="accent1"/>
+              </a:effectRef>
+              <a:fontRef idx="minor">
+                <a:schemeClr val="lt1"/>
+              </a:fontRef>
+            </p:style>
+          </p:cxnSp>
+          <p:cxnSp>
+            <p:nvCxnSpPr>
+              <p:cNvPr id="69" name="Connecteur droit 68">
+                <a:extLst>
+                  <a:ext uri="{FF2B5EF4-FFF2-40B4-BE49-F238E27FC236}">
+                    <a16:creationId xmlns:a16="http://schemas.microsoft.com/office/drawing/2014/main" id="{6BD5C1C0-775C-475C-AD25-450069E511B2}"/>
+                  </a:ext>
+                </a:extLst>
+              </p:cNvPr>
+              <p:cNvCxnSpPr>
+                <a:cxnSpLocks/>
+              </p:cNvCxnSpPr>
+              <p:nvPr/>
+            </p:nvCxnSpPr>
+            <p:spPr>
+              <a:xfrm>
+                <a:off x="5916000" y="874443"/>
+                <a:ext cx="360000" cy="0"/>
+              </a:xfrm>
+              <a:prstGeom prst="line">
+                <a:avLst/>
+              </a:prstGeom>
+              <a:noFill/>
+              <a:ln w="28575">
+                <a:solidFill>
+                  <a:schemeClr val="tx1"/>
+                </a:solidFill>
+              </a:ln>
+            </p:spPr>
+            <p:style>
+              <a:lnRef idx="2">
+                <a:schemeClr val="accent1">
+                  <a:shade val="50000"/>
+                </a:schemeClr>
+              </a:lnRef>
+              <a:fillRef idx="1">
+                <a:schemeClr val="accent1"/>
+              </a:fillRef>
+              <a:effectRef idx="0">
+                <a:schemeClr val="accent1"/>
+              </a:effectRef>
+              <a:fontRef idx="minor">
+                <a:schemeClr val="lt1"/>
+              </a:fontRef>
+            </p:style>
+          </p:cxnSp>
+        </p:grpSp>
+      </p:grpSp>
+      <p:sp>
+        <p:nvSpPr>
+          <p:cNvPr id="79" name="Ellipse 78">
+            <a:extLst>
+              <a:ext uri="{FF2B5EF4-FFF2-40B4-BE49-F238E27FC236}">
+                <a16:creationId xmlns:a16="http://schemas.microsoft.com/office/drawing/2014/main" id="{084B1B8B-194B-4D5C-A2C2-4EA06FCFFFC7}"/>
+              </a:ext>
+            </a:extLst>
+          </p:cNvPr>
+          <p:cNvSpPr/>
+          <p:nvPr/>
+        </p:nvSpPr>
+        <p:spPr>
+          <a:xfrm>
+            <a:off x="6966727" y="3174741"/>
+            <a:ext cx="540000" cy="540000"/>
+          </a:xfrm>
+          <a:prstGeom prst="ellipse">
+            <a:avLst/>
+          </a:prstGeom>
+          <a:solidFill>
+            <a:schemeClr val="bg1"/>
+          </a:solidFill>
+          <a:ln w="28575">
+            <a:solidFill>
+              <a:srgbClr val="7030A0"/>
+            </a:solidFill>
+          </a:ln>
+        </p:spPr>
+        <p:style>
+          <a:lnRef idx="2">
+            <a:schemeClr val="accent1">
+              <a:shade val="50000"/>
+            </a:schemeClr>
+          </a:lnRef>
+          <a:fillRef idx="1">
+            <a:schemeClr val="accent1"/>
+          </a:fillRef>
+          <a:effectRef idx="0">
+            <a:schemeClr val="accent1"/>
+          </a:effectRef>
+          <a:fontRef idx="minor">
+            <a:schemeClr val="lt1"/>
+          </a:fontRef>
+        </p:style>
+        <p:txBody>
+          <a:bodyPr rtlCol="0" anchor="ctr"/>
+          <a:lstStyle/>
+          <a:p>
+            <a:pPr algn="ctr"/>
+            <a:r>
+              <a:rPr lang="fr-FR" b="1" dirty="0">
+                <a:solidFill>
+                  <a:schemeClr val="tx1"/>
+                </a:solidFill>
+              </a:rPr>
+              <a:t>4</a:t>
+            </a:r>
+          </a:p>
+        </p:txBody>
+      </p:sp>
+      <p:sp>
+        <p:nvSpPr>
+          <p:cNvPr id="80" name="Ellipse 79">
+            <a:extLst>
+              <a:ext uri="{FF2B5EF4-FFF2-40B4-BE49-F238E27FC236}">
+                <a16:creationId xmlns:a16="http://schemas.microsoft.com/office/drawing/2014/main" id="{5F13654B-F966-466A-A1ED-E02B7D85DB1E}"/>
+              </a:ext>
+            </a:extLst>
+          </p:cNvPr>
+          <p:cNvSpPr/>
+          <p:nvPr/>
+        </p:nvSpPr>
+        <p:spPr>
+          <a:xfrm>
+            <a:off x="4685272" y="3174741"/>
+            <a:ext cx="540000" cy="540000"/>
+          </a:xfrm>
+          <a:prstGeom prst="ellipse">
+            <a:avLst/>
+          </a:prstGeom>
+          <a:solidFill>
+            <a:schemeClr val="bg1"/>
+          </a:solidFill>
+          <a:ln w="28575">
+            <a:solidFill>
+              <a:srgbClr val="0070C0"/>
+            </a:solidFill>
+          </a:ln>
+        </p:spPr>
+        <p:style>
+          <a:lnRef idx="2">
+            <a:schemeClr val="accent1">
+              <a:shade val="50000"/>
+            </a:schemeClr>
+          </a:lnRef>
+          <a:fillRef idx="1">
+            <a:schemeClr val="accent1"/>
+          </a:fillRef>
+          <a:effectRef idx="0">
+            <a:schemeClr val="accent1"/>
+          </a:effectRef>
+          <a:fontRef idx="minor">
+            <a:schemeClr val="lt1"/>
+          </a:fontRef>
+        </p:style>
+        <p:txBody>
+          <a:bodyPr rtlCol="0" anchor="ctr"/>
+          <a:lstStyle/>
+          <a:p>
+            <a:pPr algn="ctr"/>
+            <a:r>
+              <a:rPr lang="fr-FR" b="1" dirty="0">
+                <a:solidFill>
+                  <a:schemeClr val="tx1"/>
+                </a:solidFill>
+              </a:rPr>
+              <a:t>4’</a:t>
+            </a:r>
+          </a:p>
+        </p:txBody>
+      </p:sp>
+      <mc:AlternateContent xmlns:mc="http://schemas.openxmlformats.org/markup-compatibility/2006" xmlns:a14="http://schemas.microsoft.com/office/drawing/2010/main">
+        <mc:Choice Requires="a14">
+          <p:sp>
+            <p:nvSpPr>
+              <p:cNvPr id="81" name="ZoneTexte 80">
+                <a:extLst>
+                  <a:ext uri="{FF2B5EF4-FFF2-40B4-BE49-F238E27FC236}">
+                    <a16:creationId xmlns:a16="http://schemas.microsoft.com/office/drawing/2014/main" id="{893797E9-5A4F-424F-AB89-FAB124E12684}"/>
+                  </a:ext>
+                </a:extLst>
+              </p:cNvPr>
+              <p:cNvSpPr txBox="1"/>
+              <p:nvPr/>
+            </p:nvSpPr>
+            <p:spPr>
+              <a:xfrm rot="16200000">
+                <a:off x="4810246" y="2740724"/>
+                <a:ext cx="1100256" cy="307777"/>
+              </a:xfrm>
+              <a:prstGeom prst="rect">
+                <a:avLst/>
+              </a:prstGeom>
+              <a:noFill/>
+            </p:spPr>
+            <p:txBody>
+              <a:bodyPr wrap="square" rtlCol="0">
+                <a:spAutoFit/>
+              </a:bodyPr>
+              <a:lstStyle/>
+              <a:p>
+                <a:r>
+                  <a:rPr lang="fr-FR" sz="1400" dirty="0"/>
+                  <a:t>Pivot </a:t>
+                </a:r>
+                <a14:m>
+                  <m:oMath xmlns:m="http://schemas.openxmlformats.org/officeDocument/2006/math">
+                    <m:d>
+                      <m:dPr>
+                        <m:ctrlPr>
+                          <a:rPr lang="fr-FR" sz="1400" i="1" smtClean="0">
+                            <a:latin typeface="Cambria Math" panose="02040503050406030204" pitchFamily="18" charset="0"/>
+                          </a:rPr>
+                        </m:ctrlPr>
+                      </m:dPr>
+                      <m:e>
+                        <m:r>
+                          <a:rPr lang="fr-FR" sz="1400" b="0" i="1" smtClean="0">
+                            <a:latin typeface="Cambria Math" panose="02040503050406030204" pitchFamily="18" charset="0"/>
+                          </a:rPr>
+                          <m:t>𝑋</m:t>
+                        </m:r>
+                        <m:r>
+                          <a:rPr lang="fr-FR" sz="1400" b="0" i="1" smtClean="0">
+                            <a:latin typeface="Cambria Math" panose="02040503050406030204" pitchFamily="18" charset="0"/>
+                          </a:rPr>
+                          <m:t>,</m:t>
+                        </m:r>
+                        <m:acc>
+                          <m:accPr>
+                            <m:chr m:val="⃗"/>
+                            <m:ctrlPr>
+                              <a:rPr lang="fr-FR" sz="1400" b="0" i="1" smtClean="0">
+                                <a:latin typeface="Cambria Math" panose="02040503050406030204" pitchFamily="18" charset="0"/>
+                              </a:rPr>
+                            </m:ctrlPr>
+                          </m:accPr>
+                          <m:e>
+                            <m:sSub>
+                              <m:sSubPr>
+                                <m:ctrlPr>
+                                  <a:rPr lang="fr-FR" sz="1400" i="1">
+                                    <a:latin typeface="Cambria Math" panose="02040503050406030204" pitchFamily="18" charset="0"/>
+                                  </a:rPr>
+                                </m:ctrlPr>
+                              </m:sSubPr>
+                              <m:e>
+                                <m:r>
+                                  <a:rPr lang="fr-FR" sz="1400" i="1">
+                                    <a:latin typeface="Cambria Math" panose="02040503050406030204" pitchFamily="18" charset="0"/>
+                                  </a:rPr>
+                                  <m:t>𝑥</m:t>
+                                </m:r>
+                              </m:e>
+                              <m:sub>
+                                <m:r>
+                                  <a:rPr lang="fr-FR" sz="1400" i="1">
+                                    <a:latin typeface="Cambria Math" panose="02040503050406030204" pitchFamily="18" charset="0"/>
+                                  </a:rPr>
+                                  <m:t>𝐿</m:t>
+                                </m:r>
+                              </m:sub>
+                            </m:sSub>
+                          </m:e>
+                        </m:acc>
+                      </m:e>
+                    </m:d>
+                  </m:oMath>
+                </a14:m>
+                <a:r>
+                  <a:rPr lang="fr-FR" sz="1400" dirty="0"/>
+                  <a:t> </a:t>
+                </a:r>
+              </a:p>
+            </p:txBody>
+          </p:sp>
+        </mc:Choice>
+        <mc:Fallback xmlns="">
+          <p:sp>
+            <p:nvSpPr>
+              <p:cNvPr id="81" name="ZoneTexte 80">
+                <a:extLst>
+                  <a:ext uri="{FF2B5EF4-FFF2-40B4-BE49-F238E27FC236}">
+                    <a16:creationId xmlns:a16="http://schemas.microsoft.com/office/drawing/2014/main" id="{893797E9-5A4F-424F-AB89-FAB124E12684}"/>
+                  </a:ext>
+                </a:extLst>
+              </p:cNvPr>
+              <p:cNvSpPr txBox="1">
+                <a:spLocks noRot="1" noChangeAspect="1" noMove="1" noResize="1" noEditPoints="1" noAdjustHandles="1" noChangeArrowheads="1" noChangeShapeType="1" noTextEdit="1"/>
+              </p:cNvSpPr>
+              <p:nvPr/>
+            </p:nvSpPr>
+            <p:spPr>
+              <a:xfrm rot="16200000">
+                <a:off x="4810246" y="2740724"/>
+                <a:ext cx="1100256" cy="307777"/>
+              </a:xfrm>
+              <a:prstGeom prst="rect">
+                <a:avLst/>
+              </a:prstGeom>
+              <a:blipFill>
+                <a:blip r:embed="rId2"/>
+                <a:stretch>
+                  <a:fillRect l="-3922" r="-19608" b="-1667"/>
+                </a:stretch>
+              </a:blipFill>
+            </p:spPr>
+            <p:txBody>
+              <a:bodyPr/>
+              <a:lstStyle/>
+              <a:p>
+                <a:r>
+                  <a:rPr lang="fr-FR">
+                    <a:noFill/>
+                  </a:rPr>
+                  <a:t> </a:t>
+                </a:r>
+              </a:p>
+            </p:txBody>
+          </p:sp>
+        </mc:Fallback>
+      </mc:AlternateContent>
+      <mc:AlternateContent xmlns:mc="http://schemas.openxmlformats.org/markup-compatibility/2006" xmlns:a14="http://schemas.microsoft.com/office/drawing/2010/main">
+        <mc:Choice Requires="a14">
+          <p:sp>
+            <p:nvSpPr>
+              <p:cNvPr id="82" name="ZoneTexte 81">
+                <a:extLst>
+                  <a:ext uri="{FF2B5EF4-FFF2-40B4-BE49-F238E27FC236}">
+                    <a16:creationId xmlns:a16="http://schemas.microsoft.com/office/drawing/2014/main" id="{3F7B2865-D9E5-4F1E-9EC0-5ECA3A2DE312}"/>
+                  </a:ext>
+                </a:extLst>
+              </p:cNvPr>
+              <p:cNvSpPr txBox="1"/>
+              <p:nvPr/>
+            </p:nvSpPr>
+            <p:spPr>
+              <a:xfrm rot="16200000">
+                <a:off x="6286423" y="2755237"/>
+                <a:ext cx="1100256" cy="307777"/>
+              </a:xfrm>
+              <a:prstGeom prst="rect">
+                <a:avLst/>
+              </a:prstGeom>
+              <a:noFill/>
+            </p:spPr>
+            <p:txBody>
+              <a:bodyPr wrap="square" rtlCol="0">
+                <a:spAutoFit/>
+              </a:bodyPr>
+              <a:lstStyle/>
+              <a:p>
+                <a:r>
+                  <a:rPr lang="fr-FR" sz="1400" dirty="0"/>
+                  <a:t>Pivot </a:t>
+                </a:r>
+                <a14:m>
+                  <m:oMath xmlns:m="http://schemas.openxmlformats.org/officeDocument/2006/math">
+                    <m:d>
+                      <m:dPr>
+                        <m:ctrlPr>
+                          <a:rPr lang="fr-FR" sz="1400" i="1" smtClean="0">
+                            <a:latin typeface="Cambria Math" panose="02040503050406030204" pitchFamily="18" charset="0"/>
+                          </a:rPr>
+                        </m:ctrlPr>
+                      </m:dPr>
+                      <m:e>
+                        <m:r>
+                          <a:rPr lang="fr-FR" sz="1400" b="0" i="1" smtClean="0">
+                            <a:latin typeface="Cambria Math" panose="02040503050406030204" pitchFamily="18" charset="0"/>
+                          </a:rPr>
+                          <m:t>𝑋</m:t>
+                        </m:r>
+                        <m:r>
+                          <a:rPr lang="fr-FR" sz="1400" b="0" i="1" smtClean="0">
+                            <a:latin typeface="Cambria Math" panose="02040503050406030204" pitchFamily="18" charset="0"/>
+                          </a:rPr>
+                          <m:t>,</m:t>
+                        </m:r>
+                        <m:acc>
+                          <m:accPr>
+                            <m:chr m:val="⃗"/>
+                            <m:ctrlPr>
+                              <a:rPr lang="fr-FR" sz="1400" b="0" i="1" smtClean="0">
+                                <a:latin typeface="Cambria Math" panose="02040503050406030204" pitchFamily="18" charset="0"/>
+                              </a:rPr>
+                            </m:ctrlPr>
+                          </m:accPr>
+                          <m:e>
+                            <m:sSub>
+                              <m:sSubPr>
+                                <m:ctrlPr>
+                                  <a:rPr lang="fr-FR" sz="1400" i="1">
+                                    <a:latin typeface="Cambria Math" panose="02040503050406030204" pitchFamily="18" charset="0"/>
+                                  </a:rPr>
+                                </m:ctrlPr>
+                              </m:sSubPr>
+                              <m:e>
+                                <m:r>
+                                  <a:rPr lang="fr-FR" sz="1400" i="1">
+                                    <a:latin typeface="Cambria Math" panose="02040503050406030204" pitchFamily="18" charset="0"/>
+                                  </a:rPr>
+                                  <m:t>𝑥</m:t>
+                                </m:r>
+                              </m:e>
+                              <m:sub>
+                                <m:r>
+                                  <a:rPr lang="fr-FR" sz="1400" i="1">
+                                    <a:latin typeface="Cambria Math" panose="02040503050406030204" pitchFamily="18" charset="0"/>
+                                  </a:rPr>
+                                  <m:t>𝐿</m:t>
+                                </m:r>
+                              </m:sub>
+                            </m:sSub>
+                          </m:e>
+                        </m:acc>
+                      </m:e>
+                    </m:d>
+                  </m:oMath>
+                </a14:m>
+                <a:r>
+                  <a:rPr lang="fr-FR" sz="1400" dirty="0"/>
+                  <a:t> </a:t>
+                </a:r>
+              </a:p>
+            </p:txBody>
+          </p:sp>
+        </mc:Choice>
+        <mc:Fallback xmlns="">
+          <p:sp>
+            <p:nvSpPr>
+              <p:cNvPr id="82" name="ZoneTexte 81">
+                <a:extLst>
+                  <a:ext uri="{FF2B5EF4-FFF2-40B4-BE49-F238E27FC236}">
+                    <a16:creationId xmlns:a16="http://schemas.microsoft.com/office/drawing/2014/main" id="{3F7B2865-D9E5-4F1E-9EC0-5ECA3A2DE312}"/>
+                  </a:ext>
+                </a:extLst>
+              </p:cNvPr>
+              <p:cNvSpPr txBox="1">
+                <a:spLocks noRot="1" noChangeAspect="1" noMove="1" noResize="1" noEditPoints="1" noAdjustHandles="1" noChangeArrowheads="1" noChangeShapeType="1" noTextEdit="1"/>
+              </p:cNvSpPr>
+              <p:nvPr/>
+            </p:nvSpPr>
+            <p:spPr>
+              <a:xfrm rot="16200000">
+                <a:off x="6286423" y="2755237"/>
+                <a:ext cx="1100256" cy="307777"/>
+              </a:xfrm>
+              <a:prstGeom prst="rect">
+                <a:avLst/>
+              </a:prstGeom>
+              <a:blipFill>
+                <a:blip r:embed="rId3"/>
+                <a:stretch>
+                  <a:fillRect l="-3922" r="-19608" b="-1667"/>
+                </a:stretch>
+              </a:blipFill>
+            </p:spPr>
+            <p:txBody>
+              <a:bodyPr/>
+              <a:lstStyle/>
+              <a:p>
+                <a:r>
+                  <a:rPr lang="fr-FR">
+                    <a:noFill/>
+                  </a:rPr>
+                  <a:t> </a:t>
+                </a:r>
+              </a:p>
+            </p:txBody>
+          </p:sp>
+        </mc:Fallback>
+      </mc:AlternateContent>
+      <mc:AlternateContent xmlns:mc="http://schemas.openxmlformats.org/markup-compatibility/2006" xmlns:a14="http://schemas.microsoft.com/office/drawing/2010/main">
+        <mc:Choice Requires="a14">
+          <p:sp>
+            <p:nvSpPr>
+              <p:cNvPr id="84" name="ZoneTexte 83">
+                <a:extLst>
+                  <a:ext uri="{FF2B5EF4-FFF2-40B4-BE49-F238E27FC236}">
+                    <a16:creationId xmlns:a16="http://schemas.microsoft.com/office/drawing/2014/main" id="{CF908C2F-91CA-4F96-B709-DBCDD64A6740}"/>
+                  </a:ext>
+                </a:extLst>
+              </p:cNvPr>
+              <p:cNvSpPr txBox="1"/>
+              <p:nvPr/>
+            </p:nvSpPr>
+            <p:spPr>
+              <a:xfrm rot="16200000">
+                <a:off x="3904607" y="2629000"/>
+                <a:ext cx="1306568" cy="307777"/>
+              </a:xfrm>
+              <a:prstGeom prst="rect">
+                <a:avLst/>
+              </a:prstGeom>
+              <a:noFill/>
+            </p:spPr>
+            <p:txBody>
+              <a:bodyPr wrap="square" rtlCol="0">
+                <a:spAutoFit/>
+              </a:bodyPr>
+              <a:lstStyle/>
+              <a:p>
+                <a:r>
+                  <a:rPr lang="fr-FR" sz="1400" dirty="0"/>
+                  <a:t>Pivot </a:t>
+                </a:r>
+                <a14:m>
+                  <m:oMath xmlns:m="http://schemas.openxmlformats.org/officeDocument/2006/math">
+                    <m:d>
+                      <m:dPr>
+                        <m:ctrlPr>
+                          <a:rPr lang="fr-FR" sz="1400" i="1" smtClean="0">
+                            <a:latin typeface="Cambria Math" panose="02040503050406030204" pitchFamily="18" charset="0"/>
+                          </a:rPr>
+                        </m:ctrlPr>
+                      </m:dPr>
+                      <m:e>
+                        <m:r>
+                          <a:rPr lang="fr-FR" sz="1400" b="0" i="1" smtClean="0">
+                            <a:latin typeface="Cambria Math" panose="02040503050406030204" pitchFamily="18" charset="0"/>
+                          </a:rPr>
+                          <m:t>𝑊</m:t>
+                        </m:r>
+                        <m:r>
+                          <a:rPr lang="fr-FR" sz="1400" b="0" i="1" smtClean="0">
+                            <a:latin typeface="Cambria Math" panose="02040503050406030204" pitchFamily="18" charset="0"/>
+                          </a:rPr>
+                          <m:t>′,</m:t>
+                        </m:r>
+                        <m:acc>
+                          <m:accPr>
+                            <m:chr m:val="⃗"/>
+                            <m:ctrlPr>
+                              <a:rPr lang="fr-FR" sz="1400" b="0" i="1" smtClean="0">
+                                <a:latin typeface="Cambria Math" panose="02040503050406030204" pitchFamily="18" charset="0"/>
+                              </a:rPr>
+                            </m:ctrlPr>
+                          </m:accPr>
+                          <m:e>
+                            <m:sSub>
+                              <m:sSubPr>
+                                <m:ctrlPr>
+                                  <a:rPr lang="fr-FR" sz="1400" i="1">
+                                    <a:latin typeface="Cambria Math" panose="02040503050406030204" pitchFamily="18" charset="0"/>
+                                  </a:rPr>
+                                </m:ctrlPr>
+                              </m:sSubPr>
+                              <m:e>
+                                <m:r>
+                                  <a:rPr lang="fr-FR" sz="1400" b="0" i="1" smtClean="0">
+                                    <a:latin typeface="Cambria Math" panose="02040503050406030204" pitchFamily="18" charset="0"/>
+                                  </a:rPr>
+                                  <m:t>𝑦</m:t>
+                                </m:r>
+                              </m:e>
+                              <m:sub>
+                                <m:r>
+                                  <a:rPr lang="fr-FR" sz="1400" b="0" i="1" smtClean="0">
+                                    <a:latin typeface="Cambria Math" panose="02040503050406030204" pitchFamily="18" charset="0"/>
+                                  </a:rPr>
+                                  <m:t>2</m:t>
+                                </m:r>
+                              </m:sub>
+                            </m:sSub>
+                          </m:e>
+                        </m:acc>
+                      </m:e>
+                    </m:d>
+                  </m:oMath>
+                </a14:m>
+                <a:r>
+                  <a:rPr lang="fr-FR" sz="1400" dirty="0"/>
+                  <a:t> </a:t>
+                </a:r>
+              </a:p>
+            </p:txBody>
+          </p:sp>
+        </mc:Choice>
+        <mc:Fallback xmlns="">
+          <p:sp>
+            <p:nvSpPr>
+              <p:cNvPr id="84" name="ZoneTexte 83">
+                <a:extLst>
+                  <a:ext uri="{FF2B5EF4-FFF2-40B4-BE49-F238E27FC236}">
+                    <a16:creationId xmlns:a16="http://schemas.microsoft.com/office/drawing/2014/main" id="{CF908C2F-91CA-4F96-B709-DBCDD64A6740}"/>
+                  </a:ext>
+                </a:extLst>
+              </p:cNvPr>
+              <p:cNvSpPr txBox="1">
+                <a:spLocks noRot="1" noChangeAspect="1" noMove="1" noResize="1" noEditPoints="1" noAdjustHandles="1" noChangeArrowheads="1" noChangeShapeType="1" noTextEdit="1"/>
+              </p:cNvSpPr>
+              <p:nvPr/>
+            </p:nvSpPr>
+            <p:spPr>
+              <a:xfrm rot="16200000">
+                <a:off x="3904607" y="2629000"/>
+                <a:ext cx="1306568" cy="307777"/>
+              </a:xfrm>
+              <a:prstGeom prst="rect">
+                <a:avLst/>
+              </a:prstGeom>
+              <a:blipFill>
+                <a:blip r:embed="rId4"/>
+                <a:stretch>
+                  <a:fillRect l="-1961" r="-19608" b="-1395"/>
+                </a:stretch>
+              </a:blipFill>
+            </p:spPr>
+            <p:txBody>
+              <a:bodyPr/>
+              <a:lstStyle/>
+              <a:p>
+                <a:r>
+                  <a:rPr lang="fr-FR">
+                    <a:noFill/>
+                  </a:rPr>
+                  <a:t> </a:t>
+                </a:r>
+              </a:p>
+            </p:txBody>
+          </p:sp>
+        </mc:Fallback>
+      </mc:AlternateContent>
+      <mc:AlternateContent xmlns:mc="http://schemas.openxmlformats.org/markup-compatibility/2006" xmlns:a14="http://schemas.microsoft.com/office/drawing/2010/main">
+        <mc:Choice Requires="a14">
+          <p:sp>
+            <p:nvSpPr>
+              <p:cNvPr id="85" name="ZoneTexte 84">
+                <a:extLst>
+                  <a:ext uri="{FF2B5EF4-FFF2-40B4-BE49-F238E27FC236}">
+                    <a16:creationId xmlns:a16="http://schemas.microsoft.com/office/drawing/2014/main" id="{5B70E326-0FD9-4DA6-9E91-FDF26FB1E2FB}"/>
+                  </a:ext>
+                </a:extLst>
+              </p:cNvPr>
+              <p:cNvSpPr txBox="1"/>
+              <p:nvPr/>
+            </p:nvSpPr>
+            <p:spPr>
+              <a:xfrm rot="16200000">
+                <a:off x="7004172" y="2658340"/>
+                <a:ext cx="1306568" cy="307777"/>
+              </a:xfrm>
+              <a:prstGeom prst="rect">
+                <a:avLst/>
+              </a:prstGeom>
+              <a:noFill/>
+            </p:spPr>
+            <p:txBody>
+              <a:bodyPr wrap="square" rtlCol="0">
+                <a:spAutoFit/>
+              </a:bodyPr>
+              <a:lstStyle/>
+              <a:p>
+                <a:r>
+                  <a:rPr lang="fr-FR" sz="1400" dirty="0"/>
+                  <a:t>Pivot </a:t>
+                </a:r>
+                <a14:m>
+                  <m:oMath xmlns:m="http://schemas.openxmlformats.org/officeDocument/2006/math">
+                    <m:d>
+                      <m:dPr>
+                        <m:ctrlPr>
+                          <a:rPr lang="fr-FR" sz="1400" i="1" smtClean="0">
+                            <a:latin typeface="Cambria Math" panose="02040503050406030204" pitchFamily="18" charset="0"/>
+                          </a:rPr>
+                        </m:ctrlPr>
+                      </m:dPr>
+                      <m:e>
+                        <m:r>
+                          <a:rPr lang="fr-FR" sz="1400" b="0" i="1" smtClean="0">
+                            <a:latin typeface="Cambria Math" panose="02040503050406030204" pitchFamily="18" charset="0"/>
+                          </a:rPr>
+                          <m:t>𝑊</m:t>
+                        </m:r>
+                        <m:r>
+                          <a:rPr lang="fr-FR" sz="1400" b="0" i="1" smtClean="0">
+                            <a:latin typeface="Cambria Math" panose="02040503050406030204" pitchFamily="18" charset="0"/>
+                          </a:rPr>
+                          <m:t>,</m:t>
+                        </m:r>
+                        <m:acc>
+                          <m:accPr>
+                            <m:chr m:val="⃗"/>
+                            <m:ctrlPr>
+                              <a:rPr lang="fr-FR" sz="1400" b="0" i="1" smtClean="0">
+                                <a:latin typeface="Cambria Math" panose="02040503050406030204" pitchFamily="18" charset="0"/>
+                              </a:rPr>
+                            </m:ctrlPr>
+                          </m:accPr>
+                          <m:e>
+                            <m:sSub>
+                              <m:sSubPr>
+                                <m:ctrlPr>
+                                  <a:rPr lang="fr-FR" sz="1400" i="1">
+                                    <a:latin typeface="Cambria Math" panose="02040503050406030204" pitchFamily="18" charset="0"/>
+                                  </a:rPr>
+                                </m:ctrlPr>
+                              </m:sSubPr>
+                              <m:e>
+                                <m:r>
+                                  <a:rPr lang="fr-FR" sz="1400" b="0" i="1" smtClean="0">
+                                    <a:latin typeface="Cambria Math" panose="02040503050406030204" pitchFamily="18" charset="0"/>
+                                  </a:rPr>
+                                  <m:t>𝑦</m:t>
+                                </m:r>
+                              </m:e>
+                              <m:sub>
+                                <m:r>
+                                  <a:rPr lang="fr-FR" sz="1400" b="0" i="1" smtClean="0">
+                                    <a:latin typeface="Cambria Math" panose="02040503050406030204" pitchFamily="18" charset="0"/>
+                                  </a:rPr>
+                                  <m:t>3</m:t>
+                                </m:r>
+                              </m:sub>
+                            </m:sSub>
+                          </m:e>
+                        </m:acc>
+                      </m:e>
+                    </m:d>
+                  </m:oMath>
+                </a14:m>
+                <a:r>
+                  <a:rPr lang="fr-FR" sz="1400" dirty="0"/>
+                  <a:t> </a:t>
+                </a:r>
+              </a:p>
+            </p:txBody>
+          </p:sp>
+        </mc:Choice>
+        <mc:Fallback xmlns="">
+          <p:sp>
+            <p:nvSpPr>
+              <p:cNvPr id="85" name="ZoneTexte 84">
+                <a:extLst>
+                  <a:ext uri="{FF2B5EF4-FFF2-40B4-BE49-F238E27FC236}">
+                    <a16:creationId xmlns:a16="http://schemas.microsoft.com/office/drawing/2014/main" id="{5B70E326-0FD9-4DA6-9E91-FDF26FB1E2FB}"/>
+                  </a:ext>
+                </a:extLst>
+              </p:cNvPr>
+              <p:cNvSpPr txBox="1">
+                <a:spLocks noRot="1" noChangeAspect="1" noMove="1" noResize="1" noEditPoints="1" noAdjustHandles="1" noChangeArrowheads="1" noChangeShapeType="1" noTextEdit="1"/>
+              </p:cNvSpPr>
+              <p:nvPr/>
+            </p:nvSpPr>
+            <p:spPr>
+              <a:xfrm rot="16200000">
+                <a:off x="7004172" y="2658340"/>
+                <a:ext cx="1306568" cy="307777"/>
+              </a:xfrm>
+              <a:prstGeom prst="rect">
+                <a:avLst/>
+              </a:prstGeom>
+              <a:blipFill>
+                <a:blip r:embed="rId5"/>
+                <a:stretch>
+                  <a:fillRect l="-4000" r="-20000" b="-1402"/>
+                </a:stretch>
+              </a:blipFill>
+            </p:spPr>
+            <p:txBody>
+              <a:bodyPr/>
+              <a:lstStyle/>
+              <a:p>
+                <a:r>
+                  <a:rPr lang="fr-FR">
+                    <a:noFill/>
+                  </a:rPr>
+                  <a:t> </a:t>
+                </a:r>
+              </a:p>
+            </p:txBody>
+          </p:sp>
+        </mc:Fallback>
+      </mc:AlternateContent>
+      <p:sp>
+        <p:nvSpPr>
+          <p:cNvPr id="86" name="ZoneTexte 85">
+            <a:extLst>
+              <a:ext uri="{FF2B5EF4-FFF2-40B4-BE49-F238E27FC236}">
+                <a16:creationId xmlns:a16="http://schemas.microsoft.com/office/drawing/2014/main" id="{5056E181-2794-408A-809A-16EE080047BC}"/>
+              </a:ext>
+            </a:extLst>
+          </p:cNvPr>
+          <p:cNvSpPr txBox="1"/>
+          <p:nvPr/>
+        </p:nvSpPr>
+        <p:spPr>
+          <a:xfrm rot="16200000">
+            <a:off x="4187234" y="3682784"/>
+            <a:ext cx="744293" cy="307777"/>
+          </a:xfrm>
+          <a:prstGeom prst="rect">
+            <a:avLst/>
+          </a:prstGeom>
+          <a:noFill/>
+        </p:spPr>
+        <p:txBody>
+          <a:bodyPr wrap="square" rtlCol="0">
+            <a:spAutoFit/>
+          </a:bodyPr>
+          <a:lstStyle/>
+          <a:p>
+            <a:pPr algn="r"/>
+            <a:r>
+              <a:rPr lang="fr-FR" sz="1400" i="1" dirty="0">
+                <a:solidFill>
+                  <a:schemeClr val="tx1">
+                    <a:lumMod val="65000"/>
+                    <a:lumOff val="35000"/>
+                  </a:schemeClr>
+                </a:solidFill>
+              </a:rPr>
+              <a:t>Roulis</a:t>
+            </a:r>
+          </a:p>
+        </p:txBody>
+      </p:sp>
+      <p:sp>
+        <p:nvSpPr>
+          <p:cNvPr id="87" name="ZoneTexte 86">
+            <a:extLst>
+              <a:ext uri="{FF2B5EF4-FFF2-40B4-BE49-F238E27FC236}">
+                <a16:creationId xmlns:a16="http://schemas.microsoft.com/office/drawing/2014/main" id="{94C412A1-CBA3-48A9-B609-BE12F076EEEB}"/>
+              </a:ext>
+            </a:extLst>
+          </p:cNvPr>
+          <p:cNvSpPr txBox="1"/>
+          <p:nvPr/>
+        </p:nvSpPr>
+        <p:spPr>
+          <a:xfrm rot="16200000">
+            <a:off x="7259421" y="3672877"/>
+            <a:ext cx="744293" cy="307777"/>
+          </a:xfrm>
+          <a:prstGeom prst="rect">
+            <a:avLst/>
+          </a:prstGeom>
+          <a:noFill/>
+        </p:spPr>
+        <p:txBody>
+          <a:bodyPr wrap="square" rtlCol="0">
+            <a:spAutoFit/>
+          </a:bodyPr>
+          <a:lstStyle/>
+          <a:p>
+            <a:pPr algn="r"/>
+            <a:r>
+              <a:rPr lang="fr-FR" sz="1400" i="1" dirty="0">
+                <a:solidFill>
+                  <a:schemeClr val="tx1">
+                    <a:lumMod val="65000"/>
+                    <a:lumOff val="35000"/>
+                  </a:schemeClr>
+                </a:solidFill>
+              </a:rPr>
+              <a:t>Roulis</a:t>
+            </a:r>
+          </a:p>
+        </p:txBody>
+      </p:sp>
+      <p:sp>
+        <p:nvSpPr>
+          <p:cNvPr id="88" name="ZoneTexte 87">
+            <a:extLst>
+              <a:ext uri="{FF2B5EF4-FFF2-40B4-BE49-F238E27FC236}">
+                <a16:creationId xmlns:a16="http://schemas.microsoft.com/office/drawing/2014/main" id="{84C39C9F-14E4-4F38-AB75-C1C4E4B30965}"/>
+              </a:ext>
+            </a:extLst>
+          </p:cNvPr>
+          <p:cNvSpPr txBox="1"/>
+          <p:nvPr/>
+        </p:nvSpPr>
+        <p:spPr>
+          <a:xfrm rot="16200000">
+            <a:off x="4864224" y="3783022"/>
+            <a:ext cx="977186" cy="307777"/>
+          </a:xfrm>
+          <a:prstGeom prst="rect">
+            <a:avLst/>
+          </a:prstGeom>
+          <a:noFill/>
+        </p:spPr>
+        <p:txBody>
+          <a:bodyPr wrap="square" rtlCol="0">
+            <a:spAutoFit/>
+          </a:bodyPr>
+          <a:lstStyle/>
+          <a:p>
+            <a:pPr algn="r"/>
+            <a:r>
+              <a:rPr lang="fr-FR" sz="1400" i="1" dirty="0">
+                <a:solidFill>
+                  <a:schemeClr val="tx1">
+                    <a:lumMod val="65000"/>
+                    <a:lumOff val="35000"/>
+                  </a:schemeClr>
+                </a:solidFill>
+              </a:rPr>
+              <a:t>Tangage</a:t>
+            </a:r>
+          </a:p>
+        </p:txBody>
+      </p:sp>
+      <p:sp>
+        <p:nvSpPr>
+          <p:cNvPr id="89" name="ZoneTexte 88">
+            <a:extLst>
+              <a:ext uri="{FF2B5EF4-FFF2-40B4-BE49-F238E27FC236}">
+                <a16:creationId xmlns:a16="http://schemas.microsoft.com/office/drawing/2014/main" id="{06FB9CB1-CFB8-4C96-B73C-D9AA7BC2D2FC}"/>
+              </a:ext>
+            </a:extLst>
+          </p:cNvPr>
+          <p:cNvSpPr txBox="1"/>
+          <p:nvPr/>
+        </p:nvSpPr>
+        <p:spPr>
+          <a:xfrm rot="16200000">
+            <a:off x="6353257" y="3776610"/>
+            <a:ext cx="977186" cy="307777"/>
+          </a:xfrm>
+          <a:prstGeom prst="rect">
+            <a:avLst/>
+          </a:prstGeom>
+          <a:noFill/>
+        </p:spPr>
+        <p:txBody>
+          <a:bodyPr wrap="square" rtlCol="0">
+            <a:spAutoFit/>
+          </a:bodyPr>
+          <a:lstStyle/>
+          <a:p>
+            <a:pPr algn="r"/>
+            <a:r>
+              <a:rPr lang="fr-FR" sz="1400" i="1" dirty="0">
+                <a:solidFill>
+                  <a:schemeClr val="tx1">
+                    <a:lumMod val="65000"/>
+                    <a:lumOff val="35000"/>
+                  </a:schemeClr>
+                </a:solidFill>
+              </a:rPr>
+              <a:t>Tangage</a:t>
+            </a:r>
+          </a:p>
+        </p:txBody>
+      </p:sp>
+      <p:sp>
+        <p:nvSpPr>
+          <p:cNvPr id="90" name="Signe de multiplication 89">
+            <a:extLst>
+              <a:ext uri="{FF2B5EF4-FFF2-40B4-BE49-F238E27FC236}">
+                <a16:creationId xmlns:a16="http://schemas.microsoft.com/office/drawing/2014/main" id="{14A400B5-BCA7-4F7F-8773-FDA8A9DA4DF6}"/>
+              </a:ext>
+            </a:extLst>
+          </p:cNvPr>
+          <p:cNvSpPr/>
+          <p:nvPr/>
+        </p:nvSpPr>
+        <p:spPr>
+          <a:xfrm>
+            <a:off x="7521840" y="3339431"/>
+            <a:ext cx="219456" cy="219456"/>
+          </a:xfrm>
+          <a:prstGeom prst="mathMultiply">
+            <a:avLst/>
+          </a:prstGeom>
+        </p:spPr>
+        <p:style>
+          <a:lnRef idx="2">
+            <a:schemeClr val="dk1">
+              <a:shade val="50000"/>
+            </a:schemeClr>
+          </a:lnRef>
+          <a:fillRef idx="1">
+            <a:schemeClr val="dk1"/>
+          </a:fillRef>
+          <a:effectRef idx="0">
+            <a:schemeClr val="dk1"/>
+          </a:effectRef>
+          <a:fontRef idx="minor">
+            <a:schemeClr val="lt1"/>
+          </a:fontRef>
+        </p:style>
+        <p:txBody>
+          <a:bodyPr rtlCol="0" anchor="ctr"/>
+          <a:lstStyle/>
+          <a:p>
+            <a:pPr algn="ctr"/>
+            <a:endParaRPr lang="fr-FR"/>
+          </a:p>
+        </p:txBody>
+      </p:sp>
+      <p:sp>
+        <p:nvSpPr>
+          <p:cNvPr id="91" name="Signe de multiplication 90">
+            <a:extLst>
+              <a:ext uri="{FF2B5EF4-FFF2-40B4-BE49-F238E27FC236}">
+                <a16:creationId xmlns:a16="http://schemas.microsoft.com/office/drawing/2014/main" id="{FAF6EDE7-D3CE-4045-B92B-7299AED75CB6}"/>
+              </a:ext>
+            </a:extLst>
+          </p:cNvPr>
+          <p:cNvSpPr/>
+          <p:nvPr/>
+        </p:nvSpPr>
+        <p:spPr>
+          <a:xfrm>
+            <a:off x="4450011" y="3338209"/>
+            <a:ext cx="219456" cy="219456"/>
+          </a:xfrm>
+          <a:prstGeom prst="mathMultiply">
+            <a:avLst/>
+          </a:prstGeom>
+        </p:spPr>
+        <p:style>
+          <a:lnRef idx="2">
+            <a:schemeClr val="dk1">
+              <a:shade val="50000"/>
+            </a:schemeClr>
+          </a:lnRef>
+          <a:fillRef idx="1">
+            <a:schemeClr val="dk1"/>
+          </a:fillRef>
+          <a:effectRef idx="0">
+            <a:schemeClr val="dk1"/>
+          </a:effectRef>
+          <a:fontRef idx="minor">
+            <a:schemeClr val="lt1"/>
+          </a:fontRef>
+        </p:style>
+        <p:txBody>
+          <a:bodyPr rtlCol="0" anchor="ctr"/>
+          <a:lstStyle/>
+          <a:p>
+            <a:pPr algn="ctr"/>
+            <a:endParaRPr lang="fr-FR"/>
+          </a:p>
+        </p:txBody>
+      </p:sp>
+      <p:grpSp>
+        <p:nvGrpSpPr>
+          <p:cNvPr id="99" name="Groupe 98">
+            <a:extLst>
+              <a:ext uri="{FF2B5EF4-FFF2-40B4-BE49-F238E27FC236}">
+                <a16:creationId xmlns:a16="http://schemas.microsoft.com/office/drawing/2014/main" id="{22332B9A-F340-4733-B141-55FCF94630E8}"/>
+              </a:ext>
+            </a:extLst>
+          </p:cNvPr>
+          <p:cNvGrpSpPr/>
+          <p:nvPr/>
+        </p:nvGrpSpPr>
+        <p:grpSpPr>
+          <a:xfrm>
+            <a:off x="5421169" y="2492482"/>
+            <a:ext cx="891850" cy="773075"/>
+            <a:chOff x="3146235" y="2488471"/>
+            <a:chExt cx="891850" cy="773075"/>
+          </a:xfrm>
+        </p:grpSpPr>
+        <p:sp>
+          <p:nvSpPr>
+            <p:cNvPr id="100" name="Arc 99">
+              <a:extLst>
+                <a:ext uri="{FF2B5EF4-FFF2-40B4-BE49-F238E27FC236}">
+                  <a16:creationId xmlns:a16="http://schemas.microsoft.com/office/drawing/2014/main" id="{0E145CE6-455B-425E-890A-108616ECCDD8}"/>
+                </a:ext>
+              </a:extLst>
+            </p:cNvPr>
+            <p:cNvSpPr/>
+            <p:nvPr/>
+          </p:nvSpPr>
+          <p:spPr>
+            <a:xfrm>
+              <a:off x="3490003" y="2488471"/>
+              <a:ext cx="548082" cy="773075"/>
+            </a:xfrm>
+            <a:prstGeom prst="arc">
+              <a:avLst>
+                <a:gd name="adj1" fmla="val 8878388"/>
+                <a:gd name="adj2" fmla="val 14492985"/>
+              </a:avLst>
+            </a:prstGeom>
+            <a:ln w="28575">
+              <a:solidFill>
+                <a:srgbClr val="C00000"/>
+              </a:solidFill>
+              <a:headEnd type="none" w="sm" len="lg"/>
+              <a:tailEnd type="stealth" w="sm" len="lg"/>
+            </a:ln>
+          </p:spPr>
+          <p:style>
+            <a:lnRef idx="1">
+              <a:schemeClr val="accent1"/>
+            </a:lnRef>
+            <a:fillRef idx="0">
+              <a:schemeClr val="accent1"/>
+            </a:fillRef>
+            <a:effectRef idx="0">
+              <a:schemeClr val="accent1"/>
+            </a:effectRef>
+            <a:fontRef idx="minor">
+              <a:schemeClr val="tx1"/>
+            </a:fontRef>
+          </p:style>
+          <p:txBody>
+            <a:bodyPr rtlCol="0" anchor="ctr"/>
+            <a:lstStyle/>
+            <a:p>
+              <a:pPr algn="ctr"/>
+              <a:endParaRPr lang="fr-FR"/>
+            </a:p>
+          </p:txBody>
+        </p:sp>
+        <mc:AlternateContent xmlns:mc="http://schemas.openxmlformats.org/markup-compatibility/2006" xmlns:a14="http://schemas.microsoft.com/office/drawing/2010/main">
+          <mc:Choice Requires="a14">
+            <p:sp>
+              <p:nvSpPr>
+                <p:cNvPr id="101" name="ZoneTexte 100">
+                  <a:extLst>
+                    <a:ext uri="{FF2B5EF4-FFF2-40B4-BE49-F238E27FC236}">
+                      <a16:creationId xmlns:a16="http://schemas.microsoft.com/office/drawing/2014/main" id="{26AB824A-5388-4850-9B55-D281095EA72F}"/>
+                    </a:ext>
+                  </a:extLst>
+                </p:cNvPr>
+                <p:cNvSpPr txBox="1"/>
+                <p:nvPr/>
+              </p:nvSpPr>
+              <p:spPr>
+                <a:xfrm>
+                  <a:off x="3146235" y="2696689"/>
+                  <a:ext cx="340241" cy="300595"/>
+                </a:xfrm>
+                <a:prstGeom prst="rect">
+                  <a:avLst/>
+                </a:prstGeom>
+                <a:noFill/>
+              </p:spPr>
+              <p:txBody>
+                <a:bodyPr wrap="square" rtlCol="0">
+                  <a:spAutoFit/>
+                </a:bodyPr>
+                <a:lstStyle/>
+                <a:p>
+                  <a:pPr/>
+                  <a14:m>
+                    <m:oMathPara xmlns:m="http://schemas.openxmlformats.org/officeDocument/2006/math">
+                      <m:oMathParaPr>
+                        <m:jc m:val="centerGroup"/>
+                      </m:oMathParaPr>
+                      <m:oMath xmlns:m="http://schemas.openxmlformats.org/officeDocument/2006/math">
+                        <m:acc>
+                          <m:accPr>
+                            <m:chr m:val="⃗"/>
+                            <m:ctrlPr>
+                              <a:rPr lang="fr-FR" sz="1200" b="0" i="1" smtClean="0">
+                                <a:latin typeface="Cambria Math" panose="02040503050406030204" pitchFamily="18" charset="0"/>
+                              </a:rPr>
+                            </m:ctrlPr>
+                          </m:accPr>
+                          <m:e>
+                            <m:sSub>
+                              <m:sSubPr>
+                                <m:ctrlPr>
+                                  <a:rPr lang="fr-FR" sz="1200" i="1">
+                                    <a:latin typeface="Cambria Math" panose="02040503050406030204" pitchFamily="18" charset="0"/>
+                                  </a:rPr>
+                                </m:ctrlPr>
+                              </m:sSubPr>
+                              <m:e>
+                                <m:r>
+                                  <a:rPr lang="fr-FR" sz="1200" i="1">
+                                    <a:latin typeface="Cambria Math" panose="02040503050406030204" pitchFamily="18" charset="0"/>
+                                  </a:rPr>
+                                  <m:t>𝐶</m:t>
+                                </m:r>
+                              </m:e>
+                              <m:sub>
+                                <m:r>
+                                  <a:rPr lang="fr-FR" sz="1200" i="1">
+                                    <a:latin typeface="Cambria Math" panose="02040503050406030204" pitchFamily="18" charset="0"/>
+                                  </a:rPr>
+                                  <m:t>𝑚</m:t>
+                                </m:r>
+                              </m:sub>
+                            </m:sSub>
+                          </m:e>
+                        </m:acc>
+                      </m:oMath>
+                    </m:oMathPara>
+                  </a14:m>
+                  <a:endParaRPr lang="fr-FR" sz="1200" dirty="0"/>
+                </a:p>
+              </p:txBody>
+            </p:sp>
+          </mc:Choice>
+          <mc:Fallback xmlns="">
+            <p:sp>
+              <p:nvSpPr>
+                <p:cNvPr id="101" name="ZoneTexte 100">
+                  <a:extLst>
+                    <a:ext uri="{FF2B5EF4-FFF2-40B4-BE49-F238E27FC236}">
+                      <a16:creationId xmlns:a16="http://schemas.microsoft.com/office/drawing/2014/main" id="{26AB824A-5388-4850-9B55-D281095EA72F}"/>
+                    </a:ext>
+                  </a:extLst>
+                </p:cNvPr>
+                <p:cNvSpPr txBox="1">
+                  <a:spLocks noRot="1" noChangeAspect="1" noMove="1" noResize="1" noEditPoints="1" noAdjustHandles="1" noChangeArrowheads="1" noChangeShapeType="1" noTextEdit="1"/>
+                </p:cNvSpPr>
+                <p:nvPr/>
+              </p:nvSpPr>
+              <p:spPr>
+                <a:xfrm>
+                  <a:off x="3146235" y="2696689"/>
+                  <a:ext cx="340241" cy="300595"/>
+                </a:xfrm>
+                <a:prstGeom prst="rect">
+                  <a:avLst/>
+                </a:prstGeom>
+                <a:blipFill>
+                  <a:blip r:embed="rId7"/>
+                  <a:stretch>
+                    <a:fillRect/>
+                  </a:stretch>
+                </a:blipFill>
+              </p:spPr>
+              <p:txBody>
+                <a:bodyPr/>
+                <a:lstStyle/>
+                <a:p>
+                  <a:r>
+                    <a:rPr lang="fr-FR">
+                      <a:noFill/>
+                    </a:rPr>
+                    <a:t> </a:t>
+                  </a:r>
+                </a:p>
+              </p:txBody>
+            </p:sp>
+          </mc:Fallback>
+        </mc:AlternateContent>
+      </p:grpSp>
+      <mc:AlternateContent xmlns:mc="http://schemas.openxmlformats.org/markup-compatibility/2006">
+        <mc:Choice xmlns:a14="http://schemas.microsoft.com/office/drawing/2010/main" Requires="a14">
+          <p:sp>
+            <p:nvSpPr>
+              <p:cNvPr id="83" name="ZoneTexte 82">
+                <a:extLst>
+                  <a:ext uri="{FF2B5EF4-FFF2-40B4-BE49-F238E27FC236}">
+                    <a16:creationId xmlns:a16="http://schemas.microsoft.com/office/drawing/2014/main" id="{1F728885-D45F-4FD3-8A5E-654587E6088A}"/>
+                  </a:ext>
+                </a:extLst>
+              </p:cNvPr>
+              <p:cNvSpPr txBox="1"/>
+              <p:nvPr/>
+            </p:nvSpPr>
+            <p:spPr>
+              <a:xfrm>
+                <a:off x="6061383" y="1663482"/>
+                <a:ext cx="1311179" cy="356380"/>
+              </a:xfrm>
+              <a:prstGeom prst="rect">
+                <a:avLst/>
+              </a:prstGeom>
+              <a:noFill/>
+            </p:spPr>
+            <p:txBody>
+              <a:bodyPr wrap="square" rtlCol="0">
+                <a:spAutoFit/>
+              </a:bodyPr>
+              <a:lstStyle/>
+              <a:p>
+                <a:r>
+                  <a:rPr lang="fr-FR" sz="1400" dirty="0"/>
+                  <a:t>RSG </a:t>
+                </a:r>
+                <a14:m>
+                  <m:oMath xmlns:m="http://schemas.openxmlformats.org/officeDocument/2006/math">
+                    <m:d>
+                      <m:dPr>
+                        <m:ctrlPr>
+                          <a:rPr lang="fr-FR" sz="1400" i="1" smtClean="0">
+                            <a:latin typeface="Cambria Math" panose="02040503050406030204" pitchFamily="18" charset="0"/>
+                          </a:rPr>
+                        </m:ctrlPr>
+                      </m:dPr>
+                      <m:e>
+                        <m:sSub>
+                          <m:sSubPr>
+                            <m:ctrlPr>
+                              <a:rPr lang="fr-FR" sz="1400" b="0" i="1" smtClean="0">
+                                <a:latin typeface="Cambria Math" panose="02040503050406030204" pitchFamily="18" charset="0"/>
+                              </a:rPr>
+                            </m:ctrlPr>
+                          </m:sSubPr>
+                          <m:e>
+                            <m:r>
+                              <a:rPr lang="fr-FR" sz="1400" b="0" i="1" smtClean="0">
+                                <a:latin typeface="Cambria Math" panose="02040503050406030204" pitchFamily="18" charset="0"/>
+                              </a:rPr>
+                              <m:t>𝐼</m:t>
+                            </m:r>
+                          </m:e>
+                          <m:sub>
+                            <m:r>
+                              <a:rPr lang="fr-FR" sz="1400" b="0" i="1" smtClean="0">
+                                <a:latin typeface="Cambria Math" panose="02040503050406030204" pitchFamily="18" charset="0"/>
+                              </a:rPr>
+                              <m:t>1</m:t>
+                            </m:r>
+                          </m:sub>
+                        </m:sSub>
+                        <m:r>
+                          <a:rPr lang="fr-FR" sz="1400" b="0" i="1" smtClean="0">
+                            <a:latin typeface="Cambria Math" panose="02040503050406030204" pitchFamily="18" charset="0"/>
+                          </a:rPr>
+                          <m:t>,</m:t>
+                        </m:r>
+                        <m:acc>
+                          <m:accPr>
+                            <m:chr m:val="⃗"/>
+                            <m:ctrlPr>
+                              <a:rPr lang="fr-FR" sz="1400" b="0" i="1" smtClean="0">
+                                <a:latin typeface="Cambria Math" panose="02040503050406030204" pitchFamily="18" charset="0"/>
+                              </a:rPr>
+                            </m:ctrlPr>
+                          </m:accPr>
+                          <m:e>
+                            <m:sSub>
+                              <m:sSubPr>
+                                <m:ctrlPr>
+                                  <a:rPr lang="fr-FR" sz="1400" i="1">
+                                    <a:latin typeface="Cambria Math" panose="02040503050406030204" pitchFamily="18" charset="0"/>
+                                  </a:rPr>
+                                </m:ctrlPr>
+                              </m:sSubPr>
+                              <m:e>
+                                <m:r>
+                                  <a:rPr lang="fr-FR" sz="1400" b="0" i="1" smtClean="0">
+                                    <a:latin typeface="Cambria Math" panose="02040503050406030204" pitchFamily="18" charset="0"/>
+                                  </a:rPr>
+                                  <m:t>𝑍</m:t>
+                                </m:r>
+                              </m:e>
+                              <m:sub>
+                                <m:r>
+                                  <a:rPr lang="fr-FR" sz="1400" i="1">
+                                    <a:latin typeface="Cambria Math" panose="02040503050406030204" pitchFamily="18" charset="0"/>
+                                  </a:rPr>
+                                  <m:t>𝐿</m:t>
+                                </m:r>
+                              </m:sub>
+                            </m:sSub>
+                          </m:e>
+                        </m:acc>
+                      </m:e>
+                    </m:d>
+                  </m:oMath>
+                </a14:m>
+                <a:r>
+                  <a:rPr lang="fr-FR" sz="1400" dirty="0"/>
+                  <a:t> </a:t>
+                </a:r>
+              </a:p>
+            </p:txBody>
+          </p:sp>
+        </mc:Choice>
+        <mc:Fallback>
+          <p:sp>
+            <p:nvSpPr>
+              <p:cNvPr id="83" name="ZoneTexte 82">
+                <a:extLst>
+                  <a:ext uri="{FF2B5EF4-FFF2-40B4-BE49-F238E27FC236}">
+                    <a16:creationId xmlns:a16="http://schemas.microsoft.com/office/drawing/2014/main" id="{1F728885-D45F-4FD3-8A5E-654587E6088A}"/>
+                  </a:ext>
+                </a:extLst>
+              </p:cNvPr>
+              <p:cNvSpPr txBox="1">
+                <a:spLocks noRot="1" noChangeAspect="1" noMove="1" noResize="1" noEditPoints="1" noAdjustHandles="1" noChangeArrowheads="1" noChangeShapeType="1" noTextEdit="1"/>
+              </p:cNvSpPr>
+              <p:nvPr/>
+            </p:nvSpPr>
+            <p:spPr>
+              <a:xfrm>
+                <a:off x="6061383" y="1663482"/>
+                <a:ext cx="1311179" cy="356380"/>
+              </a:xfrm>
+              <a:prstGeom prst="rect">
+                <a:avLst/>
+              </a:prstGeom>
+              <a:blipFill>
+                <a:blip r:embed="rId8"/>
+                <a:stretch>
+                  <a:fillRect l="-1395" b="-13793"/>
+                </a:stretch>
+              </a:blipFill>
+            </p:spPr>
+            <p:txBody>
+              <a:bodyPr/>
+              <a:lstStyle/>
+              <a:p>
+                <a:r>
+                  <a:rPr lang="fr-FR">
+                    <a:noFill/>
+                  </a:rPr>
+                  <a:t> </a:t>
+                </a:r>
+              </a:p>
+            </p:txBody>
+          </p:sp>
+        </mc:Fallback>
+      </mc:AlternateContent>
+      <mc:AlternateContent xmlns:mc="http://schemas.openxmlformats.org/markup-compatibility/2006">
+        <mc:Choice xmlns:a14="http://schemas.microsoft.com/office/drawing/2010/main" Requires="a14">
+          <p:sp>
+            <p:nvSpPr>
+              <p:cNvPr id="93" name="ZoneTexte 92">
+                <a:extLst>
+                  <a:ext uri="{FF2B5EF4-FFF2-40B4-BE49-F238E27FC236}">
+                    <a16:creationId xmlns:a16="http://schemas.microsoft.com/office/drawing/2014/main" id="{0477654E-9956-4859-B590-DCB88807D580}"/>
+                  </a:ext>
+                </a:extLst>
+              </p:cNvPr>
+              <p:cNvSpPr txBox="1"/>
+              <p:nvPr/>
+            </p:nvSpPr>
+            <p:spPr>
+              <a:xfrm>
+                <a:off x="3822711" y="1549194"/>
+                <a:ext cx="1311179" cy="356380"/>
+              </a:xfrm>
+              <a:prstGeom prst="rect">
+                <a:avLst/>
+              </a:prstGeom>
+              <a:noFill/>
+            </p:spPr>
+            <p:txBody>
+              <a:bodyPr wrap="square" rtlCol="0">
+                <a:spAutoFit/>
+              </a:bodyPr>
+              <a:lstStyle/>
+              <a:p>
+                <a:r>
+                  <a:rPr lang="fr-FR" sz="1400" dirty="0"/>
+                  <a:t>CP </a:t>
+                </a:r>
+                <a14:m>
+                  <m:oMath xmlns:m="http://schemas.openxmlformats.org/officeDocument/2006/math">
+                    <m:d>
+                      <m:dPr>
+                        <m:ctrlPr>
+                          <a:rPr lang="fr-FR" sz="1400" i="1" smtClean="0">
+                            <a:latin typeface="Cambria Math" panose="02040503050406030204" pitchFamily="18" charset="0"/>
+                          </a:rPr>
+                        </m:ctrlPr>
+                      </m:dPr>
+                      <m:e>
+                        <m:sSub>
+                          <m:sSubPr>
+                            <m:ctrlPr>
+                              <a:rPr lang="fr-FR" sz="1400" b="0" i="1" smtClean="0">
+                                <a:latin typeface="Cambria Math" panose="02040503050406030204" pitchFamily="18" charset="0"/>
+                              </a:rPr>
+                            </m:ctrlPr>
+                          </m:sSubPr>
+                          <m:e>
+                            <m:r>
+                              <a:rPr lang="fr-FR" sz="1400" b="0" i="1" smtClean="0">
+                                <a:latin typeface="Cambria Math" panose="02040503050406030204" pitchFamily="18" charset="0"/>
+                              </a:rPr>
+                              <m:t>𝐼</m:t>
+                            </m:r>
+                          </m:e>
+                          <m:sub>
+                            <m:r>
+                              <a:rPr lang="fr-FR" sz="1400" b="0" i="1" smtClean="0">
+                                <a:latin typeface="Cambria Math" panose="02040503050406030204" pitchFamily="18" charset="0"/>
+                              </a:rPr>
+                              <m:t>2</m:t>
+                            </m:r>
+                          </m:sub>
+                        </m:sSub>
+                        <m:r>
+                          <a:rPr lang="fr-FR" sz="1400" b="0" i="1" smtClean="0">
+                            <a:latin typeface="Cambria Math" panose="02040503050406030204" pitchFamily="18" charset="0"/>
+                          </a:rPr>
+                          <m:t>,</m:t>
+                        </m:r>
+                        <m:acc>
+                          <m:accPr>
+                            <m:chr m:val="⃗"/>
+                            <m:ctrlPr>
+                              <a:rPr lang="fr-FR" sz="1400" b="0" i="1" smtClean="0">
+                                <a:latin typeface="Cambria Math" panose="02040503050406030204" pitchFamily="18" charset="0"/>
+                              </a:rPr>
+                            </m:ctrlPr>
+                          </m:accPr>
+                          <m:e>
+                            <m:sSub>
+                              <m:sSubPr>
+                                <m:ctrlPr>
+                                  <a:rPr lang="fr-FR" sz="1400" i="1">
+                                    <a:latin typeface="Cambria Math" panose="02040503050406030204" pitchFamily="18" charset="0"/>
+                                  </a:rPr>
+                                </m:ctrlPr>
+                              </m:sSubPr>
+                              <m:e>
+                                <m:r>
+                                  <a:rPr lang="fr-FR" sz="1400" b="0" i="1" smtClean="0">
+                                    <a:latin typeface="Cambria Math" panose="02040503050406030204" pitchFamily="18" charset="0"/>
+                                  </a:rPr>
+                                  <m:t>𝑍</m:t>
+                                </m:r>
+                              </m:e>
+                              <m:sub>
+                                <m:r>
+                                  <a:rPr lang="fr-FR" sz="1400" i="1">
+                                    <a:latin typeface="Cambria Math" panose="02040503050406030204" pitchFamily="18" charset="0"/>
+                                  </a:rPr>
+                                  <m:t>𝐿</m:t>
+                                </m:r>
+                              </m:sub>
+                            </m:sSub>
+                          </m:e>
+                        </m:acc>
+                      </m:e>
+                    </m:d>
+                  </m:oMath>
+                </a14:m>
+                <a:r>
+                  <a:rPr lang="fr-FR" sz="1400" dirty="0"/>
+                  <a:t> </a:t>
+                </a:r>
+              </a:p>
+            </p:txBody>
+          </p:sp>
+        </mc:Choice>
+        <mc:Fallback>
+          <p:sp>
+            <p:nvSpPr>
+              <p:cNvPr id="93" name="ZoneTexte 92">
+                <a:extLst>
+                  <a:ext uri="{FF2B5EF4-FFF2-40B4-BE49-F238E27FC236}">
+                    <a16:creationId xmlns:a16="http://schemas.microsoft.com/office/drawing/2014/main" id="{0477654E-9956-4859-B590-DCB88807D580}"/>
+                  </a:ext>
+                </a:extLst>
+              </p:cNvPr>
+              <p:cNvSpPr txBox="1">
+                <a:spLocks noRot="1" noChangeAspect="1" noMove="1" noResize="1" noEditPoints="1" noAdjustHandles="1" noChangeArrowheads="1" noChangeShapeType="1" noTextEdit="1"/>
+              </p:cNvSpPr>
+              <p:nvPr/>
+            </p:nvSpPr>
+            <p:spPr>
+              <a:xfrm>
+                <a:off x="3822711" y="1549194"/>
+                <a:ext cx="1311179" cy="356380"/>
+              </a:xfrm>
+              <a:prstGeom prst="rect">
+                <a:avLst/>
+              </a:prstGeom>
+              <a:blipFill>
+                <a:blip r:embed="rId9"/>
+                <a:stretch>
+                  <a:fillRect l="-1395" b="-13559"/>
+                </a:stretch>
+              </a:blipFill>
+            </p:spPr>
+            <p:txBody>
+              <a:bodyPr/>
+              <a:lstStyle/>
+              <a:p>
+                <a:r>
+                  <a:rPr lang="fr-FR">
+                    <a:noFill/>
+                  </a:rPr>
+                  <a:t> </a:t>
+                </a:r>
+              </a:p>
+            </p:txBody>
+          </p:sp>
+        </mc:Fallback>
+      </mc:AlternateContent>
+    </p:spTree>
+    <p:extLst>
+      <p:ext uri="{BB962C8B-B14F-4D97-AF65-F5344CB8AC3E}">
+        <p14:creationId xmlns:p14="http://schemas.microsoft.com/office/powerpoint/2010/main" val="1297056816"/>
+      </p:ext>
+    </p:extLst>
+  </p:cSld>
+  <p:clrMapOvr>
+    <a:masterClrMapping/>
+  </p:clrMapOvr>
+</p:sld>
+</file>
+
+<file path=ppt/slides/slide10.xml><?xml version="1.0" encoding="utf-8"?>
+<p:sld xmlns:a="http://schemas.openxmlformats.org/drawingml/2006/main" xmlns:r="http://schemas.openxmlformats.org/officeDocument/2006/relationships" xmlns:p="http://schemas.openxmlformats.org/presentationml/2006/main">
+  <p:cSld>
+    <p:spTree>
+      <p:nvGrpSpPr>
+        <p:cNvPr id="1" name=""/>
+        <p:cNvGrpSpPr/>
+        <p:nvPr/>
+      </p:nvGrpSpPr>
+      <p:grpSpPr>
+        <a:xfrm>
+          <a:off x="0" y="0"/>
+          <a:ext cx="0" cy="0"/>
+          <a:chOff x="0" y="0"/>
+          <a:chExt cx="0" cy="0"/>
+        </a:xfrm>
+      </p:grpSpPr>
+      <p:pic>
+        <p:nvPicPr>
+          <p:cNvPr id="5" name="Image 4">
+            <a:extLst>
+              <a:ext uri="{FF2B5EF4-FFF2-40B4-BE49-F238E27FC236}">
+                <a16:creationId xmlns:a16="http://schemas.microsoft.com/office/drawing/2014/main" id="{27FD6A9D-7575-4E09-A393-65E5132A4EF4}"/>
+              </a:ext>
+            </a:extLst>
+          </p:cNvPr>
+          <p:cNvPicPr>
+            <a:picLocks noChangeAspect="1"/>
+          </p:cNvPicPr>
+          <p:nvPr/>
+        </p:nvPicPr>
+        <p:blipFill>
+          <a:blip r:embed="rId2"/>
+          <a:stretch>
+            <a:fillRect/>
+          </a:stretch>
+        </p:blipFill>
+        <p:spPr>
+          <a:xfrm>
+            <a:off x="4308200" y="0"/>
+            <a:ext cx="3575600" cy="6858000"/>
+          </a:xfrm>
+          <a:prstGeom prst="rect">
+            <a:avLst/>
+          </a:prstGeom>
+        </p:spPr>
+      </p:pic>
+      <p:cxnSp>
+        <p:nvCxnSpPr>
+          <p:cNvPr id="7" name="Connecteur droit 6">
+            <a:extLst>
+              <a:ext uri="{FF2B5EF4-FFF2-40B4-BE49-F238E27FC236}">
+                <a16:creationId xmlns:a16="http://schemas.microsoft.com/office/drawing/2014/main" id="{B7DA70B9-D98A-496B-9120-5D2571111833}"/>
+              </a:ext>
+            </a:extLst>
+          </p:cNvPr>
+          <p:cNvCxnSpPr/>
+          <p:nvPr/>
+        </p:nvCxnSpPr>
+        <p:spPr>
+          <a:xfrm>
+            <a:off x="4613564" y="1151906"/>
+            <a:ext cx="3206337" cy="0"/>
+          </a:xfrm>
+          <a:prstGeom prst="line">
+            <a:avLst/>
+          </a:prstGeom>
+          <a:ln w="28575">
+            <a:solidFill>
+              <a:srgbClr val="C00000"/>
+            </a:solidFill>
+          </a:ln>
+        </p:spPr>
+        <p:style>
+          <a:lnRef idx="1">
+            <a:schemeClr val="accent1"/>
+          </a:lnRef>
+          <a:fillRef idx="0">
+            <a:schemeClr val="accent1"/>
+          </a:fillRef>
+          <a:effectRef idx="0">
+            <a:schemeClr val="accent1"/>
+          </a:effectRef>
+          <a:fontRef idx="minor">
+            <a:schemeClr val="tx1"/>
+          </a:fontRef>
+        </p:style>
+      </p:cxnSp>
+      <p:cxnSp>
+        <p:nvCxnSpPr>
+          <p:cNvPr id="8" name="Connecteur droit 7">
+            <a:extLst>
+              <a:ext uri="{FF2B5EF4-FFF2-40B4-BE49-F238E27FC236}">
+                <a16:creationId xmlns:a16="http://schemas.microsoft.com/office/drawing/2014/main" id="{132B9338-DAB6-41A1-BAAB-F3671C9D4BF9}"/>
+              </a:ext>
+            </a:extLst>
+          </p:cNvPr>
+          <p:cNvCxnSpPr>
+            <a:cxnSpLocks/>
+          </p:cNvCxnSpPr>
+          <p:nvPr/>
+        </p:nvCxnSpPr>
+        <p:spPr>
+          <a:xfrm flipV="1">
+            <a:off x="5919850" y="1056904"/>
+            <a:ext cx="0" cy="2933205"/>
+          </a:xfrm>
+          <a:prstGeom prst="line">
+            <a:avLst/>
+          </a:prstGeom>
+          <a:ln w="28575">
+            <a:solidFill>
+              <a:srgbClr val="C00000"/>
+            </a:solidFill>
+          </a:ln>
+        </p:spPr>
+        <p:style>
+          <a:lnRef idx="1">
+            <a:schemeClr val="accent1"/>
+          </a:lnRef>
+          <a:fillRef idx="0">
+            <a:schemeClr val="accent1"/>
+          </a:fillRef>
+          <a:effectRef idx="0">
+            <a:schemeClr val="accent1"/>
+          </a:effectRef>
+          <a:fontRef idx="minor">
+            <a:schemeClr val="tx1"/>
+          </a:fontRef>
+        </p:style>
+      </p:cxnSp>
+      <p:cxnSp>
+        <p:nvCxnSpPr>
+          <p:cNvPr id="12" name="Connecteur droit 11">
+            <a:extLst>
+              <a:ext uri="{FF2B5EF4-FFF2-40B4-BE49-F238E27FC236}">
+                <a16:creationId xmlns:a16="http://schemas.microsoft.com/office/drawing/2014/main" id="{9D835012-D6B8-4DF7-A896-E0E123499E9B}"/>
+              </a:ext>
+            </a:extLst>
+          </p:cNvPr>
+          <p:cNvCxnSpPr>
+            <a:cxnSpLocks/>
+          </p:cNvCxnSpPr>
+          <p:nvPr/>
+        </p:nvCxnSpPr>
+        <p:spPr>
+          <a:xfrm>
+            <a:off x="4677463" y="3572493"/>
+            <a:ext cx="3083062" cy="0"/>
+          </a:xfrm>
+          <a:prstGeom prst="line">
+            <a:avLst/>
+          </a:prstGeom>
+          <a:ln w="28575">
+            <a:solidFill>
+              <a:srgbClr val="C00000"/>
+            </a:solidFill>
+          </a:ln>
+        </p:spPr>
+        <p:style>
+          <a:lnRef idx="1">
+            <a:schemeClr val="accent1"/>
+          </a:lnRef>
+          <a:fillRef idx="0">
+            <a:schemeClr val="accent1"/>
+          </a:fillRef>
+          <a:effectRef idx="0">
+            <a:schemeClr val="accent1"/>
+          </a:effectRef>
+          <a:fontRef idx="minor">
+            <a:schemeClr val="tx1"/>
+          </a:fontRef>
+        </p:style>
+      </p:cxnSp>
+      <p:cxnSp>
+        <p:nvCxnSpPr>
+          <p:cNvPr id="14" name="Connecteur droit 13">
+            <a:extLst>
+              <a:ext uri="{FF2B5EF4-FFF2-40B4-BE49-F238E27FC236}">
+                <a16:creationId xmlns:a16="http://schemas.microsoft.com/office/drawing/2014/main" id="{4728E651-ACCF-4547-9AA8-9CB4D3B35B32}"/>
+              </a:ext>
+            </a:extLst>
+          </p:cNvPr>
+          <p:cNvCxnSpPr>
+            <a:cxnSpLocks/>
+          </p:cNvCxnSpPr>
+          <p:nvPr/>
+        </p:nvCxnSpPr>
+        <p:spPr>
+          <a:xfrm flipV="1">
+            <a:off x="5991101" y="3572493"/>
+            <a:ext cx="0" cy="417616"/>
+          </a:xfrm>
+          <a:prstGeom prst="line">
+            <a:avLst/>
+          </a:prstGeom>
+          <a:ln w="28575">
+            <a:solidFill>
+              <a:srgbClr val="C00000"/>
+            </a:solidFill>
+            <a:headEnd type="stealth" w="med" len="lg"/>
+          </a:ln>
+        </p:spPr>
+        <p:style>
+          <a:lnRef idx="1">
+            <a:schemeClr val="accent1"/>
+          </a:lnRef>
+          <a:fillRef idx="0">
+            <a:schemeClr val="accent1"/>
+          </a:fillRef>
+          <a:effectRef idx="0">
+            <a:schemeClr val="accent1"/>
+          </a:effectRef>
+          <a:fontRef idx="minor">
+            <a:schemeClr val="tx1"/>
+          </a:fontRef>
+        </p:style>
+      </p:cxnSp>
+      <mc:AlternateContent xmlns:mc="http://schemas.openxmlformats.org/markup-compatibility/2006" xmlns:a14="http://schemas.microsoft.com/office/drawing/2010/main">
+        <mc:Choice Requires="a14">
+          <p:sp>
+            <p:nvSpPr>
+              <p:cNvPr id="17" name="ZoneTexte 16">
+                <a:extLst>
+                  <a:ext uri="{FF2B5EF4-FFF2-40B4-BE49-F238E27FC236}">
+                    <a16:creationId xmlns:a16="http://schemas.microsoft.com/office/drawing/2014/main" id="{4469B3C5-56FD-4B0C-A32F-B13077681FC0}"/>
+                  </a:ext>
+                </a:extLst>
+              </p:cNvPr>
+              <p:cNvSpPr txBox="1"/>
+              <p:nvPr/>
+            </p:nvSpPr>
+            <p:spPr>
+              <a:xfrm>
+                <a:off x="6083588" y="3688968"/>
+                <a:ext cx="818237" cy="184666"/>
+              </a:xfrm>
+              <a:prstGeom prst="rect">
+                <a:avLst/>
+              </a:prstGeom>
+              <a:solidFill>
+                <a:schemeClr val="bg1"/>
+              </a:solidFill>
+            </p:spPr>
+            <p:txBody>
+              <a:bodyPr wrap="none" lIns="0" tIns="0" rIns="0" bIns="0" rtlCol="0">
+                <a:spAutoFit/>
+              </a:bodyPr>
+              <a:lstStyle/>
+              <a:p>
+                <a:pPr/>
+                <a14:m>
+                  <m:oMathPara xmlns:m="http://schemas.openxmlformats.org/officeDocument/2006/math">
+                    <m:oMathParaPr>
+                      <m:jc m:val="centerGroup"/>
+                    </m:oMathParaPr>
+                    <m:oMath xmlns:m="http://schemas.openxmlformats.org/officeDocument/2006/math">
+                      <m:r>
+                        <a:rPr lang="fr-FR" sz="1200" b="0" i="1" smtClean="0">
+                          <a:latin typeface="Cambria Math" panose="02040503050406030204" pitchFamily="18" charset="0"/>
+                        </a:rPr>
+                        <m:t>𝑀</m:t>
+                      </m:r>
+                      <m:r>
+                        <a:rPr lang="fr-FR" sz="1200" b="0" i="1" smtClean="0">
+                          <a:latin typeface="Cambria Math" panose="02040503050406030204" pitchFamily="18" charset="0"/>
+                        </a:rPr>
+                        <m:t>𝜑</m:t>
+                      </m:r>
+                      <m:r>
+                        <a:rPr lang="fr-FR" sz="1200" b="0" i="1" smtClean="0">
+                          <a:latin typeface="Cambria Math" panose="02040503050406030204" pitchFamily="18" charset="0"/>
+                        </a:rPr>
+                        <m:t>=−25°</m:t>
+                      </m:r>
+                    </m:oMath>
+                  </m:oMathPara>
+                </a14:m>
+                <a:endParaRPr lang="fr-FR" sz="1200" dirty="0"/>
+              </a:p>
+            </p:txBody>
+          </p:sp>
+        </mc:Choice>
+        <mc:Fallback xmlns="">
+          <p:sp>
+            <p:nvSpPr>
+              <p:cNvPr id="17" name="ZoneTexte 16">
+                <a:extLst>
+                  <a:ext uri="{FF2B5EF4-FFF2-40B4-BE49-F238E27FC236}">
+                    <a16:creationId xmlns:a16="http://schemas.microsoft.com/office/drawing/2014/main" id="{4469B3C5-56FD-4B0C-A32F-B13077681FC0}"/>
+                  </a:ext>
+                </a:extLst>
+              </p:cNvPr>
+              <p:cNvSpPr txBox="1">
+                <a:spLocks noRot="1" noChangeAspect="1" noMove="1" noResize="1" noEditPoints="1" noAdjustHandles="1" noChangeArrowheads="1" noChangeShapeType="1" noTextEdit="1"/>
+              </p:cNvSpPr>
+              <p:nvPr/>
+            </p:nvSpPr>
+            <p:spPr>
+              <a:xfrm>
+                <a:off x="6083588" y="3688968"/>
+                <a:ext cx="818237" cy="184666"/>
+              </a:xfrm>
+              <a:prstGeom prst="rect">
+                <a:avLst/>
+              </a:prstGeom>
+              <a:blipFill>
+                <a:blip r:embed="rId3"/>
+                <a:stretch>
+                  <a:fillRect l="-6716" r="-4478" b="-33333"/>
+                </a:stretch>
+              </a:blipFill>
+            </p:spPr>
+            <p:txBody>
+              <a:bodyPr/>
+              <a:lstStyle/>
+              <a:p>
+                <a:r>
+                  <a:rPr lang="fr-FR">
+                    <a:noFill/>
+                  </a:rPr>
+                  <a:t> </a:t>
+                </a:r>
+              </a:p>
+            </p:txBody>
+          </p:sp>
+        </mc:Fallback>
+      </mc:AlternateContent>
+      <p:cxnSp>
+        <p:nvCxnSpPr>
+          <p:cNvPr id="18" name="Connecteur droit 17">
+            <a:extLst>
+              <a:ext uri="{FF2B5EF4-FFF2-40B4-BE49-F238E27FC236}">
+                <a16:creationId xmlns:a16="http://schemas.microsoft.com/office/drawing/2014/main" id="{94F841BF-AE6B-4F07-94FE-CA4D3E163EA3}"/>
+              </a:ext>
+            </a:extLst>
+          </p:cNvPr>
+          <p:cNvCxnSpPr>
+            <a:cxnSpLocks/>
+          </p:cNvCxnSpPr>
+          <p:nvPr/>
+        </p:nvCxnSpPr>
+        <p:spPr>
+          <a:xfrm>
+            <a:off x="4677463" y="3990109"/>
+            <a:ext cx="3083062" cy="0"/>
+          </a:xfrm>
+          <a:prstGeom prst="line">
+            <a:avLst/>
+          </a:prstGeom>
+          <a:ln w="28575">
+            <a:solidFill>
+              <a:srgbClr val="C00000"/>
+            </a:solidFill>
+          </a:ln>
+        </p:spPr>
+        <p:style>
+          <a:lnRef idx="1">
+            <a:schemeClr val="accent1"/>
+          </a:lnRef>
+          <a:fillRef idx="0">
+            <a:schemeClr val="accent1"/>
+          </a:fillRef>
+          <a:effectRef idx="0">
+            <a:schemeClr val="accent1"/>
+          </a:effectRef>
+          <a:fontRef idx="minor">
+            <a:schemeClr val="tx1"/>
+          </a:fontRef>
+        </p:style>
+      </p:cxnSp>
+    </p:spTree>
+    <p:extLst>
+      <p:ext uri="{BB962C8B-B14F-4D97-AF65-F5344CB8AC3E}">
+        <p14:creationId xmlns:p14="http://schemas.microsoft.com/office/powerpoint/2010/main" val="3127142992"/>
+      </p:ext>
+    </p:extLst>
+  </p:cSld>
+  <p:clrMapOvr>
+    <a:masterClrMapping/>
+  </p:clrMapOvr>
+</p:sld>
+</file>
+
+<file path=ppt/slides/slide2.xml><?xml version="1.0" encoding="utf-8"?>
+<p:sld xmlns:a="http://schemas.openxmlformats.org/drawingml/2006/main" xmlns:r="http://schemas.openxmlformats.org/officeDocument/2006/relationships" xmlns:p="http://schemas.openxmlformats.org/presentationml/2006/main">
+  <p:cSld>
+    <p:spTree>
+      <p:nvGrpSpPr>
+        <p:cNvPr id="1" name=""/>
+        <p:cNvGrpSpPr/>
+        <p:nvPr/>
+      </p:nvGrpSpPr>
+      <p:grpSpPr>
+        <a:xfrm>
+          <a:off x="0" y="0"/>
+          <a:ext cx="0" cy="0"/>
+          <a:chOff x="0" y="0"/>
+          <a:chExt cx="0" cy="0"/>
+        </a:xfrm>
+      </p:grpSpPr>
+      <p:sp>
+        <p:nvSpPr>
+          <p:cNvPr id="4" name="Ellipse 3">
+            <a:extLst>
+              <a:ext uri="{FF2B5EF4-FFF2-40B4-BE49-F238E27FC236}">
+                <a16:creationId xmlns:a16="http://schemas.microsoft.com/office/drawing/2014/main" id="{970E741C-D2BD-49B1-B0BA-A88B54547657}"/>
+              </a:ext>
+            </a:extLst>
+          </p:cNvPr>
+          <p:cNvSpPr/>
+          <p:nvPr/>
+        </p:nvSpPr>
+        <p:spPr>
+          <a:xfrm>
+            <a:off x="3193573" y="3147005"/>
+            <a:ext cx="1241946" cy="600502"/>
+          </a:xfrm>
+          <a:prstGeom prst="ellipse">
+            <a:avLst/>
+          </a:prstGeom>
+          <a:noFill/>
+          <a:ln w="28575">
+            <a:solidFill>
+              <a:srgbClr val="0070C0"/>
+            </a:solidFill>
+          </a:ln>
+        </p:spPr>
+        <p:style>
+          <a:lnRef idx="2">
+            <a:schemeClr val="accent1">
+              <a:shade val="50000"/>
+            </a:schemeClr>
+          </a:lnRef>
+          <a:fillRef idx="1">
+            <a:schemeClr val="accent1"/>
+          </a:fillRef>
+          <a:effectRef idx="0">
+            <a:schemeClr val="accent1"/>
+          </a:effectRef>
+          <a:fontRef idx="minor">
+            <a:schemeClr val="lt1"/>
+          </a:fontRef>
+        </p:style>
+        <p:txBody>
+          <a:bodyPr rtlCol="0" anchor="ctr"/>
+          <a:lstStyle/>
+          <a:p>
+            <a:pPr algn="ctr"/>
+            <a:r>
+              <a:rPr lang="fr-FR" b="1" dirty="0">
+                <a:solidFill>
+                  <a:schemeClr val="tx1"/>
+                </a:solidFill>
+              </a:rPr>
+              <a:t>Pode 2</a:t>
+            </a:r>
+          </a:p>
+        </p:txBody>
+      </p:sp>
+      <p:sp>
+        <p:nvSpPr>
+          <p:cNvPr id="5" name="Ellipse 4">
+            <a:extLst>
+              <a:ext uri="{FF2B5EF4-FFF2-40B4-BE49-F238E27FC236}">
+                <a16:creationId xmlns:a16="http://schemas.microsoft.com/office/drawing/2014/main" id="{79782BC4-81C1-4BC9-9AAB-44AC0DAEA600}"/>
+              </a:ext>
+            </a:extLst>
+          </p:cNvPr>
+          <p:cNvSpPr/>
+          <p:nvPr/>
+        </p:nvSpPr>
+        <p:spPr>
+          <a:xfrm>
+            <a:off x="5475027" y="3147005"/>
+            <a:ext cx="1241946" cy="600502"/>
+          </a:xfrm>
+          <a:prstGeom prst="ellipse">
+            <a:avLst/>
+          </a:prstGeom>
+          <a:noFill/>
+          <a:ln w="28575">
+            <a:solidFill>
+              <a:schemeClr val="accent2"/>
+            </a:solidFill>
+          </a:ln>
+        </p:spPr>
+        <p:style>
+          <a:lnRef idx="2">
+            <a:schemeClr val="accent1">
+              <a:shade val="50000"/>
+            </a:schemeClr>
+          </a:lnRef>
+          <a:fillRef idx="1">
+            <a:schemeClr val="accent1"/>
+          </a:fillRef>
+          <a:effectRef idx="0">
+            <a:schemeClr val="accent1"/>
+          </a:effectRef>
+          <a:fontRef idx="minor">
+            <a:schemeClr val="lt1"/>
+          </a:fontRef>
+        </p:style>
+        <p:txBody>
+          <a:bodyPr rtlCol="0" anchor="ctr"/>
+          <a:lstStyle/>
+          <a:p>
+            <a:pPr algn="ctr"/>
+            <a:r>
+              <a:rPr lang="fr-FR" b="1" dirty="0">
+                <a:solidFill>
+                  <a:schemeClr val="tx1"/>
+                </a:solidFill>
+              </a:rPr>
+              <a:t>Pode 1</a:t>
+            </a:r>
+          </a:p>
+        </p:txBody>
+      </p:sp>
+      <p:sp>
+        <p:nvSpPr>
+          <p:cNvPr id="6" name="Ellipse 5">
+            <a:extLst>
+              <a:ext uri="{FF2B5EF4-FFF2-40B4-BE49-F238E27FC236}">
+                <a16:creationId xmlns:a16="http://schemas.microsoft.com/office/drawing/2014/main" id="{01C516E6-3143-44D7-B17D-38BF5171D3E3}"/>
+              </a:ext>
+            </a:extLst>
+          </p:cNvPr>
+          <p:cNvSpPr/>
+          <p:nvPr/>
+        </p:nvSpPr>
+        <p:spPr>
+          <a:xfrm>
+            <a:off x="7756481" y="3147005"/>
+            <a:ext cx="1241946" cy="600502"/>
+          </a:xfrm>
+          <a:prstGeom prst="ellipse">
+            <a:avLst/>
+          </a:prstGeom>
+          <a:noFill/>
+          <a:ln w="28575">
+            <a:solidFill>
+              <a:srgbClr val="7030A0"/>
+            </a:solidFill>
+          </a:ln>
+        </p:spPr>
+        <p:style>
+          <a:lnRef idx="2">
+            <a:schemeClr val="accent1">
+              <a:shade val="50000"/>
+            </a:schemeClr>
+          </a:lnRef>
+          <a:fillRef idx="1">
+            <a:schemeClr val="accent1"/>
+          </a:fillRef>
+          <a:effectRef idx="0">
+            <a:schemeClr val="accent1"/>
+          </a:effectRef>
+          <a:fontRef idx="minor">
+            <a:schemeClr val="lt1"/>
+          </a:fontRef>
+        </p:style>
+        <p:txBody>
+          <a:bodyPr rtlCol="0" anchor="ctr"/>
+          <a:lstStyle/>
+          <a:p>
+            <a:pPr algn="ctr"/>
+            <a:r>
+              <a:rPr lang="fr-FR" b="1" dirty="0">
+                <a:solidFill>
+                  <a:schemeClr val="tx1"/>
+                </a:solidFill>
+              </a:rPr>
+              <a:t>Pode 3</a:t>
+            </a:r>
+          </a:p>
+        </p:txBody>
+      </p:sp>
+      <p:sp>
+        <p:nvSpPr>
+          <p:cNvPr id="9" name="Ellipse 8">
+            <a:extLst>
+              <a:ext uri="{FF2B5EF4-FFF2-40B4-BE49-F238E27FC236}">
+                <a16:creationId xmlns:a16="http://schemas.microsoft.com/office/drawing/2014/main" id="{EB161F17-0151-422E-8B31-B1D6740EF69A}"/>
+              </a:ext>
+            </a:extLst>
+          </p:cNvPr>
+          <p:cNvSpPr/>
+          <p:nvPr/>
+        </p:nvSpPr>
+        <p:spPr>
+          <a:xfrm>
+            <a:off x="5826000" y="2158945"/>
+            <a:ext cx="540000" cy="540000"/>
+          </a:xfrm>
+          <a:prstGeom prst="ellipse">
+            <a:avLst/>
+          </a:prstGeom>
+          <a:noFill/>
+          <a:ln w="28575">
+            <a:solidFill>
+              <a:schemeClr val="tx1"/>
+            </a:solidFill>
+          </a:ln>
+        </p:spPr>
+        <p:style>
+          <a:lnRef idx="2">
+            <a:schemeClr val="accent1">
+              <a:shade val="50000"/>
+            </a:schemeClr>
+          </a:lnRef>
+          <a:fillRef idx="1">
+            <a:schemeClr val="accent1"/>
+          </a:fillRef>
+          <a:effectRef idx="0">
+            <a:schemeClr val="accent1"/>
+          </a:effectRef>
+          <a:fontRef idx="minor">
+            <a:schemeClr val="lt1"/>
+          </a:fontRef>
+        </p:style>
+        <p:txBody>
+          <a:bodyPr rtlCol="0" anchor="ctr"/>
+          <a:lstStyle/>
+          <a:p>
+            <a:pPr algn="ctr"/>
+            <a:r>
+              <a:rPr lang="fr-FR" b="1" dirty="0">
+                <a:solidFill>
+                  <a:schemeClr val="tx1"/>
+                </a:solidFill>
+              </a:rPr>
+              <a:t>1</a:t>
+            </a:r>
+            <a:r>
+              <a:rPr lang="fr-FR" b="1" baseline="-25000" dirty="0">
+                <a:solidFill>
+                  <a:schemeClr val="tx1"/>
+                </a:solidFill>
+              </a:rPr>
+              <a:t>g</a:t>
+            </a:r>
+          </a:p>
+        </p:txBody>
+      </p:sp>
+      <p:sp>
+        <p:nvSpPr>
+          <p:cNvPr id="10" name="Ellipse 9">
+            <a:extLst>
+              <a:ext uri="{FF2B5EF4-FFF2-40B4-BE49-F238E27FC236}">
+                <a16:creationId xmlns:a16="http://schemas.microsoft.com/office/drawing/2014/main" id="{E2886889-BB00-4633-A3C2-60D104E29E59}"/>
+              </a:ext>
+            </a:extLst>
+          </p:cNvPr>
+          <p:cNvSpPr/>
+          <p:nvPr/>
+        </p:nvSpPr>
+        <p:spPr>
+          <a:xfrm>
+            <a:off x="5826000" y="4140902"/>
+            <a:ext cx="540000" cy="540000"/>
+          </a:xfrm>
+          <a:prstGeom prst="ellipse">
+            <a:avLst/>
+          </a:prstGeom>
+          <a:noFill/>
+          <a:ln w="28575">
+            <a:solidFill>
+              <a:schemeClr val="tx1"/>
+            </a:solidFill>
+          </a:ln>
+        </p:spPr>
+        <p:style>
+          <a:lnRef idx="2">
+            <a:schemeClr val="accent1">
+              <a:shade val="50000"/>
+            </a:schemeClr>
+          </a:lnRef>
+          <a:fillRef idx="1">
+            <a:schemeClr val="accent1"/>
+          </a:fillRef>
+          <a:effectRef idx="0">
+            <a:schemeClr val="accent1"/>
+          </a:effectRef>
+          <a:fontRef idx="minor">
+            <a:schemeClr val="lt1"/>
+          </a:fontRef>
+        </p:style>
+        <p:txBody>
+          <a:bodyPr rtlCol="0" anchor="ctr"/>
+          <a:lstStyle/>
+          <a:p>
+            <a:pPr algn="ctr"/>
+            <a:r>
+              <a:rPr lang="fr-FR" b="1" dirty="0">
+                <a:solidFill>
+                  <a:schemeClr val="tx1"/>
+                </a:solidFill>
+              </a:rPr>
+              <a:t>1</a:t>
+            </a:r>
+            <a:r>
+              <a:rPr lang="fr-FR" b="1" baseline="-25000" dirty="0">
+                <a:solidFill>
+                  <a:schemeClr val="tx1"/>
+                </a:solidFill>
+              </a:rPr>
+              <a:t>d</a:t>
+            </a:r>
+          </a:p>
+        </p:txBody>
+      </p:sp>
+      <p:cxnSp>
+        <p:nvCxnSpPr>
+          <p:cNvPr id="16" name="Connecteur droit 15">
+            <a:extLst>
+              <a:ext uri="{FF2B5EF4-FFF2-40B4-BE49-F238E27FC236}">
+                <a16:creationId xmlns:a16="http://schemas.microsoft.com/office/drawing/2014/main" id="{7C5999CE-45AF-4712-A18E-242BEBAE6552}"/>
+              </a:ext>
+            </a:extLst>
+          </p:cNvPr>
+          <p:cNvCxnSpPr>
+            <a:stCxn id="7" idx="4"/>
+            <a:endCxn id="4" idx="0"/>
+          </p:cNvCxnSpPr>
+          <p:nvPr/>
+        </p:nvCxnSpPr>
+        <p:spPr>
+          <a:xfrm>
+            <a:off x="3814546" y="2698945"/>
+            <a:ext cx="0" cy="448060"/>
+          </a:xfrm>
+          <a:prstGeom prst="line">
+            <a:avLst/>
+          </a:prstGeom>
+          <a:noFill/>
+          <a:ln w="28575">
+            <a:solidFill>
+              <a:schemeClr val="tx1"/>
+            </a:solidFill>
+          </a:ln>
+        </p:spPr>
+        <p:style>
+          <a:lnRef idx="2">
+            <a:schemeClr val="accent1">
+              <a:shade val="50000"/>
+            </a:schemeClr>
+          </a:lnRef>
+          <a:fillRef idx="1">
+            <a:schemeClr val="accent1"/>
+          </a:fillRef>
+          <a:effectRef idx="0">
+            <a:schemeClr val="accent1"/>
+          </a:effectRef>
+          <a:fontRef idx="minor">
+            <a:schemeClr val="lt1"/>
+          </a:fontRef>
+        </p:style>
+      </p:cxnSp>
+      <p:cxnSp>
+        <p:nvCxnSpPr>
+          <p:cNvPr id="17" name="Connecteur droit 16">
+            <a:extLst>
+              <a:ext uri="{FF2B5EF4-FFF2-40B4-BE49-F238E27FC236}">
+                <a16:creationId xmlns:a16="http://schemas.microsoft.com/office/drawing/2014/main" id="{7094B753-AC8C-42FB-852E-FC37B585FDEB}"/>
+              </a:ext>
+            </a:extLst>
+          </p:cNvPr>
+          <p:cNvCxnSpPr>
+            <a:cxnSpLocks/>
+            <a:stCxn id="4" idx="4"/>
+            <a:endCxn id="8" idx="0"/>
+          </p:cNvCxnSpPr>
+          <p:nvPr/>
+        </p:nvCxnSpPr>
+        <p:spPr>
+          <a:xfrm>
+            <a:off x="3814546" y="3747507"/>
+            <a:ext cx="0" cy="393395"/>
+          </a:xfrm>
+          <a:prstGeom prst="line">
+            <a:avLst/>
+          </a:prstGeom>
+          <a:noFill/>
+          <a:ln w="28575">
+            <a:solidFill>
+              <a:schemeClr val="tx1"/>
+            </a:solidFill>
+          </a:ln>
+        </p:spPr>
+        <p:style>
+          <a:lnRef idx="2">
+            <a:schemeClr val="accent1">
+              <a:shade val="50000"/>
+            </a:schemeClr>
+          </a:lnRef>
+          <a:fillRef idx="1">
+            <a:schemeClr val="accent1"/>
+          </a:fillRef>
+          <a:effectRef idx="0">
+            <a:schemeClr val="accent1"/>
+          </a:effectRef>
+          <a:fontRef idx="minor">
+            <a:schemeClr val="lt1"/>
+          </a:fontRef>
+        </p:style>
+      </p:cxnSp>
+      <p:cxnSp>
+        <p:nvCxnSpPr>
+          <p:cNvPr id="21" name="Connecteur droit 20">
+            <a:extLst>
+              <a:ext uri="{FF2B5EF4-FFF2-40B4-BE49-F238E27FC236}">
+                <a16:creationId xmlns:a16="http://schemas.microsoft.com/office/drawing/2014/main" id="{2581CA43-674F-4558-AF46-AB0249FE4689}"/>
+              </a:ext>
+            </a:extLst>
+          </p:cNvPr>
+          <p:cNvCxnSpPr>
+            <a:cxnSpLocks/>
+            <a:stCxn id="5" idx="4"/>
+            <a:endCxn id="10" idx="0"/>
+          </p:cNvCxnSpPr>
+          <p:nvPr/>
+        </p:nvCxnSpPr>
+        <p:spPr>
+          <a:xfrm>
+            <a:off x="6096000" y="3747507"/>
+            <a:ext cx="0" cy="393395"/>
+          </a:xfrm>
+          <a:prstGeom prst="line">
+            <a:avLst/>
+          </a:prstGeom>
+          <a:noFill/>
+          <a:ln w="28575">
+            <a:solidFill>
+              <a:schemeClr val="tx1"/>
+            </a:solidFill>
+          </a:ln>
+        </p:spPr>
+        <p:style>
+          <a:lnRef idx="2">
+            <a:schemeClr val="accent1">
+              <a:shade val="50000"/>
+            </a:schemeClr>
+          </a:lnRef>
+          <a:fillRef idx="1">
+            <a:schemeClr val="accent1"/>
+          </a:fillRef>
+          <a:effectRef idx="0">
+            <a:schemeClr val="accent1"/>
+          </a:effectRef>
+          <a:fontRef idx="minor">
+            <a:schemeClr val="lt1"/>
+          </a:fontRef>
+        </p:style>
+      </p:cxnSp>
+      <p:cxnSp>
+        <p:nvCxnSpPr>
+          <p:cNvPr id="24" name="Connecteur droit 23">
+            <a:extLst>
+              <a:ext uri="{FF2B5EF4-FFF2-40B4-BE49-F238E27FC236}">
+                <a16:creationId xmlns:a16="http://schemas.microsoft.com/office/drawing/2014/main" id="{73A2E2AE-71C4-4B71-9D7C-0F168A272EB9}"/>
+              </a:ext>
+            </a:extLst>
+          </p:cNvPr>
+          <p:cNvCxnSpPr>
+            <a:cxnSpLocks/>
+            <a:stCxn id="6" idx="4"/>
+            <a:endCxn id="14" idx="0"/>
+          </p:cNvCxnSpPr>
+          <p:nvPr/>
+        </p:nvCxnSpPr>
+        <p:spPr>
+          <a:xfrm>
+            <a:off x="8377454" y="3747507"/>
+            <a:ext cx="0" cy="393395"/>
+          </a:xfrm>
+          <a:prstGeom prst="line">
+            <a:avLst/>
+          </a:prstGeom>
+          <a:noFill/>
+          <a:ln w="28575">
+            <a:solidFill>
+              <a:schemeClr val="tx1"/>
+            </a:solidFill>
+          </a:ln>
+        </p:spPr>
+        <p:style>
+          <a:lnRef idx="2">
+            <a:schemeClr val="accent1">
+              <a:shade val="50000"/>
+            </a:schemeClr>
+          </a:lnRef>
+          <a:fillRef idx="1">
+            <a:schemeClr val="accent1"/>
+          </a:fillRef>
+          <a:effectRef idx="0">
+            <a:schemeClr val="accent1"/>
+          </a:effectRef>
+          <a:fontRef idx="minor">
+            <a:schemeClr val="lt1"/>
+          </a:fontRef>
+        </p:style>
+      </p:cxnSp>
+      <p:cxnSp>
+        <p:nvCxnSpPr>
+          <p:cNvPr id="27" name="Connecteur droit 26">
+            <a:extLst>
+              <a:ext uri="{FF2B5EF4-FFF2-40B4-BE49-F238E27FC236}">
+                <a16:creationId xmlns:a16="http://schemas.microsoft.com/office/drawing/2014/main" id="{825FBBD5-53E0-4D89-8DA4-A04B3B5639F8}"/>
+              </a:ext>
+            </a:extLst>
+          </p:cNvPr>
+          <p:cNvCxnSpPr>
+            <a:cxnSpLocks/>
+            <a:stCxn id="9" idx="4"/>
+            <a:endCxn id="5" idx="0"/>
+          </p:cNvCxnSpPr>
+          <p:nvPr/>
+        </p:nvCxnSpPr>
+        <p:spPr>
+          <a:xfrm>
+            <a:off x="6096000" y="2698945"/>
+            <a:ext cx="0" cy="448060"/>
+          </a:xfrm>
+          <a:prstGeom prst="line">
+            <a:avLst/>
+          </a:prstGeom>
+          <a:noFill/>
+          <a:ln w="28575">
+            <a:solidFill>
+              <a:schemeClr val="tx1"/>
+            </a:solidFill>
+          </a:ln>
+        </p:spPr>
+        <p:style>
+          <a:lnRef idx="2">
+            <a:schemeClr val="accent1">
+              <a:shade val="50000"/>
+            </a:schemeClr>
+          </a:lnRef>
+          <a:fillRef idx="1">
+            <a:schemeClr val="accent1"/>
+          </a:fillRef>
+          <a:effectRef idx="0">
+            <a:schemeClr val="accent1"/>
+          </a:effectRef>
+          <a:fontRef idx="minor">
+            <a:schemeClr val="lt1"/>
+          </a:fontRef>
+        </p:style>
+      </p:cxnSp>
+      <p:cxnSp>
+        <p:nvCxnSpPr>
+          <p:cNvPr id="30" name="Connecteur droit 29">
+            <a:extLst>
+              <a:ext uri="{FF2B5EF4-FFF2-40B4-BE49-F238E27FC236}">
+                <a16:creationId xmlns:a16="http://schemas.microsoft.com/office/drawing/2014/main" id="{BDA19E69-C5E1-4E66-B42C-ED8E6C824E70}"/>
+              </a:ext>
+            </a:extLst>
+          </p:cNvPr>
+          <p:cNvCxnSpPr>
+            <a:cxnSpLocks/>
+            <a:stCxn id="13" idx="4"/>
+            <a:endCxn id="6" idx="0"/>
+          </p:cNvCxnSpPr>
+          <p:nvPr/>
+        </p:nvCxnSpPr>
+        <p:spPr>
+          <a:xfrm>
+            <a:off x="8377454" y="2698945"/>
+            <a:ext cx="0" cy="448060"/>
+          </a:xfrm>
+          <a:prstGeom prst="line">
+            <a:avLst/>
+          </a:prstGeom>
+          <a:noFill/>
+          <a:ln w="28575">
+            <a:solidFill>
+              <a:schemeClr val="tx1"/>
+            </a:solidFill>
+          </a:ln>
+        </p:spPr>
+        <p:style>
+          <a:lnRef idx="2">
+            <a:schemeClr val="accent1">
+              <a:shade val="50000"/>
+            </a:schemeClr>
+          </a:lnRef>
+          <a:fillRef idx="1">
+            <a:schemeClr val="accent1"/>
+          </a:fillRef>
+          <a:effectRef idx="0">
+            <a:schemeClr val="accent1"/>
+          </a:effectRef>
+          <a:fontRef idx="minor">
+            <a:schemeClr val="lt1"/>
+          </a:fontRef>
+        </p:style>
+      </p:cxnSp>
+      <p:cxnSp>
+        <p:nvCxnSpPr>
+          <p:cNvPr id="33" name="Connecteur droit 32">
+            <a:extLst>
+              <a:ext uri="{FF2B5EF4-FFF2-40B4-BE49-F238E27FC236}">
+                <a16:creationId xmlns:a16="http://schemas.microsoft.com/office/drawing/2014/main" id="{85DBE66E-E3C5-4C78-B0A4-B74F9C44633D}"/>
+              </a:ext>
+            </a:extLst>
+          </p:cNvPr>
+          <p:cNvCxnSpPr>
+            <a:cxnSpLocks/>
+            <a:stCxn id="4" idx="6"/>
+            <a:endCxn id="5" idx="2"/>
+          </p:cNvCxnSpPr>
+          <p:nvPr/>
+        </p:nvCxnSpPr>
+        <p:spPr>
+          <a:xfrm>
+            <a:off x="4435519" y="3447256"/>
+            <a:ext cx="1039508" cy="0"/>
+          </a:xfrm>
+          <a:prstGeom prst="line">
+            <a:avLst/>
+          </a:prstGeom>
+          <a:noFill/>
+          <a:ln w="28575">
+            <a:solidFill>
+              <a:schemeClr val="tx1"/>
+            </a:solidFill>
+          </a:ln>
+        </p:spPr>
+        <p:style>
+          <a:lnRef idx="2">
+            <a:schemeClr val="accent1">
+              <a:shade val="50000"/>
+            </a:schemeClr>
+          </a:lnRef>
+          <a:fillRef idx="1">
+            <a:schemeClr val="accent1"/>
+          </a:fillRef>
+          <a:effectRef idx="0">
+            <a:schemeClr val="accent1"/>
+          </a:effectRef>
+          <a:fontRef idx="minor">
+            <a:schemeClr val="lt1"/>
+          </a:fontRef>
+        </p:style>
+      </p:cxnSp>
+      <p:cxnSp>
+        <p:nvCxnSpPr>
+          <p:cNvPr id="36" name="Connecteur droit 35">
+            <a:extLst>
+              <a:ext uri="{FF2B5EF4-FFF2-40B4-BE49-F238E27FC236}">
+                <a16:creationId xmlns:a16="http://schemas.microsoft.com/office/drawing/2014/main" id="{ABB2A0E0-50E9-480A-B1AA-4CABBBDE313B}"/>
+              </a:ext>
+            </a:extLst>
+          </p:cNvPr>
+          <p:cNvCxnSpPr>
+            <a:cxnSpLocks/>
+            <a:stCxn id="5" idx="6"/>
+            <a:endCxn id="6" idx="2"/>
+          </p:cNvCxnSpPr>
+          <p:nvPr/>
+        </p:nvCxnSpPr>
+        <p:spPr>
+          <a:xfrm>
+            <a:off x="6716973" y="3447256"/>
+            <a:ext cx="1039508" cy="0"/>
+          </a:xfrm>
+          <a:prstGeom prst="line">
+            <a:avLst/>
+          </a:prstGeom>
+          <a:noFill/>
+          <a:ln w="28575">
+            <a:solidFill>
+              <a:schemeClr val="tx1"/>
+            </a:solidFill>
+          </a:ln>
+        </p:spPr>
+        <p:style>
+          <a:lnRef idx="2">
+            <a:schemeClr val="accent1">
+              <a:shade val="50000"/>
+            </a:schemeClr>
+          </a:lnRef>
+          <a:fillRef idx="1">
+            <a:schemeClr val="accent1"/>
+          </a:fillRef>
+          <a:effectRef idx="0">
+            <a:schemeClr val="accent1"/>
+          </a:effectRef>
+          <a:fontRef idx="minor">
+            <a:schemeClr val="lt1"/>
+          </a:fontRef>
+        </p:style>
+      </p:cxnSp>
+      <p:cxnSp>
+        <p:nvCxnSpPr>
+          <p:cNvPr id="42" name="Connecteur droit 41">
+            <a:extLst>
+              <a:ext uri="{FF2B5EF4-FFF2-40B4-BE49-F238E27FC236}">
+                <a16:creationId xmlns:a16="http://schemas.microsoft.com/office/drawing/2014/main" id="{C1EF57F6-054A-412B-9E9F-3A1A965F2698}"/>
+              </a:ext>
+            </a:extLst>
+          </p:cNvPr>
+          <p:cNvCxnSpPr>
+            <a:cxnSpLocks/>
+          </p:cNvCxnSpPr>
+          <p:nvPr/>
+        </p:nvCxnSpPr>
+        <p:spPr>
+          <a:xfrm flipV="1">
+            <a:off x="3814546" y="1288443"/>
+            <a:ext cx="2281454" cy="1140502"/>
+          </a:xfrm>
+          <a:prstGeom prst="line">
+            <a:avLst/>
+          </a:prstGeom>
+          <a:noFill/>
+          <a:ln w="28575">
+            <a:solidFill>
+              <a:schemeClr val="tx1"/>
+            </a:solidFill>
+          </a:ln>
+        </p:spPr>
+        <p:style>
+          <a:lnRef idx="2">
+            <a:schemeClr val="accent1">
+              <a:shade val="50000"/>
+            </a:schemeClr>
+          </a:lnRef>
+          <a:fillRef idx="1">
+            <a:schemeClr val="accent1"/>
+          </a:fillRef>
+          <a:effectRef idx="0">
+            <a:schemeClr val="accent1"/>
+          </a:effectRef>
+          <a:fontRef idx="minor">
+            <a:schemeClr val="lt1"/>
+          </a:fontRef>
+        </p:style>
+      </p:cxnSp>
+      <p:cxnSp>
+        <p:nvCxnSpPr>
+          <p:cNvPr id="49" name="Connecteur droit 48">
+            <a:extLst>
+              <a:ext uri="{FF2B5EF4-FFF2-40B4-BE49-F238E27FC236}">
+                <a16:creationId xmlns:a16="http://schemas.microsoft.com/office/drawing/2014/main" id="{E82A9483-62BB-4955-A906-8C0F7821247A}"/>
+              </a:ext>
+            </a:extLst>
+          </p:cNvPr>
+          <p:cNvCxnSpPr>
+            <a:cxnSpLocks/>
+            <a:stCxn id="41" idx="4"/>
+            <a:endCxn id="9" idx="0"/>
+          </p:cNvCxnSpPr>
+          <p:nvPr/>
+        </p:nvCxnSpPr>
+        <p:spPr>
+          <a:xfrm>
+            <a:off x="6096000" y="1558443"/>
+            <a:ext cx="0" cy="600502"/>
+          </a:xfrm>
+          <a:prstGeom prst="line">
+            <a:avLst/>
+          </a:prstGeom>
+          <a:noFill/>
+          <a:ln w="28575">
+            <a:solidFill>
+              <a:schemeClr val="tx1"/>
+            </a:solidFill>
+          </a:ln>
+        </p:spPr>
+        <p:style>
+          <a:lnRef idx="2">
+            <a:schemeClr val="accent1">
+              <a:shade val="50000"/>
+            </a:schemeClr>
+          </a:lnRef>
+          <a:fillRef idx="1">
+            <a:schemeClr val="accent1"/>
+          </a:fillRef>
+          <a:effectRef idx="0">
+            <a:schemeClr val="accent1"/>
+          </a:effectRef>
+          <a:fontRef idx="minor">
+            <a:schemeClr val="lt1"/>
+          </a:fontRef>
+        </p:style>
+      </p:cxnSp>
+      <p:sp>
+        <p:nvSpPr>
+          <p:cNvPr id="41" name="Ellipse 40">
+            <a:extLst>
+              <a:ext uri="{FF2B5EF4-FFF2-40B4-BE49-F238E27FC236}">
+                <a16:creationId xmlns:a16="http://schemas.microsoft.com/office/drawing/2014/main" id="{17E034F2-A174-4006-A50C-8D54A928AB95}"/>
+              </a:ext>
+            </a:extLst>
+          </p:cNvPr>
+          <p:cNvSpPr/>
+          <p:nvPr/>
+        </p:nvSpPr>
+        <p:spPr>
+          <a:xfrm>
+            <a:off x="5826000" y="1018443"/>
+            <a:ext cx="540000" cy="540000"/>
+          </a:xfrm>
+          <a:prstGeom prst="ellipse">
+            <a:avLst/>
+          </a:prstGeom>
+          <a:solidFill>
+            <a:schemeClr val="bg1">
+              <a:lumMod val="85000"/>
+            </a:schemeClr>
+          </a:solidFill>
+          <a:ln w="28575">
+            <a:solidFill>
+              <a:schemeClr val="tx1"/>
+            </a:solidFill>
+          </a:ln>
+        </p:spPr>
+        <p:style>
+          <a:lnRef idx="2">
+            <a:schemeClr val="accent1">
+              <a:shade val="50000"/>
+            </a:schemeClr>
+          </a:lnRef>
+          <a:fillRef idx="1">
+            <a:schemeClr val="accent1"/>
+          </a:fillRef>
+          <a:effectRef idx="0">
+            <a:schemeClr val="accent1"/>
+          </a:effectRef>
+          <a:fontRef idx="minor">
+            <a:schemeClr val="lt1"/>
+          </a:fontRef>
+        </p:style>
+        <p:txBody>
+          <a:bodyPr rtlCol="0" anchor="ctr"/>
+          <a:lstStyle/>
+          <a:p>
+            <a:pPr algn="ctr"/>
+            <a:r>
+              <a:rPr lang="fr-FR" b="1" dirty="0">
+                <a:solidFill>
+                  <a:schemeClr val="tx1"/>
+                </a:solidFill>
+              </a:rPr>
+              <a:t>0</a:t>
+            </a:r>
+          </a:p>
+        </p:txBody>
+      </p:sp>
+      <p:cxnSp>
+        <p:nvCxnSpPr>
+          <p:cNvPr id="58" name="Connecteur droit 57">
+            <a:extLst>
+              <a:ext uri="{FF2B5EF4-FFF2-40B4-BE49-F238E27FC236}">
+                <a16:creationId xmlns:a16="http://schemas.microsoft.com/office/drawing/2014/main" id="{0DDB202D-BF22-4FCE-91A5-69AD630FDF9B}"/>
+              </a:ext>
+            </a:extLst>
+          </p:cNvPr>
+          <p:cNvCxnSpPr>
+            <a:cxnSpLocks/>
+          </p:cNvCxnSpPr>
+          <p:nvPr/>
+        </p:nvCxnSpPr>
+        <p:spPr>
+          <a:xfrm rot="10800000">
+            <a:off x="3814546" y="4431371"/>
+            <a:ext cx="2281454" cy="1128886"/>
+          </a:xfrm>
+          <a:prstGeom prst="line">
+            <a:avLst/>
+          </a:prstGeom>
+          <a:noFill/>
+          <a:ln w="28575">
+            <a:solidFill>
+              <a:schemeClr val="tx1"/>
+            </a:solidFill>
+          </a:ln>
+        </p:spPr>
+        <p:style>
+          <a:lnRef idx="2">
+            <a:schemeClr val="accent1">
+              <a:shade val="50000"/>
+            </a:schemeClr>
+          </a:lnRef>
+          <a:fillRef idx="1">
+            <a:schemeClr val="accent1"/>
+          </a:fillRef>
+          <a:effectRef idx="0">
+            <a:schemeClr val="accent1"/>
+          </a:effectRef>
+          <a:fontRef idx="minor">
+            <a:schemeClr val="lt1"/>
+          </a:fontRef>
+        </p:style>
+      </p:cxnSp>
+      <p:cxnSp>
+        <p:nvCxnSpPr>
+          <p:cNvPr id="59" name="Connecteur droit 58">
+            <a:extLst>
+              <a:ext uri="{FF2B5EF4-FFF2-40B4-BE49-F238E27FC236}">
+                <a16:creationId xmlns:a16="http://schemas.microsoft.com/office/drawing/2014/main" id="{BC694442-C074-472C-9ABB-932F64EEB89A}"/>
+              </a:ext>
+            </a:extLst>
+          </p:cNvPr>
+          <p:cNvCxnSpPr>
+            <a:cxnSpLocks/>
+            <a:stCxn id="56" idx="4"/>
+            <a:endCxn id="10" idx="4"/>
+          </p:cNvCxnSpPr>
+          <p:nvPr/>
+        </p:nvCxnSpPr>
+        <p:spPr>
+          <a:xfrm flipV="1">
+            <a:off x="6096000" y="4680902"/>
+            <a:ext cx="0" cy="618655"/>
+          </a:xfrm>
+          <a:prstGeom prst="line">
+            <a:avLst/>
+          </a:prstGeom>
+          <a:noFill/>
+          <a:ln w="28575">
+            <a:solidFill>
+              <a:schemeClr val="tx1"/>
+            </a:solidFill>
+          </a:ln>
+        </p:spPr>
+        <p:style>
+          <a:lnRef idx="2">
+            <a:schemeClr val="accent1">
+              <a:shade val="50000"/>
+            </a:schemeClr>
+          </a:lnRef>
+          <a:fillRef idx="1">
+            <a:schemeClr val="accent1"/>
+          </a:fillRef>
+          <a:effectRef idx="0">
+            <a:schemeClr val="accent1"/>
+          </a:effectRef>
+          <a:fontRef idx="minor">
+            <a:schemeClr val="lt1"/>
+          </a:fontRef>
+        </p:style>
+      </p:cxnSp>
+      <p:sp>
+        <p:nvSpPr>
+          <p:cNvPr id="56" name="Ellipse 55">
+            <a:extLst>
+              <a:ext uri="{FF2B5EF4-FFF2-40B4-BE49-F238E27FC236}">
+                <a16:creationId xmlns:a16="http://schemas.microsoft.com/office/drawing/2014/main" id="{D7A185FC-F799-45BD-9DC7-F604F441001B}"/>
+              </a:ext>
+            </a:extLst>
+          </p:cNvPr>
+          <p:cNvSpPr/>
+          <p:nvPr/>
+        </p:nvSpPr>
+        <p:spPr>
+          <a:xfrm rot="10800000">
+            <a:off x="5826000" y="5299557"/>
+            <a:ext cx="540000" cy="540000"/>
+          </a:xfrm>
+          <a:prstGeom prst="ellipse">
+            <a:avLst/>
+          </a:prstGeom>
+          <a:solidFill>
+            <a:schemeClr val="bg1">
+              <a:lumMod val="85000"/>
+            </a:schemeClr>
+          </a:solidFill>
+          <a:ln w="28575">
+            <a:solidFill>
+              <a:schemeClr val="tx1"/>
+            </a:solidFill>
+          </a:ln>
+        </p:spPr>
+        <p:style>
+          <a:lnRef idx="2">
+            <a:schemeClr val="accent1">
+              <a:shade val="50000"/>
+            </a:schemeClr>
+          </a:lnRef>
+          <a:fillRef idx="1">
+            <a:schemeClr val="accent1"/>
+          </a:fillRef>
+          <a:effectRef idx="0">
+            <a:schemeClr val="accent1"/>
+          </a:effectRef>
+          <a:fontRef idx="minor">
+            <a:schemeClr val="lt1"/>
+          </a:fontRef>
+        </p:style>
+        <p:txBody>
+          <a:bodyPr rtlCol="0" anchor="ctr"/>
+          <a:lstStyle/>
+          <a:p>
+            <a:pPr algn="ctr"/>
+            <a:r>
+              <a:rPr lang="fr-FR" b="1" dirty="0">
+                <a:solidFill>
+                  <a:schemeClr val="tx1"/>
+                </a:solidFill>
+              </a:rPr>
+              <a:t>0</a:t>
+            </a:r>
+          </a:p>
+        </p:txBody>
+      </p:sp>
+      <p:sp>
+        <p:nvSpPr>
+          <p:cNvPr id="7" name="Ellipse 6">
+            <a:extLst>
+              <a:ext uri="{FF2B5EF4-FFF2-40B4-BE49-F238E27FC236}">
+                <a16:creationId xmlns:a16="http://schemas.microsoft.com/office/drawing/2014/main" id="{B7387967-30F3-482C-88D4-6D895C3E527E}"/>
+              </a:ext>
+            </a:extLst>
+          </p:cNvPr>
+          <p:cNvSpPr/>
+          <p:nvPr/>
+        </p:nvSpPr>
+        <p:spPr>
+          <a:xfrm>
+            <a:off x="3544546" y="2158945"/>
+            <a:ext cx="540000" cy="540000"/>
+          </a:xfrm>
+          <a:prstGeom prst="ellipse">
+            <a:avLst/>
+          </a:prstGeom>
+          <a:solidFill>
+            <a:schemeClr val="bg1"/>
+          </a:solidFill>
+          <a:ln w="28575">
+            <a:solidFill>
+              <a:schemeClr val="tx1"/>
+            </a:solidFill>
+          </a:ln>
+        </p:spPr>
+        <p:style>
+          <a:lnRef idx="2">
+            <a:schemeClr val="accent1">
+              <a:shade val="50000"/>
+            </a:schemeClr>
+          </a:lnRef>
+          <a:fillRef idx="1">
+            <a:schemeClr val="accent1"/>
+          </a:fillRef>
+          <a:effectRef idx="0">
+            <a:schemeClr val="accent1"/>
+          </a:effectRef>
+          <a:fontRef idx="minor">
+            <a:schemeClr val="lt1"/>
+          </a:fontRef>
+        </p:style>
+        <p:txBody>
+          <a:bodyPr rtlCol="0" anchor="ctr"/>
+          <a:lstStyle/>
+          <a:p>
+            <a:pPr algn="ctr"/>
+            <a:r>
+              <a:rPr lang="fr-FR" b="1" dirty="0">
+                <a:solidFill>
+                  <a:schemeClr val="tx1"/>
+                </a:solidFill>
+              </a:rPr>
+              <a:t>2</a:t>
+            </a:r>
+            <a:r>
+              <a:rPr lang="fr-FR" b="1" baseline="-25000" dirty="0">
+                <a:solidFill>
+                  <a:schemeClr val="tx1"/>
+                </a:solidFill>
+              </a:rPr>
+              <a:t>g</a:t>
+            </a:r>
+          </a:p>
+        </p:txBody>
+      </p:sp>
+      <p:sp>
+        <p:nvSpPr>
+          <p:cNvPr id="8" name="Ellipse 7">
+            <a:extLst>
+              <a:ext uri="{FF2B5EF4-FFF2-40B4-BE49-F238E27FC236}">
+                <a16:creationId xmlns:a16="http://schemas.microsoft.com/office/drawing/2014/main" id="{07B1D00B-1EAA-49CD-A8C0-CF03179E69E3}"/>
+              </a:ext>
+            </a:extLst>
+          </p:cNvPr>
+          <p:cNvSpPr/>
+          <p:nvPr/>
+        </p:nvSpPr>
+        <p:spPr>
+          <a:xfrm>
+            <a:off x="3544546" y="4140902"/>
+            <a:ext cx="540000" cy="540000"/>
+          </a:xfrm>
+          <a:prstGeom prst="ellipse">
+            <a:avLst/>
+          </a:prstGeom>
+          <a:solidFill>
+            <a:schemeClr val="bg1"/>
+          </a:solidFill>
+          <a:ln w="28575">
+            <a:solidFill>
+              <a:schemeClr val="tx1"/>
+            </a:solidFill>
+          </a:ln>
+        </p:spPr>
+        <p:style>
+          <a:lnRef idx="2">
+            <a:schemeClr val="accent1">
+              <a:shade val="50000"/>
+            </a:schemeClr>
+          </a:lnRef>
+          <a:fillRef idx="1">
+            <a:schemeClr val="accent1"/>
+          </a:fillRef>
+          <a:effectRef idx="0">
+            <a:schemeClr val="accent1"/>
+          </a:effectRef>
+          <a:fontRef idx="minor">
+            <a:schemeClr val="lt1"/>
+          </a:fontRef>
+        </p:style>
+        <p:txBody>
+          <a:bodyPr rtlCol="0" anchor="ctr"/>
+          <a:lstStyle/>
+          <a:p>
+            <a:pPr algn="ctr"/>
+            <a:r>
+              <a:rPr lang="fr-FR" b="1" dirty="0">
+                <a:solidFill>
+                  <a:schemeClr val="tx1"/>
+                </a:solidFill>
+              </a:rPr>
+              <a:t>2</a:t>
+            </a:r>
+            <a:r>
+              <a:rPr lang="fr-FR" b="1" baseline="-25000" dirty="0">
+                <a:solidFill>
+                  <a:schemeClr val="tx1"/>
+                </a:solidFill>
+              </a:rPr>
+              <a:t>d</a:t>
+            </a:r>
+          </a:p>
+        </p:txBody>
+      </p:sp>
+      <p:sp>
+        <p:nvSpPr>
+          <p:cNvPr id="13" name="Ellipse 12">
+            <a:extLst>
+              <a:ext uri="{FF2B5EF4-FFF2-40B4-BE49-F238E27FC236}">
+                <a16:creationId xmlns:a16="http://schemas.microsoft.com/office/drawing/2014/main" id="{96D65CD2-3ABB-42D8-A34A-B2A57930E580}"/>
+              </a:ext>
+            </a:extLst>
+          </p:cNvPr>
+          <p:cNvSpPr/>
+          <p:nvPr/>
+        </p:nvSpPr>
+        <p:spPr>
+          <a:xfrm>
+            <a:off x="8107454" y="2158945"/>
+            <a:ext cx="540000" cy="540000"/>
+          </a:xfrm>
+          <a:prstGeom prst="ellipse">
+            <a:avLst/>
+          </a:prstGeom>
+          <a:solidFill>
+            <a:schemeClr val="bg1"/>
+          </a:solidFill>
+          <a:ln w="28575">
+            <a:solidFill>
+              <a:schemeClr val="tx1"/>
+            </a:solidFill>
+          </a:ln>
+        </p:spPr>
+        <p:style>
+          <a:lnRef idx="2">
+            <a:schemeClr val="accent1">
+              <a:shade val="50000"/>
+            </a:schemeClr>
+          </a:lnRef>
+          <a:fillRef idx="1">
+            <a:schemeClr val="accent1"/>
+          </a:fillRef>
+          <a:effectRef idx="0">
+            <a:schemeClr val="accent1"/>
+          </a:effectRef>
+          <a:fontRef idx="minor">
+            <a:schemeClr val="lt1"/>
+          </a:fontRef>
+        </p:style>
+        <p:txBody>
+          <a:bodyPr rtlCol="0" anchor="ctr"/>
+          <a:lstStyle/>
+          <a:p>
+            <a:pPr algn="ctr"/>
+            <a:r>
+              <a:rPr lang="fr-FR" b="1" dirty="0">
+                <a:solidFill>
+                  <a:schemeClr val="tx1"/>
+                </a:solidFill>
+              </a:rPr>
+              <a:t>3</a:t>
+            </a:r>
+            <a:r>
+              <a:rPr lang="fr-FR" b="1" baseline="-25000" dirty="0">
+                <a:solidFill>
+                  <a:schemeClr val="tx1"/>
+                </a:solidFill>
+              </a:rPr>
+              <a:t>g</a:t>
+            </a:r>
+          </a:p>
+        </p:txBody>
+      </p:sp>
+      <p:sp>
+        <p:nvSpPr>
+          <p:cNvPr id="14" name="Ellipse 13">
+            <a:extLst>
+              <a:ext uri="{FF2B5EF4-FFF2-40B4-BE49-F238E27FC236}">
+                <a16:creationId xmlns:a16="http://schemas.microsoft.com/office/drawing/2014/main" id="{9F04D9EE-0E86-402F-978F-675684314AEA}"/>
+              </a:ext>
+            </a:extLst>
+          </p:cNvPr>
+          <p:cNvSpPr/>
+          <p:nvPr/>
+        </p:nvSpPr>
+        <p:spPr>
+          <a:xfrm>
+            <a:off x="8107454" y="4140902"/>
+            <a:ext cx="540000" cy="540000"/>
+          </a:xfrm>
+          <a:prstGeom prst="ellipse">
+            <a:avLst/>
+          </a:prstGeom>
+          <a:solidFill>
+            <a:schemeClr val="bg1"/>
+          </a:solidFill>
+          <a:ln w="28575">
+            <a:solidFill>
+              <a:schemeClr val="tx1"/>
+            </a:solidFill>
+          </a:ln>
+        </p:spPr>
+        <p:style>
+          <a:lnRef idx="2">
+            <a:schemeClr val="accent1">
+              <a:shade val="50000"/>
+            </a:schemeClr>
+          </a:lnRef>
+          <a:fillRef idx="1">
+            <a:schemeClr val="accent1"/>
+          </a:fillRef>
+          <a:effectRef idx="0">
+            <a:schemeClr val="accent1"/>
+          </a:effectRef>
+          <a:fontRef idx="minor">
+            <a:schemeClr val="lt1"/>
+          </a:fontRef>
+        </p:style>
+        <p:txBody>
+          <a:bodyPr rtlCol="0" anchor="ctr"/>
+          <a:lstStyle/>
+          <a:p>
+            <a:pPr algn="ctr"/>
+            <a:r>
+              <a:rPr lang="fr-FR" b="1" dirty="0">
+                <a:solidFill>
+                  <a:schemeClr val="tx1"/>
+                </a:solidFill>
+              </a:rPr>
+              <a:t>3</a:t>
+            </a:r>
+            <a:r>
+              <a:rPr lang="fr-FR" b="1" baseline="-25000" dirty="0">
+                <a:solidFill>
+                  <a:schemeClr val="tx1"/>
+                </a:solidFill>
+              </a:rPr>
+              <a:t>d</a:t>
+            </a:r>
+          </a:p>
+        </p:txBody>
+      </p:sp>
+      <p:sp>
+        <p:nvSpPr>
+          <p:cNvPr id="61" name="Signe de multiplication 60">
+            <a:extLst>
+              <a:ext uri="{FF2B5EF4-FFF2-40B4-BE49-F238E27FC236}">
+                <a16:creationId xmlns:a16="http://schemas.microsoft.com/office/drawing/2014/main" id="{56A73B88-1800-4444-BC62-7512AEA7B98F}"/>
+              </a:ext>
+            </a:extLst>
+          </p:cNvPr>
+          <p:cNvSpPr/>
+          <p:nvPr/>
+        </p:nvSpPr>
+        <p:spPr>
+          <a:xfrm>
+            <a:off x="3704817" y="2809439"/>
+            <a:ext cx="219456" cy="219456"/>
+          </a:xfrm>
+          <a:prstGeom prst="mathMultiply">
+            <a:avLst/>
+          </a:prstGeom>
+        </p:spPr>
+        <p:style>
+          <a:lnRef idx="2">
+            <a:schemeClr val="dk1">
+              <a:shade val="50000"/>
+            </a:schemeClr>
+          </a:lnRef>
+          <a:fillRef idx="1">
+            <a:schemeClr val="dk1"/>
+          </a:fillRef>
+          <a:effectRef idx="0">
+            <a:schemeClr val="dk1"/>
+          </a:effectRef>
+          <a:fontRef idx="minor">
+            <a:schemeClr val="lt1"/>
+          </a:fontRef>
+        </p:style>
+        <p:txBody>
+          <a:bodyPr rtlCol="0" anchor="ctr"/>
+          <a:lstStyle/>
+          <a:p>
+            <a:pPr algn="ctr"/>
+            <a:endParaRPr lang="fr-FR"/>
+          </a:p>
+        </p:txBody>
+      </p:sp>
+      <p:sp>
+        <p:nvSpPr>
+          <p:cNvPr id="62" name="Signe de multiplication 61">
+            <a:extLst>
+              <a:ext uri="{FF2B5EF4-FFF2-40B4-BE49-F238E27FC236}">
+                <a16:creationId xmlns:a16="http://schemas.microsoft.com/office/drawing/2014/main" id="{AE361FFD-D453-4A23-8FEA-35D016460C65}"/>
+              </a:ext>
+            </a:extLst>
+          </p:cNvPr>
+          <p:cNvSpPr/>
+          <p:nvPr/>
+        </p:nvSpPr>
+        <p:spPr>
+          <a:xfrm>
+            <a:off x="3704817" y="3834476"/>
+            <a:ext cx="219456" cy="219456"/>
+          </a:xfrm>
+          <a:prstGeom prst="mathMultiply">
+            <a:avLst/>
+          </a:prstGeom>
+        </p:spPr>
+        <p:style>
+          <a:lnRef idx="2">
+            <a:schemeClr val="dk1">
+              <a:shade val="50000"/>
+            </a:schemeClr>
+          </a:lnRef>
+          <a:fillRef idx="1">
+            <a:schemeClr val="dk1"/>
+          </a:fillRef>
+          <a:effectRef idx="0">
+            <a:schemeClr val="dk1"/>
+          </a:effectRef>
+          <a:fontRef idx="minor">
+            <a:schemeClr val="lt1"/>
+          </a:fontRef>
+        </p:style>
+        <p:txBody>
+          <a:bodyPr rtlCol="0" anchor="ctr"/>
+          <a:lstStyle/>
+          <a:p>
+            <a:pPr algn="ctr"/>
+            <a:endParaRPr lang="fr-FR"/>
+          </a:p>
+        </p:txBody>
+      </p:sp>
+      <p:sp>
+        <p:nvSpPr>
+          <p:cNvPr id="64" name="Signe de multiplication 63">
+            <a:extLst>
+              <a:ext uri="{FF2B5EF4-FFF2-40B4-BE49-F238E27FC236}">
+                <a16:creationId xmlns:a16="http://schemas.microsoft.com/office/drawing/2014/main" id="{48C4BD9E-1465-437D-9AB1-25EA3C8B3309}"/>
+              </a:ext>
+            </a:extLst>
+          </p:cNvPr>
+          <p:cNvSpPr/>
+          <p:nvPr/>
+        </p:nvSpPr>
+        <p:spPr>
+          <a:xfrm>
+            <a:off x="8267726" y="2784487"/>
+            <a:ext cx="219456" cy="219456"/>
+          </a:xfrm>
+          <a:prstGeom prst="mathMultiply">
+            <a:avLst/>
+          </a:prstGeom>
+        </p:spPr>
+        <p:style>
+          <a:lnRef idx="2">
+            <a:schemeClr val="dk1">
+              <a:shade val="50000"/>
+            </a:schemeClr>
+          </a:lnRef>
+          <a:fillRef idx="1">
+            <a:schemeClr val="dk1"/>
+          </a:fillRef>
+          <a:effectRef idx="0">
+            <a:schemeClr val="dk1"/>
+          </a:effectRef>
+          <a:fontRef idx="minor">
+            <a:schemeClr val="lt1"/>
+          </a:fontRef>
+        </p:style>
+        <p:txBody>
+          <a:bodyPr rtlCol="0" anchor="ctr"/>
+          <a:lstStyle/>
+          <a:p>
+            <a:pPr algn="ctr"/>
+            <a:endParaRPr lang="fr-FR"/>
+          </a:p>
+        </p:txBody>
+      </p:sp>
+      <p:sp>
+        <p:nvSpPr>
+          <p:cNvPr id="65" name="Signe de multiplication 64">
+            <a:extLst>
+              <a:ext uri="{FF2B5EF4-FFF2-40B4-BE49-F238E27FC236}">
+                <a16:creationId xmlns:a16="http://schemas.microsoft.com/office/drawing/2014/main" id="{B2AD9AFA-109C-4A81-88E0-F01AE1BBCA63}"/>
+              </a:ext>
+            </a:extLst>
+          </p:cNvPr>
+          <p:cNvSpPr/>
+          <p:nvPr/>
+        </p:nvSpPr>
+        <p:spPr>
+          <a:xfrm>
+            <a:off x="8267726" y="3809524"/>
+            <a:ext cx="219456" cy="219456"/>
+          </a:xfrm>
+          <a:prstGeom prst="mathMultiply">
+            <a:avLst/>
+          </a:prstGeom>
+        </p:spPr>
+        <p:style>
+          <a:lnRef idx="2">
+            <a:schemeClr val="dk1">
+              <a:shade val="50000"/>
+            </a:schemeClr>
+          </a:lnRef>
+          <a:fillRef idx="1">
+            <a:schemeClr val="dk1"/>
+          </a:fillRef>
+          <a:effectRef idx="0">
+            <a:schemeClr val="dk1"/>
+          </a:effectRef>
+          <a:fontRef idx="minor">
+            <a:schemeClr val="lt1"/>
+          </a:fontRef>
+        </p:style>
+        <p:txBody>
+          <a:bodyPr rtlCol="0" anchor="ctr"/>
+          <a:lstStyle/>
+          <a:p>
+            <a:pPr algn="ctr"/>
+            <a:endParaRPr lang="fr-FR"/>
+          </a:p>
+        </p:txBody>
+      </p:sp>
+      <p:grpSp>
+        <p:nvGrpSpPr>
+          <p:cNvPr id="73" name="Groupe 72">
+            <a:extLst>
+              <a:ext uri="{FF2B5EF4-FFF2-40B4-BE49-F238E27FC236}">
+                <a16:creationId xmlns:a16="http://schemas.microsoft.com/office/drawing/2014/main" id="{E15C5DFB-2718-4541-A495-8DB3A5CD952F}"/>
+              </a:ext>
+            </a:extLst>
+          </p:cNvPr>
+          <p:cNvGrpSpPr/>
+          <p:nvPr/>
+        </p:nvGrpSpPr>
+        <p:grpSpPr>
+          <a:xfrm>
+            <a:off x="5916000" y="693209"/>
+            <a:ext cx="360000" cy="325234"/>
+            <a:chOff x="5916000" y="693209"/>
+            <a:chExt cx="360000" cy="325234"/>
+          </a:xfrm>
+        </p:grpSpPr>
+        <p:sp>
+          <p:nvSpPr>
+            <p:cNvPr id="72" name="Rectangle 71">
+              <a:extLst>
+                <a:ext uri="{FF2B5EF4-FFF2-40B4-BE49-F238E27FC236}">
+                  <a16:creationId xmlns:a16="http://schemas.microsoft.com/office/drawing/2014/main" id="{D34B4C92-32F0-469D-9C8E-43B8D189F1C3}"/>
+                </a:ext>
+              </a:extLst>
+            </p:cNvPr>
+            <p:cNvSpPr/>
+            <p:nvPr/>
+          </p:nvSpPr>
+          <p:spPr>
+            <a:xfrm>
+              <a:off x="5916000" y="693209"/>
+              <a:ext cx="360000" cy="180000"/>
+            </a:xfrm>
+            <a:prstGeom prst="rect">
+              <a:avLst/>
+            </a:prstGeom>
+            <a:solidFill>
+              <a:schemeClr val="bg1">
+                <a:lumMod val="85000"/>
+              </a:schemeClr>
+            </a:solidFill>
+            <a:ln>
+              <a:noFill/>
+            </a:ln>
+          </p:spPr>
+          <p:style>
+            <a:lnRef idx="2">
+              <a:schemeClr val="accent1">
+                <a:shade val="50000"/>
+              </a:schemeClr>
+            </a:lnRef>
+            <a:fillRef idx="1">
+              <a:schemeClr val="accent1"/>
+            </a:fillRef>
+            <a:effectRef idx="0">
+              <a:schemeClr val="accent1"/>
+            </a:effectRef>
+            <a:fontRef idx="minor">
+              <a:schemeClr val="lt1"/>
+            </a:fontRef>
+          </p:style>
+          <p:txBody>
+            <a:bodyPr rtlCol="0" anchor="ctr"/>
+            <a:lstStyle/>
+            <a:p>
+              <a:pPr algn="ctr"/>
+              <a:endParaRPr lang="fr-FR"/>
+            </a:p>
+          </p:txBody>
+        </p:sp>
+        <p:grpSp>
+          <p:nvGrpSpPr>
+            <p:cNvPr id="71" name="Groupe 70">
+              <a:extLst>
+                <a:ext uri="{FF2B5EF4-FFF2-40B4-BE49-F238E27FC236}">
+                  <a16:creationId xmlns:a16="http://schemas.microsoft.com/office/drawing/2014/main" id="{5890246B-E46F-401A-B104-31E0F0B24B23}"/>
+                </a:ext>
+              </a:extLst>
+            </p:cNvPr>
+            <p:cNvGrpSpPr/>
+            <p:nvPr/>
+          </p:nvGrpSpPr>
+          <p:grpSpPr>
+            <a:xfrm>
+              <a:off x="5916000" y="874443"/>
+              <a:ext cx="360000" cy="144000"/>
+              <a:chOff x="5916000" y="874443"/>
+              <a:chExt cx="360000" cy="144000"/>
+            </a:xfrm>
+          </p:grpSpPr>
+          <p:cxnSp>
+            <p:nvCxnSpPr>
+              <p:cNvPr id="66" name="Connecteur droit 65">
+                <a:extLst>
+                  <a:ext uri="{FF2B5EF4-FFF2-40B4-BE49-F238E27FC236}">
+                    <a16:creationId xmlns:a16="http://schemas.microsoft.com/office/drawing/2014/main" id="{C98B502B-0F3D-44E0-BF97-33F0189CDC95}"/>
+                  </a:ext>
+                </a:extLst>
+              </p:cNvPr>
+              <p:cNvCxnSpPr>
+                <a:cxnSpLocks/>
+              </p:cNvCxnSpPr>
+              <p:nvPr/>
+            </p:nvCxnSpPr>
+            <p:spPr>
+              <a:xfrm flipV="1">
+                <a:off x="6096000" y="874443"/>
+                <a:ext cx="0" cy="144000"/>
+              </a:xfrm>
+              <a:prstGeom prst="line">
+                <a:avLst/>
+              </a:prstGeom>
+              <a:noFill/>
+              <a:ln w="28575">
+                <a:solidFill>
+                  <a:schemeClr val="tx1"/>
+                </a:solidFill>
+              </a:ln>
+            </p:spPr>
+            <p:style>
+              <a:lnRef idx="2">
+                <a:schemeClr val="accent1">
+                  <a:shade val="50000"/>
+                </a:schemeClr>
+              </a:lnRef>
+              <a:fillRef idx="1">
+                <a:schemeClr val="accent1"/>
+              </a:fillRef>
+              <a:effectRef idx="0">
+                <a:schemeClr val="accent1"/>
+              </a:effectRef>
+              <a:fontRef idx="minor">
+                <a:schemeClr val="lt1"/>
+              </a:fontRef>
+            </p:style>
+          </p:cxnSp>
+          <p:cxnSp>
+            <p:nvCxnSpPr>
+              <p:cNvPr id="69" name="Connecteur droit 68">
+                <a:extLst>
+                  <a:ext uri="{FF2B5EF4-FFF2-40B4-BE49-F238E27FC236}">
+                    <a16:creationId xmlns:a16="http://schemas.microsoft.com/office/drawing/2014/main" id="{6BD5C1C0-775C-475C-AD25-450069E511B2}"/>
+                  </a:ext>
+                </a:extLst>
+              </p:cNvPr>
+              <p:cNvCxnSpPr>
+                <a:cxnSpLocks/>
+              </p:cNvCxnSpPr>
+              <p:nvPr/>
+            </p:nvCxnSpPr>
+            <p:spPr>
+              <a:xfrm>
+                <a:off x="5916000" y="874443"/>
+                <a:ext cx="360000" cy="0"/>
+              </a:xfrm>
+              <a:prstGeom prst="line">
+                <a:avLst/>
+              </a:prstGeom>
+              <a:noFill/>
+              <a:ln w="28575">
+                <a:solidFill>
+                  <a:schemeClr val="tx1"/>
+                </a:solidFill>
+              </a:ln>
+            </p:spPr>
+            <p:style>
+              <a:lnRef idx="2">
+                <a:schemeClr val="accent1">
+                  <a:shade val="50000"/>
+                </a:schemeClr>
+              </a:lnRef>
+              <a:fillRef idx="1">
+                <a:schemeClr val="accent1"/>
+              </a:fillRef>
+              <a:effectRef idx="0">
+                <a:schemeClr val="accent1"/>
+              </a:effectRef>
+              <a:fontRef idx="minor">
+                <a:schemeClr val="lt1"/>
+              </a:fontRef>
+            </p:style>
+          </p:cxnSp>
+        </p:grpSp>
+      </p:grpSp>
+      <p:grpSp>
+        <p:nvGrpSpPr>
+          <p:cNvPr id="74" name="Groupe 73">
+            <a:extLst>
+              <a:ext uri="{FF2B5EF4-FFF2-40B4-BE49-F238E27FC236}">
+                <a16:creationId xmlns:a16="http://schemas.microsoft.com/office/drawing/2014/main" id="{ACC36619-2C3C-4F81-ABD8-8B454D106246}"/>
+              </a:ext>
+            </a:extLst>
+          </p:cNvPr>
+          <p:cNvGrpSpPr/>
+          <p:nvPr/>
+        </p:nvGrpSpPr>
+        <p:grpSpPr>
+          <a:xfrm rot="10800000">
+            <a:off x="5915999" y="5839557"/>
+            <a:ext cx="360000" cy="325234"/>
+            <a:chOff x="5916000" y="693209"/>
+            <a:chExt cx="360000" cy="325234"/>
+          </a:xfrm>
+        </p:grpSpPr>
+        <p:sp>
+          <p:nvSpPr>
+            <p:cNvPr id="75" name="Rectangle 74">
+              <a:extLst>
+                <a:ext uri="{FF2B5EF4-FFF2-40B4-BE49-F238E27FC236}">
+                  <a16:creationId xmlns:a16="http://schemas.microsoft.com/office/drawing/2014/main" id="{C9EB74BA-BB61-487A-A57E-568F9428F6AD}"/>
+                </a:ext>
+              </a:extLst>
+            </p:cNvPr>
+            <p:cNvSpPr/>
+            <p:nvPr/>
+          </p:nvSpPr>
+          <p:spPr>
+            <a:xfrm>
+              <a:off x="5916000" y="693209"/>
+              <a:ext cx="360000" cy="180000"/>
+            </a:xfrm>
+            <a:prstGeom prst="rect">
+              <a:avLst/>
+            </a:prstGeom>
+            <a:solidFill>
+              <a:schemeClr val="bg1">
+                <a:lumMod val="85000"/>
+              </a:schemeClr>
+            </a:solidFill>
+            <a:ln>
+              <a:noFill/>
+            </a:ln>
+          </p:spPr>
+          <p:style>
+            <a:lnRef idx="2">
+              <a:schemeClr val="accent1">
+                <a:shade val="50000"/>
+              </a:schemeClr>
+            </a:lnRef>
+            <a:fillRef idx="1">
+              <a:schemeClr val="accent1"/>
+            </a:fillRef>
+            <a:effectRef idx="0">
+              <a:schemeClr val="accent1"/>
+            </a:effectRef>
+            <a:fontRef idx="minor">
+              <a:schemeClr val="lt1"/>
+            </a:fontRef>
+          </p:style>
+          <p:txBody>
+            <a:bodyPr rtlCol="0" anchor="ctr"/>
+            <a:lstStyle/>
+            <a:p>
+              <a:pPr algn="ctr"/>
+              <a:endParaRPr lang="fr-FR"/>
+            </a:p>
+          </p:txBody>
+        </p:sp>
+        <p:grpSp>
+          <p:nvGrpSpPr>
+            <p:cNvPr id="76" name="Groupe 75">
+              <a:extLst>
+                <a:ext uri="{FF2B5EF4-FFF2-40B4-BE49-F238E27FC236}">
+                  <a16:creationId xmlns:a16="http://schemas.microsoft.com/office/drawing/2014/main" id="{B616D6DA-2C3F-4C73-AA5D-C0496ACF8796}"/>
+                </a:ext>
+              </a:extLst>
+            </p:cNvPr>
+            <p:cNvGrpSpPr/>
+            <p:nvPr/>
+          </p:nvGrpSpPr>
+          <p:grpSpPr>
+            <a:xfrm>
+              <a:off x="5916000" y="874443"/>
+              <a:ext cx="360000" cy="144000"/>
+              <a:chOff x="5916000" y="874443"/>
+              <a:chExt cx="360000" cy="144000"/>
+            </a:xfrm>
+          </p:grpSpPr>
+          <p:cxnSp>
+            <p:nvCxnSpPr>
+              <p:cNvPr id="77" name="Connecteur droit 76">
+                <a:extLst>
+                  <a:ext uri="{FF2B5EF4-FFF2-40B4-BE49-F238E27FC236}">
+                    <a16:creationId xmlns:a16="http://schemas.microsoft.com/office/drawing/2014/main" id="{2970042E-1FD8-4BFD-A77F-F1083E34507F}"/>
+                  </a:ext>
+                </a:extLst>
+              </p:cNvPr>
+              <p:cNvCxnSpPr>
+                <a:cxnSpLocks/>
+              </p:cNvCxnSpPr>
+              <p:nvPr/>
+            </p:nvCxnSpPr>
+            <p:spPr>
+              <a:xfrm flipV="1">
+                <a:off x="6096000" y="874443"/>
+                <a:ext cx="0" cy="144000"/>
+              </a:xfrm>
+              <a:prstGeom prst="line">
+                <a:avLst/>
+              </a:prstGeom>
+              <a:noFill/>
+              <a:ln w="28575">
+                <a:solidFill>
+                  <a:schemeClr val="tx1"/>
+                </a:solidFill>
+              </a:ln>
+            </p:spPr>
+            <p:style>
+              <a:lnRef idx="2">
+                <a:schemeClr val="accent1">
+                  <a:shade val="50000"/>
+                </a:schemeClr>
+              </a:lnRef>
+              <a:fillRef idx="1">
+                <a:schemeClr val="accent1"/>
+              </a:fillRef>
+              <a:effectRef idx="0">
+                <a:schemeClr val="accent1"/>
+              </a:effectRef>
+              <a:fontRef idx="minor">
+                <a:schemeClr val="lt1"/>
+              </a:fontRef>
+            </p:style>
+          </p:cxnSp>
+          <p:cxnSp>
+            <p:nvCxnSpPr>
+              <p:cNvPr id="78" name="Connecteur droit 77">
+                <a:extLst>
+                  <a:ext uri="{FF2B5EF4-FFF2-40B4-BE49-F238E27FC236}">
+                    <a16:creationId xmlns:a16="http://schemas.microsoft.com/office/drawing/2014/main" id="{D5E8870E-1E43-424B-90A2-59BF9AB35E3C}"/>
+                  </a:ext>
+                </a:extLst>
+              </p:cNvPr>
+              <p:cNvCxnSpPr>
+                <a:cxnSpLocks/>
+              </p:cNvCxnSpPr>
+              <p:nvPr/>
+            </p:nvCxnSpPr>
+            <p:spPr>
+              <a:xfrm>
+                <a:off x="5916000" y="874443"/>
+                <a:ext cx="360000" cy="0"/>
+              </a:xfrm>
+              <a:prstGeom prst="line">
+                <a:avLst/>
+              </a:prstGeom>
+              <a:noFill/>
+              <a:ln w="28575">
+                <a:solidFill>
+                  <a:schemeClr val="tx1"/>
+                </a:solidFill>
+              </a:ln>
+            </p:spPr>
+            <p:style>
+              <a:lnRef idx="2">
+                <a:schemeClr val="accent1">
+                  <a:shade val="50000"/>
+                </a:schemeClr>
+              </a:lnRef>
+              <a:fillRef idx="1">
+                <a:schemeClr val="accent1"/>
+              </a:fillRef>
+              <a:effectRef idx="0">
+                <a:schemeClr val="accent1"/>
+              </a:effectRef>
+              <a:fontRef idx="minor">
+                <a:schemeClr val="lt1"/>
+              </a:fontRef>
+            </p:style>
+          </p:cxnSp>
+        </p:grpSp>
+      </p:grpSp>
+      <p:sp>
+        <p:nvSpPr>
+          <p:cNvPr id="79" name="Ellipse 78">
+            <a:extLst>
+              <a:ext uri="{FF2B5EF4-FFF2-40B4-BE49-F238E27FC236}">
+                <a16:creationId xmlns:a16="http://schemas.microsoft.com/office/drawing/2014/main" id="{084B1B8B-194B-4D5C-A2C2-4EA06FCFFFC7}"/>
+              </a:ext>
+            </a:extLst>
+          </p:cNvPr>
+          <p:cNvSpPr/>
+          <p:nvPr/>
+        </p:nvSpPr>
+        <p:spPr>
+          <a:xfrm>
+            <a:off x="6966727" y="3174741"/>
+            <a:ext cx="540000" cy="540000"/>
+          </a:xfrm>
+          <a:prstGeom prst="ellipse">
+            <a:avLst/>
+          </a:prstGeom>
+          <a:solidFill>
+            <a:schemeClr val="bg1"/>
+          </a:solidFill>
+          <a:ln w="28575">
+            <a:solidFill>
+              <a:srgbClr val="7030A0"/>
+            </a:solidFill>
+          </a:ln>
+        </p:spPr>
+        <p:style>
+          <a:lnRef idx="2">
+            <a:schemeClr val="accent1">
+              <a:shade val="50000"/>
+            </a:schemeClr>
+          </a:lnRef>
+          <a:fillRef idx="1">
+            <a:schemeClr val="accent1"/>
+          </a:fillRef>
+          <a:effectRef idx="0">
+            <a:schemeClr val="accent1"/>
+          </a:effectRef>
+          <a:fontRef idx="minor">
+            <a:schemeClr val="lt1"/>
+          </a:fontRef>
+        </p:style>
+        <p:txBody>
+          <a:bodyPr rtlCol="0" anchor="ctr"/>
+          <a:lstStyle/>
+          <a:p>
+            <a:pPr algn="ctr"/>
+            <a:r>
+              <a:rPr lang="fr-FR" b="1" dirty="0">
+                <a:solidFill>
+                  <a:schemeClr val="tx1"/>
+                </a:solidFill>
+              </a:rPr>
+              <a:t>4</a:t>
+            </a:r>
+          </a:p>
+        </p:txBody>
+      </p:sp>
+      <p:sp>
+        <p:nvSpPr>
+          <p:cNvPr id="80" name="Ellipse 79">
+            <a:extLst>
+              <a:ext uri="{FF2B5EF4-FFF2-40B4-BE49-F238E27FC236}">
+                <a16:creationId xmlns:a16="http://schemas.microsoft.com/office/drawing/2014/main" id="{5F13654B-F966-466A-A1ED-E02B7D85DB1E}"/>
+              </a:ext>
+            </a:extLst>
+          </p:cNvPr>
+          <p:cNvSpPr/>
+          <p:nvPr/>
+        </p:nvSpPr>
+        <p:spPr>
+          <a:xfrm>
+            <a:off x="4685272" y="3174741"/>
+            <a:ext cx="540000" cy="540000"/>
+          </a:xfrm>
+          <a:prstGeom prst="ellipse">
+            <a:avLst/>
+          </a:prstGeom>
+          <a:solidFill>
+            <a:schemeClr val="bg1"/>
+          </a:solidFill>
+          <a:ln w="28575">
+            <a:solidFill>
+              <a:srgbClr val="0070C0"/>
+            </a:solidFill>
+          </a:ln>
+        </p:spPr>
+        <p:style>
+          <a:lnRef idx="2">
+            <a:schemeClr val="accent1">
+              <a:shade val="50000"/>
+            </a:schemeClr>
+          </a:lnRef>
+          <a:fillRef idx="1">
+            <a:schemeClr val="accent1"/>
+          </a:fillRef>
+          <a:effectRef idx="0">
+            <a:schemeClr val="accent1"/>
+          </a:effectRef>
+          <a:fontRef idx="minor">
+            <a:schemeClr val="lt1"/>
+          </a:fontRef>
+        </p:style>
+        <p:txBody>
+          <a:bodyPr rtlCol="0" anchor="ctr"/>
+          <a:lstStyle/>
+          <a:p>
+            <a:pPr algn="ctr"/>
+            <a:r>
+              <a:rPr lang="fr-FR" b="1" dirty="0">
+                <a:solidFill>
+                  <a:schemeClr val="tx1"/>
+                </a:solidFill>
+              </a:rPr>
+              <a:t>4’</a:t>
+            </a:r>
+          </a:p>
+        </p:txBody>
+      </p:sp>
+      <mc:AlternateContent xmlns:mc="http://schemas.openxmlformats.org/markup-compatibility/2006" xmlns:a14="http://schemas.microsoft.com/office/drawing/2010/main">
+        <mc:Choice Requires="a14">
+          <p:sp>
+            <p:nvSpPr>
+              <p:cNvPr id="81" name="ZoneTexte 80">
+                <a:extLst>
+                  <a:ext uri="{FF2B5EF4-FFF2-40B4-BE49-F238E27FC236}">
+                    <a16:creationId xmlns:a16="http://schemas.microsoft.com/office/drawing/2014/main" id="{893797E9-5A4F-424F-AB89-FAB124E12684}"/>
+                  </a:ext>
+                </a:extLst>
+              </p:cNvPr>
+              <p:cNvSpPr txBox="1"/>
+              <p:nvPr/>
+            </p:nvSpPr>
+            <p:spPr>
+              <a:xfrm rot="16200000">
+                <a:off x="4810246" y="2740724"/>
+                <a:ext cx="1100256" cy="307777"/>
+              </a:xfrm>
+              <a:prstGeom prst="rect">
+                <a:avLst/>
+              </a:prstGeom>
+              <a:noFill/>
+            </p:spPr>
+            <p:txBody>
+              <a:bodyPr wrap="square" rtlCol="0">
+                <a:spAutoFit/>
+              </a:bodyPr>
+              <a:lstStyle/>
+              <a:p>
+                <a:r>
+                  <a:rPr lang="fr-FR" sz="1400" dirty="0"/>
+                  <a:t>Pivot </a:t>
+                </a:r>
+                <a14:m>
+                  <m:oMath xmlns:m="http://schemas.openxmlformats.org/officeDocument/2006/math">
+                    <m:d>
+                      <m:dPr>
+                        <m:ctrlPr>
+                          <a:rPr lang="fr-FR" sz="1400" i="1" smtClean="0">
+                            <a:latin typeface="Cambria Math" panose="02040503050406030204" pitchFamily="18" charset="0"/>
+                          </a:rPr>
+                        </m:ctrlPr>
+                      </m:dPr>
+                      <m:e>
+                        <m:r>
+                          <a:rPr lang="fr-FR" sz="1400" b="0" i="1" smtClean="0">
+                            <a:latin typeface="Cambria Math" panose="02040503050406030204" pitchFamily="18" charset="0"/>
+                          </a:rPr>
+                          <m:t>𝑋</m:t>
+                        </m:r>
+                        <m:r>
+                          <a:rPr lang="fr-FR" sz="1400" b="0" i="1" smtClean="0">
+                            <a:latin typeface="Cambria Math" panose="02040503050406030204" pitchFamily="18" charset="0"/>
+                          </a:rPr>
+                          <m:t>,</m:t>
+                        </m:r>
+                        <m:acc>
+                          <m:accPr>
+                            <m:chr m:val="⃗"/>
+                            <m:ctrlPr>
+                              <a:rPr lang="fr-FR" sz="1400" b="0" i="1" smtClean="0">
+                                <a:latin typeface="Cambria Math" panose="02040503050406030204" pitchFamily="18" charset="0"/>
+                              </a:rPr>
+                            </m:ctrlPr>
+                          </m:accPr>
+                          <m:e>
+                            <m:sSub>
+                              <m:sSubPr>
+                                <m:ctrlPr>
+                                  <a:rPr lang="fr-FR" sz="1400" i="1">
+                                    <a:latin typeface="Cambria Math" panose="02040503050406030204" pitchFamily="18" charset="0"/>
+                                  </a:rPr>
+                                </m:ctrlPr>
+                              </m:sSubPr>
+                              <m:e>
+                                <m:r>
+                                  <a:rPr lang="fr-FR" sz="1400" i="1">
+                                    <a:latin typeface="Cambria Math" panose="02040503050406030204" pitchFamily="18" charset="0"/>
+                                  </a:rPr>
+                                  <m:t>𝑥</m:t>
+                                </m:r>
+                              </m:e>
+                              <m:sub>
+                                <m:r>
+                                  <a:rPr lang="fr-FR" sz="1400" i="1">
+                                    <a:latin typeface="Cambria Math" panose="02040503050406030204" pitchFamily="18" charset="0"/>
+                                  </a:rPr>
+                                  <m:t>𝐿</m:t>
+                                </m:r>
+                              </m:sub>
+                            </m:sSub>
+                          </m:e>
+                        </m:acc>
+                      </m:e>
+                    </m:d>
+                  </m:oMath>
+                </a14:m>
+                <a:r>
+                  <a:rPr lang="fr-FR" sz="1400" dirty="0"/>
+                  <a:t> </a:t>
+                </a:r>
+              </a:p>
+            </p:txBody>
+          </p:sp>
+        </mc:Choice>
+        <mc:Fallback xmlns="">
+          <p:sp>
+            <p:nvSpPr>
+              <p:cNvPr id="81" name="ZoneTexte 80">
+                <a:extLst>
+                  <a:ext uri="{FF2B5EF4-FFF2-40B4-BE49-F238E27FC236}">
+                    <a16:creationId xmlns:a16="http://schemas.microsoft.com/office/drawing/2014/main" id="{893797E9-5A4F-424F-AB89-FAB124E12684}"/>
+                  </a:ext>
+                </a:extLst>
+              </p:cNvPr>
+              <p:cNvSpPr txBox="1">
+                <a:spLocks noRot="1" noChangeAspect="1" noMove="1" noResize="1" noEditPoints="1" noAdjustHandles="1" noChangeArrowheads="1" noChangeShapeType="1" noTextEdit="1"/>
+              </p:cNvSpPr>
+              <p:nvPr/>
+            </p:nvSpPr>
+            <p:spPr>
+              <a:xfrm rot="16200000">
+                <a:off x="4810246" y="2740724"/>
+                <a:ext cx="1100256" cy="307777"/>
+              </a:xfrm>
+              <a:prstGeom prst="rect">
+                <a:avLst/>
+              </a:prstGeom>
+              <a:blipFill>
+                <a:blip r:embed="rId2"/>
+                <a:stretch>
+                  <a:fillRect l="-3922" r="-19608" b="-1667"/>
+                </a:stretch>
+              </a:blipFill>
+            </p:spPr>
+            <p:txBody>
+              <a:bodyPr/>
+              <a:lstStyle/>
+              <a:p>
+                <a:r>
+                  <a:rPr lang="fr-FR">
+                    <a:noFill/>
+                  </a:rPr>
+                  <a:t> </a:t>
+                </a:r>
+              </a:p>
+            </p:txBody>
+          </p:sp>
+        </mc:Fallback>
+      </mc:AlternateContent>
+      <mc:AlternateContent xmlns:mc="http://schemas.openxmlformats.org/markup-compatibility/2006" xmlns:a14="http://schemas.microsoft.com/office/drawing/2010/main">
+        <mc:Choice Requires="a14">
+          <p:sp>
+            <p:nvSpPr>
+              <p:cNvPr id="82" name="ZoneTexte 81">
+                <a:extLst>
+                  <a:ext uri="{FF2B5EF4-FFF2-40B4-BE49-F238E27FC236}">
+                    <a16:creationId xmlns:a16="http://schemas.microsoft.com/office/drawing/2014/main" id="{3F7B2865-D9E5-4F1E-9EC0-5ECA3A2DE312}"/>
+                  </a:ext>
+                </a:extLst>
+              </p:cNvPr>
+              <p:cNvSpPr txBox="1"/>
+              <p:nvPr/>
+            </p:nvSpPr>
+            <p:spPr>
+              <a:xfrm rot="16200000">
+                <a:off x="6286423" y="2755237"/>
+                <a:ext cx="1100256" cy="307777"/>
+              </a:xfrm>
+              <a:prstGeom prst="rect">
+                <a:avLst/>
+              </a:prstGeom>
+              <a:noFill/>
+            </p:spPr>
+            <p:txBody>
+              <a:bodyPr wrap="square" rtlCol="0">
+                <a:spAutoFit/>
+              </a:bodyPr>
+              <a:lstStyle/>
+              <a:p>
+                <a:r>
+                  <a:rPr lang="fr-FR" sz="1400" dirty="0"/>
+                  <a:t>Pivot </a:t>
+                </a:r>
+                <a14:m>
+                  <m:oMath xmlns:m="http://schemas.openxmlformats.org/officeDocument/2006/math">
+                    <m:d>
+                      <m:dPr>
+                        <m:ctrlPr>
+                          <a:rPr lang="fr-FR" sz="1400" i="1" smtClean="0">
+                            <a:latin typeface="Cambria Math" panose="02040503050406030204" pitchFamily="18" charset="0"/>
+                          </a:rPr>
+                        </m:ctrlPr>
+                      </m:dPr>
+                      <m:e>
+                        <m:r>
+                          <a:rPr lang="fr-FR" sz="1400" b="0" i="1" smtClean="0">
+                            <a:latin typeface="Cambria Math" panose="02040503050406030204" pitchFamily="18" charset="0"/>
+                          </a:rPr>
+                          <m:t>𝑋</m:t>
+                        </m:r>
+                        <m:r>
+                          <a:rPr lang="fr-FR" sz="1400" b="0" i="1" smtClean="0">
+                            <a:latin typeface="Cambria Math" panose="02040503050406030204" pitchFamily="18" charset="0"/>
+                          </a:rPr>
+                          <m:t>,</m:t>
+                        </m:r>
+                        <m:acc>
+                          <m:accPr>
+                            <m:chr m:val="⃗"/>
+                            <m:ctrlPr>
+                              <a:rPr lang="fr-FR" sz="1400" b="0" i="1" smtClean="0">
+                                <a:latin typeface="Cambria Math" panose="02040503050406030204" pitchFamily="18" charset="0"/>
+                              </a:rPr>
+                            </m:ctrlPr>
+                          </m:accPr>
+                          <m:e>
+                            <m:sSub>
+                              <m:sSubPr>
+                                <m:ctrlPr>
+                                  <a:rPr lang="fr-FR" sz="1400" i="1">
+                                    <a:latin typeface="Cambria Math" panose="02040503050406030204" pitchFamily="18" charset="0"/>
+                                  </a:rPr>
+                                </m:ctrlPr>
+                              </m:sSubPr>
+                              <m:e>
+                                <m:r>
+                                  <a:rPr lang="fr-FR" sz="1400" i="1">
+                                    <a:latin typeface="Cambria Math" panose="02040503050406030204" pitchFamily="18" charset="0"/>
+                                  </a:rPr>
+                                  <m:t>𝑥</m:t>
+                                </m:r>
+                              </m:e>
+                              <m:sub>
+                                <m:r>
+                                  <a:rPr lang="fr-FR" sz="1400" i="1">
+                                    <a:latin typeface="Cambria Math" panose="02040503050406030204" pitchFamily="18" charset="0"/>
+                                  </a:rPr>
+                                  <m:t>𝐿</m:t>
+                                </m:r>
+                              </m:sub>
+                            </m:sSub>
+                          </m:e>
+                        </m:acc>
+                      </m:e>
+                    </m:d>
+                  </m:oMath>
+                </a14:m>
+                <a:r>
+                  <a:rPr lang="fr-FR" sz="1400" dirty="0"/>
+                  <a:t> </a:t>
+                </a:r>
+              </a:p>
+            </p:txBody>
+          </p:sp>
+        </mc:Choice>
+        <mc:Fallback xmlns="">
+          <p:sp>
+            <p:nvSpPr>
+              <p:cNvPr id="82" name="ZoneTexte 81">
+                <a:extLst>
+                  <a:ext uri="{FF2B5EF4-FFF2-40B4-BE49-F238E27FC236}">
+                    <a16:creationId xmlns:a16="http://schemas.microsoft.com/office/drawing/2014/main" id="{3F7B2865-D9E5-4F1E-9EC0-5ECA3A2DE312}"/>
+                  </a:ext>
+                </a:extLst>
+              </p:cNvPr>
+              <p:cNvSpPr txBox="1">
+                <a:spLocks noRot="1" noChangeAspect="1" noMove="1" noResize="1" noEditPoints="1" noAdjustHandles="1" noChangeArrowheads="1" noChangeShapeType="1" noTextEdit="1"/>
+              </p:cNvSpPr>
+              <p:nvPr/>
+            </p:nvSpPr>
+            <p:spPr>
+              <a:xfrm rot="16200000">
+                <a:off x="6286423" y="2755237"/>
+                <a:ext cx="1100256" cy="307777"/>
+              </a:xfrm>
+              <a:prstGeom prst="rect">
+                <a:avLst/>
+              </a:prstGeom>
+              <a:blipFill>
+                <a:blip r:embed="rId3"/>
+                <a:stretch>
+                  <a:fillRect l="-3922" r="-19608" b="-1667"/>
+                </a:stretch>
+              </a:blipFill>
+            </p:spPr>
+            <p:txBody>
+              <a:bodyPr/>
+              <a:lstStyle/>
+              <a:p>
+                <a:r>
+                  <a:rPr lang="fr-FR">
+                    <a:noFill/>
+                  </a:rPr>
+                  <a:t> </a:t>
+                </a:r>
+              </a:p>
+            </p:txBody>
+          </p:sp>
+        </mc:Fallback>
+      </mc:AlternateContent>
+      <mc:AlternateContent xmlns:mc="http://schemas.openxmlformats.org/markup-compatibility/2006" xmlns:a14="http://schemas.microsoft.com/office/drawing/2010/main">
+        <mc:Choice Requires="a14">
+          <p:sp>
+            <p:nvSpPr>
+              <p:cNvPr id="84" name="ZoneTexte 83">
+                <a:extLst>
+                  <a:ext uri="{FF2B5EF4-FFF2-40B4-BE49-F238E27FC236}">
+                    <a16:creationId xmlns:a16="http://schemas.microsoft.com/office/drawing/2014/main" id="{CF908C2F-91CA-4F96-B709-DBCDD64A6740}"/>
+                  </a:ext>
+                </a:extLst>
+              </p:cNvPr>
+              <p:cNvSpPr txBox="1"/>
+              <p:nvPr/>
+            </p:nvSpPr>
+            <p:spPr>
+              <a:xfrm rot="16200000">
+                <a:off x="3904607" y="2629000"/>
+                <a:ext cx="1306568" cy="307777"/>
+              </a:xfrm>
+              <a:prstGeom prst="rect">
+                <a:avLst/>
+              </a:prstGeom>
+              <a:noFill/>
+            </p:spPr>
+            <p:txBody>
+              <a:bodyPr wrap="square" rtlCol="0">
+                <a:spAutoFit/>
+              </a:bodyPr>
+              <a:lstStyle/>
+              <a:p>
+                <a:r>
+                  <a:rPr lang="fr-FR" sz="1400" dirty="0"/>
+                  <a:t>Pivot </a:t>
+                </a:r>
+                <a14:m>
+                  <m:oMath xmlns:m="http://schemas.openxmlformats.org/officeDocument/2006/math">
+                    <m:d>
+                      <m:dPr>
+                        <m:ctrlPr>
+                          <a:rPr lang="fr-FR" sz="1400" i="1" smtClean="0">
+                            <a:latin typeface="Cambria Math" panose="02040503050406030204" pitchFamily="18" charset="0"/>
+                          </a:rPr>
+                        </m:ctrlPr>
+                      </m:dPr>
+                      <m:e>
+                        <m:r>
+                          <a:rPr lang="fr-FR" sz="1400" b="0" i="1" smtClean="0">
+                            <a:latin typeface="Cambria Math" panose="02040503050406030204" pitchFamily="18" charset="0"/>
+                          </a:rPr>
+                          <m:t>𝑊</m:t>
+                        </m:r>
+                        <m:r>
+                          <a:rPr lang="fr-FR" sz="1400" b="0" i="1" smtClean="0">
+                            <a:latin typeface="Cambria Math" panose="02040503050406030204" pitchFamily="18" charset="0"/>
+                          </a:rPr>
+                          <m:t>′,</m:t>
+                        </m:r>
+                        <m:acc>
+                          <m:accPr>
+                            <m:chr m:val="⃗"/>
+                            <m:ctrlPr>
+                              <a:rPr lang="fr-FR" sz="1400" b="0" i="1" smtClean="0">
+                                <a:latin typeface="Cambria Math" panose="02040503050406030204" pitchFamily="18" charset="0"/>
+                              </a:rPr>
+                            </m:ctrlPr>
+                          </m:accPr>
+                          <m:e>
+                            <m:sSub>
+                              <m:sSubPr>
+                                <m:ctrlPr>
+                                  <a:rPr lang="fr-FR" sz="1400" i="1">
+                                    <a:latin typeface="Cambria Math" panose="02040503050406030204" pitchFamily="18" charset="0"/>
+                                  </a:rPr>
+                                </m:ctrlPr>
+                              </m:sSubPr>
+                              <m:e>
+                                <m:r>
+                                  <a:rPr lang="fr-FR" sz="1400" b="0" i="1" smtClean="0">
+                                    <a:latin typeface="Cambria Math" panose="02040503050406030204" pitchFamily="18" charset="0"/>
+                                  </a:rPr>
+                                  <m:t>𝑦</m:t>
+                                </m:r>
+                              </m:e>
+                              <m:sub>
+                                <m:r>
+                                  <a:rPr lang="fr-FR" sz="1400" b="0" i="1" smtClean="0">
+                                    <a:latin typeface="Cambria Math" panose="02040503050406030204" pitchFamily="18" charset="0"/>
+                                  </a:rPr>
+                                  <m:t>2</m:t>
+                                </m:r>
+                              </m:sub>
+                            </m:sSub>
+                          </m:e>
+                        </m:acc>
+                      </m:e>
+                    </m:d>
+                  </m:oMath>
+                </a14:m>
+                <a:r>
+                  <a:rPr lang="fr-FR" sz="1400" dirty="0"/>
+                  <a:t> </a:t>
+                </a:r>
+              </a:p>
+            </p:txBody>
+          </p:sp>
+        </mc:Choice>
+        <mc:Fallback xmlns="">
+          <p:sp>
+            <p:nvSpPr>
+              <p:cNvPr id="84" name="ZoneTexte 83">
+                <a:extLst>
+                  <a:ext uri="{FF2B5EF4-FFF2-40B4-BE49-F238E27FC236}">
+                    <a16:creationId xmlns:a16="http://schemas.microsoft.com/office/drawing/2014/main" id="{CF908C2F-91CA-4F96-B709-DBCDD64A6740}"/>
+                  </a:ext>
+                </a:extLst>
+              </p:cNvPr>
+              <p:cNvSpPr txBox="1">
+                <a:spLocks noRot="1" noChangeAspect="1" noMove="1" noResize="1" noEditPoints="1" noAdjustHandles="1" noChangeArrowheads="1" noChangeShapeType="1" noTextEdit="1"/>
+              </p:cNvSpPr>
+              <p:nvPr/>
+            </p:nvSpPr>
+            <p:spPr>
+              <a:xfrm rot="16200000">
+                <a:off x="3904607" y="2629000"/>
+                <a:ext cx="1306568" cy="307777"/>
+              </a:xfrm>
+              <a:prstGeom prst="rect">
+                <a:avLst/>
+              </a:prstGeom>
+              <a:blipFill>
+                <a:blip r:embed="rId4"/>
+                <a:stretch>
+                  <a:fillRect l="-1961" r="-19608" b="-1395"/>
+                </a:stretch>
+              </a:blipFill>
+            </p:spPr>
+            <p:txBody>
+              <a:bodyPr/>
+              <a:lstStyle/>
+              <a:p>
+                <a:r>
+                  <a:rPr lang="fr-FR">
+                    <a:noFill/>
+                  </a:rPr>
+                  <a:t> </a:t>
+                </a:r>
+              </a:p>
+            </p:txBody>
+          </p:sp>
+        </mc:Fallback>
+      </mc:AlternateContent>
+      <mc:AlternateContent xmlns:mc="http://schemas.openxmlformats.org/markup-compatibility/2006" xmlns:a14="http://schemas.microsoft.com/office/drawing/2010/main">
+        <mc:Choice Requires="a14">
+          <p:sp>
+            <p:nvSpPr>
+              <p:cNvPr id="85" name="ZoneTexte 84">
+                <a:extLst>
+                  <a:ext uri="{FF2B5EF4-FFF2-40B4-BE49-F238E27FC236}">
+                    <a16:creationId xmlns:a16="http://schemas.microsoft.com/office/drawing/2014/main" id="{5B70E326-0FD9-4DA6-9E91-FDF26FB1E2FB}"/>
+                  </a:ext>
+                </a:extLst>
+              </p:cNvPr>
+              <p:cNvSpPr txBox="1"/>
+              <p:nvPr/>
+            </p:nvSpPr>
+            <p:spPr>
+              <a:xfrm rot="16200000">
+                <a:off x="7004172" y="2658340"/>
+                <a:ext cx="1306568" cy="307777"/>
+              </a:xfrm>
+              <a:prstGeom prst="rect">
+                <a:avLst/>
+              </a:prstGeom>
+              <a:noFill/>
+            </p:spPr>
+            <p:txBody>
+              <a:bodyPr wrap="square" rtlCol="0">
+                <a:spAutoFit/>
+              </a:bodyPr>
+              <a:lstStyle/>
+              <a:p>
+                <a:r>
+                  <a:rPr lang="fr-FR" sz="1400" dirty="0"/>
+                  <a:t>Pivot </a:t>
+                </a:r>
+                <a14:m>
+                  <m:oMath xmlns:m="http://schemas.openxmlformats.org/officeDocument/2006/math">
+                    <m:d>
+                      <m:dPr>
+                        <m:ctrlPr>
+                          <a:rPr lang="fr-FR" sz="1400" i="1" smtClean="0">
+                            <a:latin typeface="Cambria Math" panose="02040503050406030204" pitchFamily="18" charset="0"/>
+                          </a:rPr>
+                        </m:ctrlPr>
+                      </m:dPr>
+                      <m:e>
+                        <m:r>
+                          <a:rPr lang="fr-FR" sz="1400" b="0" i="1" smtClean="0">
+                            <a:latin typeface="Cambria Math" panose="02040503050406030204" pitchFamily="18" charset="0"/>
+                          </a:rPr>
+                          <m:t>𝑊</m:t>
+                        </m:r>
+                        <m:r>
+                          <a:rPr lang="fr-FR" sz="1400" b="0" i="1" smtClean="0">
+                            <a:latin typeface="Cambria Math" panose="02040503050406030204" pitchFamily="18" charset="0"/>
+                          </a:rPr>
+                          <m:t>,</m:t>
+                        </m:r>
+                        <m:acc>
+                          <m:accPr>
+                            <m:chr m:val="⃗"/>
+                            <m:ctrlPr>
+                              <a:rPr lang="fr-FR" sz="1400" b="0" i="1" smtClean="0">
+                                <a:latin typeface="Cambria Math" panose="02040503050406030204" pitchFamily="18" charset="0"/>
+                              </a:rPr>
+                            </m:ctrlPr>
+                          </m:accPr>
+                          <m:e>
+                            <m:sSub>
+                              <m:sSubPr>
+                                <m:ctrlPr>
+                                  <a:rPr lang="fr-FR" sz="1400" i="1">
+                                    <a:latin typeface="Cambria Math" panose="02040503050406030204" pitchFamily="18" charset="0"/>
+                                  </a:rPr>
+                                </m:ctrlPr>
+                              </m:sSubPr>
+                              <m:e>
+                                <m:r>
+                                  <a:rPr lang="fr-FR" sz="1400" b="0" i="1" smtClean="0">
+                                    <a:latin typeface="Cambria Math" panose="02040503050406030204" pitchFamily="18" charset="0"/>
+                                  </a:rPr>
+                                  <m:t>𝑦</m:t>
+                                </m:r>
+                              </m:e>
+                              <m:sub>
+                                <m:r>
+                                  <a:rPr lang="fr-FR" sz="1400" b="0" i="1" smtClean="0">
+                                    <a:latin typeface="Cambria Math" panose="02040503050406030204" pitchFamily="18" charset="0"/>
+                                  </a:rPr>
+                                  <m:t>3</m:t>
+                                </m:r>
+                              </m:sub>
+                            </m:sSub>
+                          </m:e>
+                        </m:acc>
+                      </m:e>
+                    </m:d>
+                  </m:oMath>
+                </a14:m>
+                <a:r>
+                  <a:rPr lang="fr-FR" sz="1400" dirty="0"/>
+                  <a:t> </a:t>
+                </a:r>
+              </a:p>
+            </p:txBody>
+          </p:sp>
+        </mc:Choice>
+        <mc:Fallback xmlns="">
+          <p:sp>
+            <p:nvSpPr>
+              <p:cNvPr id="85" name="ZoneTexte 84">
+                <a:extLst>
+                  <a:ext uri="{FF2B5EF4-FFF2-40B4-BE49-F238E27FC236}">
+                    <a16:creationId xmlns:a16="http://schemas.microsoft.com/office/drawing/2014/main" id="{5B70E326-0FD9-4DA6-9E91-FDF26FB1E2FB}"/>
+                  </a:ext>
+                </a:extLst>
+              </p:cNvPr>
+              <p:cNvSpPr txBox="1">
+                <a:spLocks noRot="1" noChangeAspect="1" noMove="1" noResize="1" noEditPoints="1" noAdjustHandles="1" noChangeArrowheads="1" noChangeShapeType="1" noTextEdit="1"/>
+              </p:cNvSpPr>
+              <p:nvPr/>
+            </p:nvSpPr>
+            <p:spPr>
+              <a:xfrm rot="16200000">
+                <a:off x="7004172" y="2658340"/>
+                <a:ext cx="1306568" cy="307777"/>
+              </a:xfrm>
+              <a:prstGeom prst="rect">
+                <a:avLst/>
+              </a:prstGeom>
+              <a:blipFill>
+                <a:blip r:embed="rId5"/>
+                <a:stretch>
+                  <a:fillRect l="-4000" r="-20000" b="-1402"/>
+                </a:stretch>
+              </a:blipFill>
+            </p:spPr>
+            <p:txBody>
+              <a:bodyPr/>
+              <a:lstStyle/>
+              <a:p>
+                <a:r>
+                  <a:rPr lang="fr-FR">
+                    <a:noFill/>
+                  </a:rPr>
+                  <a:t> </a:t>
+                </a:r>
+              </a:p>
+            </p:txBody>
+          </p:sp>
+        </mc:Fallback>
+      </mc:AlternateContent>
+      <p:sp>
+        <p:nvSpPr>
+          <p:cNvPr id="86" name="ZoneTexte 85">
+            <a:extLst>
+              <a:ext uri="{FF2B5EF4-FFF2-40B4-BE49-F238E27FC236}">
+                <a16:creationId xmlns:a16="http://schemas.microsoft.com/office/drawing/2014/main" id="{5056E181-2794-408A-809A-16EE080047BC}"/>
+              </a:ext>
+            </a:extLst>
+          </p:cNvPr>
+          <p:cNvSpPr txBox="1"/>
+          <p:nvPr/>
+        </p:nvSpPr>
+        <p:spPr>
+          <a:xfrm rot="16200000">
+            <a:off x="4187234" y="3682784"/>
+            <a:ext cx="744293" cy="307777"/>
+          </a:xfrm>
+          <a:prstGeom prst="rect">
+            <a:avLst/>
+          </a:prstGeom>
+          <a:noFill/>
+        </p:spPr>
+        <p:txBody>
+          <a:bodyPr wrap="square" rtlCol="0">
+            <a:spAutoFit/>
+          </a:bodyPr>
+          <a:lstStyle/>
+          <a:p>
+            <a:pPr algn="r"/>
+            <a:r>
+              <a:rPr lang="fr-FR" sz="1400" i="1" dirty="0">
+                <a:solidFill>
+                  <a:schemeClr val="tx1">
+                    <a:lumMod val="65000"/>
+                    <a:lumOff val="35000"/>
+                  </a:schemeClr>
+                </a:solidFill>
+              </a:rPr>
+              <a:t>Roulis</a:t>
+            </a:r>
+          </a:p>
+        </p:txBody>
+      </p:sp>
+      <p:sp>
+        <p:nvSpPr>
+          <p:cNvPr id="87" name="ZoneTexte 86">
+            <a:extLst>
+              <a:ext uri="{FF2B5EF4-FFF2-40B4-BE49-F238E27FC236}">
+                <a16:creationId xmlns:a16="http://schemas.microsoft.com/office/drawing/2014/main" id="{94C412A1-CBA3-48A9-B609-BE12F076EEEB}"/>
+              </a:ext>
+            </a:extLst>
+          </p:cNvPr>
+          <p:cNvSpPr txBox="1"/>
+          <p:nvPr/>
+        </p:nvSpPr>
+        <p:spPr>
+          <a:xfrm rot="16200000">
+            <a:off x="7259421" y="3672877"/>
+            <a:ext cx="744293" cy="307777"/>
+          </a:xfrm>
+          <a:prstGeom prst="rect">
+            <a:avLst/>
+          </a:prstGeom>
+          <a:noFill/>
+        </p:spPr>
+        <p:txBody>
+          <a:bodyPr wrap="square" rtlCol="0">
+            <a:spAutoFit/>
+          </a:bodyPr>
+          <a:lstStyle/>
+          <a:p>
+            <a:pPr algn="r"/>
+            <a:r>
+              <a:rPr lang="fr-FR" sz="1400" i="1" dirty="0">
+                <a:solidFill>
+                  <a:schemeClr val="tx1">
+                    <a:lumMod val="65000"/>
+                    <a:lumOff val="35000"/>
+                  </a:schemeClr>
+                </a:solidFill>
+              </a:rPr>
+              <a:t>Roulis</a:t>
+            </a:r>
+          </a:p>
+        </p:txBody>
+      </p:sp>
+      <p:sp>
+        <p:nvSpPr>
+          <p:cNvPr id="88" name="ZoneTexte 87">
+            <a:extLst>
+              <a:ext uri="{FF2B5EF4-FFF2-40B4-BE49-F238E27FC236}">
+                <a16:creationId xmlns:a16="http://schemas.microsoft.com/office/drawing/2014/main" id="{84C39C9F-14E4-4F38-AB75-C1C4E4B30965}"/>
+              </a:ext>
+            </a:extLst>
+          </p:cNvPr>
+          <p:cNvSpPr txBox="1"/>
+          <p:nvPr/>
+        </p:nvSpPr>
+        <p:spPr>
+          <a:xfrm rot="16200000">
+            <a:off x="4864224" y="3783022"/>
+            <a:ext cx="977186" cy="307777"/>
+          </a:xfrm>
+          <a:prstGeom prst="rect">
+            <a:avLst/>
+          </a:prstGeom>
+          <a:noFill/>
+        </p:spPr>
+        <p:txBody>
+          <a:bodyPr wrap="square" rtlCol="0">
+            <a:spAutoFit/>
+          </a:bodyPr>
+          <a:lstStyle/>
+          <a:p>
+            <a:pPr algn="r"/>
+            <a:r>
+              <a:rPr lang="fr-FR" sz="1400" i="1" dirty="0">
+                <a:solidFill>
+                  <a:schemeClr val="tx1">
+                    <a:lumMod val="65000"/>
+                    <a:lumOff val="35000"/>
+                  </a:schemeClr>
+                </a:solidFill>
+              </a:rPr>
+              <a:t>Tangage</a:t>
+            </a:r>
+          </a:p>
+        </p:txBody>
+      </p:sp>
+      <p:sp>
+        <p:nvSpPr>
+          <p:cNvPr id="89" name="ZoneTexte 88">
+            <a:extLst>
+              <a:ext uri="{FF2B5EF4-FFF2-40B4-BE49-F238E27FC236}">
+                <a16:creationId xmlns:a16="http://schemas.microsoft.com/office/drawing/2014/main" id="{06FB9CB1-CFB8-4C96-B73C-D9AA7BC2D2FC}"/>
+              </a:ext>
+            </a:extLst>
+          </p:cNvPr>
+          <p:cNvSpPr txBox="1"/>
+          <p:nvPr/>
+        </p:nvSpPr>
+        <p:spPr>
+          <a:xfrm rot="16200000">
+            <a:off x="6353257" y="3776610"/>
+            <a:ext cx="977186" cy="307777"/>
+          </a:xfrm>
+          <a:prstGeom prst="rect">
+            <a:avLst/>
+          </a:prstGeom>
+          <a:noFill/>
+        </p:spPr>
+        <p:txBody>
+          <a:bodyPr wrap="square" rtlCol="0">
+            <a:spAutoFit/>
+          </a:bodyPr>
+          <a:lstStyle/>
+          <a:p>
+            <a:pPr algn="r"/>
+            <a:r>
+              <a:rPr lang="fr-FR" sz="1400" i="1" dirty="0">
+                <a:solidFill>
+                  <a:schemeClr val="tx1">
+                    <a:lumMod val="65000"/>
+                    <a:lumOff val="35000"/>
+                  </a:schemeClr>
+                </a:solidFill>
+              </a:rPr>
+              <a:t>Tangage</a:t>
+            </a:r>
+          </a:p>
+        </p:txBody>
+      </p:sp>
+      <p:sp>
+        <p:nvSpPr>
+          <p:cNvPr id="90" name="Signe de multiplication 89">
+            <a:extLst>
+              <a:ext uri="{FF2B5EF4-FFF2-40B4-BE49-F238E27FC236}">
+                <a16:creationId xmlns:a16="http://schemas.microsoft.com/office/drawing/2014/main" id="{14A400B5-BCA7-4F7F-8773-FDA8A9DA4DF6}"/>
+              </a:ext>
+            </a:extLst>
+          </p:cNvPr>
+          <p:cNvSpPr/>
+          <p:nvPr/>
+        </p:nvSpPr>
+        <p:spPr>
+          <a:xfrm>
+            <a:off x="7521840" y="3339431"/>
+            <a:ext cx="219456" cy="219456"/>
+          </a:xfrm>
+          <a:prstGeom prst="mathMultiply">
+            <a:avLst/>
+          </a:prstGeom>
+        </p:spPr>
+        <p:style>
+          <a:lnRef idx="2">
+            <a:schemeClr val="dk1">
+              <a:shade val="50000"/>
+            </a:schemeClr>
+          </a:lnRef>
+          <a:fillRef idx="1">
+            <a:schemeClr val="dk1"/>
+          </a:fillRef>
+          <a:effectRef idx="0">
+            <a:schemeClr val="dk1"/>
+          </a:effectRef>
+          <a:fontRef idx="minor">
+            <a:schemeClr val="lt1"/>
+          </a:fontRef>
+        </p:style>
+        <p:txBody>
+          <a:bodyPr rtlCol="0" anchor="ctr"/>
+          <a:lstStyle/>
+          <a:p>
+            <a:pPr algn="ctr"/>
+            <a:endParaRPr lang="fr-FR"/>
+          </a:p>
+        </p:txBody>
+      </p:sp>
+      <p:sp>
+        <p:nvSpPr>
+          <p:cNvPr id="91" name="Signe de multiplication 90">
+            <a:extLst>
+              <a:ext uri="{FF2B5EF4-FFF2-40B4-BE49-F238E27FC236}">
+                <a16:creationId xmlns:a16="http://schemas.microsoft.com/office/drawing/2014/main" id="{FAF6EDE7-D3CE-4045-B92B-7299AED75CB6}"/>
+              </a:ext>
+            </a:extLst>
+          </p:cNvPr>
+          <p:cNvSpPr/>
+          <p:nvPr/>
+        </p:nvSpPr>
+        <p:spPr>
+          <a:xfrm>
+            <a:off x="4450011" y="3338209"/>
+            <a:ext cx="219456" cy="219456"/>
+          </a:xfrm>
+          <a:prstGeom prst="mathMultiply">
+            <a:avLst/>
+          </a:prstGeom>
+        </p:spPr>
+        <p:style>
+          <a:lnRef idx="2">
+            <a:schemeClr val="dk1">
+              <a:shade val="50000"/>
+            </a:schemeClr>
+          </a:lnRef>
+          <a:fillRef idx="1">
+            <a:schemeClr val="dk1"/>
+          </a:fillRef>
+          <a:effectRef idx="0">
+            <a:schemeClr val="dk1"/>
+          </a:effectRef>
+          <a:fontRef idx="minor">
+            <a:schemeClr val="lt1"/>
+          </a:fontRef>
+        </p:style>
+        <p:txBody>
+          <a:bodyPr rtlCol="0" anchor="ctr"/>
+          <a:lstStyle/>
+          <a:p>
+            <a:pPr algn="ctr"/>
+            <a:endParaRPr lang="fr-FR"/>
+          </a:p>
+        </p:txBody>
+      </p:sp>
+      <p:grpSp>
+        <p:nvGrpSpPr>
+          <p:cNvPr id="99" name="Groupe 98">
+            <a:extLst>
+              <a:ext uri="{FF2B5EF4-FFF2-40B4-BE49-F238E27FC236}">
+                <a16:creationId xmlns:a16="http://schemas.microsoft.com/office/drawing/2014/main" id="{22332B9A-F340-4733-B141-55FCF94630E8}"/>
+              </a:ext>
+            </a:extLst>
+          </p:cNvPr>
+          <p:cNvGrpSpPr/>
+          <p:nvPr/>
+        </p:nvGrpSpPr>
+        <p:grpSpPr>
+          <a:xfrm>
+            <a:off x="5421169" y="2492482"/>
+            <a:ext cx="891850" cy="773075"/>
+            <a:chOff x="3146235" y="2488471"/>
+            <a:chExt cx="891850" cy="773075"/>
+          </a:xfrm>
+        </p:grpSpPr>
+        <p:sp>
+          <p:nvSpPr>
+            <p:cNvPr id="100" name="Arc 99">
+              <a:extLst>
+                <a:ext uri="{FF2B5EF4-FFF2-40B4-BE49-F238E27FC236}">
+                  <a16:creationId xmlns:a16="http://schemas.microsoft.com/office/drawing/2014/main" id="{0E145CE6-455B-425E-890A-108616ECCDD8}"/>
+                </a:ext>
+              </a:extLst>
+            </p:cNvPr>
+            <p:cNvSpPr/>
+            <p:nvPr/>
+          </p:nvSpPr>
+          <p:spPr>
+            <a:xfrm>
+              <a:off x="3490003" y="2488471"/>
+              <a:ext cx="548082" cy="773075"/>
+            </a:xfrm>
+            <a:prstGeom prst="arc">
+              <a:avLst>
+                <a:gd name="adj1" fmla="val 8878388"/>
+                <a:gd name="adj2" fmla="val 14492985"/>
+              </a:avLst>
+            </a:prstGeom>
+            <a:ln w="28575">
+              <a:solidFill>
+                <a:srgbClr val="C00000"/>
+              </a:solidFill>
+              <a:headEnd type="none" w="sm" len="lg"/>
+              <a:tailEnd type="stealth" w="sm" len="lg"/>
+            </a:ln>
+          </p:spPr>
+          <p:style>
+            <a:lnRef idx="1">
+              <a:schemeClr val="accent1"/>
+            </a:lnRef>
+            <a:fillRef idx="0">
+              <a:schemeClr val="accent1"/>
+            </a:fillRef>
+            <a:effectRef idx="0">
+              <a:schemeClr val="accent1"/>
+            </a:effectRef>
+            <a:fontRef idx="minor">
+              <a:schemeClr val="tx1"/>
+            </a:fontRef>
+          </p:style>
+          <p:txBody>
+            <a:bodyPr rtlCol="0" anchor="ctr"/>
+            <a:lstStyle/>
+            <a:p>
+              <a:pPr algn="ctr"/>
+              <a:endParaRPr lang="fr-FR"/>
+            </a:p>
+          </p:txBody>
+        </p:sp>
+        <mc:AlternateContent xmlns:mc="http://schemas.openxmlformats.org/markup-compatibility/2006" xmlns:a14="http://schemas.microsoft.com/office/drawing/2010/main">
+          <mc:Choice Requires="a14">
+            <p:sp>
+              <p:nvSpPr>
+                <p:cNvPr id="101" name="ZoneTexte 100">
+                  <a:extLst>
+                    <a:ext uri="{FF2B5EF4-FFF2-40B4-BE49-F238E27FC236}">
+                      <a16:creationId xmlns:a16="http://schemas.microsoft.com/office/drawing/2014/main" id="{26AB824A-5388-4850-9B55-D281095EA72F}"/>
+                    </a:ext>
+                  </a:extLst>
+                </p:cNvPr>
+                <p:cNvSpPr txBox="1"/>
+                <p:nvPr/>
+              </p:nvSpPr>
+              <p:spPr>
+                <a:xfrm>
+                  <a:off x="3146235" y="2696689"/>
+                  <a:ext cx="340241" cy="300595"/>
+                </a:xfrm>
+                <a:prstGeom prst="rect">
+                  <a:avLst/>
+                </a:prstGeom>
+                <a:noFill/>
+              </p:spPr>
+              <p:txBody>
+                <a:bodyPr wrap="square" rtlCol="0">
+                  <a:spAutoFit/>
+                </a:bodyPr>
+                <a:lstStyle/>
+                <a:p>
+                  <a:pPr/>
+                  <a14:m>
+                    <m:oMathPara xmlns:m="http://schemas.openxmlformats.org/officeDocument/2006/math">
+                      <m:oMathParaPr>
+                        <m:jc m:val="centerGroup"/>
+                      </m:oMathParaPr>
+                      <m:oMath xmlns:m="http://schemas.openxmlformats.org/officeDocument/2006/math">
+                        <m:acc>
+                          <m:accPr>
+                            <m:chr m:val="⃗"/>
+                            <m:ctrlPr>
+                              <a:rPr lang="fr-FR" sz="1200" b="0" i="1" smtClean="0">
+                                <a:latin typeface="Cambria Math" panose="02040503050406030204" pitchFamily="18" charset="0"/>
+                              </a:rPr>
+                            </m:ctrlPr>
+                          </m:accPr>
+                          <m:e>
+                            <m:sSub>
+                              <m:sSubPr>
+                                <m:ctrlPr>
+                                  <a:rPr lang="fr-FR" sz="1200" i="1">
+                                    <a:latin typeface="Cambria Math" panose="02040503050406030204" pitchFamily="18" charset="0"/>
+                                  </a:rPr>
+                                </m:ctrlPr>
+                              </m:sSubPr>
+                              <m:e>
+                                <m:r>
+                                  <a:rPr lang="fr-FR" sz="1200" i="1">
+                                    <a:latin typeface="Cambria Math" panose="02040503050406030204" pitchFamily="18" charset="0"/>
+                                  </a:rPr>
+                                  <m:t>𝐶</m:t>
+                                </m:r>
+                              </m:e>
+                              <m:sub>
+                                <m:r>
+                                  <a:rPr lang="fr-FR" sz="1200" i="1">
+                                    <a:latin typeface="Cambria Math" panose="02040503050406030204" pitchFamily="18" charset="0"/>
+                                  </a:rPr>
+                                  <m:t>𝑚</m:t>
+                                </m:r>
+                              </m:sub>
+                            </m:sSub>
+                          </m:e>
+                        </m:acc>
+                      </m:oMath>
+                    </m:oMathPara>
+                  </a14:m>
+                  <a:endParaRPr lang="fr-FR" sz="1200" dirty="0"/>
+                </a:p>
+              </p:txBody>
+            </p:sp>
+          </mc:Choice>
+          <mc:Fallback xmlns="">
+            <p:sp>
+              <p:nvSpPr>
+                <p:cNvPr id="101" name="ZoneTexte 100">
+                  <a:extLst>
+                    <a:ext uri="{FF2B5EF4-FFF2-40B4-BE49-F238E27FC236}">
+                      <a16:creationId xmlns:a16="http://schemas.microsoft.com/office/drawing/2014/main" id="{26AB824A-5388-4850-9B55-D281095EA72F}"/>
+                    </a:ext>
+                  </a:extLst>
+                </p:cNvPr>
+                <p:cNvSpPr txBox="1">
+                  <a:spLocks noRot="1" noChangeAspect="1" noMove="1" noResize="1" noEditPoints="1" noAdjustHandles="1" noChangeArrowheads="1" noChangeShapeType="1" noTextEdit="1"/>
+                </p:cNvSpPr>
+                <p:nvPr/>
+              </p:nvSpPr>
+              <p:spPr>
+                <a:xfrm>
+                  <a:off x="3146235" y="2696689"/>
+                  <a:ext cx="340241" cy="300595"/>
+                </a:xfrm>
+                <a:prstGeom prst="rect">
+                  <a:avLst/>
+                </a:prstGeom>
+                <a:blipFill>
+                  <a:blip r:embed="rId7"/>
+                  <a:stretch>
+                    <a:fillRect/>
+                  </a:stretch>
+                </a:blipFill>
+              </p:spPr>
+              <p:txBody>
+                <a:bodyPr/>
+                <a:lstStyle/>
+                <a:p>
+                  <a:r>
+                    <a:rPr lang="fr-FR">
+                      <a:noFill/>
+                    </a:rPr>
+                    <a:t> </a:t>
+                  </a:r>
+                </a:p>
+              </p:txBody>
+            </p:sp>
+          </mc:Fallback>
+        </mc:AlternateContent>
+      </p:grpSp>
+      <p:grpSp>
+        <p:nvGrpSpPr>
+          <p:cNvPr id="108" name="Groupe 107">
+            <a:extLst>
+              <a:ext uri="{FF2B5EF4-FFF2-40B4-BE49-F238E27FC236}">
+                <a16:creationId xmlns:a16="http://schemas.microsoft.com/office/drawing/2014/main" id="{657917A1-0115-4FA3-AD68-B9A23B18958D}"/>
+              </a:ext>
+            </a:extLst>
+          </p:cNvPr>
+          <p:cNvGrpSpPr/>
+          <p:nvPr/>
+        </p:nvGrpSpPr>
+        <p:grpSpPr>
+          <a:xfrm>
+            <a:off x="5318172" y="3644391"/>
+            <a:ext cx="1001620" cy="773075"/>
+            <a:chOff x="3036465" y="2488471"/>
+            <a:chExt cx="1001620" cy="773075"/>
+          </a:xfrm>
+        </p:grpSpPr>
+        <p:sp>
+          <p:nvSpPr>
+            <p:cNvPr id="109" name="Arc 108">
+              <a:extLst>
+                <a:ext uri="{FF2B5EF4-FFF2-40B4-BE49-F238E27FC236}">
+                  <a16:creationId xmlns:a16="http://schemas.microsoft.com/office/drawing/2014/main" id="{8FC3F438-159E-49E4-B552-AFDEFF572A28}"/>
+                </a:ext>
+              </a:extLst>
+            </p:cNvPr>
+            <p:cNvSpPr/>
+            <p:nvPr/>
+          </p:nvSpPr>
+          <p:spPr>
+            <a:xfrm>
+              <a:off x="3490003" y="2488471"/>
+              <a:ext cx="548082" cy="773075"/>
+            </a:xfrm>
+            <a:prstGeom prst="arc">
+              <a:avLst>
+                <a:gd name="adj1" fmla="val 7366981"/>
+                <a:gd name="adj2" fmla="val 12743953"/>
+              </a:avLst>
+            </a:prstGeom>
+            <a:ln w="28575">
+              <a:solidFill>
+                <a:srgbClr val="C00000"/>
+              </a:solidFill>
+              <a:headEnd type="stealth" w="sm" len="lg"/>
+              <a:tailEnd type="none" w="sm" len="lg"/>
+            </a:ln>
+          </p:spPr>
+          <p:style>
+            <a:lnRef idx="1">
+              <a:schemeClr val="accent1"/>
+            </a:lnRef>
+            <a:fillRef idx="0">
+              <a:schemeClr val="accent1"/>
+            </a:fillRef>
+            <a:effectRef idx="0">
+              <a:schemeClr val="accent1"/>
+            </a:effectRef>
+            <a:fontRef idx="minor">
+              <a:schemeClr val="tx1"/>
+            </a:fontRef>
+          </p:style>
+          <p:txBody>
+            <a:bodyPr rtlCol="0" anchor="ctr"/>
+            <a:lstStyle/>
+            <a:p>
+              <a:pPr algn="ctr"/>
+              <a:endParaRPr lang="fr-FR"/>
+            </a:p>
+          </p:txBody>
+        </p:sp>
+        <mc:AlternateContent xmlns:mc="http://schemas.openxmlformats.org/markup-compatibility/2006">
+          <mc:Choice xmlns:a14="http://schemas.microsoft.com/office/drawing/2010/main" Requires="a14">
+            <p:sp>
+              <p:nvSpPr>
+                <p:cNvPr id="110" name="ZoneTexte 109">
+                  <a:extLst>
+                    <a:ext uri="{FF2B5EF4-FFF2-40B4-BE49-F238E27FC236}">
+                      <a16:creationId xmlns:a16="http://schemas.microsoft.com/office/drawing/2014/main" id="{A96236D2-CB4D-43DA-85A8-6FA0B6DD43CB}"/>
+                    </a:ext>
+                  </a:extLst>
+                </p:cNvPr>
+                <p:cNvSpPr txBox="1"/>
+                <p:nvPr/>
+              </p:nvSpPr>
+              <p:spPr>
+                <a:xfrm>
+                  <a:off x="3036465" y="2678557"/>
+                  <a:ext cx="450011" cy="300595"/>
+                </a:xfrm>
+                <a:prstGeom prst="rect">
+                  <a:avLst/>
+                </a:prstGeom>
+                <a:noFill/>
+              </p:spPr>
+              <p:txBody>
+                <a:bodyPr wrap="square" rtlCol="0">
+                  <a:spAutoFit/>
+                </a:bodyPr>
+                <a:lstStyle/>
+                <a:p>
+                  <a:pPr/>
+                  <a14:m>
+                    <m:oMathPara xmlns:m="http://schemas.openxmlformats.org/officeDocument/2006/math">
+                      <m:oMathParaPr>
+                        <m:jc m:val="centerGroup"/>
+                      </m:oMathParaPr>
+                      <m:oMath xmlns:m="http://schemas.openxmlformats.org/officeDocument/2006/math">
+                        <m:r>
+                          <a:rPr lang="fr-FR" sz="1200" b="0" i="1" smtClean="0">
+                            <a:latin typeface="Cambria Math" panose="02040503050406030204" pitchFamily="18" charset="0"/>
+                          </a:rPr>
+                          <m:t>−</m:t>
+                        </m:r>
+                        <m:acc>
+                          <m:accPr>
+                            <m:chr m:val="⃗"/>
+                            <m:ctrlPr>
+                              <a:rPr lang="fr-FR" sz="1200" b="0" i="1" smtClean="0">
+                                <a:latin typeface="Cambria Math" panose="02040503050406030204" pitchFamily="18" charset="0"/>
+                              </a:rPr>
+                            </m:ctrlPr>
+                          </m:accPr>
+                          <m:e>
+                            <m:sSub>
+                              <m:sSubPr>
+                                <m:ctrlPr>
+                                  <a:rPr lang="fr-FR" sz="1200" i="1">
+                                    <a:latin typeface="Cambria Math" panose="02040503050406030204" pitchFamily="18" charset="0"/>
+                                  </a:rPr>
+                                </m:ctrlPr>
+                              </m:sSubPr>
+                              <m:e>
+                                <m:r>
+                                  <a:rPr lang="fr-FR" sz="1200" i="1">
+                                    <a:latin typeface="Cambria Math" panose="02040503050406030204" pitchFamily="18" charset="0"/>
+                                  </a:rPr>
+                                  <m:t>𝐶</m:t>
+                                </m:r>
+                              </m:e>
+                              <m:sub>
+                                <m:r>
+                                  <a:rPr lang="fr-FR" sz="1200" i="1">
+                                    <a:latin typeface="Cambria Math" panose="02040503050406030204" pitchFamily="18" charset="0"/>
+                                  </a:rPr>
+                                  <m:t>𝑚</m:t>
+                                </m:r>
+                              </m:sub>
+                            </m:sSub>
+                          </m:e>
+                        </m:acc>
+                      </m:oMath>
+                    </m:oMathPara>
+                  </a14:m>
+                  <a:endParaRPr lang="fr-FR" sz="1200" dirty="0"/>
+                </a:p>
+              </p:txBody>
+            </p:sp>
+          </mc:Choice>
+          <mc:Fallback>
+            <p:sp>
+              <p:nvSpPr>
+                <p:cNvPr id="110" name="ZoneTexte 109">
+                  <a:extLst>
+                    <a:ext uri="{FF2B5EF4-FFF2-40B4-BE49-F238E27FC236}">
+                      <a16:creationId xmlns:a16="http://schemas.microsoft.com/office/drawing/2014/main" id="{A96236D2-CB4D-43DA-85A8-6FA0B6DD43CB}"/>
+                    </a:ext>
+                  </a:extLst>
+                </p:cNvPr>
+                <p:cNvSpPr txBox="1">
+                  <a:spLocks noRot="1" noChangeAspect="1" noMove="1" noResize="1" noEditPoints="1" noAdjustHandles="1" noChangeArrowheads="1" noChangeShapeType="1" noTextEdit="1"/>
+                </p:cNvSpPr>
+                <p:nvPr/>
+              </p:nvSpPr>
+              <p:spPr>
+                <a:xfrm>
+                  <a:off x="3036465" y="2678557"/>
+                  <a:ext cx="450011" cy="300595"/>
+                </a:xfrm>
+                <a:prstGeom prst="rect">
+                  <a:avLst/>
+                </a:prstGeom>
+                <a:blipFill>
+                  <a:blip r:embed="rId8"/>
+                  <a:stretch>
+                    <a:fillRect/>
+                  </a:stretch>
+                </a:blipFill>
+              </p:spPr>
+              <p:txBody>
+                <a:bodyPr/>
+                <a:lstStyle/>
+                <a:p>
+                  <a:r>
+                    <a:rPr lang="fr-FR">
+                      <a:noFill/>
+                    </a:rPr>
+                    <a:t> </a:t>
+                  </a:r>
+                </a:p>
+              </p:txBody>
+            </p:sp>
+          </mc:Fallback>
+        </mc:AlternateContent>
+      </p:grpSp>
+      <mc:AlternateContent xmlns:mc="http://schemas.openxmlformats.org/markup-compatibility/2006">
+        <mc:Choice xmlns:a14="http://schemas.microsoft.com/office/drawing/2010/main" Requires="a14">
+          <p:sp>
+            <p:nvSpPr>
+              <p:cNvPr id="83" name="ZoneTexte 82">
+                <a:extLst>
+                  <a:ext uri="{FF2B5EF4-FFF2-40B4-BE49-F238E27FC236}">
+                    <a16:creationId xmlns:a16="http://schemas.microsoft.com/office/drawing/2014/main" id="{1F728885-D45F-4FD3-8A5E-654587E6088A}"/>
+                  </a:ext>
+                </a:extLst>
+              </p:cNvPr>
+              <p:cNvSpPr txBox="1"/>
+              <p:nvPr/>
+            </p:nvSpPr>
+            <p:spPr>
+              <a:xfrm>
+                <a:off x="6061383" y="1663482"/>
+                <a:ext cx="1311179" cy="356380"/>
+              </a:xfrm>
+              <a:prstGeom prst="rect">
+                <a:avLst/>
+              </a:prstGeom>
+              <a:noFill/>
+            </p:spPr>
+            <p:txBody>
+              <a:bodyPr wrap="square" rtlCol="0">
+                <a:spAutoFit/>
+              </a:bodyPr>
+              <a:lstStyle/>
+              <a:p>
+                <a:r>
+                  <a:rPr lang="fr-FR" sz="1400" dirty="0"/>
+                  <a:t>RSG </a:t>
+                </a:r>
+                <a14:m>
+                  <m:oMath xmlns:m="http://schemas.openxmlformats.org/officeDocument/2006/math">
+                    <m:d>
+                      <m:dPr>
+                        <m:ctrlPr>
+                          <a:rPr lang="fr-FR" sz="1400" i="1" smtClean="0">
+                            <a:latin typeface="Cambria Math" panose="02040503050406030204" pitchFamily="18" charset="0"/>
+                          </a:rPr>
+                        </m:ctrlPr>
+                      </m:dPr>
+                      <m:e>
+                        <m:sSub>
+                          <m:sSubPr>
+                            <m:ctrlPr>
+                              <a:rPr lang="fr-FR" sz="1400" b="0" i="1" smtClean="0">
+                                <a:latin typeface="Cambria Math" panose="02040503050406030204" pitchFamily="18" charset="0"/>
+                              </a:rPr>
+                            </m:ctrlPr>
+                          </m:sSubPr>
+                          <m:e>
+                            <m:r>
+                              <a:rPr lang="fr-FR" sz="1400" b="0" i="1" smtClean="0">
+                                <a:latin typeface="Cambria Math" panose="02040503050406030204" pitchFamily="18" charset="0"/>
+                              </a:rPr>
+                              <m:t>𝐼</m:t>
+                            </m:r>
+                          </m:e>
+                          <m:sub>
+                            <m:r>
+                              <a:rPr lang="fr-FR" sz="1400" b="0" i="1" smtClean="0">
+                                <a:latin typeface="Cambria Math" panose="02040503050406030204" pitchFamily="18" charset="0"/>
+                              </a:rPr>
+                              <m:t>1</m:t>
+                            </m:r>
+                            <m:r>
+                              <a:rPr lang="fr-FR" sz="1400" b="0" i="1" smtClean="0">
+                                <a:latin typeface="Cambria Math" panose="02040503050406030204" pitchFamily="18" charset="0"/>
+                              </a:rPr>
+                              <m:t>𝑔</m:t>
+                            </m:r>
+                          </m:sub>
+                        </m:sSub>
+                        <m:r>
+                          <a:rPr lang="fr-FR" sz="1400" b="0" i="1" smtClean="0">
+                            <a:latin typeface="Cambria Math" panose="02040503050406030204" pitchFamily="18" charset="0"/>
+                          </a:rPr>
+                          <m:t>,</m:t>
+                        </m:r>
+                        <m:acc>
+                          <m:accPr>
+                            <m:chr m:val="⃗"/>
+                            <m:ctrlPr>
+                              <a:rPr lang="fr-FR" sz="1400" b="0" i="1" smtClean="0">
+                                <a:latin typeface="Cambria Math" panose="02040503050406030204" pitchFamily="18" charset="0"/>
+                              </a:rPr>
+                            </m:ctrlPr>
+                          </m:accPr>
+                          <m:e>
+                            <m:sSub>
+                              <m:sSubPr>
+                                <m:ctrlPr>
+                                  <a:rPr lang="fr-FR" sz="1400" i="1">
+                                    <a:latin typeface="Cambria Math" panose="02040503050406030204" pitchFamily="18" charset="0"/>
+                                  </a:rPr>
+                                </m:ctrlPr>
+                              </m:sSubPr>
+                              <m:e>
+                                <m:r>
+                                  <a:rPr lang="fr-FR" sz="1400" b="0" i="1" smtClean="0">
+                                    <a:latin typeface="Cambria Math" panose="02040503050406030204" pitchFamily="18" charset="0"/>
+                                  </a:rPr>
+                                  <m:t>𝑍</m:t>
+                                </m:r>
+                              </m:e>
+                              <m:sub>
+                                <m:r>
+                                  <a:rPr lang="fr-FR" sz="1400" i="1">
+                                    <a:latin typeface="Cambria Math" panose="02040503050406030204" pitchFamily="18" charset="0"/>
+                                  </a:rPr>
+                                  <m:t>𝐿</m:t>
+                                </m:r>
+                              </m:sub>
+                            </m:sSub>
+                          </m:e>
+                        </m:acc>
+                      </m:e>
+                    </m:d>
+                  </m:oMath>
+                </a14:m>
+                <a:r>
+                  <a:rPr lang="fr-FR" sz="1400" dirty="0"/>
+                  <a:t> </a:t>
+                </a:r>
+              </a:p>
+            </p:txBody>
+          </p:sp>
+        </mc:Choice>
+        <mc:Fallback>
+          <p:sp>
+            <p:nvSpPr>
+              <p:cNvPr id="83" name="ZoneTexte 82">
+                <a:extLst>
+                  <a:ext uri="{FF2B5EF4-FFF2-40B4-BE49-F238E27FC236}">
+                    <a16:creationId xmlns:a16="http://schemas.microsoft.com/office/drawing/2014/main" id="{1F728885-D45F-4FD3-8A5E-654587E6088A}"/>
+                  </a:ext>
+                </a:extLst>
+              </p:cNvPr>
+              <p:cNvSpPr txBox="1">
+                <a:spLocks noRot="1" noChangeAspect="1" noMove="1" noResize="1" noEditPoints="1" noAdjustHandles="1" noChangeArrowheads="1" noChangeShapeType="1" noTextEdit="1"/>
+              </p:cNvSpPr>
+              <p:nvPr/>
+            </p:nvSpPr>
+            <p:spPr>
+              <a:xfrm>
+                <a:off x="6061383" y="1663482"/>
+                <a:ext cx="1311179" cy="356380"/>
+              </a:xfrm>
+              <a:prstGeom prst="rect">
+                <a:avLst/>
+              </a:prstGeom>
+              <a:blipFill>
+                <a:blip r:embed="rId9"/>
+                <a:stretch>
+                  <a:fillRect l="-1395" b="-13793"/>
+                </a:stretch>
+              </a:blipFill>
+            </p:spPr>
+            <p:txBody>
+              <a:bodyPr/>
+              <a:lstStyle/>
+              <a:p>
+                <a:r>
+                  <a:rPr lang="fr-FR">
+                    <a:noFill/>
+                  </a:rPr>
+                  <a:t> </a:t>
+                </a:r>
+              </a:p>
+            </p:txBody>
+          </p:sp>
+        </mc:Fallback>
+      </mc:AlternateContent>
+      <mc:AlternateContent xmlns:mc="http://schemas.openxmlformats.org/markup-compatibility/2006">
+        <mc:Choice xmlns:a14="http://schemas.microsoft.com/office/drawing/2010/main" Requires="a14">
+          <p:sp>
+            <p:nvSpPr>
+              <p:cNvPr id="92" name="ZoneTexte 91">
+                <a:extLst>
+                  <a:ext uri="{FF2B5EF4-FFF2-40B4-BE49-F238E27FC236}">
+                    <a16:creationId xmlns:a16="http://schemas.microsoft.com/office/drawing/2014/main" id="{39493D3D-FAF4-4C98-B564-C90266B9A004}"/>
+                  </a:ext>
+                </a:extLst>
+              </p:cNvPr>
+              <p:cNvSpPr txBox="1"/>
+              <p:nvPr/>
+            </p:nvSpPr>
+            <p:spPr>
+              <a:xfrm>
+                <a:off x="6061382" y="4836987"/>
+                <a:ext cx="1311179" cy="356380"/>
+              </a:xfrm>
+              <a:prstGeom prst="rect">
+                <a:avLst/>
+              </a:prstGeom>
+              <a:noFill/>
+            </p:spPr>
+            <p:txBody>
+              <a:bodyPr wrap="square" rtlCol="0">
+                <a:spAutoFit/>
+              </a:bodyPr>
+              <a:lstStyle/>
+              <a:p>
+                <a:r>
+                  <a:rPr lang="fr-FR" sz="1400" dirty="0"/>
+                  <a:t>RSG </a:t>
+                </a:r>
+                <a14:m>
+                  <m:oMath xmlns:m="http://schemas.openxmlformats.org/officeDocument/2006/math">
+                    <m:d>
+                      <m:dPr>
+                        <m:ctrlPr>
+                          <a:rPr lang="fr-FR" sz="1400" i="1" smtClean="0">
+                            <a:latin typeface="Cambria Math" panose="02040503050406030204" pitchFamily="18" charset="0"/>
+                          </a:rPr>
+                        </m:ctrlPr>
+                      </m:dPr>
+                      <m:e>
+                        <m:sSub>
+                          <m:sSubPr>
+                            <m:ctrlPr>
+                              <a:rPr lang="fr-FR" sz="1400" b="0" i="1" smtClean="0">
+                                <a:latin typeface="Cambria Math" panose="02040503050406030204" pitchFamily="18" charset="0"/>
+                              </a:rPr>
+                            </m:ctrlPr>
+                          </m:sSubPr>
+                          <m:e>
+                            <m:r>
+                              <a:rPr lang="fr-FR" sz="1400" b="0" i="1" smtClean="0">
+                                <a:latin typeface="Cambria Math" panose="02040503050406030204" pitchFamily="18" charset="0"/>
+                              </a:rPr>
+                              <m:t>𝐼</m:t>
+                            </m:r>
+                          </m:e>
+                          <m:sub>
+                            <m:r>
+                              <a:rPr lang="fr-FR" sz="1400" b="0" i="1" smtClean="0">
+                                <a:latin typeface="Cambria Math" panose="02040503050406030204" pitchFamily="18" charset="0"/>
+                              </a:rPr>
+                              <m:t>1</m:t>
+                            </m:r>
+                            <m:r>
+                              <a:rPr lang="fr-FR" sz="1400" b="0" i="1" smtClean="0">
+                                <a:latin typeface="Cambria Math" panose="02040503050406030204" pitchFamily="18" charset="0"/>
+                              </a:rPr>
+                              <m:t>𝑑</m:t>
+                            </m:r>
+                          </m:sub>
+                        </m:sSub>
+                        <m:r>
+                          <a:rPr lang="fr-FR" sz="1400" b="0" i="1" smtClean="0">
+                            <a:latin typeface="Cambria Math" panose="02040503050406030204" pitchFamily="18" charset="0"/>
+                          </a:rPr>
+                          <m:t>,</m:t>
+                        </m:r>
+                        <m:acc>
+                          <m:accPr>
+                            <m:chr m:val="⃗"/>
+                            <m:ctrlPr>
+                              <a:rPr lang="fr-FR" sz="1400" b="0" i="1" smtClean="0">
+                                <a:latin typeface="Cambria Math" panose="02040503050406030204" pitchFamily="18" charset="0"/>
+                              </a:rPr>
+                            </m:ctrlPr>
+                          </m:accPr>
+                          <m:e>
+                            <m:sSub>
+                              <m:sSubPr>
+                                <m:ctrlPr>
+                                  <a:rPr lang="fr-FR" sz="1400" i="1">
+                                    <a:latin typeface="Cambria Math" panose="02040503050406030204" pitchFamily="18" charset="0"/>
+                                  </a:rPr>
+                                </m:ctrlPr>
+                              </m:sSubPr>
+                              <m:e>
+                                <m:r>
+                                  <a:rPr lang="fr-FR" sz="1400" b="0" i="1" smtClean="0">
+                                    <a:latin typeface="Cambria Math" panose="02040503050406030204" pitchFamily="18" charset="0"/>
+                                  </a:rPr>
+                                  <m:t>𝑍</m:t>
+                                </m:r>
+                              </m:e>
+                              <m:sub>
+                                <m:r>
+                                  <a:rPr lang="fr-FR" sz="1400" i="1">
+                                    <a:latin typeface="Cambria Math" panose="02040503050406030204" pitchFamily="18" charset="0"/>
+                                  </a:rPr>
+                                  <m:t>𝐿</m:t>
+                                </m:r>
+                              </m:sub>
+                            </m:sSub>
+                          </m:e>
+                        </m:acc>
+                      </m:e>
+                    </m:d>
+                  </m:oMath>
+                </a14:m>
+                <a:r>
+                  <a:rPr lang="fr-FR" sz="1400" dirty="0"/>
+                  <a:t> </a:t>
+                </a:r>
+              </a:p>
+            </p:txBody>
+          </p:sp>
+        </mc:Choice>
+        <mc:Fallback>
+          <p:sp>
+            <p:nvSpPr>
+              <p:cNvPr id="92" name="ZoneTexte 91">
+                <a:extLst>
+                  <a:ext uri="{FF2B5EF4-FFF2-40B4-BE49-F238E27FC236}">
+                    <a16:creationId xmlns:a16="http://schemas.microsoft.com/office/drawing/2014/main" id="{39493D3D-FAF4-4C98-B564-C90266B9A004}"/>
+                  </a:ext>
+                </a:extLst>
+              </p:cNvPr>
+              <p:cNvSpPr txBox="1">
+                <a:spLocks noRot="1" noChangeAspect="1" noMove="1" noResize="1" noEditPoints="1" noAdjustHandles="1" noChangeArrowheads="1" noChangeShapeType="1" noTextEdit="1"/>
+              </p:cNvSpPr>
+              <p:nvPr/>
+            </p:nvSpPr>
+            <p:spPr>
+              <a:xfrm>
+                <a:off x="6061382" y="4836987"/>
+                <a:ext cx="1311179" cy="356380"/>
+              </a:xfrm>
+              <a:prstGeom prst="rect">
+                <a:avLst/>
+              </a:prstGeom>
+              <a:blipFill>
+                <a:blip r:embed="rId10"/>
+                <a:stretch>
+                  <a:fillRect l="-1395" b="-13559"/>
+                </a:stretch>
+              </a:blipFill>
+            </p:spPr>
+            <p:txBody>
+              <a:bodyPr/>
+              <a:lstStyle/>
+              <a:p>
+                <a:r>
+                  <a:rPr lang="fr-FR">
+                    <a:noFill/>
+                  </a:rPr>
+                  <a:t> </a:t>
+                </a:r>
+              </a:p>
+            </p:txBody>
+          </p:sp>
+        </mc:Fallback>
+      </mc:AlternateContent>
+    </p:spTree>
+    <p:extLst>
+      <p:ext uri="{BB962C8B-B14F-4D97-AF65-F5344CB8AC3E}">
+        <p14:creationId xmlns:p14="http://schemas.microsoft.com/office/powerpoint/2010/main" val="1130512880"/>
+      </p:ext>
+    </p:extLst>
+  </p:cSld>
+  <p:clrMapOvr>
+    <a:masterClrMapping/>
+  </p:clrMapOvr>
+</p:sld>
+</file>
+
+<file path=ppt/slides/slide3.xml><?xml version="1.0" encoding="utf-8"?>
 <p:sld xmlns:a="http://schemas.openxmlformats.org/drawingml/2006/main" xmlns:r="http://schemas.openxmlformats.org/officeDocument/2006/relationships" xmlns:p="http://schemas.openxmlformats.org/presentationml/2006/main">
   <p:cSld>
     <p:spTree>
@@ -5402,8 +12220,8 @@
           </a:p>
         </p:txBody>
       </p:sp>
-      <mc:AlternateContent xmlns:mc="http://schemas.openxmlformats.org/markup-compatibility/2006">
-        <mc:Choice xmlns:a14="http://schemas.microsoft.com/office/drawing/2010/main" Requires="a14">
+      <mc:AlternateContent xmlns:mc="http://schemas.openxmlformats.org/markup-compatibility/2006" xmlns:a14="http://schemas.microsoft.com/office/drawing/2010/main">
+        <mc:Choice Requires="a14">
           <p:sp>
             <p:nvSpPr>
               <p:cNvPr id="81" name="ZoneTexte 80">
@@ -5508,7 +12326,7 @@
             </p:txBody>
           </p:sp>
         </mc:Choice>
-        <mc:Fallback>
+        <mc:Fallback xmlns="">
           <p:sp>
             <p:nvSpPr>
               <p:cNvPr id="81" name="ZoneTexte 80">
@@ -5553,8 +12371,8 @@
           </p:sp>
         </mc:Fallback>
       </mc:AlternateContent>
-      <mc:AlternateContent xmlns:mc="http://schemas.openxmlformats.org/markup-compatibility/2006">
-        <mc:Choice xmlns:a14="http://schemas.microsoft.com/office/drawing/2010/main" Requires="a14">
+      <mc:AlternateContent xmlns:mc="http://schemas.openxmlformats.org/markup-compatibility/2006" xmlns:a14="http://schemas.microsoft.com/office/drawing/2010/main">
+        <mc:Choice Requires="a14">
           <p:sp>
             <p:nvSpPr>
               <p:cNvPr id="82" name="ZoneTexte 81">
@@ -5659,7 +12477,7 @@
             </p:txBody>
           </p:sp>
         </mc:Choice>
-        <mc:Fallback>
+        <mc:Fallback xmlns="">
           <p:sp>
             <p:nvSpPr>
               <p:cNvPr id="82" name="ZoneTexte 81">
@@ -5704,8 +12522,8 @@
           </p:sp>
         </mc:Fallback>
       </mc:AlternateContent>
-      <mc:AlternateContent xmlns:mc="http://schemas.openxmlformats.org/markup-compatibility/2006">
-        <mc:Choice xmlns:a14="http://schemas.microsoft.com/office/drawing/2010/main" Requires="a14">
+      <mc:AlternateContent xmlns:mc="http://schemas.openxmlformats.org/markup-compatibility/2006" xmlns:a14="http://schemas.microsoft.com/office/drawing/2010/main">
+        <mc:Choice Requires="a14">
           <p:sp>
             <p:nvSpPr>
               <p:cNvPr id="84" name="ZoneTexte 83">
@@ -5810,7 +12628,7 @@
             </p:txBody>
           </p:sp>
         </mc:Choice>
-        <mc:Fallback>
+        <mc:Fallback xmlns="">
           <p:sp>
             <p:nvSpPr>
               <p:cNvPr id="84" name="ZoneTexte 83">
@@ -5855,8 +12673,8 @@
           </p:sp>
         </mc:Fallback>
       </mc:AlternateContent>
-      <mc:AlternateContent xmlns:mc="http://schemas.openxmlformats.org/markup-compatibility/2006">
-        <mc:Choice xmlns:a14="http://schemas.microsoft.com/office/drawing/2010/main" Requires="a14">
+      <mc:AlternateContent xmlns:mc="http://schemas.openxmlformats.org/markup-compatibility/2006" xmlns:a14="http://schemas.microsoft.com/office/drawing/2010/main">
+        <mc:Choice Requires="a14">
           <p:sp>
             <p:nvSpPr>
               <p:cNvPr id="85" name="ZoneTexte 84">
@@ -5961,7 +12779,7 @@
             </p:txBody>
           </p:sp>
         </mc:Choice>
-        <mc:Fallback>
+        <mc:Fallback xmlns="">
           <p:sp>
             <p:nvSpPr>
               <p:cNvPr id="85" name="ZoneTexte 84">
@@ -6344,8 +13162,8 @@
             </a:p>
           </p:txBody>
         </p:sp>
-        <mc:AlternateContent xmlns:mc="http://schemas.openxmlformats.org/markup-compatibility/2006">
-          <mc:Choice xmlns:a14="http://schemas.microsoft.com/office/drawing/2010/main" Requires="a14">
+        <mc:AlternateContent xmlns:mc="http://schemas.openxmlformats.org/markup-compatibility/2006" xmlns:a14="http://schemas.microsoft.com/office/drawing/2010/main">
+          <mc:Choice Requires="a14">
             <p:sp>
               <p:nvSpPr>
                 <p:cNvPr id="97" name="ZoneTexte 96">
@@ -6374,6 +13192,7 @@
                 </a:bodyPr>
                 <a:lstStyle/>
                 <a:p>
+                  <a:pPr/>
                   <a14:m>
                     <m:oMathPara xmlns:m="http://schemas.openxmlformats.org/officeDocument/2006/math">
                       <m:oMathParaPr>
@@ -6425,7 +13244,7 @@
               </p:txBody>
             </p:sp>
           </mc:Choice>
-          <mc:Fallback>
+          <mc:Fallback xmlns="">
             <p:sp>
               <p:nvSpPr>
                 <p:cNvPr id="97" name="ZoneTexte 96">
@@ -6545,8 +13364,8 @@
             </a:p>
           </p:txBody>
         </p:sp>
-        <mc:AlternateContent xmlns:mc="http://schemas.openxmlformats.org/markup-compatibility/2006">
-          <mc:Choice xmlns:a14="http://schemas.microsoft.com/office/drawing/2010/main" Requires="a14">
+        <mc:AlternateContent xmlns:mc="http://schemas.openxmlformats.org/markup-compatibility/2006" xmlns:a14="http://schemas.microsoft.com/office/drawing/2010/main">
+          <mc:Choice Requires="a14">
             <p:sp>
               <p:nvSpPr>
                 <p:cNvPr id="101" name="ZoneTexte 100">
@@ -6575,6 +13394,7 @@
                 </a:bodyPr>
                 <a:lstStyle/>
                 <a:p>
+                  <a:pPr/>
                   <a14:m>
                     <m:oMathPara xmlns:m="http://schemas.openxmlformats.org/officeDocument/2006/math">
                       <m:oMathParaPr>
@@ -6626,7 +13446,7 @@
               </p:txBody>
             </p:sp>
           </mc:Choice>
-          <mc:Fallback>
+          <mc:Fallback xmlns="">
             <p:sp>
               <p:nvSpPr>
                 <p:cNvPr id="101" name="ZoneTexte 100">
@@ -6746,8 +13566,8 @@
             </a:p>
           </p:txBody>
         </p:sp>
-        <mc:AlternateContent xmlns:mc="http://schemas.openxmlformats.org/markup-compatibility/2006">
-          <mc:Choice xmlns:a14="http://schemas.microsoft.com/office/drawing/2010/main" Requires="a14">
+        <mc:AlternateContent xmlns:mc="http://schemas.openxmlformats.org/markup-compatibility/2006" xmlns:a14="http://schemas.microsoft.com/office/drawing/2010/main">
+          <mc:Choice Requires="a14">
             <p:sp>
               <p:nvSpPr>
                 <p:cNvPr id="104" name="ZoneTexte 103">
@@ -6776,6 +13596,7 @@
                 </a:bodyPr>
                 <a:lstStyle/>
                 <a:p>
+                  <a:pPr/>
                   <a14:m>
                     <m:oMathPara xmlns:m="http://schemas.openxmlformats.org/officeDocument/2006/math">
                       <m:oMathParaPr>
@@ -6827,7 +13648,7 @@
               </p:txBody>
             </p:sp>
           </mc:Choice>
-          <mc:Fallback>
+          <mc:Fallback xmlns="">
             <p:sp>
               <p:nvSpPr>
                 <p:cNvPr id="104" name="ZoneTexte 103">
@@ -6947,8 +13768,8 @@
             </a:p>
           </p:txBody>
         </p:sp>
-        <mc:AlternateContent xmlns:mc="http://schemas.openxmlformats.org/markup-compatibility/2006">
-          <mc:Choice xmlns:a14="http://schemas.microsoft.com/office/drawing/2010/main" Requires="a14">
+        <mc:AlternateContent xmlns:mc="http://schemas.openxmlformats.org/markup-compatibility/2006" xmlns:a14="http://schemas.microsoft.com/office/drawing/2010/main">
+          <mc:Choice Requires="a14">
             <p:sp>
               <p:nvSpPr>
                 <p:cNvPr id="107" name="ZoneTexte 106">
@@ -6977,6 +13798,7 @@
                 </a:bodyPr>
                 <a:lstStyle/>
                 <a:p>
+                  <a:pPr/>
                   <a14:m>
                     <m:oMathPara xmlns:m="http://schemas.openxmlformats.org/officeDocument/2006/math">
                       <m:oMathParaPr>
@@ -7028,7 +13850,7 @@
               </p:txBody>
             </p:sp>
           </mc:Choice>
-          <mc:Fallback>
+          <mc:Fallback xmlns="">
             <p:sp>
               <p:nvSpPr>
                 <p:cNvPr id="107" name="ZoneTexte 106">
@@ -7148,8 +13970,8 @@
             </a:p>
           </p:txBody>
         </p:sp>
-        <mc:AlternateContent xmlns:mc="http://schemas.openxmlformats.org/markup-compatibility/2006">
-          <mc:Choice xmlns:a14="http://schemas.microsoft.com/office/drawing/2010/main" Requires="a14">
+        <mc:AlternateContent xmlns:mc="http://schemas.openxmlformats.org/markup-compatibility/2006" xmlns:a14="http://schemas.microsoft.com/office/drawing/2010/main">
+          <mc:Choice Requires="a14">
             <p:sp>
               <p:nvSpPr>
                 <p:cNvPr id="110" name="ZoneTexte 109">
@@ -7178,6 +14000,7 @@
                 </a:bodyPr>
                 <a:lstStyle/>
                 <a:p>
+                  <a:pPr/>
                   <a14:m>
                     <m:oMathPara xmlns:m="http://schemas.openxmlformats.org/officeDocument/2006/math">
                       <m:oMathParaPr>
@@ -7229,7 +14052,7 @@
               </p:txBody>
             </p:sp>
           </mc:Choice>
-          <mc:Fallback>
+          <mc:Fallback xmlns="">
             <p:sp>
               <p:nvSpPr>
                 <p:cNvPr id="110" name="ZoneTexte 109">
@@ -7349,8 +14172,8 @@
             </a:p>
           </p:txBody>
         </p:sp>
-        <mc:AlternateContent xmlns:mc="http://schemas.openxmlformats.org/markup-compatibility/2006">
-          <mc:Choice xmlns:a14="http://schemas.microsoft.com/office/drawing/2010/main" Requires="a14">
+        <mc:AlternateContent xmlns:mc="http://schemas.openxmlformats.org/markup-compatibility/2006" xmlns:a14="http://schemas.microsoft.com/office/drawing/2010/main">
+          <mc:Choice Requires="a14">
             <p:sp>
               <p:nvSpPr>
                 <p:cNvPr id="113" name="ZoneTexte 112">
@@ -7379,6 +14202,7 @@
                 </a:bodyPr>
                 <a:lstStyle/>
                 <a:p>
+                  <a:pPr/>
                   <a14:m>
                     <m:oMathPara xmlns:m="http://schemas.openxmlformats.org/officeDocument/2006/math">
                       <m:oMathParaPr>
@@ -7430,7 +14254,7 @@
               </p:txBody>
             </p:sp>
           </mc:Choice>
-          <mc:Fallback>
+          <mc:Fallback xmlns="">
             <p:sp>
               <p:nvSpPr>
                 <p:cNvPr id="113" name="ZoneTexte 112">
@@ -7479,7 +14303,7 @@
     </p:spTree>
     <p:extLst>
       <p:ext uri="{BB962C8B-B14F-4D97-AF65-F5344CB8AC3E}">
-        <p14:creationId xmlns:p14="http://schemas.microsoft.com/office/powerpoint/2010/main" val="1297056816"/>
+        <p14:creationId xmlns:p14="http://schemas.microsoft.com/office/powerpoint/2010/main" val="788537820"/>
       </p:ext>
     </p:extLst>
   </p:cSld>
@@ -7489,7 +14313,7 @@
 </p:sld>
 </file>
 
-<file path=ppt/slides/slide2.xml><?xml version="1.0" encoding="utf-8"?>
+<file path=ppt/slides/slide4.xml><?xml version="1.0" encoding="utf-8"?>
 <p:sld xmlns:a="http://schemas.openxmlformats.org/drawingml/2006/main" xmlns:r="http://schemas.openxmlformats.org/officeDocument/2006/relationships" xmlns:p="http://schemas.openxmlformats.org/presentationml/2006/main">
   <p:cSld>
     <p:spTree>
@@ -9442,8 +16266,8 @@
           </p:cxnSp>
         </p:grpSp>
       </p:grpSp>
-      <mc:AlternateContent xmlns:mc="http://schemas.openxmlformats.org/markup-compatibility/2006">
-        <mc:Choice xmlns:a14="http://schemas.microsoft.com/office/drawing/2010/main" Requires="a14">
+      <mc:AlternateContent xmlns:mc="http://schemas.openxmlformats.org/markup-compatibility/2006" xmlns:a14="http://schemas.microsoft.com/office/drawing/2010/main">
+        <mc:Choice Requires="a14">
           <p:sp>
             <p:nvSpPr>
               <p:cNvPr id="2" name="ZoneTexte 1">
@@ -9548,7 +16372,7 @@
             </p:txBody>
           </p:sp>
         </mc:Choice>
-        <mc:Fallback>
+        <mc:Fallback xmlns="">
           <p:sp>
             <p:nvSpPr>
               <p:cNvPr id="2" name="ZoneTexte 1">
@@ -9593,8 +16417,8 @@
           </p:sp>
         </mc:Fallback>
       </mc:AlternateContent>
-      <mc:AlternateContent xmlns:mc="http://schemas.openxmlformats.org/markup-compatibility/2006">
-        <mc:Choice xmlns:a14="http://schemas.microsoft.com/office/drawing/2010/main" Requires="a14">
+      <mc:AlternateContent xmlns:mc="http://schemas.openxmlformats.org/markup-compatibility/2006" xmlns:a14="http://schemas.microsoft.com/office/drawing/2010/main">
+        <mc:Choice Requires="a14">
           <p:sp>
             <p:nvSpPr>
               <p:cNvPr id="43" name="ZoneTexte 42">
@@ -9699,7 +16523,7 @@
             </p:txBody>
           </p:sp>
         </mc:Choice>
-        <mc:Fallback>
+        <mc:Fallback xmlns="">
           <p:sp>
             <p:nvSpPr>
               <p:cNvPr id="43" name="ZoneTexte 42">
@@ -9849,7 +16673,7 @@
 </p:sld>
 </file>
 
-<file path=ppt/slides/slide3.xml><?xml version="1.0" encoding="utf-8"?>
+<file path=ppt/slides/slide5.xml><?xml version="1.0" encoding="utf-8"?>
 <p:sld xmlns:a="http://schemas.openxmlformats.org/drawingml/2006/main" xmlns:r="http://schemas.openxmlformats.org/officeDocument/2006/relationships" xmlns:p="http://schemas.openxmlformats.org/presentationml/2006/main">
   <p:cSld>
     <p:spTree>
@@ -10137,7 +16961,7 @@
 </p:sld>
 </file>
 
-<file path=ppt/slides/slide4.xml><?xml version="1.0" encoding="utf-8"?>
+<file path=ppt/slides/slide6.xml><?xml version="1.0" encoding="utf-8"?>
 <p:sld xmlns:a="http://schemas.openxmlformats.org/drawingml/2006/main" xmlns:r="http://schemas.openxmlformats.org/officeDocument/2006/relationships" xmlns:p="http://schemas.openxmlformats.org/presentationml/2006/main">
   <p:cSld>
     <p:spTree>
@@ -10443,7 +17267,7 @@
 </p:sld>
 </file>
 
-<file path=ppt/slides/slide5.xml><?xml version="1.0" encoding="utf-8"?>
+<file path=ppt/slides/slide7.xml><?xml version="1.0" encoding="utf-8"?>
 <p:sld xmlns:a="http://schemas.openxmlformats.org/drawingml/2006/main" xmlns:r="http://schemas.openxmlformats.org/officeDocument/2006/relationships" xmlns:p="http://schemas.openxmlformats.org/presentationml/2006/main">
   <p:cSld>
     <p:spTree>
@@ -10977,7 +17801,7 @@
 </p:sld>
 </file>
 
-<file path=ppt/slides/slide6.xml><?xml version="1.0" encoding="utf-8"?>
+<file path=ppt/slides/slide8.xml><?xml version="1.0" encoding="utf-8"?>
 <p:sld xmlns:a="http://schemas.openxmlformats.org/drawingml/2006/main" xmlns:r="http://schemas.openxmlformats.org/officeDocument/2006/relationships" xmlns:p="http://schemas.openxmlformats.org/presentationml/2006/main">
   <p:cSld>
     <p:spTree>
@@ -15681,7 +22505,7 @@
 </p:sld>
 </file>
 
-<file path=ppt/slides/slide7.xml><?xml version="1.0" encoding="utf-8"?>
+<file path=ppt/slides/slide9.xml><?xml version="1.0" encoding="utf-8"?>
 <p:sld xmlns:a="http://schemas.openxmlformats.org/drawingml/2006/main" xmlns:r="http://schemas.openxmlformats.org/officeDocument/2006/relationships" xmlns:p="http://schemas.openxmlformats.org/presentationml/2006/main">
   <p:cSld>
     <p:spTree>
@@ -18401,390 +25225,6 @@
     <p:extLst>
       <p:ext uri="{BB962C8B-B14F-4D97-AF65-F5344CB8AC3E}">
         <p14:creationId xmlns:p14="http://schemas.microsoft.com/office/powerpoint/2010/main" val="2038829165"/>
-      </p:ext>
-    </p:extLst>
-  </p:cSld>
-  <p:clrMapOvr>
-    <a:masterClrMapping/>
-  </p:clrMapOvr>
-</p:sld>
-</file>
-
-<file path=ppt/slides/slide8.xml><?xml version="1.0" encoding="utf-8"?>
-<p:sld xmlns:a="http://schemas.openxmlformats.org/drawingml/2006/main" xmlns:r="http://schemas.openxmlformats.org/officeDocument/2006/relationships" xmlns:p="http://schemas.openxmlformats.org/presentationml/2006/main">
-  <p:cSld>
-    <p:spTree>
-      <p:nvGrpSpPr>
-        <p:cNvPr id="1" name=""/>
-        <p:cNvGrpSpPr/>
-        <p:nvPr/>
-      </p:nvGrpSpPr>
-      <p:grpSpPr>
-        <a:xfrm>
-          <a:off x="0" y="0"/>
-          <a:ext cx="0" cy="0"/>
-          <a:chOff x="0" y="0"/>
-          <a:chExt cx="0" cy="0"/>
-        </a:xfrm>
-      </p:grpSpPr>
-      <p:pic>
-        <p:nvPicPr>
-          <p:cNvPr id="5" name="Image 4">
-            <a:extLst>
-              <a:ext uri="{FF2B5EF4-FFF2-40B4-BE49-F238E27FC236}">
-                <a16:creationId xmlns:a16="http://schemas.microsoft.com/office/drawing/2014/main" id="{27FD6A9D-7575-4E09-A393-65E5132A4EF4}"/>
-              </a:ext>
-            </a:extLst>
-          </p:cNvPr>
-          <p:cNvPicPr>
-            <a:picLocks noChangeAspect="1"/>
-          </p:cNvPicPr>
-          <p:nvPr/>
-        </p:nvPicPr>
-        <p:blipFill>
-          <a:blip r:embed="rId2"/>
-          <a:stretch>
-            <a:fillRect/>
-          </a:stretch>
-        </p:blipFill>
-        <p:spPr>
-          <a:xfrm>
-            <a:off x="4308200" y="0"/>
-            <a:ext cx="3575600" cy="6858000"/>
-          </a:xfrm>
-          <a:prstGeom prst="rect">
-            <a:avLst/>
-          </a:prstGeom>
-        </p:spPr>
-      </p:pic>
-      <p:cxnSp>
-        <p:nvCxnSpPr>
-          <p:cNvPr id="7" name="Connecteur droit 6">
-            <a:extLst>
-              <a:ext uri="{FF2B5EF4-FFF2-40B4-BE49-F238E27FC236}">
-                <a16:creationId xmlns:a16="http://schemas.microsoft.com/office/drawing/2014/main" id="{B7DA70B9-D98A-496B-9120-5D2571111833}"/>
-              </a:ext>
-            </a:extLst>
-          </p:cNvPr>
-          <p:cNvCxnSpPr/>
-          <p:nvPr/>
-        </p:nvCxnSpPr>
-        <p:spPr>
-          <a:xfrm>
-            <a:off x="4613564" y="1151906"/>
-            <a:ext cx="3206337" cy="0"/>
-          </a:xfrm>
-          <a:prstGeom prst="line">
-            <a:avLst/>
-          </a:prstGeom>
-          <a:ln w="28575">
-            <a:solidFill>
-              <a:srgbClr val="C00000"/>
-            </a:solidFill>
-          </a:ln>
-        </p:spPr>
-        <p:style>
-          <a:lnRef idx="1">
-            <a:schemeClr val="accent1"/>
-          </a:lnRef>
-          <a:fillRef idx="0">
-            <a:schemeClr val="accent1"/>
-          </a:fillRef>
-          <a:effectRef idx="0">
-            <a:schemeClr val="accent1"/>
-          </a:effectRef>
-          <a:fontRef idx="minor">
-            <a:schemeClr val="tx1"/>
-          </a:fontRef>
-        </p:style>
-      </p:cxnSp>
-      <p:cxnSp>
-        <p:nvCxnSpPr>
-          <p:cNvPr id="8" name="Connecteur droit 7">
-            <a:extLst>
-              <a:ext uri="{FF2B5EF4-FFF2-40B4-BE49-F238E27FC236}">
-                <a16:creationId xmlns:a16="http://schemas.microsoft.com/office/drawing/2014/main" id="{132B9338-DAB6-41A1-BAAB-F3671C9D4BF9}"/>
-              </a:ext>
-            </a:extLst>
-          </p:cNvPr>
-          <p:cNvCxnSpPr>
-            <a:cxnSpLocks/>
-          </p:cNvCxnSpPr>
-          <p:nvPr/>
-        </p:nvCxnSpPr>
-        <p:spPr>
-          <a:xfrm flipV="1">
-            <a:off x="5919850" y="1056904"/>
-            <a:ext cx="0" cy="2933205"/>
-          </a:xfrm>
-          <a:prstGeom prst="line">
-            <a:avLst/>
-          </a:prstGeom>
-          <a:ln w="28575">
-            <a:solidFill>
-              <a:srgbClr val="C00000"/>
-            </a:solidFill>
-          </a:ln>
-        </p:spPr>
-        <p:style>
-          <a:lnRef idx="1">
-            <a:schemeClr val="accent1"/>
-          </a:lnRef>
-          <a:fillRef idx="0">
-            <a:schemeClr val="accent1"/>
-          </a:fillRef>
-          <a:effectRef idx="0">
-            <a:schemeClr val="accent1"/>
-          </a:effectRef>
-          <a:fontRef idx="minor">
-            <a:schemeClr val="tx1"/>
-          </a:fontRef>
-        </p:style>
-      </p:cxnSp>
-      <p:cxnSp>
-        <p:nvCxnSpPr>
-          <p:cNvPr id="12" name="Connecteur droit 11">
-            <a:extLst>
-              <a:ext uri="{FF2B5EF4-FFF2-40B4-BE49-F238E27FC236}">
-                <a16:creationId xmlns:a16="http://schemas.microsoft.com/office/drawing/2014/main" id="{9D835012-D6B8-4DF7-A896-E0E123499E9B}"/>
-              </a:ext>
-            </a:extLst>
-          </p:cNvPr>
-          <p:cNvCxnSpPr>
-            <a:cxnSpLocks/>
-          </p:cNvCxnSpPr>
-          <p:nvPr/>
-        </p:nvCxnSpPr>
-        <p:spPr>
-          <a:xfrm>
-            <a:off x="4677463" y="3572493"/>
-            <a:ext cx="3083062" cy="0"/>
-          </a:xfrm>
-          <a:prstGeom prst="line">
-            <a:avLst/>
-          </a:prstGeom>
-          <a:ln w="28575">
-            <a:solidFill>
-              <a:srgbClr val="C00000"/>
-            </a:solidFill>
-          </a:ln>
-        </p:spPr>
-        <p:style>
-          <a:lnRef idx="1">
-            <a:schemeClr val="accent1"/>
-          </a:lnRef>
-          <a:fillRef idx="0">
-            <a:schemeClr val="accent1"/>
-          </a:fillRef>
-          <a:effectRef idx="0">
-            <a:schemeClr val="accent1"/>
-          </a:effectRef>
-          <a:fontRef idx="minor">
-            <a:schemeClr val="tx1"/>
-          </a:fontRef>
-        </p:style>
-      </p:cxnSp>
-      <p:cxnSp>
-        <p:nvCxnSpPr>
-          <p:cNvPr id="14" name="Connecteur droit 13">
-            <a:extLst>
-              <a:ext uri="{FF2B5EF4-FFF2-40B4-BE49-F238E27FC236}">
-                <a16:creationId xmlns:a16="http://schemas.microsoft.com/office/drawing/2014/main" id="{4728E651-ACCF-4547-9AA8-9CB4D3B35B32}"/>
-              </a:ext>
-            </a:extLst>
-          </p:cNvPr>
-          <p:cNvCxnSpPr>
-            <a:cxnSpLocks/>
-          </p:cNvCxnSpPr>
-          <p:nvPr/>
-        </p:nvCxnSpPr>
-        <p:spPr>
-          <a:xfrm flipV="1">
-            <a:off x="5991101" y="3572493"/>
-            <a:ext cx="0" cy="417616"/>
-          </a:xfrm>
-          <a:prstGeom prst="line">
-            <a:avLst/>
-          </a:prstGeom>
-          <a:ln w="28575">
-            <a:solidFill>
-              <a:srgbClr val="C00000"/>
-            </a:solidFill>
-            <a:headEnd type="stealth" w="med" len="lg"/>
-          </a:ln>
-        </p:spPr>
-        <p:style>
-          <a:lnRef idx="1">
-            <a:schemeClr val="accent1"/>
-          </a:lnRef>
-          <a:fillRef idx="0">
-            <a:schemeClr val="accent1"/>
-          </a:fillRef>
-          <a:effectRef idx="0">
-            <a:schemeClr val="accent1"/>
-          </a:effectRef>
-          <a:fontRef idx="minor">
-            <a:schemeClr val="tx1"/>
-          </a:fontRef>
-        </p:style>
-      </p:cxnSp>
-      <mc:AlternateContent xmlns:mc="http://schemas.openxmlformats.org/markup-compatibility/2006" xmlns:a14="http://schemas.microsoft.com/office/drawing/2010/main">
-        <mc:Choice Requires="a14">
-          <p:sp>
-            <p:nvSpPr>
-              <p:cNvPr id="17" name="ZoneTexte 16">
-                <a:extLst>
-                  <a:ext uri="{FF2B5EF4-FFF2-40B4-BE49-F238E27FC236}">
-                    <a16:creationId xmlns:a16="http://schemas.microsoft.com/office/drawing/2014/main" id="{4469B3C5-56FD-4B0C-A32F-B13077681FC0}"/>
-                  </a:ext>
-                </a:extLst>
-              </p:cNvPr>
-              <p:cNvSpPr txBox="1"/>
-              <p:nvPr/>
-            </p:nvSpPr>
-            <p:spPr>
-              <a:xfrm>
-                <a:off x="6083588" y="3688968"/>
-                <a:ext cx="818237" cy="184666"/>
-              </a:xfrm>
-              <a:prstGeom prst="rect">
-                <a:avLst/>
-              </a:prstGeom>
-              <a:solidFill>
-                <a:schemeClr val="bg1"/>
-              </a:solidFill>
-            </p:spPr>
-            <p:txBody>
-              <a:bodyPr wrap="none" lIns="0" tIns="0" rIns="0" bIns="0" rtlCol="0">
-                <a:spAutoFit/>
-              </a:bodyPr>
-              <a:lstStyle/>
-              <a:p>
-                <a:pPr/>
-                <a14:m>
-                  <m:oMathPara xmlns:m="http://schemas.openxmlformats.org/officeDocument/2006/math">
-                    <m:oMathParaPr>
-                      <m:jc m:val="centerGroup"/>
-                    </m:oMathParaPr>
-                    <m:oMath xmlns:m="http://schemas.openxmlformats.org/officeDocument/2006/math">
-                      <m:r>
-                        <a:rPr lang="fr-FR" sz="1200" b="0" i="1" smtClean="0">
-                          <a:latin typeface="Cambria Math" panose="02040503050406030204" pitchFamily="18" charset="0"/>
-                        </a:rPr>
-                        <m:t>𝑀</m:t>
-                      </m:r>
-                      <m:r>
-                        <a:rPr lang="fr-FR" sz="1200" b="0" i="1" smtClean="0">
-                          <a:latin typeface="Cambria Math" panose="02040503050406030204" pitchFamily="18" charset="0"/>
-                        </a:rPr>
-                        <m:t>𝜑</m:t>
-                      </m:r>
-                      <m:r>
-                        <a:rPr lang="fr-FR" sz="1200" b="0" i="1" smtClean="0">
-                          <a:latin typeface="Cambria Math" panose="02040503050406030204" pitchFamily="18" charset="0"/>
-                        </a:rPr>
-                        <m:t>=−25°</m:t>
-                      </m:r>
-                    </m:oMath>
-                  </m:oMathPara>
-                </a14:m>
-                <a:endParaRPr lang="fr-FR" sz="1200" dirty="0"/>
-              </a:p>
-            </p:txBody>
-          </p:sp>
-        </mc:Choice>
-        <mc:Fallback xmlns="">
-          <p:sp>
-            <p:nvSpPr>
-              <p:cNvPr id="17" name="ZoneTexte 16">
-                <a:extLst>
-                  <a:ext uri="{FF2B5EF4-FFF2-40B4-BE49-F238E27FC236}">
-                    <a16:creationId xmlns:a16="http://schemas.microsoft.com/office/drawing/2014/main" id="{4469B3C5-56FD-4B0C-A32F-B13077681FC0}"/>
-                  </a:ext>
-                </a:extLst>
-              </p:cNvPr>
-              <p:cNvSpPr txBox="1">
-                <a:spLocks noRot="1" noChangeAspect="1" noMove="1" noResize="1" noEditPoints="1" noAdjustHandles="1" noChangeArrowheads="1" noChangeShapeType="1" noTextEdit="1"/>
-              </p:cNvSpPr>
-              <p:nvPr/>
-            </p:nvSpPr>
-            <p:spPr>
-              <a:xfrm>
-                <a:off x="6083588" y="3688968"/>
-                <a:ext cx="818237" cy="184666"/>
-              </a:xfrm>
-              <a:prstGeom prst="rect">
-                <a:avLst/>
-              </a:prstGeom>
-              <a:blipFill>
-                <a:blip r:embed="rId3"/>
-                <a:stretch>
-                  <a:fillRect l="-6716" r="-4478" b="-33333"/>
-                </a:stretch>
-              </a:blipFill>
-            </p:spPr>
-            <p:txBody>
-              <a:bodyPr/>
-              <a:lstStyle/>
-              <a:p>
-                <a:r>
-                  <a:rPr lang="fr-FR">
-                    <a:noFill/>
-                  </a:rPr>
-                  <a:t> </a:t>
-                </a:r>
-              </a:p>
-            </p:txBody>
-          </p:sp>
-        </mc:Fallback>
-      </mc:AlternateContent>
-      <p:cxnSp>
-        <p:nvCxnSpPr>
-          <p:cNvPr id="18" name="Connecteur droit 17">
-            <a:extLst>
-              <a:ext uri="{FF2B5EF4-FFF2-40B4-BE49-F238E27FC236}">
-                <a16:creationId xmlns:a16="http://schemas.microsoft.com/office/drawing/2014/main" id="{94F841BF-AE6B-4F07-94FE-CA4D3E163EA3}"/>
-              </a:ext>
-            </a:extLst>
-          </p:cNvPr>
-          <p:cNvCxnSpPr>
-            <a:cxnSpLocks/>
-          </p:cNvCxnSpPr>
-          <p:nvPr/>
-        </p:nvCxnSpPr>
-        <p:spPr>
-          <a:xfrm>
-            <a:off x="4677463" y="3990109"/>
-            <a:ext cx="3083062" cy="0"/>
-          </a:xfrm>
-          <a:prstGeom prst="line">
-            <a:avLst/>
-          </a:prstGeom>
-          <a:ln w="28575">
-            <a:solidFill>
-              <a:srgbClr val="C00000"/>
-            </a:solidFill>
-          </a:ln>
-        </p:spPr>
-        <p:style>
-          <a:lnRef idx="1">
-            <a:schemeClr val="accent1"/>
-          </a:lnRef>
-          <a:fillRef idx="0">
-            <a:schemeClr val="accent1"/>
-          </a:fillRef>
-          <a:effectRef idx="0">
-            <a:schemeClr val="accent1"/>
-          </a:effectRef>
-          <a:fontRef idx="minor">
-            <a:schemeClr val="tx1"/>
-          </a:fontRef>
-        </p:style>
-      </p:cxnSp>
-    </p:spTree>
-    <p:extLst>
-      <p:ext uri="{BB962C8B-B14F-4D97-AF65-F5344CB8AC3E}">
-        <p14:creationId xmlns:p14="http://schemas.microsoft.com/office/powerpoint/2010/main" val="3127142992"/>
       </p:ext>
     </p:extLst>
   </p:cSld>

--- a/2009/CCMP_PSI_SI_Roburoc/images/Figures.pptx
+++ b/2009/CCMP_PSI_SI_Roburoc/images/Figures.pptx
@@ -3346,1068 +3346,12 @@
           <a:chExt cx="0" cy="0"/>
         </a:xfrm>
       </p:grpSpPr>
-      <p:sp>
-        <p:nvSpPr>
-          <p:cNvPr id="4" name="Ellipse 3">
+      <p:grpSp>
+        <p:nvGrpSpPr>
+          <p:cNvPr id="2" name="Groupe 1">
             <a:extLst>
               <a:ext uri="{FF2B5EF4-FFF2-40B4-BE49-F238E27FC236}">
-                <a16:creationId xmlns:a16="http://schemas.microsoft.com/office/drawing/2014/main" id="{970E741C-D2BD-49B1-B0BA-A88B54547657}"/>
-              </a:ext>
-            </a:extLst>
-          </p:cNvPr>
-          <p:cNvSpPr/>
-          <p:nvPr/>
-        </p:nvSpPr>
-        <p:spPr>
-          <a:xfrm>
-            <a:off x="3193573" y="3147005"/>
-            <a:ext cx="1241946" cy="600502"/>
-          </a:xfrm>
-          <a:prstGeom prst="ellipse">
-            <a:avLst/>
-          </a:prstGeom>
-          <a:noFill/>
-          <a:ln w="28575">
-            <a:solidFill>
-              <a:srgbClr val="0070C0"/>
-            </a:solidFill>
-          </a:ln>
-        </p:spPr>
-        <p:style>
-          <a:lnRef idx="2">
-            <a:schemeClr val="accent1">
-              <a:shade val="50000"/>
-            </a:schemeClr>
-          </a:lnRef>
-          <a:fillRef idx="1">
-            <a:schemeClr val="accent1"/>
-          </a:fillRef>
-          <a:effectRef idx="0">
-            <a:schemeClr val="accent1"/>
-          </a:effectRef>
-          <a:fontRef idx="minor">
-            <a:schemeClr val="lt1"/>
-          </a:fontRef>
-        </p:style>
-        <p:txBody>
-          <a:bodyPr rtlCol="0" anchor="ctr"/>
-          <a:lstStyle/>
-          <a:p>
-            <a:pPr algn="ctr"/>
-            <a:r>
-              <a:rPr lang="fr-FR" b="1" dirty="0">
-                <a:solidFill>
-                  <a:schemeClr val="tx1"/>
-                </a:solidFill>
-              </a:rPr>
-              <a:t>Pode 2</a:t>
-            </a:r>
-          </a:p>
-        </p:txBody>
-      </p:sp>
-      <p:sp>
-        <p:nvSpPr>
-          <p:cNvPr id="5" name="Ellipse 4">
-            <a:extLst>
-              <a:ext uri="{FF2B5EF4-FFF2-40B4-BE49-F238E27FC236}">
-                <a16:creationId xmlns:a16="http://schemas.microsoft.com/office/drawing/2014/main" id="{79782BC4-81C1-4BC9-9AAB-44AC0DAEA600}"/>
-              </a:ext>
-            </a:extLst>
-          </p:cNvPr>
-          <p:cNvSpPr/>
-          <p:nvPr/>
-        </p:nvSpPr>
-        <p:spPr>
-          <a:xfrm>
-            <a:off x="5475027" y="3147005"/>
-            <a:ext cx="1241946" cy="600502"/>
-          </a:xfrm>
-          <a:prstGeom prst="ellipse">
-            <a:avLst/>
-          </a:prstGeom>
-          <a:noFill/>
-          <a:ln w="28575">
-            <a:solidFill>
-              <a:schemeClr val="accent2"/>
-            </a:solidFill>
-          </a:ln>
-        </p:spPr>
-        <p:style>
-          <a:lnRef idx="2">
-            <a:schemeClr val="accent1">
-              <a:shade val="50000"/>
-            </a:schemeClr>
-          </a:lnRef>
-          <a:fillRef idx="1">
-            <a:schemeClr val="accent1"/>
-          </a:fillRef>
-          <a:effectRef idx="0">
-            <a:schemeClr val="accent1"/>
-          </a:effectRef>
-          <a:fontRef idx="minor">
-            <a:schemeClr val="lt1"/>
-          </a:fontRef>
-        </p:style>
-        <p:txBody>
-          <a:bodyPr rtlCol="0" anchor="ctr"/>
-          <a:lstStyle/>
-          <a:p>
-            <a:pPr algn="ctr"/>
-            <a:r>
-              <a:rPr lang="fr-FR" b="1" dirty="0">
-                <a:solidFill>
-                  <a:schemeClr val="tx1"/>
-                </a:solidFill>
-              </a:rPr>
-              <a:t>Pode 1</a:t>
-            </a:r>
-          </a:p>
-        </p:txBody>
-      </p:sp>
-      <p:sp>
-        <p:nvSpPr>
-          <p:cNvPr id="6" name="Ellipse 5">
-            <a:extLst>
-              <a:ext uri="{FF2B5EF4-FFF2-40B4-BE49-F238E27FC236}">
-                <a16:creationId xmlns:a16="http://schemas.microsoft.com/office/drawing/2014/main" id="{01C516E6-3143-44D7-B17D-38BF5171D3E3}"/>
-              </a:ext>
-            </a:extLst>
-          </p:cNvPr>
-          <p:cNvSpPr/>
-          <p:nvPr/>
-        </p:nvSpPr>
-        <p:spPr>
-          <a:xfrm>
-            <a:off x="7756481" y="3147005"/>
-            <a:ext cx="1241946" cy="600502"/>
-          </a:xfrm>
-          <a:prstGeom prst="ellipse">
-            <a:avLst/>
-          </a:prstGeom>
-          <a:noFill/>
-          <a:ln w="28575">
-            <a:solidFill>
-              <a:srgbClr val="7030A0"/>
-            </a:solidFill>
-          </a:ln>
-        </p:spPr>
-        <p:style>
-          <a:lnRef idx="2">
-            <a:schemeClr val="accent1">
-              <a:shade val="50000"/>
-            </a:schemeClr>
-          </a:lnRef>
-          <a:fillRef idx="1">
-            <a:schemeClr val="accent1"/>
-          </a:fillRef>
-          <a:effectRef idx="0">
-            <a:schemeClr val="accent1"/>
-          </a:effectRef>
-          <a:fontRef idx="minor">
-            <a:schemeClr val="lt1"/>
-          </a:fontRef>
-        </p:style>
-        <p:txBody>
-          <a:bodyPr rtlCol="0" anchor="ctr"/>
-          <a:lstStyle/>
-          <a:p>
-            <a:pPr algn="ctr"/>
-            <a:r>
-              <a:rPr lang="fr-FR" b="1" dirty="0">
-                <a:solidFill>
-                  <a:schemeClr val="tx1"/>
-                </a:solidFill>
-              </a:rPr>
-              <a:t>Pode 3</a:t>
-            </a:r>
-          </a:p>
-        </p:txBody>
-      </p:sp>
-      <p:sp>
-        <p:nvSpPr>
-          <p:cNvPr id="9" name="Ellipse 8">
-            <a:extLst>
-              <a:ext uri="{FF2B5EF4-FFF2-40B4-BE49-F238E27FC236}">
-                <a16:creationId xmlns:a16="http://schemas.microsoft.com/office/drawing/2014/main" id="{EB161F17-0151-422E-8B31-B1D6740EF69A}"/>
-              </a:ext>
-            </a:extLst>
-          </p:cNvPr>
-          <p:cNvSpPr/>
-          <p:nvPr/>
-        </p:nvSpPr>
-        <p:spPr>
-          <a:xfrm>
-            <a:off x="5826000" y="2158945"/>
-            <a:ext cx="540000" cy="540000"/>
-          </a:xfrm>
-          <a:prstGeom prst="ellipse">
-            <a:avLst/>
-          </a:prstGeom>
-          <a:noFill/>
-          <a:ln w="28575">
-            <a:solidFill>
-              <a:schemeClr val="tx1"/>
-            </a:solidFill>
-          </a:ln>
-        </p:spPr>
-        <p:style>
-          <a:lnRef idx="2">
-            <a:schemeClr val="accent1">
-              <a:shade val="50000"/>
-            </a:schemeClr>
-          </a:lnRef>
-          <a:fillRef idx="1">
-            <a:schemeClr val="accent1"/>
-          </a:fillRef>
-          <a:effectRef idx="0">
-            <a:schemeClr val="accent1"/>
-          </a:effectRef>
-          <a:fontRef idx="minor">
-            <a:schemeClr val="lt1"/>
-          </a:fontRef>
-        </p:style>
-        <p:txBody>
-          <a:bodyPr rtlCol="0" anchor="ctr"/>
-          <a:lstStyle/>
-          <a:p>
-            <a:pPr algn="ctr"/>
-            <a:r>
-              <a:rPr lang="fr-FR" b="1" dirty="0">
-                <a:solidFill>
-                  <a:schemeClr val="tx1"/>
-                </a:solidFill>
-              </a:rPr>
-              <a:t>1</a:t>
-            </a:r>
-            <a:r>
-              <a:rPr lang="fr-FR" b="1" baseline="-25000" dirty="0">
-                <a:solidFill>
-                  <a:schemeClr val="tx1"/>
-                </a:solidFill>
-              </a:rPr>
-              <a:t>g</a:t>
-            </a:r>
-          </a:p>
-        </p:txBody>
-      </p:sp>
-      <p:cxnSp>
-        <p:nvCxnSpPr>
-          <p:cNvPr id="16" name="Connecteur droit 15">
-            <a:extLst>
-              <a:ext uri="{FF2B5EF4-FFF2-40B4-BE49-F238E27FC236}">
-                <a16:creationId xmlns:a16="http://schemas.microsoft.com/office/drawing/2014/main" id="{7C5999CE-45AF-4712-A18E-242BEBAE6552}"/>
-              </a:ext>
-            </a:extLst>
-          </p:cNvPr>
-          <p:cNvCxnSpPr>
-            <a:stCxn id="7" idx="4"/>
-            <a:endCxn id="4" idx="0"/>
-          </p:cNvCxnSpPr>
-          <p:nvPr/>
-        </p:nvCxnSpPr>
-        <p:spPr>
-          <a:xfrm>
-            <a:off x="3814546" y="2698945"/>
-            <a:ext cx="0" cy="448060"/>
-          </a:xfrm>
-          <a:prstGeom prst="line">
-            <a:avLst/>
-          </a:prstGeom>
-          <a:noFill/>
-          <a:ln w="28575">
-            <a:solidFill>
-              <a:schemeClr val="tx1"/>
-            </a:solidFill>
-          </a:ln>
-        </p:spPr>
-        <p:style>
-          <a:lnRef idx="2">
-            <a:schemeClr val="accent1">
-              <a:shade val="50000"/>
-            </a:schemeClr>
-          </a:lnRef>
-          <a:fillRef idx="1">
-            <a:schemeClr val="accent1"/>
-          </a:fillRef>
-          <a:effectRef idx="0">
-            <a:schemeClr val="accent1"/>
-          </a:effectRef>
-          <a:fontRef idx="minor">
-            <a:schemeClr val="lt1"/>
-          </a:fontRef>
-        </p:style>
-      </p:cxnSp>
-      <p:cxnSp>
-        <p:nvCxnSpPr>
-          <p:cNvPr id="17" name="Connecteur droit 16">
-            <a:extLst>
-              <a:ext uri="{FF2B5EF4-FFF2-40B4-BE49-F238E27FC236}">
-                <a16:creationId xmlns:a16="http://schemas.microsoft.com/office/drawing/2014/main" id="{7094B753-AC8C-42FB-852E-FC37B585FDEB}"/>
-              </a:ext>
-            </a:extLst>
-          </p:cNvPr>
-          <p:cNvCxnSpPr>
-            <a:cxnSpLocks/>
-            <a:stCxn id="4" idx="4"/>
-          </p:cNvCxnSpPr>
-          <p:nvPr/>
-        </p:nvCxnSpPr>
-        <p:spPr>
-          <a:xfrm>
-            <a:off x="3814546" y="3747507"/>
-            <a:ext cx="0" cy="393395"/>
-          </a:xfrm>
-          <a:prstGeom prst="line">
-            <a:avLst/>
-          </a:prstGeom>
-          <a:noFill/>
-          <a:ln w="28575">
-            <a:solidFill>
-              <a:schemeClr val="tx1"/>
-            </a:solidFill>
-          </a:ln>
-        </p:spPr>
-        <p:style>
-          <a:lnRef idx="2">
-            <a:schemeClr val="accent1">
-              <a:shade val="50000"/>
-            </a:schemeClr>
-          </a:lnRef>
-          <a:fillRef idx="1">
-            <a:schemeClr val="accent1"/>
-          </a:fillRef>
-          <a:effectRef idx="0">
-            <a:schemeClr val="accent1"/>
-          </a:effectRef>
-          <a:fontRef idx="minor">
-            <a:schemeClr val="lt1"/>
-          </a:fontRef>
-        </p:style>
-      </p:cxnSp>
-      <p:cxnSp>
-        <p:nvCxnSpPr>
-          <p:cNvPr id="24" name="Connecteur droit 23">
-            <a:extLst>
-              <a:ext uri="{FF2B5EF4-FFF2-40B4-BE49-F238E27FC236}">
-                <a16:creationId xmlns:a16="http://schemas.microsoft.com/office/drawing/2014/main" id="{73A2E2AE-71C4-4B71-9D7C-0F168A272EB9}"/>
-              </a:ext>
-            </a:extLst>
-          </p:cNvPr>
-          <p:cNvCxnSpPr>
-            <a:cxnSpLocks/>
-            <a:stCxn id="6" idx="4"/>
-          </p:cNvCxnSpPr>
-          <p:nvPr/>
-        </p:nvCxnSpPr>
-        <p:spPr>
-          <a:xfrm>
-            <a:off x="8377454" y="3747507"/>
-            <a:ext cx="0" cy="393395"/>
-          </a:xfrm>
-          <a:prstGeom prst="line">
-            <a:avLst/>
-          </a:prstGeom>
-          <a:noFill/>
-          <a:ln w="28575">
-            <a:solidFill>
-              <a:schemeClr val="tx1"/>
-            </a:solidFill>
-          </a:ln>
-        </p:spPr>
-        <p:style>
-          <a:lnRef idx="2">
-            <a:schemeClr val="accent1">
-              <a:shade val="50000"/>
-            </a:schemeClr>
-          </a:lnRef>
-          <a:fillRef idx="1">
-            <a:schemeClr val="accent1"/>
-          </a:fillRef>
-          <a:effectRef idx="0">
-            <a:schemeClr val="accent1"/>
-          </a:effectRef>
-          <a:fontRef idx="minor">
-            <a:schemeClr val="lt1"/>
-          </a:fontRef>
-        </p:style>
-      </p:cxnSp>
-      <p:cxnSp>
-        <p:nvCxnSpPr>
-          <p:cNvPr id="27" name="Connecteur droit 26">
-            <a:extLst>
-              <a:ext uri="{FF2B5EF4-FFF2-40B4-BE49-F238E27FC236}">
-                <a16:creationId xmlns:a16="http://schemas.microsoft.com/office/drawing/2014/main" id="{825FBBD5-53E0-4D89-8DA4-A04B3B5639F8}"/>
-              </a:ext>
-            </a:extLst>
-          </p:cNvPr>
-          <p:cNvCxnSpPr>
-            <a:cxnSpLocks/>
-            <a:stCxn id="9" idx="4"/>
-            <a:endCxn id="5" idx="0"/>
-          </p:cNvCxnSpPr>
-          <p:nvPr/>
-        </p:nvCxnSpPr>
-        <p:spPr>
-          <a:xfrm>
-            <a:off x="6096000" y="2698945"/>
-            <a:ext cx="0" cy="448060"/>
-          </a:xfrm>
-          <a:prstGeom prst="line">
-            <a:avLst/>
-          </a:prstGeom>
-          <a:noFill/>
-          <a:ln w="28575">
-            <a:solidFill>
-              <a:schemeClr val="tx1"/>
-            </a:solidFill>
-          </a:ln>
-        </p:spPr>
-        <p:style>
-          <a:lnRef idx="2">
-            <a:schemeClr val="accent1">
-              <a:shade val="50000"/>
-            </a:schemeClr>
-          </a:lnRef>
-          <a:fillRef idx="1">
-            <a:schemeClr val="accent1"/>
-          </a:fillRef>
-          <a:effectRef idx="0">
-            <a:schemeClr val="accent1"/>
-          </a:effectRef>
-          <a:fontRef idx="minor">
-            <a:schemeClr val="lt1"/>
-          </a:fontRef>
-        </p:style>
-      </p:cxnSp>
-      <p:cxnSp>
-        <p:nvCxnSpPr>
-          <p:cNvPr id="30" name="Connecteur droit 29">
-            <a:extLst>
-              <a:ext uri="{FF2B5EF4-FFF2-40B4-BE49-F238E27FC236}">
-                <a16:creationId xmlns:a16="http://schemas.microsoft.com/office/drawing/2014/main" id="{BDA19E69-C5E1-4E66-B42C-ED8E6C824E70}"/>
-              </a:ext>
-            </a:extLst>
-          </p:cNvPr>
-          <p:cNvCxnSpPr>
-            <a:cxnSpLocks/>
-            <a:stCxn id="13" idx="4"/>
-            <a:endCxn id="6" idx="0"/>
-          </p:cNvCxnSpPr>
-          <p:nvPr/>
-        </p:nvCxnSpPr>
-        <p:spPr>
-          <a:xfrm>
-            <a:off x="8377454" y="2698945"/>
-            <a:ext cx="0" cy="448060"/>
-          </a:xfrm>
-          <a:prstGeom prst="line">
-            <a:avLst/>
-          </a:prstGeom>
-          <a:noFill/>
-          <a:ln w="28575">
-            <a:solidFill>
-              <a:schemeClr val="tx1"/>
-            </a:solidFill>
-          </a:ln>
-        </p:spPr>
-        <p:style>
-          <a:lnRef idx="2">
-            <a:schemeClr val="accent1">
-              <a:shade val="50000"/>
-            </a:schemeClr>
-          </a:lnRef>
-          <a:fillRef idx="1">
-            <a:schemeClr val="accent1"/>
-          </a:fillRef>
-          <a:effectRef idx="0">
-            <a:schemeClr val="accent1"/>
-          </a:effectRef>
-          <a:fontRef idx="minor">
-            <a:schemeClr val="lt1"/>
-          </a:fontRef>
-        </p:style>
-      </p:cxnSp>
-      <p:cxnSp>
-        <p:nvCxnSpPr>
-          <p:cNvPr id="33" name="Connecteur droit 32">
-            <a:extLst>
-              <a:ext uri="{FF2B5EF4-FFF2-40B4-BE49-F238E27FC236}">
-                <a16:creationId xmlns:a16="http://schemas.microsoft.com/office/drawing/2014/main" id="{85DBE66E-E3C5-4C78-B0A4-B74F9C44633D}"/>
-              </a:ext>
-            </a:extLst>
-          </p:cNvPr>
-          <p:cNvCxnSpPr>
-            <a:cxnSpLocks/>
-            <a:stCxn id="4" idx="6"/>
-            <a:endCxn id="5" idx="2"/>
-          </p:cNvCxnSpPr>
-          <p:nvPr/>
-        </p:nvCxnSpPr>
-        <p:spPr>
-          <a:xfrm>
-            <a:off x="4435519" y="3447256"/>
-            <a:ext cx="1039508" cy="0"/>
-          </a:xfrm>
-          <a:prstGeom prst="line">
-            <a:avLst/>
-          </a:prstGeom>
-          <a:noFill/>
-          <a:ln w="28575">
-            <a:solidFill>
-              <a:schemeClr val="tx1"/>
-            </a:solidFill>
-          </a:ln>
-        </p:spPr>
-        <p:style>
-          <a:lnRef idx="2">
-            <a:schemeClr val="accent1">
-              <a:shade val="50000"/>
-            </a:schemeClr>
-          </a:lnRef>
-          <a:fillRef idx="1">
-            <a:schemeClr val="accent1"/>
-          </a:fillRef>
-          <a:effectRef idx="0">
-            <a:schemeClr val="accent1"/>
-          </a:effectRef>
-          <a:fontRef idx="minor">
-            <a:schemeClr val="lt1"/>
-          </a:fontRef>
-        </p:style>
-      </p:cxnSp>
-      <p:cxnSp>
-        <p:nvCxnSpPr>
-          <p:cNvPr id="36" name="Connecteur droit 35">
-            <a:extLst>
-              <a:ext uri="{FF2B5EF4-FFF2-40B4-BE49-F238E27FC236}">
-                <a16:creationId xmlns:a16="http://schemas.microsoft.com/office/drawing/2014/main" id="{ABB2A0E0-50E9-480A-B1AA-4CABBBDE313B}"/>
-              </a:ext>
-            </a:extLst>
-          </p:cNvPr>
-          <p:cNvCxnSpPr>
-            <a:cxnSpLocks/>
-            <a:stCxn id="5" idx="6"/>
-            <a:endCxn id="6" idx="2"/>
-          </p:cNvCxnSpPr>
-          <p:nvPr/>
-        </p:nvCxnSpPr>
-        <p:spPr>
-          <a:xfrm>
-            <a:off x="6716973" y="3447256"/>
-            <a:ext cx="1039508" cy="0"/>
-          </a:xfrm>
-          <a:prstGeom prst="line">
-            <a:avLst/>
-          </a:prstGeom>
-          <a:noFill/>
-          <a:ln w="28575">
-            <a:solidFill>
-              <a:schemeClr val="tx1"/>
-            </a:solidFill>
-          </a:ln>
-        </p:spPr>
-        <p:style>
-          <a:lnRef idx="2">
-            <a:schemeClr val="accent1">
-              <a:shade val="50000"/>
-            </a:schemeClr>
-          </a:lnRef>
-          <a:fillRef idx="1">
-            <a:schemeClr val="accent1"/>
-          </a:fillRef>
-          <a:effectRef idx="0">
-            <a:schemeClr val="accent1"/>
-          </a:effectRef>
-          <a:fontRef idx="minor">
-            <a:schemeClr val="lt1"/>
-          </a:fontRef>
-        </p:style>
-      </p:cxnSp>
-      <p:cxnSp>
-        <p:nvCxnSpPr>
-          <p:cNvPr id="42" name="Connecteur droit 41">
-            <a:extLst>
-              <a:ext uri="{FF2B5EF4-FFF2-40B4-BE49-F238E27FC236}">
-                <a16:creationId xmlns:a16="http://schemas.microsoft.com/office/drawing/2014/main" id="{C1EF57F6-054A-412B-9E9F-3A1A965F2698}"/>
-              </a:ext>
-            </a:extLst>
-          </p:cNvPr>
-          <p:cNvCxnSpPr>
-            <a:cxnSpLocks/>
-          </p:cNvCxnSpPr>
-          <p:nvPr/>
-        </p:nvCxnSpPr>
-        <p:spPr>
-          <a:xfrm flipV="1">
-            <a:off x="3814546" y="1288443"/>
-            <a:ext cx="2281454" cy="1140502"/>
-          </a:xfrm>
-          <a:prstGeom prst="line">
-            <a:avLst/>
-          </a:prstGeom>
-          <a:noFill/>
-          <a:ln w="28575">
-            <a:solidFill>
-              <a:schemeClr val="tx1"/>
-            </a:solidFill>
-          </a:ln>
-        </p:spPr>
-        <p:style>
-          <a:lnRef idx="2">
-            <a:schemeClr val="accent1">
-              <a:shade val="50000"/>
-            </a:schemeClr>
-          </a:lnRef>
-          <a:fillRef idx="1">
-            <a:schemeClr val="accent1"/>
-          </a:fillRef>
-          <a:effectRef idx="0">
-            <a:schemeClr val="accent1"/>
-          </a:effectRef>
-          <a:fontRef idx="minor">
-            <a:schemeClr val="lt1"/>
-          </a:fontRef>
-        </p:style>
-      </p:cxnSp>
-      <p:cxnSp>
-        <p:nvCxnSpPr>
-          <p:cNvPr id="49" name="Connecteur droit 48">
-            <a:extLst>
-              <a:ext uri="{FF2B5EF4-FFF2-40B4-BE49-F238E27FC236}">
-                <a16:creationId xmlns:a16="http://schemas.microsoft.com/office/drawing/2014/main" id="{E82A9483-62BB-4955-A906-8C0F7821247A}"/>
-              </a:ext>
-            </a:extLst>
-          </p:cNvPr>
-          <p:cNvCxnSpPr>
-            <a:cxnSpLocks/>
-            <a:stCxn id="41" idx="4"/>
-            <a:endCxn id="9" idx="0"/>
-          </p:cNvCxnSpPr>
-          <p:nvPr/>
-        </p:nvCxnSpPr>
-        <p:spPr>
-          <a:xfrm>
-            <a:off x="6096000" y="1558443"/>
-            <a:ext cx="0" cy="600502"/>
-          </a:xfrm>
-          <a:prstGeom prst="line">
-            <a:avLst/>
-          </a:prstGeom>
-          <a:noFill/>
-          <a:ln w="28575">
-            <a:solidFill>
-              <a:schemeClr val="tx1"/>
-            </a:solidFill>
-          </a:ln>
-        </p:spPr>
-        <p:style>
-          <a:lnRef idx="2">
-            <a:schemeClr val="accent1">
-              <a:shade val="50000"/>
-            </a:schemeClr>
-          </a:lnRef>
-          <a:fillRef idx="1">
-            <a:schemeClr val="accent1"/>
-          </a:fillRef>
-          <a:effectRef idx="0">
-            <a:schemeClr val="accent1"/>
-          </a:effectRef>
-          <a:fontRef idx="minor">
-            <a:schemeClr val="lt1"/>
-          </a:fontRef>
-        </p:style>
-      </p:cxnSp>
-      <p:sp>
-        <p:nvSpPr>
-          <p:cNvPr id="41" name="Ellipse 40">
-            <a:extLst>
-              <a:ext uri="{FF2B5EF4-FFF2-40B4-BE49-F238E27FC236}">
-                <a16:creationId xmlns:a16="http://schemas.microsoft.com/office/drawing/2014/main" id="{17E034F2-A174-4006-A50C-8D54A928AB95}"/>
-              </a:ext>
-            </a:extLst>
-          </p:cNvPr>
-          <p:cNvSpPr/>
-          <p:nvPr/>
-        </p:nvSpPr>
-        <p:spPr>
-          <a:xfrm>
-            <a:off x="5826000" y="1018443"/>
-            <a:ext cx="540000" cy="540000"/>
-          </a:xfrm>
-          <a:prstGeom prst="ellipse">
-            <a:avLst/>
-          </a:prstGeom>
-          <a:solidFill>
-            <a:schemeClr val="bg1">
-              <a:lumMod val="85000"/>
-            </a:schemeClr>
-          </a:solidFill>
-          <a:ln w="28575">
-            <a:solidFill>
-              <a:schemeClr val="tx1"/>
-            </a:solidFill>
-          </a:ln>
-        </p:spPr>
-        <p:style>
-          <a:lnRef idx="2">
-            <a:schemeClr val="accent1">
-              <a:shade val="50000"/>
-            </a:schemeClr>
-          </a:lnRef>
-          <a:fillRef idx="1">
-            <a:schemeClr val="accent1"/>
-          </a:fillRef>
-          <a:effectRef idx="0">
-            <a:schemeClr val="accent1"/>
-          </a:effectRef>
-          <a:fontRef idx="minor">
-            <a:schemeClr val="lt1"/>
-          </a:fontRef>
-        </p:style>
-        <p:txBody>
-          <a:bodyPr rtlCol="0" anchor="ctr"/>
-          <a:lstStyle/>
-          <a:p>
-            <a:pPr algn="ctr"/>
-            <a:r>
-              <a:rPr lang="fr-FR" b="1" dirty="0">
-                <a:solidFill>
-                  <a:schemeClr val="tx1"/>
-                </a:solidFill>
-              </a:rPr>
-              <a:t>0</a:t>
-            </a:r>
-          </a:p>
-        </p:txBody>
-      </p:sp>
-      <p:sp>
-        <p:nvSpPr>
-          <p:cNvPr id="7" name="Ellipse 6">
-            <a:extLst>
-              <a:ext uri="{FF2B5EF4-FFF2-40B4-BE49-F238E27FC236}">
-                <a16:creationId xmlns:a16="http://schemas.microsoft.com/office/drawing/2014/main" id="{B7387967-30F3-482C-88D4-6D895C3E527E}"/>
-              </a:ext>
-            </a:extLst>
-          </p:cNvPr>
-          <p:cNvSpPr/>
-          <p:nvPr/>
-        </p:nvSpPr>
-        <p:spPr>
-          <a:xfrm>
-            <a:off x="3544546" y="2158945"/>
-            <a:ext cx="540000" cy="540000"/>
-          </a:xfrm>
-          <a:prstGeom prst="ellipse">
-            <a:avLst/>
-          </a:prstGeom>
-          <a:solidFill>
-            <a:schemeClr val="bg1"/>
-          </a:solidFill>
-          <a:ln w="28575">
-            <a:solidFill>
-              <a:schemeClr val="tx1"/>
-            </a:solidFill>
-          </a:ln>
-        </p:spPr>
-        <p:style>
-          <a:lnRef idx="2">
-            <a:schemeClr val="accent1">
-              <a:shade val="50000"/>
-            </a:schemeClr>
-          </a:lnRef>
-          <a:fillRef idx="1">
-            <a:schemeClr val="accent1"/>
-          </a:fillRef>
-          <a:effectRef idx="0">
-            <a:schemeClr val="accent1"/>
-          </a:effectRef>
-          <a:fontRef idx="minor">
-            <a:schemeClr val="lt1"/>
-          </a:fontRef>
-        </p:style>
-        <p:txBody>
-          <a:bodyPr rtlCol="0" anchor="ctr"/>
-          <a:lstStyle/>
-          <a:p>
-            <a:pPr algn="ctr"/>
-            <a:r>
-              <a:rPr lang="fr-FR" b="1" dirty="0">
-                <a:solidFill>
-                  <a:schemeClr val="tx1"/>
-                </a:solidFill>
-              </a:rPr>
-              <a:t>2</a:t>
-            </a:r>
-            <a:r>
-              <a:rPr lang="fr-FR" b="1" baseline="-25000" dirty="0">
-                <a:solidFill>
-                  <a:schemeClr val="tx1"/>
-                </a:solidFill>
-              </a:rPr>
-              <a:t>g</a:t>
-            </a:r>
-          </a:p>
-        </p:txBody>
-      </p:sp>
-      <p:sp>
-        <p:nvSpPr>
-          <p:cNvPr id="13" name="Ellipse 12">
-            <a:extLst>
-              <a:ext uri="{FF2B5EF4-FFF2-40B4-BE49-F238E27FC236}">
-                <a16:creationId xmlns:a16="http://schemas.microsoft.com/office/drawing/2014/main" id="{96D65CD2-3ABB-42D8-A34A-B2A57930E580}"/>
-              </a:ext>
-            </a:extLst>
-          </p:cNvPr>
-          <p:cNvSpPr/>
-          <p:nvPr/>
-        </p:nvSpPr>
-        <p:spPr>
-          <a:xfrm>
-            <a:off x="8107454" y="2158945"/>
-            <a:ext cx="540000" cy="540000"/>
-          </a:xfrm>
-          <a:prstGeom prst="ellipse">
-            <a:avLst/>
-          </a:prstGeom>
-          <a:solidFill>
-            <a:schemeClr val="bg1"/>
-          </a:solidFill>
-          <a:ln w="28575">
-            <a:solidFill>
-              <a:schemeClr val="tx1"/>
-            </a:solidFill>
-          </a:ln>
-        </p:spPr>
-        <p:style>
-          <a:lnRef idx="2">
-            <a:schemeClr val="accent1">
-              <a:shade val="50000"/>
-            </a:schemeClr>
-          </a:lnRef>
-          <a:fillRef idx="1">
-            <a:schemeClr val="accent1"/>
-          </a:fillRef>
-          <a:effectRef idx="0">
-            <a:schemeClr val="accent1"/>
-          </a:effectRef>
-          <a:fontRef idx="minor">
-            <a:schemeClr val="lt1"/>
-          </a:fontRef>
-        </p:style>
-        <p:txBody>
-          <a:bodyPr rtlCol="0" anchor="ctr"/>
-          <a:lstStyle/>
-          <a:p>
-            <a:pPr algn="ctr"/>
-            <a:r>
-              <a:rPr lang="fr-FR" b="1" dirty="0">
-                <a:solidFill>
-                  <a:schemeClr val="tx1"/>
-                </a:solidFill>
-              </a:rPr>
-              <a:t>3</a:t>
-            </a:r>
-            <a:r>
-              <a:rPr lang="fr-FR" b="1" baseline="-25000" dirty="0">
-                <a:solidFill>
-                  <a:schemeClr val="tx1"/>
-                </a:solidFill>
-              </a:rPr>
-              <a:t>g</a:t>
-            </a:r>
-          </a:p>
-        </p:txBody>
-      </p:sp>
-      <p:sp>
-        <p:nvSpPr>
-          <p:cNvPr id="61" name="Signe de multiplication 60">
-            <a:extLst>
-              <a:ext uri="{FF2B5EF4-FFF2-40B4-BE49-F238E27FC236}">
-                <a16:creationId xmlns:a16="http://schemas.microsoft.com/office/drawing/2014/main" id="{56A73B88-1800-4444-BC62-7512AEA7B98F}"/>
-              </a:ext>
-            </a:extLst>
-          </p:cNvPr>
-          <p:cNvSpPr/>
-          <p:nvPr/>
-        </p:nvSpPr>
-        <p:spPr>
-          <a:xfrm>
-            <a:off x="3704817" y="2809439"/>
-            <a:ext cx="219456" cy="219456"/>
-          </a:xfrm>
-          <a:prstGeom prst="mathMultiply">
-            <a:avLst/>
-          </a:prstGeom>
-        </p:spPr>
-        <p:style>
-          <a:lnRef idx="2">
-            <a:schemeClr val="dk1">
-              <a:shade val="50000"/>
-            </a:schemeClr>
-          </a:lnRef>
-          <a:fillRef idx="1">
-            <a:schemeClr val="dk1"/>
-          </a:fillRef>
-          <a:effectRef idx="0">
-            <a:schemeClr val="dk1"/>
-          </a:effectRef>
-          <a:fontRef idx="minor">
-            <a:schemeClr val="lt1"/>
-          </a:fontRef>
-        </p:style>
-        <p:txBody>
-          <a:bodyPr rtlCol="0" anchor="ctr"/>
-          <a:lstStyle/>
-          <a:p>
-            <a:pPr algn="ctr"/>
-            <a:endParaRPr lang="fr-FR"/>
-          </a:p>
-        </p:txBody>
-      </p:sp>
-      <p:sp>
-        <p:nvSpPr>
-          <p:cNvPr id="62" name="Signe de multiplication 61">
-            <a:extLst>
-              <a:ext uri="{FF2B5EF4-FFF2-40B4-BE49-F238E27FC236}">
-                <a16:creationId xmlns:a16="http://schemas.microsoft.com/office/drawing/2014/main" id="{AE361FFD-D453-4A23-8FEA-35D016460C65}"/>
-              </a:ext>
-            </a:extLst>
-          </p:cNvPr>
-          <p:cNvSpPr/>
-          <p:nvPr/>
-        </p:nvSpPr>
-        <p:spPr>
-          <a:xfrm>
-            <a:off x="3704817" y="3834476"/>
-            <a:ext cx="219456" cy="219456"/>
-          </a:xfrm>
-          <a:prstGeom prst="mathMultiply">
-            <a:avLst/>
-          </a:prstGeom>
-        </p:spPr>
-        <p:style>
-          <a:lnRef idx="2">
-            <a:schemeClr val="dk1">
-              <a:shade val="50000"/>
-            </a:schemeClr>
-          </a:lnRef>
-          <a:fillRef idx="1">
-            <a:schemeClr val="dk1"/>
-          </a:fillRef>
-          <a:effectRef idx="0">
-            <a:schemeClr val="dk1"/>
-          </a:effectRef>
-          <a:fontRef idx="minor">
-            <a:schemeClr val="lt1"/>
-          </a:fontRef>
-        </p:style>
-        <p:txBody>
-          <a:bodyPr rtlCol="0" anchor="ctr"/>
-          <a:lstStyle/>
-          <a:p>
-            <a:pPr algn="ctr"/>
-            <a:endParaRPr lang="fr-FR"/>
-          </a:p>
-        </p:txBody>
-      </p:sp>
-      <p:sp>
-        <p:nvSpPr>
-          <p:cNvPr id="64" name="Signe de multiplication 63">
-            <a:extLst>
-              <a:ext uri="{FF2B5EF4-FFF2-40B4-BE49-F238E27FC236}">
-                <a16:creationId xmlns:a16="http://schemas.microsoft.com/office/drawing/2014/main" id="{48C4BD9E-1465-437D-9AB1-25EA3C8B3309}"/>
-              </a:ext>
-            </a:extLst>
-          </p:cNvPr>
-          <p:cNvSpPr/>
-          <p:nvPr/>
-        </p:nvSpPr>
-        <p:spPr>
-          <a:xfrm>
-            <a:off x="8267726" y="2784487"/>
-            <a:ext cx="219456" cy="219456"/>
-          </a:xfrm>
-          <a:prstGeom prst="mathMultiply">
-            <a:avLst/>
-          </a:prstGeom>
-        </p:spPr>
-        <p:style>
-          <a:lnRef idx="2">
-            <a:schemeClr val="dk1">
-              <a:shade val="50000"/>
-            </a:schemeClr>
-          </a:lnRef>
-          <a:fillRef idx="1">
-            <a:schemeClr val="dk1"/>
-          </a:fillRef>
-          <a:effectRef idx="0">
-            <a:schemeClr val="dk1"/>
-          </a:effectRef>
-          <a:fontRef idx="minor">
-            <a:schemeClr val="lt1"/>
-          </a:fontRef>
-        </p:style>
-        <p:txBody>
-          <a:bodyPr rtlCol="0" anchor="ctr"/>
-          <a:lstStyle/>
-          <a:p>
-            <a:pPr algn="ctr"/>
-            <a:endParaRPr lang="fr-FR"/>
-          </a:p>
-        </p:txBody>
-      </p:sp>
-      <p:sp>
-        <p:nvSpPr>
-          <p:cNvPr id="65" name="Signe de multiplication 64">
-            <a:extLst>
-              <a:ext uri="{FF2B5EF4-FFF2-40B4-BE49-F238E27FC236}">
-                <a16:creationId xmlns:a16="http://schemas.microsoft.com/office/drawing/2014/main" id="{B2AD9AFA-109C-4A81-88E0-F01AE1BBCA63}"/>
-              </a:ext>
-            </a:extLst>
-          </p:cNvPr>
-          <p:cNvSpPr/>
-          <p:nvPr/>
-        </p:nvSpPr>
-        <p:spPr>
-          <a:xfrm>
-            <a:off x="8267726" y="3809524"/>
-            <a:ext cx="219456" cy="219456"/>
-          </a:xfrm>
-          <a:prstGeom prst="mathMultiply">
-            <a:avLst/>
-          </a:prstGeom>
-        </p:spPr>
-        <p:style>
-          <a:lnRef idx="2">
-            <a:schemeClr val="dk1">
-              <a:shade val="50000"/>
-            </a:schemeClr>
-          </a:lnRef>
-          <a:fillRef idx="1">
-            <a:schemeClr val="dk1"/>
-          </a:fillRef>
-          <a:effectRef idx="0">
-            <a:schemeClr val="dk1"/>
-          </a:effectRef>
-          <a:fontRef idx="minor">
-            <a:schemeClr val="lt1"/>
-          </a:fontRef>
-        </p:style>
-        <p:txBody>
-          <a:bodyPr rtlCol="0" anchor="ctr"/>
-          <a:lstStyle/>
-          <a:p>
-            <a:pPr algn="ctr"/>
-            <a:endParaRPr lang="fr-FR"/>
-          </a:p>
-        </p:txBody>
-      </p:sp>
-      <p:grpSp>
-        <p:nvGrpSpPr>
-          <p:cNvPr id="73" name="Groupe 72">
-            <a:extLst>
-              <a:ext uri="{FF2B5EF4-FFF2-40B4-BE49-F238E27FC236}">
-                <a16:creationId xmlns:a16="http://schemas.microsoft.com/office/drawing/2014/main" id="{E15C5DFB-2718-4541-A495-8DB3A5CD952F}"/>
+                <a16:creationId xmlns:a16="http://schemas.microsoft.com/office/drawing/2014/main" id="{13646A12-5567-4153-8455-5C8AD8729334}"/>
               </a:ext>
             </a:extLst>
           </p:cNvPr>
@@ -4416,18 +3360,18 @@
         </p:nvGrpSpPr>
         <p:grpSpPr>
           <a:xfrm>
-            <a:off x="5916000" y="693209"/>
-            <a:ext cx="360000" cy="325234"/>
-            <a:chOff x="5916000" y="693209"/>
-            <a:chExt cx="360000" cy="325234"/>
+            <a:off x="3193573" y="693209"/>
+            <a:ext cx="5804854" cy="3732295"/>
+            <a:chOff x="3193573" y="693209"/>
+            <a:chExt cx="5804854" cy="3732295"/>
           </a:xfrm>
         </p:grpSpPr>
         <p:sp>
           <p:nvSpPr>
-            <p:cNvPr id="72" name="Rectangle 71">
+            <p:cNvPr id="4" name="Ellipse 3">
               <a:extLst>
                 <a:ext uri="{FF2B5EF4-FFF2-40B4-BE49-F238E27FC236}">
-                  <a16:creationId xmlns:a16="http://schemas.microsoft.com/office/drawing/2014/main" id="{D34B4C92-32F0-469D-9C8E-43B8D189F1C3}"/>
+                  <a16:creationId xmlns:a16="http://schemas.microsoft.com/office/drawing/2014/main" id="{970E741C-D2BD-49B1-B0BA-A88B54547657}"/>
                 </a:ext>
               </a:extLst>
             </p:cNvPr>
@@ -4436,19 +3380,17 @@
           </p:nvSpPr>
           <p:spPr>
             <a:xfrm>
-              <a:off x="5916000" y="693209"/>
-              <a:ext cx="360000" cy="180000"/>
+              <a:off x="3193573" y="3147005"/>
+              <a:ext cx="1241946" cy="600502"/>
             </a:xfrm>
-            <a:prstGeom prst="rect">
+            <a:prstGeom prst="ellipse">
               <a:avLst/>
             </a:prstGeom>
-            <a:solidFill>
-              <a:schemeClr val="bg1">
-                <a:lumMod val="85000"/>
-              </a:schemeClr>
-            </a:solidFill>
-            <a:ln>
-              <a:noFill/>
+            <a:noFill/>
+            <a:ln w="28575">
+              <a:solidFill>
+                <a:srgbClr val="0070C0"/>
+              </a:solidFill>
             </a:ln>
           </p:spPr>
           <p:style>
@@ -4472,16 +3414,1020 @@
             <a:lstStyle/>
             <a:p>
               <a:pPr algn="ctr"/>
+              <a:r>
+                <a:rPr lang="fr-FR" b="1" dirty="0">
+                  <a:solidFill>
+                    <a:schemeClr val="tx1"/>
+                  </a:solidFill>
+                </a:rPr>
+                <a:t>Pode 2</a:t>
+              </a:r>
+            </a:p>
+          </p:txBody>
+        </p:sp>
+        <p:sp>
+          <p:nvSpPr>
+            <p:cNvPr id="5" name="Ellipse 4">
+              <a:extLst>
+                <a:ext uri="{FF2B5EF4-FFF2-40B4-BE49-F238E27FC236}">
+                  <a16:creationId xmlns:a16="http://schemas.microsoft.com/office/drawing/2014/main" id="{79782BC4-81C1-4BC9-9AAB-44AC0DAEA600}"/>
+                </a:ext>
+              </a:extLst>
+            </p:cNvPr>
+            <p:cNvSpPr/>
+            <p:nvPr/>
+          </p:nvSpPr>
+          <p:spPr>
+            <a:xfrm>
+              <a:off x="5475027" y="3147005"/>
+              <a:ext cx="1241946" cy="600502"/>
+            </a:xfrm>
+            <a:prstGeom prst="ellipse">
+              <a:avLst/>
+            </a:prstGeom>
+            <a:noFill/>
+            <a:ln w="28575">
+              <a:solidFill>
+                <a:schemeClr val="accent2"/>
+              </a:solidFill>
+            </a:ln>
+          </p:spPr>
+          <p:style>
+            <a:lnRef idx="2">
+              <a:schemeClr val="accent1">
+                <a:shade val="50000"/>
+              </a:schemeClr>
+            </a:lnRef>
+            <a:fillRef idx="1">
+              <a:schemeClr val="accent1"/>
+            </a:fillRef>
+            <a:effectRef idx="0">
+              <a:schemeClr val="accent1"/>
+            </a:effectRef>
+            <a:fontRef idx="minor">
+              <a:schemeClr val="lt1"/>
+            </a:fontRef>
+          </p:style>
+          <p:txBody>
+            <a:bodyPr rtlCol="0" anchor="ctr"/>
+            <a:lstStyle/>
+            <a:p>
+              <a:pPr algn="ctr"/>
+              <a:r>
+                <a:rPr lang="fr-FR" b="1" dirty="0">
+                  <a:solidFill>
+                    <a:schemeClr val="tx1"/>
+                  </a:solidFill>
+                </a:rPr>
+                <a:t>Pode 1</a:t>
+              </a:r>
+            </a:p>
+          </p:txBody>
+        </p:sp>
+        <p:sp>
+          <p:nvSpPr>
+            <p:cNvPr id="6" name="Ellipse 5">
+              <a:extLst>
+                <a:ext uri="{FF2B5EF4-FFF2-40B4-BE49-F238E27FC236}">
+                  <a16:creationId xmlns:a16="http://schemas.microsoft.com/office/drawing/2014/main" id="{01C516E6-3143-44D7-B17D-38BF5171D3E3}"/>
+                </a:ext>
+              </a:extLst>
+            </p:cNvPr>
+            <p:cNvSpPr/>
+            <p:nvPr/>
+          </p:nvSpPr>
+          <p:spPr>
+            <a:xfrm>
+              <a:off x="7756481" y="3147005"/>
+              <a:ext cx="1241946" cy="600502"/>
+            </a:xfrm>
+            <a:prstGeom prst="ellipse">
+              <a:avLst/>
+            </a:prstGeom>
+            <a:noFill/>
+            <a:ln w="28575">
+              <a:solidFill>
+                <a:srgbClr val="7030A0"/>
+              </a:solidFill>
+            </a:ln>
+          </p:spPr>
+          <p:style>
+            <a:lnRef idx="2">
+              <a:schemeClr val="accent1">
+                <a:shade val="50000"/>
+              </a:schemeClr>
+            </a:lnRef>
+            <a:fillRef idx="1">
+              <a:schemeClr val="accent1"/>
+            </a:fillRef>
+            <a:effectRef idx="0">
+              <a:schemeClr val="accent1"/>
+            </a:effectRef>
+            <a:fontRef idx="minor">
+              <a:schemeClr val="lt1"/>
+            </a:fontRef>
+          </p:style>
+          <p:txBody>
+            <a:bodyPr rtlCol="0" anchor="ctr"/>
+            <a:lstStyle/>
+            <a:p>
+              <a:pPr algn="ctr"/>
+              <a:r>
+                <a:rPr lang="fr-FR" b="1" dirty="0">
+                  <a:solidFill>
+                    <a:schemeClr val="tx1"/>
+                  </a:solidFill>
+                </a:rPr>
+                <a:t>Pode 3</a:t>
+              </a:r>
+            </a:p>
+          </p:txBody>
+        </p:sp>
+        <p:sp>
+          <p:nvSpPr>
+            <p:cNvPr id="9" name="Ellipse 8">
+              <a:extLst>
+                <a:ext uri="{FF2B5EF4-FFF2-40B4-BE49-F238E27FC236}">
+                  <a16:creationId xmlns:a16="http://schemas.microsoft.com/office/drawing/2014/main" id="{EB161F17-0151-422E-8B31-B1D6740EF69A}"/>
+                </a:ext>
+              </a:extLst>
+            </p:cNvPr>
+            <p:cNvSpPr/>
+            <p:nvPr/>
+          </p:nvSpPr>
+          <p:spPr>
+            <a:xfrm>
+              <a:off x="5826000" y="2158945"/>
+              <a:ext cx="540000" cy="540000"/>
+            </a:xfrm>
+            <a:prstGeom prst="ellipse">
+              <a:avLst/>
+            </a:prstGeom>
+            <a:noFill/>
+            <a:ln w="28575">
+              <a:solidFill>
+                <a:schemeClr val="tx1"/>
+              </a:solidFill>
+            </a:ln>
+          </p:spPr>
+          <p:style>
+            <a:lnRef idx="2">
+              <a:schemeClr val="accent1">
+                <a:shade val="50000"/>
+              </a:schemeClr>
+            </a:lnRef>
+            <a:fillRef idx="1">
+              <a:schemeClr val="accent1"/>
+            </a:fillRef>
+            <a:effectRef idx="0">
+              <a:schemeClr val="accent1"/>
+            </a:effectRef>
+            <a:fontRef idx="minor">
+              <a:schemeClr val="lt1"/>
+            </a:fontRef>
+          </p:style>
+          <p:txBody>
+            <a:bodyPr rtlCol="0" anchor="ctr"/>
+            <a:lstStyle/>
+            <a:p>
+              <a:pPr algn="ctr"/>
+              <a:r>
+                <a:rPr lang="fr-FR" b="1" dirty="0">
+                  <a:solidFill>
+                    <a:schemeClr val="tx1"/>
+                  </a:solidFill>
+                </a:rPr>
+                <a:t>1</a:t>
+              </a:r>
+              <a:r>
+                <a:rPr lang="fr-FR" b="1" baseline="-25000" dirty="0">
+                  <a:solidFill>
+                    <a:schemeClr val="tx1"/>
+                  </a:solidFill>
+                </a:rPr>
+                <a:t>g</a:t>
+              </a:r>
+            </a:p>
+          </p:txBody>
+        </p:sp>
+        <p:cxnSp>
+          <p:nvCxnSpPr>
+            <p:cNvPr id="16" name="Connecteur droit 15">
+              <a:extLst>
+                <a:ext uri="{FF2B5EF4-FFF2-40B4-BE49-F238E27FC236}">
+                  <a16:creationId xmlns:a16="http://schemas.microsoft.com/office/drawing/2014/main" id="{7C5999CE-45AF-4712-A18E-242BEBAE6552}"/>
+                </a:ext>
+              </a:extLst>
+            </p:cNvPr>
+            <p:cNvCxnSpPr>
+              <a:stCxn id="7" idx="4"/>
+              <a:endCxn id="4" idx="0"/>
+            </p:cNvCxnSpPr>
+            <p:nvPr/>
+          </p:nvCxnSpPr>
+          <p:spPr>
+            <a:xfrm>
+              <a:off x="3814546" y="2698945"/>
+              <a:ext cx="0" cy="448060"/>
+            </a:xfrm>
+            <a:prstGeom prst="line">
+              <a:avLst/>
+            </a:prstGeom>
+            <a:noFill/>
+            <a:ln w="28575">
+              <a:solidFill>
+                <a:schemeClr val="tx1"/>
+              </a:solidFill>
+            </a:ln>
+          </p:spPr>
+          <p:style>
+            <a:lnRef idx="2">
+              <a:schemeClr val="accent1">
+                <a:shade val="50000"/>
+              </a:schemeClr>
+            </a:lnRef>
+            <a:fillRef idx="1">
+              <a:schemeClr val="accent1"/>
+            </a:fillRef>
+            <a:effectRef idx="0">
+              <a:schemeClr val="accent1"/>
+            </a:effectRef>
+            <a:fontRef idx="minor">
+              <a:schemeClr val="lt1"/>
+            </a:fontRef>
+          </p:style>
+        </p:cxnSp>
+        <p:cxnSp>
+          <p:nvCxnSpPr>
+            <p:cNvPr id="17" name="Connecteur droit 16">
+              <a:extLst>
+                <a:ext uri="{FF2B5EF4-FFF2-40B4-BE49-F238E27FC236}">
+                  <a16:creationId xmlns:a16="http://schemas.microsoft.com/office/drawing/2014/main" id="{7094B753-AC8C-42FB-852E-FC37B585FDEB}"/>
+                </a:ext>
+              </a:extLst>
+            </p:cNvPr>
+            <p:cNvCxnSpPr>
+              <a:cxnSpLocks/>
+              <a:stCxn id="4" idx="4"/>
+            </p:cNvCxnSpPr>
+            <p:nvPr/>
+          </p:nvCxnSpPr>
+          <p:spPr>
+            <a:xfrm>
+              <a:off x="3814546" y="3747507"/>
+              <a:ext cx="0" cy="393395"/>
+            </a:xfrm>
+            <a:prstGeom prst="line">
+              <a:avLst/>
+            </a:prstGeom>
+            <a:noFill/>
+            <a:ln w="28575">
+              <a:solidFill>
+                <a:schemeClr val="tx1"/>
+              </a:solidFill>
+            </a:ln>
+          </p:spPr>
+          <p:style>
+            <a:lnRef idx="2">
+              <a:schemeClr val="accent1">
+                <a:shade val="50000"/>
+              </a:schemeClr>
+            </a:lnRef>
+            <a:fillRef idx="1">
+              <a:schemeClr val="accent1"/>
+            </a:fillRef>
+            <a:effectRef idx="0">
+              <a:schemeClr val="accent1"/>
+            </a:effectRef>
+            <a:fontRef idx="minor">
+              <a:schemeClr val="lt1"/>
+            </a:fontRef>
+          </p:style>
+        </p:cxnSp>
+        <p:cxnSp>
+          <p:nvCxnSpPr>
+            <p:cNvPr id="24" name="Connecteur droit 23">
+              <a:extLst>
+                <a:ext uri="{FF2B5EF4-FFF2-40B4-BE49-F238E27FC236}">
+                  <a16:creationId xmlns:a16="http://schemas.microsoft.com/office/drawing/2014/main" id="{73A2E2AE-71C4-4B71-9D7C-0F168A272EB9}"/>
+                </a:ext>
+              </a:extLst>
+            </p:cNvPr>
+            <p:cNvCxnSpPr>
+              <a:cxnSpLocks/>
+              <a:stCxn id="6" idx="4"/>
+            </p:cNvCxnSpPr>
+            <p:nvPr/>
+          </p:nvCxnSpPr>
+          <p:spPr>
+            <a:xfrm>
+              <a:off x="8377454" y="3747507"/>
+              <a:ext cx="0" cy="393395"/>
+            </a:xfrm>
+            <a:prstGeom prst="line">
+              <a:avLst/>
+            </a:prstGeom>
+            <a:noFill/>
+            <a:ln w="28575">
+              <a:solidFill>
+                <a:schemeClr val="tx1"/>
+              </a:solidFill>
+            </a:ln>
+          </p:spPr>
+          <p:style>
+            <a:lnRef idx="2">
+              <a:schemeClr val="accent1">
+                <a:shade val="50000"/>
+              </a:schemeClr>
+            </a:lnRef>
+            <a:fillRef idx="1">
+              <a:schemeClr val="accent1"/>
+            </a:fillRef>
+            <a:effectRef idx="0">
+              <a:schemeClr val="accent1"/>
+            </a:effectRef>
+            <a:fontRef idx="minor">
+              <a:schemeClr val="lt1"/>
+            </a:fontRef>
+          </p:style>
+        </p:cxnSp>
+        <p:cxnSp>
+          <p:nvCxnSpPr>
+            <p:cNvPr id="27" name="Connecteur droit 26">
+              <a:extLst>
+                <a:ext uri="{FF2B5EF4-FFF2-40B4-BE49-F238E27FC236}">
+                  <a16:creationId xmlns:a16="http://schemas.microsoft.com/office/drawing/2014/main" id="{825FBBD5-53E0-4D89-8DA4-A04B3B5639F8}"/>
+                </a:ext>
+              </a:extLst>
+            </p:cNvPr>
+            <p:cNvCxnSpPr>
+              <a:cxnSpLocks/>
+              <a:stCxn id="9" idx="4"/>
+              <a:endCxn id="5" idx="0"/>
+            </p:cNvCxnSpPr>
+            <p:nvPr/>
+          </p:nvCxnSpPr>
+          <p:spPr>
+            <a:xfrm>
+              <a:off x="6096000" y="2698945"/>
+              <a:ext cx="0" cy="448060"/>
+            </a:xfrm>
+            <a:prstGeom prst="line">
+              <a:avLst/>
+            </a:prstGeom>
+            <a:noFill/>
+            <a:ln w="28575">
+              <a:solidFill>
+                <a:schemeClr val="tx1"/>
+              </a:solidFill>
+            </a:ln>
+          </p:spPr>
+          <p:style>
+            <a:lnRef idx="2">
+              <a:schemeClr val="accent1">
+                <a:shade val="50000"/>
+              </a:schemeClr>
+            </a:lnRef>
+            <a:fillRef idx="1">
+              <a:schemeClr val="accent1"/>
+            </a:fillRef>
+            <a:effectRef idx="0">
+              <a:schemeClr val="accent1"/>
+            </a:effectRef>
+            <a:fontRef idx="minor">
+              <a:schemeClr val="lt1"/>
+            </a:fontRef>
+          </p:style>
+        </p:cxnSp>
+        <p:cxnSp>
+          <p:nvCxnSpPr>
+            <p:cNvPr id="30" name="Connecteur droit 29">
+              <a:extLst>
+                <a:ext uri="{FF2B5EF4-FFF2-40B4-BE49-F238E27FC236}">
+                  <a16:creationId xmlns:a16="http://schemas.microsoft.com/office/drawing/2014/main" id="{BDA19E69-C5E1-4E66-B42C-ED8E6C824E70}"/>
+                </a:ext>
+              </a:extLst>
+            </p:cNvPr>
+            <p:cNvCxnSpPr>
+              <a:cxnSpLocks/>
+              <a:stCxn id="13" idx="4"/>
+              <a:endCxn id="6" idx="0"/>
+            </p:cNvCxnSpPr>
+            <p:nvPr/>
+          </p:nvCxnSpPr>
+          <p:spPr>
+            <a:xfrm>
+              <a:off x="8377454" y="2698945"/>
+              <a:ext cx="0" cy="448060"/>
+            </a:xfrm>
+            <a:prstGeom prst="line">
+              <a:avLst/>
+            </a:prstGeom>
+            <a:noFill/>
+            <a:ln w="28575">
+              <a:solidFill>
+                <a:schemeClr val="tx1"/>
+              </a:solidFill>
+            </a:ln>
+          </p:spPr>
+          <p:style>
+            <a:lnRef idx="2">
+              <a:schemeClr val="accent1">
+                <a:shade val="50000"/>
+              </a:schemeClr>
+            </a:lnRef>
+            <a:fillRef idx="1">
+              <a:schemeClr val="accent1"/>
+            </a:fillRef>
+            <a:effectRef idx="0">
+              <a:schemeClr val="accent1"/>
+            </a:effectRef>
+            <a:fontRef idx="minor">
+              <a:schemeClr val="lt1"/>
+            </a:fontRef>
+          </p:style>
+        </p:cxnSp>
+        <p:cxnSp>
+          <p:nvCxnSpPr>
+            <p:cNvPr id="33" name="Connecteur droit 32">
+              <a:extLst>
+                <a:ext uri="{FF2B5EF4-FFF2-40B4-BE49-F238E27FC236}">
+                  <a16:creationId xmlns:a16="http://schemas.microsoft.com/office/drawing/2014/main" id="{85DBE66E-E3C5-4C78-B0A4-B74F9C44633D}"/>
+                </a:ext>
+              </a:extLst>
+            </p:cNvPr>
+            <p:cNvCxnSpPr>
+              <a:cxnSpLocks/>
+              <a:stCxn id="4" idx="6"/>
+              <a:endCxn id="5" idx="2"/>
+            </p:cNvCxnSpPr>
+            <p:nvPr/>
+          </p:nvCxnSpPr>
+          <p:spPr>
+            <a:xfrm>
+              <a:off x="4435519" y="3447256"/>
+              <a:ext cx="1039508" cy="0"/>
+            </a:xfrm>
+            <a:prstGeom prst="line">
+              <a:avLst/>
+            </a:prstGeom>
+            <a:noFill/>
+            <a:ln w="28575">
+              <a:solidFill>
+                <a:schemeClr val="tx1"/>
+              </a:solidFill>
+            </a:ln>
+          </p:spPr>
+          <p:style>
+            <a:lnRef idx="2">
+              <a:schemeClr val="accent1">
+                <a:shade val="50000"/>
+              </a:schemeClr>
+            </a:lnRef>
+            <a:fillRef idx="1">
+              <a:schemeClr val="accent1"/>
+            </a:fillRef>
+            <a:effectRef idx="0">
+              <a:schemeClr val="accent1"/>
+            </a:effectRef>
+            <a:fontRef idx="minor">
+              <a:schemeClr val="lt1"/>
+            </a:fontRef>
+          </p:style>
+        </p:cxnSp>
+        <p:cxnSp>
+          <p:nvCxnSpPr>
+            <p:cNvPr id="36" name="Connecteur droit 35">
+              <a:extLst>
+                <a:ext uri="{FF2B5EF4-FFF2-40B4-BE49-F238E27FC236}">
+                  <a16:creationId xmlns:a16="http://schemas.microsoft.com/office/drawing/2014/main" id="{ABB2A0E0-50E9-480A-B1AA-4CABBBDE313B}"/>
+                </a:ext>
+              </a:extLst>
+            </p:cNvPr>
+            <p:cNvCxnSpPr>
+              <a:cxnSpLocks/>
+              <a:stCxn id="5" idx="6"/>
+              <a:endCxn id="6" idx="2"/>
+            </p:cNvCxnSpPr>
+            <p:nvPr/>
+          </p:nvCxnSpPr>
+          <p:spPr>
+            <a:xfrm>
+              <a:off x="6716973" y="3447256"/>
+              <a:ext cx="1039508" cy="0"/>
+            </a:xfrm>
+            <a:prstGeom prst="line">
+              <a:avLst/>
+            </a:prstGeom>
+            <a:noFill/>
+            <a:ln w="28575">
+              <a:solidFill>
+                <a:schemeClr val="tx1"/>
+              </a:solidFill>
+            </a:ln>
+          </p:spPr>
+          <p:style>
+            <a:lnRef idx="2">
+              <a:schemeClr val="accent1">
+                <a:shade val="50000"/>
+              </a:schemeClr>
+            </a:lnRef>
+            <a:fillRef idx="1">
+              <a:schemeClr val="accent1"/>
+            </a:fillRef>
+            <a:effectRef idx="0">
+              <a:schemeClr val="accent1"/>
+            </a:effectRef>
+            <a:fontRef idx="minor">
+              <a:schemeClr val="lt1"/>
+            </a:fontRef>
+          </p:style>
+        </p:cxnSp>
+        <p:cxnSp>
+          <p:nvCxnSpPr>
+            <p:cNvPr id="42" name="Connecteur droit 41">
+              <a:extLst>
+                <a:ext uri="{FF2B5EF4-FFF2-40B4-BE49-F238E27FC236}">
+                  <a16:creationId xmlns:a16="http://schemas.microsoft.com/office/drawing/2014/main" id="{C1EF57F6-054A-412B-9E9F-3A1A965F2698}"/>
+                </a:ext>
+              </a:extLst>
+            </p:cNvPr>
+            <p:cNvCxnSpPr>
+              <a:cxnSpLocks/>
+            </p:cNvCxnSpPr>
+            <p:nvPr/>
+          </p:nvCxnSpPr>
+          <p:spPr>
+            <a:xfrm flipV="1">
+              <a:off x="3814546" y="1288443"/>
+              <a:ext cx="2281454" cy="1140502"/>
+            </a:xfrm>
+            <a:prstGeom prst="line">
+              <a:avLst/>
+            </a:prstGeom>
+            <a:noFill/>
+            <a:ln w="28575">
+              <a:solidFill>
+                <a:schemeClr val="tx1"/>
+              </a:solidFill>
+            </a:ln>
+          </p:spPr>
+          <p:style>
+            <a:lnRef idx="2">
+              <a:schemeClr val="accent1">
+                <a:shade val="50000"/>
+              </a:schemeClr>
+            </a:lnRef>
+            <a:fillRef idx="1">
+              <a:schemeClr val="accent1"/>
+            </a:fillRef>
+            <a:effectRef idx="0">
+              <a:schemeClr val="accent1"/>
+            </a:effectRef>
+            <a:fontRef idx="minor">
+              <a:schemeClr val="lt1"/>
+            </a:fontRef>
+          </p:style>
+        </p:cxnSp>
+        <p:cxnSp>
+          <p:nvCxnSpPr>
+            <p:cNvPr id="49" name="Connecteur droit 48">
+              <a:extLst>
+                <a:ext uri="{FF2B5EF4-FFF2-40B4-BE49-F238E27FC236}">
+                  <a16:creationId xmlns:a16="http://schemas.microsoft.com/office/drawing/2014/main" id="{E82A9483-62BB-4955-A906-8C0F7821247A}"/>
+                </a:ext>
+              </a:extLst>
+            </p:cNvPr>
+            <p:cNvCxnSpPr>
+              <a:cxnSpLocks/>
+              <a:stCxn id="41" idx="4"/>
+              <a:endCxn id="9" idx="0"/>
+            </p:cNvCxnSpPr>
+            <p:nvPr/>
+          </p:nvCxnSpPr>
+          <p:spPr>
+            <a:xfrm>
+              <a:off x="6096000" y="1558443"/>
+              <a:ext cx="0" cy="600502"/>
+            </a:xfrm>
+            <a:prstGeom prst="line">
+              <a:avLst/>
+            </a:prstGeom>
+            <a:noFill/>
+            <a:ln w="28575">
+              <a:solidFill>
+                <a:schemeClr val="tx1"/>
+              </a:solidFill>
+            </a:ln>
+          </p:spPr>
+          <p:style>
+            <a:lnRef idx="2">
+              <a:schemeClr val="accent1">
+                <a:shade val="50000"/>
+              </a:schemeClr>
+            </a:lnRef>
+            <a:fillRef idx="1">
+              <a:schemeClr val="accent1"/>
+            </a:fillRef>
+            <a:effectRef idx="0">
+              <a:schemeClr val="accent1"/>
+            </a:effectRef>
+            <a:fontRef idx="minor">
+              <a:schemeClr val="lt1"/>
+            </a:fontRef>
+          </p:style>
+        </p:cxnSp>
+        <p:sp>
+          <p:nvSpPr>
+            <p:cNvPr id="41" name="Ellipse 40">
+              <a:extLst>
+                <a:ext uri="{FF2B5EF4-FFF2-40B4-BE49-F238E27FC236}">
+                  <a16:creationId xmlns:a16="http://schemas.microsoft.com/office/drawing/2014/main" id="{17E034F2-A174-4006-A50C-8D54A928AB95}"/>
+                </a:ext>
+              </a:extLst>
+            </p:cNvPr>
+            <p:cNvSpPr/>
+            <p:nvPr/>
+          </p:nvSpPr>
+          <p:spPr>
+            <a:xfrm>
+              <a:off x="5826000" y="1018443"/>
+              <a:ext cx="540000" cy="540000"/>
+            </a:xfrm>
+            <a:prstGeom prst="ellipse">
+              <a:avLst/>
+            </a:prstGeom>
+            <a:solidFill>
+              <a:schemeClr val="bg1">
+                <a:lumMod val="85000"/>
+              </a:schemeClr>
+            </a:solidFill>
+            <a:ln w="28575">
+              <a:solidFill>
+                <a:schemeClr val="tx1"/>
+              </a:solidFill>
+            </a:ln>
+          </p:spPr>
+          <p:style>
+            <a:lnRef idx="2">
+              <a:schemeClr val="accent1">
+                <a:shade val="50000"/>
+              </a:schemeClr>
+            </a:lnRef>
+            <a:fillRef idx="1">
+              <a:schemeClr val="accent1"/>
+            </a:fillRef>
+            <a:effectRef idx="0">
+              <a:schemeClr val="accent1"/>
+            </a:effectRef>
+            <a:fontRef idx="minor">
+              <a:schemeClr val="lt1"/>
+            </a:fontRef>
+          </p:style>
+          <p:txBody>
+            <a:bodyPr rtlCol="0" anchor="ctr"/>
+            <a:lstStyle/>
+            <a:p>
+              <a:pPr algn="ctr"/>
+              <a:r>
+                <a:rPr lang="fr-FR" b="1" dirty="0">
+                  <a:solidFill>
+                    <a:schemeClr val="tx1"/>
+                  </a:solidFill>
+                </a:rPr>
+                <a:t>0</a:t>
+              </a:r>
+            </a:p>
+          </p:txBody>
+        </p:sp>
+        <p:sp>
+          <p:nvSpPr>
+            <p:cNvPr id="7" name="Ellipse 6">
+              <a:extLst>
+                <a:ext uri="{FF2B5EF4-FFF2-40B4-BE49-F238E27FC236}">
+                  <a16:creationId xmlns:a16="http://schemas.microsoft.com/office/drawing/2014/main" id="{B7387967-30F3-482C-88D4-6D895C3E527E}"/>
+                </a:ext>
+              </a:extLst>
+            </p:cNvPr>
+            <p:cNvSpPr/>
+            <p:nvPr/>
+          </p:nvSpPr>
+          <p:spPr>
+            <a:xfrm>
+              <a:off x="3544546" y="2158945"/>
+              <a:ext cx="540000" cy="540000"/>
+            </a:xfrm>
+            <a:prstGeom prst="ellipse">
+              <a:avLst/>
+            </a:prstGeom>
+            <a:solidFill>
+              <a:schemeClr val="bg1"/>
+            </a:solidFill>
+            <a:ln w="28575">
+              <a:solidFill>
+                <a:schemeClr val="tx1"/>
+              </a:solidFill>
+            </a:ln>
+          </p:spPr>
+          <p:style>
+            <a:lnRef idx="2">
+              <a:schemeClr val="accent1">
+                <a:shade val="50000"/>
+              </a:schemeClr>
+            </a:lnRef>
+            <a:fillRef idx="1">
+              <a:schemeClr val="accent1"/>
+            </a:fillRef>
+            <a:effectRef idx="0">
+              <a:schemeClr val="accent1"/>
+            </a:effectRef>
+            <a:fontRef idx="minor">
+              <a:schemeClr val="lt1"/>
+            </a:fontRef>
+          </p:style>
+          <p:txBody>
+            <a:bodyPr rtlCol="0" anchor="ctr"/>
+            <a:lstStyle/>
+            <a:p>
+              <a:pPr algn="ctr"/>
+              <a:r>
+                <a:rPr lang="fr-FR" b="1" dirty="0">
+                  <a:solidFill>
+                    <a:schemeClr val="tx1"/>
+                  </a:solidFill>
+                </a:rPr>
+                <a:t>2</a:t>
+              </a:r>
+              <a:r>
+                <a:rPr lang="fr-FR" b="1" baseline="-25000" dirty="0">
+                  <a:solidFill>
+                    <a:schemeClr val="tx1"/>
+                  </a:solidFill>
+                </a:rPr>
+                <a:t>g</a:t>
+              </a:r>
+            </a:p>
+          </p:txBody>
+        </p:sp>
+        <p:sp>
+          <p:nvSpPr>
+            <p:cNvPr id="13" name="Ellipse 12">
+              <a:extLst>
+                <a:ext uri="{FF2B5EF4-FFF2-40B4-BE49-F238E27FC236}">
+                  <a16:creationId xmlns:a16="http://schemas.microsoft.com/office/drawing/2014/main" id="{96D65CD2-3ABB-42D8-A34A-B2A57930E580}"/>
+                </a:ext>
+              </a:extLst>
+            </p:cNvPr>
+            <p:cNvSpPr/>
+            <p:nvPr/>
+          </p:nvSpPr>
+          <p:spPr>
+            <a:xfrm>
+              <a:off x="8107454" y="2158945"/>
+              <a:ext cx="540000" cy="540000"/>
+            </a:xfrm>
+            <a:prstGeom prst="ellipse">
+              <a:avLst/>
+            </a:prstGeom>
+            <a:solidFill>
+              <a:schemeClr val="bg1"/>
+            </a:solidFill>
+            <a:ln w="28575">
+              <a:solidFill>
+                <a:schemeClr val="tx1"/>
+              </a:solidFill>
+            </a:ln>
+          </p:spPr>
+          <p:style>
+            <a:lnRef idx="2">
+              <a:schemeClr val="accent1">
+                <a:shade val="50000"/>
+              </a:schemeClr>
+            </a:lnRef>
+            <a:fillRef idx="1">
+              <a:schemeClr val="accent1"/>
+            </a:fillRef>
+            <a:effectRef idx="0">
+              <a:schemeClr val="accent1"/>
+            </a:effectRef>
+            <a:fontRef idx="minor">
+              <a:schemeClr val="lt1"/>
+            </a:fontRef>
+          </p:style>
+          <p:txBody>
+            <a:bodyPr rtlCol="0" anchor="ctr"/>
+            <a:lstStyle/>
+            <a:p>
+              <a:pPr algn="ctr"/>
+              <a:r>
+                <a:rPr lang="fr-FR" b="1" dirty="0">
+                  <a:solidFill>
+                    <a:schemeClr val="tx1"/>
+                  </a:solidFill>
+                </a:rPr>
+                <a:t>3</a:t>
+              </a:r>
+              <a:r>
+                <a:rPr lang="fr-FR" b="1" baseline="-25000" dirty="0">
+                  <a:solidFill>
+                    <a:schemeClr val="tx1"/>
+                  </a:solidFill>
+                </a:rPr>
+                <a:t>g</a:t>
+              </a:r>
+            </a:p>
+          </p:txBody>
+        </p:sp>
+        <p:sp>
+          <p:nvSpPr>
+            <p:cNvPr id="61" name="Signe de multiplication 60">
+              <a:extLst>
+                <a:ext uri="{FF2B5EF4-FFF2-40B4-BE49-F238E27FC236}">
+                  <a16:creationId xmlns:a16="http://schemas.microsoft.com/office/drawing/2014/main" id="{56A73B88-1800-4444-BC62-7512AEA7B98F}"/>
+                </a:ext>
+              </a:extLst>
+            </p:cNvPr>
+            <p:cNvSpPr/>
+            <p:nvPr/>
+          </p:nvSpPr>
+          <p:spPr>
+            <a:xfrm>
+              <a:off x="3704817" y="2809439"/>
+              <a:ext cx="219456" cy="219456"/>
+            </a:xfrm>
+            <a:prstGeom prst="mathMultiply">
+              <a:avLst/>
+            </a:prstGeom>
+          </p:spPr>
+          <p:style>
+            <a:lnRef idx="2">
+              <a:schemeClr val="dk1">
+                <a:shade val="50000"/>
+              </a:schemeClr>
+            </a:lnRef>
+            <a:fillRef idx="1">
+              <a:schemeClr val="dk1"/>
+            </a:fillRef>
+            <a:effectRef idx="0">
+              <a:schemeClr val="dk1"/>
+            </a:effectRef>
+            <a:fontRef idx="minor">
+              <a:schemeClr val="lt1"/>
+            </a:fontRef>
+          </p:style>
+          <p:txBody>
+            <a:bodyPr rtlCol="0" anchor="ctr"/>
+            <a:lstStyle/>
+            <a:p>
+              <a:pPr algn="ctr"/>
+              <a:endParaRPr lang="fr-FR"/>
+            </a:p>
+          </p:txBody>
+        </p:sp>
+        <p:sp>
+          <p:nvSpPr>
+            <p:cNvPr id="62" name="Signe de multiplication 61">
+              <a:extLst>
+                <a:ext uri="{FF2B5EF4-FFF2-40B4-BE49-F238E27FC236}">
+                  <a16:creationId xmlns:a16="http://schemas.microsoft.com/office/drawing/2014/main" id="{AE361FFD-D453-4A23-8FEA-35D016460C65}"/>
+                </a:ext>
+              </a:extLst>
+            </p:cNvPr>
+            <p:cNvSpPr/>
+            <p:nvPr/>
+          </p:nvSpPr>
+          <p:spPr>
+            <a:xfrm>
+              <a:off x="3704817" y="3834476"/>
+              <a:ext cx="219456" cy="219456"/>
+            </a:xfrm>
+            <a:prstGeom prst="mathMultiply">
+              <a:avLst/>
+            </a:prstGeom>
+          </p:spPr>
+          <p:style>
+            <a:lnRef idx="2">
+              <a:schemeClr val="dk1">
+                <a:shade val="50000"/>
+              </a:schemeClr>
+            </a:lnRef>
+            <a:fillRef idx="1">
+              <a:schemeClr val="dk1"/>
+            </a:fillRef>
+            <a:effectRef idx="0">
+              <a:schemeClr val="dk1"/>
+            </a:effectRef>
+            <a:fontRef idx="minor">
+              <a:schemeClr val="lt1"/>
+            </a:fontRef>
+          </p:style>
+          <p:txBody>
+            <a:bodyPr rtlCol="0" anchor="ctr"/>
+            <a:lstStyle/>
+            <a:p>
+              <a:pPr algn="ctr"/>
+              <a:endParaRPr lang="fr-FR"/>
+            </a:p>
+          </p:txBody>
+        </p:sp>
+        <p:sp>
+          <p:nvSpPr>
+            <p:cNvPr id="64" name="Signe de multiplication 63">
+              <a:extLst>
+                <a:ext uri="{FF2B5EF4-FFF2-40B4-BE49-F238E27FC236}">
+                  <a16:creationId xmlns:a16="http://schemas.microsoft.com/office/drawing/2014/main" id="{48C4BD9E-1465-437D-9AB1-25EA3C8B3309}"/>
+                </a:ext>
+              </a:extLst>
+            </p:cNvPr>
+            <p:cNvSpPr/>
+            <p:nvPr/>
+          </p:nvSpPr>
+          <p:spPr>
+            <a:xfrm>
+              <a:off x="8267726" y="2784487"/>
+              <a:ext cx="219456" cy="219456"/>
+            </a:xfrm>
+            <a:prstGeom prst="mathMultiply">
+              <a:avLst/>
+            </a:prstGeom>
+          </p:spPr>
+          <p:style>
+            <a:lnRef idx="2">
+              <a:schemeClr val="dk1">
+                <a:shade val="50000"/>
+              </a:schemeClr>
+            </a:lnRef>
+            <a:fillRef idx="1">
+              <a:schemeClr val="dk1"/>
+            </a:fillRef>
+            <a:effectRef idx="0">
+              <a:schemeClr val="dk1"/>
+            </a:effectRef>
+            <a:fontRef idx="minor">
+              <a:schemeClr val="lt1"/>
+            </a:fontRef>
+          </p:style>
+          <p:txBody>
+            <a:bodyPr rtlCol="0" anchor="ctr"/>
+            <a:lstStyle/>
+            <a:p>
+              <a:pPr algn="ctr"/>
+              <a:endParaRPr lang="fr-FR"/>
+            </a:p>
+          </p:txBody>
+        </p:sp>
+        <p:sp>
+          <p:nvSpPr>
+            <p:cNvPr id="65" name="Signe de multiplication 64">
+              <a:extLst>
+                <a:ext uri="{FF2B5EF4-FFF2-40B4-BE49-F238E27FC236}">
+                  <a16:creationId xmlns:a16="http://schemas.microsoft.com/office/drawing/2014/main" id="{B2AD9AFA-109C-4A81-88E0-F01AE1BBCA63}"/>
+                </a:ext>
+              </a:extLst>
+            </p:cNvPr>
+            <p:cNvSpPr/>
+            <p:nvPr/>
+          </p:nvSpPr>
+          <p:spPr>
+            <a:xfrm>
+              <a:off x="8267726" y="3809524"/>
+              <a:ext cx="219456" cy="219456"/>
+            </a:xfrm>
+            <a:prstGeom prst="mathMultiply">
+              <a:avLst/>
+            </a:prstGeom>
+          </p:spPr>
+          <p:style>
+            <a:lnRef idx="2">
+              <a:schemeClr val="dk1">
+                <a:shade val="50000"/>
+              </a:schemeClr>
+            </a:lnRef>
+            <a:fillRef idx="1">
+              <a:schemeClr val="dk1"/>
+            </a:fillRef>
+            <a:effectRef idx="0">
+              <a:schemeClr val="dk1"/>
+            </a:effectRef>
+            <a:fontRef idx="minor">
+              <a:schemeClr val="lt1"/>
+            </a:fontRef>
+          </p:style>
+          <p:txBody>
+            <a:bodyPr rtlCol="0" anchor="ctr"/>
+            <a:lstStyle/>
+            <a:p>
+              <a:pPr algn="ctr"/>
               <a:endParaRPr lang="fr-FR"/>
             </a:p>
           </p:txBody>
         </p:sp>
         <p:grpSp>
           <p:nvGrpSpPr>
-            <p:cNvPr id="71" name="Groupe 70">
+            <p:cNvPr id="73" name="Groupe 72">
               <a:extLst>
                 <a:ext uri="{FF2B5EF4-FFF2-40B4-BE49-F238E27FC236}">
-                  <a16:creationId xmlns:a16="http://schemas.microsoft.com/office/drawing/2014/main" id="{5890246B-E46F-401A-B104-31E0F0B24B23}"/>
+                  <a16:creationId xmlns:a16="http://schemas.microsoft.com/office/drawing/2014/main" id="{E15C5DFB-2718-4541-A495-8DB3A5CD952F}"/>
                 </a:ext>
               </a:extLst>
             </p:cNvPr>
@@ -4490,39 +4436,39 @@
           </p:nvGrpSpPr>
           <p:grpSpPr>
             <a:xfrm>
-              <a:off x="5916000" y="874443"/>
-              <a:ext cx="360000" cy="144000"/>
-              <a:chOff x="5916000" y="874443"/>
-              <a:chExt cx="360000" cy="144000"/>
+              <a:off x="5916000" y="693209"/>
+              <a:ext cx="360000" cy="325234"/>
+              <a:chOff x="5916000" y="693209"/>
+              <a:chExt cx="360000" cy="325234"/>
             </a:xfrm>
           </p:grpSpPr>
-          <p:cxnSp>
-            <p:nvCxnSpPr>
-              <p:cNvPr id="66" name="Connecteur droit 65">
+          <p:sp>
+            <p:nvSpPr>
+              <p:cNvPr id="72" name="Rectangle 71">
                 <a:extLst>
                   <a:ext uri="{FF2B5EF4-FFF2-40B4-BE49-F238E27FC236}">
-                    <a16:creationId xmlns:a16="http://schemas.microsoft.com/office/drawing/2014/main" id="{C98B502B-0F3D-44E0-BF97-33F0189CDC95}"/>
+                    <a16:creationId xmlns:a16="http://schemas.microsoft.com/office/drawing/2014/main" id="{D34B4C92-32F0-469D-9C8E-43B8D189F1C3}"/>
                   </a:ext>
                 </a:extLst>
               </p:cNvPr>
-              <p:cNvCxnSpPr>
-                <a:cxnSpLocks/>
-              </p:cNvCxnSpPr>
+              <p:cNvSpPr/>
               <p:nvPr/>
-            </p:nvCxnSpPr>
+            </p:nvSpPr>
             <p:spPr>
-              <a:xfrm flipV="1">
-                <a:off x="6096000" y="874443"/>
-                <a:ext cx="0" cy="144000"/>
+              <a:xfrm>
+                <a:off x="5916000" y="693209"/>
+                <a:ext cx="360000" cy="180000"/>
               </a:xfrm>
-              <a:prstGeom prst="line">
+              <a:prstGeom prst="rect">
                 <a:avLst/>
               </a:prstGeom>
-              <a:noFill/>
-              <a:ln w="28575">
-                <a:solidFill>
-                  <a:schemeClr val="tx1"/>
-                </a:solidFill>
+              <a:solidFill>
+                <a:schemeClr val="bg1">
+                  <a:lumMod val="85000"/>
+                </a:schemeClr>
+              </a:solidFill>
+              <a:ln>
+                <a:noFill/>
               </a:ln>
             </p:spPr>
             <p:style>
@@ -4541,1071 +4487,135 @@
                 <a:schemeClr val="lt1"/>
               </a:fontRef>
             </p:style>
-          </p:cxnSp>
-          <p:cxnSp>
-            <p:nvCxnSpPr>
-              <p:cNvPr id="69" name="Connecteur droit 68">
+            <p:txBody>
+              <a:bodyPr rtlCol="0" anchor="ctr"/>
+              <a:lstStyle/>
+              <a:p>
+                <a:pPr algn="ctr"/>
+                <a:endParaRPr lang="fr-FR"/>
+              </a:p>
+            </p:txBody>
+          </p:sp>
+          <p:grpSp>
+            <p:nvGrpSpPr>
+              <p:cNvPr id="71" name="Groupe 70">
                 <a:extLst>
                   <a:ext uri="{FF2B5EF4-FFF2-40B4-BE49-F238E27FC236}">
-                    <a16:creationId xmlns:a16="http://schemas.microsoft.com/office/drawing/2014/main" id="{6BD5C1C0-775C-475C-AD25-450069E511B2}"/>
+                    <a16:creationId xmlns:a16="http://schemas.microsoft.com/office/drawing/2014/main" id="{5890246B-E46F-401A-B104-31E0F0B24B23}"/>
                   </a:ext>
                 </a:extLst>
               </p:cNvPr>
-              <p:cNvCxnSpPr>
-                <a:cxnSpLocks/>
-              </p:cNvCxnSpPr>
+              <p:cNvGrpSpPr/>
               <p:nvPr/>
-            </p:nvCxnSpPr>
-            <p:spPr>
+            </p:nvGrpSpPr>
+            <p:grpSpPr>
               <a:xfrm>
                 <a:off x="5916000" y="874443"/>
-                <a:ext cx="360000" cy="0"/>
+                <a:ext cx="360000" cy="144000"/>
+                <a:chOff x="5916000" y="874443"/>
+                <a:chExt cx="360000" cy="144000"/>
               </a:xfrm>
-              <a:prstGeom prst="line">
-                <a:avLst/>
-              </a:prstGeom>
-              <a:noFill/>
-              <a:ln w="28575">
-                <a:solidFill>
-                  <a:schemeClr val="tx1"/>
-                </a:solidFill>
-              </a:ln>
-            </p:spPr>
-            <p:style>
-              <a:lnRef idx="2">
-                <a:schemeClr val="accent1">
-                  <a:shade val="50000"/>
-                </a:schemeClr>
-              </a:lnRef>
-              <a:fillRef idx="1">
-                <a:schemeClr val="accent1"/>
-              </a:fillRef>
-              <a:effectRef idx="0">
-                <a:schemeClr val="accent1"/>
-              </a:effectRef>
-              <a:fontRef idx="minor">
-                <a:schemeClr val="lt1"/>
-              </a:fontRef>
-            </p:style>
-          </p:cxnSp>
+            </p:grpSpPr>
+            <p:cxnSp>
+              <p:nvCxnSpPr>
+                <p:cNvPr id="66" name="Connecteur droit 65">
+                  <a:extLst>
+                    <a:ext uri="{FF2B5EF4-FFF2-40B4-BE49-F238E27FC236}">
+                      <a16:creationId xmlns:a16="http://schemas.microsoft.com/office/drawing/2014/main" id="{C98B502B-0F3D-44E0-BF97-33F0189CDC95}"/>
+                    </a:ext>
+                  </a:extLst>
+                </p:cNvPr>
+                <p:cNvCxnSpPr>
+                  <a:cxnSpLocks/>
+                </p:cNvCxnSpPr>
+                <p:nvPr/>
+              </p:nvCxnSpPr>
+              <p:spPr>
+                <a:xfrm flipV="1">
+                  <a:off x="6096000" y="874443"/>
+                  <a:ext cx="0" cy="144000"/>
+                </a:xfrm>
+                <a:prstGeom prst="line">
+                  <a:avLst/>
+                </a:prstGeom>
+                <a:noFill/>
+                <a:ln w="28575">
+                  <a:solidFill>
+                    <a:schemeClr val="tx1"/>
+                  </a:solidFill>
+                </a:ln>
+              </p:spPr>
+              <p:style>
+                <a:lnRef idx="2">
+                  <a:schemeClr val="accent1">
+                    <a:shade val="50000"/>
+                  </a:schemeClr>
+                </a:lnRef>
+                <a:fillRef idx="1">
+                  <a:schemeClr val="accent1"/>
+                </a:fillRef>
+                <a:effectRef idx="0">
+                  <a:schemeClr val="accent1"/>
+                </a:effectRef>
+                <a:fontRef idx="minor">
+                  <a:schemeClr val="lt1"/>
+                </a:fontRef>
+              </p:style>
+            </p:cxnSp>
+            <p:cxnSp>
+              <p:nvCxnSpPr>
+                <p:cNvPr id="69" name="Connecteur droit 68">
+                  <a:extLst>
+                    <a:ext uri="{FF2B5EF4-FFF2-40B4-BE49-F238E27FC236}">
+                      <a16:creationId xmlns:a16="http://schemas.microsoft.com/office/drawing/2014/main" id="{6BD5C1C0-775C-475C-AD25-450069E511B2}"/>
+                    </a:ext>
+                  </a:extLst>
+                </p:cNvPr>
+                <p:cNvCxnSpPr>
+                  <a:cxnSpLocks/>
+                </p:cNvCxnSpPr>
+                <p:nvPr/>
+              </p:nvCxnSpPr>
+              <p:spPr>
+                <a:xfrm>
+                  <a:off x="5916000" y="874443"/>
+                  <a:ext cx="360000" cy="0"/>
+                </a:xfrm>
+                <a:prstGeom prst="line">
+                  <a:avLst/>
+                </a:prstGeom>
+                <a:noFill/>
+                <a:ln w="28575">
+                  <a:solidFill>
+                    <a:schemeClr val="tx1"/>
+                  </a:solidFill>
+                </a:ln>
+              </p:spPr>
+              <p:style>
+                <a:lnRef idx="2">
+                  <a:schemeClr val="accent1">
+                    <a:shade val="50000"/>
+                  </a:schemeClr>
+                </a:lnRef>
+                <a:fillRef idx="1">
+                  <a:schemeClr val="accent1"/>
+                </a:fillRef>
+                <a:effectRef idx="0">
+                  <a:schemeClr val="accent1"/>
+                </a:effectRef>
+                <a:fontRef idx="minor">
+                  <a:schemeClr val="lt1"/>
+                </a:fontRef>
+              </p:style>
+            </p:cxnSp>
+          </p:grpSp>
         </p:grpSp>
-      </p:grpSp>
-      <p:sp>
-        <p:nvSpPr>
-          <p:cNvPr id="79" name="Ellipse 78">
-            <a:extLst>
-              <a:ext uri="{FF2B5EF4-FFF2-40B4-BE49-F238E27FC236}">
-                <a16:creationId xmlns:a16="http://schemas.microsoft.com/office/drawing/2014/main" id="{084B1B8B-194B-4D5C-A2C2-4EA06FCFFFC7}"/>
-              </a:ext>
-            </a:extLst>
-          </p:cNvPr>
-          <p:cNvSpPr/>
-          <p:nvPr/>
-        </p:nvSpPr>
-        <p:spPr>
-          <a:xfrm>
-            <a:off x="6966727" y="3174741"/>
-            <a:ext cx="540000" cy="540000"/>
-          </a:xfrm>
-          <a:prstGeom prst="ellipse">
-            <a:avLst/>
-          </a:prstGeom>
-          <a:solidFill>
-            <a:schemeClr val="bg1"/>
-          </a:solidFill>
-          <a:ln w="28575">
-            <a:solidFill>
-              <a:srgbClr val="7030A0"/>
-            </a:solidFill>
-          </a:ln>
-        </p:spPr>
-        <p:style>
-          <a:lnRef idx="2">
-            <a:schemeClr val="accent1">
-              <a:shade val="50000"/>
-            </a:schemeClr>
-          </a:lnRef>
-          <a:fillRef idx="1">
-            <a:schemeClr val="accent1"/>
-          </a:fillRef>
-          <a:effectRef idx="0">
-            <a:schemeClr val="accent1"/>
-          </a:effectRef>
-          <a:fontRef idx="minor">
-            <a:schemeClr val="lt1"/>
-          </a:fontRef>
-        </p:style>
-        <p:txBody>
-          <a:bodyPr rtlCol="0" anchor="ctr"/>
-          <a:lstStyle/>
-          <a:p>
-            <a:pPr algn="ctr"/>
-            <a:r>
-              <a:rPr lang="fr-FR" b="1" dirty="0">
-                <a:solidFill>
-                  <a:schemeClr val="tx1"/>
-                </a:solidFill>
-              </a:rPr>
-              <a:t>4</a:t>
-            </a:r>
-          </a:p>
-        </p:txBody>
-      </p:sp>
-      <p:sp>
-        <p:nvSpPr>
-          <p:cNvPr id="80" name="Ellipse 79">
-            <a:extLst>
-              <a:ext uri="{FF2B5EF4-FFF2-40B4-BE49-F238E27FC236}">
-                <a16:creationId xmlns:a16="http://schemas.microsoft.com/office/drawing/2014/main" id="{5F13654B-F966-466A-A1ED-E02B7D85DB1E}"/>
-              </a:ext>
-            </a:extLst>
-          </p:cNvPr>
-          <p:cNvSpPr/>
-          <p:nvPr/>
-        </p:nvSpPr>
-        <p:spPr>
-          <a:xfrm>
-            <a:off x="4685272" y="3174741"/>
-            <a:ext cx="540000" cy="540000"/>
-          </a:xfrm>
-          <a:prstGeom prst="ellipse">
-            <a:avLst/>
-          </a:prstGeom>
-          <a:solidFill>
-            <a:schemeClr val="bg1"/>
-          </a:solidFill>
-          <a:ln w="28575">
-            <a:solidFill>
-              <a:srgbClr val="0070C0"/>
-            </a:solidFill>
-          </a:ln>
-        </p:spPr>
-        <p:style>
-          <a:lnRef idx="2">
-            <a:schemeClr val="accent1">
-              <a:shade val="50000"/>
-            </a:schemeClr>
-          </a:lnRef>
-          <a:fillRef idx="1">
-            <a:schemeClr val="accent1"/>
-          </a:fillRef>
-          <a:effectRef idx="0">
-            <a:schemeClr val="accent1"/>
-          </a:effectRef>
-          <a:fontRef idx="minor">
-            <a:schemeClr val="lt1"/>
-          </a:fontRef>
-        </p:style>
-        <p:txBody>
-          <a:bodyPr rtlCol="0" anchor="ctr"/>
-          <a:lstStyle/>
-          <a:p>
-            <a:pPr algn="ctr"/>
-            <a:r>
-              <a:rPr lang="fr-FR" b="1" dirty="0">
-                <a:solidFill>
-                  <a:schemeClr val="tx1"/>
-                </a:solidFill>
-              </a:rPr>
-              <a:t>4’</a:t>
-            </a:r>
-          </a:p>
-        </p:txBody>
-      </p:sp>
-      <mc:AlternateContent xmlns:mc="http://schemas.openxmlformats.org/markup-compatibility/2006" xmlns:a14="http://schemas.microsoft.com/office/drawing/2010/main">
-        <mc:Choice Requires="a14">
-          <p:sp>
-            <p:nvSpPr>
-              <p:cNvPr id="81" name="ZoneTexte 80">
-                <a:extLst>
-                  <a:ext uri="{FF2B5EF4-FFF2-40B4-BE49-F238E27FC236}">
-                    <a16:creationId xmlns:a16="http://schemas.microsoft.com/office/drawing/2014/main" id="{893797E9-5A4F-424F-AB89-FAB124E12684}"/>
-                  </a:ext>
-                </a:extLst>
-              </p:cNvPr>
-              <p:cNvSpPr txBox="1"/>
-              <p:nvPr/>
-            </p:nvSpPr>
-            <p:spPr>
-              <a:xfrm rot="16200000">
-                <a:off x="4810246" y="2740724"/>
-                <a:ext cx="1100256" cy="307777"/>
-              </a:xfrm>
-              <a:prstGeom prst="rect">
-                <a:avLst/>
-              </a:prstGeom>
-              <a:noFill/>
-            </p:spPr>
-            <p:txBody>
-              <a:bodyPr wrap="square" rtlCol="0">
-                <a:spAutoFit/>
-              </a:bodyPr>
-              <a:lstStyle/>
-              <a:p>
-                <a:r>
-                  <a:rPr lang="fr-FR" sz="1400" dirty="0"/>
-                  <a:t>Pivot </a:t>
-                </a:r>
-                <a14:m>
-                  <m:oMath xmlns:m="http://schemas.openxmlformats.org/officeDocument/2006/math">
-                    <m:d>
-                      <m:dPr>
-                        <m:ctrlPr>
-                          <a:rPr lang="fr-FR" sz="1400" i="1" smtClean="0">
-                            <a:latin typeface="Cambria Math" panose="02040503050406030204" pitchFamily="18" charset="0"/>
-                          </a:rPr>
-                        </m:ctrlPr>
-                      </m:dPr>
-                      <m:e>
-                        <m:r>
-                          <a:rPr lang="fr-FR" sz="1400" b="0" i="1" smtClean="0">
-                            <a:latin typeface="Cambria Math" panose="02040503050406030204" pitchFamily="18" charset="0"/>
-                          </a:rPr>
-                          <m:t>𝑋</m:t>
-                        </m:r>
-                        <m:r>
-                          <a:rPr lang="fr-FR" sz="1400" b="0" i="1" smtClean="0">
-                            <a:latin typeface="Cambria Math" panose="02040503050406030204" pitchFamily="18" charset="0"/>
-                          </a:rPr>
-                          <m:t>,</m:t>
-                        </m:r>
-                        <m:acc>
-                          <m:accPr>
-                            <m:chr m:val="⃗"/>
-                            <m:ctrlPr>
-                              <a:rPr lang="fr-FR" sz="1400" b="0" i="1" smtClean="0">
-                                <a:latin typeface="Cambria Math" panose="02040503050406030204" pitchFamily="18" charset="0"/>
-                              </a:rPr>
-                            </m:ctrlPr>
-                          </m:accPr>
-                          <m:e>
-                            <m:sSub>
-                              <m:sSubPr>
-                                <m:ctrlPr>
-                                  <a:rPr lang="fr-FR" sz="1400" i="1">
-                                    <a:latin typeface="Cambria Math" panose="02040503050406030204" pitchFamily="18" charset="0"/>
-                                  </a:rPr>
-                                </m:ctrlPr>
-                              </m:sSubPr>
-                              <m:e>
-                                <m:r>
-                                  <a:rPr lang="fr-FR" sz="1400" i="1">
-                                    <a:latin typeface="Cambria Math" panose="02040503050406030204" pitchFamily="18" charset="0"/>
-                                  </a:rPr>
-                                  <m:t>𝑥</m:t>
-                                </m:r>
-                              </m:e>
-                              <m:sub>
-                                <m:r>
-                                  <a:rPr lang="fr-FR" sz="1400" i="1">
-                                    <a:latin typeface="Cambria Math" panose="02040503050406030204" pitchFamily="18" charset="0"/>
-                                  </a:rPr>
-                                  <m:t>𝐿</m:t>
-                                </m:r>
-                              </m:sub>
-                            </m:sSub>
-                          </m:e>
-                        </m:acc>
-                      </m:e>
-                    </m:d>
-                  </m:oMath>
-                </a14:m>
-                <a:r>
-                  <a:rPr lang="fr-FR" sz="1400" dirty="0"/>
-                  <a:t> </a:t>
-                </a:r>
-              </a:p>
-            </p:txBody>
-          </p:sp>
-        </mc:Choice>
-        <mc:Fallback xmlns="">
-          <p:sp>
-            <p:nvSpPr>
-              <p:cNvPr id="81" name="ZoneTexte 80">
-                <a:extLst>
-                  <a:ext uri="{FF2B5EF4-FFF2-40B4-BE49-F238E27FC236}">
-                    <a16:creationId xmlns:a16="http://schemas.microsoft.com/office/drawing/2014/main" id="{893797E9-5A4F-424F-AB89-FAB124E12684}"/>
-                  </a:ext>
-                </a:extLst>
-              </p:cNvPr>
-              <p:cNvSpPr txBox="1">
-                <a:spLocks noRot="1" noChangeAspect="1" noMove="1" noResize="1" noEditPoints="1" noAdjustHandles="1" noChangeArrowheads="1" noChangeShapeType="1" noTextEdit="1"/>
-              </p:cNvSpPr>
-              <p:nvPr/>
-            </p:nvSpPr>
-            <p:spPr>
-              <a:xfrm rot="16200000">
-                <a:off x="4810246" y="2740724"/>
-                <a:ext cx="1100256" cy="307777"/>
-              </a:xfrm>
-              <a:prstGeom prst="rect">
-                <a:avLst/>
-              </a:prstGeom>
-              <a:blipFill>
-                <a:blip r:embed="rId2"/>
-                <a:stretch>
-                  <a:fillRect l="-3922" r="-19608" b="-1667"/>
-                </a:stretch>
-              </a:blipFill>
-            </p:spPr>
-            <p:txBody>
-              <a:bodyPr/>
-              <a:lstStyle/>
-              <a:p>
-                <a:r>
-                  <a:rPr lang="fr-FR">
-                    <a:noFill/>
-                  </a:rPr>
-                  <a:t> </a:t>
-                </a:r>
-              </a:p>
-            </p:txBody>
-          </p:sp>
-        </mc:Fallback>
-      </mc:AlternateContent>
-      <mc:AlternateContent xmlns:mc="http://schemas.openxmlformats.org/markup-compatibility/2006" xmlns:a14="http://schemas.microsoft.com/office/drawing/2010/main">
-        <mc:Choice Requires="a14">
-          <p:sp>
-            <p:nvSpPr>
-              <p:cNvPr id="82" name="ZoneTexte 81">
-                <a:extLst>
-                  <a:ext uri="{FF2B5EF4-FFF2-40B4-BE49-F238E27FC236}">
-                    <a16:creationId xmlns:a16="http://schemas.microsoft.com/office/drawing/2014/main" id="{3F7B2865-D9E5-4F1E-9EC0-5ECA3A2DE312}"/>
-                  </a:ext>
-                </a:extLst>
-              </p:cNvPr>
-              <p:cNvSpPr txBox="1"/>
-              <p:nvPr/>
-            </p:nvSpPr>
-            <p:spPr>
-              <a:xfrm rot="16200000">
-                <a:off x="6286423" y="2755237"/>
-                <a:ext cx="1100256" cy="307777"/>
-              </a:xfrm>
-              <a:prstGeom prst="rect">
-                <a:avLst/>
-              </a:prstGeom>
-              <a:noFill/>
-            </p:spPr>
-            <p:txBody>
-              <a:bodyPr wrap="square" rtlCol="0">
-                <a:spAutoFit/>
-              </a:bodyPr>
-              <a:lstStyle/>
-              <a:p>
-                <a:r>
-                  <a:rPr lang="fr-FR" sz="1400" dirty="0"/>
-                  <a:t>Pivot </a:t>
-                </a:r>
-                <a14:m>
-                  <m:oMath xmlns:m="http://schemas.openxmlformats.org/officeDocument/2006/math">
-                    <m:d>
-                      <m:dPr>
-                        <m:ctrlPr>
-                          <a:rPr lang="fr-FR" sz="1400" i="1" smtClean="0">
-                            <a:latin typeface="Cambria Math" panose="02040503050406030204" pitchFamily="18" charset="0"/>
-                          </a:rPr>
-                        </m:ctrlPr>
-                      </m:dPr>
-                      <m:e>
-                        <m:r>
-                          <a:rPr lang="fr-FR" sz="1400" b="0" i="1" smtClean="0">
-                            <a:latin typeface="Cambria Math" panose="02040503050406030204" pitchFamily="18" charset="0"/>
-                          </a:rPr>
-                          <m:t>𝑋</m:t>
-                        </m:r>
-                        <m:r>
-                          <a:rPr lang="fr-FR" sz="1400" b="0" i="1" smtClean="0">
-                            <a:latin typeface="Cambria Math" panose="02040503050406030204" pitchFamily="18" charset="0"/>
-                          </a:rPr>
-                          <m:t>,</m:t>
-                        </m:r>
-                        <m:acc>
-                          <m:accPr>
-                            <m:chr m:val="⃗"/>
-                            <m:ctrlPr>
-                              <a:rPr lang="fr-FR" sz="1400" b="0" i="1" smtClean="0">
-                                <a:latin typeface="Cambria Math" panose="02040503050406030204" pitchFamily="18" charset="0"/>
-                              </a:rPr>
-                            </m:ctrlPr>
-                          </m:accPr>
-                          <m:e>
-                            <m:sSub>
-                              <m:sSubPr>
-                                <m:ctrlPr>
-                                  <a:rPr lang="fr-FR" sz="1400" i="1">
-                                    <a:latin typeface="Cambria Math" panose="02040503050406030204" pitchFamily="18" charset="0"/>
-                                  </a:rPr>
-                                </m:ctrlPr>
-                              </m:sSubPr>
-                              <m:e>
-                                <m:r>
-                                  <a:rPr lang="fr-FR" sz="1400" i="1">
-                                    <a:latin typeface="Cambria Math" panose="02040503050406030204" pitchFamily="18" charset="0"/>
-                                  </a:rPr>
-                                  <m:t>𝑥</m:t>
-                                </m:r>
-                              </m:e>
-                              <m:sub>
-                                <m:r>
-                                  <a:rPr lang="fr-FR" sz="1400" i="1">
-                                    <a:latin typeface="Cambria Math" panose="02040503050406030204" pitchFamily="18" charset="0"/>
-                                  </a:rPr>
-                                  <m:t>𝐿</m:t>
-                                </m:r>
-                              </m:sub>
-                            </m:sSub>
-                          </m:e>
-                        </m:acc>
-                      </m:e>
-                    </m:d>
-                  </m:oMath>
-                </a14:m>
-                <a:r>
-                  <a:rPr lang="fr-FR" sz="1400" dirty="0"/>
-                  <a:t> </a:t>
-                </a:r>
-              </a:p>
-            </p:txBody>
-          </p:sp>
-        </mc:Choice>
-        <mc:Fallback xmlns="">
-          <p:sp>
-            <p:nvSpPr>
-              <p:cNvPr id="82" name="ZoneTexte 81">
-                <a:extLst>
-                  <a:ext uri="{FF2B5EF4-FFF2-40B4-BE49-F238E27FC236}">
-                    <a16:creationId xmlns:a16="http://schemas.microsoft.com/office/drawing/2014/main" id="{3F7B2865-D9E5-4F1E-9EC0-5ECA3A2DE312}"/>
-                  </a:ext>
-                </a:extLst>
-              </p:cNvPr>
-              <p:cNvSpPr txBox="1">
-                <a:spLocks noRot="1" noChangeAspect="1" noMove="1" noResize="1" noEditPoints="1" noAdjustHandles="1" noChangeArrowheads="1" noChangeShapeType="1" noTextEdit="1"/>
-              </p:cNvSpPr>
-              <p:nvPr/>
-            </p:nvSpPr>
-            <p:spPr>
-              <a:xfrm rot="16200000">
-                <a:off x="6286423" y="2755237"/>
-                <a:ext cx="1100256" cy="307777"/>
-              </a:xfrm>
-              <a:prstGeom prst="rect">
-                <a:avLst/>
-              </a:prstGeom>
-              <a:blipFill>
-                <a:blip r:embed="rId3"/>
-                <a:stretch>
-                  <a:fillRect l="-3922" r="-19608" b="-1667"/>
-                </a:stretch>
-              </a:blipFill>
-            </p:spPr>
-            <p:txBody>
-              <a:bodyPr/>
-              <a:lstStyle/>
-              <a:p>
-                <a:r>
-                  <a:rPr lang="fr-FR">
-                    <a:noFill/>
-                  </a:rPr>
-                  <a:t> </a:t>
-                </a:r>
-              </a:p>
-            </p:txBody>
-          </p:sp>
-        </mc:Fallback>
-      </mc:AlternateContent>
-      <mc:AlternateContent xmlns:mc="http://schemas.openxmlformats.org/markup-compatibility/2006" xmlns:a14="http://schemas.microsoft.com/office/drawing/2010/main">
-        <mc:Choice Requires="a14">
-          <p:sp>
-            <p:nvSpPr>
-              <p:cNvPr id="84" name="ZoneTexte 83">
-                <a:extLst>
-                  <a:ext uri="{FF2B5EF4-FFF2-40B4-BE49-F238E27FC236}">
-                    <a16:creationId xmlns:a16="http://schemas.microsoft.com/office/drawing/2014/main" id="{CF908C2F-91CA-4F96-B709-DBCDD64A6740}"/>
-                  </a:ext>
-                </a:extLst>
-              </p:cNvPr>
-              <p:cNvSpPr txBox="1"/>
-              <p:nvPr/>
-            </p:nvSpPr>
-            <p:spPr>
-              <a:xfrm rot="16200000">
-                <a:off x="3904607" y="2629000"/>
-                <a:ext cx="1306568" cy="307777"/>
-              </a:xfrm>
-              <a:prstGeom prst="rect">
-                <a:avLst/>
-              </a:prstGeom>
-              <a:noFill/>
-            </p:spPr>
-            <p:txBody>
-              <a:bodyPr wrap="square" rtlCol="0">
-                <a:spAutoFit/>
-              </a:bodyPr>
-              <a:lstStyle/>
-              <a:p>
-                <a:r>
-                  <a:rPr lang="fr-FR" sz="1400" dirty="0"/>
-                  <a:t>Pivot </a:t>
-                </a:r>
-                <a14:m>
-                  <m:oMath xmlns:m="http://schemas.openxmlformats.org/officeDocument/2006/math">
-                    <m:d>
-                      <m:dPr>
-                        <m:ctrlPr>
-                          <a:rPr lang="fr-FR" sz="1400" i="1" smtClean="0">
-                            <a:latin typeface="Cambria Math" panose="02040503050406030204" pitchFamily="18" charset="0"/>
-                          </a:rPr>
-                        </m:ctrlPr>
-                      </m:dPr>
-                      <m:e>
-                        <m:r>
-                          <a:rPr lang="fr-FR" sz="1400" b="0" i="1" smtClean="0">
-                            <a:latin typeface="Cambria Math" panose="02040503050406030204" pitchFamily="18" charset="0"/>
-                          </a:rPr>
-                          <m:t>𝑊</m:t>
-                        </m:r>
-                        <m:r>
-                          <a:rPr lang="fr-FR" sz="1400" b="0" i="1" smtClean="0">
-                            <a:latin typeface="Cambria Math" panose="02040503050406030204" pitchFamily="18" charset="0"/>
-                          </a:rPr>
-                          <m:t>′,</m:t>
-                        </m:r>
-                        <m:acc>
-                          <m:accPr>
-                            <m:chr m:val="⃗"/>
-                            <m:ctrlPr>
-                              <a:rPr lang="fr-FR" sz="1400" b="0" i="1" smtClean="0">
-                                <a:latin typeface="Cambria Math" panose="02040503050406030204" pitchFamily="18" charset="0"/>
-                              </a:rPr>
-                            </m:ctrlPr>
-                          </m:accPr>
-                          <m:e>
-                            <m:sSub>
-                              <m:sSubPr>
-                                <m:ctrlPr>
-                                  <a:rPr lang="fr-FR" sz="1400" i="1">
-                                    <a:latin typeface="Cambria Math" panose="02040503050406030204" pitchFamily="18" charset="0"/>
-                                  </a:rPr>
-                                </m:ctrlPr>
-                              </m:sSubPr>
-                              <m:e>
-                                <m:r>
-                                  <a:rPr lang="fr-FR" sz="1400" b="0" i="1" smtClean="0">
-                                    <a:latin typeface="Cambria Math" panose="02040503050406030204" pitchFamily="18" charset="0"/>
-                                  </a:rPr>
-                                  <m:t>𝑦</m:t>
-                                </m:r>
-                              </m:e>
-                              <m:sub>
-                                <m:r>
-                                  <a:rPr lang="fr-FR" sz="1400" b="0" i="1" smtClean="0">
-                                    <a:latin typeface="Cambria Math" panose="02040503050406030204" pitchFamily="18" charset="0"/>
-                                  </a:rPr>
-                                  <m:t>2</m:t>
-                                </m:r>
-                              </m:sub>
-                            </m:sSub>
-                          </m:e>
-                        </m:acc>
-                      </m:e>
-                    </m:d>
-                  </m:oMath>
-                </a14:m>
-                <a:r>
-                  <a:rPr lang="fr-FR" sz="1400" dirty="0"/>
-                  <a:t> </a:t>
-                </a:r>
-              </a:p>
-            </p:txBody>
-          </p:sp>
-        </mc:Choice>
-        <mc:Fallback xmlns="">
-          <p:sp>
-            <p:nvSpPr>
-              <p:cNvPr id="84" name="ZoneTexte 83">
-                <a:extLst>
-                  <a:ext uri="{FF2B5EF4-FFF2-40B4-BE49-F238E27FC236}">
-                    <a16:creationId xmlns:a16="http://schemas.microsoft.com/office/drawing/2014/main" id="{CF908C2F-91CA-4F96-B709-DBCDD64A6740}"/>
-                  </a:ext>
-                </a:extLst>
-              </p:cNvPr>
-              <p:cNvSpPr txBox="1">
-                <a:spLocks noRot="1" noChangeAspect="1" noMove="1" noResize="1" noEditPoints="1" noAdjustHandles="1" noChangeArrowheads="1" noChangeShapeType="1" noTextEdit="1"/>
-              </p:cNvSpPr>
-              <p:nvPr/>
-            </p:nvSpPr>
-            <p:spPr>
-              <a:xfrm rot="16200000">
-                <a:off x="3904607" y="2629000"/>
-                <a:ext cx="1306568" cy="307777"/>
-              </a:xfrm>
-              <a:prstGeom prst="rect">
-                <a:avLst/>
-              </a:prstGeom>
-              <a:blipFill>
-                <a:blip r:embed="rId4"/>
-                <a:stretch>
-                  <a:fillRect l="-1961" r="-19608" b="-1395"/>
-                </a:stretch>
-              </a:blipFill>
-            </p:spPr>
-            <p:txBody>
-              <a:bodyPr/>
-              <a:lstStyle/>
-              <a:p>
-                <a:r>
-                  <a:rPr lang="fr-FR">
-                    <a:noFill/>
-                  </a:rPr>
-                  <a:t> </a:t>
-                </a:r>
-              </a:p>
-            </p:txBody>
-          </p:sp>
-        </mc:Fallback>
-      </mc:AlternateContent>
-      <mc:AlternateContent xmlns:mc="http://schemas.openxmlformats.org/markup-compatibility/2006" xmlns:a14="http://schemas.microsoft.com/office/drawing/2010/main">
-        <mc:Choice Requires="a14">
-          <p:sp>
-            <p:nvSpPr>
-              <p:cNvPr id="85" name="ZoneTexte 84">
-                <a:extLst>
-                  <a:ext uri="{FF2B5EF4-FFF2-40B4-BE49-F238E27FC236}">
-                    <a16:creationId xmlns:a16="http://schemas.microsoft.com/office/drawing/2014/main" id="{5B70E326-0FD9-4DA6-9E91-FDF26FB1E2FB}"/>
-                  </a:ext>
-                </a:extLst>
-              </p:cNvPr>
-              <p:cNvSpPr txBox="1"/>
-              <p:nvPr/>
-            </p:nvSpPr>
-            <p:spPr>
-              <a:xfrm rot="16200000">
-                <a:off x="7004172" y="2658340"/>
-                <a:ext cx="1306568" cy="307777"/>
-              </a:xfrm>
-              <a:prstGeom prst="rect">
-                <a:avLst/>
-              </a:prstGeom>
-              <a:noFill/>
-            </p:spPr>
-            <p:txBody>
-              <a:bodyPr wrap="square" rtlCol="0">
-                <a:spAutoFit/>
-              </a:bodyPr>
-              <a:lstStyle/>
-              <a:p>
-                <a:r>
-                  <a:rPr lang="fr-FR" sz="1400" dirty="0"/>
-                  <a:t>Pivot </a:t>
-                </a:r>
-                <a14:m>
-                  <m:oMath xmlns:m="http://schemas.openxmlformats.org/officeDocument/2006/math">
-                    <m:d>
-                      <m:dPr>
-                        <m:ctrlPr>
-                          <a:rPr lang="fr-FR" sz="1400" i="1" smtClean="0">
-                            <a:latin typeface="Cambria Math" panose="02040503050406030204" pitchFamily="18" charset="0"/>
-                          </a:rPr>
-                        </m:ctrlPr>
-                      </m:dPr>
-                      <m:e>
-                        <m:r>
-                          <a:rPr lang="fr-FR" sz="1400" b="0" i="1" smtClean="0">
-                            <a:latin typeface="Cambria Math" panose="02040503050406030204" pitchFamily="18" charset="0"/>
-                          </a:rPr>
-                          <m:t>𝑊</m:t>
-                        </m:r>
-                        <m:r>
-                          <a:rPr lang="fr-FR" sz="1400" b="0" i="1" smtClean="0">
-                            <a:latin typeface="Cambria Math" panose="02040503050406030204" pitchFamily="18" charset="0"/>
-                          </a:rPr>
-                          <m:t>,</m:t>
-                        </m:r>
-                        <m:acc>
-                          <m:accPr>
-                            <m:chr m:val="⃗"/>
-                            <m:ctrlPr>
-                              <a:rPr lang="fr-FR" sz="1400" b="0" i="1" smtClean="0">
-                                <a:latin typeface="Cambria Math" panose="02040503050406030204" pitchFamily="18" charset="0"/>
-                              </a:rPr>
-                            </m:ctrlPr>
-                          </m:accPr>
-                          <m:e>
-                            <m:sSub>
-                              <m:sSubPr>
-                                <m:ctrlPr>
-                                  <a:rPr lang="fr-FR" sz="1400" i="1">
-                                    <a:latin typeface="Cambria Math" panose="02040503050406030204" pitchFamily="18" charset="0"/>
-                                  </a:rPr>
-                                </m:ctrlPr>
-                              </m:sSubPr>
-                              <m:e>
-                                <m:r>
-                                  <a:rPr lang="fr-FR" sz="1400" b="0" i="1" smtClean="0">
-                                    <a:latin typeface="Cambria Math" panose="02040503050406030204" pitchFamily="18" charset="0"/>
-                                  </a:rPr>
-                                  <m:t>𝑦</m:t>
-                                </m:r>
-                              </m:e>
-                              <m:sub>
-                                <m:r>
-                                  <a:rPr lang="fr-FR" sz="1400" b="0" i="1" smtClean="0">
-                                    <a:latin typeface="Cambria Math" panose="02040503050406030204" pitchFamily="18" charset="0"/>
-                                  </a:rPr>
-                                  <m:t>3</m:t>
-                                </m:r>
-                              </m:sub>
-                            </m:sSub>
-                          </m:e>
-                        </m:acc>
-                      </m:e>
-                    </m:d>
-                  </m:oMath>
-                </a14:m>
-                <a:r>
-                  <a:rPr lang="fr-FR" sz="1400" dirty="0"/>
-                  <a:t> </a:t>
-                </a:r>
-              </a:p>
-            </p:txBody>
-          </p:sp>
-        </mc:Choice>
-        <mc:Fallback xmlns="">
-          <p:sp>
-            <p:nvSpPr>
-              <p:cNvPr id="85" name="ZoneTexte 84">
-                <a:extLst>
-                  <a:ext uri="{FF2B5EF4-FFF2-40B4-BE49-F238E27FC236}">
-                    <a16:creationId xmlns:a16="http://schemas.microsoft.com/office/drawing/2014/main" id="{5B70E326-0FD9-4DA6-9E91-FDF26FB1E2FB}"/>
-                  </a:ext>
-                </a:extLst>
-              </p:cNvPr>
-              <p:cNvSpPr txBox="1">
-                <a:spLocks noRot="1" noChangeAspect="1" noMove="1" noResize="1" noEditPoints="1" noAdjustHandles="1" noChangeArrowheads="1" noChangeShapeType="1" noTextEdit="1"/>
-              </p:cNvSpPr>
-              <p:nvPr/>
-            </p:nvSpPr>
-            <p:spPr>
-              <a:xfrm rot="16200000">
-                <a:off x="7004172" y="2658340"/>
-                <a:ext cx="1306568" cy="307777"/>
-              </a:xfrm>
-              <a:prstGeom prst="rect">
-                <a:avLst/>
-              </a:prstGeom>
-              <a:blipFill>
-                <a:blip r:embed="rId5"/>
-                <a:stretch>
-                  <a:fillRect l="-4000" r="-20000" b="-1402"/>
-                </a:stretch>
-              </a:blipFill>
-            </p:spPr>
-            <p:txBody>
-              <a:bodyPr/>
-              <a:lstStyle/>
-              <a:p>
-                <a:r>
-                  <a:rPr lang="fr-FR">
-                    <a:noFill/>
-                  </a:rPr>
-                  <a:t> </a:t>
-                </a:r>
-              </a:p>
-            </p:txBody>
-          </p:sp>
-        </mc:Fallback>
-      </mc:AlternateContent>
-      <p:sp>
-        <p:nvSpPr>
-          <p:cNvPr id="86" name="ZoneTexte 85">
-            <a:extLst>
-              <a:ext uri="{FF2B5EF4-FFF2-40B4-BE49-F238E27FC236}">
-                <a16:creationId xmlns:a16="http://schemas.microsoft.com/office/drawing/2014/main" id="{5056E181-2794-408A-809A-16EE080047BC}"/>
-              </a:ext>
-            </a:extLst>
-          </p:cNvPr>
-          <p:cNvSpPr txBox="1"/>
-          <p:nvPr/>
-        </p:nvSpPr>
-        <p:spPr>
-          <a:xfrm rot="16200000">
-            <a:off x="4187234" y="3682784"/>
-            <a:ext cx="744293" cy="307777"/>
-          </a:xfrm>
-          <a:prstGeom prst="rect">
-            <a:avLst/>
-          </a:prstGeom>
-          <a:noFill/>
-        </p:spPr>
-        <p:txBody>
-          <a:bodyPr wrap="square" rtlCol="0">
-            <a:spAutoFit/>
-          </a:bodyPr>
-          <a:lstStyle/>
-          <a:p>
-            <a:pPr algn="r"/>
-            <a:r>
-              <a:rPr lang="fr-FR" sz="1400" i="1" dirty="0">
-                <a:solidFill>
-                  <a:schemeClr val="tx1">
-                    <a:lumMod val="65000"/>
-                    <a:lumOff val="35000"/>
-                  </a:schemeClr>
-                </a:solidFill>
-              </a:rPr>
-              <a:t>Roulis</a:t>
-            </a:r>
-          </a:p>
-        </p:txBody>
-      </p:sp>
-      <p:sp>
-        <p:nvSpPr>
-          <p:cNvPr id="87" name="ZoneTexte 86">
-            <a:extLst>
-              <a:ext uri="{FF2B5EF4-FFF2-40B4-BE49-F238E27FC236}">
-                <a16:creationId xmlns:a16="http://schemas.microsoft.com/office/drawing/2014/main" id="{94C412A1-CBA3-48A9-B609-BE12F076EEEB}"/>
-              </a:ext>
-            </a:extLst>
-          </p:cNvPr>
-          <p:cNvSpPr txBox="1"/>
-          <p:nvPr/>
-        </p:nvSpPr>
-        <p:spPr>
-          <a:xfrm rot="16200000">
-            <a:off x="7259421" y="3672877"/>
-            <a:ext cx="744293" cy="307777"/>
-          </a:xfrm>
-          <a:prstGeom prst="rect">
-            <a:avLst/>
-          </a:prstGeom>
-          <a:noFill/>
-        </p:spPr>
-        <p:txBody>
-          <a:bodyPr wrap="square" rtlCol="0">
-            <a:spAutoFit/>
-          </a:bodyPr>
-          <a:lstStyle/>
-          <a:p>
-            <a:pPr algn="r"/>
-            <a:r>
-              <a:rPr lang="fr-FR" sz="1400" i="1" dirty="0">
-                <a:solidFill>
-                  <a:schemeClr val="tx1">
-                    <a:lumMod val="65000"/>
-                    <a:lumOff val="35000"/>
-                  </a:schemeClr>
-                </a:solidFill>
-              </a:rPr>
-              <a:t>Roulis</a:t>
-            </a:r>
-          </a:p>
-        </p:txBody>
-      </p:sp>
-      <p:sp>
-        <p:nvSpPr>
-          <p:cNvPr id="88" name="ZoneTexte 87">
-            <a:extLst>
-              <a:ext uri="{FF2B5EF4-FFF2-40B4-BE49-F238E27FC236}">
-                <a16:creationId xmlns:a16="http://schemas.microsoft.com/office/drawing/2014/main" id="{84C39C9F-14E4-4F38-AB75-C1C4E4B30965}"/>
-              </a:ext>
-            </a:extLst>
-          </p:cNvPr>
-          <p:cNvSpPr txBox="1"/>
-          <p:nvPr/>
-        </p:nvSpPr>
-        <p:spPr>
-          <a:xfrm rot="16200000">
-            <a:off x="4864224" y="3783022"/>
-            <a:ext cx="977186" cy="307777"/>
-          </a:xfrm>
-          <a:prstGeom prst="rect">
-            <a:avLst/>
-          </a:prstGeom>
-          <a:noFill/>
-        </p:spPr>
-        <p:txBody>
-          <a:bodyPr wrap="square" rtlCol="0">
-            <a:spAutoFit/>
-          </a:bodyPr>
-          <a:lstStyle/>
-          <a:p>
-            <a:pPr algn="r"/>
-            <a:r>
-              <a:rPr lang="fr-FR" sz="1400" i="1" dirty="0">
-                <a:solidFill>
-                  <a:schemeClr val="tx1">
-                    <a:lumMod val="65000"/>
-                    <a:lumOff val="35000"/>
-                  </a:schemeClr>
-                </a:solidFill>
-              </a:rPr>
-              <a:t>Tangage</a:t>
-            </a:r>
-          </a:p>
-        </p:txBody>
-      </p:sp>
-      <p:sp>
-        <p:nvSpPr>
-          <p:cNvPr id="89" name="ZoneTexte 88">
-            <a:extLst>
-              <a:ext uri="{FF2B5EF4-FFF2-40B4-BE49-F238E27FC236}">
-                <a16:creationId xmlns:a16="http://schemas.microsoft.com/office/drawing/2014/main" id="{06FB9CB1-CFB8-4C96-B73C-D9AA7BC2D2FC}"/>
-              </a:ext>
-            </a:extLst>
-          </p:cNvPr>
-          <p:cNvSpPr txBox="1"/>
-          <p:nvPr/>
-        </p:nvSpPr>
-        <p:spPr>
-          <a:xfrm rot="16200000">
-            <a:off x="6353257" y="3776610"/>
-            <a:ext cx="977186" cy="307777"/>
-          </a:xfrm>
-          <a:prstGeom prst="rect">
-            <a:avLst/>
-          </a:prstGeom>
-          <a:noFill/>
-        </p:spPr>
-        <p:txBody>
-          <a:bodyPr wrap="square" rtlCol="0">
-            <a:spAutoFit/>
-          </a:bodyPr>
-          <a:lstStyle/>
-          <a:p>
-            <a:pPr algn="r"/>
-            <a:r>
-              <a:rPr lang="fr-FR" sz="1400" i="1" dirty="0">
-                <a:solidFill>
-                  <a:schemeClr val="tx1">
-                    <a:lumMod val="65000"/>
-                    <a:lumOff val="35000"/>
-                  </a:schemeClr>
-                </a:solidFill>
-              </a:rPr>
-              <a:t>Tangage</a:t>
-            </a:r>
-          </a:p>
-        </p:txBody>
-      </p:sp>
-      <p:sp>
-        <p:nvSpPr>
-          <p:cNvPr id="90" name="Signe de multiplication 89">
-            <a:extLst>
-              <a:ext uri="{FF2B5EF4-FFF2-40B4-BE49-F238E27FC236}">
-                <a16:creationId xmlns:a16="http://schemas.microsoft.com/office/drawing/2014/main" id="{14A400B5-BCA7-4F7F-8773-FDA8A9DA4DF6}"/>
-              </a:ext>
-            </a:extLst>
-          </p:cNvPr>
-          <p:cNvSpPr/>
-          <p:nvPr/>
-        </p:nvSpPr>
-        <p:spPr>
-          <a:xfrm>
-            <a:off x="7521840" y="3339431"/>
-            <a:ext cx="219456" cy="219456"/>
-          </a:xfrm>
-          <a:prstGeom prst="mathMultiply">
-            <a:avLst/>
-          </a:prstGeom>
-        </p:spPr>
-        <p:style>
-          <a:lnRef idx="2">
-            <a:schemeClr val="dk1">
-              <a:shade val="50000"/>
-            </a:schemeClr>
-          </a:lnRef>
-          <a:fillRef idx="1">
-            <a:schemeClr val="dk1"/>
-          </a:fillRef>
-          <a:effectRef idx="0">
-            <a:schemeClr val="dk1"/>
-          </a:effectRef>
-          <a:fontRef idx="minor">
-            <a:schemeClr val="lt1"/>
-          </a:fontRef>
-        </p:style>
-        <p:txBody>
-          <a:bodyPr rtlCol="0" anchor="ctr"/>
-          <a:lstStyle/>
-          <a:p>
-            <a:pPr algn="ctr"/>
-            <a:endParaRPr lang="fr-FR"/>
-          </a:p>
-        </p:txBody>
-      </p:sp>
-      <p:sp>
-        <p:nvSpPr>
-          <p:cNvPr id="91" name="Signe de multiplication 90">
-            <a:extLst>
-              <a:ext uri="{FF2B5EF4-FFF2-40B4-BE49-F238E27FC236}">
-                <a16:creationId xmlns:a16="http://schemas.microsoft.com/office/drawing/2014/main" id="{FAF6EDE7-D3CE-4045-B92B-7299AED75CB6}"/>
-              </a:ext>
-            </a:extLst>
-          </p:cNvPr>
-          <p:cNvSpPr/>
-          <p:nvPr/>
-        </p:nvSpPr>
-        <p:spPr>
-          <a:xfrm>
-            <a:off x="4450011" y="3338209"/>
-            <a:ext cx="219456" cy="219456"/>
-          </a:xfrm>
-          <a:prstGeom prst="mathMultiply">
-            <a:avLst/>
-          </a:prstGeom>
-        </p:spPr>
-        <p:style>
-          <a:lnRef idx="2">
-            <a:schemeClr val="dk1">
-              <a:shade val="50000"/>
-            </a:schemeClr>
-          </a:lnRef>
-          <a:fillRef idx="1">
-            <a:schemeClr val="dk1"/>
-          </a:fillRef>
-          <a:effectRef idx="0">
-            <a:schemeClr val="dk1"/>
-          </a:effectRef>
-          <a:fontRef idx="minor">
-            <a:schemeClr val="lt1"/>
-          </a:fontRef>
-        </p:style>
-        <p:txBody>
-          <a:bodyPr rtlCol="0" anchor="ctr"/>
-          <a:lstStyle/>
-          <a:p>
-            <a:pPr algn="ctr"/>
-            <a:endParaRPr lang="fr-FR"/>
-          </a:p>
-        </p:txBody>
-      </p:sp>
-      <p:grpSp>
-        <p:nvGrpSpPr>
-          <p:cNvPr id="99" name="Groupe 98">
-            <a:extLst>
-              <a:ext uri="{FF2B5EF4-FFF2-40B4-BE49-F238E27FC236}">
-                <a16:creationId xmlns:a16="http://schemas.microsoft.com/office/drawing/2014/main" id="{22332B9A-F340-4733-B141-55FCF94630E8}"/>
-              </a:ext>
-            </a:extLst>
-          </p:cNvPr>
-          <p:cNvGrpSpPr/>
-          <p:nvPr/>
-        </p:nvGrpSpPr>
-        <p:grpSpPr>
-          <a:xfrm>
-            <a:off x="5421169" y="2492482"/>
-            <a:ext cx="891850" cy="773075"/>
-            <a:chOff x="3146235" y="2488471"/>
-            <a:chExt cx="891850" cy="773075"/>
-          </a:xfrm>
-        </p:grpSpPr>
         <p:sp>
           <p:nvSpPr>
-            <p:cNvPr id="100" name="Arc 99">
+            <p:cNvPr id="79" name="Ellipse 78">
               <a:extLst>
                 <a:ext uri="{FF2B5EF4-FFF2-40B4-BE49-F238E27FC236}">
-                  <a16:creationId xmlns:a16="http://schemas.microsoft.com/office/drawing/2014/main" id="{0E145CE6-455B-425E-890A-108616ECCDD8}"/>
+                  <a16:creationId xmlns:a16="http://schemas.microsoft.com/office/drawing/2014/main" id="{084B1B8B-194B-4D5C-A2C2-4EA06FCFFFC7}"/>
                 </a:ext>
               </a:extLst>
             </p:cNvPr>
@@ -5614,35 +4624,35 @@
           </p:nvSpPr>
           <p:spPr>
             <a:xfrm>
-              <a:off x="3490003" y="2488471"/>
-              <a:ext cx="548082" cy="773075"/>
+              <a:off x="6966727" y="3174741"/>
+              <a:ext cx="540000" cy="540000"/>
             </a:xfrm>
-            <a:prstGeom prst="arc">
-              <a:avLst>
-                <a:gd name="adj1" fmla="val 8878388"/>
-                <a:gd name="adj2" fmla="val 14492985"/>
-              </a:avLst>
+            <a:prstGeom prst="ellipse">
+              <a:avLst/>
             </a:prstGeom>
+            <a:solidFill>
+              <a:schemeClr val="bg1"/>
+            </a:solidFill>
             <a:ln w="28575">
               <a:solidFill>
-                <a:srgbClr val="C00000"/>
+                <a:srgbClr val="7030A0"/>
               </a:solidFill>
-              <a:headEnd type="none" w="sm" len="lg"/>
-              <a:tailEnd type="stealth" w="sm" len="lg"/>
             </a:ln>
           </p:spPr>
           <p:style>
-            <a:lnRef idx="1">
-              <a:schemeClr val="accent1"/>
+            <a:lnRef idx="2">
+              <a:schemeClr val="accent1">
+                <a:shade val="50000"/>
+              </a:schemeClr>
             </a:lnRef>
-            <a:fillRef idx="0">
+            <a:fillRef idx="1">
               <a:schemeClr val="accent1"/>
             </a:fillRef>
             <a:effectRef idx="0">
               <a:schemeClr val="accent1"/>
             </a:effectRef>
             <a:fontRef idx="minor">
-              <a:schemeClr val="tx1"/>
+              <a:schemeClr val="lt1"/>
             </a:fontRef>
           </p:style>
           <p:txBody>
@@ -5650,18 +4660,86 @@
             <a:lstStyle/>
             <a:p>
               <a:pPr algn="ctr"/>
-              <a:endParaRPr lang="fr-FR"/>
+              <a:r>
+                <a:rPr lang="fr-FR" b="1" dirty="0">
+                  <a:solidFill>
+                    <a:schemeClr val="tx1"/>
+                  </a:solidFill>
+                </a:rPr>
+                <a:t>4</a:t>
+              </a:r>
             </a:p>
           </p:txBody>
         </p:sp>
-        <mc:AlternateContent xmlns:mc="http://schemas.openxmlformats.org/markup-compatibility/2006" xmlns:a14="http://schemas.microsoft.com/office/drawing/2010/main">
-          <mc:Choice Requires="a14">
+        <p:sp>
+          <p:nvSpPr>
+            <p:cNvPr id="80" name="Ellipse 79">
+              <a:extLst>
+                <a:ext uri="{FF2B5EF4-FFF2-40B4-BE49-F238E27FC236}">
+                  <a16:creationId xmlns:a16="http://schemas.microsoft.com/office/drawing/2014/main" id="{5F13654B-F966-466A-A1ED-E02B7D85DB1E}"/>
+                </a:ext>
+              </a:extLst>
+            </p:cNvPr>
+            <p:cNvSpPr/>
+            <p:nvPr/>
+          </p:nvSpPr>
+          <p:spPr>
+            <a:xfrm>
+              <a:off x="4685272" y="3174741"/>
+              <a:ext cx="540000" cy="540000"/>
+            </a:xfrm>
+            <a:prstGeom prst="ellipse">
+              <a:avLst/>
+            </a:prstGeom>
+            <a:solidFill>
+              <a:schemeClr val="bg1"/>
+            </a:solidFill>
+            <a:ln w="28575">
+              <a:solidFill>
+                <a:srgbClr val="0070C0"/>
+              </a:solidFill>
+            </a:ln>
+          </p:spPr>
+          <p:style>
+            <a:lnRef idx="2">
+              <a:schemeClr val="accent1">
+                <a:shade val="50000"/>
+              </a:schemeClr>
+            </a:lnRef>
+            <a:fillRef idx="1">
+              <a:schemeClr val="accent1"/>
+            </a:fillRef>
+            <a:effectRef idx="0">
+              <a:schemeClr val="accent1"/>
+            </a:effectRef>
+            <a:fontRef idx="minor">
+              <a:schemeClr val="lt1"/>
+            </a:fontRef>
+          </p:style>
+          <p:txBody>
+            <a:bodyPr rtlCol="0" anchor="ctr"/>
+            <a:lstStyle/>
+            <a:p>
+              <a:pPr algn="ctr"/>
+              <a:r>
+                <a:rPr lang="fr-FR" b="1" dirty="0">
+                  <a:solidFill>
+                    <a:schemeClr val="tx1"/>
+                  </a:solidFill>
+                </a:rPr>
+                <a:t>4’</a:t>
+              </a:r>
+            </a:p>
+          </p:txBody>
+        </p:sp>
+        <mc:AlternateContent xmlns:mc="http://schemas.openxmlformats.org/markup-compatibility/2006">
+          <mc:Choice xmlns:a14="http://schemas.microsoft.com/office/drawing/2010/main" Requires="a14">
             <p:sp>
               <p:nvSpPr>
-                <p:cNvPr id="101" name="ZoneTexte 100">
+                <p:cNvPr id="81" name="ZoneTexte 80">
                   <a:extLst>
                     <a:ext uri="{FF2B5EF4-FFF2-40B4-BE49-F238E27FC236}">
-                      <a16:creationId xmlns:a16="http://schemas.microsoft.com/office/drawing/2014/main" id="{26AB824A-5388-4850-9B55-D281095EA72F}"/>
+                      <a16:creationId xmlns:a16="http://schemas.microsoft.com/office/drawing/2014/main" id="{893797E9-5A4F-424F-AB89-FAB124E12684}"/>
                     </a:ext>
                   </a:extLst>
                 </p:cNvPr>
@@ -5669,9 +4747,9 @@
                 <p:nvPr/>
               </p:nvSpPr>
               <p:spPr>
-                <a:xfrm>
-                  <a:off x="3146235" y="2696689"/>
-                  <a:ext cx="340241" cy="300595"/>
+                <a:xfrm rot="16200000">
+                  <a:off x="4810246" y="2740724"/>
+                  <a:ext cx="1100256" cy="307777"/>
                 </a:xfrm>
                 <a:prstGeom prst="rect">
                   <a:avLst/>
@@ -5684,65 +4762,1178 @@
                 </a:bodyPr>
                 <a:lstStyle/>
                 <a:p>
-                  <a:pPr/>
+                  <a:r>
+                    <a:rPr lang="fr-FR" sz="1400" dirty="0"/>
+                    <a:t>Pivot </a:t>
+                  </a:r>
                   <a14:m>
-                    <m:oMathPara xmlns:m="http://schemas.openxmlformats.org/officeDocument/2006/math">
-                      <m:oMathParaPr>
-                        <m:jc m:val="centerGroup"/>
-                      </m:oMathParaPr>
-                      <m:oMath xmlns:m="http://schemas.openxmlformats.org/officeDocument/2006/math">
-                        <m:acc>
-                          <m:accPr>
-                            <m:chr m:val="⃗"/>
-                            <m:ctrlPr>
-                              <a:rPr lang="fr-FR" sz="1200" b="0" i="1" smtClean="0">
-                                <a:latin typeface="Cambria Math" panose="02040503050406030204" pitchFamily="18" charset="0"/>
-                              </a:rPr>
-                            </m:ctrlPr>
-                          </m:accPr>
-                          <m:e>
-                            <m:sSub>
-                              <m:sSubPr>
-                                <m:ctrlPr>
-                                  <a:rPr lang="fr-FR" sz="1200" i="1">
-                                    <a:latin typeface="Cambria Math" panose="02040503050406030204" pitchFamily="18" charset="0"/>
-                                  </a:rPr>
-                                </m:ctrlPr>
-                              </m:sSubPr>
-                              <m:e>
-                                <m:r>
-                                  <a:rPr lang="fr-FR" sz="1200" i="1">
-                                    <a:latin typeface="Cambria Math" panose="02040503050406030204" pitchFamily="18" charset="0"/>
-                                  </a:rPr>
-                                  <m:t>𝐶</m:t>
-                                </m:r>
-                              </m:e>
-                              <m:sub>
-                                <m:r>
-                                  <a:rPr lang="fr-FR" sz="1200" i="1">
-                                    <a:latin typeface="Cambria Math" panose="02040503050406030204" pitchFamily="18" charset="0"/>
-                                  </a:rPr>
-                                  <m:t>𝑚</m:t>
-                                </m:r>
-                              </m:sub>
-                            </m:sSub>
-                          </m:e>
-                        </m:acc>
-                      </m:oMath>
-                    </m:oMathPara>
+                    <m:oMath xmlns:m="http://schemas.openxmlformats.org/officeDocument/2006/math">
+                      <m:d>
+                        <m:dPr>
+                          <m:ctrlPr>
+                            <a:rPr lang="fr-FR" sz="1400" i="1" smtClean="0">
+                              <a:latin typeface="Cambria Math" panose="02040503050406030204" pitchFamily="18" charset="0"/>
+                            </a:rPr>
+                          </m:ctrlPr>
+                        </m:dPr>
+                        <m:e>
+                          <m:r>
+                            <a:rPr lang="fr-FR" sz="1400" b="0" i="1" smtClean="0">
+                              <a:latin typeface="Cambria Math" panose="02040503050406030204" pitchFamily="18" charset="0"/>
+                            </a:rPr>
+                            <m:t>𝑋</m:t>
+                          </m:r>
+                          <m:r>
+                            <a:rPr lang="fr-FR" sz="1400" b="0" i="1" smtClean="0">
+                              <a:latin typeface="Cambria Math" panose="02040503050406030204" pitchFamily="18" charset="0"/>
+                            </a:rPr>
+                            <m:t>,</m:t>
+                          </m:r>
+                          <m:acc>
+                            <m:accPr>
+                              <m:chr m:val="⃗"/>
+                              <m:ctrlPr>
+                                <a:rPr lang="fr-FR" sz="1400" b="0" i="1" smtClean="0">
+                                  <a:latin typeface="Cambria Math" panose="02040503050406030204" pitchFamily="18" charset="0"/>
+                                </a:rPr>
+                              </m:ctrlPr>
+                            </m:accPr>
+                            <m:e>
+                              <m:sSub>
+                                <m:sSubPr>
+                                  <m:ctrlPr>
+                                    <a:rPr lang="fr-FR" sz="1400" i="1">
+                                      <a:latin typeface="Cambria Math" panose="02040503050406030204" pitchFamily="18" charset="0"/>
+                                    </a:rPr>
+                                  </m:ctrlPr>
+                                </m:sSubPr>
+                                <m:e>
+                                  <m:r>
+                                    <a:rPr lang="fr-FR" sz="1400" i="1">
+                                      <a:latin typeface="Cambria Math" panose="02040503050406030204" pitchFamily="18" charset="0"/>
+                                    </a:rPr>
+                                    <m:t>𝑥</m:t>
+                                  </m:r>
+                                </m:e>
+                                <m:sub>
+                                  <m:r>
+                                    <a:rPr lang="fr-FR" sz="1400" i="1">
+                                      <a:latin typeface="Cambria Math" panose="02040503050406030204" pitchFamily="18" charset="0"/>
+                                    </a:rPr>
+                                    <m:t>𝐿</m:t>
+                                  </m:r>
+                                </m:sub>
+                              </m:sSub>
+                            </m:e>
+                          </m:acc>
+                        </m:e>
+                      </m:d>
+                    </m:oMath>
                   </a14:m>
-                  <a:endParaRPr lang="fr-FR" sz="1200" dirty="0"/>
+                  <a:r>
+                    <a:rPr lang="fr-FR" sz="1400" dirty="0"/>
+                    <a:t> </a:t>
+                  </a:r>
                 </a:p>
               </p:txBody>
             </p:sp>
           </mc:Choice>
-          <mc:Fallback xmlns="">
+          <mc:Fallback>
             <p:sp>
               <p:nvSpPr>
-                <p:cNvPr id="101" name="ZoneTexte 100">
+                <p:cNvPr id="81" name="ZoneTexte 80">
                   <a:extLst>
                     <a:ext uri="{FF2B5EF4-FFF2-40B4-BE49-F238E27FC236}">
-                      <a16:creationId xmlns:a16="http://schemas.microsoft.com/office/drawing/2014/main" id="{26AB824A-5388-4850-9B55-D281095EA72F}"/>
+                      <a16:creationId xmlns:a16="http://schemas.microsoft.com/office/drawing/2014/main" id="{893797E9-5A4F-424F-AB89-FAB124E12684}"/>
+                    </a:ext>
+                  </a:extLst>
+                </p:cNvPr>
+                <p:cNvSpPr txBox="1">
+                  <a:spLocks noRot="1" noChangeAspect="1" noMove="1" noResize="1" noEditPoints="1" noAdjustHandles="1" noChangeArrowheads="1" noChangeShapeType="1" noTextEdit="1"/>
+                </p:cNvSpPr>
+                <p:nvPr/>
+              </p:nvSpPr>
+              <p:spPr>
+                <a:xfrm rot="16200000">
+                  <a:off x="4810246" y="2740724"/>
+                  <a:ext cx="1100256" cy="307777"/>
+                </a:xfrm>
+                <a:prstGeom prst="rect">
+                  <a:avLst/>
+                </a:prstGeom>
+                <a:blipFill>
+                  <a:blip r:embed="rId2"/>
+                  <a:stretch>
+                    <a:fillRect l="-3922" r="-19608" b="-1667"/>
+                  </a:stretch>
+                </a:blipFill>
+              </p:spPr>
+              <p:txBody>
+                <a:bodyPr/>
+                <a:lstStyle/>
+                <a:p>
+                  <a:r>
+                    <a:rPr lang="fr-FR">
+                      <a:noFill/>
+                    </a:rPr>
+                    <a:t> </a:t>
+                  </a:r>
+                </a:p>
+              </p:txBody>
+            </p:sp>
+          </mc:Fallback>
+        </mc:AlternateContent>
+        <mc:AlternateContent xmlns:mc="http://schemas.openxmlformats.org/markup-compatibility/2006">
+          <mc:Choice xmlns:a14="http://schemas.microsoft.com/office/drawing/2010/main" Requires="a14">
+            <p:sp>
+              <p:nvSpPr>
+                <p:cNvPr id="82" name="ZoneTexte 81">
+                  <a:extLst>
+                    <a:ext uri="{FF2B5EF4-FFF2-40B4-BE49-F238E27FC236}">
+                      <a16:creationId xmlns:a16="http://schemas.microsoft.com/office/drawing/2014/main" id="{3F7B2865-D9E5-4F1E-9EC0-5ECA3A2DE312}"/>
+                    </a:ext>
+                  </a:extLst>
+                </p:cNvPr>
+                <p:cNvSpPr txBox="1"/>
+                <p:nvPr/>
+              </p:nvSpPr>
+              <p:spPr>
+                <a:xfrm rot="16200000">
+                  <a:off x="6286423" y="2755237"/>
+                  <a:ext cx="1100256" cy="307777"/>
+                </a:xfrm>
+                <a:prstGeom prst="rect">
+                  <a:avLst/>
+                </a:prstGeom>
+                <a:noFill/>
+              </p:spPr>
+              <p:txBody>
+                <a:bodyPr wrap="square" rtlCol="0">
+                  <a:spAutoFit/>
+                </a:bodyPr>
+                <a:lstStyle/>
+                <a:p>
+                  <a:r>
+                    <a:rPr lang="fr-FR" sz="1400" dirty="0"/>
+                    <a:t>Pivot </a:t>
+                  </a:r>
+                  <a14:m>
+                    <m:oMath xmlns:m="http://schemas.openxmlformats.org/officeDocument/2006/math">
+                      <m:d>
+                        <m:dPr>
+                          <m:ctrlPr>
+                            <a:rPr lang="fr-FR" sz="1400" i="1" smtClean="0">
+                              <a:latin typeface="Cambria Math" panose="02040503050406030204" pitchFamily="18" charset="0"/>
+                            </a:rPr>
+                          </m:ctrlPr>
+                        </m:dPr>
+                        <m:e>
+                          <m:r>
+                            <a:rPr lang="fr-FR" sz="1400" b="0" i="1" smtClean="0">
+                              <a:latin typeface="Cambria Math" panose="02040503050406030204" pitchFamily="18" charset="0"/>
+                            </a:rPr>
+                            <m:t>𝑋</m:t>
+                          </m:r>
+                          <m:r>
+                            <a:rPr lang="fr-FR" sz="1400" b="0" i="1" smtClean="0">
+                              <a:latin typeface="Cambria Math" panose="02040503050406030204" pitchFamily="18" charset="0"/>
+                            </a:rPr>
+                            <m:t>,</m:t>
+                          </m:r>
+                          <m:acc>
+                            <m:accPr>
+                              <m:chr m:val="⃗"/>
+                              <m:ctrlPr>
+                                <a:rPr lang="fr-FR" sz="1400" b="0" i="1" smtClean="0">
+                                  <a:latin typeface="Cambria Math" panose="02040503050406030204" pitchFamily="18" charset="0"/>
+                                </a:rPr>
+                              </m:ctrlPr>
+                            </m:accPr>
+                            <m:e>
+                              <m:sSub>
+                                <m:sSubPr>
+                                  <m:ctrlPr>
+                                    <a:rPr lang="fr-FR" sz="1400" i="1">
+                                      <a:latin typeface="Cambria Math" panose="02040503050406030204" pitchFamily="18" charset="0"/>
+                                    </a:rPr>
+                                  </m:ctrlPr>
+                                </m:sSubPr>
+                                <m:e>
+                                  <m:r>
+                                    <a:rPr lang="fr-FR" sz="1400" i="1">
+                                      <a:latin typeface="Cambria Math" panose="02040503050406030204" pitchFamily="18" charset="0"/>
+                                    </a:rPr>
+                                    <m:t>𝑥</m:t>
+                                  </m:r>
+                                </m:e>
+                                <m:sub>
+                                  <m:r>
+                                    <a:rPr lang="fr-FR" sz="1400" i="1">
+                                      <a:latin typeface="Cambria Math" panose="02040503050406030204" pitchFamily="18" charset="0"/>
+                                    </a:rPr>
+                                    <m:t>𝐿</m:t>
+                                  </m:r>
+                                </m:sub>
+                              </m:sSub>
+                            </m:e>
+                          </m:acc>
+                        </m:e>
+                      </m:d>
+                    </m:oMath>
+                  </a14:m>
+                  <a:r>
+                    <a:rPr lang="fr-FR" sz="1400" dirty="0"/>
+                    <a:t> </a:t>
+                  </a:r>
+                </a:p>
+              </p:txBody>
+            </p:sp>
+          </mc:Choice>
+          <mc:Fallback>
+            <p:sp>
+              <p:nvSpPr>
+                <p:cNvPr id="82" name="ZoneTexte 81">
+                  <a:extLst>
+                    <a:ext uri="{FF2B5EF4-FFF2-40B4-BE49-F238E27FC236}">
+                      <a16:creationId xmlns:a16="http://schemas.microsoft.com/office/drawing/2014/main" id="{3F7B2865-D9E5-4F1E-9EC0-5ECA3A2DE312}"/>
+                    </a:ext>
+                  </a:extLst>
+                </p:cNvPr>
+                <p:cNvSpPr txBox="1">
+                  <a:spLocks noRot="1" noChangeAspect="1" noMove="1" noResize="1" noEditPoints="1" noAdjustHandles="1" noChangeArrowheads="1" noChangeShapeType="1" noTextEdit="1"/>
+                </p:cNvSpPr>
+                <p:nvPr/>
+              </p:nvSpPr>
+              <p:spPr>
+                <a:xfrm rot="16200000">
+                  <a:off x="6286423" y="2755237"/>
+                  <a:ext cx="1100256" cy="307777"/>
+                </a:xfrm>
+                <a:prstGeom prst="rect">
+                  <a:avLst/>
+                </a:prstGeom>
+                <a:blipFill>
+                  <a:blip r:embed="rId3"/>
+                  <a:stretch>
+                    <a:fillRect l="-3922" r="-19608" b="-1667"/>
+                  </a:stretch>
+                </a:blipFill>
+              </p:spPr>
+              <p:txBody>
+                <a:bodyPr/>
+                <a:lstStyle/>
+                <a:p>
+                  <a:r>
+                    <a:rPr lang="fr-FR">
+                      <a:noFill/>
+                    </a:rPr>
+                    <a:t> </a:t>
+                  </a:r>
+                </a:p>
+              </p:txBody>
+            </p:sp>
+          </mc:Fallback>
+        </mc:AlternateContent>
+        <mc:AlternateContent xmlns:mc="http://schemas.openxmlformats.org/markup-compatibility/2006">
+          <mc:Choice xmlns:a14="http://schemas.microsoft.com/office/drawing/2010/main" Requires="a14">
+            <p:sp>
+              <p:nvSpPr>
+                <p:cNvPr id="84" name="ZoneTexte 83">
+                  <a:extLst>
+                    <a:ext uri="{FF2B5EF4-FFF2-40B4-BE49-F238E27FC236}">
+                      <a16:creationId xmlns:a16="http://schemas.microsoft.com/office/drawing/2014/main" id="{CF908C2F-91CA-4F96-B709-DBCDD64A6740}"/>
+                    </a:ext>
+                  </a:extLst>
+                </p:cNvPr>
+                <p:cNvSpPr txBox="1"/>
+                <p:nvPr/>
+              </p:nvSpPr>
+              <p:spPr>
+                <a:xfrm rot="16200000">
+                  <a:off x="3904607" y="2629000"/>
+                  <a:ext cx="1306568" cy="307777"/>
+                </a:xfrm>
+                <a:prstGeom prst="rect">
+                  <a:avLst/>
+                </a:prstGeom>
+                <a:noFill/>
+              </p:spPr>
+              <p:txBody>
+                <a:bodyPr wrap="square" rtlCol="0">
+                  <a:spAutoFit/>
+                </a:bodyPr>
+                <a:lstStyle/>
+                <a:p>
+                  <a:r>
+                    <a:rPr lang="fr-FR" sz="1400" dirty="0"/>
+                    <a:t>Pivot </a:t>
+                  </a:r>
+                  <a14:m>
+                    <m:oMath xmlns:m="http://schemas.openxmlformats.org/officeDocument/2006/math">
+                      <m:d>
+                        <m:dPr>
+                          <m:ctrlPr>
+                            <a:rPr lang="fr-FR" sz="1400" i="1" smtClean="0">
+                              <a:latin typeface="Cambria Math" panose="02040503050406030204" pitchFamily="18" charset="0"/>
+                            </a:rPr>
+                          </m:ctrlPr>
+                        </m:dPr>
+                        <m:e>
+                          <m:r>
+                            <a:rPr lang="fr-FR" sz="1400" b="0" i="1" smtClean="0">
+                              <a:latin typeface="Cambria Math" panose="02040503050406030204" pitchFamily="18" charset="0"/>
+                            </a:rPr>
+                            <m:t>𝑊</m:t>
+                          </m:r>
+                          <m:r>
+                            <a:rPr lang="fr-FR" sz="1400" b="0" i="1" smtClean="0">
+                              <a:latin typeface="Cambria Math" panose="02040503050406030204" pitchFamily="18" charset="0"/>
+                            </a:rPr>
+                            <m:t>′,</m:t>
+                          </m:r>
+                          <m:acc>
+                            <m:accPr>
+                              <m:chr m:val="⃗"/>
+                              <m:ctrlPr>
+                                <a:rPr lang="fr-FR" sz="1400" b="0" i="1" smtClean="0">
+                                  <a:latin typeface="Cambria Math" panose="02040503050406030204" pitchFamily="18" charset="0"/>
+                                </a:rPr>
+                              </m:ctrlPr>
+                            </m:accPr>
+                            <m:e>
+                              <m:sSub>
+                                <m:sSubPr>
+                                  <m:ctrlPr>
+                                    <a:rPr lang="fr-FR" sz="1400" i="1">
+                                      <a:latin typeface="Cambria Math" panose="02040503050406030204" pitchFamily="18" charset="0"/>
+                                    </a:rPr>
+                                  </m:ctrlPr>
+                                </m:sSubPr>
+                                <m:e>
+                                  <m:r>
+                                    <a:rPr lang="fr-FR" sz="1400" b="0" i="1" smtClean="0">
+                                      <a:latin typeface="Cambria Math" panose="02040503050406030204" pitchFamily="18" charset="0"/>
+                                    </a:rPr>
+                                    <m:t>𝑦</m:t>
+                                  </m:r>
+                                </m:e>
+                                <m:sub>
+                                  <m:r>
+                                    <a:rPr lang="fr-FR" sz="1400" b="0" i="1" smtClean="0">
+                                      <a:latin typeface="Cambria Math" panose="02040503050406030204" pitchFamily="18" charset="0"/>
+                                    </a:rPr>
+                                    <m:t>2</m:t>
+                                  </m:r>
+                                </m:sub>
+                              </m:sSub>
+                            </m:e>
+                          </m:acc>
+                        </m:e>
+                      </m:d>
+                    </m:oMath>
+                  </a14:m>
+                  <a:r>
+                    <a:rPr lang="fr-FR" sz="1400" dirty="0"/>
+                    <a:t> </a:t>
+                  </a:r>
+                </a:p>
+              </p:txBody>
+            </p:sp>
+          </mc:Choice>
+          <mc:Fallback>
+            <p:sp>
+              <p:nvSpPr>
+                <p:cNvPr id="84" name="ZoneTexte 83">
+                  <a:extLst>
+                    <a:ext uri="{FF2B5EF4-FFF2-40B4-BE49-F238E27FC236}">
+                      <a16:creationId xmlns:a16="http://schemas.microsoft.com/office/drawing/2014/main" id="{CF908C2F-91CA-4F96-B709-DBCDD64A6740}"/>
+                    </a:ext>
+                  </a:extLst>
+                </p:cNvPr>
+                <p:cNvSpPr txBox="1">
+                  <a:spLocks noRot="1" noChangeAspect="1" noMove="1" noResize="1" noEditPoints="1" noAdjustHandles="1" noChangeArrowheads="1" noChangeShapeType="1" noTextEdit="1"/>
+                </p:cNvSpPr>
+                <p:nvPr/>
+              </p:nvSpPr>
+              <p:spPr>
+                <a:xfrm rot="16200000">
+                  <a:off x="3904607" y="2629000"/>
+                  <a:ext cx="1306568" cy="307777"/>
+                </a:xfrm>
+                <a:prstGeom prst="rect">
+                  <a:avLst/>
+                </a:prstGeom>
+                <a:blipFill>
+                  <a:blip r:embed="rId4"/>
+                  <a:stretch>
+                    <a:fillRect l="-1961" r="-19608" b="-1395"/>
+                  </a:stretch>
+                </a:blipFill>
+              </p:spPr>
+              <p:txBody>
+                <a:bodyPr/>
+                <a:lstStyle/>
+                <a:p>
+                  <a:r>
+                    <a:rPr lang="fr-FR">
+                      <a:noFill/>
+                    </a:rPr>
+                    <a:t> </a:t>
+                  </a:r>
+                </a:p>
+              </p:txBody>
+            </p:sp>
+          </mc:Fallback>
+        </mc:AlternateContent>
+        <mc:AlternateContent xmlns:mc="http://schemas.openxmlformats.org/markup-compatibility/2006">
+          <mc:Choice xmlns:a14="http://schemas.microsoft.com/office/drawing/2010/main" Requires="a14">
+            <p:sp>
+              <p:nvSpPr>
+                <p:cNvPr id="85" name="ZoneTexte 84">
+                  <a:extLst>
+                    <a:ext uri="{FF2B5EF4-FFF2-40B4-BE49-F238E27FC236}">
+                      <a16:creationId xmlns:a16="http://schemas.microsoft.com/office/drawing/2014/main" id="{5B70E326-0FD9-4DA6-9E91-FDF26FB1E2FB}"/>
+                    </a:ext>
+                  </a:extLst>
+                </p:cNvPr>
+                <p:cNvSpPr txBox="1"/>
+                <p:nvPr/>
+              </p:nvSpPr>
+              <p:spPr>
+                <a:xfrm rot="16200000">
+                  <a:off x="7004172" y="2658340"/>
+                  <a:ext cx="1306568" cy="307777"/>
+                </a:xfrm>
+                <a:prstGeom prst="rect">
+                  <a:avLst/>
+                </a:prstGeom>
+                <a:noFill/>
+              </p:spPr>
+              <p:txBody>
+                <a:bodyPr wrap="square" rtlCol="0">
+                  <a:spAutoFit/>
+                </a:bodyPr>
+                <a:lstStyle/>
+                <a:p>
+                  <a:r>
+                    <a:rPr lang="fr-FR" sz="1400" dirty="0"/>
+                    <a:t>Pivot </a:t>
+                  </a:r>
+                  <a14:m>
+                    <m:oMath xmlns:m="http://schemas.openxmlformats.org/officeDocument/2006/math">
+                      <m:d>
+                        <m:dPr>
+                          <m:ctrlPr>
+                            <a:rPr lang="fr-FR" sz="1400" i="1" smtClean="0">
+                              <a:latin typeface="Cambria Math" panose="02040503050406030204" pitchFamily="18" charset="0"/>
+                            </a:rPr>
+                          </m:ctrlPr>
+                        </m:dPr>
+                        <m:e>
+                          <m:r>
+                            <a:rPr lang="fr-FR" sz="1400" b="0" i="1" smtClean="0">
+                              <a:latin typeface="Cambria Math" panose="02040503050406030204" pitchFamily="18" charset="0"/>
+                            </a:rPr>
+                            <m:t>𝑊</m:t>
+                          </m:r>
+                          <m:r>
+                            <a:rPr lang="fr-FR" sz="1400" b="0" i="1" smtClean="0">
+                              <a:latin typeface="Cambria Math" panose="02040503050406030204" pitchFamily="18" charset="0"/>
+                            </a:rPr>
+                            <m:t>,</m:t>
+                          </m:r>
+                          <m:acc>
+                            <m:accPr>
+                              <m:chr m:val="⃗"/>
+                              <m:ctrlPr>
+                                <a:rPr lang="fr-FR" sz="1400" b="0" i="1" smtClean="0">
+                                  <a:latin typeface="Cambria Math" panose="02040503050406030204" pitchFamily="18" charset="0"/>
+                                </a:rPr>
+                              </m:ctrlPr>
+                            </m:accPr>
+                            <m:e>
+                              <m:sSub>
+                                <m:sSubPr>
+                                  <m:ctrlPr>
+                                    <a:rPr lang="fr-FR" sz="1400" i="1">
+                                      <a:latin typeface="Cambria Math" panose="02040503050406030204" pitchFamily="18" charset="0"/>
+                                    </a:rPr>
+                                  </m:ctrlPr>
+                                </m:sSubPr>
+                                <m:e>
+                                  <m:r>
+                                    <a:rPr lang="fr-FR" sz="1400" b="0" i="1" smtClean="0">
+                                      <a:latin typeface="Cambria Math" panose="02040503050406030204" pitchFamily="18" charset="0"/>
+                                    </a:rPr>
+                                    <m:t>𝑦</m:t>
+                                  </m:r>
+                                </m:e>
+                                <m:sub>
+                                  <m:r>
+                                    <a:rPr lang="fr-FR" sz="1400" b="0" i="1" smtClean="0">
+                                      <a:latin typeface="Cambria Math" panose="02040503050406030204" pitchFamily="18" charset="0"/>
+                                    </a:rPr>
+                                    <m:t>3</m:t>
+                                  </m:r>
+                                </m:sub>
+                              </m:sSub>
+                            </m:e>
+                          </m:acc>
+                        </m:e>
+                      </m:d>
+                    </m:oMath>
+                  </a14:m>
+                  <a:r>
+                    <a:rPr lang="fr-FR" sz="1400" dirty="0"/>
+                    <a:t> </a:t>
+                  </a:r>
+                </a:p>
+              </p:txBody>
+            </p:sp>
+          </mc:Choice>
+          <mc:Fallback>
+            <p:sp>
+              <p:nvSpPr>
+                <p:cNvPr id="85" name="ZoneTexte 84">
+                  <a:extLst>
+                    <a:ext uri="{FF2B5EF4-FFF2-40B4-BE49-F238E27FC236}">
+                      <a16:creationId xmlns:a16="http://schemas.microsoft.com/office/drawing/2014/main" id="{5B70E326-0FD9-4DA6-9E91-FDF26FB1E2FB}"/>
+                    </a:ext>
+                  </a:extLst>
+                </p:cNvPr>
+                <p:cNvSpPr txBox="1">
+                  <a:spLocks noRot="1" noChangeAspect="1" noMove="1" noResize="1" noEditPoints="1" noAdjustHandles="1" noChangeArrowheads="1" noChangeShapeType="1" noTextEdit="1"/>
+                </p:cNvSpPr>
+                <p:nvPr/>
+              </p:nvSpPr>
+              <p:spPr>
+                <a:xfrm rot="16200000">
+                  <a:off x="7004172" y="2658340"/>
+                  <a:ext cx="1306568" cy="307777"/>
+                </a:xfrm>
+                <a:prstGeom prst="rect">
+                  <a:avLst/>
+                </a:prstGeom>
+                <a:blipFill>
+                  <a:blip r:embed="rId5"/>
+                  <a:stretch>
+                    <a:fillRect l="-4000" r="-20000" b="-1402"/>
+                  </a:stretch>
+                </a:blipFill>
+              </p:spPr>
+              <p:txBody>
+                <a:bodyPr/>
+                <a:lstStyle/>
+                <a:p>
+                  <a:r>
+                    <a:rPr lang="fr-FR">
+                      <a:noFill/>
+                    </a:rPr>
+                    <a:t> </a:t>
+                  </a:r>
+                </a:p>
+              </p:txBody>
+            </p:sp>
+          </mc:Fallback>
+        </mc:AlternateContent>
+        <p:sp>
+          <p:nvSpPr>
+            <p:cNvPr id="86" name="ZoneTexte 85">
+              <a:extLst>
+                <a:ext uri="{FF2B5EF4-FFF2-40B4-BE49-F238E27FC236}">
+                  <a16:creationId xmlns:a16="http://schemas.microsoft.com/office/drawing/2014/main" id="{5056E181-2794-408A-809A-16EE080047BC}"/>
+                </a:ext>
+              </a:extLst>
+            </p:cNvPr>
+            <p:cNvSpPr txBox="1"/>
+            <p:nvPr/>
+          </p:nvSpPr>
+          <p:spPr>
+            <a:xfrm rot="16200000">
+              <a:off x="4187234" y="3682784"/>
+              <a:ext cx="744293" cy="307777"/>
+            </a:xfrm>
+            <a:prstGeom prst="rect">
+              <a:avLst/>
+            </a:prstGeom>
+            <a:noFill/>
+          </p:spPr>
+          <p:txBody>
+            <a:bodyPr wrap="square" rtlCol="0">
+              <a:spAutoFit/>
+            </a:bodyPr>
+            <a:lstStyle/>
+            <a:p>
+              <a:pPr algn="r"/>
+              <a:r>
+                <a:rPr lang="fr-FR" sz="1400" i="1" dirty="0">
+                  <a:solidFill>
+                    <a:schemeClr val="tx1">
+                      <a:lumMod val="65000"/>
+                      <a:lumOff val="35000"/>
+                    </a:schemeClr>
+                  </a:solidFill>
+                </a:rPr>
+                <a:t>Roulis</a:t>
+              </a:r>
+            </a:p>
+          </p:txBody>
+        </p:sp>
+        <p:sp>
+          <p:nvSpPr>
+            <p:cNvPr id="87" name="ZoneTexte 86">
+              <a:extLst>
+                <a:ext uri="{FF2B5EF4-FFF2-40B4-BE49-F238E27FC236}">
+                  <a16:creationId xmlns:a16="http://schemas.microsoft.com/office/drawing/2014/main" id="{94C412A1-CBA3-48A9-B609-BE12F076EEEB}"/>
+                </a:ext>
+              </a:extLst>
+            </p:cNvPr>
+            <p:cNvSpPr txBox="1"/>
+            <p:nvPr/>
+          </p:nvSpPr>
+          <p:spPr>
+            <a:xfrm rot="16200000">
+              <a:off x="7259421" y="3672877"/>
+              <a:ext cx="744293" cy="307777"/>
+            </a:xfrm>
+            <a:prstGeom prst="rect">
+              <a:avLst/>
+            </a:prstGeom>
+            <a:noFill/>
+          </p:spPr>
+          <p:txBody>
+            <a:bodyPr wrap="square" rtlCol="0">
+              <a:spAutoFit/>
+            </a:bodyPr>
+            <a:lstStyle/>
+            <a:p>
+              <a:pPr algn="r"/>
+              <a:r>
+                <a:rPr lang="fr-FR" sz="1400" i="1" dirty="0">
+                  <a:solidFill>
+                    <a:schemeClr val="tx1">
+                      <a:lumMod val="65000"/>
+                      <a:lumOff val="35000"/>
+                    </a:schemeClr>
+                  </a:solidFill>
+                </a:rPr>
+                <a:t>Roulis</a:t>
+              </a:r>
+            </a:p>
+          </p:txBody>
+        </p:sp>
+        <p:sp>
+          <p:nvSpPr>
+            <p:cNvPr id="88" name="ZoneTexte 87">
+              <a:extLst>
+                <a:ext uri="{FF2B5EF4-FFF2-40B4-BE49-F238E27FC236}">
+                  <a16:creationId xmlns:a16="http://schemas.microsoft.com/office/drawing/2014/main" id="{84C39C9F-14E4-4F38-AB75-C1C4E4B30965}"/>
+                </a:ext>
+              </a:extLst>
+            </p:cNvPr>
+            <p:cNvSpPr txBox="1"/>
+            <p:nvPr/>
+          </p:nvSpPr>
+          <p:spPr>
+            <a:xfrm rot="16200000">
+              <a:off x="4864224" y="3783022"/>
+              <a:ext cx="977186" cy="307777"/>
+            </a:xfrm>
+            <a:prstGeom prst="rect">
+              <a:avLst/>
+            </a:prstGeom>
+            <a:noFill/>
+          </p:spPr>
+          <p:txBody>
+            <a:bodyPr wrap="square" rtlCol="0">
+              <a:spAutoFit/>
+            </a:bodyPr>
+            <a:lstStyle/>
+            <a:p>
+              <a:pPr algn="r"/>
+              <a:r>
+                <a:rPr lang="fr-FR" sz="1400" i="1" dirty="0">
+                  <a:solidFill>
+                    <a:schemeClr val="tx1">
+                      <a:lumMod val="65000"/>
+                      <a:lumOff val="35000"/>
+                    </a:schemeClr>
+                  </a:solidFill>
+                </a:rPr>
+                <a:t>Tangage</a:t>
+              </a:r>
+            </a:p>
+          </p:txBody>
+        </p:sp>
+        <p:sp>
+          <p:nvSpPr>
+            <p:cNvPr id="89" name="ZoneTexte 88">
+              <a:extLst>
+                <a:ext uri="{FF2B5EF4-FFF2-40B4-BE49-F238E27FC236}">
+                  <a16:creationId xmlns:a16="http://schemas.microsoft.com/office/drawing/2014/main" id="{06FB9CB1-CFB8-4C96-B73C-D9AA7BC2D2FC}"/>
+                </a:ext>
+              </a:extLst>
+            </p:cNvPr>
+            <p:cNvSpPr txBox="1"/>
+            <p:nvPr/>
+          </p:nvSpPr>
+          <p:spPr>
+            <a:xfrm rot="16200000">
+              <a:off x="6353257" y="3776610"/>
+              <a:ext cx="977186" cy="307777"/>
+            </a:xfrm>
+            <a:prstGeom prst="rect">
+              <a:avLst/>
+            </a:prstGeom>
+            <a:noFill/>
+          </p:spPr>
+          <p:txBody>
+            <a:bodyPr wrap="square" rtlCol="0">
+              <a:spAutoFit/>
+            </a:bodyPr>
+            <a:lstStyle/>
+            <a:p>
+              <a:pPr algn="r"/>
+              <a:r>
+                <a:rPr lang="fr-FR" sz="1400" i="1" dirty="0">
+                  <a:solidFill>
+                    <a:schemeClr val="tx1">
+                      <a:lumMod val="65000"/>
+                      <a:lumOff val="35000"/>
+                    </a:schemeClr>
+                  </a:solidFill>
+                </a:rPr>
+                <a:t>Tangage</a:t>
+              </a:r>
+            </a:p>
+          </p:txBody>
+        </p:sp>
+        <p:sp>
+          <p:nvSpPr>
+            <p:cNvPr id="90" name="Signe de multiplication 89">
+              <a:extLst>
+                <a:ext uri="{FF2B5EF4-FFF2-40B4-BE49-F238E27FC236}">
+                  <a16:creationId xmlns:a16="http://schemas.microsoft.com/office/drawing/2014/main" id="{14A400B5-BCA7-4F7F-8773-FDA8A9DA4DF6}"/>
+                </a:ext>
+              </a:extLst>
+            </p:cNvPr>
+            <p:cNvSpPr/>
+            <p:nvPr/>
+          </p:nvSpPr>
+          <p:spPr>
+            <a:xfrm>
+              <a:off x="7521840" y="3339431"/>
+              <a:ext cx="219456" cy="219456"/>
+            </a:xfrm>
+            <a:prstGeom prst="mathMultiply">
+              <a:avLst/>
+            </a:prstGeom>
+          </p:spPr>
+          <p:style>
+            <a:lnRef idx="2">
+              <a:schemeClr val="dk1">
+                <a:shade val="50000"/>
+              </a:schemeClr>
+            </a:lnRef>
+            <a:fillRef idx="1">
+              <a:schemeClr val="dk1"/>
+            </a:fillRef>
+            <a:effectRef idx="0">
+              <a:schemeClr val="dk1"/>
+            </a:effectRef>
+            <a:fontRef idx="minor">
+              <a:schemeClr val="lt1"/>
+            </a:fontRef>
+          </p:style>
+          <p:txBody>
+            <a:bodyPr rtlCol="0" anchor="ctr"/>
+            <a:lstStyle/>
+            <a:p>
+              <a:pPr algn="ctr"/>
+              <a:endParaRPr lang="fr-FR"/>
+            </a:p>
+          </p:txBody>
+        </p:sp>
+        <p:sp>
+          <p:nvSpPr>
+            <p:cNvPr id="91" name="Signe de multiplication 90">
+              <a:extLst>
+                <a:ext uri="{FF2B5EF4-FFF2-40B4-BE49-F238E27FC236}">
+                  <a16:creationId xmlns:a16="http://schemas.microsoft.com/office/drawing/2014/main" id="{FAF6EDE7-D3CE-4045-B92B-7299AED75CB6}"/>
+                </a:ext>
+              </a:extLst>
+            </p:cNvPr>
+            <p:cNvSpPr/>
+            <p:nvPr/>
+          </p:nvSpPr>
+          <p:spPr>
+            <a:xfrm>
+              <a:off x="4450011" y="3338209"/>
+              <a:ext cx="219456" cy="219456"/>
+            </a:xfrm>
+            <a:prstGeom prst="mathMultiply">
+              <a:avLst/>
+            </a:prstGeom>
+          </p:spPr>
+          <p:style>
+            <a:lnRef idx="2">
+              <a:schemeClr val="dk1">
+                <a:shade val="50000"/>
+              </a:schemeClr>
+            </a:lnRef>
+            <a:fillRef idx="1">
+              <a:schemeClr val="dk1"/>
+            </a:fillRef>
+            <a:effectRef idx="0">
+              <a:schemeClr val="dk1"/>
+            </a:effectRef>
+            <a:fontRef idx="minor">
+              <a:schemeClr val="lt1"/>
+            </a:fontRef>
+          </p:style>
+          <p:txBody>
+            <a:bodyPr rtlCol="0" anchor="ctr"/>
+            <a:lstStyle/>
+            <a:p>
+              <a:pPr algn="ctr"/>
+              <a:endParaRPr lang="fr-FR"/>
+            </a:p>
+          </p:txBody>
+        </p:sp>
+        <p:grpSp>
+          <p:nvGrpSpPr>
+            <p:cNvPr id="99" name="Groupe 98">
+              <a:extLst>
+                <a:ext uri="{FF2B5EF4-FFF2-40B4-BE49-F238E27FC236}">
+                  <a16:creationId xmlns:a16="http://schemas.microsoft.com/office/drawing/2014/main" id="{22332B9A-F340-4733-B141-55FCF94630E8}"/>
+                </a:ext>
+              </a:extLst>
+            </p:cNvPr>
+            <p:cNvGrpSpPr/>
+            <p:nvPr/>
+          </p:nvGrpSpPr>
+          <p:grpSpPr>
+            <a:xfrm>
+              <a:off x="5421169" y="2492482"/>
+              <a:ext cx="891850" cy="773075"/>
+              <a:chOff x="3146235" y="2488471"/>
+              <a:chExt cx="891850" cy="773075"/>
+            </a:xfrm>
+          </p:grpSpPr>
+          <p:sp>
+            <p:nvSpPr>
+              <p:cNvPr id="100" name="Arc 99">
+                <a:extLst>
+                  <a:ext uri="{FF2B5EF4-FFF2-40B4-BE49-F238E27FC236}">
+                    <a16:creationId xmlns:a16="http://schemas.microsoft.com/office/drawing/2014/main" id="{0E145CE6-455B-425E-890A-108616ECCDD8}"/>
+                  </a:ext>
+                </a:extLst>
+              </p:cNvPr>
+              <p:cNvSpPr/>
+              <p:nvPr/>
+            </p:nvSpPr>
+            <p:spPr>
+              <a:xfrm>
+                <a:off x="3490003" y="2488471"/>
+                <a:ext cx="548082" cy="773075"/>
+              </a:xfrm>
+              <a:prstGeom prst="arc">
+                <a:avLst>
+                  <a:gd name="adj1" fmla="val 8878388"/>
+                  <a:gd name="adj2" fmla="val 14492985"/>
+                </a:avLst>
+              </a:prstGeom>
+              <a:ln w="28575">
+                <a:solidFill>
+                  <a:srgbClr val="C00000"/>
+                </a:solidFill>
+                <a:headEnd type="none" w="sm" len="lg"/>
+                <a:tailEnd type="stealth" w="sm" len="lg"/>
+              </a:ln>
+            </p:spPr>
+            <p:style>
+              <a:lnRef idx="1">
+                <a:schemeClr val="accent1"/>
+              </a:lnRef>
+              <a:fillRef idx="0">
+                <a:schemeClr val="accent1"/>
+              </a:fillRef>
+              <a:effectRef idx="0">
+                <a:schemeClr val="accent1"/>
+              </a:effectRef>
+              <a:fontRef idx="minor">
+                <a:schemeClr val="tx1"/>
+              </a:fontRef>
+            </p:style>
+            <p:txBody>
+              <a:bodyPr rtlCol="0" anchor="ctr"/>
+              <a:lstStyle/>
+              <a:p>
+                <a:pPr algn="ctr"/>
+                <a:endParaRPr lang="fr-FR"/>
+              </a:p>
+            </p:txBody>
+          </p:sp>
+          <mc:AlternateContent xmlns:mc="http://schemas.openxmlformats.org/markup-compatibility/2006" xmlns:a14="http://schemas.microsoft.com/office/drawing/2010/main">
+            <mc:Choice Requires="a14">
+              <p:sp>
+                <p:nvSpPr>
+                  <p:cNvPr id="101" name="ZoneTexte 100">
+                    <a:extLst>
+                      <a:ext uri="{FF2B5EF4-FFF2-40B4-BE49-F238E27FC236}">
+                        <a16:creationId xmlns:a16="http://schemas.microsoft.com/office/drawing/2014/main" id="{26AB824A-5388-4850-9B55-D281095EA72F}"/>
+                      </a:ext>
+                    </a:extLst>
+                  </p:cNvPr>
+                  <p:cNvSpPr txBox="1"/>
+                  <p:nvPr/>
+                </p:nvSpPr>
+                <p:spPr>
+                  <a:xfrm>
+                    <a:off x="3146235" y="2696689"/>
+                    <a:ext cx="340241" cy="300595"/>
+                  </a:xfrm>
+                  <a:prstGeom prst="rect">
+                    <a:avLst/>
+                  </a:prstGeom>
+                  <a:noFill/>
+                </p:spPr>
+                <p:txBody>
+                  <a:bodyPr wrap="square" rtlCol="0">
+                    <a:spAutoFit/>
+                  </a:bodyPr>
+                  <a:lstStyle/>
+                  <a:p>
+                    <a:pPr/>
+                    <a14:m>
+                      <m:oMathPara xmlns:m="http://schemas.openxmlformats.org/officeDocument/2006/math">
+                        <m:oMathParaPr>
+                          <m:jc m:val="centerGroup"/>
+                        </m:oMathParaPr>
+                        <m:oMath xmlns:m="http://schemas.openxmlformats.org/officeDocument/2006/math">
+                          <m:acc>
+                            <m:accPr>
+                              <m:chr m:val="⃗"/>
+                              <m:ctrlPr>
+                                <a:rPr lang="fr-FR" sz="1200" b="0" i="1" smtClean="0">
+                                  <a:latin typeface="Cambria Math" panose="02040503050406030204" pitchFamily="18" charset="0"/>
+                                </a:rPr>
+                              </m:ctrlPr>
+                            </m:accPr>
+                            <m:e>
+                              <m:sSub>
+                                <m:sSubPr>
+                                  <m:ctrlPr>
+                                    <a:rPr lang="fr-FR" sz="1200" i="1">
+                                      <a:latin typeface="Cambria Math" panose="02040503050406030204" pitchFamily="18" charset="0"/>
+                                    </a:rPr>
+                                  </m:ctrlPr>
+                                </m:sSubPr>
+                                <m:e>
+                                  <m:r>
+                                    <a:rPr lang="fr-FR" sz="1200" i="1">
+                                      <a:latin typeface="Cambria Math" panose="02040503050406030204" pitchFamily="18" charset="0"/>
+                                    </a:rPr>
+                                    <m:t>𝐶</m:t>
+                                  </m:r>
+                                </m:e>
+                                <m:sub>
+                                  <m:r>
+                                    <a:rPr lang="fr-FR" sz="1200" i="1">
+                                      <a:latin typeface="Cambria Math" panose="02040503050406030204" pitchFamily="18" charset="0"/>
+                                    </a:rPr>
+                                    <m:t>𝑚</m:t>
+                                  </m:r>
+                                </m:sub>
+                              </m:sSub>
+                            </m:e>
+                          </m:acc>
+                        </m:oMath>
+                      </m:oMathPara>
+                    </a14:m>
+                    <a:endParaRPr lang="fr-FR" sz="1200" dirty="0"/>
+                  </a:p>
+                </p:txBody>
+              </p:sp>
+            </mc:Choice>
+            <mc:Fallback xmlns="">
+              <p:sp>
+                <p:nvSpPr>
+                  <p:cNvPr id="101" name="ZoneTexte 100">
+                    <a:extLst>
+                      <a:ext uri="{FF2B5EF4-FFF2-40B4-BE49-F238E27FC236}">
+                        <a16:creationId xmlns:a16="http://schemas.microsoft.com/office/drawing/2014/main" id="{26AB824A-5388-4850-9B55-D281095EA72F}"/>
+                      </a:ext>
+                    </a:extLst>
+                  </p:cNvPr>
+                  <p:cNvSpPr txBox="1">
+                    <a:spLocks noRot="1" noChangeAspect="1" noMove="1" noResize="1" noEditPoints="1" noAdjustHandles="1" noChangeArrowheads="1" noChangeShapeType="1" noTextEdit="1"/>
+                  </p:cNvSpPr>
+                  <p:nvPr/>
+                </p:nvSpPr>
+                <p:spPr>
+                  <a:xfrm>
+                    <a:off x="3146235" y="2696689"/>
+                    <a:ext cx="340241" cy="300595"/>
+                  </a:xfrm>
+                  <a:prstGeom prst="rect">
+                    <a:avLst/>
+                  </a:prstGeom>
+                  <a:blipFill>
+                    <a:blip r:embed="rId7"/>
+                    <a:stretch>
+                      <a:fillRect/>
+                    </a:stretch>
+                  </a:blipFill>
+                </p:spPr>
+                <p:txBody>
+                  <a:bodyPr/>
+                  <a:lstStyle/>
+                  <a:p>
+                    <a:r>
+                      <a:rPr lang="fr-FR">
+                        <a:noFill/>
+                      </a:rPr>
+                      <a:t> </a:t>
+                    </a:r>
+                  </a:p>
+                </p:txBody>
+              </p:sp>
+            </mc:Fallback>
+          </mc:AlternateContent>
+        </p:grpSp>
+        <mc:AlternateContent xmlns:mc="http://schemas.openxmlformats.org/markup-compatibility/2006">
+          <mc:Choice xmlns:a14="http://schemas.microsoft.com/office/drawing/2010/main" Requires="a14">
+            <p:sp>
+              <p:nvSpPr>
+                <p:cNvPr id="83" name="ZoneTexte 82">
+                  <a:extLst>
+                    <a:ext uri="{FF2B5EF4-FFF2-40B4-BE49-F238E27FC236}">
+                      <a16:creationId xmlns:a16="http://schemas.microsoft.com/office/drawing/2014/main" id="{1F728885-D45F-4FD3-8A5E-654587E6088A}"/>
+                    </a:ext>
+                  </a:extLst>
+                </p:cNvPr>
+                <p:cNvSpPr txBox="1"/>
+                <p:nvPr/>
+              </p:nvSpPr>
+              <p:spPr>
+                <a:xfrm>
+                  <a:off x="6061383" y="1663482"/>
+                  <a:ext cx="1311179" cy="356380"/>
+                </a:xfrm>
+                <a:prstGeom prst="rect">
+                  <a:avLst/>
+                </a:prstGeom>
+                <a:noFill/>
+              </p:spPr>
+              <p:txBody>
+                <a:bodyPr wrap="square" rtlCol="0">
+                  <a:spAutoFit/>
+                </a:bodyPr>
+                <a:lstStyle/>
+                <a:p>
+                  <a:r>
+                    <a:rPr lang="fr-FR" sz="1400" dirty="0"/>
+                    <a:t>RSG </a:t>
+                  </a:r>
+                  <a14:m>
+                    <m:oMath xmlns:m="http://schemas.openxmlformats.org/officeDocument/2006/math">
+                      <m:d>
+                        <m:dPr>
+                          <m:ctrlPr>
+                            <a:rPr lang="fr-FR" sz="1400" i="1" smtClean="0">
+                              <a:latin typeface="Cambria Math" panose="02040503050406030204" pitchFamily="18" charset="0"/>
+                            </a:rPr>
+                          </m:ctrlPr>
+                        </m:dPr>
+                        <m:e>
+                          <m:sSub>
+                            <m:sSubPr>
+                              <m:ctrlPr>
+                                <a:rPr lang="fr-FR" sz="1400" b="0" i="1" smtClean="0">
+                                  <a:latin typeface="Cambria Math" panose="02040503050406030204" pitchFamily="18" charset="0"/>
+                                </a:rPr>
+                              </m:ctrlPr>
+                            </m:sSubPr>
+                            <m:e>
+                              <m:r>
+                                <a:rPr lang="fr-FR" sz="1400" b="0" i="1" smtClean="0">
+                                  <a:latin typeface="Cambria Math" panose="02040503050406030204" pitchFamily="18" charset="0"/>
+                                </a:rPr>
+                                <m:t>𝐼</m:t>
+                              </m:r>
+                            </m:e>
+                            <m:sub>
+                              <m:r>
+                                <a:rPr lang="fr-FR" sz="1400" b="0" i="1" smtClean="0">
+                                  <a:latin typeface="Cambria Math" panose="02040503050406030204" pitchFamily="18" charset="0"/>
+                                </a:rPr>
+                                <m:t>1</m:t>
+                              </m:r>
+                            </m:sub>
+                          </m:sSub>
+                          <m:r>
+                            <a:rPr lang="fr-FR" sz="1400" b="0" i="1" smtClean="0">
+                              <a:latin typeface="Cambria Math" panose="02040503050406030204" pitchFamily="18" charset="0"/>
+                            </a:rPr>
+                            <m:t>,</m:t>
+                          </m:r>
+                          <m:acc>
+                            <m:accPr>
+                              <m:chr m:val="⃗"/>
+                              <m:ctrlPr>
+                                <a:rPr lang="fr-FR" sz="1400" b="0" i="1" smtClean="0">
+                                  <a:latin typeface="Cambria Math" panose="02040503050406030204" pitchFamily="18" charset="0"/>
+                                </a:rPr>
+                              </m:ctrlPr>
+                            </m:accPr>
+                            <m:e>
+                              <m:sSub>
+                                <m:sSubPr>
+                                  <m:ctrlPr>
+                                    <a:rPr lang="fr-FR" sz="1400" i="1">
+                                      <a:latin typeface="Cambria Math" panose="02040503050406030204" pitchFamily="18" charset="0"/>
+                                    </a:rPr>
+                                  </m:ctrlPr>
+                                </m:sSubPr>
+                                <m:e>
+                                  <m:r>
+                                    <a:rPr lang="fr-FR" sz="1400" b="0" i="1" smtClean="0">
+                                      <a:latin typeface="Cambria Math" panose="02040503050406030204" pitchFamily="18" charset="0"/>
+                                    </a:rPr>
+                                    <m:t>𝑍</m:t>
+                                  </m:r>
+                                </m:e>
+                                <m:sub>
+                                  <m:r>
+                                    <a:rPr lang="fr-FR" sz="1400" i="1">
+                                      <a:latin typeface="Cambria Math" panose="02040503050406030204" pitchFamily="18" charset="0"/>
+                                    </a:rPr>
+                                    <m:t>𝐿</m:t>
+                                  </m:r>
+                                </m:sub>
+                              </m:sSub>
+                            </m:e>
+                          </m:acc>
+                        </m:e>
+                      </m:d>
+                    </m:oMath>
+                  </a14:m>
+                  <a:r>
+                    <a:rPr lang="fr-FR" sz="1400" dirty="0"/>
+                    <a:t> </a:t>
+                  </a:r>
+                </a:p>
+              </p:txBody>
+            </p:sp>
+          </mc:Choice>
+          <mc:Fallback>
+            <p:sp>
+              <p:nvSpPr>
+                <p:cNvPr id="83" name="ZoneTexte 82">
+                  <a:extLst>
+                    <a:ext uri="{FF2B5EF4-FFF2-40B4-BE49-F238E27FC236}">
+                      <a16:creationId xmlns:a16="http://schemas.microsoft.com/office/drawing/2014/main" id="{1F728885-D45F-4FD3-8A5E-654587E6088A}"/>
                     </a:ext>
                   </a:extLst>
                 </p:cNvPr>
@@ -5753,16 +5944,186 @@
               </p:nvSpPr>
               <p:spPr>
                 <a:xfrm>
-                  <a:off x="3146235" y="2696689"/>
-                  <a:ext cx="340241" cy="300595"/>
+                  <a:off x="6061383" y="1663482"/>
+                  <a:ext cx="1311179" cy="356380"/>
                 </a:xfrm>
                 <a:prstGeom prst="rect">
                   <a:avLst/>
                 </a:prstGeom>
                 <a:blipFill>
-                  <a:blip r:embed="rId7"/>
+                  <a:blip r:embed="rId8"/>
                   <a:stretch>
-                    <a:fillRect/>
+                    <a:fillRect l="-1395" b="-13793"/>
+                  </a:stretch>
+                </a:blipFill>
+              </p:spPr>
+              <p:txBody>
+                <a:bodyPr/>
+                <a:lstStyle/>
+                <a:p>
+                  <a:r>
+                    <a:rPr lang="fr-FR">
+                      <a:noFill/>
+                    </a:rPr>
+                    <a:t> </a:t>
+                  </a:r>
+                </a:p>
+              </p:txBody>
+            </p:sp>
+          </mc:Fallback>
+        </mc:AlternateContent>
+        <mc:AlternateContent xmlns:mc="http://schemas.openxmlformats.org/markup-compatibility/2006">
+          <mc:Choice xmlns:a14="http://schemas.microsoft.com/office/drawing/2010/main" Requires="a14">
+            <p:sp>
+              <p:nvSpPr>
+                <p:cNvPr id="93" name="ZoneTexte 92">
+                  <a:extLst>
+                    <a:ext uri="{FF2B5EF4-FFF2-40B4-BE49-F238E27FC236}">
+                      <a16:creationId xmlns:a16="http://schemas.microsoft.com/office/drawing/2014/main" id="{0477654E-9956-4859-B590-DCB88807D580}"/>
+                    </a:ext>
+                  </a:extLst>
+                </p:cNvPr>
+                <p:cNvSpPr txBox="1"/>
+                <p:nvPr/>
+              </p:nvSpPr>
+              <p:spPr>
+                <a:xfrm>
+                  <a:off x="3822711" y="1549194"/>
+                  <a:ext cx="1311179" cy="356380"/>
+                </a:xfrm>
+                <a:prstGeom prst="rect">
+                  <a:avLst/>
+                </a:prstGeom>
+                <a:noFill/>
+              </p:spPr>
+              <p:txBody>
+                <a:bodyPr wrap="square" rtlCol="0">
+                  <a:spAutoFit/>
+                </a:bodyPr>
+                <a:lstStyle/>
+                <a:p>
+                  <a:r>
+                    <a:rPr lang="fr-FR" sz="1400" dirty="0"/>
+                    <a:t>CP </a:t>
+                  </a:r>
+                  <a14:m>
+                    <m:oMath xmlns:m="http://schemas.openxmlformats.org/officeDocument/2006/math">
+                      <m:d>
+                        <m:dPr>
+                          <m:ctrlPr>
+                            <a:rPr lang="fr-FR" sz="1400" i="1" smtClean="0">
+                              <a:latin typeface="Cambria Math" panose="02040503050406030204" pitchFamily="18" charset="0"/>
+                            </a:rPr>
+                          </m:ctrlPr>
+                        </m:dPr>
+                        <m:e>
+                          <m:sSub>
+                            <m:sSubPr>
+                              <m:ctrlPr>
+                                <a:rPr lang="fr-FR" sz="1400" b="0" i="1" smtClean="0">
+                                  <a:latin typeface="Cambria Math" panose="02040503050406030204" pitchFamily="18" charset="0"/>
+                                </a:rPr>
+                              </m:ctrlPr>
+                            </m:sSubPr>
+                            <m:e>
+                              <m:r>
+                                <a:rPr lang="fr-FR" sz="1400" b="0" i="1" smtClean="0">
+                                  <a:latin typeface="Cambria Math" panose="02040503050406030204" pitchFamily="18" charset="0"/>
+                                </a:rPr>
+                                <m:t>𝐼</m:t>
+                              </m:r>
+                            </m:e>
+                            <m:sub>
+                              <m:r>
+                                <a:rPr lang="fr-FR" sz="1400" b="0" i="1" smtClean="0">
+                                  <a:latin typeface="Cambria Math" panose="02040503050406030204" pitchFamily="18" charset="0"/>
+                                </a:rPr>
+                                <m:t>2</m:t>
+                              </m:r>
+                            </m:sub>
+                          </m:sSub>
+                          <m:r>
+                            <a:rPr lang="fr-FR" sz="1400" b="0" i="1" smtClean="0">
+                              <a:latin typeface="Cambria Math" panose="02040503050406030204" pitchFamily="18" charset="0"/>
+                            </a:rPr>
+                            <m:t>,</m:t>
+                          </m:r>
+                          <m:acc>
+                            <m:accPr>
+                              <m:chr m:val="⃗"/>
+                              <m:ctrlPr>
+                                <a:rPr lang="fr-FR" sz="1400" b="0" i="1" smtClean="0">
+                                  <a:latin typeface="Cambria Math" panose="02040503050406030204" pitchFamily="18" charset="0"/>
+                                </a:rPr>
+                              </m:ctrlPr>
+                            </m:accPr>
+                            <m:e>
+                              <m:sSub>
+                                <m:sSubPr>
+                                  <m:ctrlPr>
+                                    <a:rPr lang="fr-FR" sz="1400" i="1">
+                                      <a:latin typeface="Cambria Math" panose="02040503050406030204" pitchFamily="18" charset="0"/>
+                                    </a:rPr>
+                                  </m:ctrlPr>
+                                </m:sSubPr>
+                                <m:e>
+                                  <m:r>
+                                    <a:rPr lang="fr-FR" sz="1400" b="0" i="1" smtClean="0">
+                                      <a:latin typeface="Cambria Math" panose="02040503050406030204" pitchFamily="18" charset="0"/>
+                                    </a:rPr>
+                                    <m:t>𝑍</m:t>
+                                  </m:r>
+                                </m:e>
+                                <m:sub>
+                                  <m:r>
+                                    <a:rPr lang="fr-FR" sz="1400" i="1">
+                                      <a:latin typeface="Cambria Math" panose="02040503050406030204" pitchFamily="18" charset="0"/>
+                                    </a:rPr>
+                                    <m:t>𝐿</m:t>
+                                  </m:r>
+                                </m:sub>
+                              </m:sSub>
+                            </m:e>
+                          </m:acc>
+                        </m:e>
+                      </m:d>
+                    </m:oMath>
+                  </a14:m>
+                  <a:r>
+                    <a:rPr lang="fr-FR" sz="1400" dirty="0"/>
+                    <a:t> </a:t>
+                  </a:r>
+                </a:p>
+              </p:txBody>
+            </p:sp>
+          </mc:Choice>
+          <mc:Fallback>
+            <p:sp>
+              <p:nvSpPr>
+                <p:cNvPr id="93" name="ZoneTexte 92">
+                  <a:extLst>
+                    <a:ext uri="{FF2B5EF4-FFF2-40B4-BE49-F238E27FC236}">
+                      <a16:creationId xmlns:a16="http://schemas.microsoft.com/office/drawing/2014/main" id="{0477654E-9956-4859-B590-DCB88807D580}"/>
+                    </a:ext>
+                  </a:extLst>
+                </p:cNvPr>
+                <p:cNvSpPr txBox="1">
+                  <a:spLocks noRot="1" noChangeAspect="1" noMove="1" noResize="1" noEditPoints="1" noAdjustHandles="1" noChangeArrowheads="1" noChangeShapeType="1" noTextEdit="1"/>
+                </p:cNvSpPr>
+                <p:nvPr/>
+              </p:nvSpPr>
+              <p:spPr>
+                <a:xfrm>
+                  <a:off x="3822711" y="1549194"/>
+                  <a:ext cx="1311179" cy="356380"/>
+                </a:xfrm>
+                <a:prstGeom prst="rect">
+                  <a:avLst/>
+                </a:prstGeom>
+                <a:blipFill>
+                  <a:blip r:embed="rId9"/>
+                  <a:stretch>
+                    <a:fillRect l="-1395" b="-13559"/>
                   </a:stretch>
                 </a:blipFill>
               </p:spPr>
@@ -5782,346 +6143,6 @@
           </mc:Fallback>
         </mc:AlternateContent>
       </p:grpSp>
-      <mc:AlternateContent xmlns:mc="http://schemas.openxmlformats.org/markup-compatibility/2006">
-        <mc:Choice xmlns:a14="http://schemas.microsoft.com/office/drawing/2010/main" Requires="a14">
-          <p:sp>
-            <p:nvSpPr>
-              <p:cNvPr id="83" name="ZoneTexte 82">
-                <a:extLst>
-                  <a:ext uri="{FF2B5EF4-FFF2-40B4-BE49-F238E27FC236}">
-                    <a16:creationId xmlns:a16="http://schemas.microsoft.com/office/drawing/2014/main" id="{1F728885-D45F-4FD3-8A5E-654587E6088A}"/>
-                  </a:ext>
-                </a:extLst>
-              </p:cNvPr>
-              <p:cNvSpPr txBox="1"/>
-              <p:nvPr/>
-            </p:nvSpPr>
-            <p:spPr>
-              <a:xfrm>
-                <a:off x="6061383" y="1663482"/>
-                <a:ext cx="1311179" cy="356380"/>
-              </a:xfrm>
-              <a:prstGeom prst="rect">
-                <a:avLst/>
-              </a:prstGeom>
-              <a:noFill/>
-            </p:spPr>
-            <p:txBody>
-              <a:bodyPr wrap="square" rtlCol="0">
-                <a:spAutoFit/>
-              </a:bodyPr>
-              <a:lstStyle/>
-              <a:p>
-                <a:r>
-                  <a:rPr lang="fr-FR" sz="1400" dirty="0"/>
-                  <a:t>RSG </a:t>
-                </a:r>
-                <a14:m>
-                  <m:oMath xmlns:m="http://schemas.openxmlformats.org/officeDocument/2006/math">
-                    <m:d>
-                      <m:dPr>
-                        <m:ctrlPr>
-                          <a:rPr lang="fr-FR" sz="1400" i="1" smtClean="0">
-                            <a:latin typeface="Cambria Math" panose="02040503050406030204" pitchFamily="18" charset="0"/>
-                          </a:rPr>
-                        </m:ctrlPr>
-                      </m:dPr>
-                      <m:e>
-                        <m:sSub>
-                          <m:sSubPr>
-                            <m:ctrlPr>
-                              <a:rPr lang="fr-FR" sz="1400" b="0" i="1" smtClean="0">
-                                <a:latin typeface="Cambria Math" panose="02040503050406030204" pitchFamily="18" charset="0"/>
-                              </a:rPr>
-                            </m:ctrlPr>
-                          </m:sSubPr>
-                          <m:e>
-                            <m:r>
-                              <a:rPr lang="fr-FR" sz="1400" b="0" i="1" smtClean="0">
-                                <a:latin typeface="Cambria Math" panose="02040503050406030204" pitchFamily="18" charset="0"/>
-                              </a:rPr>
-                              <m:t>𝐼</m:t>
-                            </m:r>
-                          </m:e>
-                          <m:sub>
-                            <m:r>
-                              <a:rPr lang="fr-FR" sz="1400" b="0" i="1" smtClean="0">
-                                <a:latin typeface="Cambria Math" panose="02040503050406030204" pitchFamily="18" charset="0"/>
-                              </a:rPr>
-                              <m:t>1</m:t>
-                            </m:r>
-                          </m:sub>
-                        </m:sSub>
-                        <m:r>
-                          <a:rPr lang="fr-FR" sz="1400" b="0" i="1" smtClean="0">
-                            <a:latin typeface="Cambria Math" panose="02040503050406030204" pitchFamily="18" charset="0"/>
-                          </a:rPr>
-                          <m:t>,</m:t>
-                        </m:r>
-                        <m:acc>
-                          <m:accPr>
-                            <m:chr m:val="⃗"/>
-                            <m:ctrlPr>
-                              <a:rPr lang="fr-FR" sz="1400" b="0" i="1" smtClean="0">
-                                <a:latin typeface="Cambria Math" panose="02040503050406030204" pitchFamily="18" charset="0"/>
-                              </a:rPr>
-                            </m:ctrlPr>
-                          </m:accPr>
-                          <m:e>
-                            <m:sSub>
-                              <m:sSubPr>
-                                <m:ctrlPr>
-                                  <a:rPr lang="fr-FR" sz="1400" i="1">
-                                    <a:latin typeface="Cambria Math" panose="02040503050406030204" pitchFamily="18" charset="0"/>
-                                  </a:rPr>
-                                </m:ctrlPr>
-                              </m:sSubPr>
-                              <m:e>
-                                <m:r>
-                                  <a:rPr lang="fr-FR" sz="1400" b="0" i="1" smtClean="0">
-                                    <a:latin typeface="Cambria Math" panose="02040503050406030204" pitchFamily="18" charset="0"/>
-                                  </a:rPr>
-                                  <m:t>𝑍</m:t>
-                                </m:r>
-                              </m:e>
-                              <m:sub>
-                                <m:r>
-                                  <a:rPr lang="fr-FR" sz="1400" i="1">
-                                    <a:latin typeface="Cambria Math" panose="02040503050406030204" pitchFamily="18" charset="0"/>
-                                  </a:rPr>
-                                  <m:t>𝐿</m:t>
-                                </m:r>
-                              </m:sub>
-                            </m:sSub>
-                          </m:e>
-                        </m:acc>
-                      </m:e>
-                    </m:d>
-                  </m:oMath>
-                </a14:m>
-                <a:r>
-                  <a:rPr lang="fr-FR" sz="1400" dirty="0"/>
-                  <a:t> </a:t>
-                </a:r>
-              </a:p>
-            </p:txBody>
-          </p:sp>
-        </mc:Choice>
-        <mc:Fallback>
-          <p:sp>
-            <p:nvSpPr>
-              <p:cNvPr id="83" name="ZoneTexte 82">
-                <a:extLst>
-                  <a:ext uri="{FF2B5EF4-FFF2-40B4-BE49-F238E27FC236}">
-                    <a16:creationId xmlns:a16="http://schemas.microsoft.com/office/drawing/2014/main" id="{1F728885-D45F-4FD3-8A5E-654587E6088A}"/>
-                  </a:ext>
-                </a:extLst>
-              </p:cNvPr>
-              <p:cNvSpPr txBox="1">
-                <a:spLocks noRot="1" noChangeAspect="1" noMove="1" noResize="1" noEditPoints="1" noAdjustHandles="1" noChangeArrowheads="1" noChangeShapeType="1" noTextEdit="1"/>
-              </p:cNvSpPr>
-              <p:nvPr/>
-            </p:nvSpPr>
-            <p:spPr>
-              <a:xfrm>
-                <a:off x="6061383" y="1663482"/>
-                <a:ext cx="1311179" cy="356380"/>
-              </a:xfrm>
-              <a:prstGeom prst="rect">
-                <a:avLst/>
-              </a:prstGeom>
-              <a:blipFill>
-                <a:blip r:embed="rId8"/>
-                <a:stretch>
-                  <a:fillRect l="-1395" b="-13793"/>
-                </a:stretch>
-              </a:blipFill>
-            </p:spPr>
-            <p:txBody>
-              <a:bodyPr/>
-              <a:lstStyle/>
-              <a:p>
-                <a:r>
-                  <a:rPr lang="fr-FR">
-                    <a:noFill/>
-                  </a:rPr>
-                  <a:t> </a:t>
-                </a:r>
-              </a:p>
-            </p:txBody>
-          </p:sp>
-        </mc:Fallback>
-      </mc:AlternateContent>
-      <mc:AlternateContent xmlns:mc="http://schemas.openxmlformats.org/markup-compatibility/2006">
-        <mc:Choice xmlns:a14="http://schemas.microsoft.com/office/drawing/2010/main" Requires="a14">
-          <p:sp>
-            <p:nvSpPr>
-              <p:cNvPr id="93" name="ZoneTexte 92">
-                <a:extLst>
-                  <a:ext uri="{FF2B5EF4-FFF2-40B4-BE49-F238E27FC236}">
-                    <a16:creationId xmlns:a16="http://schemas.microsoft.com/office/drawing/2014/main" id="{0477654E-9956-4859-B590-DCB88807D580}"/>
-                  </a:ext>
-                </a:extLst>
-              </p:cNvPr>
-              <p:cNvSpPr txBox="1"/>
-              <p:nvPr/>
-            </p:nvSpPr>
-            <p:spPr>
-              <a:xfrm>
-                <a:off x="3822711" y="1549194"/>
-                <a:ext cx="1311179" cy="356380"/>
-              </a:xfrm>
-              <a:prstGeom prst="rect">
-                <a:avLst/>
-              </a:prstGeom>
-              <a:noFill/>
-            </p:spPr>
-            <p:txBody>
-              <a:bodyPr wrap="square" rtlCol="0">
-                <a:spAutoFit/>
-              </a:bodyPr>
-              <a:lstStyle/>
-              <a:p>
-                <a:r>
-                  <a:rPr lang="fr-FR" sz="1400" dirty="0"/>
-                  <a:t>CP </a:t>
-                </a:r>
-                <a14:m>
-                  <m:oMath xmlns:m="http://schemas.openxmlformats.org/officeDocument/2006/math">
-                    <m:d>
-                      <m:dPr>
-                        <m:ctrlPr>
-                          <a:rPr lang="fr-FR" sz="1400" i="1" smtClean="0">
-                            <a:latin typeface="Cambria Math" panose="02040503050406030204" pitchFamily="18" charset="0"/>
-                          </a:rPr>
-                        </m:ctrlPr>
-                      </m:dPr>
-                      <m:e>
-                        <m:sSub>
-                          <m:sSubPr>
-                            <m:ctrlPr>
-                              <a:rPr lang="fr-FR" sz="1400" b="0" i="1" smtClean="0">
-                                <a:latin typeface="Cambria Math" panose="02040503050406030204" pitchFamily="18" charset="0"/>
-                              </a:rPr>
-                            </m:ctrlPr>
-                          </m:sSubPr>
-                          <m:e>
-                            <m:r>
-                              <a:rPr lang="fr-FR" sz="1400" b="0" i="1" smtClean="0">
-                                <a:latin typeface="Cambria Math" panose="02040503050406030204" pitchFamily="18" charset="0"/>
-                              </a:rPr>
-                              <m:t>𝐼</m:t>
-                            </m:r>
-                          </m:e>
-                          <m:sub>
-                            <m:r>
-                              <a:rPr lang="fr-FR" sz="1400" b="0" i="1" smtClean="0">
-                                <a:latin typeface="Cambria Math" panose="02040503050406030204" pitchFamily="18" charset="0"/>
-                              </a:rPr>
-                              <m:t>2</m:t>
-                            </m:r>
-                          </m:sub>
-                        </m:sSub>
-                        <m:r>
-                          <a:rPr lang="fr-FR" sz="1400" b="0" i="1" smtClean="0">
-                            <a:latin typeface="Cambria Math" panose="02040503050406030204" pitchFamily="18" charset="0"/>
-                          </a:rPr>
-                          <m:t>,</m:t>
-                        </m:r>
-                        <m:acc>
-                          <m:accPr>
-                            <m:chr m:val="⃗"/>
-                            <m:ctrlPr>
-                              <a:rPr lang="fr-FR" sz="1400" b="0" i="1" smtClean="0">
-                                <a:latin typeface="Cambria Math" panose="02040503050406030204" pitchFamily="18" charset="0"/>
-                              </a:rPr>
-                            </m:ctrlPr>
-                          </m:accPr>
-                          <m:e>
-                            <m:sSub>
-                              <m:sSubPr>
-                                <m:ctrlPr>
-                                  <a:rPr lang="fr-FR" sz="1400" i="1">
-                                    <a:latin typeface="Cambria Math" panose="02040503050406030204" pitchFamily="18" charset="0"/>
-                                  </a:rPr>
-                                </m:ctrlPr>
-                              </m:sSubPr>
-                              <m:e>
-                                <m:r>
-                                  <a:rPr lang="fr-FR" sz="1400" b="0" i="1" smtClean="0">
-                                    <a:latin typeface="Cambria Math" panose="02040503050406030204" pitchFamily="18" charset="0"/>
-                                  </a:rPr>
-                                  <m:t>𝑍</m:t>
-                                </m:r>
-                              </m:e>
-                              <m:sub>
-                                <m:r>
-                                  <a:rPr lang="fr-FR" sz="1400" i="1">
-                                    <a:latin typeface="Cambria Math" panose="02040503050406030204" pitchFamily="18" charset="0"/>
-                                  </a:rPr>
-                                  <m:t>𝐿</m:t>
-                                </m:r>
-                              </m:sub>
-                            </m:sSub>
-                          </m:e>
-                        </m:acc>
-                      </m:e>
-                    </m:d>
-                  </m:oMath>
-                </a14:m>
-                <a:r>
-                  <a:rPr lang="fr-FR" sz="1400" dirty="0"/>
-                  <a:t> </a:t>
-                </a:r>
-              </a:p>
-            </p:txBody>
-          </p:sp>
-        </mc:Choice>
-        <mc:Fallback>
-          <p:sp>
-            <p:nvSpPr>
-              <p:cNvPr id="93" name="ZoneTexte 92">
-                <a:extLst>
-                  <a:ext uri="{FF2B5EF4-FFF2-40B4-BE49-F238E27FC236}">
-                    <a16:creationId xmlns:a16="http://schemas.microsoft.com/office/drawing/2014/main" id="{0477654E-9956-4859-B590-DCB88807D580}"/>
-                  </a:ext>
-                </a:extLst>
-              </p:cNvPr>
-              <p:cNvSpPr txBox="1">
-                <a:spLocks noRot="1" noChangeAspect="1" noMove="1" noResize="1" noEditPoints="1" noAdjustHandles="1" noChangeArrowheads="1" noChangeShapeType="1" noTextEdit="1"/>
-              </p:cNvSpPr>
-              <p:nvPr/>
-            </p:nvSpPr>
-            <p:spPr>
-              <a:xfrm>
-                <a:off x="3822711" y="1549194"/>
-                <a:ext cx="1311179" cy="356380"/>
-              </a:xfrm>
-              <a:prstGeom prst="rect">
-                <a:avLst/>
-              </a:prstGeom>
-              <a:blipFill>
-                <a:blip r:embed="rId9"/>
-                <a:stretch>
-                  <a:fillRect l="-1395" b="-13559"/>
-                </a:stretch>
-              </a:blipFill>
-            </p:spPr>
-            <p:txBody>
-              <a:bodyPr/>
-              <a:lstStyle/>
-              <a:p>
-                <a:r>
-                  <a:rPr lang="fr-FR">
-                    <a:noFill/>
-                  </a:rPr>
-                  <a:t> </a:t>
-                </a:r>
-              </a:p>
-            </p:txBody>
-          </p:sp>
-        </mc:Fallback>
-      </mc:AlternateContent>
     </p:spTree>
     <p:extLst>
       <p:ext uri="{BB962C8B-B14F-4D97-AF65-F5344CB8AC3E}">
@@ -9646,8 +9667,8 @@
             </a:p>
           </p:txBody>
         </p:sp>
-        <mc:AlternateContent xmlns:mc="http://schemas.openxmlformats.org/markup-compatibility/2006">
-          <mc:Choice xmlns:a14="http://schemas.microsoft.com/office/drawing/2010/main" Requires="a14">
+        <mc:AlternateContent xmlns:mc="http://schemas.openxmlformats.org/markup-compatibility/2006" xmlns:a14="http://schemas.microsoft.com/office/drawing/2010/main">
+          <mc:Choice Requires="a14">
             <p:sp>
               <p:nvSpPr>
                 <p:cNvPr id="110" name="ZoneTexte 109">
@@ -9734,7 +9755,7 @@
               </p:txBody>
             </p:sp>
           </mc:Choice>
-          <mc:Fallback>
+          <mc:Fallback xmlns="">
             <p:sp>
               <p:nvSpPr>
                 <p:cNvPr id="110" name="ZoneTexte 109">
@@ -9780,8 +9801,8 @@
           </mc:Fallback>
         </mc:AlternateContent>
       </p:grpSp>
-      <mc:AlternateContent xmlns:mc="http://schemas.openxmlformats.org/markup-compatibility/2006">
-        <mc:Choice xmlns:a14="http://schemas.microsoft.com/office/drawing/2010/main" Requires="a14">
+      <mc:AlternateContent xmlns:mc="http://schemas.openxmlformats.org/markup-compatibility/2006" xmlns:a14="http://schemas.microsoft.com/office/drawing/2010/main">
+        <mc:Choice Requires="a14">
           <p:sp>
             <p:nvSpPr>
               <p:cNvPr id="83" name="ZoneTexte 82">
@@ -9911,7 +9932,7 @@
             </p:txBody>
           </p:sp>
         </mc:Choice>
-        <mc:Fallback>
+        <mc:Fallback xmlns="">
           <p:sp>
             <p:nvSpPr>
               <p:cNvPr id="83" name="ZoneTexte 82">
@@ -9956,8 +9977,8 @@
           </p:sp>
         </mc:Fallback>
       </mc:AlternateContent>
-      <mc:AlternateContent xmlns:mc="http://schemas.openxmlformats.org/markup-compatibility/2006">
-        <mc:Choice xmlns:a14="http://schemas.microsoft.com/office/drawing/2010/main" Requires="a14">
+      <mc:AlternateContent xmlns:mc="http://schemas.openxmlformats.org/markup-compatibility/2006" xmlns:a14="http://schemas.microsoft.com/office/drawing/2010/main">
+        <mc:Choice Requires="a14">
           <p:sp>
             <p:nvSpPr>
               <p:cNvPr id="92" name="ZoneTexte 91">
@@ -10087,7 +10108,7 @@
             </p:txBody>
           </p:sp>
         </mc:Choice>
-        <mc:Fallback>
+        <mc:Fallback xmlns="">
           <p:sp>
             <p:nvSpPr>
               <p:cNvPr id="92" name="ZoneTexte 91">

--- a/2009/CCMP_PSI_SI_Roburoc/images/Figures.pptx
+++ b/2009/CCMP_PSI_SI_Roburoc/images/Figures.pptx
@@ -281,7 +281,7 @@
           <a:p>
             <a:fld id="{09EECFAC-1254-4C1B-8D44-747D8ED10A4A}" type="datetimeFigureOut">
               <a:rPr lang="fr-FR" smtClean="0"/>
-              <a:t>25/03/2022</a:t>
+              <a:t>29/03/2022</a:t>
             </a:fld>
             <a:endParaRPr lang="fr-FR"/>
           </a:p>
@@ -479,7 +479,7 @@
           <a:p>
             <a:fld id="{09EECFAC-1254-4C1B-8D44-747D8ED10A4A}" type="datetimeFigureOut">
               <a:rPr lang="fr-FR" smtClean="0"/>
-              <a:t>25/03/2022</a:t>
+              <a:t>29/03/2022</a:t>
             </a:fld>
             <a:endParaRPr lang="fr-FR"/>
           </a:p>
@@ -687,7 +687,7 @@
           <a:p>
             <a:fld id="{09EECFAC-1254-4C1B-8D44-747D8ED10A4A}" type="datetimeFigureOut">
               <a:rPr lang="fr-FR" smtClean="0"/>
-              <a:t>25/03/2022</a:t>
+              <a:t>29/03/2022</a:t>
             </a:fld>
             <a:endParaRPr lang="fr-FR"/>
           </a:p>
@@ -885,7 +885,7 @@
           <a:p>
             <a:fld id="{09EECFAC-1254-4C1B-8D44-747D8ED10A4A}" type="datetimeFigureOut">
               <a:rPr lang="fr-FR" smtClean="0"/>
-              <a:t>25/03/2022</a:t>
+              <a:t>29/03/2022</a:t>
             </a:fld>
             <a:endParaRPr lang="fr-FR"/>
           </a:p>
@@ -1160,7 +1160,7 @@
           <a:p>
             <a:fld id="{09EECFAC-1254-4C1B-8D44-747D8ED10A4A}" type="datetimeFigureOut">
               <a:rPr lang="fr-FR" smtClean="0"/>
-              <a:t>25/03/2022</a:t>
+              <a:t>29/03/2022</a:t>
             </a:fld>
             <a:endParaRPr lang="fr-FR"/>
           </a:p>
@@ -1425,7 +1425,7 @@
           <a:p>
             <a:fld id="{09EECFAC-1254-4C1B-8D44-747D8ED10A4A}" type="datetimeFigureOut">
               <a:rPr lang="fr-FR" smtClean="0"/>
-              <a:t>25/03/2022</a:t>
+              <a:t>29/03/2022</a:t>
             </a:fld>
             <a:endParaRPr lang="fr-FR"/>
           </a:p>
@@ -1837,7 +1837,7 @@
           <a:p>
             <a:fld id="{09EECFAC-1254-4C1B-8D44-747D8ED10A4A}" type="datetimeFigureOut">
               <a:rPr lang="fr-FR" smtClean="0"/>
-              <a:t>25/03/2022</a:t>
+              <a:t>29/03/2022</a:t>
             </a:fld>
             <a:endParaRPr lang="fr-FR"/>
           </a:p>
@@ -1978,7 +1978,7 @@
           <a:p>
             <a:fld id="{09EECFAC-1254-4C1B-8D44-747D8ED10A4A}" type="datetimeFigureOut">
               <a:rPr lang="fr-FR" smtClean="0"/>
-              <a:t>25/03/2022</a:t>
+              <a:t>29/03/2022</a:t>
             </a:fld>
             <a:endParaRPr lang="fr-FR"/>
           </a:p>
@@ -2091,7 +2091,7 @@
           <a:p>
             <a:fld id="{09EECFAC-1254-4C1B-8D44-747D8ED10A4A}" type="datetimeFigureOut">
               <a:rPr lang="fr-FR" smtClean="0"/>
-              <a:t>25/03/2022</a:t>
+              <a:t>29/03/2022</a:t>
             </a:fld>
             <a:endParaRPr lang="fr-FR"/>
           </a:p>
@@ -2402,7 +2402,7 @@
           <a:p>
             <a:fld id="{09EECFAC-1254-4C1B-8D44-747D8ED10A4A}" type="datetimeFigureOut">
               <a:rPr lang="fr-FR" smtClean="0"/>
-              <a:t>25/03/2022</a:t>
+              <a:t>29/03/2022</a:t>
             </a:fld>
             <a:endParaRPr lang="fr-FR"/>
           </a:p>
@@ -2690,7 +2690,7 @@
           <a:p>
             <a:fld id="{09EECFAC-1254-4C1B-8D44-747D8ED10A4A}" type="datetimeFigureOut">
               <a:rPr lang="fr-FR" smtClean="0"/>
-              <a:t>25/03/2022</a:t>
+              <a:t>29/03/2022</a:t>
             </a:fld>
             <a:endParaRPr lang="fr-FR"/>
           </a:p>
@@ -2931,7 +2931,7 @@
           <a:p>
             <a:fld id="{09EECFAC-1254-4C1B-8D44-747D8ED10A4A}" type="datetimeFigureOut">
               <a:rPr lang="fr-FR" smtClean="0"/>
-              <a:t>25/03/2022</a:t>
+              <a:t>29/03/2022</a:t>
             </a:fld>
             <a:endParaRPr lang="fr-FR"/>
           </a:p>
@@ -16061,8 +16061,8 @@
           </a:fontRef>
         </p:style>
       </p:cxnSp>
-      <mc:AlternateContent xmlns:mc="http://schemas.openxmlformats.org/markup-compatibility/2006">
-        <mc:Choice xmlns:a14="http://schemas.microsoft.com/office/drawing/2010/main" Requires="a14">
+      <mc:AlternateContent xmlns:mc="http://schemas.openxmlformats.org/markup-compatibility/2006" xmlns:a14="http://schemas.microsoft.com/office/drawing/2010/main">
+        <mc:Choice Requires="a14">
           <p:sp>
             <p:nvSpPr>
               <p:cNvPr id="40" name="ZoneTexte 39">
@@ -16141,7 +16141,7 @@
             </p:txBody>
           </p:sp>
         </mc:Choice>
-        <mc:Fallback>
+        <mc:Fallback xmlns="">
           <p:sp>
             <p:nvSpPr>
               <p:cNvPr id="40" name="ZoneTexte 39">
@@ -16186,8 +16186,8 @@
           </p:sp>
         </mc:Fallback>
       </mc:AlternateContent>
-      <mc:AlternateContent xmlns:mc="http://schemas.openxmlformats.org/markup-compatibility/2006">
-        <mc:Choice xmlns:a14="http://schemas.microsoft.com/office/drawing/2010/main" Requires="a14">
+      <mc:AlternateContent xmlns:mc="http://schemas.openxmlformats.org/markup-compatibility/2006" xmlns:a14="http://schemas.microsoft.com/office/drawing/2010/main">
+        <mc:Choice Requires="a14">
           <p:sp>
             <p:nvSpPr>
               <p:cNvPr id="41" name="ZoneTexte 40">
@@ -16266,7 +16266,7 @@
             </p:txBody>
           </p:sp>
         </mc:Choice>
-        <mc:Fallback>
+        <mc:Fallback xmlns="">
           <p:sp>
             <p:nvSpPr>
               <p:cNvPr id="41" name="ZoneTexte 40">
@@ -16358,8 +16358,8 @@
           </a:fontRef>
         </p:style>
       </p:cxnSp>
-      <mc:AlternateContent xmlns:mc="http://schemas.openxmlformats.org/markup-compatibility/2006">
-        <mc:Choice xmlns:a14="http://schemas.microsoft.com/office/drawing/2010/main" Requires="a14">
+      <mc:AlternateContent xmlns:mc="http://schemas.openxmlformats.org/markup-compatibility/2006" xmlns:a14="http://schemas.microsoft.com/office/drawing/2010/main">
+        <mc:Choice Requires="a14">
           <p:sp>
             <p:nvSpPr>
               <p:cNvPr id="44" name="ZoneTexte 43">
@@ -16438,7 +16438,7 @@
             </p:txBody>
           </p:sp>
         </mc:Choice>
-        <mc:Fallback>
+        <mc:Fallback xmlns="">
           <p:sp>
             <p:nvSpPr>
               <p:cNvPr id="44" name="ZoneTexte 43">
@@ -16483,8 +16483,8 @@
           </p:sp>
         </mc:Fallback>
       </mc:AlternateContent>
-      <mc:AlternateContent xmlns:mc="http://schemas.openxmlformats.org/markup-compatibility/2006">
-        <mc:Choice xmlns:a14="http://schemas.microsoft.com/office/drawing/2010/main" Requires="a14">
+      <mc:AlternateContent xmlns:mc="http://schemas.openxmlformats.org/markup-compatibility/2006" xmlns:a14="http://schemas.microsoft.com/office/drawing/2010/main">
+        <mc:Choice Requires="a14">
           <p:sp>
             <p:nvSpPr>
               <p:cNvPr id="45" name="ZoneTexte 44">
@@ -16563,7 +16563,7 @@
             </p:txBody>
           </p:sp>
         </mc:Choice>
-        <mc:Fallback>
+        <mc:Fallback xmlns="">
           <p:sp>
             <p:nvSpPr>
               <p:cNvPr id="45" name="ZoneTexte 44">
@@ -16665,8 +16665,8 @@
           </a:p>
         </p:txBody>
       </p:sp>
-      <mc:AlternateContent xmlns:mc="http://schemas.openxmlformats.org/markup-compatibility/2006">
-        <mc:Choice xmlns:a14="http://schemas.microsoft.com/office/drawing/2010/main" Requires="a14">
+      <mc:AlternateContent xmlns:mc="http://schemas.openxmlformats.org/markup-compatibility/2006" xmlns:a14="http://schemas.microsoft.com/office/drawing/2010/main">
+        <mc:Choice Requires="a14">
           <p:sp>
             <p:nvSpPr>
               <p:cNvPr id="51" name="ZoneTexte 50">
@@ -16735,7 +16735,7 @@
             </p:txBody>
           </p:sp>
         </mc:Choice>
-        <mc:Fallback>
+        <mc:Fallback xmlns="">
           <p:sp>
             <p:nvSpPr>
               <p:cNvPr id="51" name="ZoneTexte 50">
@@ -16840,8 +16840,8 @@
           </a:p>
         </p:txBody>
       </p:sp>
-      <mc:AlternateContent xmlns:mc="http://schemas.openxmlformats.org/markup-compatibility/2006">
-        <mc:Choice xmlns:a14="http://schemas.microsoft.com/office/drawing/2010/main" Requires="a14">
+      <mc:AlternateContent xmlns:mc="http://schemas.openxmlformats.org/markup-compatibility/2006" xmlns:a14="http://schemas.microsoft.com/office/drawing/2010/main">
+        <mc:Choice Requires="a14">
           <p:sp>
             <p:nvSpPr>
               <p:cNvPr id="53" name="ZoneTexte 52">
@@ -16954,7 +16954,7 @@
             </p:txBody>
           </p:sp>
         </mc:Choice>
-        <mc:Fallback>
+        <mc:Fallback xmlns="">
           <p:sp>
             <p:nvSpPr>
               <p:cNvPr id="53" name="ZoneTexte 52">
@@ -17002,8 +17002,8 @@
           </p:sp>
         </mc:Fallback>
       </mc:AlternateContent>
-      <mc:AlternateContent xmlns:mc="http://schemas.openxmlformats.org/markup-compatibility/2006">
-        <mc:Choice xmlns:a14="http://schemas.microsoft.com/office/drawing/2010/main" Requires="a14">
+      <mc:AlternateContent xmlns:mc="http://schemas.openxmlformats.org/markup-compatibility/2006" xmlns:a14="http://schemas.microsoft.com/office/drawing/2010/main">
+        <mc:Choice Requires="a14">
           <p:sp>
             <p:nvSpPr>
               <p:cNvPr id="54" name="ZoneTexte 53">
@@ -17072,7 +17072,7 @@
             </p:txBody>
           </p:sp>
         </mc:Choice>
-        <mc:Fallback>
+        <mc:Fallback xmlns="">
           <p:sp>
             <p:nvSpPr>
               <p:cNvPr id="54" name="ZoneTexte 53">
@@ -30648,7 +30648,7 @@
           <p:nvPr/>
         </p:nvSpPr>
         <p:spPr>
-          <a:xfrm rot="10800000">
+          <a:xfrm>
             <a:off x="3985516" y="595902"/>
             <a:ext cx="390418" cy="788202"/>
           </a:xfrm>
@@ -30806,6 +30806,44 @@
           </a:p>
         </p:txBody>
       </p:sp>
+      <p:cxnSp>
+        <p:nvCxnSpPr>
+          <p:cNvPr id="3" name="Connecteur droit 2">
+            <a:extLst>
+              <a:ext uri="{FF2B5EF4-FFF2-40B4-BE49-F238E27FC236}">
+                <a16:creationId xmlns:a16="http://schemas.microsoft.com/office/drawing/2014/main" id="{1DB1D63F-06A2-48BF-9F08-4C5F2CA5129C}"/>
+              </a:ext>
+            </a:extLst>
+          </p:cNvPr>
+          <p:cNvCxnSpPr>
+            <a:cxnSpLocks/>
+          </p:cNvCxnSpPr>
+          <p:nvPr/>
+        </p:nvCxnSpPr>
+        <p:spPr>
+          <a:xfrm flipH="1" flipV="1">
+            <a:off x="2786743" y="4632960"/>
+            <a:ext cx="3041824" cy="722811"/>
+          </a:xfrm>
+          <a:prstGeom prst="line">
+            <a:avLst/>
+          </a:prstGeom>
+        </p:spPr>
+        <p:style>
+          <a:lnRef idx="1">
+            <a:schemeClr val="accent1"/>
+          </a:lnRef>
+          <a:fillRef idx="0">
+            <a:schemeClr val="accent1"/>
+          </a:fillRef>
+          <a:effectRef idx="0">
+            <a:schemeClr val="accent1"/>
+          </a:effectRef>
+          <a:fontRef idx="minor">
+            <a:schemeClr val="tx1"/>
+          </a:fontRef>
+        </p:style>
+      </p:cxnSp>
     </p:spTree>
     <p:extLst>
       <p:ext uri="{BB962C8B-B14F-4D97-AF65-F5344CB8AC3E}">
@@ -31112,6 +31150,234 @@
           </a:fontRef>
         </p:style>
       </p:cxnSp>
+      <p:sp>
+        <p:nvSpPr>
+          <p:cNvPr id="12" name="Flèche : haut 11">
+            <a:extLst>
+              <a:ext uri="{FF2B5EF4-FFF2-40B4-BE49-F238E27FC236}">
+                <a16:creationId xmlns:a16="http://schemas.microsoft.com/office/drawing/2014/main" id="{7E22F6CD-5D00-4F48-98F7-ACAD26FAE5F0}"/>
+              </a:ext>
+            </a:extLst>
+          </p:cNvPr>
+          <p:cNvSpPr/>
+          <p:nvPr/>
+        </p:nvSpPr>
+        <p:spPr>
+          <a:xfrm>
+            <a:off x="4794179" y="534942"/>
+            <a:ext cx="390418" cy="788202"/>
+          </a:xfrm>
+          <a:prstGeom prst="upArrow">
+            <a:avLst>
+              <a:gd name="adj1" fmla="val 44737"/>
+              <a:gd name="adj2" fmla="val 52632"/>
+            </a:avLst>
+          </a:prstGeom>
+          <a:solidFill>
+            <a:srgbClr val="FFC000"/>
+          </a:solidFill>
+          <a:ln w="28575">
+            <a:solidFill>
+              <a:srgbClr val="FF0000"/>
+            </a:solidFill>
+          </a:ln>
+        </p:spPr>
+        <p:style>
+          <a:lnRef idx="2">
+            <a:schemeClr val="accent1">
+              <a:shade val="50000"/>
+            </a:schemeClr>
+          </a:lnRef>
+          <a:fillRef idx="1">
+            <a:schemeClr val="accent1"/>
+          </a:fillRef>
+          <a:effectRef idx="0">
+            <a:schemeClr val="accent1"/>
+          </a:effectRef>
+          <a:fontRef idx="minor">
+            <a:schemeClr val="lt1"/>
+          </a:fontRef>
+        </p:style>
+        <p:txBody>
+          <a:bodyPr rtlCol="0" anchor="ctr"/>
+          <a:lstStyle/>
+          <a:p>
+            <a:pPr algn="ctr"/>
+            <a:endParaRPr lang="fr-FR"/>
+          </a:p>
+        </p:txBody>
+      </p:sp>
+      <p:sp>
+        <p:nvSpPr>
+          <p:cNvPr id="13" name="Flèche : haut 12">
+            <a:extLst>
+              <a:ext uri="{FF2B5EF4-FFF2-40B4-BE49-F238E27FC236}">
+                <a16:creationId xmlns:a16="http://schemas.microsoft.com/office/drawing/2014/main" id="{72BF6C76-0559-40A0-9C8C-A7983DC5A5AE}"/>
+              </a:ext>
+            </a:extLst>
+          </p:cNvPr>
+          <p:cNvSpPr/>
+          <p:nvPr/>
+        </p:nvSpPr>
+        <p:spPr>
+          <a:xfrm>
+            <a:off x="1762446" y="534942"/>
+            <a:ext cx="390418" cy="788202"/>
+          </a:xfrm>
+          <a:prstGeom prst="upArrow">
+            <a:avLst>
+              <a:gd name="adj1" fmla="val 44737"/>
+              <a:gd name="adj2" fmla="val 52632"/>
+            </a:avLst>
+          </a:prstGeom>
+          <a:solidFill>
+            <a:srgbClr val="FFC000"/>
+          </a:solidFill>
+          <a:ln w="28575">
+            <a:solidFill>
+              <a:srgbClr val="FF0000"/>
+            </a:solidFill>
+          </a:ln>
+        </p:spPr>
+        <p:style>
+          <a:lnRef idx="2">
+            <a:schemeClr val="accent1">
+              <a:shade val="50000"/>
+            </a:schemeClr>
+          </a:lnRef>
+          <a:fillRef idx="1">
+            <a:schemeClr val="accent1"/>
+          </a:fillRef>
+          <a:effectRef idx="0">
+            <a:schemeClr val="accent1"/>
+          </a:effectRef>
+          <a:fontRef idx="minor">
+            <a:schemeClr val="lt1"/>
+          </a:fontRef>
+        </p:style>
+        <p:txBody>
+          <a:bodyPr rtlCol="0" anchor="ctr"/>
+          <a:lstStyle/>
+          <a:p>
+            <a:pPr algn="ctr"/>
+            <a:endParaRPr lang="fr-FR"/>
+          </a:p>
+        </p:txBody>
+      </p:sp>
+      <p:sp>
+        <p:nvSpPr>
+          <p:cNvPr id="15" name="Flèche : haut 14">
+            <a:extLst>
+              <a:ext uri="{FF2B5EF4-FFF2-40B4-BE49-F238E27FC236}">
+                <a16:creationId xmlns:a16="http://schemas.microsoft.com/office/drawing/2014/main" id="{FD3A7FFE-CB53-44E9-9A26-5285F4EB9B3C}"/>
+              </a:ext>
+            </a:extLst>
+          </p:cNvPr>
+          <p:cNvSpPr/>
+          <p:nvPr/>
+        </p:nvSpPr>
+        <p:spPr>
+          <a:xfrm>
+            <a:off x="3605497" y="3606914"/>
+            <a:ext cx="267433" cy="539911"/>
+          </a:xfrm>
+          <a:prstGeom prst="upArrow">
+            <a:avLst>
+              <a:gd name="adj1" fmla="val 44737"/>
+              <a:gd name="adj2" fmla="val 52632"/>
+            </a:avLst>
+          </a:prstGeom>
+          <a:solidFill>
+            <a:srgbClr val="884A4A"/>
+          </a:solidFill>
+          <a:ln w="12700">
+            <a:solidFill>
+              <a:schemeClr val="tx1"/>
+            </a:solidFill>
+          </a:ln>
+        </p:spPr>
+        <p:style>
+          <a:lnRef idx="2">
+            <a:schemeClr val="accent1">
+              <a:shade val="50000"/>
+            </a:schemeClr>
+          </a:lnRef>
+          <a:fillRef idx="1">
+            <a:schemeClr val="accent1"/>
+          </a:fillRef>
+          <a:effectRef idx="0">
+            <a:schemeClr val="accent1"/>
+          </a:effectRef>
+          <a:fontRef idx="minor">
+            <a:schemeClr val="lt1"/>
+          </a:fontRef>
+        </p:style>
+        <p:txBody>
+          <a:bodyPr rtlCol="0" anchor="ctr"/>
+          <a:lstStyle/>
+          <a:p>
+            <a:pPr algn="ctr"/>
+            <a:endParaRPr lang="fr-FR"/>
+          </a:p>
+        </p:txBody>
+      </p:sp>
+      <p:sp>
+        <p:nvSpPr>
+          <p:cNvPr id="16" name="Flèche : haut 15">
+            <a:extLst>
+              <a:ext uri="{FF2B5EF4-FFF2-40B4-BE49-F238E27FC236}">
+                <a16:creationId xmlns:a16="http://schemas.microsoft.com/office/drawing/2014/main" id="{472603D8-8385-4022-BB76-5A48DA1A3944}"/>
+              </a:ext>
+            </a:extLst>
+          </p:cNvPr>
+          <p:cNvSpPr/>
+          <p:nvPr/>
+        </p:nvSpPr>
+        <p:spPr>
+          <a:xfrm>
+            <a:off x="3022990" y="3606914"/>
+            <a:ext cx="267433" cy="539911"/>
+          </a:xfrm>
+          <a:prstGeom prst="upArrow">
+            <a:avLst>
+              <a:gd name="adj1" fmla="val 44737"/>
+              <a:gd name="adj2" fmla="val 52632"/>
+            </a:avLst>
+          </a:prstGeom>
+          <a:solidFill>
+            <a:srgbClr val="4D84FF"/>
+          </a:solidFill>
+          <a:ln w="12700">
+            <a:solidFill>
+              <a:schemeClr val="tx1"/>
+            </a:solidFill>
+          </a:ln>
+        </p:spPr>
+        <p:style>
+          <a:lnRef idx="2">
+            <a:schemeClr val="accent1">
+              <a:shade val="50000"/>
+            </a:schemeClr>
+          </a:lnRef>
+          <a:fillRef idx="1">
+            <a:schemeClr val="accent1"/>
+          </a:fillRef>
+          <a:effectRef idx="0">
+            <a:schemeClr val="accent1"/>
+          </a:effectRef>
+          <a:fontRef idx="minor">
+            <a:schemeClr val="lt1"/>
+          </a:fontRef>
+        </p:style>
+        <p:txBody>
+          <a:bodyPr rtlCol="0" anchor="ctr"/>
+          <a:lstStyle/>
+          <a:p>
+            <a:pPr algn="ctr"/>
+            <a:endParaRPr lang="fr-FR"/>
+          </a:p>
+        </p:txBody>
+      </p:sp>
     </p:spTree>
     <p:extLst>
       <p:ext uri="{BB962C8B-B14F-4D97-AF65-F5344CB8AC3E}">

--- a/2009/CCMP_PSI_SI_Roburoc/images/Figures.pptx
+++ b/2009/CCMP_PSI_SI_Roburoc/images/Figures.pptx
@@ -17,6 +17,7 @@
     <p:sldId id="257" r:id="rId11"/>
     <p:sldId id="258" r:id="rId12"/>
     <p:sldId id="259" r:id="rId13"/>
+    <p:sldId id="268" r:id="rId14"/>
   </p:sldIdLst>
   <p:sldSz cx="12192000" cy="6858000"/>
   <p:notesSz cx="6858000" cy="9144000"/>
@@ -281,7 +282,7 @@
           <a:p>
             <a:fld id="{09EECFAC-1254-4C1B-8D44-747D8ED10A4A}" type="datetimeFigureOut">
               <a:rPr lang="fr-FR" smtClean="0"/>
-              <a:t>29/03/2022</a:t>
+              <a:t>03/02/2024</a:t>
             </a:fld>
             <a:endParaRPr lang="fr-FR"/>
           </a:p>
@@ -479,7 +480,7 @@
           <a:p>
             <a:fld id="{09EECFAC-1254-4C1B-8D44-747D8ED10A4A}" type="datetimeFigureOut">
               <a:rPr lang="fr-FR" smtClean="0"/>
-              <a:t>29/03/2022</a:t>
+              <a:t>03/02/2024</a:t>
             </a:fld>
             <a:endParaRPr lang="fr-FR"/>
           </a:p>
@@ -687,7 +688,7 @@
           <a:p>
             <a:fld id="{09EECFAC-1254-4C1B-8D44-747D8ED10A4A}" type="datetimeFigureOut">
               <a:rPr lang="fr-FR" smtClean="0"/>
-              <a:t>29/03/2022</a:t>
+              <a:t>03/02/2024</a:t>
             </a:fld>
             <a:endParaRPr lang="fr-FR"/>
           </a:p>
@@ -885,7 +886,7 @@
           <a:p>
             <a:fld id="{09EECFAC-1254-4C1B-8D44-747D8ED10A4A}" type="datetimeFigureOut">
               <a:rPr lang="fr-FR" smtClean="0"/>
-              <a:t>29/03/2022</a:t>
+              <a:t>03/02/2024</a:t>
             </a:fld>
             <a:endParaRPr lang="fr-FR"/>
           </a:p>
@@ -1160,7 +1161,7 @@
           <a:p>
             <a:fld id="{09EECFAC-1254-4C1B-8D44-747D8ED10A4A}" type="datetimeFigureOut">
               <a:rPr lang="fr-FR" smtClean="0"/>
-              <a:t>29/03/2022</a:t>
+              <a:t>03/02/2024</a:t>
             </a:fld>
             <a:endParaRPr lang="fr-FR"/>
           </a:p>
@@ -1425,7 +1426,7 @@
           <a:p>
             <a:fld id="{09EECFAC-1254-4C1B-8D44-747D8ED10A4A}" type="datetimeFigureOut">
               <a:rPr lang="fr-FR" smtClean="0"/>
-              <a:t>29/03/2022</a:t>
+              <a:t>03/02/2024</a:t>
             </a:fld>
             <a:endParaRPr lang="fr-FR"/>
           </a:p>
@@ -1837,7 +1838,7 @@
           <a:p>
             <a:fld id="{09EECFAC-1254-4C1B-8D44-747D8ED10A4A}" type="datetimeFigureOut">
               <a:rPr lang="fr-FR" smtClean="0"/>
-              <a:t>29/03/2022</a:t>
+              <a:t>03/02/2024</a:t>
             </a:fld>
             <a:endParaRPr lang="fr-FR"/>
           </a:p>
@@ -1978,7 +1979,7 @@
           <a:p>
             <a:fld id="{09EECFAC-1254-4C1B-8D44-747D8ED10A4A}" type="datetimeFigureOut">
               <a:rPr lang="fr-FR" smtClean="0"/>
-              <a:t>29/03/2022</a:t>
+              <a:t>03/02/2024</a:t>
             </a:fld>
             <a:endParaRPr lang="fr-FR"/>
           </a:p>
@@ -2091,7 +2092,7 @@
           <a:p>
             <a:fld id="{09EECFAC-1254-4C1B-8D44-747D8ED10A4A}" type="datetimeFigureOut">
               <a:rPr lang="fr-FR" smtClean="0"/>
-              <a:t>29/03/2022</a:t>
+              <a:t>03/02/2024</a:t>
             </a:fld>
             <a:endParaRPr lang="fr-FR"/>
           </a:p>
@@ -2402,7 +2403,7 @@
           <a:p>
             <a:fld id="{09EECFAC-1254-4C1B-8D44-747D8ED10A4A}" type="datetimeFigureOut">
               <a:rPr lang="fr-FR" smtClean="0"/>
-              <a:t>29/03/2022</a:t>
+              <a:t>03/02/2024</a:t>
             </a:fld>
             <a:endParaRPr lang="fr-FR"/>
           </a:p>
@@ -2690,7 +2691,7 @@
           <a:p>
             <a:fld id="{09EECFAC-1254-4C1B-8D44-747D8ED10A4A}" type="datetimeFigureOut">
               <a:rPr lang="fr-FR" smtClean="0"/>
-              <a:t>29/03/2022</a:t>
+              <a:t>03/02/2024</a:t>
             </a:fld>
             <a:endParaRPr lang="fr-FR"/>
           </a:p>
@@ -2931,7 +2932,7 @@
           <a:p>
             <a:fld id="{09EECFAC-1254-4C1B-8D44-747D8ED10A4A}" type="datetimeFigureOut">
               <a:rPr lang="fr-FR" smtClean="0"/>
-              <a:t>29/03/2022</a:t>
+              <a:t>03/02/2024</a:t>
             </a:fld>
             <a:endParaRPr lang="fr-FR"/>
           </a:p>
@@ -15399,6 +15400,1270 @@
     <p:extLst>
       <p:ext uri="{BB962C8B-B14F-4D97-AF65-F5344CB8AC3E}">
         <p14:creationId xmlns:p14="http://schemas.microsoft.com/office/powerpoint/2010/main" val="3127142992"/>
+      </p:ext>
+    </p:extLst>
+  </p:cSld>
+  <p:clrMapOvr>
+    <a:masterClrMapping/>
+  </p:clrMapOvr>
+</p:sld>
+</file>
+
+<file path=ppt/slides/slide13.xml><?xml version="1.0" encoding="utf-8"?>
+<p:sld xmlns:a="http://schemas.openxmlformats.org/drawingml/2006/main" xmlns:r="http://schemas.openxmlformats.org/officeDocument/2006/relationships" xmlns:p="http://schemas.openxmlformats.org/presentationml/2006/main">
+  <p:cSld>
+    <p:spTree>
+      <p:nvGrpSpPr>
+        <p:cNvPr id="1" name=""/>
+        <p:cNvGrpSpPr/>
+        <p:nvPr/>
+      </p:nvGrpSpPr>
+      <p:grpSpPr>
+        <a:xfrm>
+          <a:off x="0" y="0"/>
+          <a:ext cx="0" cy="0"/>
+          <a:chOff x="0" y="0"/>
+          <a:chExt cx="0" cy="0"/>
+        </a:xfrm>
+      </p:grpSpPr>
+      <p:pic>
+        <p:nvPicPr>
+          <p:cNvPr id="4" name="Image 3">
+            <a:extLst>
+              <a:ext uri="{FF2B5EF4-FFF2-40B4-BE49-F238E27FC236}">
+                <a16:creationId xmlns:a16="http://schemas.microsoft.com/office/drawing/2014/main" id="{7554F9A9-C8C3-CAD7-76FE-25D4FAE7A2C5}"/>
+              </a:ext>
+            </a:extLst>
+          </p:cNvPr>
+          <p:cNvPicPr>
+            <a:picLocks noChangeAspect="1"/>
+          </p:cNvPicPr>
+          <p:nvPr/>
+        </p:nvPicPr>
+        <p:blipFill>
+          <a:blip r:embed="rId2">
+            <a:extLst>
+              <a:ext uri="{28A0092B-C50C-407E-A947-70E740481C1C}">
+                <a14:useLocalDpi xmlns:a14="http://schemas.microsoft.com/office/drawing/2010/main" val="0"/>
+              </a:ext>
+            </a:extLst>
+          </a:blip>
+          <a:srcRect/>
+          <a:stretch>
+            <a:fillRect/>
+          </a:stretch>
+        </p:blipFill>
+        <p:spPr bwMode="auto">
+          <a:xfrm>
+            <a:off x="4021108" y="326398"/>
+            <a:ext cx="4319905" cy="2530475"/>
+          </a:xfrm>
+          <a:prstGeom prst="rect">
+            <a:avLst/>
+          </a:prstGeom>
+          <a:noFill/>
+          <a:ln>
+            <a:noFill/>
+          </a:ln>
+        </p:spPr>
+      </p:pic>
+      <p:pic>
+        <p:nvPicPr>
+          <p:cNvPr id="5" name="Image 4">
+            <a:extLst>
+              <a:ext uri="{FF2B5EF4-FFF2-40B4-BE49-F238E27FC236}">
+                <a16:creationId xmlns:a16="http://schemas.microsoft.com/office/drawing/2014/main" id="{620911E0-98D4-72C6-08C4-3F5EE2AF81FB}"/>
+              </a:ext>
+            </a:extLst>
+          </p:cNvPr>
+          <p:cNvPicPr>
+            <a:picLocks noChangeAspect="1"/>
+          </p:cNvPicPr>
+          <p:nvPr/>
+        </p:nvPicPr>
+        <p:blipFill>
+          <a:blip r:embed="rId3">
+            <a:extLst>
+              <a:ext uri="{28A0092B-C50C-407E-A947-70E740481C1C}">
+                <a14:useLocalDpi xmlns:a14="http://schemas.microsoft.com/office/drawing/2010/main" val="0"/>
+              </a:ext>
+            </a:extLst>
+          </a:blip>
+          <a:srcRect/>
+          <a:stretch>
+            <a:fillRect/>
+          </a:stretch>
+        </p:blipFill>
+        <p:spPr bwMode="auto">
+          <a:xfrm>
+            <a:off x="4021108" y="2856873"/>
+            <a:ext cx="4319905" cy="2555875"/>
+          </a:xfrm>
+          <a:prstGeom prst="rect">
+            <a:avLst/>
+          </a:prstGeom>
+          <a:noFill/>
+          <a:ln>
+            <a:noFill/>
+          </a:ln>
+        </p:spPr>
+      </p:pic>
+      <p:cxnSp>
+        <p:nvCxnSpPr>
+          <p:cNvPr id="6" name="Connecteur droit 5">
+            <a:extLst>
+              <a:ext uri="{FF2B5EF4-FFF2-40B4-BE49-F238E27FC236}">
+                <a16:creationId xmlns:a16="http://schemas.microsoft.com/office/drawing/2014/main" id="{25A4238D-9BB8-5453-DB6D-52C2D590A415}"/>
+              </a:ext>
+            </a:extLst>
+          </p:cNvPr>
+          <p:cNvCxnSpPr>
+            <a:cxnSpLocks/>
+          </p:cNvCxnSpPr>
+          <p:nvPr/>
+        </p:nvCxnSpPr>
+        <p:spPr>
+          <a:xfrm>
+            <a:off x="4237960" y="476308"/>
+            <a:ext cx="3886200" cy="1573676"/>
+          </a:xfrm>
+          <a:prstGeom prst="line">
+            <a:avLst/>
+          </a:prstGeom>
+          <a:ln w="28575">
+            <a:solidFill>
+              <a:srgbClr val="C00000"/>
+            </a:solidFill>
+          </a:ln>
+        </p:spPr>
+        <p:style>
+          <a:lnRef idx="1">
+            <a:schemeClr val="accent1"/>
+          </a:lnRef>
+          <a:fillRef idx="0">
+            <a:schemeClr val="accent1"/>
+          </a:fillRef>
+          <a:effectRef idx="0">
+            <a:schemeClr val="accent1"/>
+          </a:effectRef>
+          <a:fontRef idx="minor">
+            <a:schemeClr val="tx1"/>
+          </a:fontRef>
+        </p:style>
+      </p:cxnSp>
+      <p:cxnSp>
+        <p:nvCxnSpPr>
+          <p:cNvPr id="12" name="Connecteur droit 11">
+            <a:extLst>
+              <a:ext uri="{FF2B5EF4-FFF2-40B4-BE49-F238E27FC236}">
+                <a16:creationId xmlns:a16="http://schemas.microsoft.com/office/drawing/2014/main" id="{2A564008-E258-3E09-4B51-25038F094B2E}"/>
+              </a:ext>
+            </a:extLst>
+          </p:cNvPr>
+          <p:cNvCxnSpPr>
+            <a:cxnSpLocks/>
+          </p:cNvCxnSpPr>
+          <p:nvPr/>
+        </p:nvCxnSpPr>
+        <p:spPr>
+          <a:xfrm>
+            <a:off x="4233333" y="4310584"/>
+            <a:ext cx="4038600" cy="0"/>
+          </a:xfrm>
+          <a:prstGeom prst="line">
+            <a:avLst/>
+          </a:prstGeom>
+          <a:ln w="28575">
+            <a:solidFill>
+              <a:srgbClr val="C00000"/>
+            </a:solidFill>
+          </a:ln>
+        </p:spPr>
+        <p:style>
+          <a:lnRef idx="1">
+            <a:schemeClr val="accent1"/>
+          </a:lnRef>
+          <a:fillRef idx="0">
+            <a:schemeClr val="accent1"/>
+          </a:fillRef>
+          <a:effectRef idx="0">
+            <a:schemeClr val="accent1"/>
+          </a:effectRef>
+          <a:fontRef idx="minor">
+            <a:schemeClr val="tx1"/>
+          </a:fontRef>
+        </p:style>
+      </p:cxnSp>
+      <p:sp>
+        <p:nvSpPr>
+          <p:cNvPr id="14" name="Forme libre : forme 13">
+            <a:extLst>
+              <a:ext uri="{FF2B5EF4-FFF2-40B4-BE49-F238E27FC236}">
+                <a16:creationId xmlns:a16="http://schemas.microsoft.com/office/drawing/2014/main" id="{48009103-9098-43F2-3200-4FD64FBB7D5F}"/>
+              </a:ext>
+            </a:extLst>
+          </p:cNvPr>
+          <p:cNvSpPr/>
+          <p:nvPr/>
+        </p:nvSpPr>
+        <p:spPr>
+          <a:xfrm>
+            <a:off x="4284133" y="4313763"/>
+            <a:ext cx="3911600" cy="1223432"/>
+          </a:xfrm>
+          <a:custGeom>
+            <a:avLst/>
+            <a:gdLst>
+              <a:gd name="connsiteX0" fmla="*/ 0 w 3886200"/>
+              <a:gd name="connsiteY0" fmla="*/ 3975 h 1341415"/>
+              <a:gd name="connsiteX1" fmla="*/ 736600 w 3886200"/>
+              <a:gd name="connsiteY1" fmla="*/ 71709 h 1341415"/>
+              <a:gd name="connsiteX2" fmla="*/ 1456267 w 3886200"/>
+              <a:gd name="connsiteY2" fmla="*/ 495042 h 1341415"/>
+              <a:gd name="connsiteX3" fmla="*/ 2260600 w 3886200"/>
+              <a:gd name="connsiteY3" fmla="*/ 689775 h 1341415"/>
+              <a:gd name="connsiteX4" fmla="*/ 2827867 w 3886200"/>
+              <a:gd name="connsiteY4" fmla="*/ 909909 h 1341415"/>
+              <a:gd name="connsiteX5" fmla="*/ 3191934 w 3886200"/>
+              <a:gd name="connsiteY5" fmla="*/ 1121575 h 1341415"/>
+              <a:gd name="connsiteX6" fmla="*/ 3886200 w 3886200"/>
+              <a:gd name="connsiteY6" fmla="*/ 1248575 h 1341415"/>
+              <a:gd name="connsiteX0" fmla="*/ 0 w 3886200"/>
+              <a:gd name="connsiteY0" fmla="*/ 595 h 1338035"/>
+              <a:gd name="connsiteX1" fmla="*/ 774700 w 3886200"/>
+              <a:gd name="connsiteY1" fmla="*/ 131829 h 1338035"/>
+              <a:gd name="connsiteX2" fmla="*/ 1456267 w 3886200"/>
+              <a:gd name="connsiteY2" fmla="*/ 491662 h 1338035"/>
+              <a:gd name="connsiteX3" fmla="*/ 2260600 w 3886200"/>
+              <a:gd name="connsiteY3" fmla="*/ 686395 h 1338035"/>
+              <a:gd name="connsiteX4" fmla="*/ 2827867 w 3886200"/>
+              <a:gd name="connsiteY4" fmla="*/ 906529 h 1338035"/>
+              <a:gd name="connsiteX5" fmla="*/ 3191934 w 3886200"/>
+              <a:gd name="connsiteY5" fmla="*/ 1118195 h 1338035"/>
+              <a:gd name="connsiteX6" fmla="*/ 3886200 w 3886200"/>
+              <a:gd name="connsiteY6" fmla="*/ 1245195 h 1338035"/>
+              <a:gd name="connsiteX0" fmla="*/ 0 w 3886200"/>
+              <a:gd name="connsiteY0" fmla="*/ 595 h 1245195"/>
+              <a:gd name="connsiteX1" fmla="*/ 774700 w 3886200"/>
+              <a:gd name="connsiteY1" fmla="*/ 131829 h 1245195"/>
+              <a:gd name="connsiteX2" fmla="*/ 1456267 w 3886200"/>
+              <a:gd name="connsiteY2" fmla="*/ 491662 h 1245195"/>
+              <a:gd name="connsiteX3" fmla="*/ 2260600 w 3886200"/>
+              <a:gd name="connsiteY3" fmla="*/ 686395 h 1245195"/>
+              <a:gd name="connsiteX4" fmla="*/ 2827867 w 3886200"/>
+              <a:gd name="connsiteY4" fmla="*/ 906529 h 1245195"/>
+              <a:gd name="connsiteX5" fmla="*/ 3886200 w 3886200"/>
+              <a:gd name="connsiteY5" fmla="*/ 1245195 h 1245195"/>
+              <a:gd name="connsiteX0" fmla="*/ 0 w 3886200"/>
+              <a:gd name="connsiteY0" fmla="*/ 595 h 1245195"/>
+              <a:gd name="connsiteX1" fmla="*/ 774700 w 3886200"/>
+              <a:gd name="connsiteY1" fmla="*/ 131829 h 1245195"/>
+              <a:gd name="connsiteX2" fmla="*/ 1456267 w 3886200"/>
+              <a:gd name="connsiteY2" fmla="*/ 491662 h 1245195"/>
+              <a:gd name="connsiteX3" fmla="*/ 2260600 w 3886200"/>
+              <a:gd name="connsiteY3" fmla="*/ 686395 h 1245195"/>
+              <a:gd name="connsiteX4" fmla="*/ 2827867 w 3886200"/>
+              <a:gd name="connsiteY4" fmla="*/ 906529 h 1245195"/>
+              <a:gd name="connsiteX5" fmla="*/ 3886200 w 3886200"/>
+              <a:gd name="connsiteY5" fmla="*/ 1245195 h 1245195"/>
+              <a:gd name="connsiteX0" fmla="*/ 0 w 3886200"/>
+              <a:gd name="connsiteY0" fmla="*/ 595 h 1245195"/>
+              <a:gd name="connsiteX1" fmla="*/ 774700 w 3886200"/>
+              <a:gd name="connsiteY1" fmla="*/ 131829 h 1245195"/>
+              <a:gd name="connsiteX2" fmla="*/ 1456267 w 3886200"/>
+              <a:gd name="connsiteY2" fmla="*/ 491662 h 1245195"/>
+              <a:gd name="connsiteX3" fmla="*/ 2260600 w 3886200"/>
+              <a:gd name="connsiteY3" fmla="*/ 686395 h 1245195"/>
+              <a:gd name="connsiteX4" fmla="*/ 2827867 w 3886200"/>
+              <a:gd name="connsiteY4" fmla="*/ 906529 h 1245195"/>
+              <a:gd name="connsiteX5" fmla="*/ 3886200 w 3886200"/>
+              <a:gd name="connsiteY5" fmla="*/ 1245195 h 1245195"/>
+            </a:gdLst>
+            <a:ahLst/>
+            <a:cxnLst>
+              <a:cxn ang="0">
+                <a:pos x="connsiteX0" y="connsiteY0"/>
+              </a:cxn>
+              <a:cxn ang="0">
+                <a:pos x="connsiteX1" y="connsiteY1"/>
+              </a:cxn>
+              <a:cxn ang="0">
+                <a:pos x="connsiteX2" y="connsiteY2"/>
+              </a:cxn>
+              <a:cxn ang="0">
+                <a:pos x="connsiteX3" y="connsiteY3"/>
+              </a:cxn>
+              <a:cxn ang="0">
+                <a:pos x="connsiteX4" y="connsiteY4"/>
+              </a:cxn>
+              <a:cxn ang="0">
+                <a:pos x="connsiteX5" y="connsiteY5"/>
+              </a:cxn>
+            </a:cxnLst>
+            <a:rect l="l" t="t" r="r" b="b"/>
+            <a:pathLst>
+              <a:path w="3886200" h="1245195">
+                <a:moveTo>
+                  <a:pt x="0" y="595"/>
+                </a:moveTo>
+                <a:cubicBezTo>
+                  <a:pt x="246944" y="-6461"/>
+                  <a:pt x="531989" y="49984"/>
+                  <a:pt x="774700" y="131829"/>
+                </a:cubicBezTo>
+                <a:cubicBezTo>
+                  <a:pt x="1017411" y="213674"/>
+                  <a:pt x="1208617" y="399234"/>
+                  <a:pt x="1456267" y="491662"/>
+                </a:cubicBezTo>
+                <a:cubicBezTo>
+                  <a:pt x="1703917" y="584090"/>
+                  <a:pt x="2032000" y="617250"/>
+                  <a:pt x="2260600" y="686395"/>
+                </a:cubicBezTo>
+                <a:cubicBezTo>
+                  <a:pt x="2489200" y="755540"/>
+                  <a:pt x="2569634" y="766829"/>
+                  <a:pt x="2827867" y="906529"/>
+                </a:cubicBezTo>
+                <a:cubicBezTo>
+                  <a:pt x="3086100" y="1046229"/>
+                  <a:pt x="3382081" y="1238140"/>
+                  <a:pt x="3886200" y="1245195"/>
+                </a:cubicBezTo>
+              </a:path>
+            </a:pathLst>
+          </a:custGeom>
+          <a:noFill/>
+          <a:ln w="38100">
+            <a:solidFill>
+              <a:schemeClr val="accent1"/>
+            </a:solidFill>
+          </a:ln>
+        </p:spPr>
+        <p:style>
+          <a:lnRef idx="2">
+            <a:schemeClr val="accent1">
+              <a:shade val="15000"/>
+            </a:schemeClr>
+          </a:lnRef>
+          <a:fillRef idx="1">
+            <a:schemeClr val="accent1"/>
+          </a:fillRef>
+          <a:effectRef idx="0">
+            <a:schemeClr val="accent1"/>
+          </a:effectRef>
+          <a:fontRef idx="minor">
+            <a:schemeClr val="lt1"/>
+          </a:fontRef>
+        </p:style>
+        <p:txBody>
+          <a:bodyPr rtlCol="0" anchor="ctr"/>
+          <a:lstStyle/>
+          <a:p>
+            <a:pPr algn="ctr"/>
+            <a:endParaRPr lang="fr-FR"/>
+          </a:p>
+        </p:txBody>
+      </p:sp>
+      <p:cxnSp>
+        <p:nvCxnSpPr>
+          <p:cNvPr id="16" name="Connecteur droit avec flèche 15">
+            <a:extLst>
+              <a:ext uri="{FF2B5EF4-FFF2-40B4-BE49-F238E27FC236}">
+                <a16:creationId xmlns:a16="http://schemas.microsoft.com/office/drawing/2014/main" id="{DA545341-571F-EF9E-E8C4-EDE85F0C1880}"/>
+              </a:ext>
+            </a:extLst>
+          </p:cNvPr>
+          <p:cNvCxnSpPr>
+            <a:cxnSpLocks/>
+            <a:endCxn id="14" idx="1"/>
+          </p:cNvCxnSpPr>
+          <p:nvPr/>
+        </p:nvCxnSpPr>
+        <p:spPr>
+          <a:xfrm flipV="1">
+            <a:off x="5058833" y="4443288"/>
+            <a:ext cx="5063" cy="471612"/>
+          </a:xfrm>
+          <a:prstGeom prst="straightConnector1">
+            <a:avLst/>
+          </a:prstGeom>
+          <a:ln w="57150">
+            <a:solidFill>
+              <a:srgbClr val="C00000"/>
+            </a:solidFill>
+            <a:headEnd w="med" len="lg"/>
+            <a:tailEnd type="stealth" w="med" len="lg"/>
+          </a:ln>
+        </p:spPr>
+        <p:style>
+          <a:lnRef idx="1">
+            <a:schemeClr val="accent1"/>
+          </a:lnRef>
+          <a:fillRef idx="0">
+            <a:schemeClr val="accent1"/>
+          </a:fillRef>
+          <a:effectRef idx="0">
+            <a:schemeClr val="accent1"/>
+          </a:effectRef>
+          <a:fontRef idx="minor">
+            <a:schemeClr val="tx1"/>
+          </a:fontRef>
+        </p:style>
+      </p:cxnSp>
+      <p:sp>
+        <p:nvSpPr>
+          <p:cNvPr id="18" name="Forme libre : forme 17">
+            <a:extLst>
+              <a:ext uri="{FF2B5EF4-FFF2-40B4-BE49-F238E27FC236}">
+                <a16:creationId xmlns:a16="http://schemas.microsoft.com/office/drawing/2014/main" id="{084D9958-ADFB-C69B-98F2-009F7E10FEBC}"/>
+              </a:ext>
+            </a:extLst>
+          </p:cNvPr>
+          <p:cNvSpPr/>
+          <p:nvPr/>
+        </p:nvSpPr>
+        <p:spPr>
+          <a:xfrm>
+            <a:off x="4296833" y="479752"/>
+            <a:ext cx="3144800" cy="2181754"/>
+          </a:xfrm>
+          <a:custGeom>
+            <a:avLst/>
+            <a:gdLst>
+              <a:gd name="connsiteX0" fmla="*/ 0 w 3886200"/>
+              <a:gd name="connsiteY0" fmla="*/ 3975 h 1341415"/>
+              <a:gd name="connsiteX1" fmla="*/ 736600 w 3886200"/>
+              <a:gd name="connsiteY1" fmla="*/ 71709 h 1341415"/>
+              <a:gd name="connsiteX2" fmla="*/ 1456267 w 3886200"/>
+              <a:gd name="connsiteY2" fmla="*/ 495042 h 1341415"/>
+              <a:gd name="connsiteX3" fmla="*/ 2260600 w 3886200"/>
+              <a:gd name="connsiteY3" fmla="*/ 689775 h 1341415"/>
+              <a:gd name="connsiteX4" fmla="*/ 2827867 w 3886200"/>
+              <a:gd name="connsiteY4" fmla="*/ 909909 h 1341415"/>
+              <a:gd name="connsiteX5" fmla="*/ 3191934 w 3886200"/>
+              <a:gd name="connsiteY5" fmla="*/ 1121575 h 1341415"/>
+              <a:gd name="connsiteX6" fmla="*/ 3886200 w 3886200"/>
+              <a:gd name="connsiteY6" fmla="*/ 1248575 h 1341415"/>
+              <a:gd name="connsiteX0" fmla="*/ 0 w 3886200"/>
+              <a:gd name="connsiteY0" fmla="*/ 595 h 1338035"/>
+              <a:gd name="connsiteX1" fmla="*/ 774700 w 3886200"/>
+              <a:gd name="connsiteY1" fmla="*/ 131829 h 1338035"/>
+              <a:gd name="connsiteX2" fmla="*/ 1456267 w 3886200"/>
+              <a:gd name="connsiteY2" fmla="*/ 491662 h 1338035"/>
+              <a:gd name="connsiteX3" fmla="*/ 2260600 w 3886200"/>
+              <a:gd name="connsiteY3" fmla="*/ 686395 h 1338035"/>
+              <a:gd name="connsiteX4" fmla="*/ 2827867 w 3886200"/>
+              <a:gd name="connsiteY4" fmla="*/ 906529 h 1338035"/>
+              <a:gd name="connsiteX5" fmla="*/ 3191934 w 3886200"/>
+              <a:gd name="connsiteY5" fmla="*/ 1118195 h 1338035"/>
+              <a:gd name="connsiteX6" fmla="*/ 3886200 w 3886200"/>
+              <a:gd name="connsiteY6" fmla="*/ 1245195 h 1338035"/>
+              <a:gd name="connsiteX0" fmla="*/ 0 w 3886200"/>
+              <a:gd name="connsiteY0" fmla="*/ 595 h 1245195"/>
+              <a:gd name="connsiteX1" fmla="*/ 774700 w 3886200"/>
+              <a:gd name="connsiteY1" fmla="*/ 131829 h 1245195"/>
+              <a:gd name="connsiteX2" fmla="*/ 1456267 w 3886200"/>
+              <a:gd name="connsiteY2" fmla="*/ 491662 h 1245195"/>
+              <a:gd name="connsiteX3" fmla="*/ 2260600 w 3886200"/>
+              <a:gd name="connsiteY3" fmla="*/ 686395 h 1245195"/>
+              <a:gd name="connsiteX4" fmla="*/ 2827867 w 3886200"/>
+              <a:gd name="connsiteY4" fmla="*/ 906529 h 1245195"/>
+              <a:gd name="connsiteX5" fmla="*/ 3886200 w 3886200"/>
+              <a:gd name="connsiteY5" fmla="*/ 1245195 h 1245195"/>
+              <a:gd name="connsiteX0" fmla="*/ 0 w 3886200"/>
+              <a:gd name="connsiteY0" fmla="*/ 595 h 1245195"/>
+              <a:gd name="connsiteX1" fmla="*/ 774700 w 3886200"/>
+              <a:gd name="connsiteY1" fmla="*/ 131829 h 1245195"/>
+              <a:gd name="connsiteX2" fmla="*/ 1456267 w 3886200"/>
+              <a:gd name="connsiteY2" fmla="*/ 491662 h 1245195"/>
+              <a:gd name="connsiteX3" fmla="*/ 2260600 w 3886200"/>
+              <a:gd name="connsiteY3" fmla="*/ 686395 h 1245195"/>
+              <a:gd name="connsiteX4" fmla="*/ 2827867 w 3886200"/>
+              <a:gd name="connsiteY4" fmla="*/ 906529 h 1245195"/>
+              <a:gd name="connsiteX5" fmla="*/ 3886200 w 3886200"/>
+              <a:gd name="connsiteY5" fmla="*/ 1245195 h 1245195"/>
+              <a:gd name="connsiteX0" fmla="*/ 0 w 3886200"/>
+              <a:gd name="connsiteY0" fmla="*/ 595 h 1245195"/>
+              <a:gd name="connsiteX1" fmla="*/ 774700 w 3886200"/>
+              <a:gd name="connsiteY1" fmla="*/ 131829 h 1245195"/>
+              <a:gd name="connsiteX2" fmla="*/ 1456267 w 3886200"/>
+              <a:gd name="connsiteY2" fmla="*/ 491662 h 1245195"/>
+              <a:gd name="connsiteX3" fmla="*/ 2260600 w 3886200"/>
+              <a:gd name="connsiteY3" fmla="*/ 686395 h 1245195"/>
+              <a:gd name="connsiteX4" fmla="*/ 2827867 w 3886200"/>
+              <a:gd name="connsiteY4" fmla="*/ 906529 h 1245195"/>
+              <a:gd name="connsiteX5" fmla="*/ 3886200 w 3886200"/>
+              <a:gd name="connsiteY5" fmla="*/ 1245195 h 1245195"/>
+              <a:gd name="connsiteX0" fmla="*/ 0 w 3911435"/>
+              <a:gd name="connsiteY0" fmla="*/ 595 h 1620046"/>
+              <a:gd name="connsiteX1" fmla="*/ 774700 w 3911435"/>
+              <a:gd name="connsiteY1" fmla="*/ 131829 h 1620046"/>
+              <a:gd name="connsiteX2" fmla="*/ 1456267 w 3911435"/>
+              <a:gd name="connsiteY2" fmla="*/ 491662 h 1620046"/>
+              <a:gd name="connsiteX3" fmla="*/ 2260600 w 3911435"/>
+              <a:gd name="connsiteY3" fmla="*/ 686395 h 1620046"/>
+              <a:gd name="connsiteX4" fmla="*/ 2827867 w 3911435"/>
+              <a:gd name="connsiteY4" fmla="*/ 906529 h 1620046"/>
+              <a:gd name="connsiteX5" fmla="*/ 3911435 w 3911435"/>
+              <a:gd name="connsiteY5" fmla="*/ 1620046 h 1620046"/>
+              <a:gd name="connsiteX0" fmla="*/ 0 w 3898817"/>
+              <a:gd name="connsiteY0" fmla="*/ 114 h 1933346"/>
+              <a:gd name="connsiteX1" fmla="*/ 762082 w 3898817"/>
+              <a:gd name="connsiteY1" fmla="*/ 445129 h 1933346"/>
+              <a:gd name="connsiteX2" fmla="*/ 1443649 w 3898817"/>
+              <a:gd name="connsiteY2" fmla="*/ 804962 h 1933346"/>
+              <a:gd name="connsiteX3" fmla="*/ 2247982 w 3898817"/>
+              <a:gd name="connsiteY3" fmla="*/ 999695 h 1933346"/>
+              <a:gd name="connsiteX4" fmla="*/ 2815249 w 3898817"/>
+              <a:gd name="connsiteY4" fmla="*/ 1219829 h 1933346"/>
+              <a:gd name="connsiteX5" fmla="*/ 3898817 w 3898817"/>
+              <a:gd name="connsiteY5" fmla="*/ 1933346 h 1933346"/>
+              <a:gd name="connsiteX0" fmla="*/ 0 w 3898817"/>
+              <a:gd name="connsiteY0" fmla="*/ 0 h 1933232"/>
+              <a:gd name="connsiteX1" fmla="*/ 762082 w 3898817"/>
+              <a:gd name="connsiteY1" fmla="*/ 445015 h 1933232"/>
+              <a:gd name="connsiteX2" fmla="*/ 1443649 w 3898817"/>
+              <a:gd name="connsiteY2" fmla="*/ 804848 h 1933232"/>
+              <a:gd name="connsiteX3" fmla="*/ 2247982 w 3898817"/>
+              <a:gd name="connsiteY3" fmla="*/ 999581 h 1933232"/>
+              <a:gd name="connsiteX4" fmla="*/ 2815249 w 3898817"/>
+              <a:gd name="connsiteY4" fmla="*/ 1219715 h 1933232"/>
+              <a:gd name="connsiteX5" fmla="*/ 3898817 w 3898817"/>
+              <a:gd name="connsiteY5" fmla="*/ 1933232 h 1933232"/>
+              <a:gd name="connsiteX0" fmla="*/ 0 w 3898817"/>
+              <a:gd name="connsiteY0" fmla="*/ 0 h 1933232"/>
+              <a:gd name="connsiteX1" fmla="*/ 749464 w 3898817"/>
+              <a:gd name="connsiteY1" fmla="*/ 346959 h 1933232"/>
+              <a:gd name="connsiteX2" fmla="*/ 1443649 w 3898817"/>
+              <a:gd name="connsiteY2" fmla="*/ 804848 h 1933232"/>
+              <a:gd name="connsiteX3" fmla="*/ 2247982 w 3898817"/>
+              <a:gd name="connsiteY3" fmla="*/ 999581 h 1933232"/>
+              <a:gd name="connsiteX4" fmla="*/ 2815249 w 3898817"/>
+              <a:gd name="connsiteY4" fmla="*/ 1219715 h 1933232"/>
+              <a:gd name="connsiteX5" fmla="*/ 3898817 w 3898817"/>
+              <a:gd name="connsiteY5" fmla="*/ 1933232 h 1933232"/>
+              <a:gd name="connsiteX0" fmla="*/ 0 w 3898817"/>
+              <a:gd name="connsiteY0" fmla="*/ 0 h 1933232"/>
+              <a:gd name="connsiteX1" fmla="*/ 749464 w 3898817"/>
+              <a:gd name="connsiteY1" fmla="*/ 346959 h 1933232"/>
+              <a:gd name="connsiteX2" fmla="*/ 1500428 w 3898817"/>
+              <a:gd name="connsiteY2" fmla="*/ 661031 h 1933232"/>
+              <a:gd name="connsiteX3" fmla="*/ 2247982 w 3898817"/>
+              <a:gd name="connsiteY3" fmla="*/ 999581 h 1933232"/>
+              <a:gd name="connsiteX4" fmla="*/ 2815249 w 3898817"/>
+              <a:gd name="connsiteY4" fmla="*/ 1219715 h 1933232"/>
+              <a:gd name="connsiteX5" fmla="*/ 3898817 w 3898817"/>
+              <a:gd name="connsiteY5" fmla="*/ 1933232 h 1933232"/>
+              <a:gd name="connsiteX0" fmla="*/ 0 w 3898817"/>
+              <a:gd name="connsiteY0" fmla="*/ 0 h 1933232"/>
+              <a:gd name="connsiteX1" fmla="*/ 749464 w 3898817"/>
+              <a:gd name="connsiteY1" fmla="*/ 346959 h 1933232"/>
+              <a:gd name="connsiteX2" fmla="*/ 1405797 w 3898817"/>
+              <a:gd name="connsiteY2" fmla="*/ 1066332 h 1933232"/>
+              <a:gd name="connsiteX3" fmla="*/ 2247982 w 3898817"/>
+              <a:gd name="connsiteY3" fmla="*/ 999581 h 1933232"/>
+              <a:gd name="connsiteX4" fmla="*/ 2815249 w 3898817"/>
+              <a:gd name="connsiteY4" fmla="*/ 1219715 h 1933232"/>
+              <a:gd name="connsiteX5" fmla="*/ 3898817 w 3898817"/>
+              <a:gd name="connsiteY5" fmla="*/ 1933232 h 1933232"/>
+              <a:gd name="connsiteX0" fmla="*/ 0 w 3898817"/>
+              <a:gd name="connsiteY0" fmla="*/ 0 h 1933232"/>
+              <a:gd name="connsiteX1" fmla="*/ 749464 w 3898817"/>
+              <a:gd name="connsiteY1" fmla="*/ 346959 h 1933232"/>
+              <a:gd name="connsiteX2" fmla="*/ 1550898 w 3898817"/>
+              <a:gd name="connsiteY2" fmla="*/ 817922 h 1933232"/>
+              <a:gd name="connsiteX3" fmla="*/ 2247982 w 3898817"/>
+              <a:gd name="connsiteY3" fmla="*/ 999581 h 1933232"/>
+              <a:gd name="connsiteX4" fmla="*/ 2815249 w 3898817"/>
+              <a:gd name="connsiteY4" fmla="*/ 1219715 h 1933232"/>
+              <a:gd name="connsiteX5" fmla="*/ 3898817 w 3898817"/>
+              <a:gd name="connsiteY5" fmla="*/ 1933232 h 1933232"/>
+              <a:gd name="connsiteX0" fmla="*/ 0 w 3898817"/>
+              <a:gd name="connsiteY0" fmla="*/ 0 h 1933232"/>
+              <a:gd name="connsiteX1" fmla="*/ 749464 w 3898817"/>
+              <a:gd name="connsiteY1" fmla="*/ 346959 h 1933232"/>
+              <a:gd name="connsiteX2" fmla="*/ 1550898 w 3898817"/>
+              <a:gd name="connsiteY2" fmla="*/ 817922 h 1933232"/>
+              <a:gd name="connsiteX3" fmla="*/ 2323687 w 3898817"/>
+              <a:gd name="connsiteY3" fmla="*/ 1149934 h 1933232"/>
+              <a:gd name="connsiteX4" fmla="*/ 2815249 w 3898817"/>
+              <a:gd name="connsiteY4" fmla="*/ 1219715 h 1933232"/>
+              <a:gd name="connsiteX5" fmla="*/ 3898817 w 3898817"/>
+              <a:gd name="connsiteY5" fmla="*/ 1933232 h 1933232"/>
+              <a:gd name="connsiteX0" fmla="*/ 0 w 3898817"/>
+              <a:gd name="connsiteY0" fmla="*/ 0 h 1933232"/>
+              <a:gd name="connsiteX1" fmla="*/ 749464 w 3898817"/>
+              <a:gd name="connsiteY1" fmla="*/ 346959 h 1933232"/>
+              <a:gd name="connsiteX2" fmla="*/ 1550898 w 3898817"/>
+              <a:gd name="connsiteY2" fmla="*/ 817922 h 1933232"/>
+              <a:gd name="connsiteX3" fmla="*/ 2323687 w 3898817"/>
+              <a:gd name="connsiteY3" fmla="*/ 1149934 h 1933232"/>
+              <a:gd name="connsiteX4" fmla="*/ 3263172 w 3898817"/>
+              <a:gd name="connsiteY4" fmla="*/ 1598868 h 1933232"/>
+              <a:gd name="connsiteX5" fmla="*/ 3898817 w 3898817"/>
+              <a:gd name="connsiteY5" fmla="*/ 1933232 h 1933232"/>
+              <a:gd name="connsiteX0" fmla="*/ 0 w 3898817"/>
+              <a:gd name="connsiteY0" fmla="*/ 0 h 1951048"/>
+              <a:gd name="connsiteX1" fmla="*/ 749464 w 3898817"/>
+              <a:gd name="connsiteY1" fmla="*/ 346959 h 1951048"/>
+              <a:gd name="connsiteX2" fmla="*/ 1550898 w 3898817"/>
+              <a:gd name="connsiteY2" fmla="*/ 817922 h 1951048"/>
+              <a:gd name="connsiteX3" fmla="*/ 2323687 w 3898817"/>
+              <a:gd name="connsiteY3" fmla="*/ 1927850 h 1951048"/>
+              <a:gd name="connsiteX4" fmla="*/ 3263172 w 3898817"/>
+              <a:gd name="connsiteY4" fmla="*/ 1598868 h 1951048"/>
+              <a:gd name="connsiteX5" fmla="*/ 3898817 w 3898817"/>
+              <a:gd name="connsiteY5" fmla="*/ 1933232 h 1951048"/>
+              <a:gd name="connsiteX0" fmla="*/ 0 w 3898817"/>
+              <a:gd name="connsiteY0" fmla="*/ 0 h 1933232"/>
+              <a:gd name="connsiteX1" fmla="*/ 749464 w 3898817"/>
+              <a:gd name="connsiteY1" fmla="*/ 346959 h 1933232"/>
+              <a:gd name="connsiteX2" fmla="*/ 1550898 w 3898817"/>
+              <a:gd name="connsiteY2" fmla="*/ 817922 h 1933232"/>
+              <a:gd name="connsiteX3" fmla="*/ 2329996 w 3898817"/>
+              <a:gd name="connsiteY3" fmla="*/ 1555235 h 1933232"/>
+              <a:gd name="connsiteX4" fmla="*/ 3263172 w 3898817"/>
+              <a:gd name="connsiteY4" fmla="*/ 1598868 h 1933232"/>
+              <a:gd name="connsiteX5" fmla="*/ 3898817 w 3898817"/>
+              <a:gd name="connsiteY5" fmla="*/ 1933232 h 1933232"/>
+              <a:gd name="connsiteX0" fmla="*/ 0 w 3898817"/>
+              <a:gd name="connsiteY0" fmla="*/ 0 h 2285231"/>
+              <a:gd name="connsiteX1" fmla="*/ 749464 w 3898817"/>
+              <a:gd name="connsiteY1" fmla="*/ 346959 h 2285231"/>
+              <a:gd name="connsiteX2" fmla="*/ 1550898 w 3898817"/>
+              <a:gd name="connsiteY2" fmla="*/ 817922 h 2285231"/>
+              <a:gd name="connsiteX3" fmla="*/ 2329996 w 3898817"/>
+              <a:gd name="connsiteY3" fmla="*/ 1555235 h 2285231"/>
+              <a:gd name="connsiteX4" fmla="*/ 3111761 w 3898817"/>
+              <a:gd name="connsiteY4" fmla="*/ 2278727 h 2285231"/>
+              <a:gd name="connsiteX5" fmla="*/ 3898817 w 3898817"/>
+              <a:gd name="connsiteY5" fmla="*/ 1933232 h 2285231"/>
+              <a:gd name="connsiteX0" fmla="*/ 0 w 3111761"/>
+              <a:gd name="connsiteY0" fmla="*/ 0 h 2278727"/>
+              <a:gd name="connsiteX1" fmla="*/ 749464 w 3111761"/>
+              <a:gd name="connsiteY1" fmla="*/ 346959 h 2278727"/>
+              <a:gd name="connsiteX2" fmla="*/ 1550898 w 3111761"/>
+              <a:gd name="connsiteY2" fmla="*/ 817922 h 2278727"/>
+              <a:gd name="connsiteX3" fmla="*/ 2329996 w 3111761"/>
+              <a:gd name="connsiteY3" fmla="*/ 1555235 h 2278727"/>
+              <a:gd name="connsiteX4" fmla="*/ 3111761 w 3111761"/>
+              <a:gd name="connsiteY4" fmla="*/ 2278727 h 2278727"/>
+              <a:gd name="connsiteX0" fmla="*/ 0 w 3105452"/>
+              <a:gd name="connsiteY0" fmla="*/ 0 h 2232967"/>
+              <a:gd name="connsiteX1" fmla="*/ 749464 w 3105452"/>
+              <a:gd name="connsiteY1" fmla="*/ 346959 h 2232967"/>
+              <a:gd name="connsiteX2" fmla="*/ 1550898 w 3105452"/>
+              <a:gd name="connsiteY2" fmla="*/ 817922 h 2232967"/>
+              <a:gd name="connsiteX3" fmla="*/ 2329996 w 3105452"/>
+              <a:gd name="connsiteY3" fmla="*/ 1555235 h 2232967"/>
+              <a:gd name="connsiteX4" fmla="*/ 3105452 w 3105452"/>
+              <a:gd name="connsiteY4" fmla="*/ 2232967 h 2232967"/>
+              <a:gd name="connsiteX0" fmla="*/ 0 w 3105452"/>
+              <a:gd name="connsiteY0" fmla="*/ 0 h 2232967"/>
+              <a:gd name="connsiteX1" fmla="*/ 749464 w 3105452"/>
+              <a:gd name="connsiteY1" fmla="*/ 346959 h 2232967"/>
+              <a:gd name="connsiteX2" fmla="*/ 1550898 w 3105452"/>
+              <a:gd name="connsiteY2" fmla="*/ 817922 h 2232967"/>
+              <a:gd name="connsiteX3" fmla="*/ 2329996 w 3105452"/>
+              <a:gd name="connsiteY3" fmla="*/ 1555235 h 2232967"/>
+              <a:gd name="connsiteX4" fmla="*/ 3105452 w 3105452"/>
+              <a:gd name="connsiteY4" fmla="*/ 2232967 h 2232967"/>
+              <a:gd name="connsiteX0" fmla="*/ 0 w 3105452"/>
+              <a:gd name="connsiteY0" fmla="*/ 0 h 2232967"/>
+              <a:gd name="connsiteX1" fmla="*/ 749464 w 3105452"/>
+              <a:gd name="connsiteY1" fmla="*/ 346959 h 2232967"/>
+              <a:gd name="connsiteX2" fmla="*/ 1550898 w 3105452"/>
+              <a:gd name="connsiteY2" fmla="*/ 817922 h 2232967"/>
+              <a:gd name="connsiteX3" fmla="*/ 2329996 w 3105452"/>
+              <a:gd name="connsiteY3" fmla="*/ 1555235 h 2232967"/>
+              <a:gd name="connsiteX4" fmla="*/ 3105452 w 3105452"/>
+              <a:gd name="connsiteY4" fmla="*/ 2232967 h 2232967"/>
+              <a:gd name="connsiteX0" fmla="*/ 0 w 3124378"/>
+              <a:gd name="connsiteY0" fmla="*/ 0 h 2246041"/>
+              <a:gd name="connsiteX1" fmla="*/ 749464 w 3124378"/>
+              <a:gd name="connsiteY1" fmla="*/ 346959 h 2246041"/>
+              <a:gd name="connsiteX2" fmla="*/ 1550898 w 3124378"/>
+              <a:gd name="connsiteY2" fmla="*/ 817922 h 2246041"/>
+              <a:gd name="connsiteX3" fmla="*/ 2329996 w 3124378"/>
+              <a:gd name="connsiteY3" fmla="*/ 1555235 h 2246041"/>
+              <a:gd name="connsiteX4" fmla="*/ 3124378 w 3124378"/>
+              <a:gd name="connsiteY4" fmla="*/ 2246041 h 2246041"/>
+            </a:gdLst>
+            <a:ahLst/>
+            <a:cxnLst>
+              <a:cxn ang="0">
+                <a:pos x="connsiteX0" y="connsiteY0"/>
+              </a:cxn>
+              <a:cxn ang="0">
+                <a:pos x="connsiteX1" y="connsiteY1"/>
+              </a:cxn>
+              <a:cxn ang="0">
+                <a:pos x="connsiteX2" y="connsiteY2"/>
+              </a:cxn>
+              <a:cxn ang="0">
+                <a:pos x="connsiteX3" y="connsiteY3"/>
+              </a:cxn>
+              <a:cxn ang="0">
+                <a:pos x="connsiteX4" y="connsiteY4"/>
+              </a:cxn>
+            </a:cxnLst>
+            <a:rect l="l" t="t" r="r" b="b"/>
+            <a:pathLst>
+              <a:path w="3124378" h="2246041">
+                <a:moveTo>
+                  <a:pt x="0" y="0"/>
+                </a:moveTo>
+                <a:cubicBezTo>
+                  <a:pt x="429898" y="175983"/>
+                  <a:pt x="490981" y="210639"/>
+                  <a:pt x="749464" y="346959"/>
+                </a:cubicBezTo>
+                <a:cubicBezTo>
+                  <a:pt x="1007947" y="483279"/>
+                  <a:pt x="1287476" y="616543"/>
+                  <a:pt x="1550898" y="817922"/>
+                </a:cubicBezTo>
+                <a:cubicBezTo>
+                  <a:pt x="1814320" y="1019301"/>
+                  <a:pt x="2067749" y="1317215"/>
+                  <a:pt x="2329996" y="1555235"/>
+                </a:cubicBezTo>
+                <a:cubicBezTo>
+                  <a:pt x="2592243" y="1793255"/>
+                  <a:pt x="2761968" y="1934632"/>
+                  <a:pt x="3124378" y="2246041"/>
+                </a:cubicBezTo>
+              </a:path>
+            </a:pathLst>
+          </a:custGeom>
+          <a:noFill/>
+          <a:ln w="38100">
+            <a:solidFill>
+              <a:schemeClr val="accent1"/>
+            </a:solidFill>
+          </a:ln>
+        </p:spPr>
+        <p:style>
+          <a:lnRef idx="2">
+            <a:schemeClr val="accent1">
+              <a:shade val="15000"/>
+            </a:schemeClr>
+          </a:lnRef>
+          <a:fillRef idx="1">
+            <a:schemeClr val="accent1"/>
+          </a:fillRef>
+          <a:effectRef idx="0">
+            <a:schemeClr val="accent1"/>
+          </a:effectRef>
+          <a:fontRef idx="minor">
+            <a:schemeClr val="lt1"/>
+          </a:fontRef>
+        </p:style>
+        <p:txBody>
+          <a:bodyPr rtlCol="0" anchor="ctr"/>
+          <a:lstStyle/>
+          <a:p>
+            <a:pPr algn="ctr"/>
+            <a:endParaRPr lang="fr-FR"/>
+          </a:p>
+        </p:txBody>
+      </p:sp>
+      <p:cxnSp>
+        <p:nvCxnSpPr>
+          <p:cNvPr id="19" name="Connecteur droit avec flèche 18">
+            <a:extLst>
+              <a:ext uri="{FF2B5EF4-FFF2-40B4-BE49-F238E27FC236}">
+                <a16:creationId xmlns:a16="http://schemas.microsoft.com/office/drawing/2014/main" id="{58B5BD6B-3F30-9875-E017-26A08284AEA3}"/>
+              </a:ext>
+            </a:extLst>
+          </p:cNvPr>
+          <p:cNvCxnSpPr>
+            <a:cxnSpLocks/>
+          </p:cNvCxnSpPr>
+          <p:nvPr/>
+        </p:nvCxnSpPr>
+        <p:spPr>
+          <a:xfrm flipV="1">
+            <a:off x="6233583" y="777398"/>
+            <a:ext cx="0" cy="822802"/>
+          </a:xfrm>
+          <a:prstGeom prst="straightConnector1">
+            <a:avLst/>
+          </a:prstGeom>
+          <a:ln w="57150">
+            <a:solidFill>
+              <a:srgbClr val="C00000"/>
+            </a:solidFill>
+            <a:headEnd w="med" len="lg"/>
+            <a:tailEnd type="stealth" w="med" len="lg"/>
+          </a:ln>
+        </p:spPr>
+        <p:style>
+          <a:lnRef idx="1">
+            <a:schemeClr val="accent1"/>
+          </a:lnRef>
+          <a:fillRef idx="0">
+            <a:schemeClr val="accent1"/>
+          </a:fillRef>
+          <a:effectRef idx="0">
+            <a:schemeClr val="accent1"/>
+          </a:effectRef>
+          <a:fontRef idx="minor">
+            <a:schemeClr val="tx1"/>
+          </a:fontRef>
+        </p:style>
+      </p:cxnSp>
+      <p:cxnSp>
+        <p:nvCxnSpPr>
+          <p:cNvPr id="22" name="Connecteur droit avec flèche 21">
+            <a:extLst>
+              <a:ext uri="{FF2B5EF4-FFF2-40B4-BE49-F238E27FC236}">
+                <a16:creationId xmlns:a16="http://schemas.microsoft.com/office/drawing/2014/main" id="{4E82284D-47A0-FA0A-6B38-29BA73C812A3}"/>
+              </a:ext>
+            </a:extLst>
+          </p:cNvPr>
+          <p:cNvCxnSpPr>
+            <a:cxnSpLocks/>
+          </p:cNvCxnSpPr>
+          <p:nvPr/>
+        </p:nvCxnSpPr>
+        <p:spPr>
+          <a:xfrm flipV="1">
+            <a:off x="5439833" y="4625860"/>
+            <a:ext cx="0" cy="299619"/>
+          </a:xfrm>
+          <a:prstGeom prst="straightConnector1">
+            <a:avLst/>
+          </a:prstGeom>
+          <a:ln w="57150">
+            <a:solidFill>
+              <a:srgbClr val="00B050"/>
+            </a:solidFill>
+            <a:headEnd w="med" len="lg"/>
+            <a:tailEnd type="stealth" w="med" len="lg"/>
+          </a:ln>
+        </p:spPr>
+        <p:style>
+          <a:lnRef idx="1">
+            <a:schemeClr val="accent1"/>
+          </a:lnRef>
+          <a:fillRef idx="0">
+            <a:schemeClr val="accent1"/>
+          </a:fillRef>
+          <a:effectRef idx="0">
+            <a:schemeClr val="accent1"/>
+          </a:effectRef>
+          <a:fontRef idx="minor">
+            <a:schemeClr val="tx1"/>
+          </a:fontRef>
+        </p:style>
+      </p:cxnSp>
+      <p:cxnSp>
+        <p:nvCxnSpPr>
+          <p:cNvPr id="24" name="Connecteur droit avec flèche 23">
+            <a:extLst>
+              <a:ext uri="{FF2B5EF4-FFF2-40B4-BE49-F238E27FC236}">
+                <a16:creationId xmlns:a16="http://schemas.microsoft.com/office/drawing/2014/main" id="{FB625333-5A1A-5224-B27B-343A16B3C4CC}"/>
+              </a:ext>
+            </a:extLst>
+          </p:cNvPr>
+          <p:cNvCxnSpPr>
+            <a:cxnSpLocks/>
+          </p:cNvCxnSpPr>
+          <p:nvPr/>
+        </p:nvCxnSpPr>
+        <p:spPr>
+          <a:xfrm flipV="1">
+            <a:off x="5460999" y="831850"/>
+            <a:ext cx="0" cy="165100"/>
+          </a:xfrm>
+          <a:prstGeom prst="straightConnector1">
+            <a:avLst/>
+          </a:prstGeom>
+          <a:ln w="57150">
+            <a:solidFill>
+              <a:srgbClr val="00B050"/>
+            </a:solidFill>
+            <a:headEnd w="med" len="lg"/>
+            <a:tailEnd type="stealth" w="med" len="lg"/>
+          </a:ln>
+        </p:spPr>
+        <p:style>
+          <a:lnRef idx="1">
+            <a:schemeClr val="accent1"/>
+          </a:lnRef>
+          <a:fillRef idx="0">
+            <a:schemeClr val="accent1"/>
+          </a:fillRef>
+          <a:effectRef idx="0">
+            <a:schemeClr val="accent1"/>
+          </a:effectRef>
+          <a:fontRef idx="minor">
+            <a:schemeClr val="tx1"/>
+          </a:fontRef>
+        </p:style>
+      </p:cxnSp>
+      <mc:AlternateContent xmlns:mc="http://schemas.openxmlformats.org/markup-compatibility/2006">
+        <mc:Choice xmlns:a14="http://schemas.microsoft.com/office/drawing/2010/main" Requires="a14">
+          <p:sp>
+            <p:nvSpPr>
+              <p:cNvPr id="27" name="ZoneTexte 26">
+                <a:extLst>
+                  <a:ext uri="{FF2B5EF4-FFF2-40B4-BE49-F238E27FC236}">
+                    <a16:creationId xmlns:a16="http://schemas.microsoft.com/office/drawing/2014/main" id="{0C24E924-8D86-15E6-F3B6-0712C6D1379E}"/>
+                  </a:ext>
+                </a:extLst>
+              </p:cNvPr>
+              <p:cNvSpPr txBox="1"/>
+              <p:nvPr/>
+            </p:nvSpPr>
+            <p:spPr>
+              <a:xfrm>
+                <a:off x="5462832" y="4398230"/>
+                <a:ext cx="306173" cy="215444"/>
+              </a:xfrm>
+              <a:prstGeom prst="rect">
+                <a:avLst/>
+              </a:prstGeom>
+              <a:noFill/>
+            </p:spPr>
+            <p:txBody>
+              <a:bodyPr wrap="none" lIns="0" tIns="0" rIns="0" bIns="0" rtlCol="0">
+                <a:spAutoFit/>
+              </a:bodyPr>
+              <a:lstStyle/>
+              <a:p>
+                <a14:m>
+                  <m:oMathPara xmlns:m="http://schemas.openxmlformats.org/officeDocument/2006/math">
+                    <m:oMathParaPr>
+                      <m:jc m:val="centerGroup"/>
+                    </m:oMathParaPr>
+                    <m:oMath xmlns:m="http://schemas.openxmlformats.org/officeDocument/2006/math">
+                      <m:r>
+                        <a:rPr lang="fr-FR" sz="1400" i="1" smtClean="0">
+                          <a:latin typeface="Cambria Math" panose="02040503050406030204" pitchFamily="18" charset="0"/>
+                        </a:rPr>
+                        <m:t>4</m:t>
+                      </m:r>
+                      <m:r>
+                        <a:rPr lang="fr-FR" sz="1400" b="0" i="1" smtClean="0">
+                          <a:latin typeface="Cambria Math" panose="02040503050406030204" pitchFamily="18" charset="0"/>
+                        </a:rPr>
+                        <m:t>5°</m:t>
+                      </m:r>
+                    </m:oMath>
+                  </m:oMathPara>
+                </a14:m>
+                <a:endParaRPr lang="fr-FR" sz="1400" dirty="0"/>
+              </a:p>
+            </p:txBody>
+          </p:sp>
+        </mc:Choice>
+        <mc:Fallback>
+          <p:sp>
+            <p:nvSpPr>
+              <p:cNvPr id="27" name="ZoneTexte 26">
+                <a:extLst>
+                  <a:ext uri="{FF2B5EF4-FFF2-40B4-BE49-F238E27FC236}">
+                    <a16:creationId xmlns:a16="http://schemas.microsoft.com/office/drawing/2014/main" id="{0C24E924-8D86-15E6-F3B6-0712C6D1379E}"/>
+                  </a:ext>
+                </a:extLst>
+              </p:cNvPr>
+              <p:cNvSpPr txBox="1">
+                <a:spLocks noRot="1" noChangeAspect="1" noMove="1" noResize="1" noEditPoints="1" noAdjustHandles="1" noChangeArrowheads="1" noChangeShapeType="1" noTextEdit="1"/>
+              </p:cNvSpPr>
+              <p:nvPr/>
+            </p:nvSpPr>
+            <p:spPr>
+              <a:xfrm>
+                <a:off x="5462832" y="4398230"/>
+                <a:ext cx="306173" cy="215444"/>
+              </a:xfrm>
+              <a:prstGeom prst="rect">
+                <a:avLst/>
+              </a:prstGeom>
+              <a:blipFill>
+                <a:blip r:embed="rId4"/>
+                <a:stretch>
+                  <a:fillRect l="-14000" r="-14000" b="-5556"/>
+                </a:stretch>
+              </a:blipFill>
+            </p:spPr>
+            <p:txBody>
+              <a:bodyPr/>
+              <a:lstStyle/>
+              <a:p>
+                <a:r>
+                  <a:rPr lang="fr-FR">
+                    <a:noFill/>
+                  </a:rPr>
+                  <a:t> </a:t>
+                </a:r>
+              </a:p>
+            </p:txBody>
+          </p:sp>
+        </mc:Fallback>
+      </mc:AlternateContent>
+      <mc:AlternateContent xmlns:mc="http://schemas.openxmlformats.org/markup-compatibility/2006">
+        <mc:Choice xmlns:a14="http://schemas.microsoft.com/office/drawing/2010/main" Requires="a14">
+          <p:sp>
+            <p:nvSpPr>
+              <p:cNvPr id="28" name="ZoneTexte 27">
+                <a:extLst>
+                  <a:ext uri="{FF2B5EF4-FFF2-40B4-BE49-F238E27FC236}">
+                    <a16:creationId xmlns:a16="http://schemas.microsoft.com/office/drawing/2014/main" id="{D09E6CAF-E197-7892-C787-EF1BDBAD0AAA}"/>
+                  </a:ext>
+                </a:extLst>
+              </p:cNvPr>
+              <p:cNvSpPr txBox="1"/>
+              <p:nvPr/>
+            </p:nvSpPr>
+            <p:spPr>
+              <a:xfrm>
+                <a:off x="4697397" y="4453669"/>
+                <a:ext cx="306174" cy="215444"/>
+              </a:xfrm>
+              <a:prstGeom prst="rect">
+                <a:avLst/>
+              </a:prstGeom>
+              <a:noFill/>
+            </p:spPr>
+            <p:txBody>
+              <a:bodyPr wrap="none" lIns="0" tIns="0" rIns="0" bIns="0" rtlCol="0">
+                <a:spAutoFit/>
+              </a:bodyPr>
+              <a:lstStyle/>
+              <a:p>
+                <a14:m>
+                  <m:oMathPara xmlns:m="http://schemas.openxmlformats.org/officeDocument/2006/math">
+                    <m:oMathParaPr>
+                      <m:jc m:val="centerGroup"/>
+                    </m:oMathParaPr>
+                    <m:oMath xmlns:m="http://schemas.openxmlformats.org/officeDocument/2006/math">
+                      <m:r>
+                        <a:rPr lang="fr-FR" sz="1400" i="1" smtClean="0">
+                          <a:latin typeface="Cambria Math" panose="02040503050406030204" pitchFamily="18" charset="0"/>
+                        </a:rPr>
+                        <m:t>6</m:t>
+                      </m:r>
+                      <m:r>
+                        <a:rPr lang="fr-FR" sz="1400" b="0" i="1" smtClean="0">
+                          <a:latin typeface="Cambria Math" panose="02040503050406030204" pitchFamily="18" charset="0"/>
+                        </a:rPr>
+                        <m:t>5°</m:t>
+                      </m:r>
+                    </m:oMath>
+                  </m:oMathPara>
+                </a14:m>
+                <a:endParaRPr lang="fr-FR" sz="1400" dirty="0"/>
+              </a:p>
+            </p:txBody>
+          </p:sp>
+        </mc:Choice>
+        <mc:Fallback>
+          <p:sp>
+            <p:nvSpPr>
+              <p:cNvPr id="28" name="ZoneTexte 27">
+                <a:extLst>
+                  <a:ext uri="{FF2B5EF4-FFF2-40B4-BE49-F238E27FC236}">
+                    <a16:creationId xmlns:a16="http://schemas.microsoft.com/office/drawing/2014/main" id="{D09E6CAF-E197-7892-C787-EF1BDBAD0AAA}"/>
+                  </a:ext>
+                </a:extLst>
+              </p:cNvPr>
+              <p:cNvSpPr txBox="1">
+                <a:spLocks noRot="1" noChangeAspect="1" noMove="1" noResize="1" noEditPoints="1" noAdjustHandles="1" noChangeArrowheads="1" noChangeShapeType="1" noTextEdit="1"/>
+              </p:cNvSpPr>
+              <p:nvPr/>
+            </p:nvSpPr>
+            <p:spPr>
+              <a:xfrm>
+                <a:off x="4697397" y="4453669"/>
+                <a:ext cx="306174" cy="215444"/>
+              </a:xfrm>
+              <a:prstGeom prst="rect">
+                <a:avLst/>
+              </a:prstGeom>
+              <a:blipFill>
+                <a:blip r:embed="rId5"/>
+                <a:stretch>
+                  <a:fillRect l="-14000" r="-12000" b="-5714"/>
+                </a:stretch>
+              </a:blipFill>
+            </p:spPr>
+            <p:txBody>
+              <a:bodyPr/>
+              <a:lstStyle/>
+              <a:p>
+                <a:r>
+                  <a:rPr lang="fr-FR">
+                    <a:noFill/>
+                  </a:rPr>
+                  <a:t> </a:t>
+                </a:r>
+              </a:p>
+            </p:txBody>
+          </p:sp>
+        </mc:Fallback>
+      </mc:AlternateContent>
+      <mc:AlternateContent xmlns:mc="http://schemas.openxmlformats.org/markup-compatibility/2006">
+        <mc:Choice xmlns:a14="http://schemas.microsoft.com/office/drawing/2010/main" Requires="a14">
+          <p:sp>
+            <p:nvSpPr>
+              <p:cNvPr id="29" name="ZoneTexte 28">
+                <a:extLst>
+                  <a:ext uri="{FF2B5EF4-FFF2-40B4-BE49-F238E27FC236}">
+                    <a16:creationId xmlns:a16="http://schemas.microsoft.com/office/drawing/2014/main" id="{36ACC198-FA5E-7128-EA9C-24942D6A3C01}"/>
+                  </a:ext>
+                </a:extLst>
+              </p:cNvPr>
+              <p:cNvSpPr txBox="1"/>
+              <p:nvPr/>
+            </p:nvSpPr>
+            <p:spPr>
+              <a:xfrm>
+                <a:off x="4879664" y="827479"/>
+                <a:ext cx="447237" cy="215444"/>
+              </a:xfrm>
+              <a:prstGeom prst="rect">
+                <a:avLst/>
+              </a:prstGeom>
+              <a:noFill/>
+            </p:spPr>
+            <p:txBody>
+              <a:bodyPr wrap="none" lIns="0" tIns="0" rIns="0" bIns="0" rtlCol="0">
+                <a:spAutoFit/>
+              </a:bodyPr>
+              <a:lstStyle/>
+              <a:p>
+                <a14:m>
+                  <m:oMathPara xmlns:m="http://schemas.openxmlformats.org/officeDocument/2006/math">
+                    <m:oMathParaPr>
+                      <m:jc m:val="centerGroup"/>
+                    </m:oMathParaPr>
+                    <m:oMath xmlns:m="http://schemas.openxmlformats.org/officeDocument/2006/math">
+                      <m:r>
+                        <a:rPr lang="fr-FR" sz="1400" i="1" smtClean="0">
+                          <a:latin typeface="Cambria Math" panose="02040503050406030204" pitchFamily="18" charset="0"/>
+                        </a:rPr>
+                        <m:t>1</m:t>
+                      </m:r>
+                      <m:r>
+                        <a:rPr lang="fr-FR" sz="1400" b="0" i="1" smtClean="0">
+                          <a:latin typeface="Cambria Math" panose="02040503050406030204" pitchFamily="18" charset="0"/>
+                        </a:rPr>
+                        <m:t>0</m:t>
+                      </m:r>
+                      <m:r>
+                        <m:rPr>
+                          <m:sty m:val="p"/>
+                        </m:rPr>
+                        <a:rPr lang="fr-FR" sz="1400" b="0" i="0" smtClean="0">
+                          <a:latin typeface="Cambria Math" panose="02040503050406030204" pitchFamily="18" charset="0"/>
+                        </a:rPr>
+                        <m:t>dB</m:t>
+                      </m:r>
+                    </m:oMath>
+                  </m:oMathPara>
+                </a14:m>
+                <a:endParaRPr lang="fr-FR" sz="1400" dirty="0"/>
+              </a:p>
+            </p:txBody>
+          </p:sp>
+        </mc:Choice>
+        <mc:Fallback>
+          <p:sp>
+            <p:nvSpPr>
+              <p:cNvPr id="29" name="ZoneTexte 28">
+                <a:extLst>
+                  <a:ext uri="{FF2B5EF4-FFF2-40B4-BE49-F238E27FC236}">
+                    <a16:creationId xmlns:a16="http://schemas.microsoft.com/office/drawing/2014/main" id="{36ACC198-FA5E-7128-EA9C-24942D6A3C01}"/>
+                  </a:ext>
+                </a:extLst>
+              </p:cNvPr>
+              <p:cNvSpPr txBox="1">
+                <a:spLocks noRot="1" noChangeAspect="1" noMove="1" noResize="1" noEditPoints="1" noAdjustHandles="1" noChangeArrowheads="1" noChangeShapeType="1" noTextEdit="1"/>
+              </p:cNvSpPr>
+              <p:nvPr/>
+            </p:nvSpPr>
+            <p:spPr>
+              <a:xfrm>
+                <a:off x="4879664" y="827479"/>
+                <a:ext cx="447237" cy="215444"/>
+              </a:xfrm>
+              <a:prstGeom prst="rect">
+                <a:avLst/>
+              </a:prstGeom>
+              <a:blipFill>
+                <a:blip r:embed="rId6"/>
+                <a:stretch>
+                  <a:fillRect l="-8108" r="-9459" b="-5714"/>
+                </a:stretch>
+              </a:blipFill>
+            </p:spPr>
+            <p:txBody>
+              <a:bodyPr/>
+              <a:lstStyle/>
+              <a:p>
+                <a:r>
+                  <a:rPr lang="fr-FR">
+                    <a:noFill/>
+                  </a:rPr>
+                  <a:t> </a:t>
+                </a:r>
+              </a:p>
+            </p:txBody>
+          </p:sp>
+        </mc:Fallback>
+      </mc:AlternateContent>
+      <p:cxnSp>
+        <p:nvCxnSpPr>
+          <p:cNvPr id="31" name="Connecteur droit 30">
+            <a:extLst>
+              <a:ext uri="{FF2B5EF4-FFF2-40B4-BE49-F238E27FC236}">
+                <a16:creationId xmlns:a16="http://schemas.microsoft.com/office/drawing/2014/main" id="{F7CAE097-6F39-6435-D978-C8FDFAB3FC99}"/>
+              </a:ext>
+            </a:extLst>
+          </p:cNvPr>
+          <p:cNvCxnSpPr>
+            <a:cxnSpLocks/>
+          </p:cNvCxnSpPr>
+          <p:nvPr/>
+        </p:nvCxnSpPr>
+        <p:spPr>
+          <a:xfrm>
+            <a:off x="4454812" y="363216"/>
+            <a:ext cx="3886200" cy="1573676"/>
+          </a:xfrm>
+          <a:prstGeom prst="line">
+            <a:avLst/>
+          </a:prstGeom>
+          <a:ln w="28575">
+            <a:solidFill>
+              <a:srgbClr val="00B050"/>
+            </a:solidFill>
+          </a:ln>
+        </p:spPr>
+        <p:style>
+          <a:lnRef idx="1">
+            <a:schemeClr val="accent1"/>
+          </a:lnRef>
+          <a:fillRef idx="0">
+            <a:schemeClr val="accent1"/>
+          </a:fillRef>
+          <a:effectRef idx="0">
+            <a:schemeClr val="accent1"/>
+          </a:effectRef>
+          <a:fontRef idx="minor">
+            <a:schemeClr val="tx1"/>
+          </a:fontRef>
+        </p:style>
+      </p:cxnSp>
+    </p:spTree>
+    <p:extLst>
+      <p:ext uri="{BB962C8B-B14F-4D97-AF65-F5344CB8AC3E}">
+        <p14:creationId xmlns:p14="http://schemas.microsoft.com/office/powerpoint/2010/main" val="2955587724"/>
       </p:ext>
     </p:extLst>
   </p:cSld>
